--- a/README.pptx
+++ b/README.pptx
@@ -5,11 +5,12 @@
     <p:sldMasterId id="2147483648" r:id="rId1"/>
   </p:sldMasterIdLst>
   <p:notesMasterIdLst>
-    <p:notesMasterId r:id="rId4"/>
+    <p:notesMasterId r:id="rId5"/>
   </p:notesMasterIdLst>
   <p:sldIdLst>
     <p:sldId id="256" r:id="rId2"/>
     <p:sldId id="470" r:id="rId3"/>
+    <p:sldId id="471" r:id="rId4"/>
   </p:sldIdLst>
   <p:sldSz cx="12192000" cy="6858000"/>
   <p:notesSz cx="6858000" cy="9144000"/>
@@ -115,10 +116,8 @@
           <p14:sldIdLst>
             <p14:sldId id="256"/>
             <p14:sldId id="470"/>
+            <p14:sldId id="471"/>
           </p14:sldIdLst>
-        </p14:section>
-        <p14:section name="백업" id="{74809A0F-99F9-4B4D-80B2-DD250DF82063}">
-          <p14:sldIdLst/>
         </p14:section>
       </p14:sectionLst>
     </p:ext>
@@ -5618,6 +5617,83 @@
     <p:extLst>
       <p:ext uri="{BB962C8B-B14F-4D97-AF65-F5344CB8AC3E}">
         <p14:creationId xmlns:p14="http://schemas.microsoft.com/office/powerpoint/2010/main" val="2359498826"/>
+      </p:ext>
+    </p:extLst>
+  </p:cSld>
+  <p:clrMapOvr>
+    <a:masterClrMapping/>
+  </p:clrMapOvr>
+</p:sld>
+</file>
+
+<file path=ppt/slides/slide3.xml><?xml version="1.0" encoding="utf-8"?>
+<p:sld xmlns:a="http://schemas.openxmlformats.org/drawingml/2006/main" xmlns:r="http://schemas.openxmlformats.org/officeDocument/2006/relationships" xmlns:p="http://schemas.openxmlformats.org/presentationml/2006/main">
+  <p:cSld>
+    <p:spTree>
+      <p:nvGrpSpPr>
+        <p:cNvPr id="1" name=""/>
+        <p:cNvGrpSpPr/>
+        <p:nvPr/>
+      </p:nvGrpSpPr>
+      <p:grpSpPr>
+        <a:xfrm>
+          <a:off x="0" y="0"/>
+          <a:ext cx="0" cy="0"/>
+          <a:chOff x="0" y="0"/>
+          <a:chExt cx="0" cy="0"/>
+        </a:xfrm>
+      </p:grpSpPr>
+      <p:pic>
+        <p:nvPicPr>
+          <p:cNvPr id="1026" name="Picture 2">
+            <a:extLst>
+              <a:ext uri="{FF2B5EF4-FFF2-40B4-BE49-F238E27FC236}">
+                <a16:creationId xmlns:a16="http://schemas.microsoft.com/office/drawing/2014/main" id="{BC3ACB72-3A86-B1EF-E633-8641526CF5FA}"/>
+              </a:ext>
+            </a:extLst>
+          </p:cNvPr>
+          <p:cNvPicPr>
+            <a:picLocks noChangeAspect="1" noChangeArrowheads="1"/>
+          </p:cNvPicPr>
+          <p:nvPr/>
+        </p:nvPicPr>
+        <p:blipFill>
+          <a:blip r:embed="rId2">
+            <a:extLst>
+              <a:ext uri="{28A0092B-C50C-407E-A947-70E740481C1C}">
+                <a14:useLocalDpi xmlns:a14="http://schemas.microsoft.com/office/drawing/2010/main" val="0"/>
+              </a:ext>
+            </a:extLst>
+          </a:blip>
+          <a:srcRect/>
+          <a:stretch>
+            <a:fillRect/>
+          </a:stretch>
+        </p:blipFill>
+        <p:spPr bwMode="auto">
+          <a:xfrm>
+            <a:off x="2390775" y="1533525"/>
+            <a:ext cx="7410450" cy="3790950"/>
+          </a:xfrm>
+          <a:prstGeom prst="rect">
+            <a:avLst/>
+          </a:prstGeom>
+          <a:noFill/>
+          <a:extLst>
+            <a:ext uri="{909E8E84-426E-40DD-AFC4-6F175D3DCCD1}">
+              <a14:hiddenFill xmlns:a14="http://schemas.microsoft.com/office/drawing/2010/main">
+                <a:solidFill>
+                  <a:srgbClr val="FFFFFF"/>
+                </a:solidFill>
+              </a14:hiddenFill>
+            </a:ext>
+          </a:extLst>
+        </p:spPr>
+      </p:pic>
+    </p:spTree>
+    <p:extLst>
+      <p:ext uri="{BB962C8B-B14F-4D97-AF65-F5344CB8AC3E}">
+        <p14:creationId xmlns:p14="http://schemas.microsoft.com/office/powerpoint/2010/main" val="1254991443"/>
       </p:ext>
     </p:extLst>
   </p:cSld>

--- a/README.pptx
+++ b/README.pptx
@@ -5,12 +5,13 @@
     <p:sldMasterId id="2147483648" r:id="rId1"/>
   </p:sldMasterIdLst>
   <p:notesMasterIdLst>
-    <p:notesMasterId r:id="rId5"/>
+    <p:notesMasterId r:id="rId6"/>
   </p:notesMasterIdLst>
   <p:sldIdLst>
     <p:sldId id="256" r:id="rId2"/>
     <p:sldId id="470" r:id="rId3"/>
-    <p:sldId id="471" r:id="rId4"/>
+    <p:sldId id="473" r:id="rId4"/>
+    <p:sldId id="471" r:id="rId5"/>
   </p:sldIdLst>
   <p:sldSz cx="12192000" cy="6858000"/>
   <p:notesSz cx="6858000" cy="9144000"/>
@@ -116,6 +117,7 @@
           <p14:sldIdLst>
             <p14:sldId id="256"/>
             <p14:sldId id="470"/>
+            <p14:sldId id="473"/>
             <p14:sldId id="471"/>
           </p14:sldIdLst>
         </p14:section>
@@ -210,7 +212,7 @@
           <a:p>
             <a:fld id="{FCD79106-3FF3-4A4E-8823-1F6666CB5710}" type="datetimeFigureOut">
               <a:rPr lang="en-GB" smtClean="0"/>
-              <a:t>22/10/2024</a:t>
+              <a:t>26/10/2024</a:t>
             </a:fld>
             <a:endParaRPr lang="en-GB"/>
           </a:p>
@@ -627,7 +629,7 @@
           <a:p>
             <a:fld id="{1DF5A12A-26A2-4E24-9FC7-9E664B7E9A6F}" type="datetime1">
               <a:rPr lang="en-GB" smtClean="0"/>
-              <a:t>22/10/2024</a:t>
+              <a:t>26/10/2024</a:t>
             </a:fld>
             <a:endParaRPr lang="en-GB"/>
           </a:p>
@@ -827,7 +829,7 @@
           <a:p>
             <a:fld id="{CD959BCF-454B-4A7F-9166-1E5F3F64FBE6}" type="datetime1">
               <a:rPr lang="en-GB" smtClean="0"/>
-              <a:t>22/10/2024</a:t>
+              <a:t>26/10/2024</a:t>
             </a:fld>
             <a:endParaRPr lang="en-GB"/>
           </a:p>
@@ -1037,7 +1039,7 @@
           <a:p>
             <a:fld id="{E367124E-598A-4501-AF73-2206C8C14947}" type="datetime1">
               <a:rPr lang="en-GB" smtClean="0"/>
-              <a:t>22/10/2024</a:t>
+              <a:t>26/10/2024</a:t>
             </a:fld>
             <a:endParaRPr lang="en-GB"/>
           </a:p>
@@ -1237,7 +1239,7 @@
           <a:p>
             <a:fld id="{399D505F-7CD7-4DDA-8F81-3FF9C586E9C2}" type="datetime1">
               <a:rPr lang="en-GB" smtClean="0"/>
-              <a:t>22/10/2024</a:t>
+              <a:t>26/10/2024</a:t>
             </a:fld>
             <a:endParaRPr lang="en-GB"/>
           </a:p>
@@ -1513,7 +1515,7 @@
           <a:p>
             <a:fld id="{A2E4D1AA-7BEB-4479-BFF2-1D5C6FD00EDD}" type="datetime1">
               <a:rPr lang="en-GB" smtClean="0"/>
-              <a:t>22/10/2024</a:t>
+              <a:t>26/10/2024</a:t>
             </a:fld>
             <a:endParaRPr lang="en-GB"/>
           </a:p>
@@ -1781,7 +1783,7 @@
           <a:p>
             <a:fld id="{50F67719-83FC-48B9-A419-9636BC5FA1CE}" type="datetime1">
               <a:rPr lang="en-GB" smtClean="0"/>
-              <a:t>22/10/2024</a:t>
+              <a:t>26/10/2024</a:t>
             </a:fld>
             <a:endParaRPr lang="en-GB"/>
           </a:p>
@@ -2196,7 +2198,7 @@
           <a:p>
             <a:fld id="{05938E20-00E3-4256-8C0E-C2C15CE50C0A}" type="datetime1">
               <a:rPr lang="en-GB" smtClean="0"/>
-              <a:t>22/10/2024</a:t>
+              <a:t>26/10/2024</a:t>
             </a:fld>
             <a:endParaRPr lang="en-GB"/>
           </a:p>
@@ -2338,7 +2340,7 @@
           <a:p>
             <a:fld id="{C2B4F9F3-6D4D-4D5C-A257-2830B80EA9E5}" type="datetime1">
               <a:rPr lang="en-GB" smtClean="0"/>
-              <a:t>22/10/2024</a:t>
+              <a:t>26/10/2024</a:t>
             </a:fld>
             <a:endParaRPr lang="en-GB"/>
           </a:p>
@@ -2451,7 +2453,7 @@
           <a:p>
             <a:fld id="{1E9CD8E7-6E1F-4F0B-9D00-E8AA0B8A042C}" type="datetime1">
               <a:rPr lang="en-GB" smtClean="0"/>
-              <a:t>22/10/2024</a:t>
+              <a:t>26/10/2024</a:t>
             </a:fld>
             <a:endParaRPr lang="en-GB"/>
           </a:p>
@@ -2764,7 +2766,7 @@
           <a:p>
             <a:fld id="{2F1E6ACD-3707-4D80-9C32-0FE017AC8A1D}" type="datetime1">
               <a:rPr lang="en-GB" smtClean="0"/>
-              <a:t>22/10/2024</a:t>
+              <a:t>26/10/2024</a:t>
             </a:fld>
             <a:endParaRPr lang="en-GB"/>
           </a:p>
@@ -3053,7 +3055,7 @@
           <a:p>
             <a:fld id="{F18C52D3-A496-409F-8F5F-A0368619ACAD}" type="datetime1">
               <a:rPr lang="en-GB" smtClean="0"/>
-              <a:t>22/10/2024</a:t>
+              <a:t>26/10/2024</a:t>
             </a:fld>
             <a:endParaRPr lang="en-GB"/>
           </a:p>
@@ -3296,7 +3298,7 @@
           <a:p>
             <a:fld id="{1F12BE6B-3A78-44AF-A6B9-9109795A1A68}" type="datetime1">
               <a:rPr lang="en-GB" smtClean="0"/>
-              <a:t>22/10/2024</a:t>
+              <a:t>26/10/2024</a:t>
             </a:fld>
             <a:endParaRPr lang="en-GB"/>
           </a:p>
@@ -5627,6 +5629,1925 @@
 </file>
 
 <file path=ppt/slides/slide3.xml><?xml version="1.0" encoding="utf-8"?>
+<p:sld xmlns:a="http://schemas.openxmlformats.org/drawingml/2006/main" xmlns:r="http://schemas.openxmlformats.org/officeDocument/2006/relationships" xmlns:p="http://schemas.openxmlformats.org/presentationml/2006/main">
+  <p:cSld>
+    <p:spTree>
+      <p:nvGrpSpPr>
+        <p:cNvPr id="1" name="">
+          <a:extLst>
+            <a:ext uri="{FF2B5EF4-FFF2-40B4-BE49-F238E27FC236}">
+              <a16:creationId xmlns:a16="http://schemas.microsoft.com/office/drawing/2014/main" id="{53DF80F5-A735-62AF-1734-0D8E649543BC}"/>
+            </a:ext>
+          </a:extLst>
+        </p:cNvPr>
+        <p:cNvGrpSpPr/>
+        <p:nvPr/>
+      </p:nvGrpSpPr>
+      <p:grpSpPr>
+        <a:xfrm>
+          <a:off x="0" y="0"/>
+          <a:ext cx="0" cy="0"/>
+          <a:chOff x="0" y="0"/>
+          <a:chExt cx="0" cy="0"/>
+        </a:xfrm>
+      </p:grpSpPr>
+      <p:sp>
+        <p:nvSpPr>
+          <p:cNvPr id="103" name="직사각형 102">
+            <a:extLst>
+              <a:ext uri="{FF2B5EF4-FFF2-40B4-BE49-F238E27FC236}">
+                <a16:creationId xmlns:a16="http://schemas.microsoft.com/office/drawing/2014/main" id="{439CB424-662F-817D-F307-AB3B1683DF50}"/>
+              </a:ext>
+            </a:extLst>
+          </p:cNvPr>
+          <p:cNvSpPr/>
+          <p:nvPr/>
+        </p:nvSpPr>
+        <p:spPr>
+          <a:xfrm>
+            <a:off x="0" y="1614890"/>
+            <a:ext cx="12192000" cy="2300496"/>
+          </a:xfrm>
+          <a:prstGeom prst="rect">
+            <a:avLst/>
+          </a:prstGeom>
+          <a:solidFill>
+            <a:schemeClr val="bg1">
+              <a:lumMod val="95000"/>
+            </a:schemeClr>
+          </a:solidFill>
+          <a:ln>
+            <a:noFill/>
+          </a:ln>
+        </p:spPr>
+        <p:style>
+          <a:lnRef idx="2">
+            <a:schemeClr val="accent1">
+              <a:shade val="15000"/>
+            </a:schemeClr>
+          </a:lnRef>
+          <a:fillRef idx="1">
+            <a:schemeClr val="accent1"/>
+          </a:fillRef>
+          <a:effectRef idx="0">
+            <a:schemeClr val="accent1"/>
+          </a:effectRef>
+          <a:fontRef idx="minor">
+            <a:schemeClr val="lt1"/>
+          </a:fontRef>
+        </p:style>
+        <p:txBody>
+          <a:bodyPr rtlCol="0" anchor="ctr"/>
+          <a:lstStyle/>
+          <a:p>
+            <a:pPr algn="ctr"/>
+            <a:endParaRPr lang="en-GB"/>
+          </a:p>
+        </p:txBody>
+      </p:sp>
+      <p:sp>
+        <p:nvSpPr>
+          <p:cNvPr id="8" name="TextBox 7">
+            <a:extLst>
+              <a:ext uri="{FF2B5EF4-FFF2-40B4-BE49-F238E27FC236}">
+                <a16:creationId xmlns:a16="http://schemas.microsoft.com/office/drawing/2014/main" id="{4CD6CDEE-13A9-CE58-4F64-19D02C925918}"/>
+              </a:ext>
+            </a:extLst>
+          </p:cNvPr>
+          <p:cNvSpPr txBox="1"/>
+          <p:nvPr/>
+        </p:nvSpPr>
+        <p:spPr>
+          <a:xfrm>
+            <a:off x="420391" y="377532"/>
+            <a:ext cx="1300612" cy="707886"/>
+          </a:xfrm>
+          <a:prstGeom prst="rect">
+            <a:avLst/>
+          </a:prstGeom>
+          <a:noFill/>
+        </p:spPr>
+        <p:txBody>
+          <a:bodyPr wrap="none" rtlCol="0">
+            <a:spAutoFit/>
+          </a:bodyPr>
+          <a:lstStyle/>
+          <a:p>
+            <a:pPr algn="ctr"/>
+            <a:r>
+              <a:rPr lang="en-GB" sz="2400" b="1">
+                <a:solidFill>
+                  <a:srgbClr val="0070C0"/>
+                </a:solidFill>
+                <a:ea typeface="맑은 고딕" panose="020B0503020000020004" pitchFamily="50" charset="-127"/>
+                <a:cs typeface="Microsoft Sans Serif" panose="020B0604020202020204" pitchFamily="34" charset="0"/>
+              </a:rPr>
+              <a:t>DEV</a:t>
+            </a:r>
+          </a:p>
+          <a:p>
+            <a:pPr algn="ctr"/>
+            <a:r>
+              <a:rPr lang="en-GB" sz="1600" b="1">
+                <a:solidFill>
+                  <a:srgbClr val="0070C0"/>
+                </a:solidFill>
+                <a:ea typeface="맑은 고딕" panose="020B0503020000020004" pitchFamily="50" charset="-127"/>
+                <a:cs typeface="Microsoft Sans Serif" panose="020B0604020202020204" pitchFamily="34" charset="0"/>
+              </a:rPr>
+              <a:t>dev</a:t>
+            </a:r>
+            <a:r>
+              <a:rPr lang="en-GB" sz="1600">
+                <a:solidFill>
+                  <a:srgbClr val="0070C0"/>
+                </a:solidFill>
+                <a:ea typeface="맑은 고딕" panose="020B0503020000020004" pitchFamily="50" charset="-127"/>
+                <a:cs typeface="Microsoft Sans Serif" panose="020B0604020202020204" pitchFamily="34" charset="0"/>
+              </a:rPr>
+              <a:t>elopment</a:t>
+            </a:r>
+          </a:p>
+        </p:txBody>
+      </p:sp>
+      <p:sp>
+        <p:nvSpPr>
+          <p:cNvPr id="9" name="TextBox 8">
+            <a:extLst>
+              <a:ext uri="{FF2B5EF4-FFF2-40B4-BE49-F238E27FC236}">
+                <a16:creationId xmlns:a16="http://schemas.microsoft.com/office/drawing/2014/main" id="{D6DFE5D6-C288-14D7-5C1C-782FD4B8B952}"/>
+              </a:ext>
+            </a:extLst>
+          </p:cNvPr>
+          <p:cNvSpPr txBox="1"/>
+          <p:nvPr/>
+        </p:nvSpPr>
+        <p:spPr>
+          <a:xfrm>
+            <a:off x="10287339" y="377532"/>
+            <a:ext cx="1099981" cy="707886"/>
+          </a:xfrm>
+          <a:prstGeom prst="rect">
+            <a:avLst/>
+          </a:prstGeom>
+          <a:noFill/>
+        </p:spPr>
+        <p:txBody>
+          <a:bodyPr wrap="none" rtlCol="0">
+            <a:spAutoFit/>
+          </a:bodyPr>
+          <a:lstStyle/>
+          <a:p>
+            <a:pPr algn="ctr"/>
+            <a:r>
+              <a:rPr lang="en-GB" sz="2400" b="1">
+                <a:solidFill>
+                  <a:srgbClr val="C00000"/>
+                </a:solidFill>
+                <a:ea typeface="맑은 고딕" panose="020B0503020000020004" pitchFamily="50" charset="-127"/>
+                <a:cs typeface="Microsoft Sans Serif" panose="020B0604020202020204" pitchFamily="34" charset="0"/>
+              </a:rPr>
+              <a:t>OPS</a:t>
+            </a:r>
+          </a:p>
+          <a:p>
+            <a:pPr algn="ctr"/>
+            <a:r>
+              <a:rPr lang="en-GB" sz="1600" b="1">
+                <a:solidFill>
+                  <a:srgbClr val="C00000"/>
+                </a:solidFill>
+                <a:ea typeface="맑은 고딕" panose="020B0503020000020004" pitchFamily="50" charset="-127"/>
+                <a:cs typeface="Microsoft Sans Serif" panose="020B0604020202020204" pitchFamily="34" charset="0"/>
+              </a:rPr>
+              <a:t>operations</a:t>
+            </a:r>
+            <a:endParaRPr lang="en-GB" sz="1200" b="1">
+              <a:solidFill>
+                <a:srgbClr val="C00000"/>
+              </a:solidFill>
+              <a:ea typeface="맑은 고딕" panose="020B0503020000020004" pitchFamily="50" charset="-127"/>
+              <a:cs typeface="Microsoft Sans Serif" panose="020B0604020202020204" pitchFamily="34" charset="0"/>
+            </a:endParaRPr>
+          </a:p>
+        </p:txBody>
+      </p:sp>
+      <p:sp>
+        <p:nvSpPr>
+          <p:cNvPr id="22" name="TextBox 21">
+            <a:extLst>
+              <a:ext uri="{FF2B5EF4-FFF2-40B4-BE49-F238E27FC236}">
+                <a16:creationId xmlns:a16="http://schemas.microsoft.com/office/drawing/2014/main" id="{49BB99FC-A418-C107-ED0A-E12ECB768DBE}"/>
+              </a:ext>
+            </a:extLst>
+          </p:cNvPr>
+          <p:cNvSpPr txBox="1"/>
+          <p:nvPr/>
+        </p:nvSpPr>
+        <p:spPr>
+          <a:xfrm>
+            <a:off x="5565125" y="346755"/>
+            <a:ext cx="1491820" cy="769441"/>
+          </a:xfrm>
+          <a:prstGeom prst="rect">
+            <a:avLst/>
+          </a:prstGeom>
+          <a:noFill/>
+        </p:spPr>
+        <p:txBody>
+          <a:bodyPr wrap="none" rtlCol="0">
+            <a:spAutoFit/>
+          </a:bodyPr>
+          <a:lstStyle/>
+          <a:p>
+            <a:pPr algn="ctr"/>
+            <a:r>
+              <a:rPr lang="en-GB" sz="4400" b="1">
+                <a:solidFill>
+                  <a:srgbClr val="7030A0"/>
+                </a:solidFill>
+                <a:ea typeface="맑은 고딕" panose="020B0503020000020004" pitchFamily="50" charset="-127"/>
+                <a:cs typeface="Microsoft Sans Serif" panose="020B0604020202020204" pitchFamily="34" charset="0"/>
+              </a:rPr>
+              <a:t>CODE</a:t>
+            </a:r>
+          </a:p>
+        </p:txBody>
+      </p:sp>
+      <p:sp>
+        <p:nvSpPr>
+          <p:cNvPr id="104" name="직사각형 103">
+            <a:extLst>
+              <a:ext uri="{FF2B5EF4-FFF2-40B4-BE49-F238E27FC236}">
+                <a16:creationId xmlns:a16="http://schemas.microsoft.com/office/drawing/2014/main" id="{17636ED9-AEE0-EE64-CE9D-6FB9BDFDB7A4}"/>
+              </a:ext>
+            </a:extLst>
+          </p:cNvPr>
+          <p:cNvSpPr/>
+          <p:nvPr/>
+        </p:nvSpPr>
+        <p:spPr>
+          <a:xfrm>
+            <a:off x="0" y="5129363"/>
+            <a:ext cx="12192000" cy="1520582"/>
+          </a:xfrm>
+          <a:prstGeom prst="rect">
+            <a:avLst/>
+          </a:prstGeom>
+          <a:solidFill>
+            <a:schemeClr val="bg1">
+              <a:lumMod val="95000"/>
+            </a:schemeClr>
+          </a:solidFill>
+          <a:ln>
+            <a:noFill/>
+          </a:ln>
+        </p:spPr>
+        <p:style>
+          <a:lnRef idx="2">
+            <a:schemeClr val="accent1">
+              <a:shade val="15000"/>
+            </a:schemeClr>
+          </a:lnRef>
+          <a:fillRef idx="1">
+            <a:schemeClr val="accent1"/>
+          </a:fillRef>
+          <a:effectRef idx="0">
+            <a:schemeClr val="accent1"/>
+          </a:effectRef>
+          <a:fontRef idx="minor">
+            <a:schemeClr val="lt1"/>
+          </a:fontRef>
+        </p:style>
+        <p:txBody>
+          <a:bodyPr rtlCol="0" anchor="ctr"/>
+          <a:lstStyle/>
+          <a:p>
+            <a:pPr algn="ctr"/>
+            <a:endParaRPr lang="en-GB"/>
+          </a:p>
+        </p:txBody>
+      </p:sp>
+      <p:sp>
+        <p:nvSpPr>
+          <p:cNvPr id="18" name="TextBox 17">
+            <a:extLst>
+              <a:ext uri="{FF2B5EF4-FFF2-40B4-BE49-F238E27FC236}">
+                <a16:creationId xmlns:a16="http://schemas.microsoft.com/office/drawing/2014/main" id="{0088E984-5F53-6642-AE93-E073A2046811}"/>
+              </a:ext>
+            </a:extLst>
+          </p:cNvPr>
+          <p:cNvSpPr txBox="1"/>
+          <p:nvPr/>
+        </p:nvSpPr>
+        <p:spPr>
+          <a:xfrm>
+            <a:off x="5392641" y="2053362"/>
+            <a:ext cx="1836785" cy="369332"/>
+          </a:xfrm>
+          <a:prstGeom prst="rect">
+            <a:avLst/>
+          </a:prstGeom>
+          <a:noFill/>
+        </p:spPr>
+        <p:txBody>
+          <a:bodyPr wrap="none" rtlCol="0">
+            <a:spAutoFit/>
+          </a:bodyPr>
+          <a:lstStyle/>
+          <a:p>
+            <a:r>
+              <a:rPr lang="en-GB" b="1"/>
+              <a:t>Application Layer</a:t>
+            </a:r>
+          </a:p>
+        </p:txBody>
+      </p:sp>
+      <p:sp>
+        <p:nvSpPr>
+          <p:cNvPr id="19" name="TextBox 18">
+            <a:extLst>
+              <a:ext uri="{FF2B5EF4-FFF2-40B4-BE49-F238E27FC236}">
+                <a16:creationId xmlns:a16="http://schemas.microsoft.com/office/drawing/2014/main" id="{DB639313-8511-F238-2104-576BD0B05ED9}"/>
+              </a:ext>
+            </a:extLst>
+          </p:cNvPr>
+          <p:cNvSpPr txBox="1"/>
+          <p:nvPr/>
+        </p:nvSpPr>
+        <p:spPr>
+          <a:xfrm>
+            <a:off x="5561629" y="3107580"/>
+            <a:ext cx="1498808" cy="369332"/>
+          </a:xfrm>
+          <a:prstGeom prst="rect">
+            <a:avLst/>
+          </a:prstGeom>
+          <a:noFill/>
+        </p:spPr>
+        <p:txBody>
+          <a:bodyPr wrap="none" rtlCol="0">
+            <a:spAutoFit/>
+          </a:bodyPr>
+          <a:lstStyle/>
+          <a:p>
+            <a:r>
+              <a:rPr lang="en-GB" b="1"/>
+              <a:t>Domain Layer</a:t>
+            </a:r>
+          </a:p>
+        </p:txBody>
+      </p:sp>
+      <p:sp>
+        <p:nvSpPr>
+          <p:cNvPr id="20" name="TextBox 19">
+            <a:extLst>
+              <a:ext uri="{FF2B5EF4-FFF2-40B4-BE49-F238E27FC236}">
+                <a16:creationId xmlns:a16="http://schemas.microsoft.com/office/drawing/2014/main" id="{CB27CAB9-034E-F9D7-4384-E2C33166B8FF}"/>
+              </a:ext>
+            </a:extLst>
+          </p:cNvPr>
+          <p:cNvSpPr txBox="1"/>
+          <p:nvPr/>
+        </p:nvSpPr>
+        <p:spPr>
+          <a:xfrm>
+            <a:off x="5549863" y="5704987"/>
+            <a:ext cx="1522340" cy="369332"/>
+          </a:xfrm>
+          <a:prstGeom prst="rect">
+            <a:avLst/>
+          </a:prstGeom>
+          <a:noFill/>
+        </p:spPr>
+        <p:txBody>
+          <a:bodyPr wrap="none" rtlCol="0">
+            <a:spAutoFit/>
+          </a:bodyPr>
+          <a:lstStyle/>
+          <a:p>
+            <a:r>
+              <a:rPr lang="en-GB" b="1"/>
+              <a:t>Adapter Layer</a:t>
+            </a:r>
+          </a:p>
+        </p:txBody>
+      </p:sp>
+      <p:cxnSp>
+        <p:nvCxnSpPr>
+          <p:cNvPr id="28" name="연결선: 구부러짐 27">
+            <a:extLst>
+              <a:ext uri="{FF2B5EF4-FFF2-40B4-BE49-F238E27FC236}">
+                <a16:creationId xmlns:a16="http://schemas.microsoft.com/office/drawing/2014/main" id="{F134A9D8-C869-179D-DEB4-C166E24B22FF}"/>
+              </a:ext>
+            </a:extLst>
+          </p:cNvPr>
+          <p:cNvCxnSpPr>
+            <a:cxnSpLocks/>
+            <a:stCxn id="4" idx="3"/>
+            <a:endCxn id="57" idx="1"/>
+          </p:cNvCxnSpPr>
+          <p:nvPr/>
+        </p:nvCxnSpPr>
+        <p:spPr>
+          <a:xfrm flipV="1">
+            <a:off x="2032916" y="2716784"/>
+            <a:ext cx="343293" cy="1670197"/>
+          </a:xfrm>
+          <a:prstGeom prst="curvedConnector3">
+            <a:avLst>
+              <a:gd name="adj1" fmla="val 50000"/>
+            </a:avLst>
+          </a:prstGeom>
+          <a:ln w="19050">
+            <a:tailEnd type="triangle"/>
+          </a:ln>
+        </p:spPr>
+        <p:style>
+          <a:lnRef idx="1">
+            <a:schemeClr val="accent1"/>
+          </a:lnRef>
+          <a:fillRef idx="0">
+            <a:schemeClr val="accent1"/>
+          </a:fillRef>
+          <a:effectRef idx="0">
+            <a:schemeClr val="accent1"/>
+          </a:effectRef>
+          <a:fontRef idx="minor">
+            <a:schemeClr val="tx1"/>
+          </a:fontRef>
+        </p:style>
+      </p:cxnSp>
+      <p:cxnSp>
+        <p:nvCxnSpPr>
+          <p:cNvPr id="30" name="연결선: 구부러짐 29">
+            <a:extLst>
+              <a:ext uri="{FF2B5EF4-FFF2-40B4-BE49-F238E27FC236}">
+                <a16:creationId xmlns:a16="http://schemas.microsoft.com/office/drawing/2014/main" id="{0D2AEA60-7ED3-82B4-9301-18AE7D6527E3}"/>
+              </a:ext>
+            </a:extLst>
+          </p:cNvPr>
+          <p:cNvCxnSpPr>
+            <a:cxnSpLocks/>
+            <a:stCxn id="4" idx="3"/>
+            <a:endCxn id="58" idx="1"/>
+          </p:cNvCxnSpPr>
+          <p:nvPr/>
+        </p:nvCxnSpPr>
+        <p:spPr>
+          <a:xfrm>
+            <a:off x="2032916" y="4386981"/>
+            <a:ext cx="343293" cy="1502672"/>
+          </a:xfrm>
+          <a:prstGeom prst="curvedConnector3">
+            <a:avLst>
+              <a:gd name="adj1" fmla="val 50000"/>
+            </a:avLst>
+          </a:prstGeom>
+          <a:ln w="19050">
+            <a:tailEnd type="triangle"/>
+          </a:ln>
+        </p:spPr>
+        <p:style>
+          <a:lnRef idx="1">
+            <a:schemeClr val="accent1"/>
+          </a:lnRef>
+          <a:fillRef idx="0">
+            <a:schemeClr val="accent1"/>
+          </a:fillRef>
+          <a:effectRef idx="0">
+            <a:schemeClr val="accent1"/>
+          </a:effectRef>
+          <a:fontRef idx="minor">
+            <a:schemeClr val="tx1"/>
+          </a:fontRef>
+        </p:style>
+      </p:cxnSp>
+      <p:cxnSp>
+        <p:nvCxnSpPr>
+          <p:cNvPr id="40" name="연결선: 구부러짐 39">
+            <a:extLst>
+              <a:ext uri="{FF2B5EF4-FFF2-40B4-BE49-F238E27FC236}">
+                <a16:creationId xmlns:a16="http://schemas.microsoft.com/office/drawing/2014/main" id="{985FD9B4-70F2-0C8A-7695-77F0DD888B62}"/>
+              </a:ext>
+            </a:extLst>
+          </p:cNvPr>
+          <p:cNvCxnSpPr>
+            <a:cxnSpLocks/>
+            <a:stCxn id="5" idx="1"/>
+            <a:endCxn id="73" idx="3"/>
+          </p:cNvCxnSpPr>
+          <p:nvPr/>
+        </p:nvCxnSpPr>
+        <p:spPr>
+          <a:xfrm rot="10800000">
+            <a:off x="10192513" y="2716785"/>
+            <a:ext cx="343293" cy="1805591"/>
+          </a:xfrm>
+          <a:prstGeom prst="curvedConnector3">
+            <a:avLst>
+              <a:gd name="adj1" fmla="val 50000"/>
+            </a:avLst>
+          </a:prstGeom>
+          <a:ln w="19050">
+            <a:solidFill>
+              <a:srgbClr val="C00000"/>
+            </a:solidFill>
+            <a:tailEnd type="triangle"/>
+          </a:ln>
+        </p:spPr>
+        <p:style>
+          <a:lnRef idx="1">
+            <a:schemeClr val="accent1"/>
+          </a:lnRef>
+          <a:fillRef idx="0">
+            <a:schemeClr val="accent1"/>
+          </a:fillRef>
+          <a:effectRef idx="0">
+            <a:schemeClr val="accent1"/>
+          </a:effectRef>
+          <a:fontRef idx="minor">
+            <a:schemeClr val="tx1"/>
+          </a:fontRef>
+        </p:style>
+      </p:cxnSp>
+      <p:cxnSp>
+        <p:nvCxnSpPr>
+          <p:cNvPr id="43" name="연결선: 구부러짐 42">
+            <a:extLst>
+              <a:ext uri="{FF2B5EF4-FFF2-40B4-BE49-F238E27FC236}">
+                <a16:creationId xmlns:a16="http://schemas.microsoft.com/office/drawing/2014/main" id="{55B5EC8A-294D-7463-92EE-6640A2B4535E}"/>
+              </a:ext>
+            </a:extLst>
+          </p:cNvPr>
+          <p:cNvCxnSpPr>
+            <a:cxnSpLocks/>
+            <a:stCxn id="5" idx="1"/>
+            <a:endCxn id="87" idx="3"/>
+          </p:cNvCxnSpPr>
+          <p:nvPr/>
+        </p:nvCxnSpPr>
+        <p:spPr>
+          <a:xfrm rot="10800000" flipV="1">
+            <a:off x="10192513" y="4522375"/>
+            <a:ext cx="343293" cy="1367278"/>
+          </a:xfrm>
+          <a:prstGeom prst="curvedConnector3">
+            <a:avLst>
+              <a:gd name="adj1" fmla="val 50000"/>
+            </a:avLst>
+          </a:prstGeom>
+          <a:ln w="19050">
+            <a:solidFill>
+              <a:srgbClr val="C00000"/>
+            </a:solidFill>
+            <a:tailEnd type="triangle"/>
+          </a:ln>
+        </p:spPr>
+        <p:style>
+          <a:lnRef idx="1">
+            <a:schemeClr val="accent1"/>
+          </a:lnRef>
+          <a:fillRef idx="0">
+            <a:schemeClr val="accent1"/>
+          </a:fillRef>
+          <a:effectRef idx="0">
+            <a:schemeClr val="accent1"/>
+          </a:effectRef>
+          <a:fontRef idx="minor">
+            <a:schemeClr val="tx1"/>
+          </a:fontRef>
+        </p:style>
+      </p:cxnSp>
+      <p:cxnSp>
+        <p:nvCxnSpPr>
+          <p:cNvPr id="33" name="연결선: 구부러짐 32">
+            <a:extLst>
+              <a:ext uri="{FF2B5EF4-FFF2-40B4-BE49-F238E27FC236}">
+                <a16:creationId xmlns:a16="http://schemas.microsoft.com/office/drawing/2014/main" id="{39060BDB-FD43-5DDF-8F42-46BEDC823276}"/>
+              </a:ext>
+            </a:extLst>
+          </p:cNvPr>
+          <p:cNvCxnSpPr>
+            <a:cxnSpLocks/>
+            <a:stCxn id="57" idx="3"/>
+            <a:endCxn id="53" idx="1"/>
+          </p:cNvCxnSpPr>
+          <p:nvPr/>
+        </p:nvCxnSpPr>
+        <p:spPr>
+          <a:xfrm flipV="1">
+            <a:off x="3594836" y="2238028"/>
+            <a:ext cx="391535" cy="478756"/>
+          </a:xfrm>
+          <a:prstGeom prst="curvedConnector3">
+            <a:avLst>
+              <a:gd name="adj1" fmla="val 50000"/>
+            </a:avLst>
+          </a:prstGeom>
+          <a:ln w="19050">
+            <a:tailEnd type="triangle"/>
+          </a:ln>
+        </p:spPr>
+        <p:style>
+          <a:lnRef idx="1">
+            <a:schemeClr val="accent1"/>
+          </a:lnRef>
+          <a:fillRef idx="0">
+            <a:schemeClr val="accent1"/>
+          </a:fillRef>
+          <a:effectRef idx="0">
+            <a:schemeClr val="accent1"/>
+          </a:effectRef>
+          <a:fontRef idx="minor">
+            <a:schemeClr val="tx1"/>
+          </a:fontRef>
+        </p:style>
+      </p:cxnSp>
+      <p:cxnSp>
+        <p:nvCxnSpPr>
+          <p:cNvPr id="36" name="연결선: 구부러짐 35">
+            <a:extLst>
+              <a:ext uri="{FF2B5EF4-FFF2-40B4-BE49-F238E27FC236}">
+                <a16:creationId xmlns:a16="http://schemas.microsoft.com/office/drawing/2014/main" id="{97648D68-5927-B531-E875-C24AAE5EBB8C}"/>
+              </a:ext>
+            </a:extLst>
+          </p:cNvPr>
+          <p:cNvCxnSpPr>
+            <a:cxnSpLocks/>
+            <a:stCxn id="57" idx="3"/>
+            <a:endCxn id="54" idx="1"/>
+          </p:cNvCxnSpPr>
+          <p:nvPr/>
+        </p:nvCxnSpPr>
+        <p:spPr>
+          <a:xfrm>
+            <a:off x="3594836" y="2716784"/>
+            <a:ext cx="343293" cy="575462"/>
+          </a:xfrm>
+          <a:prstGeom prst="curvedConnector3">
+            <a:avLst>
+              <a:gd name="adj1" fmla="val 50000"/>
+            </a:avLst>
+          </a:prstGeom>
+          <a:ln w="19050">
+            <a:tailEnd type="triangle"/>
+          </a:ln>
+        </p:spPr>
+        <p:style>
+          <a:lnRef idx="1">
+            <a:schemeClr val="accent1"/>
+          </a:lnRef>
+          <a:fillRef idx="0">
+            <a:schemeClr val="accent1"/>
+          </a:fillRef>
+          <a:effectRef idx="0">
+            <a:schemeClr val="accent1"/>
+          </a:effectRef>
+          <a:fontRef idx="minor">
+            <a:schemeClr val="tx1"/>
+          </a:fontRef>
+        </p:style>
+      </p:cxnSp>
+      <p:sp>
+        <p:nvSpPr>
+          <p:cNvPr id="13" name="TextBox 12">
+            <a:extLst>
+              <a:ext uri="{FF2B5EF4-FFF2-40B4-BE49-F238E27FC236}">
+                <a16:creationId xmlns:a16="http://schemas.microsoft.com/office/drawing/2014/main" id="{069B3F77-5F02-E3ED-EBA9-654A51CB9FF7}"/>
+              </a:ext>
+            </a:extLst>
+          </p:cNvPr>
+          <p:cNvSpPr txBox="1"/>
+          <p:nvPr/>
+        </p:nvSpPr>
+        <p:spPr>
+          <a:xfrm>
+            <a:off x="4108861" y="3122969"/>
+            <a:ext cx="877163" cy="338554"/>
+          </a:xfrm>
+          <a:prstGeom prst="rect">
+            <a:avLst/>
+          </a:prstGeom>
+          <a:noFill/>
+        </p:spPr>
+        <p:txBody>
+          <a:bodyPr wrap="none" rtlCol="0">
+            <a:spAutoFit/>
+          </a:bodyPr>
+          <a:lstStyle/>
+          <a:p>
+            <a:r>
+              <a:rPr lang="en-GB" sz="1600">
+                <a:solidFill>
+                  <a:srgbClr val="0070C0"/>
+                </a:solidFill>
+              </a:rPr>
+              <a:t>Biz. Unit</a:t>
+            </a:r>
+          </a:p>
+        </p:txBody>
+      </p:sp>
+      <p:sp>
+        <p:nvSpPr>
+          <p:cNvPr id="54" name="직사각형 53">
+            <a:extLst>
+              <a:ext uri="{FF2B5EF4-FFF2-40B4-BE49-F238E27FC236}">
+                <a16:creationId xmlns:a16="http://schemas.microsoft.com/office/drawing/2014/main" id="{482F8CC4-8A8B-7B73-27AD-C38F09529D23}"/>
+              </a:ext>
+            </a:extLst>
+          </p:cNvPr>
+          <p:cNvSpPr/>
+          <p:nvPr/>
+        </p:nvSpPr>
+        <p:spPr>
+          <a:xfrm>
+            <a:off x="3938129" y="3012276"/>
+            <a:ext cx="1218627" cy="559940"/>
+          </a:xfrm>
+          <a:prstGeom prst="rect">
+            <a:avLst/>
+          </a:prstGeom>
+          <a:noFill/>
+          <a:ln w="3175">
+            <a:solidFill>
+              <a:srgbClr val="0070C0"/>
+            </a:solidFill>
+            <a:prstDash val="sysDash"/>
+          </a:ln>
+        </p:spPr>
+        <p:style>
+          <a:lnRef idx="2">
+            <a:schemeClr val="accent1">
+              <a:shade val="15000"/>
+            </a:schemeClr>
+          </a:lnRef>
+          <a:fillRef idx="1">
+            <a:schemeClr val="accent1"/>
+          </a:fillRef>
+          <a:effectRef idx="0">
+            <a:schemeClr val="accent1"/>
+          </a:effectRef>
+          <a:fontRef idx="minor">
+            <a:schemeClr val="lt1"/>
+          </a:fontRef>
+        </p:style>
+        <p:txBody>
+          <a:bodyPr rtlCol="0" anchor="ctr"/>
+          <a:lstStyle/>
+          <a:p>
+            <a:pPr algn="ctr"/>
+            <a:endParaRPr lang="en-GB"/>
+          </a:p>
+        </p:txBody>
+      </p:sp>
+      <p:sp>
+        <p:nvSpPr>
+          <p:cNvPr id="12" name="TextBox 11">
+            <a:extLst>
+              <a:ext uri="{FF2B5EF4-FFF2-40B4-BE49-F238E27FC236}">
+                <a16:creationId xmlns:a16="http://schemas.microsoft.com/office/drawing/2014/main" id="{874A99CE-DF17-7FFF-4C9D-29977E58C576}"/>
+              </a:ext>
+            </a:extLst>
+          </p:cNvPr>
+          <p:cNvSpPr txBox="1"/>
+          <p:nvPr/>
+        </p:nvSpPr>
+        <p:spPr>
+          <a:xfrm>
+            <a:off x="4135879" y="2068751"/>
+            <a:ext cx="919611" cy="338554"/>
+          </a:xfrm>
+          <a:prstGeom prst="rect">
+            <a:avLst/>
+          </a:prstGeom>
+          <a:noFill/>
+        </p:spPr>
+        <p:txBody>
+          <a:bodyPr wrap="none" rtlCol="0">
+            <a:spAutoFit/>
+          </a:bodyPr>
+          <a:lstStyle/>
+          <a:p>
+            <a:r>
+              <a:rPr lang="en-GB" sz="1600">
+                <a:solidFill>
+                  <a:srgbClr val="0070C0"/>
+                </a:solidFill>
+              </a:rPr>
+              <a:t>Biz. Flow</a:t>
+            </a:r>
+          </a:p>
+        </p:txBody>
+      </p:sp>
+      <p:sp>
+        <p:nvSpPr>
+          <p:cNvPr id="53" name="직사각형 52">
+            <a:extLst>
+              <a:ext uri="{FF2B5EF4-FFF2-40B4-BE49-F238E27FC236}">
+                <a16:creationId xmlns:a16="http://schemas.microsoft.com/office/drawing/2014/main" id="{32C1858A-218D-EAFE-A556-741DB0155B2C}"/>
+              </a:ext>
+            </a:extLst>
+          </p:cNvPr>
+          <p:cNvSpPr/>
+          <p:nvPr/>
+        </p:nvSpPr>
+        <p:spPr>
+          <a:xfrm>
+            <a:off x="3986371" y="1958058"/>
+            <a:ext cx="1218627" cy="559940"/>
+          </a:xfrm>
+          <a:prstGeom prst="rect">
+            <a:avLst/>
+          </a:prstGeom>
+          <a:noFill/>
+          <a:ln w="3175">
+            <a:solidFill>
+              <a:srgbClr val="0070C0"/>
+            </a:solidFill>
+            <a:prstDash val="sysDash"/>
+          </a:ln>
+        </p:spPr>
+        <p:style>
+          <a:lnRef idx="2">
+            <a:schemeClr val="accent1">
+              <a:shade val="15000"/>
+            </a:schemeClr>
+          </a:lnRef>
+          <a:fillRef idx="1">
+            <a:schemeClr val="accent1"/>
+          </a:fillRef>
+          <a:effectRef idx="0">
+            <a:schemeClr val="accent1"/>
+          </a:effectRef>
+          <a:fontRef idx="minor">
+            <a:schemeClr val="lt1"/>
+          </a:fontRef>
+        </p:style>
+        <p:txBody>
+          <a:bodyPr rtlCol="0" anchor="ctr"/>
+          <a:lstStyle/>
+          <a:p>
+            <a:pPr algn="ctr"/>
+            <a:endParaRPr lang="en-GB"/>
+          </a:p>
+        </p:txBody>
+      </p:sp>
+      <p:sp>
+        <p:nvSpPr>
+          <p:cNvPr id="10" name="TextBox 9">
+            <a:extLst>
+              <a:ext uri="{FF2B5EF4-FFF2-40B4-BE49-F238E27FC236}">
+                <a16:creationId xmlns:a16="http://schemas.microsoft.com/office/drawing/2014/main" id="{CFB426D4-20C5-3565-AF0F-F5D696773247}"/>
+              </a:ext>
+            </a:extLst>
+          </p:cNvPr>
+          <p:cNvSpPr txBox="1"/>
+          <p:nvPr/>
+        </p:nvSpPr>
+        <p:spPr>
+          <a:xfrm>
+            <a:off x="2729683" y="2532118"/>
+            <a:ext cx="511679" cy="369332"/>
+          </a:xfrm>
+          <a:prstGeom prst="rect">
+            <a:avLst/>
+          </a:prstGeom>
+          <a:noFill/>
+        </p:spPr>
+        <p:txBody>
+          <a:bodyPr wrap="none" rtlCol="0">
+            <a:spAutoFit/>
+          </a:bodyPr>
+          <a:lstStyle/>
+          <a:p>
+            <a:r>
+              <a:rPr lang="en-GB">
+                <a:solidFill>
+                  <a:srgbClr val="0070C0"/>
+                </a:solidFill>
+              </a:rPr>
+              <a:t>Biz.</a:t>
+            </a:r>
+          </a:p>
+        </p:txBody>
+      </p:sp>
+      <p:sp>
+        <p:nvSpPr>
+          <p:cNvPr id="57" name="직사각형 56">
+            <a:extLst>
+              <a:ext uri="{FF2B5EF4-FFF2-40B4-BE49-F238E27FC236}">
+                <a16:creationId xmlns:a16="http://schemas.microsoft.com/office/drawing/2014/main" id="{215E47AA-CB25-FE4D-840A-0C90AC12BF49}"/>
+              </a:ext>
+            </a:extLst>
+          </p:cNvPr>
+          <p:cNvSpPr/>
+          <p:nvPr/>
+        </p:nvSpPr>
+        <p:spPr>
+          <a:xfrm>
+            <a:off x="2376209" y="2436814"/>
+            <a:ext cx="1218627" cy="559940"/>
+          </a:xfrm>
+          <a:prstGeom prst="rect">
+            <a:avLst/>
+          </a:prstGeom>
+          <a:noFill/>
+          <a:ln w="3175">
+            <a:solidFill>
+              <a:srgbClr val="0070C0"/>
+            </a:solidFill>
+            <a:prstDash val="sysDash"/>
+          </a:ln>
+        </p:spPr>
+        <p:style>
+          <a:lnRef idx="2">
+            <a:schemeClr val="accent1">
+              <a:shade val="15000"/>
+            </a:schemeClr>
+          </a:lnRef>
+          <a:fillRef idx="1">
+            <a:schemeClr val="accent1"/>
+          </a:fillRef>
+          <a:effectRef idx="0">
+            <a:schemeClr val="accent1"/>
+          </a:effectRef>
+          <a:fontRef idx="minor">
+            <a:schemeClr val="lt1"/>
+          </a:fontRef>
+        </p:style>
+        <p:txBody>
+          <a:bodyPr rtlCol="0" anchor="ctr"/>
+          <a:lstStyle/>
+          <a:p>
+            <a:pPr algn="ctr"/>
+            <a:endParaRPr lang="en-GB"/>
+          </a:p>
+        </p:txBody>
+      </p:sp>
+      <p:sp>
+        <p:nvSpPr>
+          <p:cNvPr id="11" name="TextBox 10">
+            <a:extLst>
+              <a:ext uri="{FF2B5EF4-FFF2-40B4-BE49-F238E27FC236}">
+                <a16:creationId xmlns:a16="http://schemas.microsoft.com/office/drawing/2014/main" id="{DFFD47CB-894C-35B8-03F0-8C2A7735A972}"/>
+              </a:ext>
+            </a:extLst>
+          </p:cNvPr>
+          <p:cNvSpPr txBox="1"/>
+          <p:nvPr/>
+        </p:nvSpPr>
+        <p:spPr>
+          <a:xfrm>
+            <a:off x="2650975" y="5704987"/>
+            <a:ext cx="669094" cy="369332"/>
+          </a:xfrm>
+          <a:prstGeom prst="rect">
+            <a:avLst/>
+          </a:prstGeom>
+          <a:noFill/>
+        </p:spPr>
+        <p:txBody>
+          <a:bodyPr wrap="none" rtlCol="0">
+            <a:spAutoFit/>
+          </a:bodyPr>
+          <a:lstStyle/>
+          <a:p>
+            <a:r>
+              <a:rPr lang="en-GB">
+                <a:solidFill>
+                  <a:srgbClr val="0070C0"/>
+                </a:solidFill>
+              </a:rPr>
+              <a:t>Tech.</a:t>
+            </a:r>
+          </a:p>
+        </p:txBody>
+      </p:sp>
+      <p:sp>
+        <p:nvSpPr>
+          <p:cNvPr id="58" name="직사각형 57">
+            <a:extLst>
+              <a:ext uri="{FF2B5EF4-FFF2-40B4-BE49-F238E27FC236}">
+                <a16:creationId xmlns:a16="http://schemas.microsoft.com/office/drawing/2014/main" id="{270943C8-142D-C0B1-DFAB-FBEC4333CDC3}"/>
+              </a:ext>
+            </a:extLst>
+          </p:cNvPr>
+          <p:cNvSpPr/>
+          <p:nvPr/>
+        </p:nvSpPr>
+        <p:spPr>
+          <a:xfrm>
+            <a:off x="2376209" y="5609683"/>
+            <a:ext cx="1218627" cy="559940"/>
+          </a:xfrm>
+          <a:prstGeom prst="rect">
+            <a:avLst/>
+          </a:prstGeom>
+          <a:noFill/>
+          <a:ln w="3175">
+            <a:solidFill>
+              <a:srgbClr val="0070C0"/>
+            </a:solidFill>
+            <a:prstDash val="sysDash"/>
+          </a:ln>
+        </p:spPr>
+        <p:style>
+          <a:lnRef idx="2">
+            <a:schemeClr val="accent1">
+              <a:shade val="15000"/>
+            </a:schemeClr>
+          </a:lnRef>
+          <a:fillRef idx="1">
+            <a:schemeClr val="accent1"/>
+          </a:fillRef>
+          <a:effectRef idx="0">
+            <a:schemeClr val="accent1"/>
+          </a:effectRef>
+          <a:fontRef idx="minor">
+            <a:schemeClr val="lt1"/>
+          </a:fontRef>
+        </p:style>
+        <p:txBody>
+          <a:bodyPr rtlCol="0" anchor="ctr"/>
+          <a:lstStyle/>
+          <a:p>
+            <a:pPr algn="ctr"/>
+            <a:endParaRPr lang="en-GB"/>
+          </a:p>
+        </p:txBody>
+      </p:sp>
+      <p:cxnSp>
+        <p:nvCxnSpPr>
+          <p:cNvPr id="46" name="연결선: 구부러짐 45">
+            <a:extLst>
+              <a:ext uri="{FF2B5EF4-FFF2-40B4-BE49-F238E27FC236}">
+                <a16:creationId xmlns:a16="http://schemas.microsoft.com/office/drawing/2014/main" id="{C9F9450A-3657-53F2-BEAC-C474836C18AF}"/>
+              </a:ext>
+            </a:extLst>
+          </p:cNvPr>
+          <p:cNvCxnSpPr>
+            <a:cxnSpLocks/>
+            <a:stCxn id="73" idx="1"/>
+            <a:endCxn id="56" idx="3"/>
+          </p:cNvCxnSpPr>
+          <p:nvPr/>
+        </p:nvCxnSpPr>
+        <p:spPr>
+          <a:xfrm rot="10800000">
+            <a:off x="8635697" y="2238028"/>
+            <a:ext cx="338189" cy="478756"/>
+          </a:xfrm>
+          <a:prstGeom prst="curvedConnector3">
+            <a:avLst>
+              <a:gd name="adj1" fmla="val 50000"/>
+            </a:avLst>
+          </a:prstGeom>
+          <a:ln w="19050">
+            <a:solidFill>
+              <a:srgbClr val="C00000"/>
+            </a:solidFill>
+            <a:tailEnd type="triangle"/>
+          </a:ln>
+        </p:spPr>
+        <p:style>
+          <a:lnRef idx="1">
+            <a:schemeClr val="accent1"/>
+          </a:lnRef>
+          <a:fillRef idx="0">
+            <a:schemeClr val="accent1"/>
+          </a:fillRef>
+          <a:effectRef idx="0">
+            <a:schemeClr val="accent1"/>
+          </a:effectRef>
+          <a:fontRef idx="minor">
+            <a:schemeClr val="tx1"/>
+          </a:fontRef>
+        </p:style>
+      </p:cxnSp>
+      <p:cxnSp>
+        <p:nvCxnSpPr>
+          <p:cNvPr id="50" name="연결선: 구부러짐 49">
+            <a:extLst>
+              <a:ext uri="{FF2B5EF4-FFF2-40B4-BE49-F238E27FC236}">
+                <a16:creationId xmlns:a16="http://schemas.microsoft.com/office/drawing/2014/main" id="{7F4715E9-3396-5194-92B6-B46A295031D6}"/>
+              </a:ext>
+            </a:extLst>
+          </p:cNvPr>
+          <p:cNvCxnSpPr>
+            <a:cxnSpLocks/>
+            <a:stCxn id="73" idx="1"/>
+            <a:endCxn id="55" idx="3"/>
+          </p:cNvCxnSpPr>
+          <p:nvPr/>
+        </p:nvCxnSpPr>
+        <p:spPr>
+          <a:xfrm rot="10800000" flipV="1">
+            <a:off x="8629431" y="2716784"/>
+            <a:ext cx="344454" cy="575462"/>
+          </a:xfrm>
+          <a:prstGeom prst="curvedConnector3">
+            <a:avLst>
+              <a:gd name="adj1" fmla="val 50000"/>
+            </a:avLst>
+          </a:prstGeom>
+          <a:ln w="19050">
+            <a:solidFill>
+              <a:srgbClr val="C00000"/>
+            </a:solidFill>
+            <a:tailEnd type="triangle"/>
+          </a:ln>
+        </p:spPr>
+        <p:style>
+          <a:lnRef idx="1">
+            <a:schemeClr val="accent1"/>
+          </a:lnRef>
+          <a:fillRef idx="0">
+            <a:schemeClr val="accent1"/>
+          </a:fillRef>
+          <a:effectRef idx="0">
+            <a:schemeClr val="accent1"/>
+          </a:effectRef>
+          <a:fontRef idx="minor">
+            <a:schemeClr val="tx1"/>
+          </a:fontRef>
+        </p:style>
+      </p:cxnSp>
+      <p:sp>
+        <p:nvSpPr>
+          <p:cNvPr id="17" name="TextBox 16">
+            <a:extLst>
+              <a:ext uri="{FF2B5EF4-FFF2-40B4-BE49-F238E27FC236}">
+                <a16:creationId xmlns:a16="http://schemas.microsoft.com/office/drawing/2014/main" id="{F5A2EC0B-582A-A9F0-0008-2DC8A9E0E780}"/>
+              </a:ext>
+            </a:extLst>
+          </p:cNvPr>
+          <p:cNvSpPr txBox="1"/>
+          <p:nvPr/>
+        </p:nvSpPr>
+        <p:spPr>
+          <a:xfrm>
+            <a:off x="7581536" y="3122969"/>
+            <a:ext cx="877163" cy="338554"/>
+          </a:xfrm>
+          <a:prstGeom prst="rect">
+            <a:avLst/>
+          </a:prstGeom>
+          <a:noFill/>
+        </p:spPr>
+        <p:txBody>
+          <a:bodyPr wrap="none" rtlCol="0">
+            <a:spAutoFit/>
+          </a:bodyPr>
+          <a:lstStyle/>
+          <a:p>
+            <a:r>
+              <a:rPr lang="en-GB" sz="1600">
+                <a:solidFill>
+                  <a:srgbClr val="C00000"/>
+                </a:solidFill>
+              </a:rPr>
+              <a:t>Biz. Unit</a:t>
+            </a:r>
+          </a:p>
+        </p:txBody>
+      </p:sp>
+      <p:sp>
+        <p:nvSpPr>
+          <p:cNvPr id="55" name="직사각형 54">
+            <a:extLst>
+              <a:ext uri="{FF2B5EF4-FFF2-40B4-BE49-F238E27FC236}">
+                <a16:creationId xmlns:a16="http://schemas.microsoft.com/office/drawing/2014/main" id="{92EB2D39-CBE7-AFC5-6FCF-24F58982F984}"/>
+              </a:ext>
+            </a:extLst>
+          </p:cNvPr>
+          <p:cNvSpPr/>
+          <p:nvPr/>
+        </p:nvSpPr>
+        <p:spPr>
+          <a:xfrm>
+            <a:off x="7410804" y="3012276"/>
+            <a:ext cx="1218627" cy="559940"/>
+          </a:xfrm>
+          <a:prstGeom prst="rect">
+            <a:avLst/>
+          </a:prstGeom>
+          <a:noFill/>
+          <a:ln w="3175">
+            <a:solidFill>
+              <a:srgbClr val="C00000"/>
+            </a:solidFill>
+            <a:prstDash val="sysDash"/>
+          </a:ln>
+        </p:spPr>
+        <p:style>
+          <a:lnRef idx="2">
+            <a:schemeClr val="accent1">
+              <a:shade val="15000"/>
+            </a:schemeClr>
+          </a:lnRef>
+          <a:fillRef idx="1">
+            <a:schemeClr val="accent1"/>
+          </a:fillRef>
+          <a:effectRef idx="0">
+            <a:schemeClr val="accent1"/>
+          </a:effectRef>
+          <a:fontRef idx="minor">
+            <a:schemeClr val="lt1"/>
+          </a:fontRef>
+        </p:style>
+        <p:txBody>
+          <a:bodyPr rtlCol="0" anchor="ctr"/>
+          <a:lstStyle/>
+          <a:p>
+            <a:pPr algn="ctr"/>
+            <a:endParaRPr lang="en-GB"/>
+          </a:p>
+        </p:txBody>
+      </p:sp>
+      <p:sp>
+        <p:nvSpPr>
+          <p:cNvPr id="16" name="TextBox 15">
+            <a:extLst>
+              <a:ext uri="{FF2B5EF4-FFF2-40B4-BE49-F238E27FC236}">
+                <a16:creationId xmlns:a16="http://schemas.microsoft.com/office/drawing/2014/main" id="{61E37DF0-C7A9-BCB9-08ED-CF9BD73BED69}"/>
+              </a:ext>
+            </a:extLst>
+          </p:cNvPr>
+          <p:cNvSpPr txBox="1"/>
+          <p:nvPr/>
+        </p:nvSpPr>
+        <p:spPr>
+          <a:xfrm>
+            <a:off x="7566577" y="2068751"/>
+            <a:ext cx="919611" cy="338554"/>
+          </a:xfrm>
+          <a:prstGeom prst="rect">
+            <a:avLst/>
+          </a:prstGeom>
+          <a:noFill/>
+        </p:spPr>
+        <p:txBody>
+          <a:bodyPr wrap="none" rtlCol="0">
+            <a:spAutoFit/>
+          </a:bodyPr>
+          <a:lstStyle/>
+          <a:p>
+            <a:r>
+              <a:rPr lang="en-GB" sz="1600">
+                <a:solidFill>
+                  <a:srgbClr val="C00000"/>
+                </a:solidFill>
+              </a:rPr>
+              <a:t>Biz. Flow</a:t>
+            </a:r>
+          </a:p>
+        </p:txBody>
+      </p:sp>
+      <p:sp>
+        <p:nvSpPr>
+          <p:cNvPr id="56" name="직사각형 55">
+            <a:extLst>
+              <a:ext uri="{FF2B5EF4-FFF2-40B4-BE49-F238E27FC236}">
+                <a16:creationId xmlns:a16="http://schemas.microsoft.com/office/drawing/2014/main" id="{A1094551-630F-8920-AB89-C613442CB70D}"/>
+              </a:ext>
+            </a:extLst>
+          </p:cNvPr>
+          <p:cNvSpPr/>
+          <p:nvPr/>
+        </p:nvSpPr>
+        <p:spPr>
+          <a:xfrm>
+            <a:off x="7417069" y="1958058"/>
+            <a:ext cx="1218627" cy="559940"/>
+          </a:xfrm>
+          <a:prstGeom prst="rect">
+            <a:avLst/>
+          </a:prstGeom>
+          <a:noFill/>
+          <a:ln w="3175">
+            <a:solidFill>
+              <a:srgbClr val="C00000"/>
+            </a:solidFill>
+            <a:prstDash val="sysDash"/>
+          </a:ln>
+        </p:spPr>
+        <p:style>
+          <a:lnRef idx="2">
+            <a:schemeClr val="accent1">
+              <a:shade val="15000"/>
+            </a:schemeClr>
+          </a:lnRef>
+          <a:fillRef idx="1">
+            <a:schemeClr val="accent1"/>
+          </a:fillRef>
+          <a:effectRef idx="0">
+            <a:schemeClr val="accent1"/>
+          </a:effectRef>
+          <a:fontRef idx="minor">
+            <a:schemeClr val="lt1"/>
+          </a:fontRef>
+        </p:style>
+        <p:txBody>
+          <a:bodyPr rtlCol="0" anchor="ctr"/>
+          <a:lstStyle/>
+          <a:p>
+            <a:pPr algn="ctr"/>
+            <a:endParaRPr lang="en-GB"/>
+          </a:p>
+        </p:txBody>
+      </p:sp>
+      <p:sp>
+        <p:nvSpPr>
+          <p:cNvPr id="14" name="TextBox 13">
+            <a:extLst>
+              <a:ext uri="{FF2B5EF4-FFF2-40B4-BE49-F238E27FC236}">
+                <a16:creationId xmlns:a16="http://schemas.microsoft.com/office/drawing/2014/main" id="{683F5812-7A44-2F87-4463-5E3F8083E33C}"/>
+              </a:ext>
+            </a:extLst>
+          </p:cNvPr>
+          <p:cNvSpPr txBox="1"/>
+          <p:nvPr/>
+        </p:nvSpPr>
+        <p:spPr>
+          <a:xfrm>
+            <a:off x="9327359" y="2532118"/>
+            <a:ext cx="511679" cy="369332"/>
+          </a:xfrm>
+          <a:prstGeom prst="rect">
+            <a:avLst/>
+          </a:prstGeom>
+          <a:noFill/>
+        </p:spPr>
+        <p:txBody>
+          <a:bodyPr wrap="none" rtlCol="0">
+            <a:spAutoFit/>
+          </a:bodyPr>
+          <a:lstStyle/>
+          <a:p>
+            <a:r>
+              <a:rPr lang="en-GB">
+                <a:solidFill>
+                  <a:srgbClr val="C00000"/>
+                </a:solidFill>
+              </a:rPr>
+              <a:t>Biz.</a:t>
+            </a:r>
+          </a:p>
+        </p:txBody>
+      </p:sp>
+      <p:sp>
+        <p:nvSpPr>
+          <p:cNvPr id="73" name="직사각형 72">
+            <a:extLst>
+              <a:ext uri="{FF2B5EF4-FFF2-40B4-BE49-F238E27FC236}">
+                <a16:creationId xmlns:a16="http://schemas.microsoft.com/office/drawing/2014/main" id="{5FACC6BE-01EB-FF7D-6D4B-8327FE577FC4}"/>
+              </a:ext>
+            </a:extLst>
+          </p:cNvPr>
+          <p:cNvSpPr/>
+          <p:nvPr/>
+        </p:nvSpPr>
+        <p:spPr>
+          <a:xfrm>
+            <a:off x="8973885" y="2436814"/>
+            <a:ext cx="1218627" cy="559940"/>
+          </a:xfrm>
+          <a:prstGeom prst="rect">
+            <a:avLst/>
+          </a:prstGeom>
+          <a:noFill/>
+          <a:ln w="3175">
+            <a:solidFill>
+              <a:srgbClr val="C00000"/>
+            </a:solidFill>
+            <a:prstDash val="sysDash"/>
+          </a:ln>
+        </p:spPr>
+        <p:style>
+          <a:lnRef idx="2">
+            <a:schemeClr val="accent1">
+              <a:shade val="15000"/>
+            </a:schemeClr>
+          </a:lnRef>
+          <a:fillRef idx="1">
+            <a:schemeClr val="accent1"/>
+          </a:fillRef>
+          <a:effectRef idx="0">
+            <a:schemeClr val="accent1"/>
+          </a:effectRef>
+          <a:fontRef idx="minor">
+            <a:schemeClr val="lt1"/>
+          </a:fontRef>
+        </p:style>
+        <p:txBody>
+          <a:bodyPr rtlCol="0" anchor="ctr"/>
+          <a:lstStyle/>
+          <a:p>
+            <a:pPr algn="ctr"/>
+            <a:endParaRPr lang="en-GB"/>
+          </a:p>
+        </p:txBody>
+      </p:sp>
+      <p:sp>
+        <p:nvSpPr>
+          <p:cNvPr id="86" name="TextBox 85">
+            <a:extLst>
+              <a:ext uri="{FF2B5EF4-FFF2-40B4-BE49-F238E27FC236}">
+                <a16:creationId xmlns:a16="http://schemas.microsoft.com/office/drawing/2014/main" id="{04F4BBD7-B88C-7736-A925-CAE6CB65F1CA}"/>
+              </a:ext>
+            </a:extLst>
+          </p:cNvPr>
+          <p:cNvSpPr txBox="1"/>
+          <p:nvPr/>
+        </p:nvSpPr>
+        <p:spPr>
+          <a:xfrm>
+            <a:off x="9248651" y="5704987"/>
+            <a:ext cx="669094" cy="369332"/>
+          </a:xfrm>
+          <a:prstGeom prst="rect">
+            <a:avLst/>
+          </a:prstGeom>
+          <a:noFill/>
+        </p:spPr>
+        <p:txBody>
+          <a:bodyPr wrap="none" rtlCol="0">
+            <a:spAutoFit/>
+          </a:bodyPr>
+          <a:lstStyle/>
+          <a:p>
+            <a:r>
+              <a:rPr lang="en-GB">
+                <a:solidFill>
+                  <a:srgbClr val="C00000"/>
+                </a:solidFill>
+              </a:rPr>
+              <a:t>Tech.</a:t>
+            </a:r>
+          </a:p>
+        </p:txBody>
+      </p:sp>
+      <p:sp>
+        <p:nvSpPr>
+          <p:cNvPr id="87" name="직사각형 86">
+            <a:extLst>
+              <a:ext uri="{FF2B5EF4-FFF2-40B4-BE49-F238E27FC236}">
+                <a16:creationId xmlns:a16="http://schemas.microsoft.com/office/drawing/2014/main" id="{152BEDC3-1555-CC73-240C-EE6A2FC04607}"/>
+              </a:ext>
+            </a:extLst>
+          </p:cNvPr>
+          <p:cNvSpPr/>
+          <p:nvPr/>
+        </p:nvSpPr>
+        <p:spPr>
+          <a:xfrm>
+            <a:off x="8973885" y="5609683"/>
+            <a:ext cx="1218627" cy="559940"/>
+          </a:xfrm>
+          <a:prstGeom prst="rect">
+            <a:avLst/>
+          </a:prstGeom>
+          <a:noFill/>
+          <a:ln w="3175">
+            <a:solidFill>
+              <a:srgbClr val="C00000"/>
+            </a:solidFill>
+            <a:prstDash val="sysDash"/>
+          </a:ln>
+        </p:spPr>
+        <p:style>
+          <a:lnRef idx="2">
+            <a:schemeClr val="accent1">
+              <a:shade val="15000"/>
+            </a:schemeClr>
+          </a:lnRef>
+          <a:fillRef idx="1">
+            <a:schemeClr val="accent1"/>
+          </a:fillRef>
+          <a:effectRef idx="0">
+            <a:schemeClr val="accent1"/>
+          </a:effectRef>
+          <a:fontRef idx="minor">
+            <a:schemeClr val="lt1"/>
+          </a:fontRef>
+        </p:style>
+        <p:txBody>
+          <a:bodyPr rtlCol="0" anchor="ctr"/>
+          <a:lstStyle/>
+          <a:p>
+            <a:pPr algn="ctr"/>
+            <a:endParaRPr lang="en-GB"/>
+          </a:p>
+        </p:txBody>
+      </p:sp>
+      <p:grpSp>
+        <p:nvGrpSpPr>
+          <p:cNvPr id="15" name="그룹 14">
+            <a:extLst>
+              <a:ext uri="{FF2B5EF4-FFF2-40B4-BE49-F238E27FC236}">
+                <a16:creationId xmlns:a16="http://schemas.microsoft.com/office/drawing/2014/main" id="{B8286879-5CFE-AA75-AB25-63D4E6D2FE76}"/>
+              </a:ext>
+            </a:extLst>
+          </p:cNvPr>
+          <p:cNvGrpSpPr/>
+          <p:nvPr/>
+        </p:nvGrpSpPr>
+        <p:grpSpPr>
+          <a:xfrm>
+            <a:off x="108478" y="4202315"/>
+            <a:ext cx="1924438" cy="640119"/>
+            <a:chOff x="108478" y="3689236"/>
+            <a:chExt cx="1924438" cy="640119"/>
+          </a:xfrm>
+        </p:grpSpPr>
+        <p:sp>
+          <p:nvSpPr>
+            <p:cNvPr id="4" name="TextBox 3">
+              <a:extLst>
+                <a:ext uri="{FF2B5EF4-FFF2-40B4-BE49-F238E27FC236}">
+                  <a16:creationId xmlns:a16="http://schemas.microsoft.com/office/drawing/2014/main" id="{BF3F3ACE-1C35-6719-3ABA-05EA59DF2AF0}"/>
+                </a:ext>
+              </a:extLst>
+            </p:cNvPr>
+            <p:cNvSpPr txBox="1"/>
+            <p:nvPr/>
+          </p:nvSpPr>
+          <p:spPr>
+            <a:xfrm>
+              <a:off x="108478" y="3689236"/>
+              <a:ext cx="1924438" cy="369332"/>
+            </a:xfrm>
+            <a:prstGeom prst="rect">
+              <a:avLst/>
+            </a:prstGeom>
+            <a:noFill/>
+          </p:spPr>
+          <p:txBody>
+            <a:bodyPr wrap="none" rtlCol="0">
+              <a:spAutoFit/>
+            </a:bodyPr>
+            <a:lstStyle/>
+            <a:p>
+              <a:r>
+                <a:rPr lang="en-GB" b="1">
+                  <a:solidFill>
+                    <a:srgbClr val="0070C0"/>
+                  </a:solidFill>
+                </a:rPr>
+                <a:t>Voice of Customer</a:t>
+              </a:r>
+            </a:p>
+          </p:txBody>
+        </p:sp>
+        <p:sp>
+          <p:nvSpPr>
+            <p:cNvPr id="6" name="TextBox 5">
+              <a:extLst>
+                <a:ext uri="{FF2B5EF4-FFF2-40B4-BE49-F238E27FC236}">
+                  <a16:creationId xmlns:a16="http://schemas.microsoft.com/office/drawing/2014/main" id="{CA152561-6EC0-8B27-B6DC-DB78AE899CA4}"/>
+                </a:ext>
+              </a:extLst>
+            </p:cNvPr>
+            <p:cNvSpPr txBox="1"/>
+            <p:nvPr/>
+          </p:nvSpPr>
+          <p:spPr>
+            <a:xfrm>
+              <a:off x="423661" y="4021578"/>
+              <a:ext cx="1338956" cy="307777"/>
+            </a:xfrm>
+            <a:prstGeom prst="rect">
+              <a:avLst/>
+            </a:prstGeom>
+            <a:noFill/>
+          </p:spPr>
+          <p:txBody>
+            <a:bodyPr wrap="none" rtlCol="0">
+              <a:spAutoFit/>
+            </a:bodyPr>
+            <a:lstStyle/>
+            <a:p>
+              <a:r>
+                <a:rPr lang="en-US" altLang="ko-KR" sz="1400" b="1">
+                  <a:solidFill>
+                    <a:srgbClr val="0070C0"/>
+                  </a:solidFill>
+                </a:rPr>
+                <a:t>※ Requirement</a:t>
+              </a:r>
+              <a:endParaRPr lang="en-GB" sz="1400" b="1">
+                <a:solidFill>
+                  <a:srgbClr val="0070C0"/>
+                </a:solidFill>
+              </a:endParaRPr>
+            </a:p>
+          </p:txBody>
+        </p:sp>
+      </p:grpSp>
+      <p:sp>
+        <p:nvSpPr>
+          <p:cNvPr id="26" name="TextBox 25">
+            <a:extLst>
+              <a:ext uri="{FF2B5EF4-FFF2-40B4-BE49-F238E27FC236}">
+                <a16:creationId xmlns:a16="http://schemas.microsoft.com/office/drawing/2014/main" id="{BDD60BE2-1145-ED40-ABC7-72A9590DB99C}"/>
+              </a:ext>
+            </a:extLst>
+          </p:cNvPr>
+          <p:cNvSpPr txBox="1"/>
+          <p:nvPr/>
+        </p:nvSpPr>
+        <p:spPr>
+          <a:xfrm>
+            <a:off x="2200304" y="4368486"/>
+            <a:ext cx="1305829" cy="307777"/>
+          </a:xfrm>
+          <a:prstGeom prst="rect">
+            <a:avLst/>
+          </a:prstGeom>
+          <a:noFill/>
+        </p:spPr>
+        <p:txBody>
+          <a:bodyPr wrap="square">
+            <a:spAutoFit/>
+          </a:bodyPr>
+          <a:lstStyle/>
+          <a:p>
+            <a:r>
+              <a:rPr lang="en-GB" sz="1400"/>
+              <a:t>decomposition</a:t>
+            </a:r>
+          </a:p>
+        </p:txBody>
+      </p:sp>
+      <p:sp>
+        <p:nvSpPr>
+          <p:cNvPr id="27" name="TextBox 26">
+            <a:extLst>
+              <a:ext uri="{FF2B5EF4-FFF2-40B4-BE49-F238E27FC236}">
+                <a16:creationId xmlns:a16="http://schemas.microsoft.com/office/drawing/2014/main" id="{4284571F-CA96-E4BA-D10E-2D90E8BB76ED}"/>
+              </a:ext>
+            </a:extLst>
+          </p:cNvPr>
+          <p:cNvSpPr txBox="1"/>
+          <p:nvPr/>
+        </p:nvSpPr>
+        <p:spPr>
+          <a:xfrm>
+            <a:off x="3467094" y="4383875"/>
+            <a:ext cx="492443" cy="276999"/>
+          </a:xfrm>
+          <a:prstGeom prst="rect">
+            <a:avLst/>
+          </a:prstGeom>
+          <a:noFill/>
+        </p:spPr>
+        <p:txBody>
+          <a:bodyPr wrap="none" rtlCol="0">
+            <a:spAutoFit/>
+          </a:bodyPr>
+          <a:lstStyle/>
+          <a:p>
+            <a:r>
+              <a:rPr lang="ko-KR" altLang="en-US" sz="1200"/>
+              <a:t>분해</a:t>
+            </a:r>
+            <a:endParaRPr lang="en-GB" sz="1200"/>
+          </a:p>
+        </p:txBody>
+      </p:sp>
+      <p:sp>
+        <p:nvSpPr>
+          <p:cNvPr id="5" name="TextBox 4">
+            <a:extLst>
+              <a:ext uri="{FF2B5EF4-FFF2-40B4-BE49-F238E27FC236}">
+                <a16:creationId xmlns:a16="http://schemas.microsoft.com/office/drawing/2014/main" id="{A2222C5D-7CE0-8CA1-1C65-29A93C26B1B7}"/>
+              </a:ext>
+            </a:extLst>
+          </p:cNvPr>
+          <p:cNvSpPr txBox="1"/>
+          <p:nvPr/>
+        </p:nvSpPr>
+        <p:spPr>
+          <a:xfrm>
+            <a:off x="10535805" y="4337709"/>
+            <a:ext cx="603050" cy="369332"/>
+          </a:xfrm>
+          <a:prstGeom prst="rect">
+            <a:avLst/>
+          </a:prstGeom>
+          <a:noFill/>
+        </p:spPr>
+        <p:txBody>
+          <a:bodyPr wrap="none" rtlCol="0">
+            <a:spAutoFit/>
+          </a:bodyPr>
+          <a:lstStyle/>
+          <a:p>
+            <a:r>
+              <a:rPr lang="en-GB" altLang="ko-KR" b="1">
+                <a:solidFill>
+                  <a:srgbClr val="C00000"/>
+                </a:solidFill>
+              </a:rPr>
+              <a:t>Logs</a:t>
+            </a:r>
+            <a:endParaRPr lang="en-GB" b="1">
+              <a:solidFill>
+                <a:srgbClr val="C00000"/>
+              </a:solidFill>
+            </a:endParaRPr>
+          </a:p>
+        </p:txBody>
+      </p:sp>
+      <p:sp>
+        <p:nvSpPr>
+          <p:cNvPr id="29" name="TextBox 28">
+            <a:extLst>
+              <a:ext uri="{FF2B5EF4-FFF2-40B4-BE49-F238E27FC236}">
+                <a16:creationId xmlns:a16="http://schemas.microsoft.com/office/drawing/2014/main" id="{B6DCF754-D061-DCAB-9ABB-903B7FF4CABB}"/>
+              </a:ext>
+            </a:extLst>
+          </p:cNvPr>
+          <p:cNvSpPr txBox="1"/>
+          <p:nvPr/>
+        </p:nvSpPr>
+        <p:spPr>
+          <a:xfrm>
+            <a:off x="9393233" y="4368487"/>
+            <a:ext cx="970926" cy="307777"/>
+          </a:xfrm>
+          <a:prstGeom prst="rect">
+            <a:avLst/>
+          </a:prstGeom>
+          <a:noFill/>
+        </p:spPr>
+        <p:txBody>
+          <a:bodyPr wrap="square">
+            <a:spAutoFit/>
+          </a:bodyPr>
+          <a:lstStyle/>
+          <a:p>
+            <a:pPr algn="r"/>
+            <a:r>
+              <a:rPr lang="en-GB" sz="1400"/>
+              <a:t>distinguish</a:t>
+            </a:r>
+          </a:p>
+        </p:txBody>
+      </p:sp>
+      <p:sp>
+        <p:nvSpPr>
+          <p:cNvPr id="31" name="TextBox 30">
+            <a:extLst>
+              <a:ext uri="{FF2B5EF4-FFF2-40B4-BE49-F238E27FC236}">
+                <a16:creationId xmlns:a16="http://schemas.microsoft.com/office/drawing/2014/main" id="{AD5B376E-DD82-F950-AB4E-E84C3846CBB4}"/>
+              </a:ext>
+            </a:extLst>
+          </p:cNvPr>
+          <p:cNvSpPr txBox="1"/>
+          <p:nvPr/>
+        </p:nvSpPr>
+        <p:spPr>
+          <a:xfrm>
+            <a:off x="8918529" y="4383876"/>
+            <a:ext cx="492443" cy="276999"/>
+          </a:xfrm>
+          <a:prstGeom prst="rect">
+            <a:avLst/>
+          </a:prstGeom>
+          <a:noFill/>
+        </p:spPr>
+        <p:txBody>
+          <a:bodyPr wrap="none" rtlCol="0">
+            <a:spAutoFit/>
+          </a:bodyPr>
+          <a:lstStyle/>
+          <a:p>
+            <a:r>
+              <a:rPr lang="ko-KR" altLang="en-US" sz="1200"/>
+              <a:t>식별</a:t>
+            </a:r>
+            <a:endParaRPr lang="en-GB" sz="1200"/>
+          </a:p>
+        </p:txBody>
+      </p:sp>
+      <p:sp>
+        <p:nvSpPr>
+          <p:cNvPr id="39" name="TextBox 38">
+            <a:extLst>
+              <a:ext uri="{FF2B5EF4-FFF2-40B4-BE49-F238E27FC236}">
+                <a16:creationId xmlns:a16="http://schemas.microsoft.com/office/drawing/2014/main" id="{93B93222-9E03-509B-0DCA-DD2D21B75637}"/>
+              </a:ext>
+            </a:extLst>
+          </p:cNvPr>
+          <p:cNvSpPr txBox="1"/>
+          <p:nvPr/>
+        </p:nvSpPr>
+        <p:spPr>
+          <a:xfrm>
+            <a:off x="5912529" y="1396580"/>
+            <a:ext cx="797013" cy="584775"/>
+          </a:xfrm>
+          <a:prstGeom prst="rect">
+            <a:avLst/>
+          </a:prstGeom>
+          <a:noFill/>
+        </p:spPr>
+        <p:txBody>
+          <a:bodyPr wrap="none" rtlCol="0">
+            <a:spAutoFit/>
+          </a:bodyPr>
+          <a:lstStyle/>
+          <a:p>
+            <a:pPr algn="ctr"/>
+            <a:r>
+              <a:rPr lang="en-GB" b="1">
+                <a:solidFill>
+                  <a:srgbClr val="7030A0"/>
+                </a:solidFill>
+              </a:rPr>
+              <a:t>Biz.</a:t>
+            </a:r>
+          </a:p>
+          <a:p>
+            <a:pPr algn="ctr"/>
+            <a:r>
+              <a:rPr lang="en-GB" sz="1400" b="1">
+                <a:solidFill>
+                  <a:srgbClr val="7030A0"/>
+                </a:solidFill>
+              </a:rPr>
+              <a:t>Concern</a:t>
+            </a:r>
+          </a:p>
+        </p:txBody>
+      </p:sp>
+      <p:sp>
+        <p:nvSpPr>
+          <p:cNvPr id="44" name="TextBox 43">
+            <a:extLst>
+              <a:ext uri="{FF2B5EF4-FFF2-40B4-BE49-F238E27FC236}">
+                <a16:creationId xmlns:a16="http://schemas.microsoft.com/office/drawing/2014/main" id="{387615D9-8C23-CECC-D6AD-E98C77FF5DFA}"/>
+              </a:ext>
+            </a:extLst>
+          </p:cNvPr>
+          <p:cNvSpPr txBox="1"/>
+          <p:nvPr/>
+        </p:nvSpPr>
+        <p:spPr>
+          <a:xfrm>
+            <a:off x="5912529" y="4904777"/>
+            <a:ext cx="797013" cy="584775"/>
+          </a:xfrm>
+          <a:prstGeom prst="rect">
+            <a:avLst/>
+          </a:prstGeom>
+          <a:noFill/>
+        </p:spPr>
+        <p:txBody>
+          <a:bodyPr wrap="none" rtlCol="0">
+            <a:spAutoFit/>
+          </a:bodyPr>
+          <a:lstStyle/>
+          <a:p>
+            <a:pPr algn="ctr"/>
+            <a:r>
+              <a:rPr lang="en-GB" b="1">
+                <a:solidFill>
+                  <a:srgbClr val="7030A0"/>
+                </a:solidFill>
+              </a:rPr>
+              <a:t>Tech.</a:t>
+            </a:r>
+          </a:p>
+          <a:p>
+            <a:pPr algn="ctr"/>
+            <a:r>
+              <a:rPr lang="en-GB" sz="1400" b="1">
+                <a:solidFill>
+                  <a:srgbClr val="7030A0"/>
+                </a:solidFill>
+              </a:rPr>
+              <a:t>Concern</a:t>
+            </a:r>
+          </a:p>
+        </p:txBody>
+      </p:sp>
+    </p:spTree>
+    <p:extLst>
+      <p:ext uri="{BB962C8B-B14F-4D97-AF65-F5344CB8AC3E}">
+        <p14:creationId xmlns:p14="http://schemas.microsoft.com/office/powerpoint/2010/main" val="1042907486"/>
+      </p:ext>
+    </p:extLst>
+  </p:cSld>
+  <p:clrMapOvr>
+    <a:masterClrMapping/>
+  </p:clrMapOvr>
+</p:sld>
+</file>
+
+<file path=ppt/slides/slide4.xml><?xml version="1.0" encoding="utf-8"?>
 <p:sld xmlns:a="http://schemas.openxmlformats.org/drawingml/2006/main" xmlns:r="http://schemas.openxmlformats.org/officeDocument/2006/relationships" xmlns:p="http://schemas.openxmlformats.org/presentationml/2006/main">
   <p:cSld>
     <p:spTree>

--- a/README.pptx
+++ b/README.pptx
@@ -5,13 +5,14 @@
     <p:sldMasterId id="2147483648" r:id="rId1"/>
   </p:sldMasterIdLst>
   <p:notesMasterIdLst>
-    <p:notesMasterId r:id="rId6"/>
+    <p:notesMasterId r:id="rId7"/>
   </p:notesMasterIdLst>
   <p:sldIdLst>
     <p:sldId id="256" r:id="rId2"/>
     <p:sldId id="470" r:id="rId3"/>
     <p:sldId id="473" r:id="rId4"/>
-    <p:sldId id="471" r:id="rId5"/>
+    <p:sldId id="474" r:id="rId5"/>
+    <p:sldId id="471" r:id="rId6"/>
   </p:sldIdLst>
   <p:sldSz cx="12192000" cy="6858000"/>
   <p:notesSz cx="6858000" cy="9144000"/>
@@ -118,6 +119,7 @@
             <p14:sldId id="256"/>
             <p14:sldId id="470"/>
             <p14:sldId id="473"/>
+            <p14:sldId id="474"/>
             <p14:sldId id="471"/>
           </p14:sldIdLst>
         </p14:section>
@@ -7548,6 +7550,1012 @@
 </file>
 
 <file path=ppt/slides/slide4.xml><?xml version="1.0" encoding="utf-8"?>
+<p:sld xmlns:a="http://schemas.openxmlformats.org/drawingml/2006/main" xmlns:r="http://schemas.openxmlformats.org/officeDocument/2006/relationships" xmlns:p="http://schemas.openxmlformats.org/presentationml/2006/main">
+  <p:cSld>
+    <p:spTree>
+      <p:nvGrpSpPr>
+        <p:cNvPr id="1" name=""/>
+        <p:cNvGrpSpPr/>
+        <p:nvPr/>
+      </p:nvGrpSpPr>
+      <p:grpSpPr>
+        <a:xfrm>
+          <a:off x="0" y="0"/>
+          <a:ext cx="0" cy="0"/>
+          <a:chOff x="0" y="0"/>
+          <a:chExt cx="0" cy="0"/>
+        </a:xfrm>
+      </p:grpSpPr>
+      <p:grpSp>
+        <p:nvGrpSpPr>
+          <p:cNvPr id="42" name="그룹 41">
+            <a:extLst>
+              <a:ext uri="{FF2B5EF4-FFF2-40B4-BE49-F238E27FC236}">
+                <a16:creationId xmlns:a16="http://schemas.microsoft.com/office/drawing/2014/main" id="{F6D05B2A-3CDA-421B-D2A0-1ED75B80497D}"/>
+              </a:ext>
+            </a:extLst>
+          </p:cNvPr>
+          <p:cNvGrpSpPr/>
+          <p:nvPr/>
+        </p:nvGrpSpPr>
+        <p:grpSpPr>
+          <a:xfrm>
+            <a:off x="1222771" y="1262131"/>
+            <a:ext cx="9746459" cy="4333739"/>
+            <a:chOff x="1222771" y="1262131"/>
+            <a:chExt cx="9746459" cy="4333739"/>
+          </a:xfrm>
+        </p:grpSpPr>
+        <p:sp>
+          <p:nvSpPr>
+            <p:cNvPr id="34" name="직사각형 33">
+              <a:extLst>
+                <a:ext uri="{FF2B5EF4-FFF2-40B4-BE49-F238E27FC236}">
+                  <a16:creationId xmlns:a16="http://schemas.microsoft.com/office/drawing/2014/main" id="{9A1A558F-3A8D-33B0-0EDC-5AF8B1238133}"/>
+                </a:ext>
+              </a:extLst>
+            </p:cNvPr>
+            <p:cNvSpPr/>
+            <p:nvPr/>
+          </p:nvSpPr>
+          <p:spPr>
+            <a:xfrm>
+              <a:off x="4834848" y="4707155"/>
+              <a:ext cx="2522305" cy="888715"/>
+            </a:xfrm>
+            <a:prstGeom prst="rect">
+              <a:avLst/>
+            </a:prstGeom>
+            <a:noFill/>
+            <a:ln>
+              <a:solidFill>
+                <a:schemeClr val="tx1"/>
+              </a:solidFill>
+            </a:ln>
+          </p:spPr>
+          <p:style>
+            <a:lnRef idx="2">
+              <a:schemeClr val="accent1">
+                <a:shade val="15000"/>
+              </a:schemeClr>
+            </a:lnRef>
+            <a:fillRef idx="1">
+              <a:schemeClr val="accent1"/>
+            </a:fillRef>
+            <a:effectRef idx="0">
+              <a:schemeClr val="accent1"/>
+            </a:effectRef>
+            <a:fontRef idx="minor">
+              <a:schemeClr val="lt1"/>
+            </a:fontRef>
+          </p:style>
+          <p:txBody>
+            <a:bodyPr rtlCol="0" anchor="ctr"/>
+            <a:lstStyle/>
+            <a:p>
+              <a:pPr algn="ctr"/>
+              <a:endParaRPr lang="en-GB"/>
+            </a:p>
+          </p:txBody>
+        </p:sp>
+        <p:sp>
+          <p:nvSpPr>
+            <p:cNvPr id="36" name="TextBox 35">
+              <a:extLst>
+                <a:ext uri="{FF2B5EF4-FFF2-40B4-BE49-F238E27FC236}">
+                  <a16:creationId xmlns:a16="http://schemas.microsoft.com/office/drawing/2014/main" id="{5F8A3523-C5BA-08A7-425B-A431F73AC7BB}"/>
+                </a:ext>
+              </a:extLst>
+            </p:cNvPr>
+            <p:cNvSpPr txBox="1"/>
+            <p:nvPr/>
+          </p:nvSpPr>
+          <p:spPr>
+            <a:xfrm>
+              <a:off x="5346596" y="4823375"/>
+              <a:ext cx="1498808" cy="369332"/>
+            </a:xfrm>
+            <a:prstGeom prst="rect">
+              <a:avLst/>
+            </a:prstGeom>
+            <a:noFill/>
+          </p:spPr>
+          <p:txBody>
+            <a:bodyPr wrap="none" rtlCol="0">
+              <a:spAutoFit/>
+            </a:bodyPr>
+            <a:lstStyle/>
+            <a:p>
+              <a:r>
+                <a:rPr lang="en-GB" b="1"/>
+                <a:t>Domain Layer</a:t>
+              </a:r>
+            </a:p>
+          </p:txBody>
+        </p:sp>
+        <p:sp>
+          <p:nvSpPr>
+            <p:cNvPr id="37" name="TextBox 36">
+              <a:extLst>
+                <a:ext uri="{FF2B5EF4-FFF2-40B4-BE49-F238E27FC236}">
+                  <a16:creationId xmlns:a16="http://schemas.microsoft.com/office/drawing/2014/main" id="{3CB9441C-30F7-7852-F73D-AF4F8BDC2619}"/>
+                </a:ext>
+              </a:extLst>
+            </p:cNvPr>
+            <p:cNvSpPr txBox="1"/>
+            <p:nvPr/>
+          </p:nvSpPr>
+          <p:spPr>
+            <a:xfrm>
+              <a:off x="5690280" y="5171873"/>
+              <a:ext cx="811441" cy="307777"/>
+            </a:xfrm>
+            <a:prstGeom prst="rect">
+              <a:avLst/>
+            </a:prstGeom>
+            <a:noFill/>
+          </p:spPr>
+          <p:txBody>
+            <a:bodyPr wrap="none" rtlCol="0">
+              <a:spAutoFit/>
+            </a:bodyPr>
+            <a:lstStyle/>
+            <a:p>
+              <a:r>
+                <a:rPr lang="en-GB" sz="1400" b="1">
+                  <a:solidFill>
+                    <a:srgbClr val="0070C0"/>
+                  </a:solidFill>
+                </a:rPr>
+                <a:t>Biz. Unit</a:t>
+              </a:r>
+            </a:p>
+          </p:txBody>
+        </p:sp>
+        <p:sp>
+          <p:nvSpPr>
+            <p:cNvPr id="6" name="TextBox 5">
+              <a:extLst>
+                <a:ext uri="{FF2B5EF4-FFF2-40B4-BE49-F238E27FC236}">
+                  <a16:creationId xmlns:a16="http://schemas.microsoft.com/office/drawing/2014/main" id="{54C1D9AC-E59C-B684-F7E0-723BF977A6CE}"/>
+                </a:ext>
+              </a:extLst>
+            </p:cNvPr>
+            <p:cNvSpPr txBox="1"/>
+            <p:nvPr/>
+          </p:nvSpPr>
+          <p:spPr>
+            <a:xfrm>
+              <a:off x="5697495" y="2060148"/>
+              <a:ext cx="797013" cy="584775"/>
+            </a:xfrm>
+            <a:prstGeom prst="rect">
+              <a:avLst/>
+            </a:prstGeom>
+            <a:noFill/>
+          </p:spPr>
+          <p:txBody>
+            <a:bodyPr wrap="none" rtlCol="0">
+              <a:spAutoFit/>
+            </a:bodyPr>
+            <a:lstStyle/>
+            <a:p>
+              <a:pPr algn="ctr"/>
+              <a:r>
+                <a:rPr lang="en-GB" b="1">
+                  <a:solidFill>
+                    <a:srgbClr val="7030A0"/>
+                  </a:solidFill>
+                </a:rPr>
+                <a:t>Biz.</a:t>
+              </a:r>
+            </a:p>
+            <a:p>
+              <a:pPr algn="ctr"/>
+              <a:r>
+                <a:rPr lang="en-GB" sz="1400" b="1">
+                  <a:solidFill>
+                    <a:srgbClr val="7030A0"/>
+                  </a:solidFill>
+                </a:rPr>
+                <a:t>Concern</a:t>
+              </a:r>
+            </a:p>
+          </p:txBody>
+        </p:sp>
+        <p:cxnSp>
+          <p:nvCxnSpPr>
+            <p:cNvPr id="12" name="직선 화살표 연결선 11">
+              <a:extLst>
+                <a:ext uri="{FF2B5EF4-FFF2-40B4-BE49-F238E27FC236}">
+                  <a16:creationId xmlns:a16="http://schemas.microsoft.com/office/drawing/2014/main" id="{B8ACC41C-8E37-7822-A2E1-522CD57D1BF6}"/>
+                </a:ext>
+              </a:extLst>
+            </p:cNvPr>
+            <p:cNvCxnSpPr>
+              <a:cxnSpLocks/>
+              <a:stCxn id="7" idx="2"/>
+            </p:cNvCxnSpPr>
+            <p:nvPr/>
+          </p:nvCxnSpPr>
+          <p:spPr>
+            <a:xfrm>
+              <a:off x="6096001" y="3982120"/>
+              <a:ext cx="0" cy="725035"/>
+            </a:xfrm>
+            <a:prstGeom prst="straightConnector1">
+              <a:avLst/>
+            </a:prstGeom>
+            <a:ln w="28575">
+              <a:solidFill>
+                <a:schemeClr val="tx1"/>
+              </a:solidFill>
+              <a:tailEnd type="triangle"/>
+            </a:ln>
+          </p:spPr>
+          <p:style>
+            <a:lnRef idx="1">
+              <a:schemeClr val="accent1"/>
+            </a:lnRef>
+            <a:fillRef idx="0">
+              <a:schemeClr val="accent1"/>
+            </a:fillRef>
+            <a:effectRef idx="0">
+              <a:schemeClr val="accent1"/>
+            </a:effectRef>
+            <a:fontRef idx="minor">
+              <a:schemeClr val="tx1"/>
+            </a:fontRef>
+          </p:style>
+        </p:cxnSp>
+        <p:grpSp>
+          <p:nvGrpSpPr>
+            <p:cNvPr id="13" name="그룹 12">
+              <a:extLst>
+                <a:ext uri="{FF2B5EF4-FFF2-40B4-BE49-F238E27FC236}">
+                  <a16:creationId xmlns:a16="http://schemas.microsoft.com/office/drawing/2014/main" id="{48EE3DCD-B2B0-4953-4E45-D6C8193F0FDB}"/>
+                </a:ext>
+              </a:extLst>
+            </p:cNvPr>
+            <p:cNvGrpSpPr/>
+            <p:nvPr/>
+          </p:nvGrpSpPr>
+          <p:grpSpPr>
+            <a:xfrm>
+              <a:off x="1222771" y="3093405"/>
+              <a:ext cx="2522305" cy="888715"/>
+              <a:chOff x="4998378" y="4140485"/>
+              <a:chExt cx="2522305" cy="888715"/>
+            </a:xfrm>
+          </p:grpSpPr>
+          <p:sp>
+            <p:nvSpPr>
+              <p:cNvPr id="14" name="직사각형 13">
+                <a:extLst>
+                  <a:ext uri="{FF2B5EF4-FFF2-40B4-BE49-F238E27FC236}">
+                    <a16:creationId xmlns:a16="http://schemas.microsoft.com/office/drawing/2014/main" id="{A565EE6A-B37B-9635-5CC1-AD057AC8AA74}"/>
+                  </a:ext>
+                </a:extLst>
+              </p:cNvPr>
+              <p:cNvSpPr/>
+              <p:nvPr/>
+            </p:nvSpPr>
+            <p:spPr>
+              <a:xfrm>
+                <a:off x="4998378" y="4140485"/>
+                <a:ext cx="2522305" cy="888715"/>
+              </a:xfrm>
+              <a:prstGeom prst="rect">
+                <a:avLst/>
+              </a:prstGeom>
+              <a:noFill/>
+              <a:ln>
+                <a:solidFill>
+                  <a:schemeClr val="tx1"/>
+                </a:solidFill>
+              </a:ln>
+            </p:spPr>
+            <p:style>
+              <a:lnRef idx="2">
+                <a:schemeClr val="accent1">
+                  <a:shade val="15000"/>
+                </a:schemeClr>
+              </a:lnRef>
+              <a:fillRef idx="1">
+                <a:schemeClr val="accent1"/>
+              </a:fillRef>
+              <a:effectRef idx="0">
+                <a:schemeClr val="accent1"/>
+              </a:effectRef>
+              <a:fontRef idx="minor">
+                <a:schemeClr val="lt1"/>
+              </a:fontRef>
+            </p:style>
+            <p:txBody>
+              <a:bodyPr rtlCol="0" anchor="ctr"/>
+              <a:lstStyle/>
+              <a:p>
+                <a:pPr algn="ctr"/>
+                <a:endParaRPr lang="en-GB"/>
+              </a:p>
+            </p:txBody>
+          </p:sp>
+          <p:sp>
+            <p:nvSpPr>
+              <p:cNvPr id="15" name="TextBox 14">
+                <a:extLst>
+                  <a:ext uri="{FF2B5EF4-FFF2-40B4-BE49-F238E27FC236}">
+                    <a16:creationId xmlns:a16="http://schemas.microsoft.com/office/drawing/2014/main" id="{0DD81B2E-FF32-A87C-1FB7-D2DF5CD35024}"/>
+                  </a:ext>
+                </a:extLst>
+              </p:cNvPr>
+              <p:cNvSpPr txBox="1"/>
+              <p:nvPr/>
+            </p:nvSpPr>
+            <p:spPr>
+              <a:xfrm>
+                <a:off x="5498360" y="4400176"/>
+                <a:ext cx="1522340" cy="369332"/>
+              </a:xfrm>
+              <a:prstGeom prst="rect">
+                <a:avLst/>
+              </a:prstGeom>
+              <a:noFill/>
+            </p:spPr>
+            <p:txBody>
+              <a:bodyPr wrap="none" rtlCol="0">
+                <a:spAutoFit/>
+              </a:bodyPr>
+              <a:lstStyle/>
+              <a:p>
+                <a:r>
+                  <a:rPr lang="en-GB" b="1"/>
+                  <a:t>Adapter Layer</a:t>
+                </a:r>
+              </a:p>
+            </p:txBody>
+          </p:sp>
+        </p:grpSp>
+        <p:grpSp>
+          <p:nvGrpSpPr>
+            <p:cNvPr id="16" name="그룹 15">
+              <a:extLst>
+                <a:ext uri="{FF2B5EF4-FFF2-40B4-BE49-F238E27FC236}">
+                  <a16:creationId xmlns:a16="http://schemas.microsoft.com/office/drawing/2014/main" id="{5E04ACAE-C04D-EBCF-D057-EAFEA0C1FD70}"/>
+                </a:ext>
+              </a:extLst>
+            </p:cNvPr>
+            <p:cNvGrpSpPr/>
+            <p:nvPr/>
+          </p:nvGrpSpPr>
+          <p:grpSpPr>
+            <a:xfrm>
+              <a:off x="8446925" y="3093404"/>
+              <a:ext cx="2522305" cy="888715"/>
+              <a:chOff x="4998378" y="4140485"/>
+              <a:chExt cx="2522305" cy="888715"/>
+            </a:xfrm>
+          </p:grpSpPr>
+          <p:sp>
+            <p:nvSpPr>
+              <p:cNvPr id="17" name="직사각형 16">
+                <a:extLst>
+                  <a:ext uri="{FF2B5EF4-FFF2-40B4-BE49-F238E27FC236}">
+                    <a16:creationId xmlns:a16="http://schemas.microsoft.com/office/drawing/2014/main" id="{362CCEB7-4200-C67A-0DE7-ACF353F0A272}"/>
+                  </a:ext>
+                </a:extLst>
+              </p:cNvPr>
+              <p:cNvSpPr/>
+              <p:nvPr/>
+            </p:nvSpPr>
+            <p:spPr>
+              <a:xfrm>
+                <a:off x="4998378" y="4140485"/>
+                <a:ext cx="2522305" cy="888715"/>
+              </a:xfrm>
+              <a:prstGeom prst="rect">
+                <a:avLst/>
+              </a:prstGeom>
+              <a:noFill/>
+              <a:ln>
+                <a:solidFill>
+                  <a:schemeClr val="tx1"/>
+                </a:solidFill>
+              </a:ln>
+            </p:spPr>
+            <p:style>
+              <a:lnRef idx="2">
+                <a:schemeClr val="accent1">
+                  <a:shade val="15000"/>
+                </a:schemeClr>
+              </a:lnRef>
+              <a:fillRef idx="1">
+                <a:schemeClr val="accent1"/>
+              </a:fillRef>
+              <a:effectRef idx="0">
+                <a:schemeClr val="accent1"/>
+              </a:effectRef>
+              <a:fontRef idx="minor">
+                <a:schemeClr val="lt1"/>
+              </a:fontRef>
+            </p:style>
+            <p:txBody>
+              <a:bodyPr rtlCol="0" anchor="ctr"/>
+              <a:lstStyle/>
+              <a:p>
+                <a:pPr algn="ctr"/>
+                <a:endParaRPr lang="en-GB"/>
+              </a:p>
+            </p:txBody>
+          </p:sp>
+          <p:sp>
+            <p:nvSpPr>
+              <p:cNvPr id="18" name="TextBox 17">
+                <a:extLst>
+                  <a:ext uri="{FF2B5EF4-FFF2-40B4-BE49-F238E27FC236}">
+                    <a16:creationId xmlns:a16="http://schemas.microsoft.com/office/drawing/2014/main" id="{C3C6045D-DDE2-E666-51C6-80A86EF00FB2}"/>
+                  </a:ext>
+                </a:extLst>
+              </p:cNvPr>
+              <p:cNvSpPr txBox="1"/>
+              <p:nvPr/>
+            </p:nvSpPr>
+            <p:spPr>
+              <a:xfrm>
+                <a:off x="5498360" y="4400176"/>
+                <a:ext cx="1522340" cy="369332"/>
+              </a:xfrm>
+              <a:prstGeom prst="rect">
+                <a:avLst/>
+              </a:prstGeom>
+              <a:noFill/>
+            </p:spPr>
+            <p:txBody>
+              <a:bodyPr wrap="none" rtlCol="0">
+                <a:spAutoFit/>
+              </a:bodyPr>
+              <a:lstStyle/>
+              <a:p>
+                <a:r>
+                  <a:rPr lang="en-GB" b="1"/>
+                  <a:t>Adapter Layer</a:t>
+                </a:r>
+              </a:p>
+            </p:txBody>
+          </p:sp>
+        </p:grpSp>
+        <p:cxnSp>
+          <p:nvCxnSpPr>
+            <p:cNvPr id="19" name="직선 화살표 연결선 18">
+              <a:extLst>
+                <a:ext uri="{FF2B5EF4-FFF2-40B4-BE49-F238E27FC236}">
+                  <a16:creationId xmlns:a16="http://schemas.microsoft.com/office/drawing/2014/main" id="{B1E611AD-F83A-7F36-6D44-FFECE2988715}"/>
+                </a:ext>
+              </a:extLst>
+            </p:cNvPr>
+            <p:cNvCxnSpPr>
+              <a:cxnSpLocks/>
+              <a:stCxn id="14" idx="3"/>
+              <a:endCxn id="7" idx="1"/>
+            </p:cNvCxnSpPr>
+            <p:nvPr/>
+          </p:nvCxnSpPr>
+          <p:spPr>
+            <a:xfrm>
+              <a:off x="3745076" y="3537763"/>
+              <a:ext cx="1089772" cy="0"/>
+            </a:xfrm>
+            <a:prstGeom prst="straightConnector1">
+              <a:avLst/>
+            </a:prstGeom>
+            <a:ln w="28575">
+              <a:solidFill>
+                <a:schemeClr val="tx1"/>
+              </a:solidFill>
+              <a:tailEnd type="triangle"/>
+            </a:ln>
+          </p:spPr>
+          <p:style>
+            <a:lnRef idx="1">
+              <a:schemeClr val="accent1"/>
+            </a:lnRef>
+            <a:fillRef idx="0">
+              <a:schemeClr val="accent1"/>
+            </a:fillRef>
+            <a:effectRef idx="0">
+              <a:schemeClr val="accent1"/>
+            </a:effectRef>
+            <a:fontRef idx="minor">
+              <a:schemeClr val="tx1"/>
+            </a:fontRef>
+          </p:style>
+        </p:cxnSp>
+        <p:cxnSp>
+          <p:nvCxnSpPr>
+            <p:cNvPr id="22" name="직선 화살표 연결선 21">
+              <a:extLst>
+                <a:ext uri="{FF2B5EF4-FFF2-40B4-BE49-F238E27FC236}">
+                  <a16:creationId xmlns:a16="http://schemas.microsoft.com/office/drawing/2014/main" id="{0A5D6C57-E835-D13C-98E3-64657E86034E}"/>
+                </a:ext>
+              </a:extLst>
+            </p:cNvPr>
+            <p:cNvCxnSpPr>
+              <a:cxnSpLocks/>
+              <a:stCxn id="7" idx="3"/>
+              <a:endCxn id="17" idx="1"/>
+            </p:cNvCxnSpPr>
+            <p:nvPr/>
+          </p:nvCxnSpPr>
+          <p:spPr>
+            <a:xfrm flipV="1">
+              <a:off x="7357153" y="3537762"/>
+              <a:ext cx="1089772" cy="1"/>
+            </a:xfrm>
+            <a:prstGeom prst="straightConnector1">
+              <a:avLst/>
+            </a:prstGeom>
+            <a:ln w="28575">
+              <a:solidFill>
+                <a:schemeClr val="tx1"/>
+              </a:solidFill>
+              <a:tailEnd type="triangle"/>
+            </a:ln>
+          </p:spPr>
+          <p:style>
+            <a:lnRef idx="1">
+              <a:schemeClr val="accent1"/>
+            </a:lnRef>
+            <a:fillRef idx="0">
+              <a:schemeClr val="accent1"/>
+            </a:fillRef>
+            <a:effectRef idx="0">
+              <a:schemeClr val="accent1"/>
+            </a:effectRef>
+            <a:fontRef idx="minor">
+              <a:schemeClr val="tx1"/>
+            </a:fontRef>
+          </p:style>
+        </p:cxnSp>
+        <p:sp>
+          <p:nvSpPr>
+            <p:cNvPr id="25" name="TextBox 24">
+              <a:extLst>
+                <a:ext uri="{FF2B5EF4-FFF2-40B4-BE49-F238E27FC236}">
+                  <a16:creationId xmlns:a16="http://schemas.microsoft.com/office/drawing/2014/main" id="{5876EF6A-0CCF-FF76-538D-420FA0D697D6}"/>
+                </a:ext>
+              </a:extLst>
+            </p:cNvPr>
+            <p:cNvSpPr txBox="1"/>
+            <p:nvPr/>
+          </p:nvSpPr>
+          <p:spPr>
+            <a:xfrm>
+              <a:off x="2085416" y="2060148"/>
+              <a:ext cx="797013" cy="584775"/>
+            </a:xfrm>
+            <a:prstGeom prst="rect">
+              <a:avLst/>
+            </a:prstGeom>
+            <a:noFill/>
+          </p:spPr>
+          <p:txBody>
+            <a:bodyPr wrap="none" rtlCol="0">
+              <a:spAutoFit/>
+            </a:bodyPr>
+            <a:lstStyle/>
+            <a:p>
+              <a:pPr algn="ctr"/>
+              <a:r>
+                <a:rPr lang="en-GB" b="1">
+                  <a:solidFill>
+                    <a:srgbClr val="7030A0"/>
+                  </a:solidFill>
+                </a:rPr>
+                <a:t>Tech.</a:t>
+              </a:r>
+            </a:p>
+            <a:p>
+              <a:pPr algn="ctr"/>
+              <a:r>
+                <a:rPr lang="en-GB" sz="1400" b="1">
+                  <a:solidFill>
+                    <a:srgbClr val="7030A0"/>
+                  </a:solidFill>
+                </a:rPr>
+                <a:t>Concern</a:t>
+              </a:r>
+            </a:p>
+          </p:txBody>
+        </p:sp>
+        <p:sp>
+          <p:nvSpPr>
+            <p:cNvPr id="26" name="TextBox 25">
+              <a:extLst>
+                <a:ext uri="{FF2B5EF4-FFF2-40B4-BE49-F238E27FC236}">
+                  <a16:creationId xmlns:a16="http://schemas.microsoft.com/office/drawing/2014/main" id="{114342B3-307D-A98C-882A-A88AAF8F9298}"/>
+                </a:ext>
+              </a:extLst>
+            </p:cNvPr>
+            <p:cNvSpPr txBox="1"/>
+            <p:nvPr/>
+          </p:nvSpPr>
+          <p:spPr>
+            <a:xfrm>
+              <a:off x="9309570" y="2060148"/>
+              <a:ext cx="797013" cy="584775"/>
+            </a:xfrm>
+            <a:prstGeom prst="rect">
+              <a:avLst/>
+            </a:prstGeom>
+            <a:noFill/>
+          </p:spPr>
+          <p:txBody>
+            <a:bodyPr wrap="none" rtlCol="0">
+              <a:spAutoFit/>
+            </a:bodyPr>
+            <a:lstStyle/>
+            <a:p>
+              <a:pPr algn="ctr"/>
+              <a:r>
+                <a:rPr lang="en-GB" b="1">
+                  <a:solidFill>
+                    <a:srgbClr val="7030A0"/>
+                  </a:solidFill>
+                </a:rPr>
+                <a:t>Tech.</a:t>
+              </a:r>
+            </a:p>
+            <a:p>
+              <a:pPr algn="ctr"/>
+              <a:r>
+                <a:rPr lang="en-GB" sz="1400" b="1">
+                  <a:solidFill>
+                    <a:srgbClr val="7030A0"/>
+                  </a:solidFill>
+                </a:rPr>
+                <a:t>Concern</a:t>
+              </a:r>
+            </a:p>
+          </p:txBody>
+        </p:sp>
+        <p:sp>
+          <p:nvSpPr>
+            <p:cNvPr id="27" name="TextBox 26">
+              <a:extLst>
+                <a:ext uri="{FF2B5EF4-FFF2-40B4-BE49-F238E27FC236}">
+                  <a16:creationId xmlns:a16="http://schemas.microsoft.com/office/drawing/2014/main" id="{A9DC3310-F5D5-7F1A-40BC-F25D6179B9FB}"/>
+                </a:ext>
+              </a:extLst>
+            </p:cNvPr>
+            <p:cNvSpPr txBox="1"/>
+            <p:nvPr/>
+          </p:nvSpPr>
+          <p:spPr>
+            <a:xfrm>
+              <a:off x="2082210" y="1262131"/>
+              <a:ext cx="800219" cy="461665"/>
+            </a:xfrm>
+            <a:prstGeom prst="rect">
+              <a:avLst/>
+            </a:prstGeom>
+            <a:noFill/>
+          </p:spPr>
+          <p:txBody>
+            <a:bodyPr wrap="none" rtlCol="0">
+              <a:spAutoFit/>
+            </a:bodyPr>
+            <a:lstStyle/>
+            <a:p>
+              <a:r>
+                <a:rPr lang="ko-KR" altLang="en-US" sz="2400" b="1"/>
+                <a:t>입력</a:t>
+              </a:r>
+              <a:endParaRPr lang="en-GB" sz="2400" b="1"/>
+            </a:p>
+          </p:txBody>
+        </p:sp>
+        <p:sp>
+          <p:nvSpPr>
+            <p:cNvPr id="28" name="TextBox 27">
+              <a:extLst>
+                <a:ext uri="{FF2B5EF4-FFF2-40B4-BE49-F238E27FC236}">
+                  <a16:creationId xmlns:a16="http://schemas.microsoft.com/office/drawing/2014/main" id="{14AB4749-0465-1CE7-93F7-DDD768C7C167}"/>
+                </a:ext>
+              </a:extLst>
+            </p:cNvPr>
+            <p:cNvSpPr txBox="1"/>
+            <p:nvPr/>
+          </p:nvSpPr>
+          <p:spPr>
+            <a:xfrm>
+              <a:off x="9309570" y="1262131"/>
+              <a:ext cx="800219" cy="461665"/>
+            </a:xfrm>
+            <a:prstGeom prst="rect">
+              <a:avLst/>
+            </a:prstGeom>
+            <a:noFill/>
+          </p:spPr>
+          <p:txBody>
+            <a:bodyPr wrap="none" rtlCol="0">
+              <a:spAutoFit/>
+            </a:bodyPr>
+            <a:lstStyle/>
+            <a:p>
+              <a:r>
+                <a:rPr lang="ko-KR" altLang="en-US" sz="2400" b="1"/>
+                <a:t>출력</a:t>
+              </a:r>
+              <a:endParaRPr lang="en-GB" sz="2400" b="1"/>
+            </a:p>
+          </p:txBody>
+        </p:sp>
+        <p:sp>
+          <p:nvSpPr>
+            <p:cNvPr id="29" name="TextBox 28">
+              <a:extLst>
+                <a:ext uri="{FF2B5EF4-FFF2-40B4-BE49-F238E27FC236}">
+                  <a16:creationId xmlns:a16="http://schemas.microsoft.com/office/drawing/2014/main" id="{11FE0E38-9DE1-4EA3-46F4-397DF060B9C4}"/>
+                </a:ext>
+              </a:extLst>
+            </p:cNvPr>
+            <p:cNvSpPr txBox="1"/>
+            <p:nvPr/>
+          </p:nvSpPr>
+          <p:spPr>
+            <a:xfrm>
+              <a:off x="5694289" y="1262131"/>
+              <a:ext cx="800219" cy="461665"/>
+            </a:xfrm>
+            <a:prstGeom prst="rect">
+              <a:avLst/>
+            </a:prstGeom>
+            <a:noFill/>
+          </p:spPr>
+          <p:txBody>
+            <a:bodyPr wrap="none" rtlCol="0">
+              <a:spAutoFit/>
+            </a:bodyPr>
+            <a:lstStyle/>
+            <a:p>
+              <a:r>
+                <a:rPr lang="ko-KR" altLang="en-US" sz="2400" b="1"/>
+                <a:t>연산</a:t>
+              </a:r>
+              <a:endParaRPr lang="en-GB" sz="2400" b="1"/>
+            </a:p>
+          </p:txBody>
+        </p:sp>
+        <p:grpSp>
+          <p:nvGrpSpPr>
+            <p:cNvPr id="32" name="그룹 31">
+              <a:extLst>
+                <a:ext uri="{FF2B5EF4-FFF2-40B4-BE49-F238E27FC236}">
+                  <a16:creationId xmlns:a16="http://schemas.microsoft.com/office/drawing/2014/main" id="{A68483A9-421E-37A7-F6A2-CE27598DAC24}"/>
+                </a:ext>
+              </a:extLst>
+            </p:cNvPr>
+            <p:cNvGrpSpPr/>
+            <p:nvPr/>
+          </p:nvGrpSpPr>
+          <p:grpSpPr>
+            <a:xfrm>
+              <a:off x="4834848" y="3093405"/>
+              <a:ext cx="2522305" cy="888715"/>
+              <a:chOff x="5049882" y="2429837"/>
+              <a:chExt cx="2522305" cy="888715"/>
+            </a:xfrm>
+          </p:grpSpPr>
+          <p:sp>
+            <p:nvSpPr>
+              <p:cNvPr id="7" name="직사각형 6">
+                <a:extLst>
+                  <a:ext uri="{FF2B5EF4-FFF2-40B4-BE49-F238E27FC236}">
+                    <a16:creationId xmlns:a16="http://schemas.microsoft.com/office/drawing/2014/main" id="{7194F96B-9CC7-F9E2-6D03-0628FBE22A55}"/>
+                  </a:ext>
+                </a:extLst>
+              </p:cNvPr>
+              <p:cNvSpPr/>
+              <p:nvPr/>
+            </p:nvSpPr>
+            <p:spPr>
+              <a:xfrm>
+                <a:off x="5049882" y="2429837"/>
+                <a:ext cx="2522305" cy="888715"/>
+              </a:xfrm>
+              <a:prstGeom prst="rect">
+                <a:avLst/>
+              </a:prstGeom>
+              <a:noFill/>
+              <a:ln>
+                <a:solidFill>
+                  <a:schemeClr val="tx1"/>
+                </a:solidFill>
+              </a:ln>
+            </p:spPr>
+            <p:style>
+              <a:lnRef idx="2">
+                <a:schemeClr val="accent1">
+                  <a:shade val="15000"/>
+                </a:schemeClr>
+              </a:lnRef>
+              <a:fillRef idx="1">
+                <a:schemeClr val="accent1"/>
+              </a:fillRef>
+              <a:effectRef idx="0">
+                <a:schemeClr val="accent1"/>
+              </a:effectRef>
+              <a:fontRef idx="minor">
+                <a:schemeClr val="lt1"/>
+              </a:fontRef>
+            </p:style>
+            <p:txBody>
+              <a:bodyPr rtlCol="0" anchor="ctr"/>
+              <a:lstStyle/>
+              <a:p>
+                <a:pPr algn="ctr"/>
+                <a:endParaRPr lang="en-GB"/>
+              </a:p>
+            </p:txBody>
+          </p:sp>
+          <p:grpSp>
+            <p:nvGrpSpPr>
+              <p:cNvPr id="31" name="그룹 30">
+                <a:extLst>
+                  <a:ext uri="{FF2B5EF4-FFF2-40B4-BE49-F238E27FC236}">
+                    <a16:creationId xmlns:a16="http://schemas.microsoft.com/office/drawing/2014/main" id="{89F9B3C6-36AF-DEE5-9184-5C491EB61577}"/>
+                  </a:ext>
+                </a:extLst>
+              </p:cNvPr>
+              <p:cNvGrpSpPr/>
+              <p:nvPr/>
+            </p:nvGrpSpPr>
+            <p:grpSpPr>
+              <a:xfrm>
+                <a:off x="5392642" y="2546057"/>
+                <a:ext cx="1836785" cy="656275"/>
+                <a:chOff x="5392642" y="2591925"/>
+                <a:chExt cx="1836785" cy="656275"/>
+              </a:xfrm>
+            </p:grpSpPr>
+            <p:sp>
+              <p:nvSpPr>
+                <p:cNvPr id="4" name="TextBox 3">
+                  <a:extLst>
+                    <a:ext uri="{FF2B5EF4-FFF2-40B4-BE49-F238E27FC236}">
+                      <a16:creationId xmlns:a16="http://schemas.microsoft.com/office/drawing/2014/main" id="{D139179B-B8E8-0CC4-BD66-4B459A2012F2}"/>
+                    </a:ext>
+                  </a:extLst>
+                </p:cNvPr>
+                <p:cNvSpPr txBox="1"/>
+                <p:nvPr/>
+              </p:nvSpPr>
+              <p:spPr>
+                <a:xfrm>
+                  <a:off x="5392642" y="2591925"/>
+                  <a:ext cx="1836785" cy="369332"/>
+                </a:xfrm>
+                <a:prstGeom prst="rect">
+                  <a:avLst/>
+                </a:prstGeom>
+                <a:noFill/>
+              </p:spPr>
+              <p:txBody>
+                <a:bodyPr wrap="none" rtlCol="0">
+                  <a:spAutoFit/>
+                </a:bodyPr>
+                <a:lstStyle/>
+                <a:p>
+                  <a:r>
+                    <a:rPr lang="en-GB" b="1"/>
+                    <a:t>Application Layer</a:t>
+                  </a:r>
+                </a:p>
+              </p:txBody>
+            </p:sp>
+            <p:sp>
+              <p:nvSpPr>
+                <p:cNvPr id="30" name="TextBox 29">
+                  <a:extLst>
+                    <a:ext uri="{FF2B5EF4-FFF2-40B4-BE49-F238E27FC236}">
+                      <a16:creationId xmlns:a16="http://schemas.microsoft.com/office/drawing/2014/main" id="{CA1AFD1B-B1C3-0B07-946C-97C3C8C75501}"/>
+                    </a:ext>
+                  </a:extLst>
+                </p:cNvPr>
+                <p:cNvSpPr txBox="1"/>
+                <p:nvPr/>
+              </p:nvSpPr>
+              <p:spPr>
+                <a:xfrm>
+                  <a:off x="5887841" y="2940423"/>
+                  <a:ext cx="846386" cy="307777"/>
+                </a:xfrm>
+                <a:prstGeom prst="rect">
+                  <a:avLst/>
+                </a:prstGeom>
+                <a:noFill/>
+              </p:spPr>
+              <p:txBody>
+                <a:bodyPr wrap="none" rtlCol="0">
+                  <a:spAutoFit/>
+                </a:bodyPr>
+                <a:lstStyle/>
+                <a:p>
+                  <a:r>
+                    <a:rPr lang="en-GB" sz="1400" b="1">
+                      <a:solidFill>
+                        <a:srgbClr val="0070C0"/>
+                      </a:solidFill>
+                    </a:rPr>
+                    <a:t>Biz. Flow</a:t>
+                  </a:r>
+                </a:p>
+              </p:txBody>
+            </p:sp>
+          </p:grpSp>
+        </p:grpSp>
+      </p:grpSp>
+      <p:sp>
+        <p:nvSpPr>
+          <p:cNvPr id="41" name="직사각형 40">
+            <a:extLst>
+              <a:ext uri="{FF2B5EF4-FFF2-40B4-BE49-F238E27FC236}">
+                <a16:creationId xmlns:a16="http://schemas.microsoft.com/office/drawing/2014/main" id="{FF8E5B79-D254-B3E5-1577-AAE1BF010CD9}"/>
+              </a:ext>
+            </a:extLst>
+          </p:cNvPr>
+          <p:cNvSpPr/>
+          <p:nvPr/>
+        </p:nvSpPr>
+        <p:spPr>
+          <a:xfrm>
+            <a:off x="679808" y="711486"/>
+            <a:ext cx="10832386" cy="5435029"/>
+          </a:xfrm>
+          <a:prstGeom prst="rect">
+            <a:avLst/>
+          </a:prstGeom>
+          <a:noFill/>
+        </p:spPr>
+        <p:style>
+          <a:lnRef idx="2">
+            <a:schemeClr val="accent1">
+              <a:shade val="15000"/>
+            </a:schemeClr>
+          </a:lnRef>
+          <a:fillRef idx="1">
+            <a:schemeClr val="accent1"/>
+          </a:fillRef>
+          <a:effectRef idx="0">
+            <a:schemeClr val="accent1"/>
+          </a:effectRef>
+          <a:fontRef idx="minor">
+            <a:schemeClr val="lt1"/>
+          </a:fontRef>
+        </p:style>
+        <p:txBody>
+          <a:bodyPr rtlCol="0" anchor="ctr"/>
+          <a:lstStyle/>
+          <a:p>
+            <a:pPr algn="ctr"/>
+            <a:endParaRPr lang="en-GB"/>
+          </a:p>
+        </p:txBody>
+      </p:sp>
+    </p:spTree>
+    <p:extLst>
+      <p:ext uri="{BB962C8B-B14F-4D97-AF65-F5344CB8AC3E}">
+        <p14:creationId xmlns:p14="http://schemas.microsoft.com/office/powerpoint/2010/main" val="2224589672"/>
+      </p:ext>
+    </p:extLst>
+  </p:cSld>
+  <p:clrMapOvr>
+    <a:masterClrMapping/>
+  </p:clrMapOvr>
+</p:sld>
+</file>
+
+<file path=ppt/slides/slide5.xml><?xml version="1.0" encoding="utf-8"?>
 <p:sld xmlns:a="http://schemas.openxmlformats.org/drawingml/2006/main" xmlns:r="http://schemas.openxmlformats.org/officeDocument/2006/relationships" xmlns:p="http://schemas.openxmlformats.org/presentationml/2006/main">
   <p:cSld>
     <p:spTree>

--- a/README.pptx
+++ b/README.pptx
@@ -214,7 +214,7 @@
           <a:p>
             <a:fld id="{FCD79106-3FF3-4A4E-8823-1F6666CB5710}" type="datetimeFigureOut">
               <a:rPr lang="en-GB" smtClean="0"/>
-              <a:t>26/10/2024</a:t>
+              <a:t>27/10/2024</a:t>
             </a:fld>
             <a:endParaRPr lang="en-GB"/>
           </a:p>
@@ -631,7 +631,7 @@
           <a:p>
             <a:fld id="{1DF5A12A-26A2-4E24-9FC7-9E664B7E9A6F}" type="datetime1">
               <a:rPr lang="en-GB" smtClean="0"/>
-              <a:t>26/10/2024</a:t>
+              <a:t>27/10/2024</a:t>
             </a:fld>
             <a:endParaRPr lang="en-GB"/>
           </a:p>
@@ -831,7 +831,7 @@
           <a:p>
             <a:fld id="{CD959BCF-454B-4A7F-9166-1E5F3F64FBE6}" type="datetime1">
               <a:rPr lang="en-GB" smtClean="0"/>
-              <a:t>26/10/2024</a:t>
+              <a:t>27/10/2024</a:t>
             </a:fld>
             <a:endParaRPr lang="en-GB"/>
           </a:p>
@@ -1041,7 +1041,7 @@
           <a:p>
             <a:fld id="{E367124E-598A-4501-AF73-2206C8C14947}" type="datetime1">
               <a:rPr lang="en-GB" smtClean="0"/>
-              <a:t>26/10/2024</a:t>
+              <a:t>27/10/2024</a:t>
             </a:fld>
             <a:endParaRPr lang="en-GB"/>
           </a:p>
@@ -1241,7 +1241,7 @@
           <a:p>
             <a:fld id="{399D505F-7CD7-4DDA-8F81-3FF9C586E9C2}" type="datetime1">
               <a:rPr lang="en-GB" smtClean="0"/>
-              <a:t>26/10/2024</a:t>
+              <a:t>27/10/2024</a:t>
             </a:fld>
             <a:endParaRPr lang="en-GB"/>
           </a:p>
@@ -1517,7 +1517,7 @@
           <a:p>
             <a:fld id="{A2E4D1AA-7BEB-4479-BFF2-1D5C6FD00EDD}" type="datetime1">
               <a:rPr lang="en-GB" smtClean="0"/>
-              <a:t>26/10/2024</a:t>
+              <a:t>27/10/2024</a:t>
             </a:fld>
             <a:endParaRPr lang="en-GB"/>
           </a:p>
@@ -1785,7 +1785,7 @@
           <a:p>
             <a:fld id="{50F67719-83FC-48B9-A419-9636BC5FA1CE}" type="datetime1">
               <a:rPr lang="en-GB" smtClean="0"/>
-              <a:t>26/10/2024</a:t>
+              <a:t>27/10/2024</a:t>
             </a:fld>
             <a:endParaRPr lang="en-GB"/>
           </a:p>
@@ -2200,7 +2200,7 @@
           <a:p>
             <a:fld id="{05938E20-00E3-4256-8C0E-C2C15CE50C0A}" type="datetime1">
               <a:rPr lang="en-GB" smtClean="0"/>
-              <a:t>26/10/2024</a:t>
+              <a:t>27/10/2024</a:t>
             </a:fld>
             <a:endParaRPr lang="en-GB"/>
           </a:p>
@@ -2342,7 +2342,7 @@
           <a:p>
             <a:fld id="{C2B4F9F3-6D4D-4D5C-A257-2830B80EA9E5}" type="datetime1">
               <a:rPr lang="en-GB" smtClean="0"/>
-              <a:t>26/10/2024</a:t>
+              <a:t>27/10/2024</a:t>
             </a:fld>
             <a:endParaRPr lang="en-GB"/>
           </a:p>
@@ -2455,7 +2455,7 @@
           <a:p>
             <a:fld id="{1E9CD8E7-6E1F-4F0B-9D00-E8AA0B8A042C}" type="datetime1">
               <a:rPr lang="en-GB" smtClean="0"/>
-              <a:t>26/10/2024</a:t>
+              <a:t>27/10/2024</a:t>
             </a:fld>
             <a:endParaRPr lang="en-GB"/>
           </a:p>
@@ -2768,7 +2768,7 @@
           <a:p>
             <a:fld id="{2F1E6ACD-3707-4D80-9C32-0FE017AC8A1D}" type="datetime1">
               <a:rPr lang="en-GB" smtClean="0"/>
-              <a:t>26/10/2024</a:t>
+              <a:t>27/10/2024</a:t>
             </a:fld>
             <a:endParaRPr lang="en-GB"/>
           </a:p>
@@ -3057,7 +3057,7 @@
           <a:p>
             <a:fld id="{F18C52D3-A496-409F-8F5F-A0368619ACAD}" type="datetime1">
               <a:rPr lang="en-GB" smtClean="0"/>
-              <a:t>26/10/2024</a:t>
+              <a:t>27/10/2024</a:t>
             </a:fld>
             <a:endParaRPr lang="en-GB"/>
           </a:p>
@@ -3300,7 +3300,7 @@
           <a:p>
             <a:fld id="{1F12BE6B-3A78-44AF-A6B9-9109795A1A68}" type="datetime1">
               <a:rPr lang="en-GB" smtClean="0"/>
-              <a:t>26/10/2024</a:t>
+              <a:t>27/10/2024</a:t>
             </a:fld>
             <a:endParaRPr lang="en-GB"/>
           </a:p>
@@ -7566,941 +7566,12 @@
           <a:chExt cx="0" cy="0"/>
         </a:xfrm>
       </p:grpSpPr>
-      <p:grpSp>
-        <p:nvGrpSpPr>
-          <p:cNvPr id="42" name="그룹 41">
-            <a:extLst>
-              <a:ext uri="{FF2B5EF4-FFF2-40B4-BE49-F238E27FC236}">
-                <a16:creationId xmlns:a16="http://schemas.microsoft.com/office/drawing/2014/main" id="{F6D05B2A-3CDA-421B-D2A0-1ED75B80497D}"/>
-              </a:ext>
-            </a:extLst>
-          </p:cNvPr>
-          <p:cNvGrpSpPr/>
-          <p:nvPr/>
-        </p:nvGrpSpPr>
-        <p:grpSpPr>
-          <a:xfrm>
-            <a:off x="1222771" y="1262131"/>
-            <a:ext cx="9746459" cy="4333739"/>
-            <a:chOff x="1222771" y="1262131"/>
-            <a:chExt cx="9746459" cy="4333739"/>
-          </a:xfrm>
-        </p:grpSpPr>
-        <p:sp>
-          <p:nvSpPr>
-            <p:cNvPr id="34" name="직사각형 33">
-              <a:extLst>
-                <a:ext uri="{FF2B5EF4-FFF2-40B4-BE49-F238E27FC236}">
-                  <a16:creationId xmlns:a16="http://schemas.microsoft.com/office/drawing/2014/main" id="{9A1A558F-3A8D-33B0-0EDC-5AF8B1238133}"/>
-                </a:ext>
-              </a:extLst>
-            </p:cNvPr>
-            <p:cNvSpPr/>
-            <p:nvPr/>
-          </p:nvSpPr>
-          <p:spPr>
-            <a:xfrm>
-              <a:off x="4834848" y="4707155"/>
-              <a:ext cx="2522305" cy="888715"/>
-            </a:xfrm>
-            <a:prstGeom prst="rect">
-              <a:avLst/>
-            </a:prstGeom>
-            <a:noFill/>
-            <a:ln>
-              <a:solidFill>
-                <a:schemeClr val="tx1"/>
-              </a:solidFill>
-            </a:ln>
-          </p:spPr>
-          <p:style>
-            <a:lnRef idx="2">
-              <a:schemeClr val="accent1">
-                <a:shade val="15000"/>
-              </a:schemeClr>
-            </a:lnRef>
-            <a:fillRef idx="1">
-              <a:schemeClr val="accent1"/>
-            </a:fillRef>
-            <a:effectRef idx="0">
-              <a:schemeClr val="accent1"/>
-            </a:effectRef>
-            <a:fontRef idx="minor">
-              <a:schemeClr val="lt1"/>
-            </a:fontRef>
-          </p:style>
-          <p:txBody>
-            <a:bodyPr rtlCol="0" anchor="ctr"/>
-            <a:lstStyle/>
-            <a:p>
-              <a:pPr algn="ctr"/>
-              <a:endParaRPr lang="en-GB"/>
-            </a:p>
-          </p:txBody>
-        </p:sp>
-        <p:sp>
-          <p:nvSpPr>
-            <p:cNvPr id="36" name="TextBox 35">
-              <a:extLst>
-                <a:ext uri="{FF2B5EF4-FFF2-40B4-BE49-F238E27FC236}">
-                  <a16:creationId xmlns:a16="http://schemas.microsoft.com/office/drawing/2014/main" id="{5F8A3523-C5BA-08A7-425B-A431F73AC7BB}"/>
-                </a:ext>
-              </a:extLst>
-            </p:cNvPr>
-            <p:cNvSpPr txBox="1"/>
-            <p:nvPr/>
-          </p:nvSpPr>
-          <p:spPr>
-            <a:xfrm>
-              <a:off x="5346596" y="4823375"/>
-              <a:ext cx="1498808" cy="369332"/>
-            </a:xfrm>
-            <a:prstGeom prst="rect">
-              <a:avLst/>
-            </a:prstGeom>
-            <a:noFill/>
-          </p:spPr>
-          <p:txBody>
-            <a:bodyPr wrap="none" rtlCol="0">
-              <a:spAutoFit/>
-            </a:bodyPr>
-            <a:lstStyle/>
-            <a:p>
-              <a:r>
-                <a:rPr lang="en-GB" b="1"/>
-                <a:t>Domain Layer</a:t>
-              </a:r>
-            </a:p>
-          </p:txBody>
-        </p:sp>
-        <p:sp>
-          <p:nvSpPr>
-            <p:cNvPr id="37" name="TextBox 36">
-              <a:extLst>
-                <a:ext uri="{FF2B5EF4-FFF2-40B4-BE49-F238E27FC236}">
-                  <a16:creationId xmlns:a16="http://schemas.microsoft.com/office/drawing/2014/main" id="{3CB9441C-30F7-7852-F73D-AF4F8BDC2619}"/>
-                </a:ext>
-              </a:extLst>
-            </p:cNvPr>
-            <p:cNvSpPr txBox="1"/>
-            <p:nvPr/>
-          </p:nvSpPr>
-          <p:spPr>
-            <a:xfrm>
-              <a:off x="5690280" y="5171873"/>
-              <a:ext cx="811441" cy="307777"/>
-            </a:xfrm>
-            <a:prstGeom prst="rect">
-              <a:avLst/>
-            </a:prstGeom>
-            <a:noFill/>
-          </p:spPr>
-          <p:txBody>
-            <a:bodyPr wrap="none" rtlCol="0">
-              <a:spAutoFit/>
-            </a:bodyPr>
-            <a:lstStyle/>
-            <a:p>
-              <a:r>
-                <a:rPr lang="en-GB" sz="1400" b="1">
-                  <a:solidFill>
-                    <a:srgbClr val="0070C0"/>
-                  </a:solidFill>
-                </a:rPr>
-                <a:t>Biz. Unit</a:t>
-              </a:r>
-            </a:p>
-          </p:txBody>
-        </p:sp>
-        <p:sp>
-          <p:nvSpPr>
-            <p:cNvPr id="6" name="TextBox 5">
-              <a:extLst>
-                <a:ext uri="{FF2B5EF4-FFF2-40B4-BE49-F238E27FC236}">
-                  <a16:creationId xmlns:a16="http://schemas.microsoft.com/office/drawing/2014/main" id="{54C1D9AC-E59C-B684-F7E0-723BF977A6CE}"/>
-                </a:ext>
-              </a:extLst>
-            </p:cNvPr>
-            <p:cNvSpPr txBox="1"/>
-            <p:nvPr/>
-          </p:nvSpPr>
-          <p:spPr>
-            <a:xfrm>
-              <a:off x="5697495" y="2060148"/>
-              <a:ext cx="797013" cy="584775"/>
-            </a:xfrm>
-            <a:prstGeom prst="rect">
-              <a:avLst/>
-            </a:prstGeom>
-            <a:noFill/>
-          </p:spPr>
-          <p:txBody>
-            <a:bodyPr wrap="none" rtlCol="0">
-              <a:spAutoFit/>
-            </a:bodyPr>
-            <a:lstStyle/>
-            <a:p>
-              <a:pPr algn="ctr"/>
-              <a:r>
-                <a:rPr lang="en-GB" b="1">
-                  <a:solidFill>
-                    <a:srgbClr val="7030A0"/>
-                  </a:solidFill>
-                </a:rPr>
-                <a:t>Biz.</a:t>
-              </a:r>
-            </a:p>
-            <a:p>
-              <a:pPr algn="ctr"/>
-              <a:r>
-                <a:rPr lang="en-GB" sz="1400" b="1">
-                  <a:solidFill>
-                    <a:srgbClr val="7030A0"/>
-                  </a:solidFill>
-                </a:rPr>
-                <a:t>Concern</a:t>
-              </a:r>
-            </a:p>
-          </p:txBody>
-        </p:sp>
-        <p:cxnSp>
-          <p:nvCxnSpPr>
-            <p:cNvPr id="12" name="직선 화살표 연결선 11">
-              <a:extLst>
-                <a:ext uri="{FF2B5EF4-FFF2-40B4-BE49-F238E27FC236}">
-                  <a16:creationId xmlns:a16="http://schemas.microsoft.com/office/drawing/2014/main" id="{B8ACC41C-8E37-7822-A2E1-522CD57D1BF6}"/>
-                </a:ext>
-              </a:extLst>
-            </p:cNvPr>
-            <p:cNvCxnSpPr>
-              <a:cxnSpLocks/>
-              <a:stCxn id="7" idx="2"/>
-            </p:cNvCxnSpPr>
-            <p:nvPr/>
-          </p:nvCxnSpPr>
-          <p:spPr>
-            <a:xfrm>
-              <a:off x="6096001" y="3982120"/>
-              <a:ext cx="0" cy="725035"/>
-            </a:xfrm>
-            <a:prstGeom prst="straightConnector1">
-              <a:avLst/>
-            </a:prstGeom>
-            <a:ln w="28575">
-              <a:solidFill>
-                <a:schemeClr val="tx1"/>
-              </a:solidFill>
-              <a:tailEnd type="triangle"/>
-            </a:ln>
-          </p:spPr>
-          <p:style>
-            <a:lnRef idx="1">
-              <a:schemeClr val="accent1"/>
-            </a:lnRef>
-            <a:fillRef idx="0">
-              <a:schemeClr val="accent1"/>
-            </a:fillRef>
-            <a:effectRef idx="0">
-              <a:schemeClr val="accent1"/>
-            </a:effectRef>
-            <a:fontRef idx="minor">
-              <a:schemeClr val="tx1"/>
-            </a:fontRef>
-          </p:style>
-        </p:cxnSp>
-        <p:grpSp>
-          <p:nvGrpSpPr>
-            <p:cNvPr id="13" name="그룹 12">
-              <a:extLst>
-                <a:ext uri="{FF2B5EF4-FFF2-40B4-BE49-F238E27FC236}">
-                  <a16:creationId xmlns:a16="http://schemas.microsoft.com/office/drawing/2014/main" id="{48EE3DCD-B2B0-4953-4E45-D6C8193F0FDB}"/>
-                </a:ext>
-              </a:extLst>
-            </p:cNvPr>
-            <p:cNvGrpSpPr/>
-            <p:nvPr/>
-          </p:nvGrpSpPr>
-          <p:grpSpPr>
-            <a:xfrm>
-              <a:off x="1222771" y="3093405"/>
-              <a:ext cx="2522305" cy="888715"/>
-              <a:chOff x="4998378" y="4140485"/>
-              <a:chExt cx="2522305" cy="888715"/>
-            </a:xfrm>
-          </p:grpSpPr>
-          <p:sp>
-            <p:nvSpPr>
-              <p:cNvPr id="14" name="직사각형 13">
-                <a:extLst>
-                  <a:ext uri="{FF2B5EF4-FFF2-40B4-BE49-F238E27FC236}">
-                    <a16:creationId xmlns:a16="http://schemas.microsoft.com/office/drawing/2014/main" id="{A565EE6A-B37B-9635-5CC1-AD057AC8AA74}"/>
-                  </a:ext>
-                </a:extLst>
-              </p:cNvPr>
-              <p:cNvSpPr/>
-              <p:nvPr/>
-            </p:nvSpPr>
-            <p:spPr>
-              <a:xfrm>
-                <a:off x="4998378" y="4140485"/>
-                <a:ext cx="2522305" cy="888715"/>
-              </a:xfrm>
-              <a:prstGeom prst="rect">
-                <a:avLst/>
-              </a:prstGeom>
-              <a:noFill/>
-              <a:ln>
-                <a:solidFill>
-                  <a:schemeClr val="tx1"/>
-                </a:solidFill>
-              </a:ln>
-            </p:spPr>
-            <p:style>
-              <a:lnRef idx="2">
-                <a:schemeClr val="accent1">
-                  <a:shade val="15000"/>
-                </a:schemeClr>
-              </a:lnRef>
-              <a:fillRef idx="1">
-                <a:schemeClr val="accent1"/>
-              </a:fillRef>
-              <a:effectRef idx="0">
-                <a:schemeClr val="accent1"/>
-              </a:effectRef>
-              <a:fontRef idx="minor">
-                <a:schemeClr val="lt1"/>
-              </a:fontRef>
-            </p:style>
-            <p:txBody>
-              <a:bodyPr rtlCol="0" anchor="ctr"/>
-              <a:lstStyle/>
-              <a:p>
-                <a:pPr algn="ctr"/>
-                <a:endParaRPr lang="en-GB"/>
-              </a:p>
-            </p:txBody>
-          </p:sp>
-          <p:sp>
-            <p:nvSpPr>
-              <p:cNvPr id="15" name="TextBox 14">
-                <a:extLst>
-                  <a:ext uri="{FF2B5EF4-FFF2-40B4-BE49-F238E27FC236}">
-                    <a16:creationId xmlns:a16="http://schemas.microsoft.com/office/drawing/2014/main" id="{0DD81B2E-FF32-A87C-1FB7-D2DF5CD35024}"/>
-                  </a:ext>
-                </a:extLst>
-              </p:cNvPr>
-              <p:cNvSpPr txBox="1"/>
-              <p:nvPr/>
-            </p:nvSpPr>
-            <p:spPr>
-              <a:xfrm>
-                <a:off x="5498360" y="4400176"/>
-                <a:ext cx="1522340" cy="369332"/>
-              </a:xfrm>
-              <a:prstGeom prst="rect">
-                <a:avLst/>
-              </a:prstGeom>
-              <a:noFill/>
-            </p:spPr>
-            <p:txBody>
-              <a:bodyPr wrap="none" rtlCol="0">
-                <a:spAutoFit/>
-              </a:bodyPr>
-              <a:lstStyle/>
-              <a:p>
-                <a:r>
-                  <a:rPr lang="en-GB" b="1"/>
-                  <a:t>Adapter Layer</a:t>
-                </a:r>
-              </a:p>
-            </p:txBody>
-          </p:sp>
-        </p:grpSp>
-        <p:grpSp>
-          <p:nvGrpSpPr>
-            <p:cNvPr id="16" name="그룹 15">
-              <a:extLst>
-                <a:ext uri="{FF2B5EF4-FFF2-40B4-BE49-F238E27FC236}">
-                  <a16:creationId xmlns:a16="http://schemas.microsoft.com/office/drawing/2014/main" id="{5E04ACAE-C04D-EBCF-D057-EAFEA0C1FD70}"/>
-                </a:ext>
-              </a:extLst>
-            </p:cNvPr>
-            <p:cNvGrpSpPr/>
-            <p:nvPr/>
-          </p:nvGrpSpPr>
-          <p:grpSpPr>
-            <a:xfrm>
-              <a:off x="8446925" y="3093404"/>
-              <a:ext cx="2522305" cy="888715"/>
-              <a:chOff x="4998378" y="4140485"/>
-              <a:chExt cx="2522305" cy="888715"/>
-            </a:xfrm>
-          </p:grpSpPr>
-          <p:sp>
-            <p:nvSpPr>
-              <p:cNvPr id="17" name="직사각형 16">
-                <a:extLst>
-                  <a:ext uri="{FF2B5EF4-FFF2-40B4-BE49-F238E27FC236}">
-                    <a16:creationId xmlns:a16="http://schemas.microsoft.com/office/drawing/2014/main" id="{362CCEB7-4200-C67A-0DE7-ACF353F0A272}"/>
-                  </a:ext>
-                </a:extLst>
-              </p:cNvPr>
-              <p:cNvSpPr/>
-              <p:nvPr/>
-            </p:nvSpPr>
-            <p:spPr>
-              <a:xfrm>
-                <a:off x="4998378" y="4140485"/>
-                <a:ext cx="2522305" cy="888715"/>
-              </a:xfrm>
-              <a:prstGeom prst="rect">
-                <a:avLst/>
-              </a:prstGeom>
-              <a:noFill/>
-              <a:ln>
-                <a:solidFill>
-                  <a:schemeClr val="tx1"/>
-                </a:solidFill>
-              </a:ln>
-            </p:spPr>
-            <p:style>
-              <a:lnRef idx="2">
-                <a:schemeClr val="accent1">
-                  <a:shade val="15000"/>
-                </a:schemeClr>
-              </a:lnRef>
-              <a:fillRef idx="1">
-                <a:schemeClr val="accent1"/>
-              </a:fillRef>
-              <a:effectRef idx="0">
-                <a:schemeClr val="accent1"/>
-              </a:effectRef>
-              <a:fontRef idx="minor">
-                <a:schemeClr val="lt1"/>
-              </a:fontRef>
-            </p:style>
-            <p:txBody>
-              <a:bodyPr rtlCol="0" anchor="ctr"/>
-              <a:lstStyle/>
-              <a:p>
-                <a:pPr algn="ctr"/>
-                <a:endParaRPr lang="en-GB"/>
-              </a:p>
-            </p:txBody>
-          </p:sp>
-          <p:sp>
-            <p:nvSpPr>
-              <p:cNvPr id="18" name="TextBox 17">
-                <a:extLst>
-                  <a:ext uri="{FF2B5EF4-FFF2-40B4-BE49-F238E27FC236}">
-                    <a16:creationId xmlns:a16="http://schemas.microsoft.com/office/drawing/2014/main" id="{C3C6045D-DDE2-E666-51C6-80A86EF00FB2}"/>
-                  </a:ext>
-                </a:extLst>
-              </p:cNvPr>
-              <p:cNvSpPr txBox="1"/>
-              <p:nvPr/>
-            </p:nvSpPr>
-            <p:spPr>
-              <a:xfrm>
-                <a:off x="5498360" y="4400176"/>
-                <a:ext cx="1522340" cy="369332"/>
-              </a:xfrm>
-              <a:prstGeom prst="rect">
-                <a:avLst/>
-              </a:prstGeom>
-              <a:noFill/>
-            </p:spPr>
-            <p:txBody>
-              <a:bodyPr wrap="none" rtlCol="0">
-                <a:spAutoFit/>
-              </a:bodyPr>
-              <a:lstStyle/>
-              <a:p>
-                <a:r>
-                  <a:rPr lang="en-GB" b="1"/>
-                  <a:t>Adapter Layer</a:t>
-                </a:r>
-              </a:p>
-            </p:txBody>
-          </p:sp>
-        </p:grpSp>
-        <p:cxnSp>
-          <p:nvCxnSpPr>
-            <p:cNvPr id="19" name="직선 화살표 연결선 18">
-              <a:extLst>
-                <a:ext uri="{FF2B5EF4-FFF2-40B4-BE49-F238E27FC236}">
-                  <a16:creationId xmlns:a16="http://schemas.microsoft.com/office/drawing/2014/main" id="{B1E611AD-F83A-7F36-6D44-FFECE2988715}"/>
-                </a:ext>
-              </a:extLst>
-            </p:cNvPr>
-            <p:cNvCxnSpPr>
-              <a:cxnSpLocks/>
-              <a:stCxn id="14" idx="3"/>
-              <a:endCxn id="7" idx="1"/>
-            </p:cNvCxnSpPr>
-            <p:nvPr/>
-          </p:nvCxnSpPr>
-          <p:spPr>
-            <a:xfrm>
-              <a:off x="3745076" y="3537763"/>
-              <a:ext cx="1089772" cy="0"/>
-            </a:xfrm>
-            <a:prstGeom prst="straightConnector1">
-              <a:avLst/>
-            </a:prstGeom>
-            <a:ln w="28575">
-              <a:solidFill>
-                <a:schemeClr val="tx1"/>
-              </a:solidFill>
-              <a:tailEnd type="triangle"/>
-            </a:ln>
-          </p:spPr>
-          <p:style>
-            <a:lnRef idx="1">
-              <a:schemeClr val="accent1"/>
-            </a:lnRef>
-            <a:fillRef idx="0">
-              <a:schemeClr val="accent1"/>
-            </a:fillRef>
-            <a:effectRef idx="0">
-              <a:schemeClr val="accent1"/>
-            </a:effectRef>
-            <a:fontRef idx="minor">
-              <a:schemeClr val="tx1"/>
-            </a:fontRef>
-          </p:style>
-        </p:cxnSp>
-        <p:cxnSp>
-          <p:nvCxnSpPr>
-            <p:cNvPr id="22" name="직선 화살표 연결선 21">
-              <a:extLst>
-                <a:ext uri="{FF2B5EF4-FFF2-40B4-BE49-F238E27FC236}">
-                  <a16:creationId xmlns:a16="http://schemas.microsoft.com/office/drawing/2014/main" id="{0A5D6C57-E835-D13C-98E3-64657E86034E}"/>
-                </a:ext>
-              </a:extLst>
-            </p:cNvPr>
-            <p:cNvCxnSpPr>
-              <a:cxnSpLocks/>
-              <a:stCxn id="7" idx="3"/>
-              <a:endCxn id="17" idx="1"/>
-            </p:cNvCxnSpPr>
-            <p:nvPr/>
-          </p:nvCxnSpPr>
-          <p:spPr>
-            <a:xfrm flipV="1">
-              <a:off x="7357153" y="3537762"/>
-              <a:ext cx="1089772" cy="1"/>
-            </a:xfrm>
-            <a:prstGeom prst="straightConnector1">
-              <a:avLst/>
-            </a:prstGeom>
-            <a:ln w="28575">
-              <a:solidFill>
-                <a:schemeClr val="tx1"/>
-              </a:solidFill>
-              <a:tailEnd type="triangle"/>
-            </a:ln>
-          </p:spPr>
-          <p:style>
-            <a:lnRef idx="1">
-              <a:schemeClr val="accent1"/>
-            </a:lnRef>
-            <a:fillRef idx="0">
-              <a:schemeClr val="accent1"/>
-            </a:fillRef>
-            <a:effectRef idx="0">
-              <a:schemeClr val="accent1"/>
-            </a:effectRef>
-            <a:fontRef idx="minor">
-              <a:schemeClr val="tx1"/>
-            </a:fontRef>
-          </p:style>
-        </p:cxnSp>
-        <p:sp>
-          <p:nvSpPr>
-            <p:cNvPr id="25" name="TextBox 24">
-              <a:extLst>
-                <a:ext uri="{FF2B5EF4-FFF2-40B4-BE49-F238E27FC236}">
-                  <a16:creationId xmlns:a16="http://schemas.microsoft.com/office/drawing/2014/main" id="{5876EF6A-0CCF-FF76-538D-420FA0D697D6}"/>
-                </a:ext>
-              </a:extLst>
-            </p:cNvPr>
-            <p:cNvSpPr txBox="1"/>
-            <p:nvPr/>
-          </p:nvSpPr>
-          <p:spPr>
-            <a:xfrm>
-              <a:off x="2085416" y="2060148"/>
-              <a:ext cx="797013" cy="584775"/>
-            </a:xfrm>
-            <a:prstGeom prst="rect">
-              <a:avLst/>
-            </a:prstGeom>
-            <a:noFill/>
-          </p:spPr>
-          <p:txBody>
-            <a:bodyPr wrap="none" rtlCol="0">
-              <a:spAutoFit/>
-            </a:bodyPr>
-            <a:lstStyle/>
-            <a:p>
-              <a:pPr algn="ctr"/>
-              <a:r>
-                <a:rPr lang="en-GB" b="1">
-                  <a:solidFill>
-                    <a:srgbClr val="7030A0"/>
-                  </a:solidFill>
-                </a:rPr>
-                <a:t>Tech.</a:t>
-              </a:r>
-            </a:p>
-            <a:p>
-              <a:pPr algn="ctr"/>
-              <a:r>
-                <a:rPr lang="en-GB" sz="1400" b="1">
-                  <a:solidFill>
-                    <a:srgbClr val="7030A0"/>
-                  </a:solidFill>
-                </a:rPr>
-                <a:t>Concern</a:t>
-              </a:r>
-            </a:p>
-          </p:txBody>
-        </p:sp>
-        <p:sp>
-          <p:nvSpPr>
-            <p:cNvPr id="26" name="TextBox 25">
-              <a:extLst>
-                <a:ext uri="{FF2B5EF4-FFF2-40B4-BE49-F238E27FC236}">
-                  <a16:creationId xmlns:a16="http://schemas.microsoft.com/office/drawing/2014/main" id="{114342B3-307D-A98C-882A-A88AAF8F9298}"/>
-                </a:ext>
-              </a:extLst>
-            </p:cNvPr>
-            <p:cNvSpPr txBox="1"/>
-            <p:nvPr/>
-          </p:nvSpPr>
-          <p:spPr>
-            <a:xfrm>
-              <a:off x="9309570" y="2060148"/>
-              <a:ext cx="797013" cy="584775"/>
-            </a:xfrm>
-            <a:prstGeom prst="rect">
-              <a:avLst/>
-            </a:prstGeom>
-            <a:noFill/>
-          </p:spPr>
-          <p:txBody>
-            <a:bodyPr wrap="none" rtlCol="0">
-              <a:spAutoFit/>
-            </a:bodyPr>
-            <a:lstStyle/>
-            <a:p>
-              <a:pPr algn="ctr"/>
-              <a:r>
-                <a:rPr lang="en-GB" b="1">
-                  <a:solidFill>
-                    <a:srgbClr val="7030A0"/>
-                  </a:solidFill>
-                </a:rPr>
-                <a:t>Tech.</a:t>
-              </a:r>
-            </a:p>
-            <a:p>
-              <a:pPr algn="ctr"/>
-              <a:r>
-                <a:rPr lang="en-GB" sz="1400" b="1">
-                  <a:solidFill>
-                    <a:srgbClr val="7030A0"/>
-                  </a:solidFill>
-                </a:rPr>
-                <a:t>Concern</a:t>
-              </a:r>
-            </a:p>
-          </p:txBody>
-        </p:sp>
-        <p:sp>
-          <p:nvSpPr>
-            <p:cNvPr id="27" name="TextBox 26">
-              <a:extLst>
-                <a:ext uri="{FF2B5EF4-FFF2-40B4-BE49-F238E27FC236}">
-                  <a16:creationId xmlns:a16="http://schemas.microsoft.com/office/drawing/2014/main" id="{A9DC3310-F5D5-7F1A-40BC-F25D6179B9FB}"/>
-                </a:ext>
-              </a:extLst>
-            </p:cNvPr>
-            <p:cNvSpPr txBox="1"/>
-            <p:nvPr/>
-          </p:nvSpPr>
-          <p:spPr>
-            <a:xfrm>
-              <a:off x="2082210" y="1262131"/>
-              <a:ext cx="800219" cy="461665"/>
-            </a:xfrm>
-            <a:prstGeom prst="rect">
-              <a:avLst/>
-            </a:prstGeom>
-            <a:noFill/>
-          </p:spPr>
-          <p:txBody>
-            <a:bodyPr wrap="none" rtlCol="0">
-              <a:spAutoFit/>
-            </a:bodyPr>
-            <a:lstStyle/>
-            <a:p>
-              <a:r>
-                <a:rPr lang="ko-KR" altLang="en-US" sz="2400" b="1"/>
-                <a:t>입력</a:t>
-              </a:r>
-              <a:endParaRPr lang="en-GB" sz="2400" b="1"/>
-            </a:p>
-          </p:txBody>
-        </p:sp>
-        <p:sp>
-          <p:nvSpPr>
-            <p:cNvPr id="28" name="TextBox 27">
-              <a:extLst>
-                <a:ext uri="{FF2B5EF4-FFF2-40B4-BE49-F238E27FC236}">
-                  <a16:creationId xmlns:a16="http://schemas.microsoft.com/office/drawing/2014/main" id="{14AB4749-0465-1CE7-93F7-DDD768C7C167}"/>
-                </a:ext>
-              </a:extLst>
-            </p:cNvPr>
-            <p:cNvSpPr txBox="1"/>
-            <p:nvPr/>
-          </p:nvSpPr>
-          <p:spPr>
-            <a:xfrm>
-              <a:off x="9309570" y="1262131"/>
-              <a:ext cx="800219" cy="461665"/>
-            </a:xfrm>
-            <a:prstGeom prst="rect">
-              <a:avLst/>
-            </a:prstGeom>
-            <a:noFill/>
-          </p:spPr>
-          <p:txBody>
-            <a:bodyPr wrap="none" rtlCol="0">
-              <a:spAutoFit/>
-            </a:bodyPr>
-            <a:lstStyle/>
-            <a:p>
-              <a:r>
-                <a:rPr lang="ko-KR" altLang="en-US" sz="2400" b="1"/>
-                <a:t>출력</a:t>
-              </a:r>
-              <a:endParaRPr lang="en-GB" sz="2400" b="1"/>
-            </a:p>
-          </p:txBody>
-        </p:sp>
-        <p:sp>
-          <p:nvSpPr>
-            <p:cNvPr id="29" name="TextBox 28">
-              <a:extLst>
-                <a:ext uri="{FF2B5EF4-FFF2-40B4-BE49-F238E27FC236}">
-                  <a16:creationId xmlns:a16="http://schemas.microsoft.com/office/drawing/2014/main" id="{11FE0E38-9DE1-4EA3-46F4-397DF060B9C4}"/>
-                </a:ext>
-              </a:extLst>
-            </p:cNvPr>
-            <p:cNvSpPr txBox="1"/>
-            <p:nvPr/>
-          </p:nvSpPr>
-          <p:spPr>
-            <a:xfrm>
-              <a:off x="5694289" y="1262131"/>
-              <a:ext cx="800219" cy="461665"/>
-            </a:xfrm>
-            <a:prstGeom prst="rect">
-              <a:avLst/>
-            </a:prstGeom>
-            <a:noFill/>
-          </p:spPr>
-          <p:txBody>
-            <a:bodyPr wrap="none" rtlCol="0">
-              <a:spAutoFit/>
-            </a:bodyPr>
-            <a:lstStyle/>
-            <a:p>
-              <a:r>
-                <a:rPr lang="ko-KR" altLang="en-US" sz="2400" b="1"/>
-                <a:t>연산</a:t>
-              </a:r>
-              <a:endParaRPr lang="en-GB" sz="2400" b="1"/>
-            </a:p>
-          </p:txBody>
-        </p:sp>
-        <p:grpSp>
-          <p:nvGrpSpPr>
-            <p:cNvPr id="32" name="그룹 31">
-              <a:extLst>
-                <a:ext uri="{FF2B5EF4-FFF2-40B4-BE49-F238E27FC236}">
-                  <a16:creationId xmlns:a16="http://schemas.microsoft.com/office/drawing/2014/main" id="{A68483A9-421E-37A7-F6A2-CE27598DAC24}"/>
-                </a:ext>
-              </a:extLst>
-            </p:cNvPr>
-            <p:cNvGrpSpPr/>
-            <p:nvPr/>
-          </p:nvGrpSpPr>
-          <p:grpSpPr>
-            <a:xfrm>
-              <a:off x="4834848" y="3093405"/>
-              <a:ext cx="2522305" cy="888715"/>
-              <a:chOff x="5049882" y="2429837"/>
-              <a:chExt cx="2522305" cy="888715"/>
-            </a:xfrm>
-          </p:grpSpPr>
-          <p:sp>
-            <p:nvSpPr>
-              <p:cNvPr id="7" name="직사각형 6">
-                <a:extLst>
-                  <a:ext uri="{FF2B5EF4-FFF2-40B4-BE49-F238E27FC236}">
-                    <a16:creationId xmlns:a16="http://schemas.microsoft.com/office/drawing/2014/main" id="{7194F96B-9CC7-F9E2-6D03-0628FBE22A55}"/>
-                  </a:ext>
-                </a:extLst>
-              </p:cNvPr>
-              <p:cNvSpPr/>
-              <p:nvPr/>
-            </p:nvSpPr>
-            <p:spPr>
-              <a:xfrm>
-                <a:off x="5049882" y="2429837"/>
-                <a:ext cx="2522305" cy="888715"/>
-              </a:xfrm>
-              <a:prstGeom prst="rect">
-                <a:avLst/>
-              </a:prstGeom>
-              <a:noFill/>
-              <a:ln>
-                <a:solidFill>
-                  <a:schemeClr val="tx1"/>
-                </a:solidFill>
-              </a:ln>
-            </p:spPr>
-            <p:style>
-              <a:lnRef idx="2">
-                <a:schemeClr val="accent1">
-                  <a:shade val="15000"/>
-                </a:schemeClr>
-              </a:lnRef>
-              <a:fillRef idx="1">
-                <a:schemeClr val="accent1"/>
-              </a:fillRef>
-              <a:effectRef idx="0">
-                <a:schemeClr val="accent1"/>
-              </a:effectRef>
-              <a:fontRef idx="minor">
-                <a:schemeClr val="lt1"/>
-              </a:fontRef>
-            </p:style>
-            <p:txBody>
-              <a:bodyPr rtlCol="0" anchor="ctr"/>
-              <a:lstStyle/>
-              <a:p>
-                <a:pPr algn="ctr"/>
-                <a:endParaRPr lang="en-GB"/>
-              </a:p>
-            </p:txBody>
-          </p:sp>
-          <p:grpSp>
-            <p:nvGrpSpPr>
-              <p:cNvPr id="31" name="그룹 30">
-                <a:extLst>
-                  <a:ext uri="{FF2B5EF4-FFF2-40B4-BE49-F238E27FC236}">
-                    <a16:creationId xmlns:a16="http://schemas.microsoft.com/office/drawing/2014/main" id="{89F9B3C6-36AF-DEE5-9184-5C491EB61577}"/>
-                  </a:ext>
-                </a:extLst>
-              </p:cNvPr>
-              <p:cNvGrpSpPr/>
-              <p:nvPr/>
-            </p:nvGrpSpPr>
-            <p:grpSpPr>
-              <a:xfrm>
-                <a:off x="5392642" y="2546057"/>
-                <a:ext cx="1836785" cy="656275"/>
-                <a:chOff x="5392642" y="2591925"/>
-                <a:chExt cx="1836785" cy="656275"/>
-              </a:xfrm>
-            </p:grpSpPr>
-            <p:sp>
-              <p:nvSpPr>
-                <p:cNvPr id="4" name="TextBox 3">
-                  <a:extLst>
-                    <a:ext uri="{FF2B5EF4-FFF2-40B4-BE49-F238E27FC236}">
-                      <a16:creationId xmlns:a16="http://schemas.microsoft.com/office/drawing/2014/main" id="{D139179B-B8E8-0CC4-BD66-4B459A2012F2}"/>
-                    </a:ext>
-                  </a:extLst>
-                </p:cNvPr>
-                <p:cNvSpPr txBox="1"/>
-                <p:nvPr/>
-              </p:nvSpPr>
-              <p:spPr>
-                <a:xfrm>
-                  <a:off x="5392642" y="2591925"/>
-                  <a:ext cx="1836785" cy="369332"/>
-                </a:xfrm>
-                <a:prstGeom prst="rect">
-                  <a:avLst/>
-                </a:prstGeom>
-                <a:noFill/>
-              </p:spPr>
-              <p:txBody>
-                <a:bodyPr wrap="none" rtlCol="0">
-                  <a:spAutoFit/>
-                </a:bodyPr>
-                <a:lstStyle/>
-                <a:p>
-                  <a:r>
-                    <a:rPr lang="en-GB" b="1"/>
-                    <a:t>Application Layer</a:t>
-                  </a:r>
-                </a:p>
-              </p:txBody>
-            </p:sp>
-            <p:sp>
-              <p:nvSpPr>
-                <p:cNvPr id="30" name="TextBox 29">
-                  <a:extLst>
-                    <a:ext uri="{FF2B5EF4-FFF2-40B4-BE49-F238E27FC236}">
-                      <a16:creationId xmlns:a16="http://schemas.microsoft.com/office/drawing/2014/main" id="{CA1AFD1B-B1C3-0B07-946C-97C3C8C75501}"/>
-                    </a:ext>
-                  </a:extLst>
-                </p:cNvPr>
-                <p:cNvSpPr txBox="1"/>
-                <p:nvPr/>
-              </p:nvSpPr>
-              <p:spPr>
-                <a:xfrm>
-                  <a:off x="5887841" y="2940423"/>
-                  <a:ext cx="846386" cy="307777"/>
-                </a:xfrm>
-                <a:prstGeom prst="rect">
-                  <a:avLst/>
-                </a:prstGeom>
-                <a:noFill/>
-              </p:spPr>
-              <p:txBody>
-                <a:bodyPr wrap="none" rtlCol="0">
-                  <a:spAutoFit/>
-                </a:bodyPr>
-                <a:lstStyle/>
-                <a:p>
-                  <a:r>
-                    <a:rPr lang="en-GB" sz="1400" b="1">
-                      <a:solidFill>
-                        <a:srgbClr val="0070C0"/>
-                      </a:solidFill>
-                    </a:rPr>
-                    <a:t>Biz. Flow</a:t>
-                  </a:r>
-                </a:p>
-              </p:txBody>
-            </p:sp>
-          </p:grpSp>
-        </p:grpSp>
-      </p:grpSp>
-      <p:sp>
-        <p:nvSpPr>
-          <p:cNvPr id="41" name="직사각형 40">
-            <a:extLst>
-              <a:ext uri="{FF2B5EF4-FFF2-40B4-BE49-F238E27FC236}">
-                <a16:creationId xmlns:a16="http://schemas.microsoft.com/office/drawing/2014/main" id="{FF8E5B79-D254-B3E5-1577-AAE1BF010CD9}"/>
+      <p:sp>
+        <p:nvSpPr>
+          <p:cNvPr id="34" name="직사각형 33">
+            <a:extLst>
+              <a:ext uri="{FF2B5EF4-FFF2-40B4-BE49-F238E27FC236}">
+                <a16:creationId xmlns:a16="http://schemas.microsoft.com/office/drawing/2014/main" id="{9A1A558F-3A8D-33B0-0EDC-5AF8B1238133}"/>
               </a:ext>
             </a:extLst>
           </p:cNvPr>
@@ -8509,13 +7580,18 @@
         </p:nvSpPr>
         <p:spPr>
           <a:xfrm>
-            <a:off x="679808" y="711486"/>
-            <a:ext cx="10832386" cy="5435029"/>
+            <a:off x="4834848" y="4707155"/>
+            <a:ext cx="2522305" cy="888715"/>
           </a:xfrm>
           <a:prstGeom prst="rect">
             <a:avLst/>
           </a:prstGeom>
           <a:noFill/>
+          <a:ln>
+            <a:solidFill>
+              <a:srgbClr val="0070C0"/>
+            </a:solidFill>
+          </a:ln>
         </p:spPr>
         <p:style>
           <a:lnRef idx="2">
@@ -8539,6 +7615,943 @@
           <a:p>
             <a:pPr algn="ctr"/>
             <a:endParaRPr lang="en-GB"/>
+          </a:p>
+        </p:txBody>
+      </p:sp>
+      <p:sp>
+        <p:nvSpPr>
+          <p:cNvPr id="36" name="TextBox 35">
+            <a:extLst>
+              <a:ext uri="{FF2B5EF4-FFF2-40B4-BE49-F238E27FC236}">
+                <a16:creationId xmlns:a16="http://schemas.microsoft.com/office/drawing/2014/main" id="{5F8A3523-C5BA-08A7-425B-A431F73AC7BB}"/>
+              </a:ext>
+            </a:extLst>
+          </p:cNvPr>
+          <p:cNvSpPr txBox="1"/>
+          <p:nvPr/>
+        </p:nvSpPr>
+        <p:spPr>
+          <a:xfrm>
+            <a:off x="5346596" y="4823375"/>
+            <a:ext cx="1498808" cy="369332"/>
+          </a:xfrm>
+          <a:prstGeom prst="rect">
+            <a:avLst/>
+          </a:prstGeom>
+          <a:noFill/>
+        </p:spPr>
+        <p:txBody>
+          <a:bodyPr wrap="none" rtlCol="0">
+            <a:spAutoFit/>
+          </a:bodyPr>
+          <a:lstStyle/>
+          <a:p>
+            <a:r>
+              <a:rPr lang="en-GB" b="1">
+                <a:solidFill>
+                  <a:srgbClr val="0070C0"/>
+                </a:solidFill>
+              </a:rPr>
+              <a:t>Domain Layer</a:t>
+            </a:r>
+          </a:p>
+        </p:txBody>
+      </p:sp>
+      <p:sp>
+        <p:nvSpPr>
+          <p:cNvPr id="37" name="TextBox 36">
+            <a:extLst>
+              <a:ext uri="{FF2B5EF4-FFF2-40B4-BE49-F238E27FC236}">
+                <a16:creationId xmlns:a16="http://schemas.microsoft.com/office/drawing/2014/main" id="{3CB9441C-30F7-7852-F73D-AF4F8BDC2619}"/>
+              </a:ext>
+            </a:extLst>
+          </p:cNvPr>
+          <p:cNvSpPr txBox="1"/>
+          <p:nvPr/>
+        </p:nvSpPr>
+        <p:spPr>
+          <a:xfrm>
+            <a:off x="5690280" y="5171873"/>
+            <a:ext cx="811441" cy="307777"/>
+          </a:xfrm>
+          <a:prstGeom prst="rect">
+            <a:avLst/>
+          </a:prstGeom>
+          <a:noFill/>
+        </p:spPr>
+        <p:txBody>
+          <a:bodyPr wrap="none" rtlCol="0">
+            <a:spAutoFit/>
+          </a:bodyPr>
+          <a:lstStyle/>
+          <a:p>
+            <a:r>
+              <a:rPr lang="en-GB" sz="1400" b="1">
+                <a:solidFill>
+                  <a:srgbClr val="0070C0"/>
+                </a:solidFill>
+              </a:rPr>
+              <a:t>Biz. Unit</a:t>
+            </a:r>
+          </a:p>
+        </p:txBody>
+      </p:sp>
+      <p:sp>
+        <p:nvSpPr>
+          <p:cNvPr id="6" name="TextBox 5">
+            <a:extLst>
+              <a:ext uri="{FF2B5EF4-FFF2-40B4-BE49-F238E27FC236}">
+                <a16:creationId xmlns:a16="http://schemas.microsoft.com/office/drawing/2014/main" id="{54C1D9AC-E59C-B684-F7E0-723BF977A6CE}"/>
+              </a:ext>
+            </a:extLst>
+          </p:cNvPr>
+          <p:cNvSpPr txBox="1"/>
+          <p:nvPr/>
+        </p:nvSpPr>
+        <p:spPr>
+          <a:xfrm>
+            <a:off x="5697495" y="2060148"/>
+            <a:ext cx="797013" cy="584775"/>
+          </a:xfrm>
+          <a:prstGeom prst="rect">
+            <a:avLst/>
+          </a:prstGeom>
+          <a:noFill/>
+        </p:spPr>
+        <p:txBody>
+          <a:bodyPr wrap="none" rtlCol="0">
+            <a:spAutoFit/>
+          </a:bodyPr>
+          <a:lstStyle/>
+          <a:p>
+            <a:pPr algn="ctr"/>
+            <a:r>
+              <a:rPr lang="en-GB" b="1">
+                <a:solidFill>
+                  <a:srgbClr val="0070C0"/>
+                </a:solidFill>
+              </a:rPr>
+              <a:t>Biz.</a:t>
+            </a:r>
+          </a:p>
+          <a:p>
+            <a:pPr algn="ctr"/>
+            <a:r>
+              <a:rPr lang="en-GB" sz="1400" b="1">
+                <a:solidFill>
+                  <a:srgbClr val="0070C0"/>
+                </a:solidFill>
+              </a:rPr>
+              <a:t>Concern</a:t>
+            </a:r>
+          </a:p>
+        </p:txBody>
+      </p:sp>
+      <p:cxnSp>
+        <p:nvCxnSpPr>
+          <p:cNvPr id="12" name="직선 화살표 연결선 11">
+            <a:extLst>
+              <a:ext uri="{FF2B5EF4-FFF2-40B4-BE49-F238E27FC236}">
+                <a16:creationId xmlns:a16="http://schemas.microsoft.com/office/drawing/2014/main" id="{B8ACC41C-8E37-7822-A2E1-522CD57D1BF6}"/>
+              </a:ext>
+            </a:extLst>
+          </p:cNvPr>
+          <p:cNvCxnSpPr>
+            <a:cxnSpLocks/>
+            <a:stCxn id="7" idx="2"/>
+          </p:cNvCxnSpPr>
+          <p:nvPr/>
+        </p:nvCxnSpPr>
+        <p:spPr>
+          <a:xfrm>
+            <a:off x="6096001" y="3982120"/>
+            <a:ext cx="0" cy="725035"/>
+          </a:xfrm>
+          <a:prstGeom prst="straightConnector1">
+            <a:avLst/>
+          </a:prstGeom>
+          <a:ln w="28575">
+            <a:solidFill>
+              <a:schemeClr val="tx1"/>
+            </a:solidFill>
+            <a:tailEnd type="triangle"/>
+          </a:ln>
+        </p:spPr>
+        <p:style>
+          <a:lnRef idx="1">
+            <a:schemeClr val="accent1"/>
+          </a:lnRef>
+          <a:fillRef idx="0">
+            <a:schemeClr val="accent1"/>
+          </a:fillRef>
+          <a:effectRef idx="0">
+            <a:schemeClr val="accent1"/>
+          </a:effectRef>
+          <a:fontRef idx="minor">
+            <a:schemeClr val="tx1"/>
+          </a:fontRef>
+        </p:style>
+      </p:cxnSp>
+      <p:sp>
+        <p:nvSpPr>
+          <p:cNvPr id="14" name="직사각형 13">
+            <a:extLst>
+              <a:ext uri="{FF2B5EF4-FFF2-40B4-BE49-F238E27FC236}">
+                <a16:creationId xmlns:a16="http://schemas.microsoft.com/office/drawing/2014/main" id="{A565EE6A-B37B-9635-5CC1-AD057AC8AA74}"/>
+              </a:ext>
+            </a:extLst>
+          </p:cNvPr>
+          <p:cNvSpPr/>
+          <p:nvPr/>
+        </p:nvSpPr>
+        <p:spPr>
+          <a:xfrm>
+            <a:off x="1222771" y="3093405"/>
+            <a:ext cx="2522305" cy="888715"/>
+          </a:xfrm>
+          <a:prstGeom prst="rect">
+            <a:avLst/>
+          </a:prstGeom>
+          <a:noFill/>
+          <a:ln>
+            <a:solidFill>
+              <a:srgbClr val="C00000"/>
+            </a:solidFill>
+          </a:ln>
+        </p:spPr>
+        <p:style>
+          <a:lnRef idx="2">
+            <a:schemeClr val="accent1">
+              <a:shade val="15000"/>
+            </a:schemeClr>
+          </a:lnRef>
+          <a:fillRef idx="1">
+            <a:schemeClr val="accent1"/>
+          </a:fillRef>
+          <a:effectRef idx="0">
+            <a:schemeClr val="accent1"/>
+          </a:effectRef>
+          <a:fontRef idx="minor">
+            <a:schemeClr val="lt1"/>
+          </a:fontRef>
+        </p:style>
+        <p:txBody>
+          <a:bodyPr rtlCol="0" anchor="ctr"/>
+          <a:lstStyle/>
+          <a:p>
+            <a:pPr algn="ctr"/>
+            <a:endParaRPr lang="en-GB"/>
+          </a:p>
+        </p:txBody>
+      </p:sp>
+      <p:sp>
+        <p:nvSpPr>
+          <p:cNvPr id="15" name="TextBox 14">
+            <a:extLst>
+              <a:ext uri="{FF2B5EF4-FFF2-40B4-BE49-F238E27FC236}">
+                <a16:creationId xmlns:a16="http://schemas.microsoft.com/office/drawing/2014/main" id="{0DD81B2E-FF32-A87C-1FB7-D2DF5CD35024}"/>
+              </a:ext>
+            </a:extLst>
+          </p:cNvPr>
+          <p:cNvSpPr txBox="1"/>
+          <p:nvPr/>
+        </p:nvSpPr>
+        <p:spPr>
+          <a:xfrm>
+            <a:off x="1722753" y="3209625"/>
+            <a:ext cx="1522340" cy="369332"/>
+          </a:xfrm>
+          <a:prstGeom prst="rect">
+            <a:avLst/>
+          </a:prstGeom>
+          <a:noFill/>
+        </p:spPr>
+        <p:txBody>
+          <a:bodyPr wrap="none" rtlCol="0">
+            <a:spAutoFit/>
+          </a:bodyPr>
+          <a:lstStyle/>
+          <a:p>
+            <a:r>
+              <a:rPr lang="en-GB" b="1">
+                <a:solidFill>
+                  <a:srgbClr val="C00000"/>
+                </a:solidFill>
+              </a:rPr>
+              <a:t>Adapter Layer</a:t>
+            </a:r>
+          </a:p>
+        </p:txBody>
+      </p:sp>
+      <p:sp>
+        <p:nvSpPr>
+          <p:cNvPr id="17" name="직사각형 16">
+            <a:extLst>
+              <a:ext uri="{FF2B5EF4-FFF2-40B4-BE49-F238E27FC236}">
+                <a16:creationId xmlns:a16="http://schemas.microsoft.com/office/drawing/2014/main" id="{362CCEB7-4200-C67A-0DE7-ACF353F0A272}"/>
+              </a:ext>
+            </a:extLst>
+          </p:cNvPr>
+          <p:cNvSpPr/>
+          <p:nvPr/>
+        </p:nvSpPr>
+        <p:spPr>
+          <a:xfrm>
+            <a:off x="8446925" y="3093404"/>
+            <a:ext cx="2522305" cy="888715"/>
+          </a:xfrm>
+          <a:prstGeom prst="rect">
+            <a:avLst/>
+          </a:prstGeom>
+          <a:noFill/>
+          <a:ln>
+            <a:solidFill>
+              <a:srgbClr val="C00000"/>
+            </a:solidFill>
+          </a:ln>
+        </p:spPr>
+        <p:style>
+          <a:lnRef idx="2">
+            <a:schemeClr val="accent1">
+              <a:shade val="15000"/>
+            </a:schemeClr>
+          </a:lnRef>
+          <a:fillRef idx="1">
+            <a:schemeClr val="accent1"/>
+          </a:fillRef>
+          <a:effectRef idx="0">
+            <a:schemeClr val="accent1"/>
+          </a:effectRef>
+          <a:fontRef idx="minor">
+            <a:schemeClr val="lt1"/>
+          </a:fontRef>
+        </p:style>
+        <p:txBody>
+          <a:bodyPr rtlCol="0" anchor="ctr"/>
+          <a:lstStyle/>
+          <a:p>
+            <a:pPr algn="ctr"/>
+            <a:endParaRPr lang="en-GB"/>
+          </a:p>
+        </p:txBody>
+      </p:sp>
+      <p:sp>
+        <p:nvSpPr>
+          <p:cNvPr id="18" name="TextBox 17">
+            <a:extLst>
+              <a:ext uri="{FF2B5EF4-FFF2-40B4-BE49-F238E27FC236}">
+                <a16:creationId xmlns:a16="http://schemas.microsoft.com/office/drawing/2014/main" id="{C3C6045D-DDE2-E666-51C6-80A86EF00FB2}"/>
+              </a:ext>
+            </a:extLst>
+          </p:cNvPr>
+          <p:cNvSpPr txBox="1"/>
+          <p:nvPr/>
+        </p:nvSpPr>
+        <p:spPr>
+          <a:xfrm>
+            <a:off x="8946907" y="3209625"/>
+            <a:ext cx="1522340" cy="369332"/>
+          </a:xfrm>
+          <a:prstGeom prst="rect">
+            <a:avLst/>
+          </a:prstGeom>
+          <a:noFill/>
+        </p:spPr>
+        <p:txBody>
+          <a:bodyPr wrap="none" rtlCol="0">
+            <a:spAutoFit/>
+          </a:bodyPr>
+          <a:lstStyle/>
+          <a:p>
+            <a:r>
+              <a:rPr lang="en-GB" b="1">
+                <a:solidFill>
+                  <a:srgbClr val="C00000"/>
+                </a:solidFill>
+              </a:rPr>
+              <a:t>Adapter Layer</a:t>
+            </a:r>
+          </a:p>
+        </p:txBody>
+      </p:sp>
+      <p:cxnSp>
+        <p:nvCxnSpPr>
+          <p:cNvPr id="19" name="직선 화살표 연결선 18">
+            <a:extLst>
+              <a:ext uri="{FF2B5EF4-FFF2-40B4-BE49-F238E27FC236}">
+                <a16:creationId xmlns:a16="http://schemas.microsoft.com/office/drawing/2014/main" id="{B1E611AD-F83A-7F36-6D44-FFECE2988715}"/>
+              </a:ext>
+            </a:extLst>
+          </p:cNvPr>
+          <p:cNvCxnSpPr>
+            <a:cxnSpLocks/>
+            <a:stCxn id="14" idx="3"/>
+            <a:endCxn id="7" idx="1"/>
+          </p:cNvCxnSpPr>
+          <p:nvPr/>
+        </p:nvCxnSpPr>
+        <p:spPr>
+          <a:xfrm>
+            <a:off x="3745076" y="3537763"/>
+            <a:ext cx="1089772" cy="0"/>
+          </a:xfrm>
+          <a:prstGeom prst="straightConnector1">
+            <a:avLst/>
+          </a:prstGeom>
+          <a:ln w="28575">
+            <a:solidFill>
+              <a:schemeClr val="tx1"/>
+            </a:solidFill>
+            <a:tailEnd type="triangle"/>
+          </a:ln>
+        </p:spPr>
+        <p:style>
+          <a:lnRef idx="1">
+            <a:schemeClr val="accent1"/>
+          </a:lnRef>
+          <a:fillRef idx="0">
+            <a:schemeClr val="accent1"/>
+          </a:fillRef>
+          <a:effectRef idx="0">
+            <a:schemeClr val="accent1"/>
+          </a:effectRef>
+          <a:fontRef idx="minor">
+            <a:schemeClr val="tx1"/>
+          </a:fontRef>
+        </p:style>
+      </p:cxnSp>
+      <p:cxnSp>
+        <p:nvCxnSpPr>
+          <p:cNvPr id="22" name="직선 화살표 연결선 21">
+            <a:extLst>
+              <a:ext uri="{FF2B5EF4-FFF2-40B4-BE49-F238E27FC236}">
+                <a16:creationId xmlns:a16="http://schemas.microsoft.com/office/drawing/2014/main" id="{0A5D6C57-E835-D13C-98E3-64657E86034E}"/>
+              </a:ext>
+            </a:extLst>
+          </p:cNvPr>
+          <p:cNvCxnSpPr>
+            <a:cxnSpLocks/>
+            <a:stCxn id="7" idx="3"/>
+            <a:endCxn id="17" idx="1"/>
+          </p:cNvCxnSpPr>
+          <p:nvPr/>
+        </p:nvCxnSpPr>
+        <p:spPr>
+          <a:xfrm flipV="1">
+            <a:off x="7357153" y="3537762"/>
+            <a:ext cx="1089772" cy="1"/>
+          </a:xfrm>
+          <a:prstGeom prst="straightConnector1">
+            <a:avLst/>
+          </a:prstGeom>
+          <a:ln w="28575">
+            <a:solidFill>
+              <a:schemeClr val="tx1"/>
+            </a:solidFill>
+            <a:tailEnd type="triangle"/>
+          </a:ln>
+        </p:spPr>
+        <p:style>
+          <a:lnRef idx="1">
+            <a:schemeClr val="accent1"/>
+          </a:lnRef>
+          <a:fillRef idx="0">
+            <a:schemeClr val="accent1"/>
+          </a:fillRef>
+          <a:effectRef idx="0">
+            <a:schemeClr val="accent1"/>
+          </a:effectRef>
+          <a:fontRef idx="minor">
+            <a:schemeClr val="tx1"/>
+          </a:fontRef>
+        </p:style>
+      </p:cxnSp>
+      <p:sp>
+        <p:nvSpPr>
+          <p:cNvPr id="25" name="TextBox 24">
+            <a:extLst>
+              <a:ext uri="{FF2B5EF4-FFF2-40B4-BE49-F238E27FC236}">
+                <a16:creationId xmlns:a16="http://schemas.microsoft.com/office/drawing/2014/main" id="{5876EF6A-0CCF-FF76-538D-420FA0D697D6}"/>
+              </a:ext>
+            </a:extLst>
+          </p:cNvPr>
+          <p:cNvSpPr txBox="1"/>
+          <p:nvPr/>
+        </p:nvSpPr>
+        <p:spPr>
+          <a:xfrm>
+            <a:off x="2085416" y="2060148"/>
+            <a:ext cx="797013" cy="584775"/>
+          </a:xfrm>
+          <a:prstGeom prst="rect">
+            <a:avLst/>
+          </a:prstGeom>
+          <a:noFill/>
+        </p:spPr>
+        <p:txBody>
+          <a:bodyPr wrap="none" rtlCol="0">
+            <a:spAutoFit/>
+          </a:bodyPr>
+          <a:lstStyle/>
+          <a:p>
+            <a:pPr algn="ctr"/>
+            <a:r>
+              <a:rPr lang="en-GB" b="1">
+                <a:solidFill>
+                  <a:srgbClr val="C00000"/>
+                </a:solidFill>
+              </a:rPr>
+              <a:t>Tech.</a:t>
+            </a:r>
+          </a:p>
+          <a:p>
+            <a:pPr algn="ctr"/>
+            <a:r>
+              <a:rPr lang="en-GB" sz="1400" b="1">
+                <a:solidFill>
+                  <a:srgbClr val="C00000"/>
+                </a:solidFill>
+              </a:rPr>
+              <a:t>Concern</a:t>
+            </a:r>
+          </a:p>
+        </p:txBody>
+      </p:sp>
+      <p:sp>
+        <p:nvSpPr>
+          <p:cNvPr id="26" name="TextBox 25">
+            <a:extLst>
+              <a:ext uri="{FF2B5EF4-FFF2-40B4-BE49-F238E27FC236}">
+                <a16:creationId xmlns:a16="http://schemas.microsoft.com/office/drawing/2014/main" id="{114342B3-307D-A98C-882A-A88AAF8F9298}"/>
+              </a:ext>
+            </a:extLst>
+          </p:cNvPr>
+          <p:cNvSpPr txBox="1"/>
+          <p:nvPr/>
+        </p:nvSpPr>
+        <p:spPr>
+          <a:xfrm>
+            <a:off x="9309570" y="2060148"/>
+            <a:ext cx="797013" cy="584775"/>
+          </a:xfrm>
+          <a:prstGeom prst="rect">
+            <a:avLst/>
+          </a:prstGeom>
+          <a:noFill/>
+        </p:spPr>
+        <p:txBody>
+          <a:bodyPr wrap="none" rtlCol="0">
+            <a:spAutoFit/>
+          </a:bodyPr>
+          <a:lstStyle/>
+          <a:p>
+            <a:pPr algn="ctr"/>
+            <a:r>
+              <a:rPr lang="en-GB" b="1">
+                <a:solidFill>
+                  <a:srgbClr val="C00000"/>
+                </a:solidFill>
+              </a:rPr>
+              <a:t>Tech.</a:t>
+            </a:r>
+          </a:p>
+          <a:p>
+            <a:pPr algn="ctr"/>
+            <a:r>
+              <a:rPr lang="en-GB" sz="1400" b="1">
+                <a:solidFill>
+                  <a:srgbClr val="C00000"/>
+                </a:solidFill>
+              </a:rPr>
+              <a:t>Concern</a:t>
+            </a:r>
+          </a:p>
+        </p:txBody>
+      </p:sp>
+      <p:sp>
+        <p:nvSpPr>
+          <p:cNvPr id="27" name="TextBox 26">
+            <a:extLst>
+              <a:ext uri="{FF2B5EF4-FFF2-40B4-BE49-F238E27FC236}">
+                <a16:creationId xmlns:a16="http://schemas.microsoft.com/office/drawing/2014/main" id="{A9DC3310-F5D5-7F1A-40BC-F25D6179B9FB}"/>
+              </a:ext>
+            </a:extLst>
+          </p:cNvPr>
+          <p:cNvSpPr txBox="1"/>
+          <p:nvPr/>
+        </p:nvSpPr>
+        <p:spPr>
+          <a:xfrm>
+            <a:off x="2082210" y="1262131"/>
+            <a:ext cx="800219" cy="461665"/>
+          </a:xfrm>
+          <a:prstGeom prst="rect">
+            <a:avLst/>
+          </a:prstGeom>
+          <a:noFill/>
+        </p:spPr>
+        <p:txBody>
+          <a:bodyPr wrap="none" rtlCol="0">
+            <a:spAutoFit/>
+          </a:bodyPr>
+          <a:lstStyle/>
+          <a:p>
+            <a:r>
+              <a:rPr lang="ko-KR" altLang="en-US" sz="2400" b="1">
+                <a:solidFill>
+                  <a:srgbClr val="C00000"/>
+                </a:solidFill>
+              </a:rPr>
+              <a:t>입력</a:t>
+            </a:r>
+            <a:endParaRPr lang="en-GB" sz="2400" b="1">
+              <a:solidFill>
+                <a:srgbClr val="C00000"/>
+              </a:solidFill>
+            </a:endParaRPr>
+          </a:p>
+        </p:txBody>
+      </p:sp>
+      <p:sp>
+        <p:nvSpPr>
+          <p:cNvPr id="28" name="TextBox 27">
+            <a:extLst>
+              <a:ext uri="{FF2B5EF4-FFF2-40B4-BE49-F238E27FC236}">
+                <a16:creationId xmlns:a16="http://schemas.microsoft.com/office/drawing/2014/main" id="{14AB4749-0465-1CE7-93F7-DDD768C7C167}"/>
+              </a:ext>
+            </a:extLst>
+          </p:cNvPr>
+          <p:cNvSpPr txBox="1"/>
+          <p:nvPr/>
+        </p:nvSpPr>
+        <p:spPr>
+          <a:xfrm>
+            <a:off x="9309570" y="1262131"/>
+            <a:ext cx="800219" cy="461665"/>
+          </a:xfrm>
+          <a:prstGeom prst="rect">
+            <a:avLst/>
+          </a:prstGeom>
+          <a:noFill/>
+        </p:spPr>
+        <p:txBody>
+          <a:bodyPr wrap="none" rtlCol="0">
+            <a:spAutoFit/>
+          </a:bodyPr>
+          <a:lstStyle/>
+          <a:p>
+            <a:r>
+              <a:rPr lang="ko-KR" altLang="en-US" sz="2400" b="1">
+                <a:solidFill>
+                  <a:srgbClr val="C00000"/>
+                </a:solidFill>
+              </a:rPr>
+              <a:t>출력</a:t>
+            </a:r>
+            <a:endParaRPr lang="en-GB" sz="2400" b="1">
+              <a:solidFill>
+                <a:srgbClr val="C00000"/>
+              </a:solidFill>
+            </a:endParaRPr>
+          </a:p>
+        </p:txBody>
+      </p:sp>
+      <p:sp>
+        <p:nvSpPr>
+          <p:cNvPr id="29" name="TextBox 28">
+            <a:extLst>
+              <a:ext uri="{FF2B5EF4-FFF2-40B4-BE49-F238E27FC236}">
+                <a16:creationId xmlns:a16="http://schemas.microsoft.com/office/drawing/2014/main" id="{11FE0E38-9DE1-4EA3-46F4-397DF060B9C4}"/>
+              </a:ext>
+            </a:extLst>
+          </p:cNvPr>
+          <p:cNvSpPr txBox="1"/>
+          <p:nvPr/>
+        </p:nvSpPr>
+        <p:spPr>
+          <a:xfrm>
+            <a:off x="5694289" y="1262131"/>
+            <a:ext cx="800219" cy="461665"/>
+          </a:xfrm>
+          <a:prstGeom prst="rect">
+            <a:avLst/>
+          </a:prstGeom>
+          <a:noFill/>
+        </p:spPr>
+        <p:txBody>
+          <a:bodyPr wrap="none" rtlCol="0">
+            <a:spAutoFit/>
+          </a:bodyPr>
+          <a:lstStyle/>
+          <a:p>
+            <a:r>
+              <a:rPr lang="ko-KR" altLang="en-US" sz="2400" b="1">
+                <a:solidFill>
+                  <a:srgbClr val="0070C0"/>
+                </a:solidFill>
+              </a:rPr>
+              <a:t>연산</a:t>
+            </a:r>
+            <a:endParaRPr lang="en-GB" sz="2400" b="1">
+              <a:solidFill>
+                <a:srgbClr val="0070C0"/>
+              </a:solidFill>
+            </a:endParaRPr>
+          </a:p>
+        </p:txBody>
+      </p:sp>
+      <p:sp>
+        <p:nvSpPr>
+          <p:cNvPr id="7" name="직사각형 6">
+            <a:extLst>
+              <a:ext uri="{FF2B5EF4-FFF2-40B4-BE49-F238E27FC236}">
+                <a16:creationId xmlns:a16="http://schemas.microsoft.com/office/drawing/2014/main" id="{7194F96B-9CC7-F9E2-6D03-0628FBE22A55}"/>
+              </a:ext>
+            </a:extLst>
+          </p:cNvPr>
+          <p:cNvSpPr/>
+          <p:nvPr/>
+        </p:nvSpPr>
+        <p:spPr>
+          <a:xfrm>
+            <a:off x="4834848" y="3093405"/>
+            <a:ext cx="2522305" cy="888715"/>
+          </a:xfrm>
+          <a:prstGeom prst="rect">
+            <a:avLst/>
+          </a:prstGeom>
+          <a:noFill/>
+          <a:ln>
+            <a:solidFill>
+              <a:srgbClr val="0070C0"/>
+            </a:solidFill>
+          </a:ln>
+        </p:spPr>
+        <p:style>
+          <a:lnRef idx="2">
+            <a:schemeClr val="accent1">
+              <a:shade val="15000"/>
+            </a:schemeClr>
+          </a:lnRef>
+          <a:fillRef idx="1">
+            <a:schemeClr val="accent1"/>
+          </a:fillRef>
+          <a:effectRef idx="0">
+            <a:schemeClr val="accent1"/>
+          </a:effectRef>
+          <a:fontRef idx="minor">
+            <a:schemeClr val="lt1"/>
+          </a:fontRef>
+        </p:style>
+        <p:txBody>
+          <a:bodyPr rtlCol="0" anchor="ctr"/>
+          <a:lstStyle/>
+          <a:p>
+            <a:pPr algn="ctr"/>
+            <a:endParaRPr lang="en-GB"/>
+          </a:p>
+        </p:txBody>
+      </p:sp>
+      <p:sp>
+        <p:nvSpPr>
+          <p:cNvPr id="4" name="TextBox 3">
+            <a:extLst>
+              <a:ext uri="{FF2B5EF4-FFF2-40B4-BE49-F238E27FC236}">
+                <a16:creationId xmlns:a16="http://schemas.microsoft.com/office/drawing/2014/main" id="{D139179B-B8E8-0CC4-BD66-4B459A2012F2}"/>
+              </a:ext>
+            </a:extLst>
+          </p:cNvPr>
+          <p:cNvSpPr txBox="1"/>
+          <p:nvPr/>
+        </p:nvSpPr>
+        <p:spPr>
+          <a:xfrm>
+            <a:off x="5177608" y="3209625"/>
+            <a:ext cx="1836785" cy="369332"/>
+          </a:xfrm>
+          <a:prstGeom prst="rect">
+            <a:avLst/>
+          </a:prstGeom>
+          <a:noFill/>
+        </p:spPr>
+        <p:txBody>
+          <a:bodyPr wrap="none" rtlCol="0">
+            <a:spAutoFit/>
+          </a:bodyPr>
+          <a:lstStyle/>
+          <a:p>
+            <a:r>
+              <a:rPr lang="en-GB" b="1">
+                <a:solidFill>
+                  <a:srgbClr val="0070C0"/>
+                </a:solidFill>
+              </a:rPr>
+              <a:t>Application Layer</a:t>
+            </a:r>
+          </a:p>
+        </p:txBody>
+      </p:sp>
+      <p:sp>
+        <p:nvSpPr>
+          <p:cNvPr id="30" name="TextBox 29">
+            <a:extLst>
+              <a:ext uri="{FF2B5EF4-FFF2-40B4-BE49-F238E27FC236}">
+                <a16:creationId xmlns:a16="http://schemas.microsoft.com/office/drawing/2014/main" id="{CA1AFD1B-B1C3-0B07-946C-97C3C8C75501}"/>
+              </a:ext>
+            </a:extLst>
+          </p:cNvPr>
+          <p:cNvSpPr txBox="1"/>
+          <p:nvPr/>
+        </p:nvSpPr>
+        <p:spPr>
+          <a:xfrm>
+            <a:off x="5672807" y="3558123"/>
+            <a:ext cx="846386" cy="307777"/>
+          </a:xfrm>
+          <a:prstGeom prst="rect">
+            <a:avLst/>
+          </a:prstGeom>
+          <a:noFill/>
+        </p:spPr>
+        <p:txBody>
+          <a:bodyPr wrap="none" rtlCol="0">
+            <a:spAutoFit/>
+          </a:bodyPr>
+          <a:lstStyle/>
+          <a:p>
+            <a:r>
+              <a:rPr lang="en-GB" sz="1400" b="1">
+                <a:solidFill>
+                  <a:srgbClr val="0070C0"/>
+                </a:solidFill>
+              </a:rPr>
+              <a:t>Biz. Flow</a:t>
+            </a:r>
+          </a:p>
+        </p:txBody>
+      </p:sp>
+      <p:sp>
+        <p:nvSpPr>
+          <p:cNvPr id="41" name="직사각형 40">
+            <a:extLst>
+              <a:ext uri="{FF2B5EF4-FFF2-40B4-BE49-F238E27FC236}">
+                <a16:creationId xmlns:a16="http://schemas.microsoft.com/office/drawing/2014/main" id="{FF8E5B79-D254-B3E5-1577-AAE1BF010CD9}"/>
+              </a:ext>
+            </a:extLst>
+          </p:cNvPr>
+          <p:cNvSpPr/>
+          <p:nvPr/>
+        </p:nvSpPr>
+        <p:spPr>
+          <a:xfrm>
+            <a:off x="679808" y="711486"/>
+            <a:ext cx="10832386" cy="5435029"/>
+          </a:xfrm>
+          <a:prstGeom prst="rect">
+            <a:avLst/>
+          </a:prstGeom>
+          <a:noFill/>
+        </p:spPr>
+        <p:style>
+          <a:lnRef idx="2">
+            <a:schemeClr val="accent1">
+              <a:shade val="15000"/>
+            </a:schemeClr>
+          </a:lnRef>
+          <a:fillRef idx="1">
+            <a:schemeClr val="accent1"/>
+          </a:fillRef>
+          <a:effectRef idx="0">
+            <a:schemeClr val="accent1"/>
+          </a:effectRef>
+          <a:fontRef idx="minor">
+            <a:schemeClr val="lt1"/>
+          </a:fontRef>
+        </p:style>
+        <p:txBody>
+          <a:bodyPr rtlCol="0" anchor="ctr"/>
+          <a:lstStyle/>
+          <a:p>
+            <a:pPr algn="ctr"/>
+            <a:endParaRPr lang="en-GB"/>
+          </a:p>
+        </p:txBody>
+      </p:sp>
+      <p:sp>
+        <p:nvSpPr>
+          <p:cNvPr id="2" name="TextBox 1">
+            <a:extLst>
+              <a:ext uri="{FF2B5EF4-FFF2-40B4-BE49-F238E27FC236}">
+                <a16:creationId xmlns:a16="http://schemas.microsoft.com/office/drawing/2014/main" id="{2F1C3515-F01F-C2CC-B45D-C128B4F7AA8C}"/>
+              </a:ext>
+            </a:extLst>
+          </p:cNvPr>
+          <p:cNvSpPr txBox="1"/>
+          <p:nvPr/>
+        </p:nvSpPr>
+        <p:spPr>
+          <a:xfrm>
+            <a:off x="2200576" y="3558123"/>
+            <a:ext cx="566694" cy="307777"/>
+          </a:xfrm>
+          <a:prstGeom prst="rect">
+            <a:avLst/>
+          </a:prstGeom>
+          <a:noFill/>
+        </p:spPr>
+        <p:txBody>
+          <a:bodyPr wrap="none" rtlCol="0">
+            <a:spAutoFit/>
+          </a:bodyPr>
+          <a:lstStyle/>
+          <a:p>
+            <a:r>
+              <a:rPr lang="en-GB" sz="1400" b="1">
+                <a:solidFill>
+                  <a:srgbClr val="C00000"/>
+                </a:solidFill>
+              </a:rPr>
+              <a:t>Tech.</a:t>
+            </a:r>
+          </a:p>
+        </p:txBody>
+      </p:sp>
+      <p:sp>
+        <p:nvSpPr>
+          <p:cNvPr id="3" name="TextBox 2">
+            <a:extLst>
+              <a:ext uri="{FF2B5EF4-FFF2-40B4-BE49-F238E27FC236}">
+                <a16:creationId xmlns:a16="http://schemas.microsoft.com/office/drawing/2014/main" id="{24A22A57-FF19-B0B3-8410-5E48EAA1B6CB}"/>
+              </a:ext>
+            </a:extLst>
+          </p:cNvPr>
+          <p:cNvSpPr txBox="1"/>
+          <p:nvPr/>
+        </p:nvSpPr>
+        <p:spPr>
+          <a:xfrm>
+            <a:off x="9424730" y="3558123"/>
+            <a:ext cx="566694" cy="307777"/>
+          </a:xfrm>
+          <a:prstGeom prst="rect">
+            <a:avLst/>
+          </a:prstGeom>
+          <a:noFill/>
+        </p:spPr>
+        <p:txBody>
+          <a:bodyPr wrap="none" rtlCol="0">
+            <a:spAutoFit/>
+          </a:bodyPr>
+          <a:lstStyle/>
+          <a:p>
+            <a:r>
+              <a:rPr lang="en-GB" sz="1400" b="1">
+                <a:solidFill>
+                  <a:srgbClr val="C00000"/>
+                </a:solidFill>
+              </a:rPr>
+              <a:t>Tech.</a:t>
+            </a:r>
           </a:p>
         </p:txBody>
       </p:sp>

--- a/README.pptx
+++ b/README.pptx
@@ -5,14 +5,15 @@
     <p:sldMasterId id="2147483648" r:id="rId1"/>
   </p:sldMasterIdLst>
   <p:notesMasterIdLst>
-    <p:notesMasterId r:id="rId7"/>
+    <p:notesMasterId r:id="rId8"/>
   </p:notesMasterIdLst>
   <p:sldIdLst>
     <p:sldId id="256" r:id="rId2"/>
     <p:sldId id="470" r:id="rId3"/>
-    <p:sldId id="473" r:id="rId4"/>
-    <p:sldId id="474" r:id="rId5"/>
-    <p:sldId id="471" r:id="rId6"/>
+    <p:sldId id="475" r:id="rId4"/>
+    <p:sldId id="473" r:id="rId5"/>
+    <p:sldId id="474" r:id="rId6"/>
+    <p:sldId id="471" r:id="rId7"/>
   </p:sldIdLst>
   <p:sldSz cx="12192000" cy="6858000"/>
   <p:notesSz cx="6858000" cy="9144000"/>
@@ -118,6 +119,7 @@
           <p14:sldIdLst>
             <p14:sldId id="256"/>
             <p14:sldId id="470"/>
+            <p14:sldId id="475"/>
             <p14:sldId id="473"/>
             <p14:sldId id="474"/>
             <p14:sldId id="471"/>
@@ -3904,11 +3906,9 @@
             <a:avLst/>
           </a:prstGeom>
           <a:noFill/>
-          <a:ln w="6350">
+          <a:ln w="19050">
             <a:solidFill>
-              <a:schemeClr val="bg1">
-                <a:lumMod val="65000"/>
-              </a:schemeClr>
+              <a:schemeClr val="tx1"/>
             </a:solidFill>
           </a:ln>
         </p:spPr>
@@ -4008,8 +4008,8 @@
         </p:nvSpPr>
         <p:spPr>
           <a:xfrm>
-            <a:off x="2390119" y="1894499"/>
-            <a:ext cx="1407501" cy="369332"/>
+            <a:off x="2167173" y="1894499"/>
+            <a:ext cx="1853392" cy="369332"/>
           </a:xfrm>
           <a:prstGeom prst="rect">
             <a:avLst/>
@@ -4023,15 +4023,22 @@
           <a:lstStyle/>
           <a:p>
             <a:r>
-              <a:rPr lang="en-GB" b="1">
+              <a:rPr lang="ko-KR" altLang="en-US" b="1">
                 <a:solidFill>
                   <a:srgbClr val="0070C0"/>
                 </a:solidFill>
                 <a:ea typeface="맑은 고딕" panose="020B0503020000020004" pitchFamily="50" charset="-127"/>
                 <a:cs typeface="Microsoft Sans Serif" panose="020B0604020202020204" pitchFamily="34" charset="0"/>
               </a:rPr>
-              <a:t>Test Pyramid</a:t>
-            </a:r>
+              <a:t>테스트 피라미드</a:t>
+            </a:r>
+            <a:endParaRPr lang="en-GB" b="1">
+              <a:solidFill>
+                <a:srgbClr val="0070C0"/>
+              </a:solidFill>
+              <a:ea typeface="맑은 고딕" panose="020B0503020000020004" pitchFamily="50" charset="-127"/>
+              <a:cs typeface="Microsoft Sans Serif" panose="020B0604020202020204" pitchFamily="34" charset="0"/>
+            </a:endParaRPr>
           </a:p>
         </p:txBody>
       </p:sp>
@@ -4129,8 +4136,8 @@
           </p:nvSpPr>
           <p:spPr>
             <a:xfrm>
-              <a:off x="1779892" y="3669366"/>
-              <a:ext cx="2328971" cy="369332"/>
+              <a:off x="1991232" y="3669366"/>
+              <a:ext cx="1906291" cy="369332"/>
             </a:xfrm>
             <a:prstGeom prst="rect">
               <a:avLst/>
@@ -4144,15 +4151,22 @@
             <a:lstStyle/>
             <a:p>
               <a:r>
-                <a:rPr lang="en-GB" b="1">
+                <a:rPr lang="ko-KR" altLang="en-US" b="1">
                   <a:solidFill>
                     <a:schemeClr val="bg1"/>
                   </a:solidFill>
                   <a:ea typeface="맑은 고딕" panose="020B0503020000020004" pitchFamily="50" charset="-127"/>
                   <a:cs typeface="Microsoft Sans Serif" panose="020B0604020202020204" pitchFamily="34" charset="0"/>
                 </a:rPr>
-                <a:t>Domain-Driven Desgin</a:t>
+                <a:t>도메인 주도 설계</a:t>
               </a:r>
+              <a:endParaRPr lang="en-GB" b="1">
+                <a:solidFill>
+                  <a:schemeClr val="bg1"/>
+                </a:solidFill>
+                <a:ea typeface="맑은 고딕" panose="020B0503020000020004" pitchFamily="50" charset="-127"/>
+                <a:cs typeface="Microsoft Sans Serif" panose="020B0604020202020204" pitchFamily="34" charset="0"/>
+              </a:endParaRPr>
             </a:p>
           </p:txBody>
         </p:sp>
@@ -4225,8 +4239,8 @@
         </p:nvSpPr>
         <p:spPr>
           <a:xfrm>
-            <a:off x="8223612" y="1907145"/>
-            <a:ext cx="2482026" cy="369332"/>
+            <a:off x="8564378" y="1768646"/>
+            <a:ext cx="1800494" cy="646331"/>
           </a:xfrm>
           <a:prstGeom prst="rect">
             <a:avLst/>
@@ -4241,15 +4255,42 @@
           <a:p>
             <a:pPr algn="ctr"/>
             <a:r>
-              <a:rPr lang="en-GB" b="1">
+              <a:rPr lang="ko-KR" altLang="en-US" b="1">
                 <a:solidFill>
                   <a:srgbClr val="0070C0"/>
                 </a:solidFill>
                 <a:ea typeface="맑은 고딕" panose="020B0503020000020004" pitchFamily="50" charset="-127"/>
                 <a:cs typeface="Microsoft Sans Serif" panose="020B0604020202020204" pitchFamily="34" charset="0"/>
               </a:rPr>
-              <a:t>Container Orchestration</a:t>
-            </a:r>
+              <a:t>컨테이너</a:t>
+            </a:r>
+            <a:endParaRPr lang="en-GB" altLang="ko-KR" b="1">
+              <a:solidFill>
+                <a:srgbClr val="0070C0"/>
+              </a:solidFill>
+              <a:ea typeface="맑은 고딕" panose="020B0503020000020004" pitchFamily="50" charset="-127"/>
+              <a:cs typeface="Microsoft Sans Serif" panose="020B0604020202020204" pitchFamily="34" charset="0"/>
+            </a:endParaRPr>
+          </a:p>
+          <a:p>
+            <a:pPr algn="ctr"/>
+            <a:r>
+              <a:rPr lang="ko-KR" altLang="en-US" b="1">
+                <a:solidFill>
+                  <a:srgbClr val="0070C0"/>
+                </a:solidFill>
+                <a:ea typeface="맑은 고딕" panose="020B0503020000020004" pitchFamily="50" charset="-127"/>
+                <a:cs typeface="Microsoft Sans Serif" panose="020B0604020202020204" pitchFamily="34" charset="0"/>
+              </a:rPr>
+              <a:t>오케스트레이션</a:t>
+            </a:r>
+            <a:endParaRPr lang="en-GB" b="1">
+              <a:solidFill>
+                <a:srgbClr val="0070C0"/>
+              </a:solidFill>
+              <a:ea typeface="맑은 고딕" panose="020B0503020000020004" pitchFamily="50" charset="-127"/>
+              <a:cs typeface="Microsoft Sans Serif" panose="020B0604020202020204" pitchFamily="34" charset="0"/>
+            </a:endParaRPr>
           </a:p>
         </p:txBody>
       </p:sp>
@@ -4341,8 +4382,8 @@
           </p:nvSpPr>
           <p:spPr>
             <a:xfrm>
-              <a:off x="8588460" y="3669366"/>
-              <a:ext cx="1453347" cy="369332"/>
+              <a:off x="8619269" y="3669366"/>
+              <a:ext cx="1391728" cy="369332"/>
             </a:xfrm>
             <a:prstGeom prst="rect">
               <a:avLst/>
@@ -4356,15 +4397,22 @@
             <a:lstStyle/>
             <a:p>
               <a:r>
-                <a:rPr lang="en-GB" b="1">
+                <a:rPr lang="ko-KR" altLang="en-US" b="1">
                   <a:solidFill>
                     <a:srgbClr val="0070C0"/>
                   </a:solidFill>
                   <a:ea typeface="맑은 고딕" panose="020B0503020000020004" pitchFamily="50" charset="-127"/>
                   <a:cs typeface="Microsoft Sans Serif" panose="020B0604020202020204" pitchFamily="34" charset="0"/>
                 </a:rPr>
-                <a:t>Observability</a:t>
+                <a:t>관찰 가능성</a:t>
               </a:r>
+              <a:endParaRPr lang="en-GB" b="1">
+                <a:solidFill>
+                  <a:srgbClr val="0070C0"/>
+                </a:solidFill>
+                <a:ea typeface="맑은 고딕" panose="020B0503020000020004" pitchFamily="50" charset="-127"/>
+                <a:cs typeface="Microsoft Sans Serif" panose="020B0604020202020204" pitchFamily="34" charset="0"/>
+              </a:endParaRPr>
             </a:p>
           </p:txBody>
         </p:sp>
@@ -4437,8 +4485,8 @@
         </p:nvSpPr>
         <p:spPr>
           <a:xfrm>
-            <a:off x="8388337" y="5149325"/>
-            <a:ext cx="2152577" cy="369332"/>
+            <a:off x="8396063" y="5149325"/>
+            <a:ext cx="2137124" cy="369332"/>
           </a:xfrm>
           <a:prstGeom prst="rect">
             <a:avLst/>
@@ -4452,15 +4500,22 @@
           <a:lstStyle/>
           <a:p>
             <a:r>
-              <a:rPr lang="en-GB" b="1">
+              <a:rPr lang="ko-KR" altLang="en-US" b="1">
                 <a:solidFill>
                   <a:srgbClr val="0070C0"/>
                 </a:solidFill>
                 <a:ea typeface="맑은 고딕" panose="020B0503020000020004" pitchFamily="50" charset="-127"/>
                 <a:cs typeface="Microsoft Sans Serif" panose="020B0604020202020204" pitchFamily="34" charset="0"/>
               </a:rPr>
-              <a:t>Static Site Generator</a:t>
-            </a:r>
+              <a:t>사이트 정적 생성기</a:t>
+            </a:r>
+            <a:endParaRPr lang="en-GB" b="1">
+              <a:solidFill>
+                <a:srgbClr val="0070C0"/>
+              </a:solidFill>
+              <a:ea typeface="맑은 고딕" panose="020B0503020000020004" pitchFamily="50" charset="-127"/>
+              <a:cs typeface="Microsoft Sans Serif" panose="020B0604020202020204" pitchFamily="34" charset="0"/>
+            </a:endParaRPr>
           </a:p>
         </p:txBody>
       </p:sp>
@@ -5354,8 +5409,8 @@
         </p:nvSpPr>
         <p:spPr>
           <a:xfrm>
-            <a:off x="2182401" y="305255"/>
-            <a:ext cx="1822935" cy="369332"/>
+            <a:off x="2140724" y="305255"/>
+            <a:ext cx="1906291" cy="369332"/>
           </a:xfrm>
           <a:prstGeom prst="rect">
             <a:avLst/>
@@ -5369,15 +5424,30 @@
           <a:lstStyle/>
           <a:p>
             <a:r>
-              <a:rPr lang="en-GB" b="1">
+              <a:rPr lang="ko-KR" altLang="en-US" b="1">
+                <a:solidFill>
+                  <a:srgbClr val="C00000"/>
+                </a:solidFill>
+              </a:rPr>
+              <a:t>지속</a:t>
+            </a:r>
+            <a:r>
+              <a:rPr lang="ko-KR" altLang="en-US" b="1">
                 <a:solidFill>
                   <a:schemeClr val="bg1">
                     <a:lumMod val="50000"/>
                   </a:schemeClr>
                 </a:solidFill>
               </a:rPr>
-              <a:t>Sustainable Code</a:t>
-            </a:r>
+              <a:t> 가능한 코드</a:t>
+            </a:r>
+            <a:endParaRPr lang="en-GB" b="1">
+              <a:solidFill>
+                <a:schemeClr val="bg1">
+                  <a:lumMod val="50000"/>
+                </a:schemeClr>
+              </a:solidFill>
+            </a:endParaRPr>
           </a:p>
         </p:txBody>
       </p:sp>
@@ -5395,8 +5465,8 @@
         </p:nvSpPr>
         <p:spPr>
           <a:xfrm>
-            <a:off x="8538057" y="305255"/>
-            <a:ext cx="1853136" cy="369332"/>
+            <a:off x="8511480" y="305255"/>
+            <a:ext cx="1906291" cy="369332"/>
           </a:xfrm>
           <a:prstGeom prst="rect">
             <a:avLst/>
@@ -5410,15 +5480,30 @@
           <a:lstStyle/>
           <a:p>
             <a:r>
-              <a:rPr lang="en-GB" b="1">
+              <a:rPr lang="ko-KR" altLang="en-US" b="1">
+                <a:solidFill>
+                  <a:srgbClr val="C00000"/>
+                </a:solidFill>
+              </a:rPr>
+              <a:t>측정</a:t>
+            </a:r>
+            <a:r>
+              <a:rPr lang="ko-KR" altLang="en-US" b="1">
                 <a:solidFill>
                   <a:schemeClr val="bg1">
                     <a:lumMod val="50000"/>
                   </a:schemeClr>
                 </a:solidFill>
               </a:rPr>
-              <a:t>Measurable Code</a:t>
-            </a:r>
+              <a:t> 가능한 코드</a:t>
+            </a:r>
+            <a:endParaRPr lang="en-GB" b="1">
+              <a:solidFill>
+                <a:schemeClr val="bg1">
+                  <a:lumMod val="50000"/>
+                </a:schemeClr>
+              </a:solidFill>
+            </a:endParaRPr>
           </a:p>
         </p:txBody>
       </p:sp>
@@ -5549,8 +5634,8 @@
         </p:nvSpPr>
         <p:spPr>
           <a:xfrm>
-            <a:off x="4929229" y="305255"/>
-            <a:ext cx="2700035" cy="369332"/>
+            <a:off x="5467967" y="305255"/>
+            <a:ext cx="1622560" cy="369332"/>
           </a:xfrm>
           <a:prstGeom prst="rect">
             <a:avLst/>
@@ -5564,15 +5649,28 @@
           <a:lstStyle/>
           <a:p>
             <a:r>
-              <a:rPr lang="en-GB" b="1">
+              <a:rPr lang="ko-KR" altLang="en-US" b="1">
                 <a:solidFill>
                   <a:schemeClr val="bg1">
                     <a:lumMod val="50000"/>
                   </a:schemeClr>
                 </a:solidFill>
               </a:rPr>
-              <a:t>Infrastructure Automation</a:t>
-            </a:r>
+              <a:t>인프라 </a:t>
+            </a:r>
+            <a:r>
+              <a:rPr lang="ko-KR" altLang="en-US" b="1">
+                <a:solidFill>
+                  <a:srgbClr val="C00000"/>
+                </a:solidFill>
+              </a:rPr>
+              <a:t>자동화</a:t>
+            </a:r>
+            <a:endParaRPr lang="en-GB" b="1">
+              <a:solidFill>
+                <a:srgbClr val="C00000"/>
+              </a:solidFill>
+            </a:endParaRPr>
           </a:p>
         </p:txBody>
       </p:sp>
@@ -5613,6 +5711,45 @@
                 <a:cs typeface="Microsoft Sans Serif" panose="020B0604020202020204" pitchFamily="34" charset="0"/>
               </a:rPr>
               <a:t>Infrastructure as Code</a:t>
+            </a:r>
+          </a:p>
+        </p:txBody>
+      </p:sp>
+      <p:sp>
+        <p:nvSpPr>
+          <p:cNvPr id="4" name="TextBox 3">
+            <a:extLst>
+              <a:ext uri="{FF2B5EF4-FFF2-40B4-BE49-F238E27FC236}">
+                <a16:creationId xmlns:a16="http://schemas.microsoft.com/office/drawing/2014/main" id="{DF667E3A-9975-8F98-EEB2-FFE6E9FAB1AB}"/>
+              </a:ext>
+            </a:extLst>
+          </p:cNvPr>
+          <p:cNvSpPr txBox="1"/>
+          <p:nvPr/>
+        </p:nvSpPr>
+        <p:spPr>
+          <a:xfrm>
+            <a:off x="5770326" y="4295009"/>
+            <a:ext cx="1017843" cy="307777"/>
+          </a:xfrm>
+          <a:prstGeom prst="rect">
+            <a:avLst/>
+          </a:prstGeom>
+          <a:noFill/>
+        </p:spPr>
+        <p:txBody>
+          <a:bodyPr wrap="none" rtlCol="0">
+            <a:spAutoFit/>
+          </a:bodyPr>
+          <a:lstStyle/>
+          <a:p>
+            <a:r>
+              <a:rPr lang="en-GB" sz="1400" i="1">
+                <a:solidFill>
+                  <a:srgbClr val="C00000"/>
+                </a:solidFill>
+              </a:rPr>
+              <a:t>Refactoring</a:t>
             </a:r>
           </a:p>
         </p:txBody>
@@ -5631,6 +5768,1837 @@
 </file>
 
 <file path=ppt/slides/slide3.xml><?xml version="1.0" encoding="utf-8"?>
+<p:sld xmlns:a="http://schemas.openxmlformats.org/drawingml/2006/main" xmlns:r="http://schemas.openxmlformats.org/officeDocument/2006/relationships" xmlns:p="http://schemas.openxmlformats.org/presentationml/2006/main">
+  <p:cSld>
+    <p:spTree>
+      <p:nvGrpSpPr>
+        <p:cNvPr id="1" name="">
+          <a:extLst>
+            <a:ext uri="{FF2B5EF4-FFF2-40B4-BE49-F238E27FC236}">
+              <a16:creationId xmlns:a16="http://schemas.microsoft.com/office/drawing/2014/main" id="{6E81794F-6480-8868-EC56-4DCBCF2772F1}"/>
+            </a:ext>
+          </a:extLst>
+        </p:cNvPr>
+        <p:cNvGrpSpPr/>
+        <p:nvPr/>
+      </p:nvGrpSpPr>
+      <p:grpSpPr>
+        <a:xfrm>
+          <a:off x="0" y="0"/>
+          <a:ext cx="0" cy="0"/>
+          <a:chOff x="0" y="0"/>
+          <a:chExt cx="0" cy="0"/>
+        </a:xfrm>
+      </p:grpSpPr>
+      <p:sp>
+        <p:nvSpPr>
+          <p:cNvPr id="2" name="직사각형 1">
+            <a:extLst>
+              <a:ext uri="{FF2B5EF4-FFF2-40B4-BE49-F238E27FC236}">
+                <a16:creationId xmlns:a16="http://schemas.microsoft.com/office/drawing/2014/main" id="{EFC4E2CF-8315-42B8-6D23-4A2852A7D2BA}"/>
+              </a:ext>
+            </a:extLst>
+          </p:cNvPr>
+          <p:cNvSpPr/>
+          <p:nvPr/>
+        </p:nvSpPr>
+        <p:spPr>
+          <a:xfrm>
+            <a:off x="247436" y="193927"/>
+            <a:ext cx="11697128" cy="6470147"/>
+          </a:xfrm>
+          <a:prstGeom prst="rect">
+            <a:avLst/>
+          </a:prstGeom>
+          <a:noFill/>
+          <a:ln w="19050">
+            <a:solidFill>
+              <a:schemeClr val="tx1"/>
+            </a:solidFill>
+          </a:ln>
+        </p:spPr>
+        <p:style>
+          <a:lnRef idx="2">
+            <a:schemeClr val="accent1">
+              <a:shade val="15000"/>
+            </a:schemeClr>
+          </a:lnRef>
+          <a:fillRef idx="1">
+            <a:schemeClr val="accent1"/>
+          </a:fillRef>
+          <a:effectRef idx="0">
+            <a:schemeClr val="accent1"/>
+          </a:effectRef>
+          <a:fontRef idx="minor">
+            <a:schemeClr val="lt1"/>
+          </a:fontRef>
+        </p:style>
+        <p:txBody>
+          <a:bodyPr rtlCol="0" anchor="ctr"/>
+          <a:lstStyle/>
+          <a:p>
+            <a:pPr algn="ctr"/>
+            <a:endParaRPr lang="en-GB">
+              <a:ea typeface="맑은 고딕" panose="020B0503020000020004" pitchFamily="50" charset="-127"/>
+              <a:cs typeface="Microsoft Sans Serif" panose="020B0604020202020204" pitchFamily="34" charset="0"/>
+            </a:endParaRPr>
+          </a:p>
+        </p:txBody>
+      </p:sp>
+      <p:sp>
+        <p:nvSpPr>
+          <p:cNvPr id="15" name="직사각형 14">
+            <a:extLst>
+              <a:ext uri="{FF2B5EF4-FFF2-40B4-BE49-F238E27FC236}">
+                <a16:creationId xmlns:a16="http://schemas.microsoft.com/office/drawing/2014/main" id="{FEDF8396-6B71-C38D-0873-E7BE1A9FB5D5}"/>
+              </a:ext>
+            </a:extLst>
+          </p:cNvPr>
+          <p:cNvSpPr/>
+          <p:nvPr/>
+        </p:nvSpPr>
+        <p:spPr>
+          <a:xfrm>
+            <a:off x="1785528" y="1647189"/>
+            <a:ext cx="2616682" cy="889245"/>
+          </a:xfrm>
+          <a:prstGeom prst="rect">
+            <a:avLst/>
+          </a:prstGeom>
+          <a:ln w="3175">
+            <a:solidFill>
+              <a:schemeClr val="bg2">
+                <a:lumMod val="50000"/>
+              </a:schemeClr>
+            </a:solidFill>
+          </a:ln>
+        </p:spPr>
+        <p:style>
+          <a:lnRef idx="2">
+            <a:schemeClr val="dk1"/>
+          </a:lnRef>
+          <a:fillRef idx="1">
+            <a:schemeClr val="lt1"/>
+          </a:fillRef>
+          <a:effectRef idx="0">
+            <a:schemeClr val="dk1"/>
+          </a:effectRef>
+          <a:fontRef idx="minor">
+            <a:schemeClr val="dk1"/>
+          </a:fontRef>
+        </p:style>
+        <p:txBody>
+          <a:bodyPr rtlCol="0" anchor="ctr"/>
+          <a:lstStyle/>
+          <a:p>
+            <a:pPr algn="ctr"/>
+            <a:endParaRPr lang="en-GB">
+              <a:ea typeface="맑은 고딕" panose="020B0503020000020004" pitchFamily="50" charset="-127"/>
+              <a:cs typeface="Microsoft Sans Serif" panose="020B0604020202020204" pitchFamily="34" charset="0"/>
+            </a:endParaRPr>
+          </a:p>
+        </p:txBody>
+      </p:sp>
+      <p:sp>
+        <p:nvSpPr>
+          <p:cNvPr id="7" name="TextBox 6">
+            <a:extLst>
+              <a:ext uri="{FF2B5EF4-FFF2-40B4-BE49-F238E27FC236}">
+                <a16:creationId xmlns:a16="http://schemas.microsoft.com/office/drawing/2014/main" id="{8C972C6B-9A2C-C96F-D86A-C3F4DBC2163F}"/>
+              </a:ext>
+            </a:extLst>
+          </p:cNvPr>
+          <p:cNvSpPr txBox="1"/>
+          <p:nvPr/>
+        </p:nvSpPr>
+        <p:spPr>
+          <a:xfrm>
+            <a:off x="2390119" y="1894499"/>
+            <a:ext cx="1407501" cy="369332"/>
+          </a:xfrm>
+          <a:prstGeom prst="rect">
+            <a:avLst/>
+          </a:prstGeom>
+          <a:noFill/>
+        </p:spPr>
+        <p:txBody>
+          <a:bodyPr wrap="none" rtlCol="0">
+            <a:spAutoFit/>
+          </a:bodyPr>
+          <a:lstStyle/>
+          <a:p>
+            <a:r>
+              <a:rPr lang="en-GB" b="1">
+                <a:solidFill>
+                  <a:srgbClr val="0070C0"/>
+                </a:solidFill>
+                <a:ea typeface="맑은 고딕" panose="020B0503020000020004" pitchFamily="50" charset="-127"/>
+                <a:cs typeface="Microsoft Sans Serif" panose="020B0604020202020204" pitchFamily="34" charset="0"/>
+              </a:rPr>
+              <a:t>Test Pyramid</a:t>
+            </a:r>
+          </a:p>
+        </p:txBody>
+      </p:sp>
+      <p:grpSp>
+        <p:nvGrpSpPr>
+          <p:cNvPr id="85" name="그룹 84">
+            <a:extLst>
+              <a:ext uri="{FF2B5EF4-FFF2-40B4-BE49-F238E27FC236}">
+                <a16:creationId xmlns:a16="http://schemas.microsoft.com/office/drawing/2014/main" id="{3564E9D4-A7A5-2469-5654-07608EE2D9FD}"/>
+              </a:ext>
+            </a:extLst>
+          </p:cNvPr>
+          <p:cNvGrpSpPr/>
+          <p:nvPr/>
+        </p:nvGrpSpPr>
+        <p:grpSpPr>
+          <a:xfrm>
+            <a:off x="1785528" y="3446860"/>
+            <a:ext cx="2616682" cy="889245"/>
+            <a:chOff x="1636036" y="3409410"/>
+            <a:chExt cx="2616682" cy="889245"/>
+          </a:xfrm>
+        </p:grpSpPr>
+        <p:sp>
+          <p:nvSpPr>
+            <p:cNvPr id="14" name="직사각형 13">
+              <a:extLst>
+                <a:ext uri="{FF2B5EF4-FFF2-40B4-BE49-F238E27FC236}">
+                  <a16:creationId xmlns:a16="http://schemas.microsoft.com/office/drawing/2014/main" id="{F952C39C-74CA-AE10-CD3E-EFCA0D51CF1B}"/>
+                </a:ext>
+              </a:extLst>
+            </p:cNvPr>
+            <p:cNvSpPr/>
+            <p:nvPr/>
+          </p:nvSpPr>
+          <p:spPr>
+            <a:xfrm>
+              <a:off x="1636036" y="3409410"/>
+              <a:ext cx="2616682" cy="889245"/>
+            </a:xfrm>
+            <a:prstGeom prst="rect">
+              <a:avLst/>
+            </a:prstGeom>
+            <a:solidFill>
+              <a:srgbClr val="0070C0"/>
+            </a:solidFill>
+            <a:ln w="3175">
+              <a:solidFill>
+                <a:schemeClr val="bg2">
+                  <a:lumMod val="50000"/>
+                </a:schemeClr>
+              </a:solidFill>
+            </a:ln>
+          </p:spPr>
+          <p:style>
+            <a:lnRef idx="2">
+              <a:schemeClr val="dk1"/>
+            </a:lnRef>
+            <a:fillRef idx="1">
+              <a:schemeClr val="lt1"/>
+            </a:fillRef>
+            <a:effectRef idx="0">
+              <a:schemeClr val="dk1"/>
+            </a:effectRef>
+            <a:fontRef idx="minor">
+              <a:schemeClr val="dk1"/>
+            </a:fontRef>
+          </p:style>
+          <p:txBody>
+            <a:bodyPr rtlCol="0" anchor="ctr"/>
+            <a:lstStyle/>
+            <a:p>
+              <a:pPr algn="ctr"/>
+              <a:endParaRPr lang="en-GB">
+                <a:solidFill>
+                  <a:schemeClr val="bg1"/>
+                </a:solidFill>
+                <a:ea typeface="맑은 고딕" panose="020B0503020000020004" pitchFamily="50" charset="-127"/>
+                <a:cs typeface="Microsoft Sans Serif" panose="020B0604020202020204" pitchFamily="34" charset="0"/>
+              </a:endParaRPr>
+            </a:p>
+          </p:txBody>
+        </p:sp>
+        <p:sp>
+          <p:nvSpPr>
+            <p:cNvPr id="8" name="TextBox 7">
+              <a:extLst>
+                <a:ext uri="{FF2B5EF4-FFF2-40B4-BE49-F238E27FC236}">
+                  <a16:creationId xmlns:a16="http://schemas.microsoft.com/office/drawing/2014/main" id="{78E54E4B-A415-2ED9-373D-CFF0E8DE31FD}"/>
+                </a:ext>
+              </a:extLst>
+            </p:cNvPr>
+            <p:cNvSpPr txBox="1"/>
+            <p:nvPr/>
+          </p:nvSpPr>
+          <p:spPr>
+            <a:xfrm>
+              <a:off x="1779892" y="3669366"/>
+              <a:ext cx="2328971" cy="369332"/>
+            </a:xfrm>
+            <a:prstGeom prst="rect">
+              <a:avLst/>
+            </a:prstGeom>
+            <a:noFill/>
+          </p:spPr>
+          <p:txBody>
+            <a:bodyPr wrap="none" rtlCol="0">
+              <a:spAutoFit/>
+            </a:bodyPr>
+            <a:lstStyle/>
+            <a:p>
+              <a:r>
+                <a:rPr lang="en-GB" b="1">
+                  <a:solidFill>
+                    <a:schemeClr val="bg1"/>
+                  </a:solidFill>
+                  <a:ea typeface="맑은 고딕" panose="020B0503020000020004" pitchFamily="50" charset="-127"/>
+                  <a:cs typeface="Microsoft Sans Serif" panose="020B0604020202020204" pitchFamily="34" charset="0"/>
+                </a:rPr>
+                <a:t>Domain-Driven Desgin</a:t>
+              </a:r>
+            </a:p>
+          </p:txBody>
+        </p:sp>
+      </p:grpSp>
+      <p:sp>
+        <p:nvSpPr>
+          <p:cNvPr id="16" name="직사각형 15">
+            <a:extLst>
+              <a:ext uri="{FF2B5EF4-FFF2-40B4-BE49-F238E27FC236}">
+                <a16:creationId xmlns:a16="http://schemas.microsoft.com/office/drawing/2014/main" id="{3A02267B-258A-081D-BD08-EC2DA21721F7}"/>
+              </a:ext>
+            </a:extLst>
+          </p:cNvPr>
+          <p:cNvSpPr/>
+          <p:nvPr/>
+        </p:nvSpPr>
+        <p:spPr>
+          <a:xfrm>
+            <a:off x="8156284" y="1647189"/>
+            <a:ext cx="2616682" cy="889245"/>
+          </a:xfrm>
+          <a:prstGeom prst="rect">
+            <a:avLst/>
+          </a:prstGeom>
+          <a:ln w="3175">
+            <a:solidFill>
+              <a:schemeClr val="bg2">
+                <a:lumMod val="50000"/>
+              </a:schemeClr>
+            </a:solidFill>
+          </a:ln>
+        </p:spPr>
+        <p:style>
+          <a:lnRef idx="2">
+            <a:schemeClr val="dk1"/>
+          </a:lnRef>
+          <a:fillRef idx="1">
+            <a:schemeClr val="lt1"/>
+          </a:fillRef>
+          <a:effectRef idx="0">
+            <a:schemeClr val="dk1"/>
+          </a:effectRef>
+          <a:fontRef idx="minor">
+            <a:schemeClr val="dk1"/>
+          </a:fontRef>
+        </p:style>
+        <p:txBody>
+          <a:bodyPr rtlCol="0" anchor="ctr"/>
+          <a:lstStyle/>
+          <a:p>
+            <a:pPr algn="ctr"/>
+            <a:endParaRPr lang="en-GB">
+              <a:ea typeface="맑은 고딕" panose="020B0503020000020004" pitchFamily="50" charset="-127"/>
+              <a:cs typeface="Microsoft Sans Serif" panose="020B0604020202020204" pitchFamily="34" charset="0"/>
+            </a:endParaRPr>
+          </a:p>
+        </p:txBody>
+      </p:sp>
+      <p:sp>
+        <p:nvSpPr>
+          <p:cNvPr id="11" name="TextBox 10">
+            <a:extLst>
+              <a:ext uri="{FF2B5EF4-FFF2-40B4-BE49-F238E27FC236}">
+                <a16:creationId xmlns:a16="http://schemas.microsoft.com/office/drawing/2014/main" id="{305A58B6-5675-BE25-54D4-B7605934DC9D}"/>
+              </a:ext>
+            </a:extLst>
+          </p:cNvPr>
+          <p:cNvSpPr txBox="1"/>
+          <p:nvPr/>
+        </p:nvSpPr>
+        <p:spPr>
+          <a:xfrm>
+            <a:off x="8223612" y="1907145"/>
+            <a:ext cx="2482026" cy="369332"/>
+          </a:xfrm>
+          <a:prstGeom prst="rect">
+            <a:avLst/>
+          </a:prstGeom>
+          <a:noFill/>
+        </p:spPr>
+        <p:txBody>
+          <a:bodyPr wrap="none" rtlCol="0">
+            <a:spAutoFit/>
+          </a:bodyPr>
+          <a:lstStyle/>
+          <a:p>
+            <a:pPr algn="ctr"/>
+            <a:r>
+              <a:rPr lang="en-GB" b="1">
+                <a:solidFill>
+                  <a:srgbClr val="0070C0"/>
+                </a:solidFill>
+                <a:ea typeface="맑은 고딕" panose="020B0503020000020004" pitchFamily="50" charset="-127"/>
+                <a:cs typeface="Microsoft Sans Serif" panose="020B0604020202020204" pitchFamily="34" charset="0"/>
+              </a:rPr>
+              <a:t>Container Orchestration</a:t>
+            </a:r>
+          </a:p>
+        </p:txBody>
+      </p:sp>
+      <p:grpSp>
+        <p:nvGrpSpPr>
+          <p:cNvPr id="84" name="그룹 83">
+            <a:extLst>
+              <a:ext uri="{FF2B5EF4-FFF2-40B4-BE49-F238E27FC236}">
+                <a16:creationId xmlns:a16="http://schemas.microsoft.com/office/drawing/2014/main" id="{C49988D4-27B2-647C-67FA-6974F20C393C}"/>
+              </a:ext>
+            </a:extLst>
+          </p:cNvPr>
+          <p:cNvGrpSpPr/>
+          <p:nvPr/>
+        </p:nvGrpSpPr>
+        <p:grpSpPr>
+          <a:xfrm>
+            <a:off x="8156284" y="3446860"/>
+            <a:ext cx="2616682" cy="889245"/>
+            <a:chOff x="8006792" y="3409410"/>
+            <a:chExt cx="2616682" cy="889245"/>
+          </a:xfrm>
+        </p:grpSpPr>
+        <p:sp>
+          <p:nvSpPr>
+            <p:cNvPr id="17" name="직사각형 16">
+              <a:extLst>
+                <a:ext uri="{FF2B5EF4-FFF2-40B4-BE49-F238E27FC236}">
+                  <a16:creationId xmlns:a16="http://schemas.microsoft.com/office/drawing/2014/main" id="{9A3A5F89-2028-565E-6509-DFACC1B245B9}"/>
+                </a:ext>
+              </a:extLst>
+            </p:cNvPr>
+            <p:cNvSpPr/>
+            <p:nvPr/>
+          </p:nvSpPr>
+          <p:spPr>
+            <a:xfrm>
+              <a:off x="8006792" y="3409410"/>
+              <a:ext cx="2616682" cy="889245"/>
+            </a:xfrm>
+            <a:prstGeom prst="rect">
+              <a:avLst/>
+            </a:prstGeom>
+            <a:ln w="3175">
+              <a:solidFill>
+                <a:schemeClr val="bg2">
+                  <a:lumMod val="50000"/>
+                </a:schemeClr>
+              </a:solidFill>
+            </a:ln>
+          </p:spPr>
+          <p:style>
+            <a:lnRef idx="2">
+              <a:schemeClr val="dk1"/>
+            </a:lnRef>
+            <a:fillRef idx="1">
+              <a:schemeClr val="lt1"/>
+            </a:fillRef>
+            <a:effectRef idx="0">
+              <a:schemeClr val="dk1"/>
+            </a:effectRef>
+            <a:fontRef idx="minor">
+              <a:schemeClr val="dk1"/>
+            </a:fontRef>
+          </p:style>
+          <p:txBody>
+            <a:bodyPr rtlCol="0" anchor="ctr"/>
+            <a:lstStyle/>
+            <a:p>
+              <a:pPr algn="ctr"/>
+              <a:endParaRPr lang="en-GB">
+                <a:ea typeface="맑은 고딕" panose="020B0503020000020004" pitchFamily="50" charset="-127"/>
+                <a:cs typeface="Microsoft Sans Serif" panose="020B0604020202020204" pitchFamily="34" charset="0"/>
+              </a:endParaRPr>
+            </a:p>
+          </p:txBody>
+        </p:sp>
+        <p:sp>
+          <p:nvSpPr>
+            <p:cNvPr id="12" name="TextBox 11">
+              <a:extLst>
+                <a:ext uri="{FF2B5EF4-FFF2-40B4-BE49-F238E27FC236}">
+                  <a16:creationId xmlns:a16="http://schemas.microsoft.com/office/drawing/2014/main" id="{160D6062-0878-BDA6-F8F8-A74BE55F1306}"/>
+                </a:ext>
+              </a:extLst>
+            </p:cNvPr>
+            <p:cNvSpPr txBox="1"/>
+            <p:nvPr/>
+          </p:nvSpPr>
+          <p:spPr>
+            <a:xfrm>
+              <a:off x="8588460" y="3669366"/>
+              <a:ext cx="1453347" cy="369332"/>
+            </a:xfrm>
+            <a:prstGeom prst="rect">
+              <a:avLst/>
+            </a:prstGeom>
+            <a:noFill/>
+          </p:spPr>
+          <p:txBody>
+            <a:bodyPr wrap="none" rtlCol="0">
+              <a:spAutoFit/>
+            </a:bodyPr>
+            <a:lstStyle/>
+            <a:p>
+              <a:r>
+                <a:rPr lang="en-GB" b="1">
+                  <a:solidFill>
+                    <a:srgbClr val="0070C0"/>
+                  </a:solidFill>
+                  <a:ea typeface="맑은 고딕" panose="020B0503020000020004" pitchFamily="50" charset="-127"/>
+                  <a:cs typeface="Microsoft Sans Serif" panose="020B0604020202020204" pitchFamily="34" charset="0"/>
+                </a:rPr>
+                <a:t>Observability</a:t>
+              </a:r>
+            </a:p>
+          </p:txBody>
+        </p:sp>
+      </p:grpSp>
+      <p:sp>
+        <p:nvSpPr>
+          <p:cNvPr id="18" name="직사각형 17">
+            <a:extLst>
+              <a:ext uri="{FF2B5EF4-FFF2-40B4-BE49-F238E27FC236}">
+                <a16:creationId xmlns:a16="http://schemas.microsoft.com/office/drawing/2014/main" id="{95982729-793B-C373-86D2-6FD790F11B97}"/>
+              </a:ext>
+            </a:extLst>
+          </p:cNvPr>
+          <p:cNvSpPr/>
+          <p:nvPr/>
+        </p:nvSpPr>
+        <p:spPr>
+          <a:xfrm>
+            <a:off x="8156284" y="4889369"/>
+            <a:ext cx="2616682" cy="889245"/>
+          </a:xfrm>
+          <a:prstGeom prst="rect">
+            <a:avLst/>
+          </a:prstGeom>
+          <a:ln w="3175">
+            <a:solidFill>
+              <a:schemeClr val="bg2">
+                <a:lumMod val="50000"/>
+              </a:schemeClr>
+            </a:solidFill>
+          </a:ln>
+        </p:spPr>
+        <p:style>
+          <a:lnRef idx="2">
+            <a:schemeClr val="dk1"/>
+          </a:lnRef>
+          <a:fillRef idx="1">
+            <a:schemeClr val="lt1"/>
+          </a:fillRef>
+          <a:effectRef idx="0">
+            <a:schemeClr val="dk1"/>
+          </a:effectRef>
+          <a:fontRef idx="minor">
+            <a:schemeClr val="dk1"/>
+          </a:fontRef>
+        </p:style>
+        <p:txBody>
+          <a:bodyPr rtlCol="0" anchor="ctr"/>
+          <a:lstStyle/>
+          <a:p>
+            <a:pPr algn="ctr"/>
+            <a:endParaRPr lang="en-GB">
+              <a:ea typeface="맑은 고딕" panose="020B0503020000020004" pitchFamily="50" charset="-127"/>
+              <a:cs typeface="Microsoft Sans Serif" panose="020B0604020202020204" pitchFamily="34" charset="0"/>
+            </a:endParaRPr>
+          </a:p>
+        </p:txBody>
+      </p:sp>
+      <p:sp>
+        <p:nvSpPr>
+          <p:cNvPr id="13" name="TextBox 12">
+            <a:extLst>
+              <a:ext uri="{FF2B5EF4-FFF2-40B4-BE49-F238E27FC236}">
+                <a16:creationId xmlns:a16="http://schemas.microsoft.com/office/drawing/2014/main" id="{22B28250-5398-94B3-D578-E286BDAAF843}"/>
+              </a:ext>
+            </a:extLst>
+          </p:cNvPr>
+          <p:cNvSpPr txBox="1"/>
+          <p:nvPr/>
+        </p:nvSpPr>
+        <p:spPr>
+          <a:xfrm>
+            <a:off x="8388337" y="5149325"/>
+            <a:ext cx="2152577" cy="369332"/>
+          </a:xfrm>
+          <a:prstGeom prst="rect">
+            <a:avLst/>
+          </a:prstGeom>
+          <a:noFill/>
+        </p:spPr>
+        <p:txBody>
+          <a:bodyPr wrap="none" rtlCol="0">
+            <a:spAutoFit/>
+          </a:bodyPr>
+          <a:lstStyle/>
+          <a:p>
+            <a:r>
+              <a:rPr lang="en-GB" b="1">
+                <a:solidFill>
+                  <a:srgbClr val="0070C0"/>
+                </a:solidFill>
+                <a:ea typeface="맑은 고딕" panose="020B0503020000020004" pitchFamily="50" charset="-127"/>
+                <a:cs typeface="Microsoft Sans Serif" panose="020B0604020202020204" pitchFamily="34" charset="0"/>
+              </a:rPr>
+              <a:t>Static Site Generator</a:t>
+            </a:r>
+          </a:p>
+        </p:txBody>
+      </p:sp>
+      <p:sp>
+        <p:nvSpPr>
+          <p:cNvPr id="19" name="TextBox 18">
+            <a:extLst>
+              <a:ext uri="{FF2B5EF4-FFF2-40B4-BE49-F238E27FC236}">
+                <a16:creationId xmlns:a16="http://schemas.microsoft.com/office/drawing/2014/main" id="{C45738B6-0F72-A28C-5597-1010724B5CA0}"/>
+              </a:ext>
+            </a:extLst>
+          </p:cNvPr>
+          <p:cNvSpPr txBox="1"/>
+          <p:nvPr/>
+        </p:nvSpPr>
+        <p:spPr>
+          <a:xfrm>
+            <a:off x="5941655" y="1343182"/>
+            <a:ext cx="675185" cy="338554"/>
+          </a:xfrm>
+          <a:prstGeom prst="rect">
+            <a:avLst/>
+          </a:prstGeom>
+          <a:noFill/>
+        </p:spPr>
+        <p:txBody>
+          <a:bodyPr wrap="none" rtlCol="0">
+            <a:spAutoFit/>
+          </a:bodyPr>
+          <a:lstStyle/>
+          <a:p>
+            <a:r>
+              <a:rPr lang="en-GB" sz="1600" b="1">
+                <a:solidFill>
+                  <a:srgbClr val="0070C0"/>
+                </a:solidFill>
+                <a:ea typeface="맑은 고딕" panose="020B0503020000020004" pitchFamily="50" charset="-127"/>
+                <a:cs typeface="Microsoft Sans Serif" panose="020B0604020202020204" pitchFamily="34" charset="0"/>
+              </a:rPr>
+              <a:t>CI/CD</a:t>
+            </a:r>
+          </a:p>
+        </p:txBody>
+      </p:sp>
+      <p:sp>
+        <p:nvSpPr>
+          <p:cNvPr id="20" name="TextBox 19">
+            <a:extLst>
+              <a:ext uri="{FF2B5EF4-FFF2-40B4-BE49-F238E27FC236}">
+                <a16:creationId xmlns:a16="http://schemas.microsoft.com/office/drawing/2014/main" id="{588CBE3A-92EA-33A6-37CC-61002172104B}"/>
+              </a:ext>
+            </a:extLst>
+          </p:cNvPr>
+          <p:cNvSpPr txBox="1"/>
+          <p:nvPr/>
+        </p:nvSpPr>
+        <p:spPr>
+          <a:xfrm>
+            <a:off x="5785266" y="4017384"/>
+            <a:ext cx="987963" cy="338554"/>
+          </a:xfrm>
+          <a:prstGeom prst="rect">
+            <a:avLst/>
+          </a:prstGeom>
+          <a:noFill/>
+        </p:spPr>
+        <p:txBody>
+          <a:bodyPr wrap="none" rtlCol="0">
+            <a:spAutoFit/>
+          </a:bodyPr>
+          <a:lstStyle/>
+          <a:p>
+            <a:r>
+              <a:rPr lang="en-GB" sz="1600" b="1">
+                <a:solidFill>
+                  <a:srgbClr val="C00000"/>
+                </a:solidFill>
+                <a:ea typeface="맑은 고딕" panose="020B0503020000020004" pitchFamily="50" charset="-127"/>
+                <a:cs typeface="Microsoft Sans Serif" panose="020B0604020202020204" pitchFamily="34" charset="0"/>
+              </a:rPr>
+              <a:t>Feedback</a:t>
+            </a:r>
+          </a:p>
+        </p:txBody>
+      </p:sp>
+      <p:cxnSp>
+        <p:nvCxnSpPr>
+          <p:cNvPr id="22" name="직선 화살표 연결선 21">
+            <a:extLst>
+              <a:ext uri="{FF2B5EF4-FFF2-40B4-BE49-F238E27FC236}">
+                <a16:creationId xmlns:a16="http://schemas.microsoft.com/office/drawing/2014/main" id="{2B1CFCFF-36B7-B840-DCFE-D5646547EDBB}"/>
+              </a:ext>
+            </a:extLst>
+          </p:cNvPr>
+          <p:cNvCxnSpPr>
+            <a:cxnSpLocks/>
+            <a:stCxn id="17" idx="1"/>
+            <a:endCxn id="14" idx="3"/>
+          </p:cNvCxnSpPr>
+          <p:nvPr/>
+        </p:nvCxnSpPr>
+        <p:spPr>
+          <a:xfrm flipH="1">
+            <a:off x="4402210" y="3891483"/>
+            <a:ext cx="3754074" cy="0"/>
+          </a:xfrm>
+          <a:prstGeom prst="straightConnector1">
+            <a:avLst/>
+          </a:prstGeom>
+          <a:ln w="19050">
+            <a:solidFill>
+              <a:srgbClr val="C00000"/>
+            </a:solidFill>
+            <a:prstDash val="dash"/>
+            <a:tailEnd type="triangle"/>
+          </a:ln>
+        </p:spPr>
+        <p:style>
+          <a:lnRef idx="1">
+            <a:schemeClr val="accent1"/>
+          </a:lnRef>
+          <a:fillRef idx="0">
+            <a:schemeClr val="accent1"/>
+          </a:fillRef>
+          <a:effectRef idx="0">
+            <a:schemeClr val="accent1"/>
+          </a:effectRef>
+          <a:fontRef idx="minor">
+            <a:schemeClr val="tx1"/>
+          </a:fontRef>
+        </p:style>
+      </p:cxnSp>
+      <p:cxnSp>
+        <p:nvCxnSpPr>
+          <p:cNvPr id="24" name="직선 화살표 연결선 23">
+            <a:extLst>
+              <a:ext uri="{FF2B5EF4-FFF2-40B4-BE49-F238E27FC236}">
+                <a16:creationId xmlns:a16="http://schemas.microsoft.com/office/drawing/2014/main" id="{06D551CC-96B2-EFC3-C598-8E4646D3863E}"/>
+              </a:ext>
+            </a:extLst>
+          </p:cNvPr>
+          <p:cNvCxnSpPr>
+            <a:cxnSpLocks/>
+            <a:stCxn id="15" idx="3"/>
+            <a:endCxn id="16" idx="1"/>
+          </p:cNvCxnSpPr>
+          <p:nvPr/>
+        </p:nvCxnSpPr>
+        <p:spPr>
+          <a:xfrm>
+            <a:off x="4402210" y="2091812"/>
+            <a:ext cx="3754074" cy="0"/>
+          </a:xfrm>
+          <a:prstGeom prst="straightConnector1">
+            <a:avLst/>
+          </a:prstGeom>
+          <a:ln w="38100">
+            <a:solidFill>
+              <a:schemeClr val="tx1"/>
+            </a:solidFill>
+            <a:prstDash val="solid"/>
+            <a:tailEnd type="triangle"/>
+          </a:ln>
+        </p:spPr>
+        <p:style>
+          <a:lnRef idx="1">
+            <a:schemeClr val="accent1"/>
+          </a:lnRef>
+          <a:fillRef idx="0">
+            <a:schemeClr val="accent1"/>
+          </a:fillRef>
+          <a:effectRef idx="0">
+            <a:schemeClr val="accent1"/>
+          </a:effectRef>
+          <a:fontRef idx="minor">
+            <a:schemeClr val="tx1"/>
+          </a:fontRef>
+        </p:style>
+      </p:cxnSp>
+      <p:cxnSp>
+        <p:nvCxnSpPr>
+          <p:cNvPr id="27" name="직선 화살표 연결선 26">
+            <a:extLst>
+              <a:ext uri="{FF2B5EF4-FFF2-40B4-BE49-F238E27FC236}">
+                <a16:creationId xmlns:a16="http://schemas.microsoft.com/office/drawing/2014/main" id="{2D97DAFF-5E75-ABF7-47F4-5BA679D491BE}"/>
+              </a:ext>
+            </a:extLst>
+          </p:cNvPr>
+          <p:cNvCxnSpPr>
+            <a:cxnSpLocks/>
+            <a:stCxn id="14" idx="0"/>
+            <a:endCxn id="15" idx="2"/>
+          </p:cNvCxnSpPr>
+          <p:nvPr/>
+        </p:nvCxnSpPr>
+        <p:spPr>
+          <a:xfrm flipV="1">
+            <a:off x="3093869" y="2536434"/>
+            <a:ext cx="0" cy="910426"/>
+          </a:xfrm>
+          <a:prstGeom prst="straightConnector1">
+            <a:avLst/>
+          </a:prstGeom>
+          <a:ln w="38100">
+            <a:solidFill>
+              <a:schemeClr val="tx1"/>
+            </a:solidFill>
+            <a:prstDash val="solid"/>
+            <a:tailEnd type="triangle"/>
+          </a:ln>
+        </p:spPr>
+        <p:style>
+          <a:lnRef idx="1">
+            <a:schemeClr val="accent1"/>
+          </a:lnRef>
+          <a:fillRef idx="0">
+            <a:schemeClr val="accent1"/>
+          </a:fillRef>
+          <a:effectRef idx="0">
+            <a:schemeClr val="accent1"/>
+          </a:effectRef>
+          <a:fontRef idx="minor">
+            <a:schemeClr val="tx1"/>
+          </a:fontRef>
+        </p:style>
+      </p:cxnSp>
+      <p:cxnSp>
+        <p:nvCxnSpPr>
+          <p:cNvPr id="30" name="직선 화살표 연결선 29">
+            <a:extLst>
+              <a:ext uri="{FF2B5EF4-FFF2-40B4-BE49-F238E27FC236}">
+                <a16:creationId xmlns:a16="http://schemas.microsoft.com/office/drawing/2014/main" id="{2A81DD65-8C5F-0B2A-B4B4-850B28B4727D}"/>
+              </a:ext>
+            </a:extLst>
+          </p:cNvPr>
+          <p:cNvCxnSpPr>
+            <a:cxnSpLocks/>
+            <a:stCxn id="16" idx="2"/>
+            <a:endCxn id="17" idx="0"/>
+          </p:cNvCxnSpPr>
+          <p:nvPr/>
+        </p:nvCxnSpPr>
+        <p:spPr>
+          <a:xfrm>
+            <a:off x="9464625" y="2536434"/>
+            <a:ext cx="0" cy="910426"/>
+          </a:xfrm>
+          <a:prstGeom prst="straightConnector1">
+            <a:avLst/>
+          </a:prstGeom>
+          <a:ln w="38100">
+            <a:solidFill>
+              <a:schemeClr val="tx1"/>
+            </a:solidFill>
+            <a:prstDash val="solid"/>
+            <a:tailEnd type="triangle"/>
+          </a:ln>
+        </p:spPr>
+        <p:style>
+          <a:lnRef idx="1">
+            <a:schemeClr val="accent1"/>
+          </a:lnRef>
+          <a:fillRef idx="0">
+            <a:schemeClr val="accent1"/>
+          </a:fillRef>
+          <a:effectRef idx="0">
+            <a:schemeClr val="accent1"/>
+          </a:effectRef>
+          <a:fontRef idx="minor">
+            <a:schemeClr val="tx1"/>
+          </a:fontRef>
+        </p:style>
+      </p:cxnSp>
+      <p:cxnSp>
+        <p:nvCxnSpPr>
+          <p:cNvPr id="33" name="직선 화살표 연결선 32">
+            <a:extLst>
+              <a:ext uri="{FF2B5EF4-FFF2-40B4-BE49-F238E27FC236}">
+                <a16:creationId xmlns:a16="http://schemas.microsoft.com/office/drawing/2014/main" id="{1A5885A9-92A3-2219-248F-8FF8AE55437D}"/>
+              </a:ext>
+            </a:extLst>
+          </p:cNvPr>
+          <p:cNvCxnSpPr>
+            <a:cxnSpLocks/>
+            <a:stCxn id="17" idx="2"/>
+            <a:endCxn id="18" idx="0"/>
+          </p:cNvCxnSpPr>
+          <p:nvPr/>
+        </p:nvCxnSpPr>
+        <p:spPr>
+          <a:xfrm>
+            <a:off x="9464625" y="4336105"/>
+            <a:ext cx="0" cy="553264"/>
+          </a:xfrm>
+          <a:prstGeom prst="straightConnector1">
+            <a:avLst/>
+          </a:prstGeom>
+          <a:ln w="38100">
+            <a:solidFill>
+              <a:schemeClr val="tx1"/>
+            </a:solidFill>
+            <a:prstDash val="solid"/>
+            <a:tailEnd type="triangle"/>
+          </a:ln>
+        </p:spPr>
+        <p:style>
+          <a:lnRef idx="1">
+            <a:schemeClr val="accent1"/>
+          </a:lnRef>
+          <a:fillRef idx="0">
+            <a:schemeClr val="accent1"/>
+          </a:fillRef>
+          <a:effectRef idx="0">
+            <a:schemeClr val="accent1"/>
+          </a:effectRef>
+          <a:fontRef idx="minor">
+            <a:schemeClr val="tx1"/>
+          </a:fontRef>
+        </p:style>
+      </p:cxnSp>
+      <p:sp>
+        <p:nvSpPr>
+          <p:cNvPr id="36" name="TextBox 35">
+            <a:extLst>
+              <a:ext uri="{FF2B5EF4-FFF2-40B4-BE49-F238E27FC236}">
+                <a16:creationId xmlns:a16="http://schemas.microsoft.com/office/drawing/2014/main" id="{0D1466D3-C283-C5CF-874D-19778EA03614}"/>
+              </a:ext>
+            </a:extLst>
+          </p:cNvPr>
+          <p:cNvSpPr txBox="1"/>
+          <p:nvPr/>
+        </p:nvSpPr>
+        <p:spPr>
+          <a:xfrm>
+            <a:off x="2443563" y="809350"/>
+            <a:ext cx="1300612" cy="707886"/>
+          </a:xfrm>
+          <a:prstGeom prst="rect">
+            <a:avLst/>
+          </a:prstGeom>
+          <a:noFill/>
+        </p:spPr>
+        <p:txBody>
+          <a:bodyPr wrap="none" rtlCol="0">
+            <a:spAutoFit/>
+          </a:bodyPr>
+          <a:lstStyle/>
+          <a:p>
+            <a:pPr algn="ctr"/>
+            <a:r>
+              <a:rPr lang="en-GB" sz="2400" b="1">
+                <a:ea typeface="맑은 고딕" panose="020B0503020000020004" pitchFamily="50" charset="-127"/>
+                <a:cs typeface="Microsoft Sans Serif" panose="020B0604020202020204" pitchFamily="34" charset="0"/>
+              </a:rPr>
+              <a:t>DEV</a:t>
+            </a:r>
+          </a:p>
+          <a:p>
+            <a:pPr algn="ctr"/>
+            <a:r>
+              <a:rPr lang="en-GB" sz="1600" b="1">
+                <a:ea typeface="맑은 고딕" panose="020B0503020000020004" pitchFamily="50" charset="-127"/>
+                <a:cs typeface="Microsoft Sans Serif" panose="020B0604020202020204" pitchFamily="34" charset="0"/>
+              </a:rPr>
+              <a:t>dev</a:t>
+            </a:r>
+            <a:r>
+              <a:rPr lang="en-GB" sz="1600">
+                <a:ea typeface="맑은 고딕" panose="020B0503020000020004" pitchFamily="50" charset="-127"/>
+                <a:cs typeface="Microsoft Sans Serif" panose="020B0604020202020204" pitchFamily="34" charset="0"/>
+              </a:rPr>
+              <a:t>elopment</a:t>
+            </a:r>
+          </a:p>
+        </p:txBody>
+      </p:sp>
+      <p:sp>
+        <p:nvSpPr>
+          <p:cNvPr id="37" name="TextBox 36">
+            <a:extLst>
+              <a:ext uri="{FF2B5EF4-FFF2-40B4-BE49-F238E27FC236}">
+                <a16:creationId xmlns:a16="http://schemas.microsoft.com/office/drawing/2014/main" id="{53208A05-DDBF-CCE4-E26A-4C8BCA88D5D4}"/>
+              </a:ext>
+            </a:extLst>
+          </p:cNvPr>
+          <p:cNvSpPr txBox="1"/>
+          <p:nvPr/>
+        </p:nvSpPr>
+        <p:spPr>
+          <a:xfrm>
+            <a:off x="8921720" y="809350"/>
+            <a:ext cx="1085810" cy="707886"/>
+          </a:xfrm>
+          <a:prstGeom prst="rect">
+            <a:avLst/>
+          </a:prstGeom>
+          <a:noFill/>
+        </p:spPr>
+        <p:txBody>
+          <a:bodyPr wrap="none" rtlCol="0">
+            <a:spAutoFit/>
+          </a:bodyPr>
+          <a:lstStyle/>
+          <a:p>
+            <a:pPr algn="ctr"/>
+            <a:r>
+              <a:rPr lang="en-GB" sz="2400" b="1">
+                <a:ea typeface="맑은 고딕" panose="020B0503020000020004" pitchFamily="50" charset="-127"/>
+                <a:cs typeface="Microsoft Sans Serif" panose="020B0604020202020204" pitchFamily="34" charset="0"/>
+              </a:rPr>
+              <a:t>OPS</a:t>
+            </a:r>
+          </a:p>
+          <a:p>
+            <a:pPr algn="ctr"/>
+            <a:r>
+              <a:rPr lang="en-GB" sz="1600" b="1">
+                <a:ea typeface="맑은 고딕" panose="020B0503020000020004" pitchFamily="50" charset="-127"/>
+                <a:cs typeface="Microsoft Sans Serif" panose="020B0604020202020204" pitchFamily="34" charset="0"/>
+              </a:rPr>
+              <a:t>op</a:t>
+            </a:r>
+            <a:r>
+              <a:rPr lang="en-GB" sz="1600">
+                <a:ea typeface="맑은 고딕" panose="020B0503020000020004" pitchFamily="50" charset="-127"/>
+                <a:cs typeface="Microsoft Sans Serif" panose="020B0604020202020204" pitchFamily="34" charset="0"/>
+              </a:rPr>
+              <a:t>eration</a:t>
+            </a:r>
+            <a:r>
+              <a:rPr lang="en-GB" sz="1600" b="1">
+                <a:ea typeface="맑은 고딕" panose="020B0503020000020004" pitchFamily="50" charset="-127"/>
+                <a:cs typeface="Microsoft Sans Serif" panose="020B0604020202020204" pitchFamily="34" charset="0"/>
+              </a:rPr>
+              <a:t>s</a:t>
+            </a:r>
+            <a:endParaRPr lang="en-GB" sz="1200" b="1">
+              <a:ea typeface="맑은 고딕" panose="020B0503020000020004" pitchFamily="50" charset="-127"/>
+              <a:cs typeface="Microsoft Sans Serif" panose="020B0604020202020204" pitchFamily="34" charset="0"/>
+            </a:endParaRPr>
+          </a:p>
+        </p:txBody>
+      </p:sp>
+      <p:sp>
+        <p:nvSpPr>
+          <p:cNvPr id="38" name="TextBox 37">
+            <a:extLst>
+              <a:ext uri="{FF2B5EF4-FFF2-40B4-BE49-F238E27FC236}">
+                <a16:creationId xmlns:a16="http://schemas.microsoft.com/office/drawing/2014/main" id="{9383063A-0333-0B21-6D74-1EF3D75B3C10}"/>
+              </a:ext>
+            </a:extLst>
+          </p:cNvPr>
+          <p:cNvSpPr txBox="1"/>
+          <p:nvPr/>
+        </p:nvSpPr>
+        <p:spPr>
+          <a:xfrm>
+            <a:off x="2104656" y="4436886"/>
+            <a:ext cx="1978427" cy="1843518"/>
+          </a:xfrm>
+          <a:prstGeom prst="rect">
+            <a:avLst/>
+          </a:prstGeom>
+          <a:noFill/>
+        </p:spPr>
+        <p:txBody>
+          <a:bodyPr wrap="none" rtlCol="0">
+            <a:spAutoFit/>
+          </a:bodyPr>
+          <a:lstStyle/>
+          <a:p>
+            <a:pPr marL="179388" indent="-179388">
+              <a:lnSpc>
+                <a:spcPct val="150000"/>
+              </a:lnSpc>
+              <a:buFontTx/>
+              <a:buChar char="-"/>
+            </a:pPr>
+            <a:r>
+              <a:rPr lang="en-GB" sz="1100">
+                <a:solidFill>
+                  <a:srgbClr val="0070C0"/>
+                </a:solidFill>
+                <a:ea typeface="맑은 고딕" panose="020B0503020000020004" pitchFamily="50" charset="-127"/>
+                <a:cs typeface="Microsoft Sans Serif" panose="020B0604020202020204" pitchFamily="34" charset="0"/>
+              </a:rPr>
+              <a:t>Strategic Design</a:t>
+            </a:r>
+          </a:p>
+          <a:p>
+            <a:pPr marL="447675" lvl="1" indent="-180975">
+              <a:lnSpc>
+                <a:spcPct val="150000"/>
+              </a:lnSpc>
+              <a:buFontTx/>
+              <a:buChar char="-"/>
+            </a:pPr>
+            <a:r>
+              <a:rPr lang="en-GB" sz="1100">
+                <a:solidFill>
+                  <a:srgbClr val="0070C0"/>
+                </a:solidFill>
+                <a:ea typeface="맑은 고딕" panose="020B0503020000020004" pitchFamily="50" charset="-127"/>
+                <a:cs typeface="Microsoft Sans Serif" panose="020B0604020202020204" pitchFamily="34" charset="0"/>
+              </a:rPr>
+              <a:t>Sub-Domain</a:t>
+            </a:r>
+          </a:p>
+          <a:p>
+            <a:pPr marL="447675" lvl="1" indent="-180975">
+              <a:lnSpc>
+                <a:spcPct val="150000"/>
+              </a:lnSpc>
+              <a:buFontTx/>
+              <a:buChar char="-"/>
+            </a:pPr>
+            <a:r>
+              <a:rPr lang="en-GB" sz="1100">
+                <a:solidFill>
+                  <a:srgbClr val="0070C0"/>
+                </a:solidFill>
+                <a:ea typeface="맑은 고딕" panose="020B0503020000020004" pitchFamily="50" charset="-127"/>
+                <a:cs typeface="Microsoft Sans Serif" panose="020B0604020202020204" pitchFamily="34" charset="0"/>
+              </a:rPr>
+              <a:t>Bounded Context</a:t>
+            </a:r>
+          </a:p>
+          <a:p>
+            <a:pPr marL="447675" lvl="1" indent="-180975">
+              <a:lnSpc>
+                <a:spcPct val="150000"/>
+              </a:lnSpc>
+              <a:buFontTx/>
+              <a:buChar char="-"/>
+            </a:pPr>
+            <a:r>
+              <a:rPr lang="en-GB" sz="1100">
+                <a:solidFill>
+                  <a:srgbClr val="0070C0"/>
+                </a:solidFill>
+                <a:ea typeface="맑은 고딕" panose="020B0503020000020004" pitchFamily="50" charset="-127"/>
+                <a:cs typeface="Microsoft Sans Serif" panose="020B0604020202020204" pitchFamily="34" charset="0"/>
+              </a:rPr>
+              <a:t>Context Map</a:t>
+            </a:r>
+          </a:p>
+          <a:p>
+            <a:pPr marL="179388" indent="-179388">
+              <a:lnSpc>
+                <a:spcPct val="150000"/>
+              </a:lnSpc>
+              <a:buFontTx/>
+              <a:buChar char="-"/>
+            </a:pPr>
+            <a:r>
+              <a:rPr lang="en-GB" sz="1100">
+                <a:solidFill>
+                  <a:srgbClr val="0070C0"/>
+                </a:solidFill>
+                <a:ea typeface="맑은 고딕" panose="020B0503020000020004" pitchFamily="50" charset="-127"/>
+                <a:cs typeface="Microsoft Sans Serif" panose="020B0604020202020204" pitchFamily="34" charset="0"/>
+              </a:rPr>
+              <a:t>Tactical Design</a:t>
+            </a:r>
+          </a:p>
+          <a:p>
+            <a:pPr marL="447675" lvl="1" indent="-180975">
+              <a:lnSpc>
+                <a:spcPct val="150000"/>
+              </a:lnSpc>
+              <a:buFontTx/>
+              <a:buChar char="-"/>
+            </a:pPr>
+            <a:r>
+              <a:rPr lang="en-GB" sz="1100">
+                <a:solidFill>
+                  <a:srgbClr val="0070C0"/>
+                </a:solidFill>
+                <a:ea typeface="맑은 고딕" panose="020B0503020000020004" pitchFamily="50" charset="-127"/>
+                <a:cs typeface="Microsoft Sans Serif" panose="020B0604020202020204" pitchFamily="34" charset="0"/>
+              </a:rPr>
+              <a:t>Functional Architecture</a:t>
+            </a:r>
+          </a:p>
+          <a:p>
+            <a:pPr marL="447675" lvl="1" indent="-180975">
+              <a:lnSpc>
+                <a:spcPct val="150000"/>
+              </a:lnSpc>
+              <a:buFontTx/>
+              <a:buChar char="-"/>
+            </a:pPr>
+            <a:r>
+              <a:rPr lang="en-GB" sz="1100">
+                <a:solidFill>
+                  <a:srgbClr val="0070C0"/>
+                </a:solidFill>
+                <a:ea typeface="맑은 고딕" panose="020B0503020000020004" pitchFamily="50" charset="-127"/>
+                <a:cs typeface="Microsoft Sans Serif" panose="020B0604020202020204" pitchFamily="34" charset="0"/>
+              </a:rPr>
+              <a:t>Model-Driven Design</a:t>
+            </a:r>
+          </a:p>
+        </p:txBody>
+      </p:sp>
+      <p:sp>
+        <p:nvSpPr>
+          <p:cNvPr id="39" name="TextBox 38">
+            <a:extLst>
+              <a:ext uri="{FF2B5EF4-FFF2-40B4-BE49-F238E27FC236}">
+                <a16:creationId xmlns:a16="http://schemas.microsoft.com/office/drawing/2014/main" id="{6F3AC8F9-7D2E-65CC-64D5-52F33F6FA63D}"/>
+              </a:ext>
+            </a:extLst>
+          </p:cNvPr>
+          <p:cNvSpPr txBox="1"/>
+          <p:nvPr/>
+        </p:nvSpPr>
+        <p:spPr>
+          <a:xfrm>
+            <a:off x="357921" y="1508688"/>
+            <a:ext cx="1380827" cy="1081771"/>
+          </a:xfrm>
+          <a:prstGeom prst="rect">
+            <a:avLst/>
+          </a:prstGeom>
+          <a:noFill/>
+        </p:spPr>
+        <p:txBody>
+          <a:bodyPr wrap="none" rtlCol="0">
+            <a:spAutoFit/>
+          </a:bodyPr>
+          <a:lstStyle/>
+          <a:p>
+            <a:pPr marL="179388" indent="-179388" defTabSz="216000">
+              <a:lnSpc>
+                <a:spcPct val="150000"/>
+              </a:lnSpc>
+              <a:buFontTx/>
+              <a:buChar char="-"/>
+            </a:pPr>
+            <a:r>
+              <a:rPr lang="en-GB" sz="1100">
+                <a:solidFill>
+                  <a:srgbClr val="0070C0"/>
+                </a:solidFill>
+                <a:ea typeface="맑은 고딕" panose="020B0503020000020004" pitchFamily="50" charset="-127"/>
+                <a:cs typeface="Microsoft Sans Serif" panose="020B0604020202020204" pitchFamily="34" charset="0"/>
+              </a:rPr>
+              <a:t>Unit Test</a:t>
+            </a:r>
+          </a:p>
+          <a:p>
+            <a:pPr marL="179388" indent="-179388" defTabSz="216000">
+              <a:lnSpc>
+                <a:spcPct val="150000"/>
+              </a:lnSpc>
+              <a:buFontTx/>
+              <a:buChar char="-"/>
+            </a:pPr>
+            <a:r>
+              <a:rPr lang="en-GB" sz="1100">
+                <a:solidFill>
+                  <a:srgbClr val="0070C0"/>
+                </a:solidFill>
+                <a:ea typeface="맑은 고딕" panose="020B0503020000020004" pitchFamily="50" charset="-127"/>
+                <a:cs typeface="Microsoft Sans Serif" panose="020B0604020202020204" pitchFamily="34" charset="0"/>
+              </a:rPr>
+              <a:t>Integration Test</a:t>
+            </a:r>
+          </a:p>
+          <a:p>
+            <a:pPr marL="179388" indent="-179388" defTabSz="216000">
+              <a:lnSpc>
+                <a:spcPct val="150000"/>
+              </a:lnSpc>
+              <a:buFontTx/>
+              <a:buChar char="-"/>
+            </a:pPr>
+            <a:r>
+              <a:rPr lang="en-GB" sz="1100">
+                <a:solidFill>
+                  <a:srgbClr val="0070C0"/>
+                </a:solidFill>
+                <a:ea typeface="맑은 고딕" panose="020B0503020000020004" pitchFamily="50" charset="-127"/>
+                <a:cs typeface="Microsoft Sans Serif" panose="020B0604020202020204" pitchFamily="34" charset="0"/>
+              </a:rPr>
+              <a:t>Performance Test</a:t>
+            </a:r>
+          </a:p>
+          <a:p>
+            <a:pPr marL="179388" indent="-179388" defTabSz="216000">
+              <a:lnSpc>
+                <a:spcPct val="150000"/>
+              </a:lnSpc>
+              <a:buFontTx/>
+              <a:buChar char="-"/>
+            </a:pPr>
+            <a:r>
+              <a:rPr lang="en-GB" sz="1100">
+                <a:solidFill>
+                  <a:srgbClr val="0070C0"/>
+                </a:solidFill>
+                <a:ea typeface="맑은 고딕" panose="020B0503020000020004" pitchFamily="50" charset="-127"/>
+                <a:cs typeface="Microsoft Sans Serif" panose="020B0604020202020204" pitchFamily="34" charset="0"/>
+              </a:rPr>
+              <a:t>End to End Test</a:t>
+            </a:r>
+          </a:p>
+        </p:txBody>
+      </p:sp>
+      <p:sp>
+        <p:nvSpPr>
+          <p:cNvPr id="45" name="TextBox 44">
+            <a:extLst>
+              <a:ext uri="{FF2B5EF4-FFF2-40B4-BE49-F238E27FC236}">
+                <a16:creationId xmlns:a16="http://schemas.microsoft.com/office/drawing/2014/main" id="{181147A7-7BC8-C193-7673-464C2A88D0E1}"/>
+              </a:ext>
+            </a:extLst>
+          </p:cNvPr>
+          <p:cNvSpPr txBox="1"/>
+          <p:nvPr/>
+        </p:nvSpPr>
+        <p:spPr>
+          <a:xfrm>
+            <a:off x="10834766" y="3392916"/>
+            <a:ext cx="999313" cy="997132"/>
+          </a:xfrm>
+          <a:prstGeom prst="rect">
+            <a:avLst/>
+          </a:prstGeom>
+          <a:noFill/>
+        </p:spPr>
+        <p:txBody>
+          <a:bodyPr wrap="none" rtlCol="0">
+            <a:spAutoFit/>
+          </a:bodyPr>
+          <a:lstStyle/>
+          <a:p>
+            <a:pPr marL="179388" indent="-179388">
+              <a:buFontTx/>
+              <a:buChar char="-"/>
+            </a:pPr>
+            <a:r>
+              <a:rPr lang="en-GB" sz="1100">
+                <a:solidFill>
+                  <a:srgbClr val="0070C0"/>
+                </a:solidFill>
+                <a:ea typeface="맑은 고딕" panose="020B0503020000020004" pitchFamily="50" charset="-127"/>
+                <a:cs typeface="Microsoft Sans Serif" panose="020B0604020202020204" pitchFamily="34" charset="0"/>
+              </a:rPr>
+              <a:t>Logs</a:t>
+            </a:r>
+          </a:p>
+          <a:p>
+            <a:pPr marL="179388" indent="-179388">
+              <a:lnSpc>
+                <a:spcPct val="150000"/>
+              </a:lnSpc>
+              <a:buFontTx/>
+              <a:buChar char="-"/>
+            </a:pPr>
+            <a:r>
+              <a:rPr lang="en-GB" sz="1100">
+                <a:solidFill>
+                  <a:srgbClr val="0070C0"/>
+                </a:solidFill>
+                <a:ea typeface="맑은 고딕" panose="020B0503020000020004" pitchFamily="50" charset="-127"/>
+                <a:cs typeface="Microsoft Sans Serif" panose="020B0604020202020204" pitchFamily="34" charset="0"/>
+              </a:rPr>
+              <a:t>Metrics</a:t>
+            </a:r>
+          </a:p>
+          <a:p>
+            <a:pPr marL="179388" indent="-179388">
+              <a:lnSpc>
+                <a:spcPct val="150000"/>
+              </a:lnSpc>
+              <a:buFontTx/>
+              <a:buChar char="-"/>
+            </a:pPr>
+            <a:r>
+              <a:rPr lang="en-GB" sz="1100">
+                <a:solidFill>
+                  <a:srgbClr val="0070C0"/>
+                </a:solidFill>
+                <a:ea typeface="맑은 고딕" panose="020B0503020000020004" pitchFamily="50" charset="-127"/>
+                <a:cs typeface="Microsoft Sans Serif" panose="020B0604020202020204" pitchFamily="34" charset="0"/>
+              </a:rPr>
+              <a:t>Traces</a:t>
+            </a:r>
+          </a:p>
+          <a:p>
+            <a:pPr marL="179388" indent="-179388">
+              <a:lnSpc>
+                <a:spcPct val="150000"/>
+              </a:lnSpc>
+              <a:buFontTx/>
+              <a:buChar char="-"/>
+            </a:pPr>
+            <a:r>
+              <a:rPr lang="en-GB" sz="1100">
+                <a:solidFill>
+                  <a:srgbClr val="0070C0"/>
+                </a:solidFill>
+                <a:ea typeface="맑은 고딕" panose="020B0503020000020004" pitchFamily="50" charset="-127"/>
+                <a:cs typeface="Microsoft Sans Serif" panose="020B0604020202020204" pitchFamily="34" charset="0"/>
+              </a:rPr>
+              <a:t>Heal Check</a:t>
+            </a:r>
+          </a:p>
+        </p:txBody>
+      </p:sp>
+      <p:sp>
+        <p:nvSpPr>
+          <p:cNvPr id="44" name="TextBox 43">
+            <a:extLst>
+              <a:ext uri="{FF2B5EF4-FFF2-40B4-BE49-F238E27FC236}">
+                <a16:creationId xmlns:a16="http://schemas.microsoft.com/office/drawing/2014/main" id="{E2A632C7-DF7E-052D-57F2-3E16E83C0949}"/>
+              </a:ext>
+            </a:extLst>
+          </p:cNvPr>
+          <p:cNvSpPr txBox="1"/>
+          <p:nvPr/>
+        </p:nvSpPr>
+        <p:spPr>
+          <a:xfrm>
+            <a:off x="8250831" y="5851325"/>
+            <a:ext cx="2427588" cy="573940"/>
+          </a:xfrm>
+          <a:prstGeom prst="rect">
+            <a:avLst/>
+          </a:prstGeom>
+          <a:noFill/>
+        </p:spPr>
+        <p:txBody>
+          <a:bodyPr wrap="none" rtlCol="0">
+            <a:spAutoFit/>
+          </a:bodyPr>
+          <a:lstStyle/>
+          <a:p>
+            <a:pPr marL="179388" indent="-179388">
+              <a:lnSpc>
+                <a:spcPct val="150000"/>
+              </a:lnSpc>
+              <a:buFontTx/>
+              <a:buChar char="-"/>
+            </a:pPr>
+            <a:r>
+              <a:rPr lang="en-GB" sz="1100">
+                <a:solidFill>
+                  <a:srgbClr val="0070C0"/>
+                </a:solidFill>
+                <a:ea typeface="맑은 고딕" panose="020B0503020000020004" pitchFamily="50" charset="-127"/>
+                <a:cs typeface="Microsoft Sans Serif" panose="020B0604020202020204" pitchFamily="34" charset="0"/>
+              </a:rPr>
+              <a:t>ADR(Architecture Decision Record)</a:t>
+            </a:r>
+          </a:p>
+          <a:p>
+            <a:pPr marL="179388" indent="-179388">
+              <a:lnSpc>
+                <a:spcPct val="150000"/>
+              </a:lnSpc>
+              <a:buFontTx/>
+              <a:buChar char="-"/>
+            </a:pPr>
+            <a:r>
+              <a:rPr lang="en-GB" sz="1100">
+                <a:solidFill>
+                  <a:srgbClr val="0070C0"/>
+                </a:solidFill>
+                <a:ea typeface="맑은 고딕" panose="020B0503020000020004" pitchFamily="50" charset="-127"/>
+                <a:cs typeface="Microsoft Sans Serif" panose="020B0604020202020204" pitchFamily="34" charset="0"/>
+              </a:rPr>
+              <a:t>SOP(Standard Operating Procedure)</a:t>
+            </a:r>
+          </a:p>
+        </p:txBody>
+      </p:sp>
+      <p:sp>
+        <p:nvSpPr>
+          <p:cNvPr id="72" name="TextBox 71">
+            <a:extLst>
+              <a:ext uri="{FF2B5EF4-FFF2-40B4-BE49-F238E27FC236}">
+                <a16:creationId xmlns:a16="http://schemas.microsoft.com/office/drawing/2014/main" id="{7E1E25CE-F2B4-21E7-33D3-D38C91CA4C14}"/>
+              </a:ext>
+            </a:extLst>
+          </p:cNvPr>
+          <p:cNvSpPr txBox="1"/>
+          <p:nvPr/>
+        </p:nvSpPr>
+        <p:spPr>
+          <a:xfrm>
+            <a:off x="2182401" y="305255"/>
+            <a:ext cx="1822935" cy="369332"/>
+          </a:xfrm>
+          <a:prstGeom prst="rect">
+            <a:avLst/>
+          </a:prstGeom>
+          <a:noFill/>
+        </p:spPr>
+        <p:txBody>
+          <a:bodyPr wrap="none" rtlCol="0">
+            <a:spAutoFit/>
+          </a:bodyPr>
+          <a:lstStyle/>
+          <a:p>
+            <a:r>
+              <a:rPr lang="en-GB" b="1">
+                <a:solidFill>
+                  <a:srgbClr val="C00000"/>
+                </a:solidFill>
+              </a:rPr>
+              <a:t>Sustainable</a:t>
+            </a:r>
+            <a:r>
+              <a:rPr lang="en-GB" b="1">
+                <a:solidFill>
+                  <a:schemeClr val="bg1">
+                    <a:lumMod val="50000"/>
+                  </a:schemeClr>
+                </a:solidFill>
+              </a:rPr>
+              <a:t> Code</a:t>
+            </a:r>
+          </a:p>
+        </p:txBody>
+      </p:sp>
+      <p:sp>
+        <p:nvSpPr>
+          <p:cNvPr id="73" name="TextBox 72">
+            <a:extLst>
+              <a:ext uri="{FF2B5EF4-FFF2-40B4-BE49-F238E27FC236}">
+                <a16:creationId xmlns:a16="http://schemas.microsoft.com/office/drawing/2014/main" id="{9693B041-04EB-3EA6-706F-089FB002C35E}"/>
+              </a:ext>
+            </a:extLst>
+          </p:cNvPr>
+          <p:cNvSpPr txBox="1"/>
+          <p:nvPr/>
+        </p:nvSpPr>
+        <p:spPr>
+          <a:xfrm>
+            <a:off x="8538057" y="305255"/>
+            <a:ext cx="1853136" cy="369332"/>
+          </a:xfrm>
+          <a:prstGeom prst="rect">
+            <a:avLst/>
+          </a:prstGeom>
+          <a:noFill/>
+        </p:spPr>
+        <p:txBody>
+          <a:bodyPr wrap="none" rtlCol="0">
+            <a:spAutoFit/>
+          </a:bodyPr>
+          <a:lstStyle/>
+          <a:p>
+            <a:r>
+              <a:rPr lang="en-GB" b="1">
+                <a:solidFill>
+                  <a:srgbClr val="C00000"/>
+                </a:solidFill>
+              </a:rPr>
+              <a:t>Measurable</a:t>
+            </a:r>
+            <a:r>
+              <a:rPr lang="en-GB" b="1">
+                <a:solidFill>
+                  <a:schemeClr val="bg1">
+                    <a:lumMod val="50000"/>
+                  </a:schemeClr>
+                </a:solidFill>
+              </a:rPr>
+              <a:t> Code</a:t>
+            </a:r>
+          </a:p>
+        </p:txBody>
+      </p:sp>
+      <p:grpSp>
+        <p:nvGrpSpPr>
+          <p:cNvPr id="86" name="그룹 85">
+            <a:extLst>
+              <a:ext uri="{FF2B5EF4-FFF2-40B4-BE49-F238E27FC236}">
+                <a16:creationId xmlns:a16="http://schemas.microsoft.com/office/drawing/2014/main" id="{456AB9AE-7823-03A9-A324-554DB18C69C1}"/>
+              </a:ext>
+            </a:extLst>
+          </p:cNvPr>
+          <p:cNvGrpSpPr/>
+          <p:nvPr/>
+        </p:nvGrpSpPr>
+        <p:grpSpPr>
+          <a:xfrm>
+            <a:off x="4690177" y="233736"/>
+            <a:ext cx="3178140" cy="6390528"/>
+            <a:chOff x="4540685" y="308229"/>
+            <a:chExt cx="3178140" cy="6072582"/>
+          </a:xfrm>
+        </p:grpSpPr>
+        <p:cxnSp>
+          <p:nvCxnSpPr>
+            <p:cNvPr id="48" name="직선 연결선 47">
+              <a:extLst>
+                <a:ext uri="{FF2B5EF4-FFF2-40B4-BE49-F238E27FC236}">
+                  <a16:creationId xmlns:a16="http://schemas.microsoft.com/office/drawing/2014/main" id="{2FB53412-684A-8C72-6E67-9F867DD0F3BA}"/>
+                </a:ext>
+              </a:extLst>
+            </p:cNvPr>
+            <p:cNvCxnSpPr>
+              <a:cxnSpLocks/>
+            </p:cNvCxnSpPr>
+            <p:nvPr/>
+          </p:nvCxnSpPr>
+          <p:spPr>
+            <a:xfrm>
+              <a:off x="4540685" y="308229"/>
+              <a:ext cx="0" cy="6072582"/>
+            </a:xfrm>
+            <a:prstGeom prst="line">
+              <a:avLst/>
+            </a:prstGeom>
+            <a:ln w="9525">
+              <a:solidFill>
+                <a:schemeClr val="bg1">
+                  <a:lumMod val="65000"/>
+                </a:schemeClr>
+              </a:solidFill>
+              <a:prstDash val="dash"/>
+            </a:ln>
+          </p:spPr>
+          <p:style>
+            <a:lnRef idx="1">
+              <a:schemeClr val="accent1"/>
+            </a:lnRef>
+            <a:fillRef idx="0">
+              <a:schemeClr val="accent1"/>
+            </a:fillRef>
+            <a:effectRef idx="0">
+              <a:schemeClr val="accent1"/>
+            </a:effectRef>
+            <a:fontRef idx="minor">
+              <a:schemeClr val="tx1"/>
+            </a:fontRef>
+          </p:style>
+        </p:cxnSp>
+        <p:cxnSp>
+          <p:nvCxnSpPr>
+            <p:cNvPr id="51" name="직선 연결선 50">
+              <a:extLst>
+                <a:ext uri="{FF2B5EF4-FFF2-40B4-BE49-F238E27FC236}">
+                  <a16:creationId xmlns:a16="http://schemas.microsoft.com/office/drawing/2014/main" id="{98D023A0-D19E-B701-3302-4B647589D5B1}"/>
+                </a:ext>
+              </a:extLst>
+            </p:cNvPr>
+            <p:cNvCxnSpPr>
+              <a:cxnSpLocks/>
+            </p:cNvCxnSpPr>
+            <p:nvPr/>
+          </p:nvCxnSpPr>
+          <p:spPr>
+            <a:xfrm>
+              <a:off x="7718825" y="308229"/>
+              <a:ext cx="0" cy="6072582"/>
+            </a:xfrm>
+            <a:prstGeom prst="line">
+              <a:avLst/>
+            </a:prstGeom>
+            <a:ln w="9525">
+              <a:solidFill>
+                <a:schemeClr val="bg1">
+                  <a:lumMod val="65000"/>
+                </a:schemeClr>
+              </a:solidFill>
+              <a:prstDash val="dash"/>
+            </a:ln>
+          </p:spPr>
+          <p:style>
+            <a:lnRef idx="1">
+              <a:schemeClr val="accent1"/>
+            </a:lnRef>
+            <a:fillRef idx="0">
+              <a:schemeClr val="accent1"/>
+            </a:fillRef>
+            <a:effectRef idx="0">
+              <a:schemeClr val="accent1"/>
+            </a:effectRef>
+            <a:fontRef idx="minor">
+              <a:schemeClr val="tx1"/>
+            </a:fontRef>
+          </p:style>
+        </p:cxnSp>
+      </p:grpSp>
+      <p:sp>
+        <p:nvSpPr>
+          <p:cNvPr id="74" name="TextBox 73">
+            <a:extLst>
+              <a:ext uri="{FF2B5EF4-FFF2-40B4-BE49-F238E27FC236}">
+                <a16:creationId xmlns:a16="http://schemas.microsoft.com/office/drawing/2014/main" id="{A93A0ACB-0770-517A-0396-02B332A8CA00}"/>
+              </a:ext>
+            </a:extLst>
+          </p:cNvPr>
+          <p:cNvSpPr txBox="1"/>
+          <p:nvPr/>
+        </p:nvSpPr>
+        <p:spPr>
+          <a:xfrm>
+            <a:off x="4929229" y="305255"/>
+            <a:ext cx="2700035" cy="369332"/>
+          </a:xfrm>
+          <a:prstGeom prst="rect">
+            <a:avLst/>
+          </a:prstGeom>
+          <a:noFill/>
+        </p:spPr>
+        <p:txBody>
+          <a:bodyPr wrap="none" rtlCol="0">
+            <a:spAutoFit/>
+          </a:bodyPr>
+          <a:lstStyle/>
+          <a:p>
+            <a:r>
+              <a:rPr lang="en-GB" b="1">
+                <a:solidFill>
+                  <a:schemeClr val="bg1">
+                    <a:lumMod val="50000"/>
+                  </a:schemeClr>
+                </a:solidFill>
+              </a:rPr>
+              <a:t>Infrastructure </a:t>
+            </a:r>
+            <a:r>
+              <a:rPr lang="en-GB" b="1">
+                <a:solidFill>
+                  <a:srgbClr val="C00000"/>
+                </a:solidFill>
+              </a:rPr>
+              <a:t>Automation</a:t>
+            </a:r>
+          </a:p>
+        </p:txBody>
+      </p:sp>
+      <p:sp>
+        <p:nvSpPr>
+          <p:cNvPr id="77" name="TextBox 76">
+            <a:extLst>
+              <a:ext uri="{FF2B5EF4-FFF2-40B4-BE49-F238E27FC236}">
+                <a16:creationId xmlns:a16="http://schemas.microsoft.com/office/drawing/2014/main" id="{30C6DC1C-BEBF-B75D-D278-C8370C9FD0E7}"/>
+              </a:ext>
+            </a:extLst>
+          </p:cNvPr>
+          <p:cNvSpPr txBox="1"/>
+          <p:nvPr/>
+        </p:nvSpPr>
+        <p:spPr>
+          <a:xfrm>
+            <a:off x="5244636" y="1646658"/>
+            <a:ext cx="2069221" cy="338554"/>
+          </a:xfrm>
+          <a:prstGeom prst="rect">
+            <a:avLst/>
+          </a:prstGeom>
+          <a:noFill/>
+        </p:spPr>
+        <p:txBody>
+          <a:bodyPr wrap="none" rtlCol="0">
+            <a:spAutoFit/>
+          </a:bodyPr>
+          <a:lstStyle/>
+          <a:p>
+            <a:r>
+              <a:rPr lang="en-GB" sz="1600" b="1">
+                <a:solidFill>
+                  <a:srgbClr val="0070C0"/>
+                </a:solidFill>
+                <a:ea typeface="맑은 고딕" panose="020B0503020000020004" pitchFamily="50" charset="-127"/>
+                <a:cs typeface="Microsoft Sans Serif" panose="020B0604020202020204" pitchFamily="34" charset="0"/>
+              </a:rPr>
+              <a:t>Infrastructure as Code</a:t>
+            </a:r>
+          </a:p>
+        </p:txBody>
+      </p:sp>
+      <p:sp>
+        <p:nvSpPr>
+          <p:cNvPr id="3" name="TextBox 2">
+            <a:extLst>
+              <a:ext uri="{FF2B5EF4-FFF2-40B4-BE49-F238E27FC236}">
+                <a16:creationId xmlns:a16="http://schemas.microsoft.com/office/drawing/2014/main" id="{6901569D-FC55-F28B-EF79-C086D4742EF2}"/>
+              </a:ext>
+            </a:extLst>
+          </p:cNvPr>
+          <p:cNvSpPr txBox="1"/>
+          <p:nvPr/>
+        </p:nvSpPr>
+        <p:spPr>
+          <a:xfrm>
+            <a:off x="5770326" y="4295009"/>
+            <a:ext cx="1017843" cy="307777"/>
+          </a:xfrm>
+          <a:prstGeom prst="rect">
+            <a:avLst/>
+          </a:prstGeom>
+          <a:noFill/>
+        </p:spPr>
+        <p:txBody>
+          <a:bodyPr wrap="none" rtlCol="0">
+            <a:spAutoFit/>
+          </a:bodyPr>
+          <a:lstStyle/>
+          <a:p>
+            <a:r>
+              <a:rPr lang="en-GB" sz="1400" i="1">
+                <a:solidFill>
+                  <a:srgbClr val="C00000"/>
+                </a:solidFill>
+              </a:rPr>
+              <a:t>Refactoring</a:t>
+            </a:r>
+          </a:p>
+        </p:txBody>
+      </p:sp>
+    </p:spTree>
+    <p:extLst>
+      <p:ext uri="{BB962C8B-B14F-4D97-AF65-F5344CB8AC3E}">
+        <p14:creationId xmlns:p14="http://schemas.microsoft.com/office/powerpoint/2010/main" val="1654582629"/>
+      </p:ext>
+    </p:extLst>
+  </p:cSld>
+  <p:clrMapOvr>
+    <a:masterClrMapping/>
+  </p:clrMapOvr>
+</p:sld>
+</file>
+
+<file path=ppt/slides/slide4.xml><?xml version="1.0" encoding="utf-8"?>
 <p:sld xmlns:a="http://schemas.openxmlformats.org/drawingml/2006/main" xmlns:r="http://schemas.openxmlformats.org/officeDocument/2006/relationships" xmlns:p="http://schemas.openxmlformats.org/presentationml/2006/main">
   <p:cSld>
     <p:spTree>
@@ -7549,7 +9517,7 @@
 </p:sld>
 </file>
 
-<file path=ppt/slides/slide4.xml><?xml version="1.0" encoding="utf-8"?>
+<file path=ppt/slides/slide5.xml><?xml version="1.0" encoding="utf-8"?>
 <p:sld xmlns:a="http://schemas.openxmlformats.org/drawingml/2006/main" xmlns:r="http://schemas.openxmlformats.org/officeDocument/2006/relationships" xmlns:p="http://schemas.openxmlformats.org/presentationml/2006/main">
   <p:cSld>
     <p:spTree>
@@ -8568,7 +10536,7 @@
 </p:sld>
 </file>
 
-<file path=ppt/slides/slide5.xml><?xml version="1.0" encoding="utf-8"?>
+<file path=ppt/slides/slide6.xml><?xml version="1.0" encoding="utf-8"?>
 <p:sld xmlns:a="http://schemas.openxmlformats.org/drawingml/2006/main" xmlns:r="http://schemas.openxmlformats.org/officeDocument/2006/relationships" xmlns:p="http://schemas.openxmlformats.org/presentationml/2006/main">
   <p:cSld>
     <p:spTree>

--- a/README.pptx
+++ b/README.pptx
@@ -5,15 +5,18 @@
     <p:sldMasterId id="2147483648" r:id="rId1"/>
   </p:sldMasterIdLst>
   <p:notesMasterIdLst>
-    <p:notesMasterId r:id="rId8"/>
+    <p:notesMasterId r:id="rId11"/>
   </p:notesMasterIdLst>
   <p:sldIdLst>
     <p:sldId id="256" r:id="rId2"/>
     <p:sldId id="470" r:id="rId3"/>
     <p:sldId id="475" r:id="rId4"/>
     <p:sldId id="473" r:id="rId5"/>
-    <p:sldId id="474" r:id="rId6"/>
-    <p:sldId id="471" r:id="rId7"/>
+    <p:sldId id="477" r:id="rId6"/>
+    <p:sldId id="478" r:id="rId7"/>
+    <p:sldId id="476" r:id="rId8"/>
+    <p:sldId id="474" r:id="rId9"/>
+    <p:sldId id="471" r:id="rId10"/>
   </p:sldIdLst>
   <p:sldSz cx="12192000" cy="6858000"/>
   <p:notesSz cx="6858000" cy="9144000"/>
@@ -121,6 +124,9 @@
             <p14:sldId id="470"/>
             <p14:sldId id="475"/>
             <p14:sldId id="473"/>
+            <p14:sldId id="477"/>
+            <p14:sldId id="478"/>
+            <p14:sldId id="476"/>
             <p14:sldId id="474"/>
             <p14:sldId id="471"/>
           </p14:sldIdLst>
@@ -7635,7 +7641,7 @@
         </p:nvSpPr>
         <p:spPr>
           <a:xfrm>
-            <a:off x="0" y="1614890"/>
+            <a:off x="0" y="1429958"/>
             <a:ext cx="12192000" cy="2300496"/>
           </a:xfrm>
           <a:prstGeom prst="rect">
@@ -7858,8 +7864,8 @@
         </p:nvSpPr>
         <p:spPr>
           <a:xfrm>
-            <a:off x="0" y="5129363"/>
-            <a:ext cx="12192000" cy="1520582"/>
+            <a:off x="0" y="4784670"/>
+            <a:ext cx="12192000" cy="1865275"/>
           </a:xfrm>
           <a:prstGeom prst="rect">
             <a:avLst/>
@@ -7912,7 +7918,7 @@
         </p:nvSpPr>
         <p:spPr>
           <a:xfrm>
-            <a:off x="5392641" y="2053362"/>
+            <a:off x="5392641" y="1868430"/>
             <a:ext cx="1836785" cy="369332"/>
           </a:xfrm>
           <a:prstGeom prst="rect">
@@ -7947,7 +7953,7 @@
         </p:nvSpPr>
         <p:spPr>
           <a:xfrm>
-            <a:off x="5561629" y="3107580"/>
+            <a:off x="5561629" y="2922648"/>
             <a:ext cx="1498808" cy="369332"/>
           </a:xfrm>
           <a:prstGeom prst="rect">
@@ -7982,7 +7988,7 @@
         </p:nvSpPr>
         <p:spPr>
           <a:xfrm>
-            <a:off x="5549863" y="5704987"/>
+            <a:off x="5549863" y="5697362"/>
             <a:ext cx="1522340" cy="369332"/>
           </a:xfrm>
           <a:prstGeom prst="rect">
@@ -8021,8 +8027,8 @@
         </p:nvCxnSpPr>
         <p:spPr>
           <a:xfrm flipV="1">
-            <a:off x="2032916" y="2716784"/>
-            <a:ext cx="343293" cy="1670197"/>
+            <a:off x="2032916" y="2531852"/>
+            <a:ext cx="343293" cy="1590316"/>
           </a:xfrm>
           <a:prstGeom prst="curvedConnector3">
             <a:avLst>
@@ -8066,8 +8072,8 @@
         </p:nvCxnSpPr>
         <p:spPr>
           <a:xfrm>
-            <a:off x="2032916" y="4386981"/>
-            <a:ext cx="343293" cy="1502672"/>
+            <a:off x="2032916" y="4122168"/>
+            <a:ext cx="343293" cy="1759860"/>
           </a:xfrm>
           <a:prstGeom prst="curvedConnector3">
             <a:avLst>
@@ -8111,8 +8117,8 @@
         </p:nvCxnSpPr>
         <p:spPr>
           <a:xfrm rot="10800000">
-            <a:off x="10192513" y="2716785"/>
-            <a:ext cx="343293" cy="1805591"/>
+            <a:off x="10192513" y="2531852"/>
+            <a:ext cx="343293" cy="1725710"/>
           </a:xfrm>
           <a:prstGeom prst="curvedConnector3">
             <a:avLst>
@@ -8159,8 +8165,8 @@
         </p:nvCxnSpPr>
         <p:spPr>
           <a:xfrm rot="10800000" flipV="1">
-            <a:off x="10192513" y="4522375"/>
-            <a:ext cx="343293" cy="1367278"/>
+            <a:off x="10192513" y="4257562"/>
+            <a:ext cx="343293" cy="1624466"/>
           </a:xfrm>
           <a:prstGeom prst="curvedConnector3">
             <a:avLst>
@@ -8207,7 +8213,7 @@
         </p:nvCxnSpPr>
         <p:spPr>
           <a:xfrm flipV="1">
-            <a:off x="3594836" y="2238028"/>
+            <a:off x="3594836" y="2053096"/>
             <a:ext cx="391535" cy="478756"/>
           </a:xfrm>
           <a:prstGeom prst="curvedConnector3">
@@ -8252,8 +8258,8 @@
         </p:nvCxnSpPr>
         <p:spPr>
           <a:xfrm>
-            <a:off x="3594836" y="2716784"/>
-            <a:ext cx="343293" cy="575462"/>
+            <a:off x="3594836" y="2531852"/>
+            <a:ext cx="391535" cy="575462"/>
           </a:xfrm>
           <a:prstGeom prst="curvedConnector3">
             <a:avLst>
@@ -8293,8 +8299,8 @@
         </p:nvSpPr>
         <p:spPr>
           <a:xfrm>
-            <a:off x="4108861" y="3122969"/>
-            <a:ext cx="877163" cy="338554"/>
+            <a:off x="4129050" y="2938037"/>
+            <a:ext cx="933269" cy="338554"/>
           </a:xfrm>
           <a:prstGeom prst="rect">
             <a:avLst/>
@@ -8313,8 +8319,21 @@
                   <a:srgbClr val="0070C0"/>
                 </a:solidFill>
               </a:rPr>
-              <a:t>Biz. Unit</a:t>
-            </a:r>
+              <a:t>Biz. </a:t>
+            </a:r>
+            <a:r>
+              <a:rPr lang="ko-KR" altLang="en-US" sz="1600">
+                <a:solidFill>
+                  <a:srgbClr val="0070C0"/>
+                </a:solidFill>
+              </a:rPr>
+              <a:t>단위</a:t>
+            </a:r>
+            <a:endParaRPr lang="en-GB" sz="1600">
+              <a:solidFill>
+                <a:srgbClr val="0070C0"/>
+              </a:solidFill>
+            </a:endParaRPr>
           </a:p>
         </p:txBody>
       </p:sp>
@@ -8332,7 +8351,7 @@
         </p:nvSpPr>
         <p:spPr>
           <a:xfrm>
-            <a:off x="3938129" y="3012276"/>
+            <a:off x="3986371" y="2827344"/>
             <a:ext cx="1218627" cy="559940"/>
           </a:xfrm>
           <a:prstGeom prst="rect">
@@ -8385,8 +8404,8 @@
         </p:nvSpPr>
         <p:spPr>
           <a:xfrm>
-            <a:off x="4135879" y="2068751"/>
-            <a:ext cx="919611" cy="338554"/>
+            <a:off x="4129050" y="1883819"/>
+            <a:ext cx="933269" cy="338554"/>
           </a:xfrm>
           <a:prstGeom prst="rect">
             <a:avLst/>
@@ -8405,8 +8424,21 @@
                   <a:srgbClr val="0070C0"/>
                 </a:solidFill>
               </a:rPr>
-              <a:t>Biz. Flow</a:t>
-            </a:r>
+              <a:t>Biz. </a:t>
+            </a:r>
+            <a:r>
+              <a:rPr lang="ko-KR" altLang="en-US" sz="1600">
+                <a:solidFill>
+                  <a:srgbClr val="0070C0"/>
+                </a:solidFill>
+              </a:rPr>
+              <a:t>흐름</a:t>
+            </a:r>
+            <a:endParaRPr lang="en-GB" sz="1600">
+              <a:solidFill>
+                <a:srgbClr val="0070C0"/>
+              </a:solidFill>
+            </a:endParaRPr>
           </a:p>
         </p:txBody>
       </p:sp>
@@ -8424,7 +8456,7 @@
         </p:nvSpPr>
         <p:spPr>
           <a:xfrm>
-            <a:off x="3986371" y="1958058"/>
+            <a:off x="3986371" y="1773126"/>
             <a:ext cx="1218627" cy="559940"/>
           </a:xfrm>
           <a:prstGeom prst="rect">
@@ -8477,7 +8509,7 @@
         </p:nvSpPr>
         <p:spPr>
           <a:xfrm>
-            <a:off x="2729683" y="2532118"/>
+            <a:off x="2729683" y="2347186"/>
             <a:ext cx="511679" cy="369332"/>
           </a:xfrm>
           <a:prstGeom prst="rect">
@@ -8516,7 +8548,7 @@
         </p:nvSpPr>
         <p:spPr>
           <a:xfrm>
-            <a:off x="2376209" y="2436814"/>
+            <a:off x="2376209" y="2251882"/>
             <a:ext cx="1218627" cy="559940"/>
           </a:xfrm>
           <a:prstGeom prst="rect">
@@ -8555,98 +8587,6 @@
           </a:p>
         </p:txBody>
       </p:sp>
-      <p:sp>
-        <p:nvSpPr>
-          <p:cNvPr id="11" name="TextBox 10">
-            <a:extLst>
-              <a:ext uri="{FF2B5EF4-FFF2-40B4-BE49-F238E27FC236}">
-                <a16:creationId xmlns:a16="http://schemas.microsoft.com/office/drawing/2014/main" id="{DFFD47CB-894C-35B8-03F0-8C2A7735A972}"/>
-              </a:ext>
-            </a:extLst>
-          </p:cNvPr>
-          <p:cNvSpPr txBox="1"/>
-          <p:nvPr/>
-        </p:nvSpPr>
-        <p:spPr>
-          <a:xfrm>
-            <a:off x="2650975" y="5704987"/>
-            <a:ext cx="669094" cy="369332"/>
-          </a:xfrm>
-          <a:prstGeom prst="rect">
-            <a:avLst/>
-          </a:prstGeom>
-          <a:noFill/>
-        </p:spPr>
-        <p:txBody>
-          <a:bodyPr wrap="none" rtlCol="0">
-            <a:spAutoFit/>
-          </a:bodyPr>
-          <a:lstStyle/>
-          <a:p>
-            <a:r>
-              <a:rPr lang="en-GB">
-                <a:solidFill>
-                  <a:srgbClr val="0070C0"/>
-                </a:solidFill>
-              </a:rPr>
-              <a:t>Tech.</a:t>
-            </a:r>
-          </a:p>
-        </p:txBody>
-      </p:sp>
-      <p:sp>
-        <p:nvSpPr>
-          <p:cNvPr id="58" name="직사각형 57">
-            <a:extLst>
-              <a:ext uri="{FF2B5EF4-FFF2-40B4-BE49-F238E27FC236}">
-                <a16:creationId xmlns:a16="http://schemas.microsoft.com/office/drawing/2014/main" id="{270943C8-142D-C0B1-DFAB-FBEC4333CDC3}"/>
-              </a:ext>
-            </a:extLst>
-          </p:cNvPr>
-          <p:cNvSpPr/>
-          <p:nvPr/>
-        </p:nvSpPr>
-        <p:spPr>
-          <a:xfrm>
-            <a:off x="2376209" y="5609683"/>
-            <a:ext cx="1218627" cy="559940"/>
-          </a:xfrm>
-          <a:prstGeom prst="rect">
-            <a:avLst/>
-          </a:prstGeom>
-          <a:noFill/>
-          <a:ln w="3175">
-            <a:solidFill>
-              <a:srgbClr val="0070C0"/>
-            </a:solidFill>
-            <a:prstDash val="sysDash"/>
-          </a:ln>
-        </p:spPr>
-        <p:style>
-          <a:lnRef idx="2">
-            <a:schemeClr val="accent1">
-              <a:shade val="15000"/>
-            </a:schemeClr>
-          </a:lnRef>
-          <a:fillRef idx="1">
-            <a:schemeClr val="accent1"/>
-          </a:fillRef>
-          <a:effectRef idx="0">
-            <a:schemeClr val="accent1"/>
-          </a:effectRef>
-          <a:fontRef idx="minor">
-            <a:schemeClr val="lt1"/>
-          </a:fontRef>
-        </p:style>
-        <p:txBody>
-          <a:bodyPr rtlCol="0" anchor="ctr"/>
-          <a:lstStyle/>
-          <a:p>
-            <a:pPr algn="ctr"/>
-            <a:endParaRPr lang="en-GB"/>
-          </a:p>
-        </p:txBody>
-      </p:sp>
       <p:cxnSp>
         <p:nvCxnSpPr>
           <p:cNvPr id="46" name="연결선: 구부러짐 45">
@@ -8665,8 +8605,8 @@
         </p:nvCxnSpPr>
         <p:spPr>
           <a:xfrm rot="10800000">
-            <a:off x="8635697" y="2238028"/>
-            <a:ext cx="338189" cy="478756"/>
+            <a:off x="8632565" y="2053096"/>
+            <a:ext cx="341321" cy="478756"/>
           </a:xfrm>
           <a:prstGeom prst="curvedConnector3">
             <a:avLst>
@@ -8713,8 +8653,8 @@
         </p:nvCxnSpPr>
         <p:spPr>
           <a:xfrm rot="10800000" flipV="1">
-            <a:off x="8629431" y="2716784"/>
-            <a:ext cx="344454" cy="575462"/>
+            <a:off x="8632565" y="2531852"/>
+            <a:ext cx="341321" cy="575462"/>
           </a:xfrm>
           <a:prstGeom prst="curvedConnector3">
             <a:avLst>
@@ -8757,8 +8697,8 @@
         </p:nvSpPr>
         <p:spPr>
           <a:xfrm>
-            <a:off x="7581536" y="3122969"/>
-            <a:ext cx="877163" cy="338554"/>
+            <a:off x="7556616" y="2938037"/>
+            <a:ext cx="933269" cy="338554"/>
           </a:xfrm>
           <a:prstGeom prst="rect">
             <a:avLst/>
@@ -8777,8 +8717,21 @@
                   <a:srgbClr val="C00000"/>
                 </a:solidFill>
               </a:rPr>
-              <a:t>Biz. Unit</a:t>
-            </a:r>
+              <a:t>Biz. </a:t>
+            </a:r>
+            <a:r>
+              <a:rPr lang="ko-KR" altLang="en-US" sz="1600">
+                <a:solidFill>
+                  <a:srgbClr val="C00000"/>
+                </a:solidFill>
+              </a:rPr>
+              <a:t>단위</a:t>
+            </a:r>
+            <a:endParaRPr lang="en-GB" sz="1600">
+              <a:solidFill>
+                <a:srgbClr val="C00000"/>
+              </a:solidFill>
+            </a:endParaRPr>
           </a:p>
         </p:txBody>
       </p:sp>
@@ -8796,7 +8749,7 @@
         </p:nvSpPr>
         <p:spPr>
           <a:xfrm>
-            <a:off x="7410804" y="3012276"/>
+            <a:off x="7413937" y="2827344"/>
             <a:ext cx="1218627" cy="559940"/>
           </a:xfrm>
           <a:prstGeom prst="rect">
@@ -8849,8 +8802,8 @@
         </p:nvSpPr>
         <p:spPr>
           <a:xfrm>
-            <a:off x="7566577" y="2068751"/>
-            <a:ext cx="919611" cy="338554"/>
+            <a:off x="7556616" y="1883819"/>
+            <a:ext cx="933269" cy="338554"/>
           </a:xfrm>
           <a:prstGeom prst="rect">
             <a:avLst/>
@@ -8869,8 +8822,21 @@
                   <a:srgbClr val="C00000"/>
                 </a:solidFill>
               </a:rPr>
-              <a:t>Biz. Flow</a:t>
-            </a:r>
+              <a:t>Biz. </a:t>
+            </a:r>
+            <a:r>
+              <a:rPr lang="ko-KR" altLang="en-US" sz="1600">
+                <a:solidFill>
+                  <a:srgbClr val="C00000"/>
+                </a:solidFill>
+              </a:rPr>
+              <a:t>흐름</a:t>
+            </a:r>
+            <a:endParaRPr lang="en-GB" sz="1600">
+              <a:solidFill>
+                <a:srgbClr val="C00000"/>
+              </a:solidFill>
+            </a:endParaRPr>
           </a:p>
         </p:txBody>
       </p:sp>
@@ -8888,7 +8854,7 @@
         </p:nvSpPr>
         <p:spPr>
           <a:xfrm>
-            <a:off x="7417069" y="1958058"/>
+            <a:off x="7413937" y="1773126"/>
             <a:ext cx="1218627" cy="559940"/>
           </a:xfrm>
           <a:prstGeom prst="rect">
@@ -8941,7 +8907,7 @@
         </p:nvSpPr>
         <p:spPr>
           <a:xfrm>
-            <a:off x="9327359" y="2532118"/>
+            <a:off x="9327359" y="2347186"/>
             <a:ext cx="511679" cy="369332"/>
           </a:xfrm>
           <a:prstGeom prst="rect">
@@ -8980,7 +8946,7 @@
         </p:nvSpPr>
         <p:spPr>
           <a:xfrm>
-            <a:off x="8973885" y="2436814"/>
+            <a:off x="8973885" y="2251882"/>
             <a:ext cx="1218627" cy="559940"/>
           </a:xfrm>
           <a:prstGeom prst="rect">
@@ -9019,98 +8985,119 @@
           </a:p>
         </p:txBody>
       </p:sp>
-      <p:sp>
-        <p:nvSpPr>
-          <p:cNvPr id="86" name="TextBox 85">
-            <a:extLst>
-              <a:ext uri="{FF2B5EF4-FFF2-40B4-BE49-F238E27FC236}">
-                <a16:creationId xmlns:a16="http://schemas.microsoft.com/office/drawing/2014/main" id="{04F4BBD7-B88C-7736-A925-CAE6CB65F1CA}"/>
-              </a:ext>
-            </a:extLst>
-          </p:cNvPr>
-          <p:cNvSpPr txBox="1"/>
-          <p:nvPr/>
-        </p:nvSpPr>
-        <p:spPr>
-          <a:xfrm>
-            <a:off x="9248651" y="5704987"/>
-            <a:ext cx="669094" cy="369332"/>
-          </a:xfrm>
-          <a:prstGeom prst="rect">
-            <a:avLst/>
-          </a:prstGeom>
-          <a:noFill/>
-        </p:spPr>
-        <p:txBody>
-          <a:bodyPr wrap="none" rtlCol="0">
-            <a:spAutoFit/>
-          </a:bodyPr>
-          <a:lstStyle/>
-          <a:p>
-            <a:r>
-              <a:rPr lang="en-GB">
-                <a:solidFill>
-                  <a:srgbClr val="C00000"/>
-                </a:solidFill>
-              </a:rPr>
-              <a:t>Tech.</a:t>
-            </a:r>
-          </a:p>
-        </p:txBody>
-      </p:sp>
-      <p:sp>
-        <p:nvSpPr>
-          <p:cNvPr id="87" name="직사각형 86">
-            <a:extLst>
-              <a:ext uri="{FF2B5EF4-FFF2-40B4-BE49-F238E27FC236}">
-                <a16:creationId xmlns:a16="http://schemas.microsoft.com/office/drawing/2014/main" id="{152BEDC3-1555-CC73-240C-EE6A2FC04607}"/>
-              </a:ext>
-            </a:extLst>
-          </p:cNvPr>
-          <p:cNvSpPr/>
-          <p:nvPr/>
-        </p:nvSpPr>
-        <p:spPr>
-          <a:xfrm>
-            <a:off x="8973885" y="5609683"/>
+      <p:grpSp>
+        <p:nvGrpSpPr>
+          <p:cNvPr id="70" name="그룹 69">
+            <a:extLst>
+              <a:ext uri="{FF2B5EF4-FFF2-40B4-BE49-F238E27FC236}">
+                <a16:creationId xmlns:a16="http://schemas.microsoft.com/office/drawing/2014/main" id="{866706E1-B5AF-CF07-5E97-95A7CCC4E038}"/>
+              </a:ext>
+            </a:extLst>
+          </p:cNvPr>
+          <p:cNvGrpSpPr/>
+          <p:nvPr/>
+        </p:nvGrpSpPr>
+        <p:grpSpPr>
+          <a:xfrm>
+            <a:off x="8973885" y="5602058"/>
             <a:ext cx="1218627" cy="559940"/>
-          </a:xfrm>
-          <a:prstGeom prst="rect">
-            <a:avLst/>
-          </a:prstGeom>
-          <a:noFill/>
-          <a:ln w="3175">
-            <a:solidFill>
-              <a:srgbClr val="C00000"/>
-            </a:solidFill>
-            <a:prstDash val="sysDash"/>
-          </a:ln>
-        </p:spPr>
-        <p:style>
-          <a:lnRef idx="2">
-            <a:schemeClr val="accent1">
-              <a:shade val="15000"/>
-            </a:schemeClr>
-          </a:lnRef>
-          <a:fillRef idx="1">
-            <a:schemeClr val="accent1"/>
-          </a:fillRef>
-          <a:effectRef idx="0">
-            <a:schemeClr val="accent1"/>
-          </a:effectRef>
-          <a:fontRef idx="minor">
-            <a:schemeClr val="lt1"/>
-          </a:fontRef>
-        </p:style>
-        <p:txBody>
-          <a:bodyPr rtlCol="0" anchor="ctr"/>
-          <a:lstStyle/>
-          <a:p>
-            <a:pPr algn="ctr"/>
-            <a:endParaRPr lang="en-GB"/>
-          </a:p>
-        </p:txBody>
-      </p:sp>
+            <a:chOff x="8973885" y="5609683"/>
+            <a:chExt cx="1218627" cy="559940"/>
+          </a:xfrm>
+        </p:grpSpPr>
+        <p:sp>
+          <p:nvSpPr>
+            <p:cNvPr id="86" name="TextBox 85">
+              <a:extLst>
+                <a:ext uri="{FF2B5EF4-FFF2-40B4-BE49-F238E27FC236}">
+                  <a16:creationId xmlns:a16="http://schemas.microsoft.com/office/drawing/2014/main" id="{04F4BBD7-B88C-7736-A925-CAE6CB65F1CA}"/>
+                </a:ext>
+              </a:extLst>
+            </p:cNvPr>
+            <p:cNvSpPr txBox="1"/>
+            <p:nvPr/>
+          </p:nvSpPr>
+          <p:spPr>
+            <a:xfrm>
+              <a:off x="9248651" y="5704987"/>
+              <a:ext cx="669094" cy="369332"/>
+            </a:xfrm>
+            <a:prstGeom prst="rect">
+              <a:avLst/>
+            </a:prstGeom>
+            <a:noFill/>
+          </p:spPr>
+          <p:txBody>
+            <a:bodyPr wrap="none" rtlCol="0">
+              <a:spAutoFit/>
+            </a:bodyPr>
+            <a:lstStyle/>
+            <a:p>
+              <a:r>
+                <a:rPr lang="en-GB">
+                  <a:solidFill>
+                    <a:srgbClr val="C00000"/>
+                  </a:solidFill>
+                </a:rPr>
+                <a:t>Tech.</a:t>
+              </a:r>
+            </a:p>
+          </p:txBody>
+        </p:sp>
+        <p:sp>
+          <p:nvSpPr>
+            <p:cNvPr id="87" name="직사각형 86">
+              <a:extLst>
+                <a:ext uri="{FF2B5EF4-FFF2-40B4-BE49-F238E27FC236}">
+                  <a16:creationId xmlns:a16="http://schemas.microsoft.com/office/drawing/2014/main" id="{152BEDC3-1555-CC73-240C-EE6A2FC04607}"/>
+                </a:ext>
+              </a:extLst>
+            </p:cNvPr>
+            <p:cNvSpPr/>
+            <p:nvPr/>
+          </p:nvSpPr>
+          <p:spPr>
+            <a:xfrm>
+              <a:off x="8973885" y="5609683"/>
+              <a:ext cx="1218627" cy="559940"/>
+            </a:xfrm>
+            <a:prstGeom prst="rect">
+              <a:avLst/>
+            </a:prstGeom>
+            <a:noFill/>
+            <a:ln w="3175">
+              <a:solidFill>
+                <a:srgbClr val="C00000"/>
+              </a:solidFill>
+              <a:prstDash val="sysDash"/>
+            </a:ln>
+          </p:spPr>
+          <p:style>
+            <a:lnRef idx="2">
+              <a:schemeClr val="accent1">
+                <a:shade val="15000"/>
+              </a:schemeClr>
+            </a:lnRef>
+            <a:fillRef idx="1">
+              <a:schemeClr val="accent1"/>
+            </a:fillRef>
+            <a:effectRef idx="0">
+              <a:schemeClr val="accent1"/>
+            </a:effectRef>
+            <a:fontRef idx="minor">
+              <a:schemeClr val="lt1"/>
+            </a:fontRef>
+          </p:style>
+          <p:txBody>
+            <a:bodyPr rtlCol="0" anchor="ctr"/>
+            <a:lstStyle/>
+            <a:p>
+              <a:pPr algn="ctr"/>
+              <a:endParaRPr lang="en-GB"/>
+            </a:p>
+          </p:txBody>
+        </p:sp>
+      </p:grpSp>
       <p:grpSp>
         <p:nvGrpSpPr>
           <p:cNvPr id="15" name="그룹 14">
@@ -9125,7 +9112,7 @@
         </p:nvGrpSpPr>
         <p:grpSpPr>
           <a:xfrm>
-            <a:off x="108478" y="4202315"/>
+            <a:off x="108478" y="3937502"/>
             <a:ext cx="1924438" cy="640119"/>
             <a:chOff x="108478" y="3689236"/>
             <a:chExt cx="1924438" cy="640119"/>
@@ -9215,12 +9202,241 @@
           </p:txBody>
         </p:sp>
       </p:grpSp>
-      <p:sp>
-        <p:nvSpPr>
-          <p:cNvPr id="26" name="TextBox 25">
-            <a:extLst>
-              <a:ext uri="{FF2B5EF4-FFF2-40B4-BE49-F238E27FC236}">
-                <a16:creationId xmlns:a16="http://schemas.microsoft.com/office/drawing/2014/main" id="{BDD60BE2-1145-ED40-ABC7-72A9590DB99C}"/>
+      <p:grpSp>
+        <p:nvGrpSpPr>
+          <p:cNvPr id="67" name="그룹 66">
+            <a:extLst>
+              <a:ext uri="{FF2B5EF4-FFF2-40B4-BE49-F238E27FC236}">
+                <a16:creationId xmlns:a16="http://schemas.microsoft.com/office/drawing/2014/main" id="{75B1CF5D-CCB5-AD27-E429-1487C7C31B71}"/>
+              </a:ext>
+            </a:extLst>
+          </p:cNvPr>
+          <p:cNvGrpSpPr/>
+          <p:nvPr/>
+        </p:nvGrpSpPr>
+        <p:grpSpPr>
+          <a:xfrm>
+            <a:off x="2200304" y="4103673"/>
+            <a:ext cx="1759233" cy="307777"/>
+            <a:chOff x="2200304" y="4368486"/>
+            <a:chExt cx="1759233" cy="307777"/>
+          </a:xfrm>
+        </p:grpSpPr>
+        <p:sp>
+          <p:nvSpPr>
+            <p:cNvPr id="26" name="TextBox 25">
+              <a:extLst>
+                <a:ext uri="{FF2B5EF4-FFF2-40B4-BE49-F238E27FC236}">
+                  <a16:creationId xmlns:a16="http://schemas.microsoft.com/office/drawing/2014/main" id="{BDD60BE2-1145-ED40-ABC7-72A9590DB99C}"/>
+                </a:ext>
+              </a:extLst>
+            </p:cNvPr>
+            <p:cNvSpPr txBox="1"/>
+            <p:nvPr/>
+          </p:nvSpPr>
+          <p:spPr>
+            <a:xfrm>
+              <a:off x="2200304" y="4368486"/>
+              <a:ext cx="1305829" cy="307777"/>
+            </a:xfrm>
+            <a:prstGeom prst="rect">
+              <a:avLst/>
+            </a:prstGeom>
+            <a:noFill/>
+          </p:spPr>
+          <p:txBody>
+            <a:bodyPr wrap="square">
+              <a:spAutoFit/>
+            </a:bodyPr>
+            <a:lstStyle/>
+            <a:p>
+              <a:r>
+                <a:rPr lang="en-GB" sz="1400"/>
+                <a:t>decomposition</a:t>
+              </a:r>
+            </a:p>
+          </p:txBody>
+        </p:sp>
+        <p:sp>
+          <p:nvSpPr>
+            <p:cNvPr id="27" name="TextBox 26">
+              <a:extLst>
+                <a:ext uri="{FF2B5EF4-FFF2-40B4-BE49-F238E27FC236}">
+                  <a16:creationId xmlns:a16="http://schemas.microsoft.com/office/drawing/2014/main" id="{4284571F-CA96-E4BA-D10E-2D90E8BB76ED}"/>
+                </a:ext>
+              </a:extLst>
+            </p:cNvPr>
+            <p:cNvSpPr txBox="1"/>
+            <p:nvPr/>
+          </p:nvSpPr>
+          <p:spPr>
+            <a:xfrm>
+              <a:off x="3467094" y="4383875"/>
+              <a:ext cx="492443" cy="276999"/>
+            </a:xfrm>
+            <a:prstGeom prst="rect">
+              <a:avLst/>
+            </a:prstGeom>
+            <a:noFill/>
+          </p:spPr>
+          <p:txBody>
+            <a:bodyPr wrap="none" rtlCol="0">
+              <a:spAutoFit/>
+            </a:bodyPr>
+            <a:lstStyle/>
+            <a:p>
+              <a:r>
+                <a:rPr lang="ko-KR" altLang="en-US" sz="1200"/>
+                <a:t>분해</a:t>
+              </a:r>
+              <a:endParaRPr lang="en-GB" sz="1200"/>
+            </a:p>
+          </p:txBody>
+        </p:sp>
+      </p:grpSp>
+      <p:grpSp>
+        <p:nvGrpSpPr>
+          <p:cNvPr id="68" name="그룹 67">
+            <a:extLst>
+              <a:ext uri="{FF2B5EF4-FFF2-40B4-BE49-F238E27FC236}">
+                <a16:creationId xmlns:a16="http://schemas.microsoft.com/office/drawing/2014/main" id="{C5194179-9747-3B31-08A9-7FA922FE1B7A}"/>
+              </a:ext>
+            </a:extLst>
+          </p:cNvPr>
+          <p:cNvGrpSpPr/>
+          <p:nvPr/>
+        </p:nvGrpSpPr>
+        <p:grpSpPr>
+          <a:xfrm>
+            <a:off x="8918529" y="4072896"/>
+            <a:ext cx="2220326" cy="369332"/>
+            <a:chOff x="8918529" y="4337709"/>
+            <a:chExt cx="2220326" cy="369332"/>
+          </a:xfrm>
+        </p:grpSpPr>
+        <p:sp>
+          <p:nvSpPr>
+            <p:cNvPr id="5" name="TextBox 4">
+              <a:extLst>
+                <a:ext uri="{FF2B5EF4-FFF2-40B4-BE49-F238E27FC236}">
+                  <a16:creationId xmlns:a16="http://schemas.microsoft.com/office/drawing/2014/main" id="{A2222C5D-7CE0-8CA1-1C65-29A93C26B1B7}"/>
+                </a:ext>
+              </a:extLst>
+            </p:cNvPr>
+            <p:cNvSpPr txBox="1"/>
+            <p:nvPr/>
+          </p:nvSpPr>
+          <p:spPr>
+            <a:xfrm>
+              <a:off x="10535805" y="4337709"/>
+              <a:ext cx="603050" cy="369332"/>
+            </a:xfrm>
+            <a:prstGeom prst="rect">
+              <a:avLst/>
+            </a:prstGeom>
+            <a:noFill/>
+          </p:spPr>
+          <p:txBody>
+            <a:bodyPr wrap="none" rtlCol="0">
+              <a:spAutoFit/>
+            </a:bodyPr>
+            <a:lstStyle/>
+            <a:p>
+              <a:r>
+                <a:rPr lang="en-GB" altLang="ko-KR" b="1">
+                  <a:solidFill>
+                    <a:srgbClr val="C00000"/>
+                  </a:solidFill>
+                </a:rPr>
+                <a:t>Logs</a:t>
+              </a:r>
+              <a:endParaRPr lang="en-GB" b="1">
+                <a:solidFill>
+                  <a:srgbClr val="C00000"/>
+                </a:solidFill>
+              </a:endParaRPr>
+            </a:p>
+          </p:txBody>
+        </p:sp>
+        <p:sp>
+          <p:nvSpPr>
+            <p:cNvPr id="29" name="TextBox 28">
+              <a:extLst>
+                <a:ext uri="{FF2B5EF4-FFF2-40B4-BE49-F238E27FC236}">
+                  <a16:creationId xmlns:a16="http://schemas.microsoft.com/office/drawing/2014/main" id="{B6DCF754-D061-DCAB-9ABB-903B7FF4CABB}"/>
+                </a:ext>
+              </a:extLst>
+            </p:cNvPr>
+            <p:cNvSpPr txBox="1"/>
+            <p:nvPr/>
+          </p:nvSpPr>
+          <p:spPr>
+            <a:xfrm>
+              <a:off x="9393233" y="4368487"/>
+              <a:ext cx="970926" cy="307777"/>
+            </a:xfrm>
+            <a:prstGeom prst="rect">
+              <a:avLst/>
+            </a:prstGeom>
+            <a:noFill/>
+          </p:spPr>
+          <p:txBody>
+            <a:bodyPr wrap="square">
+              <a:spAutoFit/>
+            </a:bodyPr>
+            <a:lstStyle/>
+            <a:p>
+              <a:pPr algn="r"/>
+              <a:r>
+                <a:rPr lang="en-GB" sz="1400"/>
+                <a:t>distinguish</a:t>
+              </a:r>
+            </a:p>
+          </p:txBody>
+        </p:sp>
+        <p:sp>
+          <p:nvSpPr>
+            <p:cNvPr id="31" name="TextBox 30">
+              <a:extLst>
+                <a:ext uri="{FF2B5EF4-FFF2-40B4-BE49-F238E27FC236}">
+                  <a16:creationId xmlns:a16="http://schemas.microsoft.com/office/drawing/2014/main" id="{AD5B376E-DD82-F950-AB4E-E84C3846CBB4}"/>
+                </a:ext>
+              </a:extLst>
+            </p:cNvPr>
+            <p:cNvSpPr txBox="1"/>
+            <p:nvPr/>
+          </p:nvSpPr>
+          <p:spPr>
+            <a:xfrm>
+              <a:off x="8918529" y="4383876"/>
+              <a:ext cx="492443" cy="276999"/>
+            </a:xfrm>
+            <a:prstGeom prst="rect">
+              <a:avLst/>
+            </a:prstGeom>
+            <a:noFill/>
+          </p:spPr>
+          <p:txBody>
+            <a:bodyPr wrap="none" rtlCol="0">
+              <a:spAutoFit/>
+            </a:bodyPr>
+            <a:lstStyle/>
+            <a:p>
+              <a:r>
+                <a:rPr lang="ko-KR" altLang="en-US" sz="1200"/>
+                <a:t>식별</a:t>
+              </a:r>
+              <a:endParaRPr lang="en-GB" sz="1200"/>
+            </a:p>
+          </p:txBody>
+        </p:sp>
+      </p:grpSp>
+      <p:sp>
+        <p:nvSpPr>
+          <p:cNvPr id="39" name="TextBox 38">
+            <a:extLst>
+              <a:ext uri="{FF2B5EF4-FFF2-40B4-BE49-F238E27FC236}">
+                <a16:creationId xmlns:a16="http://schemas.microsoft.com/office/drawing/2014/main" id="{93B93222-9E03-509B-0DCA-DD2D21B75637}"/>
               </a:ext>
             </a:extLst>
           </p:cNvPr>
@@ -9229,43 +9445,8 @@
         </p:nvSpPr>
         <p:spPr>
           <a:xfrm>
-            <a:off x="2200304" y="4368486"/>
-            <a:ext cx="1305829" cy="307777"/>
-          </a:xfrm>
-          <a:prstGeom prst="rect">
-            <a:avLst/>
-          </a:prstGeom>
-          <a:noFill/>
-        </p:spPr>
-        <p:txBody>
-          <a:bodyPr wrap="square">
-            <a:spAutoFit/>
-          </a:bodyPr>
-          <a:lstStyle/>
-          <a:p>
-            <a:r>
-              <a:rPr lang="en-GB" sz="1400"/>
-              <a:t>decomposition</a:t>
-            </a:r>
-          </a:p>
-        </p:txBody>
-      </p:sp>
-      <p:sp>
-        <p:nvSpPr>
-          <p:cNvPr id="27" name="TextBox 26">
-            <a:extLst>
-              <a:ext uri="{FF2B5EF4-FFF2-40B4-BE49-F238E27FC236}">
-                <a16:creationId xmlns:a16="http://schemas.microsoft.com/office/drawing/2014/main" id="{4284571F-CA96-E4BA-D10E-2D90E8BB76ED}"/>
-              </a:ext>
-            </a:extLst>
-          </p:cNvPr>
-          <p:cNvSpPr txBox="1"/>
-          <p:nvPr/>
-        </p:nvSpPr>
-        <p:spPr>
-          <a:xfrm>
-            <a:off x="3467094" y="4383875"/>
-            <a:ext cx="492443" cy="276999"/>
+            <a:off x="5949399" y="1211648"/>
+            <a:ext cx="723275" cy="584775"/>
           </a:xfrm>
           <a:prstGeom prst="rect">
             <a:avLst/>
@@ -9278,20 +9459,40 @@
           </a:bodyPr>
           <a:lstStyle/>
           <a:p>
-            <a:r>
-              <a:rPr lang="ko-KR" altLang="en-US" sz="1200"/>
-              <a:t>분해</a:t>
-            </a:r>
-            <a:endParaRPr lang="en-GB" sz="1200"/>
-          </a:p>
-        </p:txBody>
-      </p:sp>
-      <p:sp>
-        <p:nvSpPr>
-          <p:cNvPr id="5" name="TextBox 4">
-            <a:extLst>
-              <a:ext uri="{FF2B5EF4-FFF2-40B4-BE49-F238E27FC236}">
-                <a16:creationId xmlns:a16="http://schemas.microsoft.com/office/drawing/2014/main" id="{A2222C5D-7CE0-8CA1-1C65-29A93C26B1B7}"/>
+            <a:pPr algn="ctr"/>
+            <a:r>
+              <a:rPr lang="en-GB" b="1">
+                <a:solidFill>
+                  <a:srgbClr val="7030A0"/>
+                </a:solidFill>
+              </a:rPr>
+              <a:t>Biz.</a:t>
+            </a:r>
+          </a:p>
+          <a:p>
+            <a:pPr algn="ctr"/>
+            <a:r>
+              <a:rPr lang="ko-KR" altLang="en-US" sz="1400" b="1">
+                <a:solidFill>
+                  <a:srgbClr val="7030A0"/>
+                </a:solidFill>
+              </a:rPr>
+              <a:t>관심사</a:t>
+            </a:r>
+            <a:endParaRPr lang="en-GB" sz="1400" b="1">
+              <a:solidFill>
+                <a:srgbClr val="7030A0"/>
+              </a:solidFill>
+            </a:endParaRPr>
+          </a:p>
+        </p:txBody>
+      </p:sp>
+      <p:sp>
+        <p:nvSpPr>
+          <p:cNvPr id="44" name="TextBox 43">
+            <a:extLst>
+              <a:ext uri="{FF2B5EF4-FFF2-40B4-BE49-F238E27FC236}">
+                <a16:creationId xmlns:a16="http://schemas.microsoft.com/office/drawing/2014/main" id="{387615D9-8C23-CECC-D6AD-E98C77FF5DFA}"/>
               </a:ext>
             </a:extLst>
           </p:cNvPr>
@@ -9300,8 +9501,8 @@
         </p:nvSpPr>
         <p:spPr>
           <a:xfrm>
-            <a:off x="10535805" y="4337709"/>
-            <a:ext cx="603050" cy="369332"/>
+            <a:off x="5949398" y="4596557"/>
+            <a:ext cx="723276" cy="584775"/>
           </a:xfrm>
           <a:prstGeom prst="rect">
             <a:avLst/>
@@ -9314,17 +9515,29 @@
           </a:bodyPr>
           <a:lstStyle/>
           <a:p>
-            <a:r>
-              <a:rPr lang="en-GB" altLang="ko-KR" b="1">
-                <a:solidFill>
-                  <a:srgbClr val="C00000"/>
-                </a:solidFill>
-              </a:rPr>
-              <a:t>Logs</a:t>
-            </a:r>
-            <a:endParaRPr lang="en-GB" b="1">
+            <a:pPr algn="ctr"/>
+            <a:r>
+              <a:rPr lang="en-GB" b="1">
+                <a:solidFill>
+                  <a:srgbClr val="7030A0"/>
+                </a:solidFill>
+              </a:rPr>
+              <a:t>Tech.</a:t>
+            </a:r>
+          </a:p>
+          <a:p>
+            <a:pPr algn="ctr"/>
+            <a:r>
+              <a:rPr lang="ko-KR" altLang="en-US" sz="1400" b="1">
+                <a:solidFill>
+                  <a:srgbClr val="7030A0"/>
+                </a:solidFill>
+              </a:rPr>
+              <a:t>관심사</a:t>
+            </a:r>
+            <a:endParaRPr lang="en-GB" sz="1400" b="1">
               <a:solidFill>
-                <a:srgbClr val="C00000"/>
+                <a:srgbClr val="7030A0"/>
               </a:solidFill>
             </a:endParaRPr>
           </a:p>
@@ -9332,10 +9545,10 @@
       </p:sp>
       <p:sp>
         <p:nvSpPr>
-          <p:cNvPr id="29" name="TextBox 28">
-            <a:extLst>
-              <a:ext uri="{FF2B5EF4-FFF2-40B4-BE49-F238E27FC236}">
-                <a16:creationId xmlns:a16="http://schemas.microsoft.com/office/drawing/2014/main" id="{B6DCF754-D061-DCAB-9ABB-903B7FF4CABB}"/>
+          <p:cNvPr id="11" name="TextBox 10">
+            <a:extLst>
+              <a:ext uri="{FF2B5EF4-FFF2-40B4-BE49-F238E27FC236}">
+                <a16:creationId xmlns:a16="http://schemas.microsoft.com/office/drawing/2014/main" id="{DFFD47CB-894C-35B8-03F0-8C2A7735A972}"/>
               </a:ext>
             </a:extLst>
           </p:cNvPr>
@@ -9344,44 +9557,8 @@
         </p:nvSpPr>
         <p:spPr>
           <a:xfrm>
-            <a:off x="9393233" y="4368487"/>
-            <a:ext cx="970926" cy="307777"/>
-          </a:xfrm>
-          <a:prstGeom prst="rect">
-            <a:avLst/>
-          </a:prstGeom>
-          <a:noFill/>
-        </p:spPr>
-        <p:txBody>
-          <a:bodyPr wrap="square">
-            <a:spAutoFit/>
-          </a:bodyPr>
-          <a:lstStyle/>
-          <a:p>
-            <a:pPr algn="r"/>
-            <a:r>
-              <a:rPr lang="en-GB" sz="1400"/>
-              <a:t>distinguish</a:t>
-            </a:r>
-          </a:p>
-        </p:txBody>
-      </p:sp>
-      <p:sp>
-        <p:nvSpPr>
-          <p:cNvPr id="31" name="TextBox 30">
-            <a:extLst>
-              <a:ext uri="{FF2B5EF4-FFF2-40B4-BE49-F238E27FC236}">
-                <a16:creationId xmlns:a16="http://schemas.microsoft.com/office/drawing/2014/main" id="{AD5B376E-DD82-F950-AB4E-E84C3846CBB4}"/>
-              </a:ext>
-            </a:extLst>
-          </p:cNvPr>
-          <p:cNvSpPr txBox="1"/>
-          <p:nvPr/>
-        </p:nvSpPr>
-        <p:spPr>
-          <a:xfrm>
-            <a:off x="8918529" y="4383876"/>
-            <a:ext cx="492443" cy="276999"/>
+            <a:off x="2650975" y="5697362"/>
+            <a:ext cx="669094" cy="369332"/>
           </a:xfrm>
           <a:prstGeom prst="rect">
             <a:avLst/>
@@ -9395,19 +9572,75 @@
           <a:lstStyle/>
           <a:p>
             <a:r>
-              <a:rPr lang="ko-KR" altLang="en-US" sz="1200"/>
-              <a:t>식별</a:t>
-            </a:r>
-            <a:endParaRPr lang="en-GB" sz="1200"/>
-          </a:p>
-        </p:txBody>
-      </p:sp>
-      <p:sp>
-        <p:nvSpPr>
-          <p:cNvPr id="39" name="TextBox 38">
-            <a:extLst>
-              <a:ext uri="{FF2B5EF4-FFF2-40B4-BE49-F238E27FC236}">
-                <a16:creationId xmlns:a16="http://schemas.microsoft.com/office/drawing/2014/main" id="{93B93222-9E03-509B-0DCA-DD2D21B75637}"/>
+              <a:rPr lang="en-GB">
+                <a:solidFill>
+                  <a:srgbClr val="0070C0"/>
+                </a:solidFill>
+              </a:rPr>
+              <a:t>Tech.</a:t>
+            </a:r>
+          </a:p>
+        </p:txBody>
+      </p:sp>
+      <p:sp>
+        <p:nvSpPr>
+          <p:cNvPr id="58" name="직사각형 57">
+            <a:extLst>
+              <a:ext uri="{FF2B5EF4-FFF2-40B4-BE49-F238E27FC236}">
+                <a16:creationId xmlns:a16="http://schemas.microsoft.com/office/drawing/2014/main" id="{270943C8-142D-C0B1-DFAB-FBEC4333CDC3}"/>
+              </a:ext>
+            </a:extLst>
+          </p:cNvPr>
+          <p:cNvSpPr/>
+          <p:nvPr/>
+        </p:nvSpPr>
+        <p:spPr>
+          <a:xfrm>
+            <a:off x="2376209" y="5602058"/>
+            <a:ext cx="1218627" cy="559940"/>
+          </a:xfrm>
+          <a:prstGeom prst="rect">
+            <a:avLst/>
+          </a:prstGeom>
+          <a:noFill/>
+          <a:ln w="3175">
+            <a:solidFill>
+              <a:srgbClr val="0070C0"/>
+            </a:solidFill>
+            <a:prstDash val="sysDash"/>
+          </a:ln>
+        </p:spPr>
+        <p:style>
+          <a:lnRef idx="2">
+            <a:schemeClr val="accent1">
+              <a:shade val="15000"/>
+            </a:schemeClr>
+          </a:lnRef>
+          <a:fillRef idx="1">
+            <a:schemeClr val="accent1"/>
+          </a:fillRef>
+          <a:effectRef idx="0">
+            <a:schemeClr val="accent1"/>
+          </a:effectRef>
+          <a:fontRef idx="minor">
+            <a:schemeClr val="lt1"/>
+          </a:fontRef>
+        </p:style>
+        <p:txBody>
+          <a:bodyPr rtlCol="0" anchor="ctr"/>
+          <a:lstStyle/>
+          <a:p>
+            <a:pPr algn="ctr"/>
+            <a:endParaRPr lang="en-GB"/>
+          </a:p>
+        </p:txBody>
+      </p:sp>
+      <p:sp>
+        <p:nvSpPr>
+          <p:cNvPr id="2" name="TextBox 1">
+            <a:extLst>
+              <a:ext uri="{FF2B5EF4-FFF2-40B4-BE49-F238E27FC236}">
+                <a16:creationId xmlns:a16="http://schemas.microsoft.com/office/drawing/2014/main" id="{E5A4A437-8534-D933-894D-F8440679C708}"/>
               </a:ext>
             </a:extLst>
           </p:cNvPr>
@@ -9416,8 +9649,8 @@
         </p:nvSpPr>
         <p:spPr>
           <a:xfrm>
-            <a:off x="5912529" y="1396580"/>
-            <a:ext cx="797013" cy="584775"/>
+            <a:off x="1498158" y="6245192"/>
+            <a:ext cx="999184" cy="276999"/>
           </a:xfrm>
           <a:prstGeom prst="rect">
             <a:avLst/>
@@ -9430,35 +9663,71 @@
           </a:bodyPr>
           <a:lstStyle/>
           <a:p>
-            <a:pPr algn="ctr"/>
-            <a:r>
-              <a:rPr lang="en-GB" b="1">
-                <a:solidFill>
-                  <a:srgbClr val="7030A0"/>
-                </a:solidFill>
-              </a:rPr>
-              <a:t>Biz.</a:t>
-            </a:r>
-          </a:p>
-          <a:p>
-            <a:pPr algn="ctr"/>
-            <a:r>
-              <a:rPr lang="en-GB" sz="1400" b="1">
-                <a:solidFill>
-                  <a:srgbClr val="7030A0"/>
-                </a:solidFill>
-              </a:rPr>
-              <a:t>Concern</a:t>
-            </a:r>
-          </a:p>
-        </p:txBody>
-      </p:sp>
-      <p:sp>
-        <p:nvSpPr>
-          <p:cNvPr id="44" name="TextBox 43">
-            <a:extLst>
-              <a:ext uri="{FF2B5EF4-FFF2-40B4-BE49-F238E27FC236}">
-                <a16:creationId xmlns:a16="http://schemas.microsoft.com/office/drawing/2014/main" id="{387615D9-8C23-CECC-D6AD-E98C77FF5DFA}"/>
+            <a:r>
+              <a:rPr lang="ko-KR" altLang="en-US" sz="1200"/>
+              <a:t>입력</a:t>
+            </a:r>
+            <a:r>
+              <a:rPr lang="en-GB" altLang="ko-KR" sz="1200"/>
+              <a:t>: </a:t>
+            </a:r>
+            <a:r>
+              <a:rPr lang="en-GB" sz="1200"/>
+              <a:t>Known</a:t>
+            </a:r>
+          </a:p>
+        </p:txBody>
+      </p:sp>
+      <p:cxnSp>
+        <p:nvCxnSpPr>
+          <p:cNvPr id="3" name="연결선: 구부러짐 2">
+            <a:extLst>
+              <a:ext uri="{FF2B5EF4-FFF2-40B4-BE49-F238E27FC236}">
+                <a16:creationId xmlns:a16="http://schemas.microsoft.com/office/drawing/2014/main" id="{DA3CAEDE-C6F1-0C61-20FE-2BA162263C41}"/>
+              </a:ext>
+            </a:extLst>
+          </p:cNvPr>
+          <p:cNvCxnSpPr>
+            <a:cxnSpLocks/>
+            <a:stCxn id="2" idx="3"/>
+            <a:endCxn id="58" idx="2"/>
+          </p:cNvCxnSpPr>
+          <p:nvPr/>
+        </p:nvCxnSpPr>
+        <p:spPr>
+          <a:xfrm flipV="1">
+            <a:off x="2497342" y="6161998"/>
+            <a:ext cx="488181" cy="221694"/>
+          </a:xfrm>
+          <a:prstGeom prst="curvedConnector2">
+            <a:avLst/>
+          </a:prstGeom>
+          <a:ln w="19050">
+            <a:prstDash val="sysDash"/>
+            <a:tailEnd type="triangle"/>
+          </a:ln>
+        </p:spPr>
+        <p:style>
+          <a:lnRef idx="1">
+            <a:schemeClr val="accent1"/>
+          </a:lnRef>
+          <a:fillRef idx="0">
+            <a:schemeClr val="accent1"/>
+          </a:fillRef>
+          <a:effectRef idx="0">
+            <a:schemeClr val="accent1"/>
+          </a:effectRef>
+          <a:fontRef idx="minor">
+            <a:schemeClr val="tx1"/>
+          </a:fontRef>
+        </p:style>
+      </p:cxnSp>
+      <p:sp>
+        <p:nvSpPr>
+          <p:cNvPr id="23" name="TextBox 22">
+            <a:extLst>
+              <a:ext uri="{FF2B5EF4-FFF2-40B4-BE49-F238E27FC236}">
+                <a16:creationId xmlns:a16="http://schemas.microsoft.com/office/drawing/2014/main" id="{93E54C79-0D68-95B1-0AED-EB8E97150E8F}"/>
               </a:ext>
             </a:extLst>
           </p:cNvPr>
@@ -9467,8 +9736,8 @@
         </p:nvSpPr>
         <p:spPr>
           <a:xfrm>
-            <a:off x="5912529" y="4904777"/>
-            <a:ext cx="797013" cy="584775"/>
+            <a:off x="3392541" y="5200316"/>
+            <a:ext cx="1171539" cy="276999"/>
           </a:xfrm>
           <a:prstGeom prst="rect">
             <a:avLst/>
@@ -9481,29 +9750,212 @@
           </a:bodyPr>
           <a:lstStyle/>
           <a:p>
-            <a:pPr algn="ctr"/>
-            <a:r>
-              <a:rPr lang="en-GB" b="1">
-                <a:solidFill>
-                  <a:srgbClr val="7030A0"/>
-                </a:solidFill>
-              </a:rPr>
-              <a:t>Tech.</a:t>
-            </a:r>
-          </a:p>
-          <a:p>
-            <a:pPr algn="ctr"/>
-            <a:r>
-              <a:rPr lang="en-GB" sz="1400" b="1">
-                <a:solidFill>
-                  <a:srgbClr val="7030A0"/>
-                </a:solidFill>
-              </a:rPr>
-              <a:t>Concern</a:t>
-            </a:r>
-          </a:p>
-        </p:txBody>
-      </p:sp>
+            <a:r>
+              <a:rPr lang="ko-KR" altLang="en-US" sz="1200"/>
+              <a:t>출력</a:t>
+            </a:r>
+            <a:r>
+              <a:rPr lang="en-GB" altLang="ko-KR" sz="1200"/>
+              <a:t>: </a:t>
+            </a:r>
+            <a:r>
+              <a:rPr lang="en-GB" sz="1200"/>
+              <a:t>Unknown</a:t>
+            </a:r>
+          </a:p>
+        </p:txBody>
+      </p:sp>
+      <p:cxnSp>
+        <p:nvCxnSpPr>
+          <p:cNvPr id="24" name="연결선: 구부러짐 23">
+            <a:extLst>
+              <a:ext uri="{FF2B5EF4-FFF2-40B4-BE49-F238E27FC236}">
+                <a16:creationId xmlns:a16="http://schemas.microsoft.com/office/drawing/2014/main" id="{B8DA38AC-1C51-0CAF-BF1F-B92E8780321A}"/>
+              </a:ext>
+            </a:extLst>
+          </p:cNvPr>
+          <p:cNvCxnSpPr>
+            <a:cxnSpLocks/>
+            <a:stCxn id="58" idx="0"/>
+            <a:endCxn id="23" idx="1"/>
+          </p:cNvCxnSpPr>
+          <p:nvPr/>
+        </p:nvCxnSpPr>
+        <p:spPr>
+          <a:xfrm rot="5400000" flipH="1" flipV="1">
+            <a:off x="3057411" y="5266928"/>
+            <a:ext cx="263242" cy="407018"/>
+          </a:xfrm>
+          <a:prstGeom prst="curvedConnector2">
+            <a:avLst/>
+          </a:prstGeom>
+          <a:ln w="19050">
+            <a:prstDash val="sysDash"/>
+            <a:tailEnd type="triangle"/>
+          </a:ln>
+        </p:spPr>
+        <p:style>
+          <a:lnRef idx="1">
+            <a:schemeClr val="accent1"/>
+          </a:lnRef>
+          <a:fillRef idx="0">
+            <a:schemeClr val="accent1"/>
+          </a:fillRef>
+          <a:effectRef idx="0">
+            <a:schemeClr val="accent1"/>
+          </a:effectRef>
+          <a:fontRef idx="minor">
+            <a:schemeClr val="tx1"/>
+          </a:fontRef>
+        </p:style>
+      </p:cxnSp>
+      <p:sp>
+        <p:nvSpPr>
+          <p:cNvPr id="38" name="TextBox 37">
+            <a:extLst>
+              <a:ext uri="{FF2B5EF4-FFF2-40B4-BE49-F238E27FC236}">
+                <a16:creationId xmlns:a16="http://schemas.microsoft.com/office/drawing/2014/main" id="{67896AEC-EFD9-203E-9B66-21FCC7169C0C}"/>
+              </a:ext>
+            </a:extLst>
+          </p:cNvPr>
+          <p:cNvSpPr txBox="1"/>
+          <p:nvPr/>
+        </p:nvSpPr>
+        <p:spPr>
+          <a:xfrm>
+            <a:off x="3648181" y="5488208"/>
+            <a:ext cx="1534394" cy="246221"/>
+          </a:xfrm>
+          <a:prstGeom prst="rect">
+            <a:avLst/>
+          </a:prstGeom>
+          <a:noFill/>
+        </p:spPr>
+        <p:txBody>
+          <a:bodyPr wrap="none" rtlCol="0">
+            <a:spAutoFit/>
+          </a:bodyPr>
+          <a:lstStyle/>
+          <a:p>
+            <a:r>
+              <a:rPr lang="en-US" altLang="ko-KR" sz="1000">
+                <a:solidFill>
+                  <a:srgbClr val="0070C0"/>
+                </a:solidFill>
+              </a:rPr>
+              <a:t>※ </a:t>
+            </a:r>
+            <a:r>
+              <a:rPr lang="ko-KR" altLang="en-US" sz="1000">
+                <a:solidFill>
+                  <a:srgbClr val="0070C0"/>
+                </a:solidFill>
+              </a:rPr>
+              <a:t>부수 효과</a:t>
+            </a:r>
+            <a:r>
+              <a:rPr lang="en-GB" altLang="ko-KR" sz="1000">
+                <a:solidFill>
+                  <a:srgbClr val="0070C0"/>
+                </a:solidFill>
+              </a:rPr>
+              <a:t>(Side Effects)</a:t>
+            </a:r>
+            <a:endParaRPr lang="en-GB" sz="1000">
+              <a:solidFill>
+                <a:srgbClr val="0070C0"/>
+              </a:solidFill>
+            </a:endParaRPr>
+          </a:p>
+        </p:txBody>
+      </p:sp>
+      <p:sp>
+        <p:nvSpPr>
+          <p:cNvPr id="61" name="TextBox 60">
+            <a:extLst>
+              <a:ext uri="{FF2B5EF4-FFF2-40B4-BE49-F238E27FC236}">
+                <a16:creationId xmlns:a16="http://schemas.microsoft.com/office/drawing/2014/main" id="{C75FB0CE-B2C4-9272-81C2-3FF6ACDA8A94}"/>
+              </a:ext>
+            </a:extLst>
+          </p:cNvPr>
+          <p:cNvSpPr txBox="1"/>
+          <p:nvPr/>
+        </p:nvSpPr>
+        <p:spPr>
+          <a:xfrm>
+            <a:off x="3392541" y="4912424"/>
+            <a:ext cx="999184" cy="276999"/>
+          </a:xfrm>
+          <a:prstGeom prst="rect">
+            <a:avLst/>
+          </a:prstGeom>
+          <a:noFill/>
+        </p:spPr>
+        <p:txBody>
+          <a:bodyPr wrap="none" rtlCol="0">
+            <a:spAutoFit/>
+          </a:bodyPr>
+          <a:lstStyle/>
+          <a:p>
+            <a:r>
+              <a:rPr lang="ko-KR" altLang="en-US" sz="1200"/>
+              <a:t>출력</a:t>
+            </a:r>
+            <a:r>
+              <a:rPr lang="en-GB" altLang="ko-KR" sz="1200"/>
+              <a:t>: K</a:t>
+            </a:r>
+            <a:r>
+              <a:rPr lang="en-GB" sz="1200"/>
+              <a:t>nown</a:t>
+            </a:r>
+          </a:p>
+        </p:txBody>
+      </p:sp>
+      <p:cxnSp>
+        <p:nvCxnSpPr>
+          <p:cNvPr id="62" name="연결선: 구부러짐 61">
+            <a:extLst>
+              <a:ext uri="{FF2B5EF4-FFF2-40B4-BE49-F238E27FC236}">
+                <a16:creationId xmlns:a16="http://schemas.microsoft.com/office/drawing/2014/main" id="{007FD1D6-A89C-93E4-E709-C4AD2102E8F7}"/>
+              </a:ext>
+            </a:extLst>
+          </p:cNvPr>
+          <p:cNvCxnSpPr>
+            <a:cxnSpLocks/>
+            <a:stCxn id="58" idx="0"/>
+            <a:endCxn id="61" idx="1"/>
+          </p:cNvCxnSpPr>
+          <p:nvPr/>
+        </p:nvCxnSpPr>
+        <p:spPr>
+          <a:xfrm rot="5400000" flipH="1" flipV="1">
+            <a:off x="2913465" y="5122982"/>
+            <a:ext cx="551134" cy="407018"/>
+          </a:xfrm>
+          <a:prstGeom prst="curvedConnector2">
+            <a:avLst/>
+          </a:prstGeom>
+          <a:ln w="19050">
+            <a:prstDash val="sysDash"/>
+            <a:tailEnd type="triangle"/>
+          </a:ln>
+        </p:spPr>
+        <p:style>
+          <a:lnRef idx="1">
+            <a:schemeClr val="accent1"/>
+          </a:lnRef>
+          <a:fillRef idx="0">
+            <a:schemeClr val="accent1"/>
+          </a:fillRef>
+          <a:effectRef idx="0">
+            <a:schemeClr val="accent1"/>
+          </a:effectRef>
+          <a:fontRef idx="minor">
+            <a:schemeClr val="tx1"/>
+          </a:fontRef>
+        </p:style>
+      </p:cxnSp>
     </p:spTree>
     <p:extLst>
       <p:ext uri="{BB962C8B-B14F-4D97-AF65-F5344CB8AC3E}">
@@ -9522,6 +9974,5311 @@
   <p:cSld>
     <p:spTree>
       <p:nvGrpSpPr>
+        <p:cNvPr id="1" name="">
+          <a:extLst>
+            <a:ext uri="{FF2B5EF4-FFF2-40B4-BE49-F238E27FC236}">
+              <a16:creationId xmlns:a16="http://schemas.microsoft.com/office/drawing/2014/main" id="{A9845BB9-97B6-30DA-1817-C0DA3F3FBB0C}"/>
+            </a:ext>
+          </a:extLst>
+        </p:cNvPr>
+        <p:cNvGrpSpPr/>
+        <p:nvPr/>
+      </p:nvGrpSpPr>
+      <p:grpSpPr>
+        <a:xfrm>
+          <a:off x="0" y="0"/>
+          <a:ext cx="0" cy="0"/>
+          <a:chOff x="0" y="0"/>
+          <a:chExt cx="0" cy="0"/>
+        </a:xfrm>
+      </p:grpSpPr>
+      <p:sp>
+        <p:nvSpPr>
+          <p:cNvPr id="34" name="직사각형 33">
+            <a:extLst>
+              <a:ext uri="{FF2B5EF4-FFF2-40B4-BE49-F238E27FC236}">
+                <a16:creationId xmlns:a16="http://schemas.microsoft.com/office/drawing/2014/main" id="{D7A3D358-E205-375E-3E8E-81CD713146B9}"/>
+              </a:ext>
+            </a:extLst>
+          </p:cNvPr>
+          <p:cNvSpPr/>
+          <p:nvPr/>
+        </p:nvSpPr>
+        <p:spPr>
+          <a:xfrm>
+            <a:off x="4834847" y="5152787"/>
+            <a:ext cx="2522305" cy="888715"/>
+          </a:xfrm>
+          <a:prstGeom prst="rect">
+            <a:avLst/>
+          </a:prstGeom>
+          <a:noFill/>
+          <a:ln>
+            <a:solidFill>
+              <a:srgbClr val="0070C0"/>
+            </a:solidFill>
+          </a:ln>
+        </p:spPr>
+        <p:style>
+          <a:lnRef idx="2">
+            <a:schemeClr val="accent1">
+              <a:shade val="15000"/>
+            </a:schemeClr>
+          </a:lnRef>
+          <a:fillRef idx="1">
+            <a:schemeClr val="accent1"/>
+          </a:fillRef>
+          <a:effectRef idx="0">
+            <a:schemeClr val="accent1"/>
+          </a:effectRef>
+          <a:fontRef idx="minor">
+            <a:schemeClr val="lt1"/>
+          </a:fontRef>
+        </p:style>
+        <p:txBody>
+          <a:bodyPr rtlCol="0" anchor="ctr"/>
+          <a:lstStyle/>
+          <a:p>
+            <a:pPr algn="ctr"/>
+            <a:endParaRPr lang="en-GB"/>
+          </a:p>
+        </p:txBody>
+      </p:sp>
+      <p:sp>
+        <p:nvSpPr>
+          <p:cNvPr id="36" name="TextBox 35">
+            <a:extLst>
+              <a:ext uri="{FF2B5EF4-FFF2-40B4-BE49-F238E27FC236}">
+                <a16:creationId xmlns:a16="http://schemas.microsoft.com/office/drawing/2014/main" id="{7AF0099F-F21B-3E45-A6B5-A04D3536E96C}"/>
+              </a:ext>
+            </a:extLst>
+          </p:cNvPr>
+          <p:cNvSpPr txBox="1"/>
+          <p:nvPr/>
+        </p:nvSpPr>
+        <p:spPr>
+          <a:xfrm>
+            <a:off x="5346595" y="5269007"/>
+            <a:ext cx="1498808" cy="369332"/>
+          </a:xfrm>
+          <a:prstGeom prst="rect">
+            <a:avLst/>
+          </a:prstGeom>
+          <a:noFill/>
+        </p:spPr>
+        <p:txBody>
+          <a:bodyPr wrap="none" rtlCol="0">
+            <a:spAutoFit/>
+          </a:bodyPr>
+          <a:lstStyle/>
+          <a:p>
+            <a:r>
+              <a:rPr lang="en-GB" b="1">
+                <a:solidFill>
+                  <a:srgbClr val="0070C0"/>
+                </a:solidFill>
+              </a:rPr>
+              <a:t>Domain Layer</a:t>
+            </a:r>
+          </a:p>
+        </p:txBody>
+      </p:sp>
+      <p:sp>
+        <p:nvSpPr>
+          <p:cNvPr id="37" name="TextBox 36">
+            <a:extLst>
+              <a:ext uri="{FF2B5EF4-FFF2-40B4-BE49-F238E27FC236}">
+                <a16:creationId xmlns:a16="http://schemas.microsoft.com/office/drawing/2014/main" id="{376AA0DD-9ADA-2FE2-3647-8D7E416EA76F}"/>
+              </a:ext>
+            </a:extLst>
+          </p:cNvPr>
+          <p:cNvSpPr txBox="1"/>
+          <p:nvPr/>
+        </p:nvSpPr>
+        <p:spPr>
+          <a:xfrm>
+            <a:off x="5671043" y="5617505"/>
+            <a:ext cx="849913" cy="307777"/>
+          </a:xfrm>
+          <a:prstGeom prst="rect">
+            <a:avLst/>
+          </a:prstGeom>
+          <a:noFill/>
+        </p:spPr>
+        <p:txBody>
+          <a:bodyPr wrap="none" rtlCol="0">
+            <a:spAutoFit/>
+          </a:bodyPr>
+          <a:lstStyle/>
+          <a:p>
+            <a:r>
+              <a:rPr lang="en-GB" sz="1400" b="1">
+                <a:solidFill>
+                  <a:srgbClr val="0070C0"/>
+                </a:solidFill>
+              </a:rPr>
+              <a:t>Biz. </a:t>
+            </a:r>
+            <a:r>
+              <a:rPr lang="ko-KR" altLang="en-US" sz="1400" b="1">
+                <a:solidFill>
+                  <a:srgbClr val="0070C0"/>
+                </a:solidFill>
+              </a:rPr>
+              <a:t>단위</a:t>
+            </a:r>
+            <a:endParaRPr lang="en-GB" sz="1400" b="1">
+              <a:solidFill>
+                <a:srgbClr val="0070C0"/>
+              </a:solidFill>
+            </a:endParaRPr>
+          </a:p>
+        </p:txBody>
+      </p:sp>
+      <p:sp>
+        <p:nvSpPr>
+          <p:cNvPr id="6" name="TextBox 5">
+            <a:extLst>
+              <a:ext uri="{FF2B5EF4-FFF2-40B4-BE49-F238E27FC236}">
+                <a16:creationId xmlns:a16="http://schemas.microsoft.com/office/drawing/2014/main" id="{EB563C83-6E1F-FA9D-72E0-84A25A3BAF01}"/>
+              </a:ext>
+            </a:extLst>
+          </p:cNvPr>
+          <p:cNvSpPr txBox="1"/>
+          <p:nvPr/>
+        </p:nvSpPr>
+        <p:spPr>
+          <a:xfrm>
+            <a:off x="5734364" y="1324267"/>
+            <a:ext cx="723275" cy="584775"/>
+          </a:xfrm>
+          <a:prstGeom prst="rect">
+            <a:avLst/>
+          </a:prstGeom>
+          <a:noFill/>
+        </p:spPr>
+        <p:txBody>
+          <a:bodyPr wrap="none" rtlCol="0">
+            <a:spAutoFit/>
+          </a:bodyPr>
+          <a:lstStyle/>
+          <a:p>
+            <a:pPr algn="ctr"/>
+            <a:r>
+              <a:rPr lang="en-GB" b="1">
+                <a:solidFill>
+                  <a:srgbClr val="0070C0"/>
+                </a:solidFill>
+              </a:rPr>
+              <a:t>Biz.</a:t>
+            </a:r>
+          </a:p>
+          <a:p>
+            <a:pPr algn="ctr"/>
+            <a:r>
+              <a:rPr lang="ko-KR" altLang="en-US" sz="1400" b="1">
+                <a:solidFill>
+                  <a:srgbClr val="0070C0"/>
+                </a:solidFill>
+              </a:rPr>
+              <a:t>관심사</a:t>
+            </a:r>
+            <a:endParaRPr lang="en-GB" sz="1400" b="1">
+              <a:solidFill>
+                <a:srgbClr val="0070C0"/>
+              </a:solidFill>
+            </a:endParaRPr>
+          </a:p>
+        </p:txBody>
+      </p:sp>
+      <p:cxnSp>
+        <p:nvCxnSpPr>
+          <p:cNvPr id="12" name="직선 화살표 연결선 11">
+            <a:extLst>
+              <a:ext uri="{FF2B5EF4-FFF2-40B4-BE49-F238E27FC236}">
+                <a16:creationId xmlns:a16="http://schemas.microsoft.com/office/drawing/2014/main" id="{828EB9F9-0558-5E87-DD87-E272FEFAD126}"/>
+              </a:ext>
+            </a:extLst>
+          </p:cNvPr>
+          <p:cNvCxnSpPr>
+            <a:cxnSpLocks/>
+          </p:cNvCxnSpPr>
+          <p:nvPr/>
+        </p:nvCxnSpPr>
+        <p:spPr>
+          <a:xfrm>
+            <a:off x="6095999" y="3354681"/>
+            <a:ext cx="0" cy="1798106"/>
+          </a:xfrm>
+          <a:prstGeom prst="straightConnector1">
+            <a:avLst/>
+          </a:prstGeom>
+          <a:ln w="28575">
+            <a:solidFill>
+              <a:schemeClr val="tx1"/>
+            </a:solidFill>
+            <a:tailEnd type="triangle"/>
+          </a:ln>
+        </p:spPr>
+        <p:style>
+          <a:lnRef idx="1">
+            <a:schemeClr val="accent1"/>
+          </a:lnRef>
+          <a:fillRef idx="0">
+            <a:schemeClr val="accent1"/>
+          </a:fillRef>
+          <a:effectRef idx="0">
+            <a:schemeClr val="accent1"/>
+          </a:effectRef>
+          <a:fontRef idx="minor">
+            <a:schemeClr val="tx1"/>
+          </a:fontRef>
+        </p:style>
+      </p:cxnSp>
+      <p:sp>
+        <p:nvSpPr>
+          <p:cNvPr id="25" name="TextBox 24">
+            <a:extLst>
+              <a:ext uri="{FF2B5EF4-FFF2-40B4-BE49-F238E27FC236}">
+                <a16:creationId xmlns:a16="http://schemas.microsoft.com/office/drawing/2014/main" id="{63942AAC-CAA2-13DD-F28C-9FEFFDDA1FED}"/>
+              </a:ext>
+            </a:extLst>
+          </p:cNvPr>
+          <p:cNvSpPr txBox="1"/>
+          <p:nvPr/>
+        </p:nvSpPr>
+        <p:spPr>
+          <a:xfrm>
+            <a:off x="2122284" y="1324267"/>
+            <a:ext cx="723276" cy="584775"/>
+          </a:xfrm>
+          <a:prstGeom prst="rect">
+            <a:avLst/>
+          </a:prstGeom>
+          <a:noFill/>
+        </p:spPr>
+        <p:txBody>
+          <a:bodyPr wrap="none" rtlCol="0">
+            <a:spAutoFit/>
+          </a:bodyPr>
+          <a:lstStyle/>
+          <a:p>
+            <a:pPr algn="ctr"/>
+            <a:r>
+              <a:rPr lang="en-GB" b="1">
+                <a:solidFill>
+                  <a:srgbClr val="C00000"/>
+                </a:solidFill>
+              </a:rPr>
+              <a:t>Tech.</a:t>
+            </a:r>
+          </a:p>
+          <a:p>
+            <a:pPr algn="ctr"/>
+            <a:r>
+              <a:rPr lang="ko-KR" altLang="en-US" sz="1400" b="1">
+                <a:solidFill>
+                  <a:srgbClr val="C00000"/>
+                </a:solidFill>
+              </a:rPr>
+              <a:t>관심사</a:t>
+            </a:r>
+            <a:endParaRPr lang="en-GB" sz="1400" b="1">
+              <a:solidFill>
+                <a:srgbClr val="C00000"/>
+              </a:solidFill>
+            </a:endParaRPr>
+          </a:p>
+        </p:txBody>
+      </p:sp>
+      <p:sp>
+        <p:nvSpPr>
+          <p:cNvPr id="26" name="TextBox 25">
+            <a:extLst>
+              <a:ext uri="{FF2B5EF4-FFF2-40B4-BE49-F238E27FC236}">
+                <a16:creationId xmlns:a16="http://schemas.microsoft.com/office/drawing/2014/main" id="{E5ECB957-99DA-4B40-2517-87D4B6AA32F1}"/>
+              </a:ext>
+            </a:extLst>
+          </p:cNvPr>
+          <p:cNvSpPr txBox="1"/>
+          <p:nvPr/>
+        </p:nvSpPr>
+        <p:spPr>
+          <a:xfrm>
+            <a:off x="9346438" y="1324267"/>
+            <a:ext cx="723276" cy="584775"/>
+          </a:xfrm>
+          <a:prstGeom prst="rect">
+            <a:avLst/>
+          </a:prstGeom>
+          <a:noFill/>
+        </p:spPr>
+        <p:txBody>
+          <a:bodyPr wrap="none" rtlCol="0">
+            <a:spAutoFit/>
+          </a:bodyPr>
+          <a:lstStyle/>
+          <a:p>
+            <a:pPr algn="ctr"/>
+            <a:r>
+              <a:rPr lang="en-GB" b="1">
+                <a:solidFill>
+                  <a:srgbClr val="C00000"/>
+                </a:solidFill>
+              </a:rPr>
+              <a:t>Tech.</a:t>
+            </a:r>
+          </a:p>
+          <a:p>
+            <a:pPr algn="ctr"/>
+            <a:r>
+              <a:rPr lang="ko-KR" altLang="en-US" sz="1400" b="1">
+                <a:solidFill>
+                  <a:srgbClr val="C00000"/>
+                </a:solidFill>
+              </a:rPr>
+              <a:t>관심사</a:t>
+            </a:r>
+            <a:endParaRPr lang="en-GB" sz="1400" b="1">
+              <a:solidFill>
+                <a:srgbClr val="C00000"/>
+              </a:solidFill>
+            </a:endParaRPr>
+          </a:p>
+        </p:txBody>
+      </p:sp>
+      <p:sp>
+        <p:nvSpPr>
+          <p:cNvPr id="27" name="TextBox 26">
+            <a:extLst>
+              <a:ext uri="{FF2B5EF4-FFF2-40B4-BE49-F238E27FC236}">
+                <a16:creationId xmlns:a16="http://schemas.microsoft.com/office/drawing/2014/main" id="{FC014511-5821-4DC2-A4CE-B37CFCF61F22}"/>
+              </a:ext>
+            </a:extLst>
+          </p:cNvPr>
+          <p:cNvSpPr txBox="1"/>
+          <p:nvPr/>
+        </p:nvSpPr>
+        <p:spPr>
+          <a:xfrm>
+            <a:off x="2082209" y="772826"/>
+            <a:ext cx="800219" cy="461665"/>
+          </a:xfrm>
+          <a:prstGeom prst="rect">
+            <a:avLst/>
+          </a:prstGeom>
+          <a:noFill/>
+        </p:spPr>
+        <p:txBody>
+          <a:bodyPr wrap="none" rtlCol="0">
+            <a:spAutoFit/>
+          </a:bodyPr>
+          <a:lstStyle/>
+          <a:p>
+            <a:r>
+              <a:rPr lang="ko-KR" altLang="en-US" sz="2400" b="1">
+                <a:solidFill>
+                  <a:srgbClr val="C00000"/>
+                </a:solidFill>
+              </a:rPr>
+              <a:t>입력</a:t>
+            </a:r>
+            <a:endParaRPr lang="en-GB" sz="2400" b="1">
+              <a:solidFill>
+                <a:srgbClr val="C00000"/>
+              </a:solidFill>
+            </a:endParaRPr>
+          </a:p>
+        </p:txBody>
+      </p:sp>
+      <p:sp>
+        <p:nvSpPr>
+          <p:cNvPr id="28" name="TextBox 27">
+            <a:extLst>
+              <a:ext uri="{FF2B5EF4-FFF2-40B4-BE49-F238E27FC236}">
+                <a16:creationId xmlns:a16="http://schemas.microsoft.com/office/drawing/2014/main" id="{0C86008C-5B2A-0F5A-3C3D-143294B651BD}"/>
+              </a:ext>
+            </a:extLst>
+          </p:cNvPr>
+          <p:cNvSpPr txBox="1"/>
+          <p:nvPr/>
+        </p:nvSpPr>
+        <p:spPr>
+          <a:xfrm>
+            <a:off x="9309569" y="772826"/>
+            <a:ext cx="800219" cy="461665"/>
+          </a:xfrm>
+          <a:prstGeom prst="rect">
+            <a:avLst/>
+          </a:prstGeom>
+          <a:noFill/>
+        </p:spPr>
+        <p:txBody>
+          <a:bodyPr wrap="none" rtlCol="0">
+            <a:spAutoFit/>
+          </a:bodyPr>
+          <a:lstStyle/>
+          <a:p>
+            <a:r>
+              <a:rPr lang="ko-KR" altLang="en-US" sz="2400" b="1">
+                <a:solidFill>
+                  <a:srgbClr val="C00000"/>
+                </a:solidFill>
+              </a:rPr>
+              <a:t>출력</a:t>
+            </a:r>
+            <a:endParaRPr lang="en-GB" sz="2400" b="1">
+              <a:solidFill>
+                <a:srgbClr val="C00000"/>
+              </a:solidFill>
+            </a:endParaRPr>
+          </a:p>
+        </p:txBody>
+      </p:sp>
+      <p:sp>
+        <p:nvSpPr>
+          <p:cNvPr id="29" name="TextBox 28">
+            <a:extLst>
+              <a:ext uri="{FF2B5EF4-FFF2-40B4-BE49-F238E27FC236}">
+                <a16:creationId xmlns:a16="http://schemas.microsoft.com/office/drawing/2014/main" id="{2F2DB579-9FCA-FE10-0B3B-411DDBA2431E}"/>
+              </a:ext>
+            </a:extLst>
+          </p:cNvPr>
+          <p:cNvSpPr txBox="1"/>
+          <p:nvPr/>
+        </p:nvSpPr>
+        <p:spPr>
+          <a:xfrm>
+            <a:off x="5694288" y="772826"/>
+            <a:ext cx="800219" cy="461665"/>
+          </a:xfrm>
+          <a:prstGeom prst="rect">
+            <a:avLst/>
+          </a:prstGeom>
+          <a:noFill/>
+        </p:spPr>
+        <p:txBody>
+          <a:bodyPr wrap="none" rtlCol="0">
+            <a:spAutoFit/>
+          </a:bodyPr>
+          <a:lstStyle/>
+          <a:p>
+            <a:r>
+              <a:rPr lang="ko-KR" altLang="en-US" sz="2400" b="1">
+                <a:solidFill>
+                  <a:srgbClr val="0070C0"/>
+                </a:solidFill>
+              </a:rPr>
+              <a:t>연산</a:t>
+            </a:r>
+            <a:endParaRPr lang="en-GB" sz="2400" b="1">
+              <a:solidFill>
+                <a:srgbClr val="0070C0"/>
+              </a:solidFill>
+            </a:endParaRPr>
+          </a:p>
+        </p:txBody>
+      </p:sp>
+      <p:sp>
+        <p:nvSpPr>
+          <p:cNvPr id="41" name="직사각형 40">
+            <a:extLst>
+              <a:ext uri="{FF2B5EF4-FFF2-40B4-BE49-F238E27FC236}">
+                <a16:creationId xmlns:a16="http://schemas.microsoft.com/office/drawing/2014/main" id="{4AB81869-048C-9968-4BB2-8EE5D7240670}"/>
+              </a:ext>
+            </a:extLst>
+          </p:cNvPr>
+          <p:cNvSpPr/>
+          <p:nvPr/>
+        </p:nvSpPr>
+        <p:spPr>
+          <a:xfrm>
+            <a:off x="679807" y="509856"/>
+            <a:ext cx="10832386" cy="5838289"/>
+          </a:xfrm>
+          <a:prstGeom prst="rect">
+            <a:avLst/>
+          </a:prstGeom>
+          <a:noFill/>
+          <a:ln w="19050">
+            <a:solidFill>
+              <a:schemeClr val="tx1"/>
+            </a:solidFill>
+          </a:ln>
+        </p:spPr>
+        <p:style>
+          <a:lnRef idx="2">
+            <a:schemeClr val="accent1">
+              <a:shade val="15000"/>
+            </a:schemeClr>
+          </a:lnRef>
+          <a:fillRef idx="1">
+            <a:schemeClr val="accent1"/>
+          </a:fillRef>
+          <a:effectRef idx="0">
+            <a:schemeClr val="accent1"/>
+          </a:effectRef>
+          <a:fontRef idx="minor">
+            <a:schemeClr val="lt1"/>
+          </a:fontRef>
+        </p:style>
+        <p:txBody>
+          <a:bodyPr rtlCol="0" anchor="ctr"/>
+          <a:lstStyle/>
+          <a:p>
+            <a:pPr algn="ctr"/>
+            <a:endParaRPr lang="en-GB"/>
+          </a:p>
+        </p:txBody>
+      </p:sp>
+      <p:sp>
+        <p:nvSpPr>
+          <p:cNvPr id="14" name="직사각형 13">
+            <a:extLst>
+              <a:ext uri="{FF2B5EF4-FFF2-40B4-BE49-F238E27FC236}">
+                <a16:creationId xmlns:a16="http://schemas.microsoft.com/office/drawing/2014/main" id="{D5E7AEBF-C50F-7291-BA71-1872B6E2A3E0}"/>
+              </a:ext>
+            </a:extLst>
+          </p:cNvPr>
+          <p:cNvSpPr/>
+          <p:nvPr/>
+        </p:nvSpPr>
+        <p:spPr>
+          <a:xfrm>
+            <a:off x="1222770" y="2465966"/>
+            <a:ext cx="2522305" cy="888715"/>
+          </a:xfrm>
+          <a:prstGeom prst="rect">
+            <a:avLst/>
+          </a:prstGeom>
+          <a:noFill/>
+          <a:ln>
+            <a:solidFill>
+              <a:srgbClr val="C00000"/>
+            </a:solidFill>
+          </a:ln>
+        </p:spPr>
+        <p:style>
+          <a:lnRef idx="2">
+            <a:schemeClr val="accent1">
+              <a:shade val="15000"/>
+            </a:schemeClr>
+          </a:lnRef>
+          <a:fillRef idx="1">
+            <a:schemeClr val="accent1"/>
+          </a:fillRef>
+          <a:effectRef idx="0">
+            <a:schemeClr val="accent1"/>
+          </a:effectRef>
+          <a:fontRef idx="minor">
+            <a:schemeClr val="lt1"/>
+          </a:fontRef>
+        </p:style>
+        <p:txBody>
+          <a:bodyPr rtlCol="0" anchor="ctr"/>
+          <a:lstStyle/>
+          <a:p>
+            <a:pPr algn="ctr"/>
+            <a:endParaRPr lang="en-GB"/>
+          </a:p>
+        </p:txBody>
+      </p:sp>
+      <p:sp>
+        <p:nvSpPr>
+          <p:cNvPr id="15" name="TextBox 14">
+            <a:extLst>
+              <a:ext uri="{FF2B5EF4-FFF2-40B4-BE49-F238E27FC236}">
+                <a16:creationId xmlns:a16="http://schemas.microsoft.com/office/drawing/2014/main" id="{12016ED4-15BB-E8B0-78AA-4CB9C7EE3ECB}"/>
+              </a:ext>
+            </a:extLst>
+          </p:cNvPr>
+          <p:cNvSpPr txBox="1"/>
+          <p:nvPr/>
+        </p:nvSpPr>
+        <p:spPr>
+          <a:xfrm>
+            <a:off x="1722752" y="2582186"/>
+            <a:ext cx="1522340" cy="369332"/>
+          </a:xfrm>
+          <a:prstGeom prst="rect">
+            <a:avLst/>
+          </a:prstGeom>
+          <a:noFill/>
+        </p:spPr>
+        <p:txBody>
+          <a:bodyPr wrap="none" rtlCol="0">
+            <a:spAutoFit/>
+          </a:bodyPr>
+          <a:lstStyle/>
+          <a:p>
+            <a:r>
+              <a:rPr lang="en-GB" b="1">
+                <a:solidFill>
+                  <a:srgbClr val="C00000"/>
+                </a:solidFill>
+              </a:rPr>
+              <a:t>Adapter Layer</a:t>
+            </a:r>
+          </a:p>
+        </p:txBody>
+      </p:sp>
+      <p:cxnSp>
+        <p:nvCxnSpPr>
+          <p:cNvPr id="19" name="직선 화살표 연결선 18">
+            <a:extLst>
+              <a:ext uri="{FF2B5EF4-FFF2-40B4-BE49-F238E27FC236}">
+                <a16:creationId xmlns:a16="http://schemas.microsoft.com/office/drawing/2014/main" id="{A3021606-0BB1-2C27-95AE-54AEDF74ACB2}"/>
+              </a:ext>
+            </a:extLst>
+          </p:cNvPr>
+          <p:cNvCxnSpPr>
+            <a:cxnSpLocks/>
+            <a:stCxn id="14" idx="3"/>
+            <a:endCxn id="7" idx="1"/>
+          </p:cNvCxnSpPr>
+          <p:nvPr/>
+        </p:nvCxnSpPr>
+        <p:spPr>
+          <a:xfrm>
+            <a:off x="3745075" y="2910324"/>
+            <a:ext cx="1089772" cy="0"/>
+          </a:xfrm>
+          <a:prstGeom prst="straightConnector1">
+            <a:avLst/>
+          </a:prstGeom>
+          <a:ln w="28575">
+            <a:solidFill>
+              <a:schemeClr val="tx1"/>
+            </a:solidFill>
+            <a:tailEnd type="triangle"/>
+          </a:ln>
+        </p:spPr>
+        <p:style>
+          <a:lnRef idx="1">
+            <a:schemeClr val="accent1"/>
+          </a:lnRef>
+          <a:fillRef idx="0">
+            <a:schemeClr val="accent1"/>
+          </a:fillRef>
+          <a:effectRef idx="0">
+            <a:schemeClr val="accent1"/>
+          </a:effectRef>
+          <a:fontRef idx="minor">
+            <a:schemeClr val="tx1"/>
+          </a:fontRef>
+        </p:style>
+      </p:cxnSp>
+      <p:sp>
+        <p:nvSpPr>
+          <p:cNvPr id="7" name="직사각형 6">
+            <a:extLst>
+              <a:ext uri="{FF2B5EF4-FFF2-40B4-BE49-F238E27FC236}">
+                <a16:creationId xmlns:a16="http://schemas.microsoft.com/office/drawing/2014/main" id="{7BFF42AB-41F9-CD84-9454-34049A96DF0A}"/>
+              </a:ext>
+            </a:extLst>
+          </p:cNvPr>
+          <p:cNvSpPr/>
+          <p:nvPr/>
+        </p:nvSpPr>
+        <p:spPr>
+          <a:xfrm>
+            <a:off x="4834847" y="2465966"/>
+            <a:ext cx="2522305" cy="888715"/>
+          </a:xfrm>
+          <a:prstGeom prst="rect">
+            <a:avLst/>
+          </a:prstGeom>
+          <a:noFill/>
+          <a:ln>
+            <a:solidFill>
+              <a:srgbClr val="0070C0"/>
+            </a:solidFill>
+          </a:ln>
+        </p:spPr>
+        <p:style>
+          <a:lnRef idx="2">
+            <a:schemeClr val="accent1">
+              <a:shade val="15000"/>
+            </a:schemeClr>
+          </a:lnRef>
+          <a:fillRef idx="1">
+            <a:schemeClr val="accent1"/>
+          </a:fillRef>
+          <a:effectRef idx="0">
+            <a:schemeClr val="accent1"/>
+          </a:effectRef>
+          <a:fontRef idx="minor">
+            <a:schemeClr val="lt1"/>
+          </a:fontRef>
+        </p:style>
+        <p:txBody>
+          <a:bodyPr rtlCol="0" anchor="ctr"/>
+          <a:lstStyle/>
+          <a:p>
+            <a:pPr algn="ctr"/>
+            <a:endParaRPr lang="en-GB"/>
+          </a:p>
+        </p:txBody>
+      </p:sp>
+      <p:sp>
+        <p:nvSpPr>
+          <p:cNvPr id="4" name="TextBox 3">
+            <a:extLst>
+              <a:ext uri="{FF2B5EF4-FFF2-40B4-BE49-F238E27FC236}">
+                <a16:creationId xmlns:a16="http://schemas.microsoft.com/office/drawing/2014/main" id="{59F3940A-8532-133A-A7FA-C13AF2BAA117}"/>
+              </a:ext>
+            </a:extLst>
+          </p:cNvPr>
+          <p:cNvSpPr txBox="1"/>
+          <p:nvPr/>
+        </p:nvSpPr>
+        <p:spPr>
+          <a:xfrm>
+            <a:off x="5177607" y="2582186"/>
+            <a:ext cx="1836785" cy="369332"/>
+          </a:xfrm>
+          <a:prstGeom prst="rect">
+            <a:avLst/>
+          </a:prstGeom>
+          <a:noFill/>
+        </p:spPr>
+        <p:txBody>
+          <a:bodyPr wrap="none" rtlCol="0">
+            <a:spAutoFit/>
+          </a:bodyPr>
+          <a:lstStyle/>
+          <a:p>
+            <a:r>
+              <a:rPr lang="en-GB" b="1">
+                <a:solidFill>
+                  <a:srgbClr val="0070C0"/>
+                </a:solidFill>
+              </a:rPr>
+              <a:t>Application Layer</a:t>
+            </a:r>
+          </a:p>
+        </p:txBody>
+      </p:sp>
+      <p:sp>
+        <p:nvSpPr>
+          <p:cNvPr id="30" name="TextBox 29">
+            <a:extLst>
+              <a:ext uri="{FF2B5EF4-FFF2-40B4-BE49-F238E27FC236}">
+                <a16:creationId xmlns:a16="http://schemas.microsoft.com/office/drawing/2014/main" id="{1564C5AA-FAB3-7B83-8E50-7A4318E7D6BF}"/>
+              </a:ext>
+            </a:extLst>
+          </p:cNvPr>
+          <p:cNvSpPr txBox="1"/>
+          <p:nvPr/>
+        </p:nvSpPr>
+        <p:spPr>
+          <a:xfrm>
+            <a:off x="5671043" y="2930684"/>
+            <a:ext cx="849913" cy="307777"/>
+          </a:xfrm>
+          <a:prstGeom prst="rect">
+            <a:avLst/>
+          </a:prstGeom>
+          <a:noFill/>
+        </p:spPr>
+        <p:txBody>
+          <a:bodyPr wrap="none" rtlCol="0">
+            <a:spAutoFit/>
+          </a:bodyPr>
+          <a:lstStyle/>
+          <a:p>
+            <a:r>
+              <a:rPr lang="en-GB" sz="1400" b="1">
+                <a:solidFill>
+                  <a:srgbClr val="0070C0"/>
+                </a:solidFill>
+              </a:rPr>
+              <a:t>Biz. </a:t>
+            </a:r>
+            <a:r>
+              <a:rPr lang="ko-KR" altLang="en-US" sz="1400" b="1">
+                <a:solidFill>
+                  <a:srgbClr val="0070C0"/>
+                </a:solidFill>
+              </a:rPr>
+              <a:t>흐름</a:t>
+            </a:r>
+            <a:endParaRPr lang="en-GB" sz="1400" b="1">
+              <a:solidFill>
+                <a:srgbClr val="0070C0"/>
+              </a:solidFill>
+            </a:endParaRPr>
+          </a:p>
+        </p:txBody>
+      </p:sp>
+      <p:sp>
+        <p:nvSpPr>
+          <p:cNvPr id="2" name="TextBox 1">
+            <a:extLst>
+              <a:ext uri="{FF2B5EF4-FFF2-40B4-BE49-F238E27FC236}">
+                <a16:creationId xmlns:a16="http://schemas.microsoft.com/office/drawing/2014/main" id="{4143864E-8C34-FCDD-7A4B-CCF458EB95A4}"/>
+              </a:ext>
+            </a:extLst>
+          </p:cNvPr>
+          <p:cNvSpPr txBox="1"/>
+          <p:nvPr/>
+        </p:nvSpPr>
+        <p:spPr>
+          <a:xfrm>
+            <a:off x="2200575" y="2930684"/>
+            <a:ext cx="566694" cy="307777"/>
+          </a:xfrm>
+          <a:prstGeom prst="rect">
+            <a:avLst/>
+          </a:prstGeom>
+          <a:noFill/>
+        </p:spPr>
+        <p:txBody>
+          <a:bodyPr wrap="none" rtlCol="0">
+            <a:spAutoFit/>
+          </a:bodyPr>
+          <a:lstStyle/>
+          <a:p>
+            <a:r>
+              <a:rPr lang="en-GB" sz="1400" b="1">
+                <a:solidFill>
+                  <a:srgbClr val="C00000"/>
+                </a:solidFill>
+              </a:rPr>
+              <a:t>Tech.</a:t>
+            </a:r>
+          </a:p>
+        </p:txBody>
+      </p:sp>
+      <p:sp>
+        <p:nvSpPr>
+          <p:cNvPr id="17" name="직사각형 16">
+            <a:extLst>
+              <a:ext uri="{FF2B5EF4-FFF2-40B4-BE49-F238E27FC236}">
+                <a16:creationId xmlns:a16="http://schemas.microsoft.com/office/drawing/2014/main" id="{B0B49EA9-2CB3-D2E0-64B1-EBC75692152D}"/>
+              </a:ext>
+            </a:extLst>
+          </p:cNvPr>
+          <p:cNvSpPr/>
+          <p:nvPr/>
+        </p:nvSpPr>
+        <p:spPr>
+          <a:xfrm>
+            <a:off x="8446924" y="2465966"/>
+            <a:ext cx="2522305" cy="888715"/>
+          </a:xfrm>
+          <a:prstGeom prst="rect">
+            <a:avLst/>
+          </a:prstGeom>
+          <a:noFill/>
+          <a:ln>
+            <a:solidFill>
+              <a:srgbClr val="C00000"/>
+            </a:solidFill>
+          </a:ln>
+        </p:spPr>
+        <p:style>
+          <a:lnRef idx="2">
+            <a:schemeClr val="accent1">
+              <a:shade val="15000"/>
+            </a:schemeClr>
+          </a:lnRef>
+          <a:fillRef idx="1">
+            <a:schemeClr val="accent1"/>
+          </a:fillRef>
+          <a:effectRef idx="0">
+            <a:schemeClr val="accent1"/>
+          </a:effectRef>
+          <a:fontRef idx="minor">
+            <a:schemeClr val="lt1"/>
+          </a:fontRef>
+        </p:style>
+        <p:txBody>
+          <a:bodyPr rtlCol="0" anchor="ctr"/>
+          <a:lstStyle/>
+          <a:p>
+            <a:pPr algn="ctr"/>
+            <a:endParaRPr lang="en-GB"/>
+          </a:p>
+        </p:txBody>
+      </p:sp>
+      <p:sp>
+        <p:nvSpPr>
+          <p:cNvPr id="18" name="TextBox 17">
+            <a:extLst>
+              <a:ext uri="{FF2B5EF4-FFF2-40B4-BE49-F238E27FC236}">
+                <a16:creationId xmlns:a16="http://schemas.microsoft.com/office/drawing/2014/main" id="{B66D78B4-2038-771B-9793-925A6F0B462C}"/>
+              </a:ext>
+            </a:extLst>
+          </p:cNvPr>
+          <p:cNvSpPr txBox="1"/>
+          <p:nvPr/>
+        </p:nvSpPr>
+        <p:spPr>
+          <a:xfrm>
+            <a:off x="8946906" y="2582187"/>
+            <a:ext cx="1522340" cy="369332"/>
+          </a:xfrm>
+          <a:prstGeom prst="rect">
+            <a:avLst/>
+          </a:prstGeom>
+          <a:noFill/>
+        </p:spPr>
+        <p:txBody>
+          <a:bodyPr wrap="none" rtlCol="0">
+            <a:spAutoFit/>
+          </a:bodyPr>
+          <a:lstStyle/>
+          <a:p>
+            <a:r>
+              <a:rPr lang="en-GB" b="1">
+                <a:solidFill>
+                  <a:srgbClr val="C00000"/>
+                </a:solidFill>
+              </a:rPr>
+              <a:t>Adapter Layer</a:t>
+            </a:r>
+          </a:p>
+        </p:txBody>
+      </p:sp>
+      <p:sp>
+        <p:nvSpPr>
+          <p:cNvPr id="3" name="TextBox 2">
+            <a:extLst>
+              <a:ext uri="{FF2B5EF4-FFF2-40B4-BE49-F238E27FC236}">
+                <a16:creationId xmlns:a16="http://schemas.microsoft.com/office/drawing/2014/main" id="{321C0B5A-5B33-B72A-C66A-C1314843B031}"/>
+              </a:ext>
+            </a:extLst>
+          </p:cNvPr>
+          <p:cNvSpPr txBox="1"/>
+          <p:nvPr/>
+        </p:nvSpPr>
+        <p:spPr>
+          <a:xfrm>
+            <a:off x="9424729" y="2930685"/>
+            <a:ext cx="566694" cy="307777"/>
+          </a:xfrm>
+          <a:prstGeom prst="rect">
+            <a:avLst/>
+          </a:prstGeom>
+          <a:noFill/>
+        </p:spPr>
+        <p:txBody>
+          <a:bodyPr wrap="none" rtlCol="0">
+            <a:spAutoFit/>
+          </a:bodyPr>
+          <a:lstStyle/>
+          <a:p>
+            <a:r>
+              <a:rPr lang="en-GB" sz="1400" b="1">
+                <a:solidFill>
+                  <a:srgbClr val="C00000"/>
+                </a:solidFill>
+              </a:rPr>
+              <a:t>Tech.</a:t>
+            </a:r>
+          </a:p>
+        </p:txBody>
+      </p:sp>
+      <p:sp>
+        <p:nvSpPr>
+          <p:cNvPr id="10" name="직사각형 9">
+            <a:extLst>
+              <a:ext uri="{FF2B5EF4-FFF2-40B4-BE49-F238E27FC236}">
+                <a16:creationId xmlns:a16="http://schemas.microsoft.com/office/drawing/2014/main" id="{2CDA102E-21C5-3418-45CF-C9EA7F52F8A7}"/>
+              </a:ext>
+            </a:extLst>
+          </p:cNvPr>
+          <p:cNvSpPr/>
+          <p:nvPr/>
+        </p:nvSpPr>
+        <p:spPr>
+          <a:xfrm>
+            <a:off x="8446923" y="3930583"/>
+            <a:ext cx="2522305" cy="888715"/>
+          </a:xfrm>
+          <a:prstGeom prst="rect">
+            <a:avLst/>
+          </a:prstGeom>
+          <a:noFill/>
+          <a:ln>
+            <a:solidFill>
+              <a:srgbClr val="C00000"/>
+            </a:solidFill>
+            <a:prstDash val="dash"/>
+          </a:ln>
+        </p:spPr>
+        <p:style>
+          <a:lnRef idx="2">
+            <a:schemeClr val="accent1">
+              <a:shade val="15000"/>
+            </a:schemeClr>
+          </a:lnRef>
+          <a:fillRef idx="1">
+            <a:schemeClr val="accent1"/>
+          </a:fillRef>
+          <a:effectRef idx="0">
+            <a:schemeClr val="accent1"/>
+          </a:effectRef>
+          <a:fontRef idx="minor">
+            <a:schemeClr val="lt1"/>
+          </a:fontRef>
+        </p:style>
+        <p:txBody>
+          <a:bodyPr rtlCol="0" anchor="ctr"/>
+          <a:lstStyle/>
+          <a:p>
+            <a:pPr algn="ctr"/>
+            <a:endParaRPr lang="en-GB"/>
+          </a:p>
+        </p:txBody>
+      </p:sp>
+      <p:sp>
+        <p:nvSpPr>
+          <p:cNvPr id="11" name="TextBox 10">
+            <a:extLst>
+              <a:ext uri="{FF2B5EF4-FFF2-40B4-BE49-F238E27FC236}">
+                <a16:creationId xmlns:a16="http://schemas.microsoft.com/office/drawing/2014/main" id="{F40BA451-C167-FBC2-9218-2C2DEBCA28FC}"/>
+              </a:ext>
+            </a:extLst>
+          </p:cNvPr>
+          <p:cNvSpPr txBox="1"/>
+          <p:nvPr/>
+        </p:nvSpPr>
+        <p:spPr>
+          <a:xfrm>
+            <a:off x="8946905" y="4046804"/>
+            <a:ext cx="1522340" cy="369332"/>
+          </a:xfrm>
+          <a:prstGeom prst="rect">
+            <a:avLst/>
+          </a:prstGeom>
+          <a:noFill/>
+        </p:spPr>
+        <p:txBody>
+          <a:bodyPr wrap="none" rtlCol="0">
+            <a:spAutoFit/>
+          </a:bodyPr>
+          <a:lstStyle/>
+          <a:p>
+            <a:r>
+              <a:rPr lang="en-GB" b="1">
+                <a:solidFill>
+                  <a:srgbClr val="C00000"/>
+                </a:solidFill>
+              </a:rPr>
+              <a:t>Adapter Layer</a:t>
+            </a:r>
+          </a:p>
+        </p:txBody>
+      </p:sp>
+      <p:sp>
+        <p:nvSpPr>
+          <p:cNvPr id="13" name="TextBox 12">
+            <a:extLst>
+              <a:ext uri="{FF2B5EF4-FFF2-40B4-BE49-F238E27FC236}">
+                <a16:creationId xmlns:a16="http://schemas.microsoft.com/office/drawing/2014/main" id="{308D3541-4D14-E045-9FAE-C354F133E967}"/>
+              </a:ext>
+            </a:extLst>
+          </p:cNvPr>
+          <p:cNvSpPr txBox="1"/>
+          <p:nvPr/>
+        </p:nvSpPr>
+        <p:spPr>
+          <a:xfrm>
+            <a:off x="9424728" y="4395302"/>
+            <a:ext cx="566694" cy="307777"/>
+          </a:xfrm>
+          <a:prstGeom prst="rect">
+            <a:avLst/>
+          </a:prstGeom>
+          <a:noFill/>
+        </p:spPr>
+        <p:txBody>
+          <a:bodyPr wrap="none" rtlCol="0">
+            <a:spAutoFit/>
+          </a:bodyPr>
+          <a:lstStyle/>
+          <a:p>
+            <a:r>
+              <a:rPr lang="en-GB" sz="1400" b="1">
+                <a:solidFill>
+                  <a:srgbClr val="C00000"/>
+                </a:solidFill>
+              </a:rPr>
+              <a:t>Tech.</a:t>
+            </a:r>
+          </a:p>
+        </p:txBody>
+      </p:sp>
+      <p:cxnSp>
+        <p:nvCxnSpPr>
+          <p:cNvPr id="20" name="연결선: 꺾임 19">
+            <a:extLst>
+              <a:ext uri="{FF2B5EF4-FFF2-40B4-BE49-F238E27FC236}">
+                <a16:creationId xmlns:a16="http://schemas.microsoft.com/office/drawing/2014/main" id="{61E99608-7605-6F0F-C21A-CF7E6C8F1D29}"/>
+              </a:ext>
+            </a:extLst>
+          </p:cNvPr>
+          <p:cNvCxnSpPr>
+            <a:cxnSpLocks/>
+            <a:stCxn id="45" idx="3"/>
+            <a:endCxn id="10" idx="1"/>
+          </p:cNvCxnSpPr>
+          <p:nvPr/>
+        </p:nvCxnSpPr>
+        <p:spPr>
+          <a:xfrm>
+            <a:off x="7354829" y="3092328"/>
+            <a:ext cx="1092094" cy="1282613"/>
+          </a:xfrm>
+          <a:prstGeom prst="bentConnector3">
+            <a:avLst>
+              <a:gd name="adj1" fmla="val 50000"/>
+            </a:avLst>
+          </a:prstGeom>
+          <a:ln w="28575">
+            <a:solidFill>
+              <a:schemeClr val="tx1"/>
+            </a:solidFill>
+            <a:prstDash val="sysDash"/>
+            <a:tailEnd type="triangle"/>
+          </a:ln>
+        </p:spPr>
+        <p:style>
+          <a:lnRef idx="1">
+            <a:schemeClr val="accent1"/>
+          </a:lnRef>
+          <a:fillRef idx="0">
+            <a:schemeClr val="accent1"/>
+          </a:fillRef>
+          <a:effectRef idx="0">
+            <a:schemeClr val="accent1"/>
+          </a:effectRef>
+          <a:fontRef idx="minor">
+            <a:schemeClr val="tx1"/>
+          </a:fontRef>
+        </p:style>
+      </p:cxnSp>
+      <p:sp>
+        <p:nvSpPr>
+          <p:cNvPr id="35" name="TextBox 34">
+            <a:extLst>
+              <a:ext uri="{FF2B5EF4-FFF2-40B4-BE49-F238E27FC236}">
+                <a16:creationId xmlns:a16="http://schemas.microsoft.com/office/drawing/2014/main" id="{A26C683E-A73D-510B-884A-5C0E93A982A9}"/>
+              </a:ext>
+            </a:extLst>
+          </p:cNvPr>
+          <p:cNvSpPr txBox="1"/>
+          <p:nvPr/>
+        </p:nvSpPr>
+        <p:spPr>
+          <a:xfrm>
+            <a:off x="2139275" y="2108930"/>
+            <a:ext cx="686085" cy="307777"/>
+          </a:xfrm>
+          <a:prstGeom prst="rect">
+            <a:avLst/>
+          </a:prstGeom>
+          <a:noFill/>
+        </p:spPr>
+        <p:txBody>
+          <a:bodyPr wrap="none" rtlCol="0">
+            <a:spAutoFit/>
+          </a:bodyPr>
+          <a:lstStyle/>
+          <a:p>
+            <a:r>
+              <a:rPr lang="en-GB" sz="1400"/>
+              <a:t>Known</a:t>
+            </a:r>
+          </a:p>
+        </p:txBody>
+      </p:sp>
+      <p:sp>
+        <p:nvSpPr>
+          <p:cNvPr id="38" name="TextBox 37">
+            <a:extLst>
+              <a:ext uri="{FF2B5EF4-FFF2-40B4-BE49-F238E27FC236}">
+                <a16:creationId xmlns:a16="http://schemas.microsoft.com/office/drawing/2014/main" id="{398F4B3D-E4D5-DDE4-CADF-BA589F99876D}"/>
+              </a:ext>
+            </a:extLst>
+          </p:cNvPr>
+          <p:cNvSpPr txBox="1"/>
+          <p:nvPr/>
+        </p:nvSpPr>
+        <p:spPr>
+          <a:xfrm>
+            <a:off x="9365034" y="2108930"/>
+            <a:ext cx="686085" cy="307777"/>
+          </a:xfrm>
+          <a:prstGeom prst="rect">
+            <a:avLst/>
+          </a:prstGeom>
+          <a:noFill/>
+        </p:spPr>
+        <p:txBody>
+          <a:bodyPr wrap="none" rtlCol="0">
+            <a:spAutoFit/>
+          </a:bodyPr>
+          <a:lstStyle/>
+          <a:p>
+            <a:r>
+              <a:rPr lang="en-GB" sz="1400"/>
+              <a:t>Known</a:t>
+            </a:r>
+          </a:p>
+        </p:txBody>
+      </p:sp>
+      <p:cxnSp>
+        <p:nvCxnSpPr>
+          <p:cNvPr id="42" name="직선 화살표 연결선 41">
+            <a:extLst>
+              <a:ext uri="{FF2B5EF4-FFF2-40B4-BE49-F238E27FC236}">
+                <a16:creationId xmlns:a16="http://schemas.microsoft.com/office/drawing/2014/main" id="{E69103D2-3A69-4016-26B9-E3748C65EF6C}"/>
+              </a:ext>
+            </a:extLst>
+          </p:cNvPr>
+          <p:cNvCxnSpPr>
+            <a:cxnSpLocks/>
+            <a:stCxn id="7" idx="3"/>
+            <a:endCxn id="17" idx="1"/>
+          </p:cNvCxnSpPr>
+          <p:nvPr/>
+        </p:nvCxnSpPr>
+        <p:spPr>
+          <a:xfrm>
+            <a:off x="7357152" y="2910324"/>
+            <a:ext cx="1089772" cy="0"/>
+          </a:xfrm>
+          <a:prstGeom prst="straightConnector1">
+            <a:avLst/>
+          </a:prstGeom>
+          <a:ln w="28575">
+            <a:solidFill>
+              <a:schemeClr val="tx1"/>
+            </a:solidFill>
+            <a:tailEnd type="triangle"/>
+          </a:ln>
+        </p:spPr>
+        <p:style>
+          <a:lnRef idx="1">
+            <a:schemeClr val="accent1"/>
+          </a:lnRef>
+          <a:fillRef idx="0">
+            <a:schemeClr val="accent1"/>
+          </a:fillRef>
+          <a:effectRef idx="0">
+            <a:schemeClr val="accent1"/>
+          </a:effectRef>
+          <a:fontRef idx="minor">
+            <a:schemeClr val="tx1"/>
+          </a:fontRef>
+        </p:style>
+      </p:cxnSp>
+      <p:sp>
+        <p:nvSpPr>
+          <p:cNvPr id="45" name="직사각형 44">
+            <a:extLst>
+              <a:ext uri="{FF2B5EF4-FFF2-40B4-BE49-F238E27FC236}">
+                <a16:creationId xmlns:a16="http://schemas.microsoft.com/office/drawing/2014/main" id="{890FC1D2-A4A3-D9AD-6614-015331E324D1}"/>
+              </a:ext>
+            </a:extLst>
+          </p:cNvPr>
+          <p:cNvSpPr/>
+          <p:nvPr/>
+        </p:nvSpPr>
+        <p:spPr>
+          <a:xfrm>
+            <a:off x="6922497" y="2930511"/>
+            <a:ext cx="432332" cy="323633"/>
+          </a:xfrm>
+          <a:prstGeom prst="rect">
+            <a:avLst/>
+          </a:prstGeom>
+          <a:noFill/>
+          <a:ln>
+            <a:noFill/>
+          </a:ln>
+        </p:spPr>
+        <p:style>
+          <a:lnRef idx="2">
+            <a:schemeClr val="accent1">
+              <a:shade val="15000"/>
+            </a:schemeClr>
+          </a:lnRef>
+          <a:fillRef idx="1">
+            <a:schemeClr val="accent1"/>
+          </a:fillRef>
+          <a:effectRef idx="0">
+            <a:schemeClr val="accent1"/>
+          </a:effectRef>
+          <a:fontRef idx="minor">
+            <a:schemeClr val="lt1"/>
+          </a:fontRef>
+        </p:style>
+        <p:txBody>
+          <a:bodyPr rtlCol="0" anchor="ctr"/>
+          <a:lstStyle/>
+          <a:p>
+            <a:pPr algn="ctr"/>
+            <a:endParaRPr lang="en-GB"/>
+          </a:p>
+        </p:txBody>
+      </p:sp>
+      <p:sp>
+        <p:nvSpPr>
+          <p:cNvPr id="49" name="TextBox 48">
+            <a:extLst>
+              <a:ext uri="{FF2B5EF4-FFF2-40B4-BE49-F238E27FC236}">
+                <a16:creationId xmlns:a16="http://schemas.microsoft.com/office/drawing/2014/main" id="{207E8FBE-1144-1EE7-1F2F-447D5481C228}"/>
+              </a:ext>
+            </a:extLst>
+          </p:cNvPr>
+          <p:cNvSpPr txBox="1"/>
+          <p:nvPr/>
+        </p:nvSpPr>
+        <p:spPr>
+          <a:xfrm>
+            <a:off x="9264236" y="3547641"/>
+            <a:ext cx="887679" cy="307777"/>
+          </a:xfrm>
+          <a:prstGeom prst="rect">
+            <a:avLst/>
+          </a:prstGeom>
+          <a:noFill/>
+        </p:spPr>
+        <p:txBody>
+          <a:bodyPr wrap="none" rtlCol="0">
+            <a:spAutoFit/>
+          </a:bodyPr>
+          <a:lstStyle/>
+          <a:p>
+            <a:r>
+              <a:rPr lang="en-GB" sz="1400"/>
+              <a:t>Unknown</a:t>
+            </a:r>
+          </a:p>
+        </p:txBody>
+      </p:sp>
+    </p:spTree>
+    <p:extLst>
+      <p:ext uri="{BB962C8B-B14F-4D97-AF65-F5344CB8AC3E}">
+        <p14:creationId xmlns:p14="http://schemas.microsoft.com/office/powerpoint/2010/main" val="516561380"/>
+      </p:ext>
+    </p:extLst>
+  </p:cSld>
+  <p:clrMapOvr>
+    <a:masterClrMapping/>
+  </p:clrMapOvr>
+</p:sld>
+</file>
+
+<file path=ppt/slides/slide6.xml><?xml version="1.0" encoding="utf-8"?>
+<p:sld xmlns:a="http://schemas.openxmlformats.org/drawingml/2006/main" xmlns:r="http://schemas.openxmlformats.org/officeDocument/2006/relationships" xmlns:p="http://schemas.openxmlformats.org/presentationml/2006/main">
+  <p:cSld>
+    <p:spTree>
+      <p:nvGrpSpPr>
+        <p:cNvPr id="1" name="">
+          <a:extLst>
+            <a:ext uri="{FF2B5EF4-FFF2-40B4-BE49-F238E27FC236}">
+              <a16:creationId xmlns:a16="http://schemas.microsoft.com/office/drawing/2014/main" id="{9618BA75-08E1-14FB-4925-D762EF759E25}"/>
+            </a:ext>
+          </a:extLst>
+        </p:cNvPr>
+        <p:cNvGrpSpPr/>
+        <p:nvPr/>
+      </p:nvGrpSpPr>
+      <p:grpSpPr>
+        <a:xfrm>
+          <a:off x="0" y="0"/>
+          <a:ext cx="0" cy="0"/>
+          <a:chOff x="0" y="0"/>
+          <a:chExt cx="0" cy="0"/>
+        </a:xfrm>
+      </p:grpSpPr>
+      <p:sp>
+        <p:nvSpPr>
+          <p:cNvPr id="103" name="직사각형 102">
+            <a:extLst>
+              <a:ext uri="{FF2B5EF4-FFF2-40B4-BE49-F238E27FC236}">
+                <a16:creationId xmlns:a16="http://schemas.microsoft.com/office/drawing/2014/main" id="{F77E5280-CB74-964E-69A6-7C9616880639}"/>
+              </a:ext>
+            </a:extLst>
+          </p:cNvPr>
+          <p:cNvSpPr/>
+          <p:nvPr/>
+        </p:nvSpPr>
+        <p:spPr>
+          <a:xfrm>
+            <a:off x="0" y="1614890"/>
+            <a:ext cx="12192000" cy="2300496"/>
+          </a:xfrm>
+          <a:prstGeom prst="rect">
+            <a:avLst/>
+          </a:prstGeom>
+          <a:solidFill>
+            <a:schemeClr val="bg1">
+              <a:lumMod val="95000"/>
+            </a:schemeClr>
+          </a:solidFill>
+          <a:ln>
+            <a:noFill/>
+          </a:ln>
+        </p:spPr>
+        <p:style>
+          <a:lnRef idx="2">
+            <a:schemeClr val="accent1">
+              <a:shade val="15000"/>
+            </a:schemeClr>
+          </a:lnRef>
+          <a:fillRef idx="1">
+            <a:schemeClr val="accent1"/>
+          </a:fillRef>
+          <a:effectRef idx="0">
+            <a:schemeClr val="accent1"/>
+          </a:effectRef>
+          <a:fontRef idx="minor">
+            <a:schemeClr val="lt1"/>
+          </a:fontRef>
+        </p:style>
+        <p:txBody>
+          <a:bodyPr rtlCol="0" anchor="ctr"/>
+          <a:lstStyle/>
+          <a:p>
+            <a:pPr algn="ctr"/>
+            <a:endParaRPr lang="en-GB"/>
+          </a:p>
+        </p:txBody>
+      </p:sp>
+      <p:sp>
+        <p:nvSpPr>
+          <p:cNvPr id="8" name="TextBox 7">
+            <a:extLst>
+              <a:ext uri="{FF2B5EF4-FFF2-40B4-BE49-F238E27FC236}">
+                <a16:creationId xmlns:a16="http://schemas.microsoft.com/office/drawing/2014/main" id="{5D26786F-0AC7-8EB1-BCF4-0F4BF1377C10}"/>
+              </a:ext>
+            </a:extLst>
+          </p:cNvPr>
+          <p:cNvSpPr txBox="1"/>
+          <p:nvPr/>
+        </p:nvSpPr>
+        <p:spPr>
+          <a:xfrm>
+            <a:off x="420391" y="377532"/>
+            <a:ext cx="1300612" cy="707886"/>
+          </a:xfrm>
+          <a:prstGeom prst="rect">
+            <a:avLst/>
+          </a:prstGeom>
+          <a:noFill/>
+        </p:spPr>
+        <p:txBody>
+          <a:bodyPr wrap="none" rtlCol="0">
+            <a:spAutoFit/>
+          </a:bodyPr>
+          <a:lstStyle/>
+          <a:p>
+            <a:pPr algn="ctr"/>
+            <a:r>
+              <a:rPr lang="en-GB" sz="2400" b="1">
+                <a:solidFill>
+                  <a:srgbClr val="0070C0"/>
+                </a:solidFill>
+                <a:ea typeface="맑은 고딕" panose="020B0503020000020004" pitchFamily="50" charset="-127"/>
+                <a:cs typeface="Microsoft Sans Serif" panose="020B0604020202020204" pitchFamily="34" charset="0"/>
+              </a:rPr>
+              <a:t>DEV</a:t>
+            </a:r>
+          </a:p>
+          <a:p>
+            <a:pPr algn="ctr"/>
+            <a:r>
+              <a:rPr lang="en-GB" sz="1600" b="1">
+                <a:solidFill>
+                  <a:srgbClr val="0070C0"/>
+                </a:solidFill>
+                <a:ea typeface="맑은 고딕" panose="020B0503020000020004" pitchFamily="50" charset="-127"/>
+                <a:cs typeface="Microsoft Sans Serif" panose="020B0604020202020204" pitchFamily="34" charset="0"/>
+              </a:rPr>
+              <a:t>dev</a:t>
+            </a:r>
+            <a:r>
+              <a:rPr lang="en-GB" sz="1600">
+                <a:solidFill>
+                  <a:srgbClr val="0070C0"/>
+                </a:solidFill>
+                <a:ea typeface="맑은 고딕" panose="020B0503020000020004" pitchFamily="50" charset="-127"/>
+                <a:cs typeface="Microsoft Sans Serif" panose="020B0604020202020204" pitchFamily="34" charset="0"/>
+              </a:rPr>
+              <a:t>elopment</a:t>
+            </a:r>
+          </a:p>
+        </p:txBody>
+      </p:sp>
+      <p:sp>
+        <p:nvSpPr>
+          <p:cNvPr id="9" name="TextBox 8">
+            <a:extLst>
+              <a:ext uri="{FF2B5EF4-FFF2-40B4-BE49-F238E27FC236}">
+                <a16:creationId xmlns:a16="http://schemas.microsoft.com/office/drawing/2014/main" id="{1A8AD48A-88A3-6B75-226D-8B3498D76C82}"/>
+              </a:ext>
+            </a:extLst>
+          </p:cNvPr>
+          <p:cNvSpPr txBox="1"/>
+          <p:nvPr/>
+        </p:nvSpPr>
+        <p:spPr>
+          <a:xfrm>
+            <a:off x="10287339" y="377532"/>
+            <a:ext cx="1099981" cy="707886"/>
+          </a:xfrm>
+          <a:prstGeom prst="rect">
+            <a:avLst/>
+          </a:prstGeom>
+          <a:noFill/>
+        </p:spPr>
+        <p:txBody>
+          <a:bodyPr wrap="none" rtlCol="0">
+            <a:spAutoFit/>
+          </a:bodyPr>
+          <a:lstStyle/>
+          <a:p>
+            <a:pPr algn="ctr"/>
+            <a:r>
+              <a:rPr lang="en-GB" sz="2400" b="1">
+                <a:solidFill>
+                  <a:srgbClr val="C00000"/>
+                </a:solidFill>
+                <a:ea typeface="맑은 고딕" panose="020B0503020000020004" pitchFamily="50" charset="-127"/>
+                <a:cs typeface="Microsoft Sans Serif" panose="020B0604020202020204" pitchFamily="34" charset="0"/>
+              </a:rPr>
+              <a:t>OPS</a:t>
+            </a:r>
+          </a:p>
+          <a:p>
+            <a:pPr algn="ctr"/>
+            <a:r>
+              <a:rPr lang="en-GB" sz="1600" b="1">
+                <a:solidFill>
+                  <a:srgbClr val="C00000"/>
+                </a:solidFill>
+                <a:ea typeface="맑은 고딕" panose="020B0503020000020004" pitchFamily="50" charset="-127"/>
+                <a:cs typeface="Microsoft Sans Serif" panose="020B0604020202020204" pitchFamily="34" charset="0"/>
+              </a:rPr>
+              <a:t>operations</a:t>
+            </a:r>
+            <a:endParaRPr lang="en-GB" sz="1200" b="1">
+              <a:solidFill>
+                <a:srgbClr val="C00000"/>
+              </a:solidFill>
+              <a:ea typeface="맑은 고딕" panose="020B0503020000020004" pitchFamily="50" charset="-127"/>
+              <a:cs typeface="Microsoft Sans Serif" panose="020B0604020202020204" pitchFamily="34" charset="0"/>
+            </a:endParaRPr>
+          </a:p>
+        </p:txBody>
+      </p:sp>
+      <p:sp>
+        <p:nvSpPr>
+          <p:cNvPr id="22" name="TextBox 21">
+            <a:extLst>
+              <a:ext uri="{FF2B5EF4-FFF2-40B4-BE49-F238E27FC236}">
+                <a16:creationId xmlns:a16="http://schemas.microsoft.com/office/drawing/2014/main" id="{11EDFA4C-1085-9B1F-E7F3-92C5F9B42325}"/>
+              </a:ext>
+            </a:extLst>
+          </p:cNvPr>
+          <p:cNvSpPr txBox="1"/>
+          <p:nvPr/>
+        </p:nvSpPr>
+        <p:spPr>
+          <a:xfrm>
+            <a:off x="5565125" y="346755"/>
+            <a:ext cx="1491820" cy="769441"/>
+          </a:xfrm>
+          <a:prstGeom prst="rect">
+            <a:avLst/>
+          </a:prstGeom>
+          <a:noFill/>
+        </p:spPr>
+        <p:txBody>
+          <a:bodyPr wrap="none" rtlCol="0">
+            <a:spAutoFit/>
+          </a:bodyPr>
+          <a:lstStyle/>
+          <a:p>
+            <a:pPr algn="ctr"/>
+            <a:r>
+              <a:rPr lang="en-GB" sz="4400" b="1">
+                <a:solidFill>
+                  <a:srgbClr val="7030A0"/>
+                </a:solidFill>
+                <a:ea typeface="맑은 고딕" panose="020B0503020000020004" pitchFamily="50" charset="-127"/>
+                <a:cs typeface="Microsoft Sans Serif" panose="020B0604020202020204" pitchFamily="34" charset="0"/>
+              </a:rPr>
+              <a:t>CODE</a:t>
+            </a:r>
+          </a:p>
+        </p:txBody>
+      </p:sp>
+      <p:sp>
+        <p:nvSpPr>
+          <p:cNvPr id="104" name="직사각형 103">
+            <a:extLst>
+              <a:ext uri="{FF2B5EF4-FFF2-40B4-BE49-F238E27FC236}">
+                <a16:creationId xmlns:a16="http://schemas.microsoft.com/office/drawing/2014/main" id="{05CC87FA-4436-C1DD-8D0C-65553C212627}"/>
+              </a:ext>
+            </a:extLst>
+          </p:cNvPr>
+          <p:cNvSpPr/>
+          <p:nvPr/>
+        </p:nvSpPr>
+        <p:spPr>
+          <a:xfrm>
+            <a:off x="0" y="5129363"/>
+            <a:ext cx="12192000" cy="1520582"/>
+          </a:xfrm>
+          <a:prstGeom prst="rect">
+            <a:avLst/>
+          </a:prstGeom>
+          <a:solidFill>
+            <a:schemeClr val="bg1">
+              <a:lumMod val="95000"/>
+            </a:schemeClr>
+          </a:solidFill>
+          <a:ln>
+            <a:noFill/>
+          </a:ln>
+        </p:spPr>
+        <p:style>
+          <a:lnRef idx="2">
+            <a:schemeClr val="accent1">
+              <a:shade val="15000"/>
+            </a:schemeClr>
+          </a:lnRef>
+          <a:fillRef idx="1">
+            <a:schemeClr val="accent1"/>
+          </a:fillRef>
+          <a:effectRef idx="0">
+            <a:schemeClr val="accent1"/>
+          </a:effectRef>
+          <a:fontRef idx="minor">
+            <a:schemeClr val="lt1"/>
+          </a:fontRef>
+        </p:style>
+        <p:txBody>
+          <a:bodyPr rtlCol="0" anchor="ctr"/>
+          <a:lstStyle/>
+          <a:p>
+            <a:pPr algn="ctr"/>
+            <a:endParaRPr lang="en-GB"/>
+          </a:p>
+        </p:txBody>
+      </p:sp>
+      <p:sp>
+        <p:nvSpPr>
+          <p:cNvPr id="18" name="TextBox 17">
+            <a:extLst>
+              <a:ext uri="{FF2B5EF4-FFF2-40B4-BE49-F238E27FC236}">
+                <a16:creationId xmlns:a16="http://schemas.microsoft.com/office/drawing/2014/main" id="{97528234-4B98-631D-B111-38316E7B8363}"/>
+              </a:ext>
+            </a:extLst>
+          </p:cNvPr>
+          <p:cNvSpPr txBox="1"/>
+          <p:nvPr/>
+        </p:nvSpPr>
+        <p:spPr>
+          <a:xfrm>
+            <a:off x="5392641" y="2053362"/>
+            <a:ext cx="1836785" cy="369332"/>
+          </a:xfrm>
+          <a:prstGeom prst="rect">
+            <a:avLst/>
+          </a:prstGeom>
+          <a:noFill/>
+        </p:spPr>
+        <p:txBody>
+          <a:bodyPr wrap="none" rtlCol="0">
+            <a:spAutoFit/>
+          </a:bodyPr>
+          <a:lstStyle/>
+          <a:p>
+            <a:r>
+              <a:rPr lang="en-GB" b="1"/>
+              <a:t>Application Layer</a:t>
+            </a:r>
+          </a:p>
+        </p:txBody>
+      </p:sp>
+      <p:sp>
+        <p:nvSpPr>
+          <p:cNvPr id="19" name="TextBox 18">
+            <a:extLst>
+              <a:ext uri="{FF2B5EF4-FFF2-40B4-BE49-F238E27FC236}">
+                <a16:creationId xmlns:a16="http://schemas.microsoft.com/office/drawing/2014/main" id="{4A625F62-BAD0-E12F-43DA-FD4F303D6AE1}"/>
+              </a:ext>
+            </a:extLst>
+          </p:cNvPr>
+          <p:cNvSpPr txBox="1"/>
+          <p:nvPr/>
+        </p:nvSpPr>
+        <p:spPr>
+          <a:xfrm>
+            <a:off x="5561629" y="3107580"/>
+            <a:ext cx="1498808" cy="369332"/>
+          </a:xfrm>
+          <a:prstGeom prst="rect">
+            <a:avLst/>
+          </a:prstGeom>
+          <a:noFill/>
+        </p:spPr>
+        <p:txBody>
+          <a:bodyPr wrap="none" rtlCol="0">
+            <a:spAutoFit/>
+          </a:bodyPr>
+          <a:lstStyle/>
+          <a:p>
+            <a:r>
+              <a:rPr lang="en-GB" b="1"/>
+              <a:t>Domain Layer</a:t>
+            </a:r>
+          </a:p>
+        </p:txBody>
+      </p:sp>
+      <p:sp>
+        <p:nvSpPr>
+          <p:cNvPr id="20" name="TextBox 19">
+            <a:extLst>
+              <a:ext uri="{FF2B5EF4-FFF2-40B4-BE49-F238E27FC236}">
+                <a16:creationId xmlns:a16="http://schemas.microsoft.com/office/drawing/2014/main" id="{2F14AB37-74DB-A6E4-E4B5-131B241389B5}"/>
+              </a:ext>
+            </a:extLst>
+          </p:cNvPr>
+          <p:cNvSpPr txBox="1"/>
+          <p:nvPr/>
+        </p:nvSpPr>
+        <p:spPr>
+          <a:xfrm>
+            <a:off x="5549863" y="5704987"/>
+            <a:ext cx="1522340" cy="369332"/>
+          </a:xfrm>
+          <a:prstGeom prst="rect">
+            <a:avLst/>
+          </a:prstGeom>
+          <a:noFill/>
+        </p:spPr>
+        <p:txBody>
+          <a:bodyPr wrap="none" rtlCol="0">
+            <a:spAutoFit/>
+          </a:bodyPr>
+          <a:lstStyle/>
+          <a:p>
+            <a:r>
+              <a:rPr lang="en-GB" b="1"/>
+              <a:t>Adapter Layer</a:t>
+            </a:r>
+          </a:p>
+        </p:txBody>
+      </p:sp>
+      <p:cxnSp>
+        <p:nvCxnSpPr>
+          <p:cNvPr id="28" name="연결선: 구부러짐 27">
+            <a:extLst>
+              <a:ext uri="{FF2B5EF4-FFF2-40B4-BE49-F238E27FC236}">
+                <a16:creationId xmlns:a16="http://schemas.microsoft.com/office/drawing/2014/main" id="{5564DC09-8B9A-BC74-8CA5-8E3EA3FADBA7}"/>
+              </a:ext>
+            </a:extLst>
+          </p:cNvPr>
+          <p:cNvCxnSpPr>
+            <a:cxnSpLocks/>
+            <a:stCxn id="4" idx="3"/>
+            <a:endCxn id="57" idx="1"/>
+          </p:cNvCxnSpPr>
+          <p:nvPr/>
+        </p:nvCxnSpPr>
+        <p:spPr>
+          <a:xfrm flipV="1">
+            <a:off x="2032916" y="2716784"/>
+            <a:ext cx="343293" cy="1670197"/>
+          </a:xfrm>
+          <a:prstGeom prst="curvedConnector3">
+            <a:avLst>
+              <a:gd name="adj1" fmla="val 50000"/>
+            </a:avLst>
+          </a:prstGeom>
+          <a:ln w="19050">
+            <a:tailEnd type="triangle"/>
+          </a:ln>
+        </p:spPr>
+        <p:style>
+          <a:lnRef idx="1">
+            <a:schemeClr val="accent1"/>
+          </a:lnRef>
+          <a:fillRef idx="0">
+            <a:schemeClr val="accent1"/>
+          </a:fillRef>
+          <a:effectRef idx="0">
+            <a:schemeClr val="accent1"/>
+          </a:effectRef>
+          <a:fontRef idx="minor">
+            <a:schemeClr val="tx1"/>
+          </a:fontRef>
+        </p:style>
+      </p:cxnSp>
+      <p:cxnSp>
+        <p:nvCxnSpPr>
+          <p:cNvPr id="30" name="연결선: 구부러짐 29">
+            <a:extLst>
+              <a:ext uri="{FF2B5EF4-FFF2-40B4-BE49-F238E27FC236}">
+                <a16:creationId xmlns:a16="http://schemas.microsoft.com/office/drawing/2014/main" id="{14B15A9A-F9D8-387A-0541-94F21AD3BC79}"/>
+              </a:ext>
+            </a:extLst>
+          </p:cNvPr>
+          <p:cNvCxnSpPr>
+            <a:cxnSpLocks/>
+            <a:stCxn id="4" idx="3"/>
+            <a:endCxn id="58" idx="1"/>
+          </p:cNvCxnSpPr>
+          <p:nvPr/>
+        </p:nvCxnSpPr>
+        <p:spPr>
+          <a:xfrm>
+            <a:off x="2032916" y="4386981"/>
+            <a:ext cx="343293" cy="1502672"/>
+          </a:xfrm>
+          <a:prstGeom prst="curvedConnector3">
+            <a:avLst>
+              <a:gd name="adj1" fmla="val 50000"/>
+            </a:avLst>
+          </a:prstGeom>
+          <a:ln w="19050">
+            <a:tailEnd type="triangle"/>
+          </a:ln>
+        </p:spPr>
+        <p:style>
+          <a:lnRef idx="1">
+            <a:schemeClr val="accent1"/>
+          </a:lnRef>
+          <a:fillRef idx="0">
+            <a:schemeClr val="accent1"/>
+          </a:fillRef>
+          <a:effectRef idx="0">
+            <a:schemeClr val="accent1"/>
+          </a:effectRef>
+          <a:fontRef idx="minor">
+            <a:schemeClr val="tx1"/>
+          </a:fontRef>
+        </p:style>
+      </p:cxnSp>
+      <p:cxnSp>
+        <p:nvCxnSpPr>
+          <p:cNvPr id="40" name="연결선: 구부러짐 39">
+            <a:extLst>
+              <a:ext uri="{FF2B5EF4-FFF2-40B4-BE49-F238E27FC236}">
+                <a16:creationId xmlns:a16="http://schemas.microsoft.com/office/drawing/2014/main" id="{3C99B148-966E-69E4-DB7D-C592B3052604}"/>
+              </a:ext>
+            </a:extLst>
+          </p:cNvPr>
+          <p:cNvCxnSpPr>
+            <a:cxnSpLocks/>
+            <a:stCxn id="5" idx="1"/>
+            <a:endCxn id="73" idx="3"/>
+          </p:cNvCxnSpPr>
+          <p:nvPr/>
+        </p:nvCxnSpPr>
+        <p:spPr>
+          <a:xfrm rot="10800000">
+            <a:off x="10192513" y="2716785"/>
+            <a:ext cx="343293" cy="1805591"/>
+          </a:xfrm>
+          <a:prstGeom prst="curvedConnector3">
+            <a:avLst>
+              <a:gd name="adj1" fmla="val 50000"/>
+            </a:avLst>
+          </a:prstGeom>
+          <a:ln w="19050">
+            <a:solidFill>
+              <a:srgbClr val="C00000"/>
+            </a:solidFill>
+            <a:tailEnd type="triangle"/>
+          </a:ln>
+        </p:spPr>
+        <p:style>
+          <a:lnRef idx="1">
+            <a:schemeClr val="accent1"/>
+          </a:lnRef>
+          <a:fillRef idx="0">
+            <a:schemeClr val="accent1"/>
+          </a:fillRef>
+          <a:effectRef idx="0">
+            <a:schemeClr val="accent1"/>
+          </a:effectRef>
+          <a:fontRef idx="minor">
+            <a:schemeClr val="tx1"/>
+          </a:fontRef>
+        </p:style>
+      </p:cxnSp>
+      <p:cxnSp>
+        <p:nvCxnSpPr>
+          <p:cNvPr id="43" name="연결선: 구부러짐 42">
+            <a:extLst>
+              <a:ext uri="{FF2B5EF4-FFF2-40B4-BE49-F238E27FC236}">
+                <a16:creationId xmlns:a16="http://schemas.microsoft.com/office/drawing/2014/main" id="{A11E160A-664E-8817-37EA-B5FF4BD3BA83}"/>
+              </a:ext>
+            </a:extLst>
+          </p:cNvPr>
+          <p:cNvCxnSpPr>
+            <a:cxnSpLocks/>
+            <a:stCxn id="5" idx="1"/>
+            <a:endCxn id="87" idx="3"/>
+          </p:cNvCxnSpPr>
+          <p:nvPr/>
+        </p:nvCxnSpPr>
+        <p:spPr>
+          <a:xfrm rot="10800000" flipV="1">
+            <a:off x="10192513" y="4522375"/>
+            <a:ext cx="343293" cy="1367278"/>
+          </a:xfrm>
+          <a:prstGeom prst="curvedConnector3">
+            <a:avLst>
+              <a:gd name="adj1" fmla="val 50000"/>
+            </a:avLst>
+          </a:prstGeom>
+          <a:ln w="19050">
+            <a:solidFill>
+              <a:srgbClr val="C00000"/>
+            </a:solidFill>
+            <a:tailEnd type="triangle"/>
+          </a:ln>
+        </p:spPr>
+        <p:style>
+          <a:lnRef idx="1">
+            <a:schemeClr val="accent1"/>
+          </a:lnRef>
+          <a:fillRef idx="0">
+            <a:schemeClr val="accent1"/>
+          </a:fillRef>
+          <a:effectRef idx="0">
+            <a:schemeClr val="accent1"/>
+          </a:effectRef>
+          <a:fontRef idx="minor">
+            <a:schemeClr val="tx1"/>
+          </a:fontRef>
+        </p:style>
+      </p:cxnSp>
+      <p:cxnSp>
+        <p:nvCxnSpPr>
+          <p:cNvPr id="33" name="연결선: 구부러짐 32">
+            <a:extLst>
+              <a:ext uri="{FF2B5EF4-FFF2-40B4-BE49-F238E27FC236}">
+                <a16:creationId xmlns:a16="http://schemas.microsoft.com/office/drawing/2014/main" id="{F893C99A-F695-1F3C-85F0-718DA5B1318C}"/>
+              </a:ext>
+            </a:extLst>
+          </p:cNvPr>
+          <p:cNvCxnSpPr>
+            <a:cxnSpLocks/>
+            <a:stCxn id="57" idx="3"/>
+            <a:endCxn id="53" idx="1"/>
+          </p:cNvCxnSpPr>
+          <p:nvPr/>
+        </p:nvCxnSpPr>
+        <p:spPr>
+          <a:xfrm flipV="1">
+            <a:off x="3594836" y="2238028"/>
+            <a:ext cx="391535" cy="478756"/>
+          </a:xfrm>
+          <a:prstGeom prst="curvedConnector3">
+            <a:avLst>
+              <a:gd name="adj1" fmla="val 50000"/>
+            </a:avLst>
+          </a:prstGeom>
+          <a:ln w="19050">
+            <a:tailEnd type="triangle"/>
+          </a:ln>
+        </p:spPr>
+        <p:style>
+          <a:lnRef idx="1">
+            <a:schemeClr val="accent1"/>
+          </a:lnRef>
+          <a:fillRef idx="0">
+            <a:schemeClr val="accent1"/>
+          </a:fillRef>
+          <a:effectRef idx="0">
+            <a:schemeClr val="accent1"/>
+          </a:effectRef>
+          <a:fontRef idx="minor">
+            <a:schemeClr val="tx1"/>
+          </a:fontRef>
+        </p:style>
+      </p:cxnSp>
+      <p:cxnSp>
+        <p:nvCxnSpPr>
+          <p:cNvPr id="36" name="연결선: 구부러짐 35">
+            <a:extLst>
+              <a:ext uri="{FF2B5EF4-FFF2-40B4-BE49-F238E27FC236}">
+                <a16:creationId xmlns:a16="http://schemas.microsoft.com/office/drawing/2014/main" id="{CD86118A-6BB1-C41F-7861-EA73BC1943A3}"/>
+              </a:ext>
+            </a:extLst>
+          </p:cNvPr>
+          <p:cNvCxnSpPr>
+            <a:cxnSpLocks/>
+            <a:stCxn id="57" idx="3"/>
+            <a:endCxn id="54" idx="1"/>
+          </p:cNvCxnSpPr>
+          <p:nvPr/>
+        </p:nvCxnSpPr>
+        <p:spPr>
+          <a:xfrm>
+            <a:off x="3594836" y="2716784"/>
+            <a:ext cx="391535" cy="575462"/>
+          </a:xfrm>
+          <a:prstGeom prst="curvedConnector3">
+            <a:avLst>
+              <a:gd name="adj1" fmla="val 50000"/>
+            </a:avLst>
+          </a:prstGeom>
+          <a:ln w="19050">
+            <a:tailEnd type="triangle"/>
+          </a:ln>
+        </p:spPr>
+        <p:style>
+          <a:lnRef idx="1">
+            <a:schemeClr val="accent1"/>
+          </a:lnRef>
+          <a:fillRef idx="0">
+            <a:schemeClr val="accent1"/>
+          </a:fillRef>
+          <a:effectRef idx="0">
+            <a:schemeClr val="accent1"/>
+          </a:effectRef>
+          <a:fontRef idx="minor">
+            <a:schemeClr val="tx1"/>
+          </a:fontRef>
+        </p:style>
+      </p:cxnSp>
+      <p:sp>
+        <p:nvSpPr>
+          <p:cNvPr id="13" name="TextBox 12">
+            <a:extLst>
+              <a:ext uri="{FF2B5EF4-FFF2-40B4-BE49-F238E27FC236}">
+                <a16:creationId xmlns:a16="http://schemas.microsoft.com/office/drawing/2014/main" id="{DDACB618-1B55-6C1F-9B94-F7A1A1F87B85}"/>
+              </a:ext>
+            </a:extLst>
+          </p:cNvPr>
+          <p:cNvSpPr txBox="1"/>
+          <p:nvPr/>
+        </p:nvSpPr>
+        <p:spPr>
+          <a:xfrm>
+            <a:off x="4129050" y="3122969"/>
+            <a:ext cx="933269" cy="338554"/>
+          </a:xfrm>
+          <a:prstGeom prst="rect">
+            <a:avLst/>
+          </a:prstGeom>
+          <a:noFill/>
+        </p:spPr>
+        <p:txBody>
+          <a:bodyPr wrap="none" rtlCol="0">
+            <a:spAutoFit/>
+          </a:bodyPr>
+          <a:lstStyle/>
+          <a:p>
+            <a:r>
+              <a:rPr lang="en-GB" sz="1600">
+                <a:solidFill>
+                  <a:srgbClr val="0070C0"/>
+                </a:solidFill>
+              </a:rPr>
+              <a:t>Biz. </a:t>
+            </a:r>
+            <a:r>
+              <a:rPr lang="ko-KR" altLang="en-US" sz="1600">
+                <a:solidFill>
+                  <a:srgbClr val="0070C0"/>
+                </a:solidFill>
+              </a:rPr>
+              <a:t>단위</a:t>
+            </a:r>
+            <a:endParaRPr lang="en-GB" sz="1600">
+              <a:solidFill>
+                <a:srgbClr val="0070C0"/>
+              </a:solidFill>
+            </a:endParaRPr>
+          </a:p>
+        </p:txBody>
+      </p:sp>
+      <p:sp>
+        <p:nvSpPr>
+          <p:cNvPr id="54" name="직사각형 53">
+            <a:extLst>
+              <a:ext uri="{FF2B5EF4-FFF2-40B4-BE49-F238E27FC236}">
+                <a16:creationId xmlns:a16="http://schemas.microsoft.com/office/drawing/2014/main" id="{3FC5A239-6F0A-55D1-3B64-9F13EFF545AE}"/>
+              </a:ext>
+            </a:extLst>
+          </p:cNvPr>
+          <p:cNvSpPr/>
+          <p:nvPr/>
+        </p:nvSpPr>
+        <p:spPr>
+          <a:xfrm>
+            <a:off x="3986371" y="3012276"/>
+            <a:ext cx="1218627" cy="559940"/>
+          </a:xfrm>
+          <a:prstGeom prst="rect">
+            <a:avLst/>
+          </a:prstGeom>
+          <a:noFill/>
+          <a:ln w="3175">
+            <a:solidFill>
+              <a:srgbClr val="0070C0"/>
+            </a:solidFill>
+            <a:prstDash val="sysDash"/>
+          </a:ln>
+        </p:spPr>
+        <p:style>
+          <a:lnRef idx="2">
+            <a:schemeClr val="accent1">
+              <a:shade val="15000"/>
+            </a:schemeClr>
+          </a:lnRef>
+          <a:fillRef idx="1">
+            <a:schemeClr val="accent1"/>
+          </a:fillRef>
+          <a:effectRef idx="0">
+            <a:schemeClr val="accent1"/>
+          </a:effectRef>
+          <a:fontRef idx="minor">
+            <a:schemeClr val="lt1"/>
+          </a:fontRef>
+        </p:style>
+        <p:txBody>
+          <a:bodyPr rtlCol="0" anchor="ctr"/>
+          <a:lstStyle/>
+          <a:p>
+            <a:pPr algn="ctr"/>
+            <a:endParaRPr lang="en-GB"/>
+          </a:p>
+        </p:txBody>
+      </p:sp>
+      <p:sp>
+        <p:nvSpPr>
+          <p:cNvPr id="12" name="TextBox 11">
+            <a:extLst>
+              <a:ext uri="{FF2B5EF4-FFF2-40B4-BE49-F238E27FC236}">
+                <a16:creationId xmlns:a16="http://schemas.microsoft.com/office/drawing/2014/main" id="{7F9B2F9A-F5C3-3EB5-A81A-EC5BDF755BF5}"/>
+              </a:ext>
+            </a:extLst>
+          </p:cNvPr>
+          <p:cNvSpPr txBox="1"/>
+          <p:nvPr/>
+        </p:nvSpPr>
+        <p:spPr>
+          <a:xfrm>
+            <a:off x="4129050" y="2068751"/>
+            <a:ext cx="933269" cy="338554"/>
+          </a:xfrm>
+          <a:prstGeom prst="rect">
+            <a:avLst/>
+          </a:prstGeom>
+          <a:noFill/>
+        </p:spPr>
+        <p:txBody>
+          <a:bodyPr wrap="none" rtlCol="0">
+            <a:spAutoFit/>
+          </a:bodyPr>
+          <a:lstStyle/>
+          <a:p>
+            <a:r>
+              <a:rPr lang="en-GB" sz="1600">
+                <a:solidFill>
+                  <a:srgbClr val="0070C0"/>
+                </a:solidFill>
+              </a:rPr>
+              <a:t>Biz. </a:t>
+            </a:r>
+            <a:r>
+              <a:rPr lang="ko-KR" altLang="en-US" sz="1600">
+                <a:solidFill>
+                  <a:srgbClr val="0070C0"/>
+                </a:solidFill>
+              </a:rPr>
+              <a:t>흐름</a:t>
+            </a:r>
+            <a:endParaRPr lang="en-GB" sz="1600">
+              <a:solidFill>
+                <a:srgbClr val="0070C0"/>
+              </a:solidFill>
+            </a:endParaRPr>
+          </a:p>
+        </p:txBody>
+      </p:sp>
+      <p:sp>
+        <p:nvSpPr>
+          <p:cNvPr id="53" name="직사각형 52">
+            <a:extLst>
+              <a:ext uri="{FF2B5EF4-FFF2-40B4-BE49-F238E27FC236}">
+                <a16:creationId xmlns:a16="http://schemas.microsoft.com/office/drawing/2014/main" id="{387C4F7F-9031-4236-12C4-B97C9F74E25F}"/>
+              </a:ext>
+            </a:extLst>
+          </p:cNvPr>
+          <p:cNvSpPr/>
+          <p:nvPr/>
+        </p:nvSpPr>
+        <p:spPr>
+          <a:xfrm>
+            <a:off x="3986371" y="1958058"/>
+            <a:ext cx="1218627" cy="559940"/>
+          </a:xfrm>
+          <a:prstGeom prst="rect">
+            <a:avLst/>
+          </a:prstGeom>
+          <a:noFill/>
+          <a:ln w="3175">
+            <a:solidFill>
+              <a:srgbClr val="0070C0"/>
+            </a:solidFill>
+            <a:prstDash val="sysDash"/>
+          </a:ln>
+        </p:spPr>
+        <p:style>
+          <a:lnRef idx="2">
+            <a:schemeClr val="accent1">
+              <a:shade val="15000"/>
+            </a:schemeClr>
+          </a:lnRef>
+          <a:fillRef idx="1">
+            <a:schemeClr val="accent1"/>
+          </a:fillRef>
+          <a:effectRef idx="0">
+            <a:schemeClr val="accent1"/>
+          </a:effectRef>
+          <a:fontRef idx="minor">
+            <a:schemeClr val="lt1"/>
+          </a:fontRef>
+        </p:style>
+        <p:txBody>
+          <a:bodyPr rtlCol="0" anchor="ctr"/>
+          <a:lstStyle/>
+          <a:p>
+            <a:pPr algn="ctr"/>
+            <a:endParaRPr lang="en-GB"/>
+          </a:p>
+        </p:txBody>
+      </p:sp>
+      <p:sp>
+        <p:nvSpPr>
+          <p:cNvPr id="10" name="TextBox 9">
+            <a:extLst>
+              <a:ext uri="{FF2B5EF4-FFF2-40B4-BE49-F238E27FC236}">
+                <a16:creationId xmlns:a16="http://schemas.microsoft.com/office/drawing/2014/main" id="{D312ED2B-8F0E-C632-D103-8FEB7AB4542A}"/>
+              </a:ext>
+            </a:extLst>
+          </p:cNvPr>
+          <p:cNvSpPr txBox="1"/>
+          <p:nvPr/>
+        </p:nvSpPr>
+        <p:spPr>
+          <a:xfrm>
+            <a:off x="2729683" y="2532118"/>
+            <a:ext cx="511679" cy="369332"/>
+          </a:xfrm>
+          <a:prstGeom prst="rect">
+            <a:avLst/>
+          </a:prstGeom>
+          <a:noFill/>
+        </p:spPr>
+        <p:txBody>
+          <a:bodyPr wrap="none" rtlCol="0">
+            <a:spAutoFit/>
+          </a:bodyPr>
+          <a:lstStyle/>
+          <a:p>
+            <a:r>
+              <a:rPr lang="en-GB">
+                <a:solidFill>
+                  <a:srgbClr val="0070C0"/>
+                </a:solidFill>
+              </a:rPr>
+              <a:t>Biz.</a:t>
+            </a:r>
+          </a:p>
+        </p:txBody>
+      </p:sp>
+      <p:sp>
+        <p:nvSpPr>
+          <p:cNvPr id="57" name="직사각형 56">
+            <a:extLst>
+              <a:ext uri="{FF2B5EF4-FFF2-40B4-BE49-F238E27FC236}">
+                <a16:creationId xmlns:a16="http://schemas.microsoft.com/office/drawing/2014/main" id="{9C0ED8F6-7F24-17F3-4780-F1A824904EAC}"/>
+              </a:ext>
+            </a:extLst>
+          </p:cNvPr>
+          <p:cNvSpPr/>
+          <p:nvPr/>
+        </p:nvSpPr>
+        <p:spPr>
+          <a:xfrm>
+            <a:off x="2376209" y="2436814"/>
+            <a:ext cx="1218627" cy="559940"/>
+          </a:xfrm>
+          <a:prstGeom prst="rect">
+            <a:avLst/>
+          </a:prstGeom>
+          <a:noFill/>
+          <a:ln w="3175">
+            <a:solidFill>
+              <a:srgbClr val="0070C0"/>
+            </a:solidFill>
+            <a:prstDash val="sysDash"/>
+          </a:ln>
+        </p:spPr>
+        <p:style>
+          <a:lnRef idx="2">
+            <a:schemeClr val="accent1">
+              <a:shade val="15000"/>
+            </a:schemeClr>
+          </a:lnRef>
+          <a:fillRef idx="1">
+            <a:schemeClr val="accent1"/>
+          </a:fillRef>
+          <a:effectRef idx="0">
+            <a:schemeClr val="accent1"/>
+          </a:effectRef>
+          <a:fontRef idx="minor">
+            <a:schemeClr val="lt1"/>
+          </a:fontRef>
+        </p:style>
+        <p:txBody>
+          <a:bodyPr rtlCol="0" anchor="ctr"/>
+          <a:lstStyle/>
+          <a:p>
+            <a:pPr algn="ctr"/>
+            <a:endParaRPr lang="en-GB"/>
+          </a:p>
+        </p:txBody>
+      </p:sp>
+      <p:sp>
+        <p:nvSpPr>
+          <p:cNvPr id="11" name="TextBox 10">
+            <a:extLst>
+              <a:ext uri="{FF2B5EF4-FFF2-40B4-BE49-F238E27FC236}">
+                <a16:creationId xmlns:a16="http://schemas.microsoft.com/office/drawing/2014/main" id="{65A2AB09-744A-0A90-BD21-95D7F86F03DE}"/>
+              </a:ext>
+            </a:extLst>
+          </p:cNvPr>
+          <p:cNvSpPr txBox="1"/>
+          <p:nvPr/>
+        </p:nvSpPr>
+        <p:spPr>
+          <a:xfrm>
+            <a:off x="2650975" y="5704987"/>
+            <a:ext cx="669094" cy="369332"/>
+          </a:xfrm>
+          <a:prstGeom prst="rect">
+            <a:avLst/>
+          </a:prstGeom>
+          <a:noFill/>
+        </p:spPr>
+        <p:txBody>
+          <a:bodyPr wrap="none" rtlCol="0">
+            <a:spAutoFit/>
+          </a:bodyPr>
+          <a:lstStyle/>
+          <a:p>
+            <a:r>
+              <a:rPr lang="en-GB">
+                <a:solidFill>
+                  <a:srgbClr val="0070C0"/>
+                </a:solidFill>
+              </a:rPr>
+              <a:t>Tech.</a:t>
+            </a:r>
+          </a:p>
+        </p:txBody>
+      </p:sp>
+      <p:sp>
+        <p:nvSpPr>
+          <p:cNvPr id="58" name="직사각형 57">
+            <a:extLst>
+              <a:ext uri="{FF2B5EF4-FFF2-40B4-BE49-F238E27FC236}">
+                <a16:creationId xmlns:a16="http://schemas.microsoft.com/office/drawing/2014/main" id="{6C132498-791E-BD5D-06EC-1E1B079E3758}"/>
+              </a:ext>
+            </a:extLst>
+          </p:cNvPr>
+          <p:cNvSpPr/>
+          <p:nvPr/>
+        </p:nvSpPr>
+        <p:spPr>
+          <a:xfrm>
+            <a:off x="2376209" y="5609683"/>
+            <a:ext cx="1218627" cy="559940"/>
+          </a:xfrm>
+          <a:prstGeom prst="rect">
+            <a:avLst/>
+          </a:prstGeom>
+          <a:noFill/>
+          <a:ln w="3175">
+            <a:solidFill>
+              <a:srgbClr val="0070C0"/>
+            </a:solidFill>
+            <a:prstDash val="sysDash"/>
+          </a:ln>
+        </p:spPr>
+        <p:style>
+          <a:lnRef idx="2">
+            <a:schemeClr val="accent1">
+              <a:shade val="15000"/>
+            </a:schemeClr>
+          </a:lnRef>
+          <a:fillRef idx="1">
+            <a:schemeClr val="accent1"/>
+          </a:fillRef>
+          <a:effectRef idx="0">
+            <a:schemeClr val="accent1"/>
+          </a:effectRef>
+          <a:fontRef idx="minor">
+            <a:schemeClr val="lt1"/>
+          </a:fontRef>
+        </p:style>
+        <p:txBody>
+          <a:bodyPr rtlCol="0" anchor="ctr"/>
+          <a:lstStyle/>
+          <a:p>
+            <a:pPr algn="ctr"/>
+            <a:endParaRPr lang="en-GB"/>
+          </a:p>
+        </p:txBody>
+      </p:sp>
+      <p:cxnSp>
+        <p:nvCxnSpPr>
+          <p:cNvPr id="46" name="연결선: 구부러짐 45">
+            <a:extLst>
+              <a:ext uri="{FF2B5EF4-FFF2-40B4-BE49-F238E27FC236}">
+                <a16:creationId xmlns:a16="http://schemas.microsoft.com/office/drawing/2014/main" id="{A0C6C9A2-5D21-42CD-EF33-30CD6FFEF34A}"/>
+              </a:ext>
+            </a:extLst>
+          </p:cNvPr>
+          <p:cNvCxnSpPr>
+            <a:cxnSpLocks/>
+            <a:stCxn id="73" idx="1"/>
+            <a:endCxn id="56" idx="3"/>
+          </p:cNvCxnSpPr>
+          <p:nvPr/>
+        </p:nvCxnSpPr>
+        <p:spPr>
+          <a:xfrm rot="10800000">
+            <a:off x="8632565" y="2238028"/>
+            <a:ext cx="341321" cy="478756"/>
+          </a:xfrm>
+          <a:prstGeom prst="curvedConnector3">
+            <a:avLst>
+              <a:gd name="adj1" fmla="val 50000"/>
+            </a:avLst>
+          </a:prstGeom>
+          <a:ln w="19050">
+            <a:solidFill>
+              <a:srgbClr val="C00000"/>
+            </a:solidFill>
+            <a:tailEnd type="triangle"/>
+          </a:ln>
+        </p:spPr>
+        <p:style>
+          <a:lnRef idx="1">
+            <a:schemeClr val="accent1"/>
+          </a:lnRef>
+          <a:fillRef idx="0">
+            <a:schemeClr val="accent1"/>
+          </a:fillRef>
+          <a:effectRef idx="0">
+            <a:schemeClr val="accent1"/>
+          </a:effectRef>
+          <a:fontRef idx="minor">
+            <a:schemeClr val="tx1"/>
+          </a:fontRef>
+        </p:style>
+      </p:cxnSp>
+      <p:cxnSp>
+        <p:nvCxnSpPr>
+          <p:cNvPr id="50" name="연결선: 구부러짐 49">
+            <a:extLst>
+              <a:ext uri="{FF2B5EF4-FFF2-40B4-BE49-F238E27FC236}">
+                <a16:creationId xmlns:a16="http://schemas.microsoft.com/office/drawing/2014/main" id="{DC305982-032D-AC8E-491D-C298BB121217}"/>
+              </a:ext>
+            </a:extLst>
+          </p:cNvPr>
+          <p:cNvCxnSpPr>
+            <a:cxnSpLocks/>
+            <a:stCxn id="73" idx="1"/>
+            <a:endCxn id="55" idx="3"/>
+          </p:cNvCxnSpPr>
+          <p:nvPr/>
+        </p:nvCxnSpPr>
+        <p:spPr>
+          <a:xfrm rot="10800000" flipV="1">
+            <a:off x="8632565" y="2716784"/>
+            <a:ext cx="341321" cy="575462"/>
+          </a:xfrm>
+          <a:prstGeom prst="curvedConnector3">
+            <a:avLst>
+              <a:gd name="adj1" fmla="val 50000"/>
+            </a:avLst>
+          </a:prstGeom>
+          <a:ln w="19050">
+            <a:solidFill>
+              <a:srgbClr val="C00000"/>
+            </a:solidFill>
+            <a:tailEnd type="triangle"/>
+          </a:ln>
+        </p:spPr>
+        <p:style>
+          <a:lnRef idx="1">
+            <a:schemeClr val="accent1"/>
+          </a:lnRef>
+          <a:fillRef idx="0">
+            <a:schemeClr val="accent1"/>
+          </a:fillRef>
+          <a:effectRef idx="0">
+            <a:schemeClr val="accent1"/>
+          </a:effectRef>
+          <a:fontRef idx="minor">
+            <a:schemeClr val="tx1"/>
+          </a:fontRef>
+        </p:style>
+      </p:cxnSp>
+      <p:sp>
+        <p:nvSpPr>
+          <p:cNvPr id="17" name="TextBox 16">
+            <a:extLst>
+              <a:ext uri="{FF2B5EF4-FFF2-40B4-BE49-F238E27FC236}">
+                <a16:creationId xmlns:a16="http://schemas.microsoft.com/office/drawing/2014/main" id="{BAAEE41E-F87B-7F98-C84A-B40EE5CA4D81}"/>
+              </a:ext>
+            </a:extLst>
+          </p:cNvPr>
+          <p:cNvSpPr txBox="1"/>
+          <p:nvPr/>
+        </p:nvSpPr>
+        <p:spPr>
+          <a:xfrm>
+            <a:off x="7556616" y="3122969"/>
+            <a:ext cx="933269" cy="338554"/>
+          </a:xfrm>
+          <a:prstGeom prst="rect">
+            <a:avLst/>
+          </a:prstGeom>
+          <a:noFill/>
+        </p:spPr>
+        <p:txBody>
+          <a:bodyPr wrap="none" rtlCol="0">
+            <a:spAutoFit/>
+          </a:bodyPr>
+          <a:lstStyle/>
+          <a:p>
+            <a:r>
+              <a:rPr lang="en-GB" sz="1600">
+                <a:solidFill>
+                  <a:srgbClr val="C00000"/>
+                </a:solidFill>
+              </a:rPr>
+              <a:t>Biz. </a:t>
+            </a:r>
+            <a:r>
+              <a:rPr lang="ko-KR" altLang="en-US" sz="1600">
+                <a:solidFill>
+                  <a:srgbClr val="C00000"/>
+                </a:solidFill>
+              </a:rPr>
+              <a:t>단위</a:t>
+            </a:r>
+            <a:endParaRPr lang="en-GB" sz="1600">
+              <a:solidFill>
+                <a:srgbClr val="C00000"/>
+              </a:solidFill>
+            </a:endParaRPr>
+          </a:p>
+        </p:txBody>
+      </p:sp>
+      <p:sp>
+        <p:nvSpPr>
+          <p:cNvPr id="55" name="직사각형 54">
+            <a:extLst>
+              <a:ext uri="{FF2B5EF4-FFF2-40B4-BE49-F238E27FC236}">
+                <a16:creationId xmlns:a16="http://schemas.microsoft.com/office/drawing/2014/main" id="{CFDD5B18-F78A-1DE3-881D-EC1D7A2C93EE}"/>
+              </a:ext>
+            </a:extLst>
+          </p:cNvPr>
+          <p:cNvSpPr/>
+          <p:nvPr/>
+        </p:nvSpPr>
+        <p:spPr>
+          <a:xfrm>
+            <a:off x="7413937" y="3012276"/>
+            <a:ext cx="1218627" cy="559940"/>
+          </a:xfrm>
+          <a:prstGeom prst="rect">
+            <a:avLst/>
+          </a:prstGeom>
+          <a:noFill/>
+          <a:ln w="3175">
+            <a:solidFill>
+              <a:srgbClr val="C00000"/>
+            </a:solidFill>
+            <a:prstDash val="sysDash"/>
+          </a:ln>
+        </p:spPr>
+        <p:style>
+          <a:lnRef idx="2">
+            <a:schemeClr val="accent1">
+              <a:shade val="15000"/>
+            </a:schemeClr>
+          </a:lnRef>
+          <a:fillRef idx="1">
+            <a:schemeClr val="accent1"/>
+          </a:fillRef>
+          <a:effectRef idx="0">
+            <a:schemeClr val="accent1"/>
+          </a:effectRef>
+          <a:fontRef idx="minor">
+            <a:schemeClr val="lt1"/>
+          </a:fontRef>
+        </p:style>
+        <p:txBody>
+          <a:bodyPr rtlCol="0" anchor="ctr"/>
+          <a:lstStyle/>
+          <a:p>
+            <a:pPr algn="ctr"/>
+            <a:endParaRPr lang="en-GB"/>
+          </a:p>
+        </p:txBody>
+      </p:sp>
+      <p:sp>
+        <p:nvSpPr>
+          <p:cNvPr id="16" name="TextBox 15">
+            <a:extLst>
+              <a:ext uri="{FF2B5EF4-FFF2-40B4-BE49-F238E27FC236}">
+                <a16:creationId xmlns:a16="http://schemas.microsoft.com/office/drawing/2014/main" id="{8CAB53CC-63A5-0CE1-3353-017396E6B721}"/>
+              </a:ext>
+            </a:extLst>
+          </p:cNvPr>
+          <p:cNvSpPr txBox="1"/>
+          <p:nvPr/>
+        </p:nvSpPr>
+        <p:spPr>
+          <a:xfrm>
+            <a:off x="7556616" y="2068751"/>
+            <a:ext cx="933269" cy="338554"/>
+          </a:xfrm>
+          <a:prstGeom prst="rect">
+            <a:avLst/>
+          </a:prstGeom>
+          <a:noFill/>
+        </p:spPr>
+        <p:txBody>
+          <a:bodyPr wrap="none" rtlCol="0">
+            <a:spAutoFit/>
+          </a:bodyPr>
+          <a:lstStyle/>
+          <a:p>
+            <a:r>
+              <a:rPr lang="en-GB" sz="1600">
+                <a:solidFill>
+                  <a:srgbClr val="C00000"/>
+                </a:solidFill>
+              </a:rPr>
+              <a:t>Biz. </a:t>
+            </a:r>
+            <a:r>
+              <a:rPr lang="ko-KR" altLang="en-US" sz="1600">
+                <a:solidFill>
+                  <a:srgbClr val="C00000"/>
+                </a:solidFill>
+              </a:rPr>
+              <a:t>흐름</a:t>
+            </a:r>
+            <a:endParaRPr lang="en-GB" sz="1600">
+              <a:solidFill>
+                <a:srgbClr val="C00000"/>
+              </a:solidFill>
+            </a:endParaRPr>
+          </a:p>
+        </p:txBody>
+      </p:sp>
+      <p:sp>
+        <p:nvSpPr>
+          <p:cNvPr id="56" name="직사각형 55">
+            <a:extLst>
+              <a:ext uri="{FF2B5EF4-FFF2-40B4-BE49-F238E27FC236}">
+                <a16:creationId xmlns:a16="http://schemas.microsoft.com/office/drawing/2014/main" id="{3857B3C1-6BBB-3993-7674-E9E05BE1CAFB}"/>
+              </a:ext>
+            </a:extLst>
+          </p:cNvPr>
+          <p:cNvSpPr/>
+          <p:nvPr/>
+        </p:nvSpPr>
+        <p:spPr>
+          <a:xfrm>
+            <a:off x="7413937" y="1958058"/>
+            <a:ext cx="1218627" cy="559940"/>
+          </a:xfrm>
+          <a:prstGeom prst="rect">
+            <a:avLst/>
+          </a:prstGeom>
+          <a:noFill/>
+          <a:ln w="3175">
+            <a:solidFill>
+              <a:srgbClr val="C00000"/>
+            </a:solidFill>
+            <a:prstDash val="sysDash"/>
+          </a:ln>
+        </p:spPr>
+        <p:style>
+          <a:lnRef idx="2">
+            <a:schemeClr val="accent1">
+              <a:shade val="15000"/>
+            </a:schemeClr>
+          </a:lnRef>
+          <a:fillRef idx="1">
+            <a:schemeClr val="accent1"/>
+          </a:fillRef>
+          <a:effectRef idx="0">
+            <a:schemeClr val="accent1"/>
+          </a:effectRef>
+          <a:fontRef idx="minor">
+            <a:schemeClr val="lt1"/>
+          </a:fontRef>
+        </p:style>
+        <p:txBody>
+          <a:bodyPr rtlCol="0" anchor="ctr"/>
+          <a:lstStyle/>
+          <a:p>
+            <a:pPr algn="ctr"/>
+            <a:endParaRPr lang="en-GB"/>
+          </a:p>
+        </p:txBody>
+      </p:sp>
+      <p:sp>
+        <p:nvSpPr>
+          <p:cNvPr id="14" name="TextBox 13">
+            <a:extLst>
+              <a:ext uri="{FF2B5EF4-FFF2-40B4-BE49-F238E27FC236}">
+                <a16:creationId xmlns:a16="http://schemas.microsoft.com/office/drawing/2014/main" id="{CABB3ACF-26C1-4AC9-9A5B-E5E636C51859}"/>
+              </a:ext>
+            </a:extLst>
+          </p:cNvPr>
+          <p:cNvSpPr txBox="1"/>
+          <p:nvPr/>
+        </p:nvSpPr>
+        <p:spPr>
+          <a:xfrm>
+            <a:off x="9327359" y="2532118"/>
+            <a:ext cx="511679" cy="369332"/>
+          </a:xfrm>
+          <a:prstGeom prst="rect">
+            <a:avLst/>
+          </a:prstGeom>
+          <a:noFill/>
+        </p:spPr>
+        <p:txBody>
+          <a:bodyPr wrap="none" rtlCol="0">
+            <a:spAutoFit/>
+          </a:bodyPr>
+          <a:lstStyle/>
+          <a:p>
+            <a:r>
+              <a:rPr lang="en-GB">
+                <a:solidFill>
+                  <a:srgbClr val="C00000"/>
+                </a:solidFill>
+              </a:rPr>
+              <a:t>Biz.</a:t>
+            </a:r>
+          </a:p>
+        </p:txBody>
+      </p:sp>
+      <p:sp>
+        <p:nvSpPr>
+          <p:cNvPr id="73" name="직사각형 72">
+            <a:extLst>
+              <a:ext uri="{FF2B5EF4-FFF2-40B4-BE49-F238E27FC236}">
+                <a16:creationId xmlns:a16="http://schemas.microsoft.com/office/drawing/2014/main" id="{F4C91C46-4E3A-CBDA-9F8D-95700CC6B82C}"/>
+              </a:ext>
+            </a:extLst>
+          </p:cNvPr>
+          <p:cNvSpPr/>
+          <p:nvPr/>
+        </p:nvSpPr>
+        <p:spPr>
+          <a:xfrm>
+            <a:off x="8973885" y="2436814"/>
+            <a:ext cx="1218627" cy="559940"/>
+          </a:xfrm>
+          <a:prstGeom prst="rect">
+            <a:avLst/>
+          </a:prstGeom>
+          <a:noFill/>
+          <a:ln w="3175">
+            <a:solidFill>
+              <a:srgbClr val="C00000"/>
+            </a:solidFill>
+            <a:prstDash val="sysDash"/>
+          </a:ln>
+        </p:spPr>
+        <p:style>
+          <a:lnRef idx="2">
+            <a:schemeClr val="accent1">
+              <a:shade val="15000"/>
+            </a:schemeClr>
+          </a:lnRef>
+          <a:fillRef idx="1">
+            <a:schemeClr val="accent1"/>
+          </a:fillRef>
+          <a:effectRef idx="0">
+            <a:schemeClr val="accent1"/>
+          </a:effectRef>
+          <a:fontRef idx="minor">
+            <a:schemeClr val="lt1"/>
+          </a:fontRef>
+        </p:style>
+        <p:txBody>
+          <a:bodyPr rtlCol="0" anchor="ctr"/>
+          <a:lstStyle/>
+          <a:p>
+            <a:pPr algn="ctr"/>
+            <a:endParaRPr lang="en-GB"/>
+          </a:p>
+        </p:txBody>
+      </p:sp>
+      <p:sp>
+        <p:nvSpPr>
+          <p:cNvPr id="86" name="TextBox 85">
+            <a:extLst>
+              <a:ext uri="{FF2B5EF4-FFF2-40B4-BE49-F238E27FC236}">
+                <a16:creationId xmlns:a16="http://schemas.microsoft.com/office/drawing/2014/main" id="{29A0A746-E600-79FA-E83B-A29FB884A2D5}"/>
+              </a:ext>
+            </a:extLst>
+          </p:cNvPr>
+          <p:cNvSpPr txBox="1"/>
+          <p:nvPr/>
+        </p:nvSpPr>
+        <p:spPr>
+          <a:xfrm>
+            <a:off x="9248651" y="5704987"/>
+            <a:ext cx="669094" cy="369332"/>
+          </a:xfrm>
+          <a:prstGeom prst="rect">
+            <a:avLst/>
+          </a:prstGeom>
+          <a:noFill/>
+        </p:spPr>
+        <p:txBody>
+          <a:bodyPr wrap="none" rtlCol="0">
+            <a:spAutoFit/>
+          </a:bodyPr>
+          <a:lstStyle/>
+          <a:p>
+            <a:r>
+              <a:rPr lang="en-GB">
+                <a:solidFill>
+                  <a:srgbClr val="C00000"/>
+                </a:solidFill>
+              </a:rPr>
+              <a:t>Tech.</a:t>
+            </a:r>
+          </a:p>
+        </p:txBody>
+      </p:sp>
+      <p:sp>
+        <p:nvSpPr>
+          <p:cNvPr id="87" name="직사각형 86">
+            <a:extLst>
+              <a:ext uri="{FF2B5EF4-FFF2-40B4-BE49-F238E27FC236}">
+                <a16:creationId xmlns:a16="http://schemas.microsoft.com/office/drawing/2014/main" id="{5AAC6916-10AA-8B5D-23B2-339A4DDA9CFA}"/>
+              </a:ext>
+            </a:extLst>
+          </p:cNvPr>
+          <p:cNvSpPr/>
+          <p:nvPr/>
+        </p:nvSpPr>
+        <p:spPr>
+          <a:xfrm>
+            <a:off x="8973885" y="5609683"/>
+            <a:ext cx="1218627" cy="559940"/>
+          </a:xfrm>
+          <a:prstGeom prst="rect">
+            <a:avLst/>
+          </a:prstGeom>
+          <a:noFill/>
+          <a:ln w="3175">
+            <a:solidFill>
+              <a:srgbClr val="C00000"/>
+            </a:solidFill>
+            <a:prstDash val="sysDash"/>
+          </a:ln>
+        </p:spPr>
+        <p:style>
+          <a:lnRef idx="2">
+            <a:schemeClr val="accent1">
+              <a:shade val="15000"/>
+            </a:schemeClr>
+          </a:lnRef>
+          <a:fillRef idx="1">
+            <a:schemeClr val="accent1"/>
+          </a:fillRef>
+          <a:effectRef idx="0">
+            <a:schemeClr val="accent1"/>
+          </a:effectRef>
+          <a:fontRef idx="minor">
+            <a:schemeClr val="lt1"/>
+          </a:fontRef>
+        </p:style>
+        <p:txBody>
+          <a:bodyPr rtlCol="0" anchor="ctr"/>
+          <a:lstStyle/>
+          <a:p>
+            <a:pPr algn="ctr"/>
+            <a:endParaRPr lang="en-GB"/>
+          </a:p>
+        </p:txBody>
+      </p:sp>
+      <p:grpSp>
+        <p:nvGrpSpPr>
+          <p:cNvPr id="15" name="그룹 14">
+            <a:extLst>
+              <a:ext uri="{FF2B5EF4-FFF2-40B4-BE49-F238E27FC236}">
+                <a16:creationId xmlns:a16="http://schemas.microsoft.com/office/drawing/2014/main" id="{D8041A07-6A03-C377-07A2-493EE6CC68D2}"/>
+              </a:ext>
+            </a:extLst>
+          </p:cNvPr>
+          <p:cNvGrpSpPr/>
+          <p:nvPr/>
+        </p:nvGrpSpPr>
+        <p:grpSpPr>
+          <a:xfrm>
+            <a:off x="108478" y="4202315"/>
+            <a:ext cx="1924438" cy="640119"/>
+            <a:chOff x="108478" y="3689236"/>
+            <a:chExt cx="1924438" cy="640119"/>
+          </a:xfrm>
+        </p:grpSpPr>
+        <p:sp>
+          <p:nvSpPr>
+            <p:cNvPr id="4" name="TextBox 3">
+              <a:extLst>
+                <a:ext uri="{FF2B5EF4-FFF2-40B4-BE49-F238E27FC236}">
+                  <a16:creationId xmlns:a16="http://schemas.microsoft.com/office/drawing/2014/main" id="{F6D54440-D59A-E91C-5575-D6F292D4A10C}"/>
+                </a:ext>
+              </a:extLst>
+            </p:cNvPr>
+            <p:cNvSpPr txBox="1"/>
+            <p:nvPr/>
+          </p:nvSpPr>
+          <p:spPr>
+            <a:xfrm>
+              <a:off x="108478" y="3689236"/>
+              <a:ext cx="1924438" cy="369332"/>
+            </a:xfrm>
+            <a:prstGeom prst="rect">
+              <a:avLst/>
+            </a:prstGeom>
+            <a:noFill/>
+          </p:spPr>
+          <p:txBody>
+            <a:bodyPr wrap="none" rtlCol="0">
+              <a:spAutoFit/>
+            </a:bodyPr>
+            <a:lstStyle/>
+            <a:p>
+              <a:r>
+                <a:rPr lang="en-GB" b="1">
+                  <a:solidFill>
+                    <a:srgbClr val="0070C0"/>
+                  </a:solidFill>
+                </a:rPr>
+                <a:t>Voice of Customer</a:t>
+              </a:r>
+            </a:p>
+          </p:txBody>
+        </p:sp>
+        <p:sp>
+          <p:nvSpPr>
+            <p:cNvPr id="6" name="TextBox 5">
+              <a:extLst>
+                <a:ext uri="{FF2B5EF4-FFF2-40B4-BE49-F238E27FC236}">
+                  <a16:creationId xmlns:a16="http://schemas.microsoft.com/office/drawing/2014/main" id="{CD38EADD-B1E7-6EC7-4346-0ED4A2742FE6}"/>
+                </a:ext>
+              </a:extLst>
+            </p:cNvPr>
+            <p:cNvSpPr txBox="1"/>
+            <p:nvPr/>
+          </p:nvSpPr>
+          <p:spPr>
+            <a:xfrm>
+              <a:off x="423661" y="4021578"/>
+              <a:ext cx="1338956" cy="307777"/>
+            </a:xfrm>
+            <a:prstGeom prst="rect">
+              <a:avLst/>
+            </a:prstGeom>
+            <a:noFill/>
+          </p:spPr>
+          <p:txBody>
+            <a:bodyPr wrap="none" rtlCol="0">
+              <a:spAutoFit/>
+            </a:bodyPr>
+            <a:lstStyle/>
+            <a:p>
+              <a:r>
+                <a:rPr lang="en-US" altLang="ko-KR" sz="1400" b="1">
+                  <a:solidFill>
+                    <a:srgbClr val="0070C0"/>
+                  </a:solidFill>
+                </a:rPr>
+                <a:t>※ Requirement</a:t>
+              </a:r>
+              <a:endParaRPr lang="en-GB" sz="1400" b="1">
+                <a:solidFill>
+                  <a:srgbClr val="0070C0"/>
+                </a:solidFill>
+              </a:endParaRPr>
+            </a:p>
+          </p:txBody>
+        </p:sp>
+      </p:grpSp>
+      <p:sp>
+        <p:nvSpPr>
+          <p:cNvPr id="26" name="TextBox 25">
+            <a:extLst>
+              <a:ext uri="{FF2B5EF4-FFF2-40B4-BE49-F238E27FC236}">
+                <a16:creationId xmlns:a16="http://schemas.microsoft.com/office/drawing/2014/main" id="{62D7CCD6-9A3C-74E5-E1F2-E35C471B97A8}"/>
+              </a:ext>
+            </a:extLst>
+          </p:cNvPr>
+          <p:cNvSpPr txBox="1"/>
+          <p:nvPr/>
+        </p:nvSpPr>
+        <p:spPr>
+          <a:xfrm>
+            <a:off x="2200304" y="4368486"/>
+            <a:ext cx="1305829" cy="307777"/>
+          </a:xfrm>
+          <a:prstGeom prst="rect">
+            <a:avLst/>
+          </a:prstGeom>
+          <a:noFill/>
+        </p:spPr>
+        <p:txBody>
+          <a:bodyPr wrap="square">
+            <a:spAutoFit/>
+          </a:bodyPr>
+          <a:lstStyle/>
+          <a:p>
+            <a:r>
+              <a:rPr lang="en-GB" sz="1400"/>
+              <a:t>decomposition</a:t>
+            </a:r>
+          </a:p>
+        </p:txBody>
+      </p:sp>
+      <p:sp>
+        <p:nvSpPr>
+          <p:cNvPr id="27" name="TextBox 26">
+            <a:extLst>
+              <a:ext uri="{FF2B5EF4-FFF2-40B4-BE49-F238E27FC236}">
+                <a16:creationId xmlns:a16="http://schemas.microsoft.com/office/drawing/2014/main" id="{A6A67C9E-FEA9-7857-9219-C30DCC85CC9F}"/>
+              </a:ext>
+            </a:extLst>
+          </p:cNvPr>
+          <p:cNvSpPr txBox="1"/>
+          <p:nvPr/>
+        </p:nvSpPr>
+        <p:spPr>
+          <a:xfrm>
+            <a:off x="3467094" y="4383875"/>
+            <a:ext cx="492443" cy="276999"/>
+          </a:xfrm>
+          <a:prstGeom prst="rect">
+            <a:avLst/>
+          </a:prstGeom>
+          <a:noFill/>
+        </p:spPr>
+        <p:txBody>
+          <a:bodyPr wrap="none" rtlCol="0">
+            <a:spAutoFit/>
+          </a:bodyPr>
+          <a:lstStyle/>
+          <a:p>
+            <a:r>
+              <a:rPr lang="ko-KR" altLang="en-US" sz="1200"/>
+              <a:t>분해</a:t>
+            </a:r>
+            <a:endParaRPr lang="en-GB" sz="1200"/>
+          </a:p>
+        </p:txBody>
+      </p:sp>
+      <p:sp>
+        <p:nvSpPr>
+          <p:cNvPr id="5" name="TextBox 4">
+            <a:extLst>
+              <a:ext uri="{FF2B5EF4-FFF2-40B4-BE49-F238E27FC236}">
+                <a16:creationId xmlns:a16="http://schemas.microsoft.com/office/drawing/2014/main" id="{2DC5E18D-EAD8-1104-AE74-BCC3414CA4E8}"/>
+              </a:ext>
+            </a:extLst>
+          </p:cNvPr>
+          <p:cNvSpPr txBox="1"/>
+          <p:nvPr/>
+        </p:nvSpPr>
+        <p:spPr>
+          <a:xfrm>
+            <a:off x="10535805" y="4337709"/>
+            <a:ext cx="603050" cy="369332"/>
+          </a:xfrm>
+          <a:prstGeom prst="rect">
+            <a:avLst/>
+          </a:prstGeom>
+          <a:noFill/>
+        </p:spPr>
+        <p:txBody>
+          <a:bodyPr wrap="none" rtlCol="0">
+            <a:spAutoFit/>
+          </a:bodyPr>
+          <a:lstStyle/>
+          <a:p>
+            <a:r>
+              <a:rPr lang="en-GB" altLang="ko-KR" b="1">
+                <a:solidFill>
+                  <a:srgbClr val="C00000"/>
+                </a:solidFill>
+              </a:rPr>
+              <a:t>Logs</a:t>
+            </a:r>
+            <a:endParaRPr lang="en-GB" b="1">
+              <a:solidFill>
+                <a:srgbClr val="C00000"/>
+              </a:solidFill>
+            </a:endParaRPr>
+          </a:p>
+        </p:txBody>
+      </p:sp>
+      <p:sp>
+        <p:nvSpPr>
+          <p:cNvPr id="29" name="TextBox 28">
+            <a:extLst>
+              <a:ext uri="{FF2B5EF4-FFF2-40B4-BE49-F238E27FC236}">
+                <a16:creationId xmlns:a16="http://schemas.microsoft.com/office/drawing/2014/main" id="{806DE443-E0C8-61F5-0F5C-732D372E371B}"/>
+              </a:ext>
+            </a:extLst>
+          </p:cNvPr>
+          <p:cNvSpPr txBox="1"/>
+          <p:nvPr/>
+        </p:nvSpPr>
+        <p:spPr>
+          <a:xfrm>
+            <a:off x="9393233" y="4368487"/>
+            <a:ext cx="970926" cy="307777"/>
+          </a:xfrm>
+          <a:prstGeom prst="rect">
+            <a:avLst/>
+          </a:prstGeom>
+          <a:noFill/>
+        </p:spPr>
+        <p:txBody>
+          <a:bodyPr wrap="square">
+            <a:spAutoFit/>
+          </a:bodyPr>
+          <a:lstStyle/>
+          <a:p>
+            <a:pPr algn="r"/>
+            <a:r>
+              <a:rPr lang="en-GB" sz="1400"/>
+              <a:t>distinguish</a:t>
+            </a:r>
+          </a:p>
+        </p:txBody>
+      </p:sp>
+      <p:sp>
+        <p:nvSpPr>
+          <p:cNvPr id="31" name="TextBox 30">
+            <a:extLst>
+              <a:ext uri="{FF2B5EF4-FFF2-40B4-BE49-F238E27FC236}">
+                <a16:creationId xmlns:a16="http://schemas.microsoft.com/office/drawing/2014/main" id="{CD3BF31D-875A-CF66-799C-0C3524BBBCFD}"/>
+              </a:ext>
+            </a:extLst>
+          </p:cNvPr>
+          <p:cNvSpPr txBox="1"/>
+          <p:nvPr/>
+        </p:nvSpPr>
+        <p:spPr>
+          <a:xfrm>
+            <a:off x="8918529" y="4383876"/>
+            <a:ext cx="492443" cy="276999"/>
+          </a:xfrm>
+          <a:prstGeom prst="rect">
+            <a:avLst/>
+          </a:prstGeom>
+          <a:noFill/>
+        </p:spPr>
+        <p:txBody>
+          <a:bodyPr wrap="none" rtlCol="0">
+            <a:spAutoFit/>
+          </a:bodyPr>
+          <a:lstStyle/>
+          <a:p>
+            <a:r>
+              <a:rPr lang="ko-KR" altLang="en-US" sz="1200"/>
+              <a:t>식별</a:t>
+            </a:r>
+            <a:endParaRPr lang="en-GB" sz="1200"/>
+          </a:p>
+        </p:txBody>
+      </p:sp>
+      <p:sp>
+        <p:nvSpPr>
+          <p:cNvPr id="39" name="TextBox 38">
+            <a:extLst>
+              <a:ext uri="{FF2B5EF4-FFF2-40B4-BE49-F238E27FC236}">
+                <a16:creationId xmlns:a16="http://schemas.microsoft.com/office/drawing/2014/main" id="{38173150-B029-DBD0-7C88-CB5475FC9E7B}"/>
+              </a:ext>
+            </a:extLst>
+          </p:cNvPr>
+          <p:cNvSpPr txBox="1"/>
+          <p:nvPr/>
+        </p:nvSpPr>
+        <p:spPr>
+          <a:xfrm>
+            <a:off x="5949399" y="1396580"/>
+            <a:ext cx="723275" cy="584775"/>
+          </a:xfrm>
+          <a:prstGeom prst="rect">
+            <a:avLst/>
+          </a:prstGeom>
+          <a:noFill/>
+        </p:spPr>
+        <p:txBody>
+          <a:bodyPr wrap="none" rtlCol="0">
+            <a:spAutoFit/>
+          </a:bodyPr>
+          <a:lstStyle/>
+          <a:p>
+            <a:pPr algn="ctr"/>
+            <a:r>
+              <a:rPr lang="en-GB" b="1">
+                <a:solidFill>
+                  <a:srgbClr val="7030A0"/>
+                </a:solidFill>
+              </a:rPr>
+              <a:t>Biz.</a:t>
+            </a:r>
+          </a:p>
+          <a:p>
+            <a:pPr algn="ctr"/>
+            <a:r>
+              <a:rPr lang="ko-KR" altLang="en-US" sz="1400" b="1">
+                <a:solidFill>
+                  <a:srgbClr val="7030A0"/>
+                </a:solidFill>
+              </a:rPr>
+              <a:t>관심사</a:t>
+            </a:r>
+            <a:endParaRPr lang="en-GB" sz="1400" b="1">
+              <a:solidFill>
+                <a:srgbClr val="7030A0"/>
+              </a:solidFill>
+            </a:endParaRPr>
+          </a:p>
+        </p:txBody>
+      </p:sp>
+      <p:sp>
+        <p:nvSpPr>
+          <p:cNvPr id="44" name="TextBox 43">
+            <a:extLst>
+              <a:ext uri="{FF2B5EF4-FFF2-40B4-BE49-F238E27FC236}">
+                <a16:creationId xmlns:a16="http://schemas.microsoft.com/office/drawing/2014/main" id="{1A952F7F-699C-F435-5AE1-F36B22E24D23}"/>
+              </a:ext>
+            </a:extLst>
+          </p:cNvPr>
+          <p:cNvSpPr txBox="1"/>
+          <p:nvPr/>
+        </p:nvSpPr>
+        <p:spPr>
+          <a:xfrm>
+            <a:off x="5949398" y="4904777"/>
+            <a:ext cx="723276" cy="584775"/>
+          </a:xfrm>
+          <a:prstGeom prst="rect">
+            <a:avLst/>
+          </a:prstGeom>
+          <a:noFill/>
+        </p:spPr>
+        <p:txBody>
+          <a:bodyPr wrap="none" rtlCol="0">
+            <a:spAutoFit/>
+          </a:bodyPr>
+          <a:lstStyle/>
+          <a:p>
+            <a:pPr algn="ctr"/>
+            <a:r>
+              <a:rPr lang="en-GB" b="1">
+                <a:solidFill>
+                  <a:srgbClr val="7030A0"/>
+                </a:solidFill>
+              </a:rPr>
+              <a:t>Tech.</a:t>
+            </a:r>
+          </a:p>
+          <a:p>
+            <a:pPr algn="ctr"/>
+            <a:r>
+              <a:rPr lang="ko-KR" altLang="en-US" sz="1400" b="1">
+                <a:solidFill>
+                  <a:srgbClr val="7030A0"/>
+                </a:solidFill>
+              </a:rPr>
+              <a:t>관심사</a:t>
+            </a:r>
+            <a:endParaRPr lang="en-GB" sz="1400" b="1">
+              <a:solidFill>
+                <a:srgbClr val="7030A0"/>
+              </a:solidFill>
+            </a:endParaRPr>
+          </a:p>
+        </p:txBody>
+      </p:sp>
+    </p:spTree>
+    <p:extLst>
+      <p:ext uri="{BB962C8B-B14F-4D97-AF65-F5344CB8AC3E}">
+        <p14:creationId xmlns:p14="http://schemas.microsoft.com/office/powerpoint/2010/main" val="3763655762"/>
+      </p:ext>
+    </p:extLst>
+  </p:cSld>
+  <p:clrMapOvr>
+    <a:masterClrMapping/>
+  </p:clrMapOvr>
+</p:sld>
+</file>
+
+<file path=ppt/slides/slide7.xml><?xml version="1.0" encoding="utf-8"?>
+<p:sld xmlns:a="http://schemas.openxmlformats.org/drawingml/2006/main" xmlns:r="http://schemas.openxmlformats.org/officeDocument/2006/relationships" xmlns:p="http://schemas.openxmlformats.org/presentationml/2006/main">
+  <p:cSld>
+    <p:spTree>
+      <p:nvGrpSpPr>
+        <p:cNvPr id="1" name="">
+          <a:extLst>
+            <a:ext uri="{FF2B5EF4-FFF2-40B4-BE49-F238E27FC236}">
+              <a16:creationId xmlns:a16="http://schemas.microsoft.com/office/drawing/2014/main" id="{711C7B8F-5EC5-BB3C-23DC-091927D6003B}"/>
+            </a:ext>
+          </a:extLst>
+        </p:cNvPr>
+        <p:cNvGrpSpPr/>
+        <p:nvPr/>
+      </p:nvGrpSpPr>
+      <p:grpSpPr>
+        <a:xfrm>
+          <a:off x="0" y="0"/>
+          <a:ext cx="0" cy="0"/>
+          <a:chOff x="0" y="0"/>
+          <a:chExt cx="0" cy="0"/>
+        </a:xfrm>
+      </p:grpSpPr>
+      <p:sp>
+        <p:nvSpPr>
+          <p:cNvPr id="103" name="직사각형 102">
+            <a:extLst>
+              <a:ext uri="{FF2B5EF4-FFF2-40B4-BE49-F238E27FC236}">
+                <a16:creationId xmlns:a16="http://schemas.microsoft.com/office/drawing/2014/main" id="{2871605D-94F8-56D8-B391-5FF968F7DC91}"/>
+              </a:ext>
+            </a:extLst>
+          </p:cNvPr>
+          <p:cNvSpPr/>
+          <p:nvPr/>
+        </p:nvSpPr>
+        <p:spPr>
+          <a:xfrm>
+            <a:off x="0" y="1614890"/>
+            <a:ext cx="12192000" cy="2300496"/>
+          </a:xfrm>
+          <a:prstGeom prst="rect">
+            <a:avLst/>
+          </a:prstGeom>
+          <a:solidFill>
+            <a:schemeClr val="bg1">
+              <a:lumMod val="95000"/>
+            </a:schemeClr>
+          </a:solidFill>
+          <a:ln>
+            <a:noFill/>
+          </a:ln>
+        </p:spPr>
+        <p:style>
+          <a:lnRef idx="2">
+            <a:schemeClr val="accent1">
+              <a:shade val="15000"/>
+            </a:schemeClr>
+          </a:lnRef>
+          <a:fillRef idx="1">
+            <a:schemeClr val="accent1"/>
+          </a:fillRef>
+          <a:effectRef idx="0">
+            <a:schemeClr val="accent1"/>
+          </a:effectRef>
+          <a:fontRef idx="minor">
+            <a:schemeClr val="lt1"/>
+          </a:fontRef>
+        </p:style>
+        <p:txBody>
+          <a:bodyPr rtlCol="0" anchor="ctr"/>
+          <a:lstStyle/>
+          <a:p>
+            <a:pPr algn="ctr"/>
+            <a:endParaRPr lang="en-GB"/>
+          </a:p>
+        </p:txBody>
+      </p:sp>
+      <p:sp>
+        <p:nvSpPr>
+          <p:cNvPr id="8" name="TextBox 7">
+            <a:extLst>
+              <a:ext uri="{FF2B5EF4-FFF2-40B4-BE49-F238E27FC236}">
+                <a16:creationId xmlns:a16="http://schemas.microsoft.com/office/drawing/2014/main" id="{92E26AA5-4A2F-D547-5F89-2F74E44FB7C9}"/>
+              </a:ext>
+            </a:extLst>
+          </p:cNvPr>
+          <p:cNvSpPr txBox="1"/>
+          <p:nvPr/>
+        </p:nvSpPr>
+        <p:spPr>
+          <a:xfrm>
+            <a:off x="420391" y="377532"/>
+            <a:ext cx="1300612" cy="707886"/>
+          </a:xfrm>
+          <a:prstGeom prst="rect">
+            <a:avLst/>
+          </a:prstGeom>
+          <a:noFill/>
+        </p:spPr>
+        <p:txBody>
+          <a:bodyPr wrap="none" rtlCol="0">
+            <a:spAutoFit/>
+          </a:bodyPr>
+          <a:lstStyle/>
+          <a:p>
+            <a:pPr algn="ctr"/>
+            <a:r>
+              <a:rPr lang="en-GB" sz="2400" b="1">
+                <a:solidFill>
+                  <a:srgbClr val="0070C0"/>
+                </a:solidFill>
+                <a:ea typeface="맑은 고딕" panose="020B0503020000020004" pitchFamily="50" charset="-127"/>
+                <a:cs typeface="Microsoft Sans Serif" panose="020B0604020202020204" pitchFamily="34" charset="0"/>
+              </a:rPr>
+              <a:t>DEV</a:t>
+            </a:r>
+          </a:p>
+          <a:p>
+            <a:pPr algn="ctr"/>
+            <a:r>
+              <a:rPr lang="en-GB" sz="1600" b="1">
+                <a:solidFill>
+                  <a:srgbClr val="0070C0"/>
+                </a:solidFill>
+                <a:ea typeface="맑은 고딕" panose="020B0503020000020004" pitchFamily="50" charset="-127"/>
+                <a:cs typeface="Microsoft Sans Serif" panose="020B0604020202020204" pitchFamily="34" charset="0"/>
+              </a:rPr>
+              <a:t>dev</a:t>
+            </a:r>
+            <a:r>
+              <a:rPr lang="en-GB" sz="1600">
+                <a:solidFill>
+                  <a:srgbClr val="0070C0"/>
+                </a:solidFill>
+                <a:ea typeface="맑은 고딕" panose="020B0503020000020004" pitchFamily="50" charset="-127"/>
+                <a:cs typeface="Microsoft Sans Serif" panose="020B0604020202020204" pitchFamily="34" charset="0"/>
+              </a:rPr>
+              <a:t>elopment</a:t>
+            </a:r>
+          </a:p>
+        </p:txBody>
+      </p:sp>
+      <p:sp>
+        <p:nvSpPr>
+          <p:cNvPr id="9" name="TextBox 8">
+            <a:extLst>
+              <a:ext uri="{FF2B5EF4-FFF2-40B4-BE49-F238E27FC236}">
+                <a16:creationId xmlns:a16="http://schemas.microsoft.com/office/drawing/2014/main" id="{B81DC061-690F-FF12-2BF5-78CE9BF93755}"/>
+              </a:ext>
+            </a:extLst>
+          </p:cNvPr>
+          <p:cNvSpPr txBox="1"/>
+          <p:nvPr/>
+        </p:nvSpPr>
+        <p:spPr>
+          <a:xfrm>
+            <a:off x="10287339" y="377532"/>
+            <a:ext cx="1099981" cy="707886"/>
+          </a:xfrm>
+          <a:prstGeom prst="rect">
+            <a:avLst/>
+          </a:prstGeom>
+          <a:noFill/>
+        </p:spPr>
+        <p:txBody>
+          <a:bodyPr wrap="none" rtlCol="0">
+            <a:spAutoFit/>
+          </a:bodyPr>
+          <a:lstStyle/>
+          <a:p>
+            <a:pPr algn="ctr"/>
+            <a:r>
+              <a:rPr lang="en-GB" sz="2400" b="1">
+                <a:solidFill>
+                  <a:srgbClr val="C00000"/>
+                </a:solidFill>
+                <a:ea typeface="맑은 고딕" panose="020B0503020000020004" pitchFamily="50" charset="-127"/>
+                <a:cs typeface="Microsoft Sans Serif" panose="020B0604020202020204" pitchFamily="34" charset="0"/>
+              </a:rPr>
+              <a:t>OPS</a:t>
+            </a:r>
+          </a:p>
+          <a:p>
+            <a:pPr algn="ctr"/>
+            <a:r>
+              <a:rPr lang="en-GB" sz="1600" b="1">
+                <a:solidFill>
+                  <a:srgbClr val="C00000"/>
+                </a:solidFill>
+                <a:ea typeface="맑은 고딕" panose="020B0503020000020004" pitchFamily="50" charset="-127"/>
+                <a:cs typeface="Microsoft Sans Serif" panose="020B0604020202020204" pitchFamily="34" charset="0"/>
+              </a:rPr>
+              <a:t>operations</a:t>
+            </a:r>
+            <a:endParaRPr lang="en-GB" sz="1200" b="1">
+              <a:solidFill>
+                <a:srgbClr val="C00000"/>
+              </a:solidFill>
+              <a:ea typeface="맑은 고딕" panose="020B0503020000020004" pitchFamily="50" charset="-127"/>
+              <a:cs typeface="Microsoft Sans Serif" panose="020B0604020202020204" pitchFamily="34" charset="0"/>
+            </a:endParaRPr>
+          </a:p>
+        </p:txBody>
+      </p:sp>
+      <p:sp>
+        <p:nvSpPr>
+          <p:cNvPr id="22" name="TextBox 21">
+            <a:extLst>
+              <a:ext uri="{FF2B5EF4-FFF2-40B4-BE49-F238E27FC236}">
+                <a16:creationId xmlns:a16="http://schemas.microsoft.com/office/drawing/2014/main" id="{CA2D4CDA-D933-9947-7E99-F1C3D80B1963}"/>
+              </a:ext>
+            </a:extLst>
+          </p:cNvPr>
+          <p:cNvSpPr txBox="1"/>
+          <p:nvPr/>
+        </p:nvSpPr>
+        <p:spPr>
+          <a:xfrm>
+            <a:off x="5565125" y="346755"/>
+            <a:ext cx="1491820" cy="769441"/>
+          </a:xfrm>
+          <a:prstGeom prst="rect">
+            <a:avLst/>
+          </a:prstGeom>
+          <a:noFill/>
+        </p:spPr>
+        <p:txBody>
+          <a:bodyPr wrap="none" rtlCol="0">
+            <a:spAutoFit/>
+          </a:bodyPr>
+          <a:lstStyle/>
+          <a:p>
+            <a:pPr algn="ctr"/>
+            <a:r>
+              <a:rPr lang="en-GB" sz="4400" b="1">
+                <a:solidFill>
+                  <a:srgbClr val="7030A0"/>
+                </a:solidFill>
+                <a:ea typeface="맑은 고딕" panose="020B0503020000020004" pitchFamily="50" charset="-127"/>
+                <a:cs typeface="Microsoft Sans Serif" panose="020B0604020202020204" pitchFamily="34" charset="0"/>
+              </a:rPr>
+              <a:t>CODE</a:t>
+            </a:r>
+          </a:p>
+        </p:txBody>
+      </p:sp>
+      <p:sp>
+        <p:nvSpPr>
+          <p:cNvPr id="104" name="직사각형 103">
+            <a:extLst>
+              <a:ext uri="{FF2B5EF4-FFF2-40B4-BE49-F238E27FC236}">
+                <a16:creationId xmlns:a16="http://schemas.microsoft.com/office/drawing/2014/main" id="{11A24DDF-E0CA-A33A-233D-F922CD1178FF}"/>
+              </a:ext>
+            </a:extLst>
+          </p:cNvPr>
+          <p:cNvSpPr/>
+          <p:nvPr/>
+        </p:nvSpPr>
+        <p:spPr>
+          <a:xfrm>
+            <a:off x="0" y="5129363"/>
+            <a:ext cx="12192000" cy="1520582"/>
+          </a:xfrm>
+          <a:prstGeom prst="rect">
+            <a:avLst/>
+          </a:prstGeom>
+          <a:solidFill>
+            <a:schemeClr val="bg1">
+              <a:lumMod val="95000"/>
+            </a:schemeClr>
+          </a:solidFill>
+          <a:ln>
+            <a:noFill/>
+          </a:ln>
+        </p:spPr>
+        <p:style>
+          <a:lnRef idx="2">
+            <a:schemeClr val="accent1">
+              <a:shade val="15000"/>
+            </a:schemeClr>
+          </a:lnRef>
+          <a:fillRef idx="1">
+            <a:schemeClr val="accent1"/>
+          </a:fillRef>
+          <a:effectRef idx="0">
+            <a:schemeClr val="accent1"/>
+          </a:effectRef>
+          <a:fontRef idx="minor">
+            <a:schemeClr val="lt1"/>
+          </a:fontRef>
+        </p:style>
+        <p:txBody>
+          <a:bodyPr rtlCol="0" anchor="ctr"/>
+          <a:lstStyle/>
+          <a:p>
+            <a:pPr algn="ctr"/>
+            <a:endParaRPr lang="en-GB"/>
+          </a:p>
+        </p:txBody>
+      </p:sp>
+      <p:sp>
+        <p:nvSpPr>
+          <p:cNvPr id="18" name="TextBox 17">
+            <a:extLst>
+              <a:ext uri="{FF2B5EF4-FFF2-40B4-BE49-F238E27FC236}">
+                <a16:creationId xmlns:a16="http://schemas.microsoft.com/office/drawing/2014/main" id="{B3103A93-BEAF-1073-0B7A-1CB4EEB18612}"/>
+              </a:ext>
+            </a:extLst>
+          </p:cNvPr>
+          <p:cNvSpPr txBox="1"/>
+          <p:nvPr/>
+        </p:nvSpPr>
+        <p:spPr>
+          <a:xfrm>
+            <a:off x="5392641" y="2053362"/>
+            <a:ext cx="1836785" cy="369332"/>
+          </a:xfrm>
+          <a:prstGeom prst="rect">
+            <a:avLst/>
+          </a:prstGeom>
+          <a:noFill/>
+        </p:spPr>
+        <p:txBody>
+          <a:bodyPr wrap="none" rtlCol="0">
+            <a:spAutoFit/>
+          </a:bodyPr>
+          <a:lstStyle/>
+          <a:p>
+            <a:r>
+              <a:rPr lang="en-GB" b="1"/>
+              <a:t>Application Layer</a:t>
+            </a:r>
+          </a:p>
+        </p:txBody>
+      </p:sp>
+      <p:sp>
+        <p:nvSpPr>
+          <p:cNvPr id="19" name="TextBox 18">
+            <a:extLst>
+              <a:ext uri="{FF2B5EF4-FFF2-40B4-BE49-F238E27FC236}">
+                <a16:creationId xmlns:a16="http://schemas.microsoft.com/office/drawing/2014/main" id="{3CE9EB3F-3EC6-68E5-EFCF-E1655E3EE319}"/>
+              </a:ext>
+            </a:extLst>
+          </p:cNvPr>
+          <p:cNvSpPr txBox="1"/>
+          <p:nvPr/>
+        </p:nvSpPr>
+        <p:spPr>
+          <a:xfrm>
+            <a:off x="5561629" y="3107580"/>
+            <a:ext cx="1498808" cy="369332"/>
+          </a:xfrm>
+          <a:prstGeom prst="rect">
+            <a:avLst/>
+          </a:prstGeom>
+          <a:noFill/>
+        </p:spPr>
+        <p:txBody>
+          <a:bodyPr wrap="none" rtlCol="0">
+            <a:spAutoFit/>
+          </a:bodyPr>
+          <a:lstStyle/>
+          <a:p>
+            <a:r>
+              <a:rPr lang="en-GB" b="1"/>
+              <a:t>Domain Layer</a:t>
+            </a:r>
+          </a:p>
+        </p:txBody>
+      </p:sp>
+      <p:sp>
+        <p:nvSpPr>
+          <p:cNvPr id="20" name="TextBox 19">
+            <a:extLst>
+              <a:ext uri="{FF2B5EF4-FFF2-40B4-BE49-F238E27FC236}">
+                <a16:creationId xmlns:a16="http://schemas.microsoft.com/office/drawing/2014/main" id="{6B4CC5BF-7317-88CA-0192-7096B8A82F03}"/>
+              </a:ext>
+            </a:extLst>
+          </p:cNvPr>
+          <p:cNvSpPr txBox="1"/>
+          <p:nvPr/>
+        </p:nvSpPr>
+        <p:spPr>
+          <a:xfrm>
+            <a:off x="5549863" y="5704987"/>
+            <a:ext cx="1522340" cy="369332"/>
+          </a:xfrm>
+          <a:prstGeom prst="rect">
+            <a:avLst/>
+          </a:prstGeom>
+          <a:noFill/>
+        </p:spPr>
+        <p:txBody>
+          <a:bodyPr wrap="none" rtlCol="0">
+            <a:spAutoFit/>
+          </a:bodyPr>
+          <a:lstStyle/>
+          <a:p>
+            <a:r>
+              <a:rPr lang="en-GB" b="1"/>
+              <a:t>Adapter Layer</a:t>
+            </a:r>
+          </a:p>
+        </p:txBody>
+      </p:sp>
+      <p:cxnSp>
+        <p:nvCxnSpPr>
+          <p:cNvPr id="28" name="연결선: 구부러짐 27">
+            <a:extLst>
+              <a:ext uri="{FF2B5EF4-FFF2-40B4-BE49-F238E27FC236}">
+                <a16:creationId xmlns:a16="http://schemas.microsoft.com/office/drawing/2014/main" id="{E77F2354-2AA3-9770-D374-7747BFC30F28}"/>
+              </a:ext>
+            </a:extLst>
+          </p:cNvPr>
+          <p:cNvCxnSpPr>
+            <a:cxnSpLocks/>
+            <a:stCxn id="4" idx="3"/>
+            <a:endCxn id="57" idx="1"/>
+          </p:cNvCxnSpPr>
+          <p:nvPr/>
+        </p:nvCxnSpPr>
+        <p:spPr>
+          <a:xfrm flipV="1">
+            <a:off x="2032916" y="2716784"/>
+            <a:ext cx="343293" cy="1670197"/>
+          </a:xfrm>
+          <a:prstGeom prst="curvedConnector3">
+            <a:avLst>
+              <a:gd name="adj1" fmla="val 50000"/>
+            </a:avLst>
+          </a:prstGeom>
+          <a:ln w="19050">
+            <a:tailEnd type="triangle"/>
+          </a:ln>
+        </p:spPr>
+        <p:style>
+          <a:lnRef idx="1">
+            <a:schemeClr val="accent1"/>
+          </a:lnRef>
+          <a:fillRef idx="0">
+            <a:schemeClr val="accent1"/>
+          </a:fillRef>
+          <a:effectRef idx="0">
+            <a:schemeClr val="accent1"/>
+          </a:effectRef>
+          <a:fontRef idx="minor">
+            <a:schemeClr val="tx1"/>
+          </a:fontRef>
+        </p:style>
+      </p:cxnSp>
+      <p:cxnSp>
+        <p:nvCxnSpPr>
+          <p:cNvPr id="30" name="연결선: 구부러짐 29">
+            <a:extLst>
+              <a:ext uri="{FF2B5EF4-FFF2-40B4-BE49-F238E27FC236}">
+                <a16:creationId xmlns:a16="http://schemas.microsoft.com/office/drawing/2014/main" id="{218C7CBC-0CDE-47E4-5483-08FFFF2F6BF0}"/>
+              </a:ext>
+            </a:extLst>
+          </p:cNvPr>
+          <p:cNvCxnSpPr>
+            <a:cxnSpLocks/>
+            <a:stCxn id="4" idx="3"/>
+            <a:endCxn id="58" idx="1"/>
+          </p:cNvCxnSpPr>
+          <p:nvPr/>
+        </p:nvCxnSpPr>
+        <p:spPr>
+          <a:xfrm>
+            <a:off x="2032916" y="4386981"/>
+            <a:ext cx="343293" cy="1502672"/>
+          </a:xfrm>
+          <a:prstGeom prst="curvedConnector3">
+            <a:avLst>
+              <a:gd name="adj1" fmla="val 50000"/>
+            </a:avLst>
+          </a:prstGeom>
+          <a:ln w="19050">
+            <a:tailEnd type="triangle"/>
+          </a:ln>
+        </p:spPr>
+        <p:style>
+          <a:lnRef idx="1">
+            <a:schemeClr val="accent1"/>
+          </a:lnRef>
+          <a:fillRef idx="0">
+            <a:schemeClr val="accent1"/>
+          </a:fillRef>
+          <a:effectRef idx="0">
+            <a:schemeClr val="accent1"/>
+          </a:effectRef>
+          <a:fontRef idx="minor">
+            <a:schemeClr val="tx1"/>
+          </a:fontRef>
+        </p:style>
+      </p:cxnSp>
+      <p:cxnSp>
+        <p:nvCxnSpPr>
+          <p:cNvPr id="40" name="연결선: 구부러짐 39">
+            <a:extLst>
+              <a:ext uri="{FF2B5EF4-FFF2-40B4-BE49-F238E27FC236}">
+                <a16:creationId xmlns:a16="http://schemas.microsoft.com/office/drawing/2014/main" id="{38D6B454-9626-3BCA-8423-E45EB05BCBBB}"/>
+              </a:ext>
+            </a:extLst>
+          </p:cNvPr>
+          <p:cNvCxnSpPr>
+            <a:cxnSpLocks/>
+            <a:stCxn id="5" idx="1"/>
+            <a:endCxn id="73" idx="3"/>
+          </p:cNvCxnSpPr>
+          <p:nvPr/>
+        </p:nvCxnSpPr>
+        <p:spPr>
+          <a:xfrm rot="10800000">
+            <a:off x="10192513" y="2716785"/>
+            <a:ext cx="343293" cy="1805591"/>
+          </a:xfrm>
+          <a:prstGeom prst="curvedConnector3">
+            <a:avLst>
+              <a:gd name="adj1" fmla="val 50000"/>
+            </a:avLst>
+          </a:prstGeom>
+          <a:ln w="19050">
+            <a:solidFill>
+              <a:srgbClr val="C00000"/>
+            </a:solidFill>
+            <a:tailEnd type="triangle"/>
+          </a:ln>
+        </p:spPr>
+        <p:style>
+          <a:lnRef idx="1">
+            <a:schemeClr val="accent1"/>
+          </a:lnRef>
+          <a:fillRef idx="0">
+            <a:schemeClr val="accent1"/>
+          </a:fillRef>
+          <a:effectRef idx="0">
+            <a:schemeClr val="accent1"/>
+          </a:effectRef>
+          <a:fontRef idx="minor">
+            <a:schemeClr val="tx1"/>
+          </a:fontRef>
+        </p:style>
+      </p:cxnSp>
+      <p:cxnSp>
+        <p:nvCxnSpPr>
+          <p:cNvPr id="43" name="연결선: 구부러짐 42">
+            <a:extLst>
+              <a:ext uri="{FF2B5EF4-FFF2-40B4-BE49-F238E27FC236}">
+                <a16:creationId xmlns:a16="http://schemas.microsoft.com/office/drawing/2014/main" id="{97393F77-4A54-D375-6AA0-5F04C9735636}"/>
+              </a:ext>
+            </a:extLst>
+          </p:cNvPr>
+          <p:cNvCxnSpPr>
+            <a:cxnSpLocks/>
+            <a:stCxn id="5" idx="1"/>
+            <a:endCxn id="87" idx="3"/>
+          </p:cNvCxnSpPr>
+          <p:nvPr/>
+        </p:nvCxnSpPr>
+        <p:spPr>
+          <a:xfrm rot="10800000" flipV="1">
+            <a:off x="10192513" y="4522375"/>
+            <a:ext cx="343293" cy="1367278"/>
+          </a:xfrm>
+          <a:prstGeom prst="curvedConnector3">
+            <a:avLst>
+              <a:gd name="adj1" fmla="val 50000"/>
+            </a:avLst>
+          </a:prstGeom>
+          <a:ln w="19050">
+            <a:solidFill>
+              <a:srgbClr val="C00000"/>
+            </a:solidFill>
+            <a:tailEnd type="triangle"/>
+          </a:ln>
+        </p:spPr>
+        <p:style>
+          <a:lnRef idx="1">
+            <a:schemeClr val="accent1"/>
+          </a:lnRef>
+          <a:fillRef idx="0">
+            <a:schemeClr val="accent1"/>
+          </a:fillRef>
+          <a:effectRef idx="0">
+            <a:schemeClr val="accent1"/>
+          </a:effectRef>
+          <a:fontRef idx="minor">
+            <a:schemeClr val="tx1"/>
+          </a:fontRef>
+        </p:style>
+      </p:cxnSp>
+      <p:cxnSp>
+        <p:nvCxnSpPr>
+          <p:cNvPr id="33" name="연결선: 구부러짐 32">
+            <a:extLst>
+              <a:ext uri="{FF2B5EF4-FFF2-40B4-BE49-F238E27FC236}">
+                <a16:creationId xmlns:a16="http://schemas.microsoft.com/office/drawing/2014/main" id="{7B41784F-F3C2-9578-8DE9-5DC8F5A5A764}"/>
+              </a:ext>
+            </a:extLst>
+          </p:cNvPr>
+          <p:cNvCxnSpPr>
+            <a:cxnSpLocks/>
+            <a:stCxn id="57" idx="3"/>
+            <a:endCxn id="53" idx="1"/>
+          </p:cNvCxnSpPr>
+          <p:nvPr/>
+        </p:nvCxnSpPr>
+        <p:spPr>
+          <a:xfrm flipV="1">
+            <a:off x="3594836" y="2238028"/>
+            <a:ext cx="391535" cy="478756"/>
+          </a:xfrm>
+          <a:prstGeom prst="curvedConnector3">
+            <a:avLst>
+              <a:gd name="adj1" fmla="val 50000"/>
+            </a:avLst>
+          </a:prstGeom>
+          <a:ln w="19050">
+            <a:tailEnd type="triangle"/>
+          </a:ln>
+        </p:spPr>
+        <p:style>
+          <a:lnRef idx="1">
+            <a:schemeClr val="accent1"/>
+          </a:lnRef>
+          <a:fillRef idx="0">
+            <a:schemeClr val="accent1"/>
+          </a:fillRef>
+          <a:effectRef idx="0">
+            <a:schemeClr val="accent1"/>
+          </a:effectRef>
+          <a:fontRef idx="minor">
+            <a:schemeClr val="tx1"/>
+          </a:fontRef>
+        </p:style>
+      </p:cxnSp>
+      <p:cxnSp>
+        <p:nvCxnSpPr>
+          <p:cNvPr id="36" name="연결선: 구부러짐 35">
+            <a:extLst>
+              <a:ext uri="{FF2B5EF4-FFF2-40B4-BE49-F238E27FC236}">
+                <a16:creationId xmlns:a16="http://schemas.microsoft.com/office/drawing/2014/main" id="{5F33ECFD-DE24-4FDE-EAB9-5D97FF03F514}"/>
+              </a:ext>
+            </a:extLst>
+          </p:cNvPr>
+          <p:cNvCxnSpPr>
+            <a:cxnSpLocks/>
+            <a:stCxn id="57" idx="3"/>
+            <a:endCxn id="54" idx="1"/>
+          </p:cNvCxnSpPr>
+          <p:nvPr/>
+        </p:nvCxnSpPr>
+        <p:spPr>
+          <a:xfrm>
+            <a:off x="3594836" y="2716784"/>
+            <a:ext cx="391535" cy="575462"/>
+          </a:xfrm>
+          <a:prstGeom prst="curvedConnector3">
+            <a:avLst>
+              <a:gd name="adj1" fmla="val 50000"/>
+            </a:avLst>
+          </a:prstGeom>
+          <a:ln w="19050">
+            <a:tailEnd type="triangle"/>
+          </a:ln>
+        </p:spPr>
+        <p:style>
+          <a:lnRef idx="1">
+            <a:schemeClr val="accent1"/>
+          </a:lnRef>
+          <a:fillRef idx="0">
+            <a:schemeClr val="accent1"/>
+          </a:fillRef>
+          <a:effectRef idx="0">
+            <a:schemeClr val="accent1"/>
+          </a:effectRef>
+          <a:fontRef idx="minor">
+            <a:schemeClr val="tx1"/>
+          </a:fontRef>
+        </p:style>
+      </p:cxnSp>
+      <p:sp>
+        <p:nvSpPr>
+          <p:cNvPr id="13" name="TextBox 12">
+            <a:extLst>
+              <a:ext uri="{FF2B5EF4-FFF2-40B4-BE49-F238E27FC236}">
+                <a16:creationId xmlns:a16="http://schemas.microsoft.com/office/drawing/2014/main" id="{CAF4F0AB-B3D1-BB2A-CD3E-824D3709BCCF}"/>
+              </a:ext>
+            </a:extLst>
+          </p:cNvPr>
+          <p:cNvSpPr txBox="1"/>
+          <p:nvPr/>
+        </p:nvSpPr>
+        <p:spPr>
+          <a:xfrm>
+            <a:off x="4157103" y="3122969"/>
+            <a:ext cx="877163" cy="338554"/>
+          </a:xfrm>
+          <a:prstGeom prst="rect">
+            <a:avLst/>
+          </a:prstGeom>
+          <a:noFill/>
+        </p:spPr>
+        <p:txBody>
+          <a:bodyPr wrap="none" rtlCol="0">
+            <a:spAutoFit/>
+          </a:bodyPr>
+          <a:lstStyle/>
+          <a:p>
+            <a:r>
+              <a:rPr lang="en-GB" sz="1600">
+                <a:solidFill>
+                  <a:srgbClr val="0070C0"/>
+                </a:solidFill>
+              </a:rPr>
+              <a:t>Biz. Unit</a:t>
+            </a:r>
+          </a:p>
+        </p:txBody>
+      </p:sp>
+      <p:sp>
+        <p:nvSpPr>
+          <p:cNvPr id="54" name="직사각형 53">
+            <a:extLst>
+              <a:ext uri="{FF2B5EF4-FFF2-40B4-BE49-F238E27FC236}">
+                <a16:creationId xmlns:a16="http://schemas.microsoft.com/office/drawing/2014/main" id="{E6EB201D-8E5D-B254-A6D6-BC19DDFB6BF2}"/>
+              </a:ext>
+            </a:extLst>
+          </p:cNvPr>
+          <p:cNvSpPr/>
+          <p:nvPr/>
+        </p:nvSpPr>
+        <p:spPr>
+          <a:xfrm>
+            <a:off x="3986371" y="3012276"/>
+            <a:ext cx="1218627" cy="559940"/>
+          </a:xfrm>
+          <a:prstGeom prst="rect">
+            <a:avLst/>
+          </a:prstGeom>
+          <a:noFill/>
+          <a:ln w="3175">
+            <a:solidFill>
+              <a:srgbClr val="0070C0"/>
+            </a:solidFill>
+            <a:prstDash val="sysDash"/>
+          </a:ln>
+        </p:spPr>
+        <p:style>
+          <a:lnRef idx="2">
+            <a:schemeClr val="accent1">
+              <a:shade val="15000"/>
+            </a:schemeClr>
+          </a:lnRef>
+          <a:fillRef idx="1">
+            <a:schemeClr val="accent1"/>
+          </a:fillRef>
+          <a:effectRef idx="0">
+            <a:schemeClr val="accent1"/>
+          </a:effectRef>
+          <a:fontRef idx="minor">
+            <a:schemeClr val="lt1"/>
+          </a:fontRef>
+        </p:style>
+        <p:txBody>
+          <a:bodyPr rtlCol="0" anchor="ctr"/>
+          <a:lstStyle/>
+          <a:p>
+            <a:pPr algn="ctr"/>
+            <a:endParaRPr lang="en-GB" sz="1600"/>
+          </a:p>
+        </p:txBody>
+      </p:sp>
+      <p:sp>
+        <p:nvSpPr>
+          <p:cNvPr id="12" name="TextBox 11">
+            <a:extLst>
+              <a:ext uri="{FF2B5EF4-FFF2-40B4-BE49-F238E27FC236}">
+                <a16:creationId xmlns:a16="http://schemas.microsoft.com/office/drawing/2014/main" id="{7DE408E8-E52E-1FBC-679F-0F8F88B84DB8}"/>
+              </a:ext>
+            </a:extLst>
+          </p:cNvPr>
+          <p:cNvSpPr txBox="1"/>
+          <p:nvPr/>
+        </p:nvSpPr>
+        <p:spPr>
+          <a:xfrm>
+            <a:off x="4135879" y="2068751"/>
+            <a:ext cx="919611" cy="338554"/>
+          </a:xfrm>
+          <a:prstGeom prst="rect">
+            <a:avLst/>
+          </a:prstGeom>
+          <a:noFill/>
+        </p:spPr>
+        <p:txBody>
+          <a:bodyPr wrap="none" rtlCol="0">
+            <a:spAutoFit/>
+          </a:bodyPr>
+          <a:lstStyle/>
+          <a:p>
+            <a:r>
+              <a:rPr lang="en-GB" sz="1600">
+                <a:solidFill>
+                  <a:srgbClr val="0070C0"/>
+                </a:solidFill>
+              </a:rPr>
+              <a:t>Biz. Flow</a:t>
+            </a:r>
+          </a:p>
+        </p:txBody>
+      </p:sp>
+      <p:sp>
+        <p:nvSpPr>
+          <p:cNvPr id="53" name="직사각형 52">
+            <a:extLst>
+              <a:ext uri="{FF2B5EF4-FFF2-40B4-BE49-F238E27FC236}">
+                <a16:creationId xmlns:a16="http://schemas.microsoft.com/office/drawing/2014/main" id="{A3A1B171-EF22-8C50-94A1-60125335BC2B}"/>
+              </a:ext>
+            </a:extLst>
+          </p:cNvPr>
+          <p:cNvSpPr/>
+          <p:nvPr/>
+        </p:nvSpPr>
+        <p:spPr>
+          <a:xfrm>
+            <a:off x="3986371" y="1958058"/>
+            <a:ext cx="1218627" cy="559940"/>
+          </a:xfrm>
+          <a:prstGeom prst="rect">
+            <a:avLst/>
+          </a:prstGeom>
+          <a:noFill/>
+          <a:ln w="3175">
+            <a:solidFill>
+              <a:srgbClr val="0070C0"/>
+            </a:solidFill>
+            <a:prstDash val="sysDash"/>
+          </a:ln>
+        </p:spPr>
+        <p:style>
+          <a:lnRef idx="2">
+            <a:schemeClr val="accent1">
+              <a:shade val="15000"/>
+            </a:schemeClr>
+          </a:lnRef>
+          <a:fillRef idx="1">
+            <a:schemeClr val="accent1"/>
+          </a:fillRef>
+          <a:effectRef idx="0">
+            <a:schemeClr val="accent1"/>
+          </a:effectRef>
+          <a:fontRef idx="minor">
+            <a:schemeClr val="lt1"/>
+          </a:fontRef>
+        </p:style>
+        <p:txBody>
+          <a:bodyPr rtlCol="0" anchor="ctr"/>
+          <a:lstStyle/>
+          <a:p>
+            <a:pPr algn="ctr"/>
+            <a:endParaRPr lang="en-GB" sz="1600"/>
+          </a:p>
+        </p:txBody>
+      </p:sp>
+      <p:sp>
+        <p:nvSpPr>
+          <p:cNvPr id="10" name="TextBox 9">
+            <a:extLst>
+              <a:ext uri="{FF2B5EF4-FFF2-40B4-BE49-F238E27FC236}">
+                <a16:creationId xmlns:a16="http://schemas.microsoft.com/office/drawing/2014/main" id="{96958CC8-488D-7123-D067-F9EF75FCC03F}"/>
+              </a:ext>
+            </a:extLst>
+          </p:cNvPr>
+          <p:cNvSpPr txBox="1"/>
+          <p:nvPr/>
+        </p:nvSpPr>
+        <p:spPr>
+          <a:xfrm>
+            <a:off x="2729683" y="2532118"/>
+            <a:ext cx="511679" cy="369332"/>
+          </a:xfrm>
+          <a:prstGeom prst="rect">
+            <a:avLst/>
+          </a:prstGeom>
+          <a:noFill/>
+        </p:spPr>
+        <p:txBody>
+          <a:bodyPr wrap="none" rtlCol="0">
+            <a:spAutoFit/>
+          </a:bodyPr>
+          <a:lstStyle/>
+          <a:p>
+            <a:r>
+              <a:rPr lang="en-GB">
+                <a:solidFill>
+                  <a:srgbClr val="0070C0"/>
+                </a:solidFill>
+              </a:rPr>
+              <a:t>Biz.</a:t>
+            </a:r>
+          </a:p>
+        </p:txBody>
+      </p:sp>
+      <p:sp>
+        <p:nvSpPr>
+          <p:cNvPr id="57" name="직사각형 56">
+            <a:extLst>
+              <a:ext uri="{FF2B5EF4-FFF2-40B4-BE49-F238E27FC236}">
+                <a16:creationId xmlns:a16="http://schemas.microsoft.com/office/drawing/2014/main" id="{4A4D7FF7-20BF-50C1-FDC7-37EAFD90E986}"/>
+              </a:ext>
+            </a:extLst>
+          </p:cNvPr>
+          <p:cNvSpPr/>
+          <p:nvPr/>
+        </p:nvSpPr>
+        <p:spPr>
+          <a:xfrm>
+            <a:off x="2376209" y="2436814"/>
+            <a:ext cx="1218627" cy="559940"/>
+          </a:xfrm>
+          <a:prstGeom prst="rect">
+            <a:avLst/>
+          </a:prstGeom>
+          <a:noFill/>
+          <a:ln w="3175">
+            <a:solidFill>
+              <a:srgbClr val="0070C0"/>
+            </a:solidFill>
+            <a:prstDash val="sysDash"/>
+          </a:ln>
+        </p:spPr>
+        <p:style>
+          <a:lnRef idx="2">
+            <a:schemeClr val="accent1">
+              <a:shade val="15000"/>
+            </a:schemeClr>
+          </a:lnRef>
+          <a:fillRef idx="1">
+            <a:schemeClr val="accent1"/>
+          </a:fillRef>
+          <a:effectRef idx="0">
+            <a:schemeClr val="accent1"/>
+          </a:effectRef>
+          <a:fontRef idx="minor">
+            <a:schemeClr val="lt1"/>
+          </a:fontRef>
+        </p:style>
+        <p:txBody>
+          <a:bodyPr rtlCol="0" anchor="ctr"/>
+          <a:lstStyle/>
+          <a:p>
+            <a:pPr algn="ctr"/>
+            <a:endParaRPr lang="en-GB"/>
+          </a:p>
+        </p:txBody>
+      </p:sp>
+      <p:sp>
+        <p:nvSpPr>
+          <p:cNvPr id="11" name="TextBox 10">
+            <a:extLst>
+              <a:ext uri="{FF2B5EF4-FFF2-40B4-BE49-F238E27FC236}">
+                <a16:creationId xmlns:a16="http://schemas.microsoft.com/office/drawing/2014/main" id="{F95E3DA7-D94D-91C4-FFC2-C3BBE882CF93}"/>
+              </a:ext>
+            </a:extLst>
+          </p:cNvPr>
+          <p:cNvSpPr txBox="1"/>
+          <p:nvPr/>
+        </p:nvSpPr>
+        <p:spPr>
+          <a:xfrm>
+            <a:off x="2650975" y="5704987"/>
+            <a:ext cx="669094" cy="369332"/>
+          </a:xfrm>
+          <a:prstGeom prst="rect">
+            <a:avLst/>
+          </a:prstGeom>
+          <a:noFill/>
+        </p:spPr>
+        <p:txBody>
+          <a:bodyPr wrap="none" rtlCol="0">
+            <a:spAutoFit/>
+          </a:bodyPr>
+          <a:lstStyle/>
+          <a:p>
+            <a:r>
+              <a:rPr lang="en-GB">
+                <a:solidFill>
+                  <a:srgbClr val="0070C0"/>
+                </a:solidFill>
+              </a:rPr>
+              <a:t>Tech.</a:t>
+            </a:r>
+          </a:p>
+        </p:txBody>
+      </p:sp>
+      <p:sp>
+        <p:nvSpPr>
+          <p:cNvPr id="58" name="직사각형 57">
+            <a:extLst>
+              <a:ext uri="{FF2B5EF4-FFF2-40B4-BE49-F238E27FC236}">
+                <a16:creationId xmlns:a16="http://schemas.microsoft.com/office/drawing/2014/main" id="{01E7D022-8D69-830D-7EB0-C8791BFEE4CB}"/>
+              </a:ext>
+            </a:extLst>
+          </p:cNvPr>
+          <p:cNvSpPr/>
+          <p:nvPr/>
+        </p:nvSpPr>
+        <p:spPr>
+          <a:xfrm>
+            <a:off x="2376209" y="5609683"/>
+            <a:ext cx="1218627" cy="559940"/>
+          </a:xfrm>
+          <a:prstGeom prst="rect">
+            <a:avLst/>
+          </a:prstGeom>
+          <a:noFill/>
+          <a:ln w="3175">
+            <a:solidFill>
+              <a:srgbClr val="0070C0"/>
+            </a:solidFill>
+            <a:prstDash val="sysDash"/>
+          </a:ln>
+        </p:spPr>
+        <p:style>
+          <a:lnRef idx="2">
+            <a:schemeClr val="accent1">
+              <a:shade val="15000"/>
+            </a:schemeClr>
+          </a:lnRef>
+          <a:fillRef idx="1">
+            <a:schemeClr val="accent1"/>
+          </a:fillRef>
+          <a:effectRef idx="0">
+            <a:schemeClr val="accent1"/>
+          </a:effectRef>
+          <a:fontRef idx="minor">
+            <a:schemeClr val="lt1"/>
+          </a:fontRef>
+        </p:style>
+        <p:txBody>
+          <a:bodyPr rtlCol="0" anchor="ctr"/>
+          <a:lstStyle/>
+          <a:p>
+            <a:pPr algn="ctr"/>
+            <a:endParaRPr lang="en-GB"/>
+          </a:p>
+        </p:txBody>
+      </p:sp>
+      <p:cxnSp>
+        <p:nvCxnSpPr>
+          <p:cNvPr id="46" name="연결선: 구부러짐 45">
+            <a:extLst>
+              <a:ext uri="{FF2B5EF4-FFF2-40B4-BE49-F238E27FC236}">
+                <a16:creationId xmlns:a16="http://schemas.microsoft.com/office/drawing/2014/main" id="{BB3C5513-3791-2637-7FF1-8617C26EE4BA}"/>
+              </a:ext>
+            </a:extLst>
+          </p:cNvPr>
+          <p:cNvCxnSpPr>
+            <a:cxnSpLocks/>
+            <a:stCxn id="73" idx="1"/>
+            <a:endCxn id="56" idx="3"/>
+          </p:cNvCxnSpPr>
+          <p:nvPr/>
+        </p:nvCxnSpPr>
+        <p:spPr>
+          <a:xfrm rot="10800000">
+            <a:off x="8635697" y="2238028"/>
+            <a:ext cx="338189" cy="478756"/>
+          </a:xfrm>
+          <a:prstGeom prst="curvedConnector3">
+            <a:avLst>
+              <a:gd name="adj1" fmla="val 50000"/>
+            </a:avLst>
+          </a:prstGeom>
+          <a:ln w="19050">
+            <a:solidFill>
+              <a:srgbClr val="C00000"/>
+            </a:solidFill>
+            <a:tailEnd type="triangle"/>
+          </a:ln>
+        </p:spPr>
+        <p:style>
+          <a:lnRef idx="1">
+            <a:schemeClr val="accent1"/>
+          </a:lnRef>
+          <a:fillRef idx="0">
+            <a:schemeClr val="accent1"/>
+          </a:fillRef>
+          <a:effectRef idx="0">
+            <a:schemeClr val="accent1"/>
+          </a:effectRef>
+          <a:fontRef idx="minor">
+            <a:schemeClr val="tx1"/>
+          </a:fontRef>
+        </p:style>
+      </p:cxnSp>
+      <p:cxnSp>
+        <p:nvCxnSpPr>
+          <p:cNvPr id="50" name="연결선: 구부러짐 49">
+            <a:extLst>
+              <a:ext uri="{FF2B5EF4-FFF2-40B4-BE49-F238E27FC236}">
+                <a16:creationId xmlns:a16="http://schemas.microsoft.com/office/drawing/2014/main" id="{81DE20E6-A842-A5B8-6540-4D16BD262C35}"/>
+              </a:ext>
+            </a:extLst>
+          </p:cNvPr>
+          <p:cNvCxnSpPr>
+            <a:cxnSpLocks/>
+            <a:stCxn id="73" idx="1"/>
+            <a:endCxn id="55" idx="3"/>
+          </p:cNvCxnSpPr>
+          <p:nvPr/>
+        </p:nvCxnSpPr>
+        <p:spPr>
+          <a:xfrm rot="10800000" flipV="1">
+            <a:off x="8629431" y="2716784"/>
+            <a:ext cx="344454" cy="575462"/>
+          </a:xfrm>
+          <a:prstGeom prst="curvedConnector3">
+            <a:avLst>
+              <a:gd name="adj1" fmla="val 50000"/>
+            </a:avLst>
+          </a:prstGeom>
+          <a:ln w="19050">
+            <a:solidFill>
+              <a:srgbClr val="C00000"/>
+            </a:solidFill>
+            <a:tailEnd type="triangle"/>
+          </a:ln>
+        </p:spPr>
+        <p:style>
+          <a:lnRef idx="1">
+            <a:schemeClr val="accent1"/>
+          </a:lnRef>
+          <a:fillRef idx="0">
+            <a:schemeClr val="accent1"/>
+          </a:fillRef>
+          <a:effectRef idx="0">
+            <a:schemeClr val="accent1"/>
+          </a:effectRef>
+          <a:fontRef idx="minor">
+            <a:schemeClr val="tx1"/>
+          </a:fontRef>
+        </p:style>
+      </p:cxnSp>
+      <p:sp>
+        <p:nvSpPr>
+          <p:cNvPr id="17" name="TextBox 16">
+            <a:extLst>
+              <a:ext uri="{FF2B5EF4-FFF2-40B4-BE49-F238E27FC236}">
+                <a16:creationId xmlns:a16="http://schemas.microsoft.com/office/drawing/2014/main" id="{6187DC8D-C4F3-B9B0-E910-35A728A70793}"/>
+              </a:ext>
+            </a:extLst>
+          </p:cNvPr>
+          <p:cNvSpPr txBox="1"/>
+          <p:nvPr/>
+        </p:nvSpPr>
+        <p:spPr>
+          <a:xfrm>
+            <a:off x="7581536" y="3122969"/>
+            <a:ext cx="877163" cy="338554"/>
+          </a:xfrm>
+          <a:prstGeom prst="rect">
+            <a:avLst/>
+          </a:prstGeom>
+          <a:noFill/>
+        </p:spPr>
+        <p:txBody>
+          <a:bodyPr wrap="none" rtlCol="0">
+            <a:spAutoFit/>
+          </a:bodyPr>
+          <a:lstStyle/>
+          <a:p>
+            <a:r>
+              <a:rPr lang="en-GB" sz="1600">
+                <a:solidFill>
+                  <a:srgbClr val="C00000"/>
+                </a:solidFill>
+              </a:rPr>
+              <a:t>Biz. Unit</a:t>
+            </a:r>
+          </a:p>
+        </p:txBody>
+      </p:sp>
+      <p:sp>
+        <p:nvSpPr>
+          <p:cNvPr id="55" name="직사각형 54">
+            <a:extLst>
+              <a:ext uri="{FF2B5EF4-FFF2-40B4-BE49-F238E27FC236}">
+                <a16:creationId xmlns:a16="http://schemas.microsoft.com/office/drawing/2014/main" id="{F9BF3DB4-6362-EEEE-B37C-07DF2D7AF381}"/>
+              </a:ext>
+            </a:extLst>
+          </p:cNvPr>
+          <p:cNvSpPr/>
+          <p:nvPr/>
+        </p:nvSpPr>
+        <p:spPr>
+          <a:xfrm>
+            <a:off x="7410804" y="3012276"/>
+            <a:ext cx="1218627" cy="559940"/>
+          </a:xfrm>
+          <a:prstGeom prst="rect">
+            <a:avLst/>
+          </a:prstGeom>
+          <a:noFill/>
+          <a:ln w="3175">
+            <a:solidFill>
+              <a:srgbClr val="C00000"/>
+            </a:solidFill>
+            <a:prstDash val="sysDash"/>
+          </a:ln>
+        </p:spPr>
+        <p:style>
+          <a:lnRef idx="2">
+            <a:schemeClr val="accent1">
+              <a:shade val="15000"/>
+            </a:schemeClr>
+          </a:lnRef>
+          <a:fillRef idx="1">
+            <a:schemeClr val="accent1"/>
+          </a:fillRef>
+          <a:effectRef idx="0">
+            <a:schemeClr val="accent1"/>
+          </a:effectRef>
+          <a:fontRef idx="minor">
+            <a:schemeClr val="lt1"/>
+          </a:fontRef>
+        </p:style>
+        <p:txBody>
+          <a:bodyPr rtlCol="0" anchor="ctr"/>
+          <a:lstStyle/>
+          <a:p>
+            <a:pPr algn="ctr"/>
+            <a:endParaRPr lang="en-GB" sz="1600"/>
+          </a:p>
+        </p:txBody>
+      </p:sp>
+      <p:sp>
+        <p:nvSpPr>
+          <p:cNvPr id="16" name="TextBox 15">
+            <a:extLst>
+              <a:ext uri="{FF2B5EF4-FFF2-40B4-BE49-F238E27FC236}">
+                <a16:creationId xmlns:a16="http://schemas.microsoft.com/office/drawing/2014/main" id="{37620BE0-A67E-C583-A78A-8DA40E2C1355}"/>
+              </a:ext>
+            </a:extLst>
+          </p:cNvPr>
+          <p:cNvSpPr txBox="1"/>
+          <p:nvPr/>
+        </p:nvSpPr>
+        <p:spPr>
+          <a:xfrm>
+            <a:off x="7566577" y="2068751"/>
+            <a:ext cx="919611" cy="338554"/>
+          </a:xfrm>
+          <a:prstGeom prst="rect">
+            <a:avLst/>
+          </a:prstGeom>
+          <a:noFill/>
+        </p:spPr>
+        <p:txBody>
+          <a:bodyPr wrap="none" rtlCol="0">
+            <a:spAutoFit/>
+          </a:bodyPr>
+          <a:lstStyle/>
+          <a:p>
+            <a:r>
+              <a:rPr lang="en-GB" sz="1600">
+                <a:solidFill>
+                  <a:srgbClr val="C00000"/>
+                </a:solidFill>
+              </a:rPr>
+              <a:t>Biz. Flow</a:t>
+            </a:r>
+          </a:p>
+        </p:txBody>
+      </p:sp>
+      <p:sp>
+        <p:nvSpPr>
+          <p:cNvPr id="56" name="직사각형 55">
+            <a:extLst>
+              <a:ext uri="{FF2B5EF4-FFF2-40B4-BE49-F238E27FC236}">
+                <a16:creationId xmlns:a16="http://schemas.microsoft.com/office/drawing/2014/main" id="{62070A26-E127-028B-3DB2-9D26DD0598E2}"/>
+              </a:ext>
+            </a:extLst>
+          </p:cNvPr>
+          <p:cNvSpPr/>
+          <p:nvPr/>
+        </p:nvSpPr>
+        <p:spPr>
+          <a:xfrm>
+            <a:off x="7417069" y="1958058"/>
+            <a:ext cx="1218627" cy="559940"/>
+          </a:xfrm>
+          <a:prstGeom prst="rect">
+            <a:avLst/>
+          </a:prstGeom>
+          <a:noFill/>
+          <a:ln w="3175">
+            <a:solidFill>
+              <a:srgbClr val="C00000"/>
+            </a:solidFill>
+            <a:prstDash val="sysDash"/>
+          </a:ln>
+        </p:spPr>
+        <p:style>
+          <a:lnRef idx="2">
+            <a:schemeClr val="accent1">
+              <a:shade val="15000"/>
+            </a:schemeClr>
+          </a:lnRef>
+          <a:fillRef idx="1">
+            <a:schemeClr val="accent1"/>
+          </a:fillRef>
+          <a:effectRef idx="0">
+            <a:schemeClr val="accent1"/>
+          </a:effectRef>
+          <a:fontRef idx="minor">
+            <a:schemeClr val="lt1"/>
+          </a:fontRef>
+        </p:style>
+        <p:txBody>
+          <a:bodyPr rtlCol="0" anchor="ctr"/>
+          <a:lstStyle/>
+          <a:p>
+            <a:pPr algn="ctr"/>
+            <a:endParaRPr lang="en-GB" sz="1600"/>
+          </a:p>
+        </p:txBody>
+      </p:sp>
+      <p:sp>
+        <p:nvSpPr>
+          <p:cNvPr id="14" name="TextBox 13">
+            <a:extLst>
+              <a:ext uri="{FF2B5EF4-FFF2-40B4-BE49-F238E27FC236}">
+                <a16:creationId xmlns:a16="http://schemas.microsoft.com/office/drawing/2014/main" id="{CB5CFCF2-1C32-299E-9309-46E665016BB2}"/>
+              </a:ext>
+            </a:extLst>
+          </p:cNvPr>
+          <p:cNvSpPr txBox="1"/>
+          <p:nvPr/>
+        </p:nvSpPr>
+        <p:spPr>
+          <a:xfrm>
+            <a:off x="9327359" y="2532118"/>
+            <a:ext cx="511679" cy="369332"/>
+          </a:xfrm>
+          <a:prstGeom prst="rect">
+            <a:avLst/>
+          </a:prstGeom>
+          <a:noFill/>
+        </p:spPr>
+        <p:txBody>
+          <a:bodyPr wrap="none" rtlCol="0">
+            <a:spAutoFit/>
+          </a:bodyPr>
+          <a:lstStyle/>
+          <a:p>
+            <a:r>
+              <a:rPr lang="en-GB">
+                <a:solidFill>
+                  <a:srgbClr val="C00000"/>
+                </a:solidFill>
+              </a:rPr>
+              <a:t>Biz.</a:t>
+            </a:r>
+          </a:p>
+        </p:txBody>
+      </p:sp>
+      <p:sp>
+        <p:nvSpPr>
+          <p:cNvPr id="73" name="직사각형 72">
+            <a:extLst>
+              <a:ext uri="{FF2B5EF4-FFF2-40B4-BE49-F238E27FC236}">
+                <a16:creationId xmlns:a16="http://schemas.microsoft.com/office/drawing/2014/main" id="{D34B02D1-5067-ED52-5031-9CB462189B65}"/>
+              </a:ext>
+            </a:extLst>
+          </p:cNvPr>
+          <p:cNvSpPr/>
+          <p:nvPr/>
+        </p:nvSpPr>
+        <p:spPr>
+          <a:xfrm>
+            <a:off x="8973885" y="2436814"/>
+            <a:ext cx="1218627" cy="559940"/>
+          </a:xfrm>
+          <a:prstGeom prst="rect">
+            <a:avLst/>
+          </a:prstGeom>
+          <a:noFill/>
+          <a:ln w="3175">
+            <a:solidFill>
+              <a:srgbClr val="C00000"/>
+            </a:solidFill>
+            <a:prstDash val="sysDash"/>
+          </a:ln>
+        </p:spPr>
+        <p:style>
+          <a:lnRef idx="2">
+            <a:schemeClr val="accent1">
+              <a:shade val="15000"/>
+            </a:schemeClr>
+          </a:lnRef>
+          <a:fillRef idx="1">
+            <a:schemeClr val="accent1"/>
+          </a:fillRef>
+          <a:effectRef idx="0">
+            <a:schemeClr val="accent1"/>
+          </a:effectRef>
+          <a:fontRef idx="minor">
+            <a:schemeClr val="lt1"/>
+          </a:fontRef>
+        </p:style>
+        <p:txBody>
+          <a:bodyPr rtlCol="0" anchor="ctr"/>
+          <a:lstStyle/>
+          <a:p>
+            <a:pPr algn="ctr"/>
+            <a:endParaRPr lang="en-GB"/>
+          </a:p>
+        </p:txBody>
+      </p:sp>
+      <p:sp>
+        <p:nvSpPr>
+          <p:cNvPr id="86" name="TextBox 85">
+            <a:extLst>
+              <a:ext uri="{FF2B5EF4-FFF2-40B4-BE49-F238E27FC236}">
+                <a16:creationId xmlns:a16="http://schemas.microsoft.com/office/drawing/2014/main" id="{A1E6BD78-D25D-E031-97F1-3CD6A4AF70B5}"/>
+              </a:ext>
+            </a:extLst>
+          </p:cNvPr>
+          <p:cNvSpPr txBox="1"/>
+          <p:nvPr/>
+        </p:nvSpPr>
+        <p:spPr>
+          <a:xfrm>
+            <a:off x="9248651" y="5704987"/>
+            <a:ext cx="669094" cy="369332"/>
+          </a:xfrm>
+          <a:prstGeom prst="rect">
+            <a:avLst/>
+          </a:prstGeom>
+          <a:noFill/>
+        </p:spPr>
+        <p:txBody>
+          <a:bodyPr wrap="none" rtlCol="0">
+            <a:spAutoFit/>
+          </a:bodyPr>
+          <a:lstStyle/>
+          <a:p>
+            <a:r>
+              <a:rPr lang="en-GB">
+                <a:solidFill>
+                  <a:srgbClr val="C00000"/>
+                </a:solidFill>
+              </a:rPr>
+              <a:t>Tech.</a:t>
+            </a:r>
+          </a:p>
+        </p:txBody>
+      </p:sp>
+      <p:sp>
+        <p:nvSpPr>
+          <p:cNvPr id="87" name="직사각형 86">
+            <a:extLst>
+              <a:ext uri="{FF2B5EF4-FFF2-40B4-BE49-F238E27FC236}">
+                <a16:creationId xmlns:a16="http://schemas.microsoft.com/office/drawing/2014/main" id="{85E807F7-89D7-27A7-B1BA-31E671C00CAA}"/>
+              </a:ext>
+            </a:extLst>
+          </p:cNvPr>
+          <p:cNvSpPr/>
+          <p:nvPr/>
+        </p:nvSpPr>
+        <p:spPr>
+          <a:xfrm>
+            <a:off x="8973885" y="5609683"/>
+            <a:ext cx="1218627" cy="559940"/>
+          </a:xfrm>
+          <a:prstGeom prst="rect">
+            <a:avLst/>
+          </a:prstGeom>
+          <a:noFill/>
+          <a:ln w="3175">
+            <a:solidFill>
+              <a:srgbClr val="C00000"/>
+            </a:solidFill>
+            <a:prstDash val="sysDash"/>
+          </a:ln>
+        </p:spPr>
+        <p:style>
+          <a:lnRef idx="2">
+            <a:schemeClr val="accent1">
+              <a:shade val="15000"/>
+            </a:schemeClr>
+          </a:lnRef>
+          <a:fillRef idx="1">
+            <a:schemeClr val="accent1"/>
+          </a:fillRef>
+          <a:effectRef idx="0">
+            <a:schemeClr val="accent1"/>
+          </a:effectRef>
+          <a:fontRef idx="minor">
+            <a:schemeClr val="lt1"/>
+          </a:fontRef>
+        </p:style>
+        <p:txBody>
+          <a:bodyPr rtlCol="0" anchor="ctr"/>
+          <a:lstStyle/>
+          <a:p>
+            <a:pPr algn="ctr"/>
+            <a:endParaRPr lang="en-GB"/>
+          </a:p>
+        </p:txBody>
+      </p:sp>
+      <p:grpSp>
+        <p:nvGrpSpPr>
+          <p:cNvPr id="15" name="그룹 14">
+            <a:extLst>
+              <a:ext uri="{FF2B5EF4-FFF2-40B4-BE49-F238E27FC236}">
+                <a16:creationId xmlns:a16="http://schemas.microsoft.com/office/drawing/2014/main" id="{1DE6D430-962F-C68E-CC02-B478AEFBC864}"/>
+              </a:ext>
+            </a:extLst>
+          </p:cNvPr>
+          <p:cNvGrpSpPr/>
+          <p:nvPr/>
+        </p:nvGrpSpPr>
+        <p:grpSpPr>
+          <a:xfrm>
+            <a:off x="108478" y="4202315"/>
+            <a:ext cx="1924438" cy="640119"/>
+            <a:chOff x="108478" y="3689236"/>
+            <a:chExt cx="1924438" cy="640119"/>
+          </a:xfrm>
+        </p:grpSpPr>
+        <p:sp>
+          <p:nvSpPr>
+            <p:cNvPr id="4" name="TextBox 3">
+              <a:extLst>
+                <a:ext uri="{FF2B5EF4-FFF2-40B4-BE49-F238E27FC236}">
+                  <a16:creationId xmlns:a16="http://schemas.microsoft.com/office/drawing/2014/main" id="{BC450B34-F5CA-1DBC-6ADF-337C4094CCFF}"/>
+                </a:ext>
+              </a:extLst>
+            </p:cNvPr>
+            <p:cNvSpPr txBox="1"/>
+            <p:nvPr/>
+          </p:nvSpPr>
+          <p:spPr>
+            <a:xfrm>
+              <a:off x="108478" y="3689236"/>
+              <a:ext cx="1924438" cy="369332"/>
+            </a:xfrm>
+            <a:prstGeom prst="rect">
+              <a:avLst/>
+            </a:prstGeom>
+            <a:noFill/>
+          </p:spPr>
+          <p:txBody>
+            <a:bodyPr wrap="none" rtlCol="0">
+              <a:spAutoFit/>
+            </a:bodyPr>
+            <a:lstStyle/>
+            <a:p>
+              <a:r>
+                <a:rPr lang="en-GB" b="1">
+                  <a:solidFill>
+                    <a:srgbClr val="0070C0"/>
+                  </a:solidFill>
+                </a:rPr>
+                <a:t>Voice of Customer</a:t>
+              </a:r>
+            </a:p>
+          </p:txBody>
+        </p:sp>
+        <p:sp>
+          <p:nvSpPr>
+            <p:cNvPr id="6" name="TextBox 5">
+              <a:extLst>
+                <a:ext uri="{FF2B5EF4-FFF2-40B4-BE49-F238E27FC236}">
+                  <a16:creationId xmlns:a16="http://schemas.microsoft.com/office/drawing/2014/main" id="{DC75C4B9-1F85-15BE-D328-E38FDA0A420E}"/>
+                </a:ext>
+              </a:extLst>
+            </p:cNvPr>
+            <p:cNvSpPr txBox="1"/>
+            <p:nvPr/>
+          </p:nvSpPr>
+          <p:spPr>
+            <a:xfrm>
+              <a:off x="423661" y="4021578"/>
+              <a:ext cx="1338956" cy="307777"/>
+            </a:xfrm>
+            <a:prstGeom prst="rect">
+              <a:avLst/>
+            </a:prstGeom>
+            <a:noFill/>
+          </p:spPr>
+          <p:txBody>
+            <a:bodyPr wrap="none" rtlCol="0">
+              <a:spAutoFit/>
+            </a:bodyPr>
+            <a:lstStyle/>
+            <a:p>
+              <a:r>
+                <a:rPr lang="en-US" altLang="ko-KR" sz="1400" b="1">
+                  <a:solidFill>
+                    <a:srgbClr val="0070C0"/>
+                  </a:solidFill>
+                </a:rPr>
+                <a:t>※ Requirement</a:t>
+              </a:r>
+              <a:endParaRPr lang="en-GB" sz="1400" b="1">
+                <a:solidFill>
+                  <a:srgbClr val="0070C0"/>
+                </a:solidFill>
+              </a:endParaRPr>
+            </a:p>
+          </p:txBody>
+        </p:sp>
+      </p:grpSp>
+      <p:sp>
+        <p:nvSpPr>
+          <p:cNvPr id="26" name="TextBox 25">
+            <a:extLst>
+              <a:ext uri="{FF2B5EF4-FFF2-40B4-BE49-F238E27FC236}">
+                <a16:creationId xmlns:a16="http://schemas.microsoft.com/office/drawing/2014/main" id="{181A8E28-4D19-2D27-74BB-EAAFD551C139}"/>
+              </a:ext>
+            </a:extLst>
+          </p:cNvPr>
+          <p:cNvSpPr txBox="1"/>
+          <p:nvPr/>
+        </p:nvSpPr>
+        <p:spPr>
+          <a:xfrm>
+            <a:off x="2200304" y="4368486"/>
+            <a:ext cx="1305829" cy="307777"/>
+          </a:xfrm>
+          <a:prstGeom prst="rect">
+            <a:avLst/>
+          </a:prstGeom>
+          <a:noFill/>
+        </p:spPr>
+        <p:txBody>
+          <a:bodyPr wrap="square">
+            <a:spAutoFit/>
+          </a:bodyPr>
+          <a:lstStyle/>
+          <a:p>
+            <a:r>
+              <a:rPr lang="en-GB" sz="1400"/>
+              <a:t>decomposition</a:t>
+            </a:r>
+          </a:p>
+        </p:txBody>
+      </p:sp>
+      <p:sp>
+        <p:nvSpPr>
+          <p:cNvPr id="27" name="TextBox 26">
+            <a:extLst>
+              <a:ext uri="{FF2B5EF4-FFF2-40B4-BE49-F238E27FC236}">
+                <a16:creationId xmlns:a16="http://schemas.microsoft.com/office/drawing/2014/main" id="{5C013107-5B75-7B4F-1F30-2CA794E081F7}"/>
+              </a:ext>
+            </a:extLst>
+          </p:cNvPr>
+          <p:cNvSpPr txBox="1"/>
+          <p:nvPr/>
+        </p:nvSpPr>
+        <p:spPr>
+          <a:xfrm>
+            <a:off x="3467094" y="4383875"/>
+            <a:ext cx="492443" cy="276999"/>
+          </a:xfrm>
+          <a:prstGeom prst="rect">
+            <a:avLst/>
+          </a:prstGeom>
+          <a:noFill/>
+        </p:spPr>
+        <p:txBody>
+          <a:bodyPr wrap="none" rtlCol="0">
+            <a:spAutoFit/>
+          </a:bodyPr>
+          <a:lstStyle/>
+          <a:p>
+            <a:r>
+              <a:rPr lang="ko-KR" altLang="en-US" sz="1200"/>
+              <a:t>분해</a:t>
+            </a:r>
+            <a:endParaRPr lang="en-GB" sz="1200"/>
+          </a:p>
+        </p:txBody>
+      </p:sp>
+      <p:sp>
+        <p:nvSpPr>
+          <p:cNvPr id="5" name="TextBox 4">
+            <a:extLst>
+              <a:ext uri="{FF2B5EF4-FFF2-40B4-BE49-F238E27FC236}">
+                <a16:creationId xmlns:a16="http://schemas.microsoft.com/office/drawing/2014/main" id="{3E998064-BDA7-F64A-E78F-E3F7B2DDB37F}"/>
+              </a:ext>
+            </a:extLst>
+          </p:cNvPr>
+          <p:cNvSpPr txBox="1"/>
+          <p:nvPr/>
+        </p:nvSpPr>
+        <p:spPr>
+          <a:xfrm>
+            <a:off x="10535805" y="4337709"/>
+            <a:ext cx="603050" cy="369332"/>
+          </a:xfrm>
+          <a:prstGeom prst="rect">
+            <a:avLst/>
+          </a:prstGeom>
+          <a:noFill/>
+        </p:spPr>
+        <p:txBody>
+          <a:bodyPr wrap="none" rtlCol="0">
+            <a:spAutoFit/>
+          </a:bodyPr>
+          <a:lstStyle/>
+          <a:p>
+            <a:r>
+              <a:rPr lang="en-GB" altLang="ko-KR" b="1">
+                <a:solidFill>
+                  <a:srgbClr val="C00000"/>
+                </a:solidFill>
+              </a:rPr>
+              <a:t>Logs</a:t>
+            </a:r>
+            <a:endParaRPr lang="en-GB" b="1">
+              <a:solidFill>
+                <a:srgbClr val="C00000"/>
+              </a:solidFill>
+            </a:endParaRPr>
+          </a:p>
+        </p:txBody>
+      </p:sp>
+      <p:sp>
+        <p:nvSpPr>
+          <p:cNvPr id="29" name="TextBox 28">
+            <a:extLst>
+              <a:ext uri="{FF2B5EF4-FFF2-40B4-BE49-F238E27FC236}">
+                <a16:creationId xmlns:a16="http://schemas.microsoft.com/office/drawing/2014/main" id="{278FD901-6C04-8C52-A9C2-756F2C98D0CA}"/>
+              </a:ext>
+            </a:extLst>
+          </p:cNvPr>
+          <p:cNvSpPr txBox="1"/>
+          <p:nvPr/>
+        </p:nvSpPr>
+        <p:spPr>
+          <a:xfrm>
+            <a:off x="9393233" y="4368487"/>
+            <a:ext cx="970926" cy="307777"/>
+          </a:xfrm>
+          <a:prstGeom prst="rect">
+            <a:avLst/>
+          </a:prstGeom>
+          <a:noFill/>
+        </p:spPr>
+        <p:txBody>
+          <a:bodyPr wrap="square">
+            <a:spAutoFit/>
+          </a:bodyPr>
+          <a:lstStyle/>
+          <a:p>
+            <a:pPr algn="r"/>
+            <a:r>
+              <a:rPr lang="en-GB" sz="1400"/>
+              <a:t>distinguish</a:t>
+            </a:r>
+          </a:p>
+        </p:txBody>
+      </p:sp>
+      <p:sp>
+        <p:nvSpPr>
+          <p:cNvPr id="31" name="TextBox 30">
+            <a:extLst>
+              <a:ext uri="{FF2B5EF4-FFF2-40B4-BE49-F238E27FC236}">
+                <a16:creationId xmlns:a16="http://schemas.microsoft.com/office/drawing/2014/main" id="{01633866-B8B0-99A3-07D9-0F874C3C24E1}"/>
+              </a:ext>
+            </a:extLst>
+          </p:cNvPr>
+          <p:cNvSpPr txBox="1"/>
+          <p:nvPr/>
+        </p:nvSpPr>
+        <p:spPr>
+          <a:xfrm>
+            <a:off x="8918529" y="4383876"/>
+            <a:ext cx="492443" cy="276999"/>
+          </a:xfrm>
+          <a:prstGeom prst="rect">
+            <a:avLst/>
+          </a:prstGeom>
+          <a:noFill/>
+        </p:spPr>
+        <p:txBody>
+          <a:bodyPr wrap="none" rtlCol="0">
+            <a:spAutoFit/>
+          </a:bodyPr>
+          <a:lstStyle/>
+          <a:p>
+            <a:r>
+              <a:rPr lang="ko-KR" altLang="en-US" sz="1200"/>
+              <a:t>식별</a:t>
+            </a:r>
+            <a:endParaRPr lang="en-GB" sz="1200"/>
+          </a:p>
+        </p:txBody>
+      </p:sp>
+      <p:sp>
+        <p:nvSpPr>
+          <p:cNvPr id="39" name="TextBox 38">
+            <a:extLst>
+              <a:ext uri="{FF2B5EF4-FFF2-40B4-BE49-F238E27FC236}">
+                <a16:creationId xmlns:a16="http://schemas.microsoft.com/office/drawing/2014/main" id="{DF410D84-BD66-15DE-93EB-09A2B541D65C}"/>
+              </a:ext>
+            </a:extLst>
+          </p:cNvPr>
+          <p:cNvSpPr txBox="1"/>
+          <p:nvPr/>
+        </p:nvSpPr>
+        <p:spPr>
+          <a:xfrm>
+            <a:off x="5912529" y="1396580"/>
+            <a:ext cx="797013" cy="584775"/>
+          </a:xfrm>
+          <a:prstGeom prst="rect">
+            <a:avLst/>
+          </a:prstGeom>
+          <a:noFill/>
+        </p:spPr>
+        <p:txBody>
+          <a:bodyPr wrap="none" rtlCol="0">
+            <a:spAutoFit/>
+          </a:bodyPr>
+          <a:lstStyle/>
+          <a:p>
+            <a:pPr algn="ctr"/>
+            <a:r>
+              <a:rPr lang="en-GB" b="1">
+                <a:solidFill>
+                  <a:srgbClr val="7030A0"/>
+                </a:solidFill>
+              </a:rPr>
+              <a:t>Biz.</a:t>
+            </a:r>
+          </a:p>
+          <a:p>
+            <a:pPr algn="ctr"/>
+            <a:r>
+              <a:rPr lang="en-GB" sz="1400" b="1">
+                <a:solidFill>
+                  <a:srgbClr val="7030A0"/>
+                </a:solidFill>
+              </a:rPr>
+              <a:t>Concern</a:t>
+            </a:r>
+          </a:p>
+        </p:txBody>
+      </p:sp>
+      <p:sp>
+        <p:nvSpPr>
+          <p:cNvPr id="44" name="TextBox 43">
+            <a:extLst>
+              <a:ext uri="{FF2B5EF4-FFF2-40B4-BE49-F238E27FC236}">
+                <a16:creationId xmlns:a16="http://schemas.microsoft.com/office/drawing/2014/main" id="{6427A66F-1F1F-CEB4-3BC5-530EFF28C28A}"/>
+              </a:ext>
+            </a:extLst>
+          </p:cNvPr>
+          <p:cNvSpPr txBox="1"/>
+          <p:nvPr/>
+        </p:nvSpPr>
+        <p:spPr>
+          <a:xfrm>
+            <a:off x="5912529" y="4904777"/>
+            <a:ext cx="797013" cy="584775"/>
+          </a:xfrm>
+          <a:prstGeom prst="rect">
+            <a:avLst/>
+          </a:prstGeom>
+          <a:noFill/>
+        </p:spPr>
+        <p:txBody>
+          <a:bodyPr wrap="none" rtlCol="0">
+            <a:spAutoFit/>
+          </a:bodyPr>
+          <a:lstStyle/>
+          <a:p>
+            <a:pPr algn="ctr"/>
+            <a:r>
+              <a:rPr lang="en-GB" b="1">
+                <a:solidFill>
+                  <a:srgbClr val="7030A0"/>
+                </a:solidFill>
+              </a:rPr>
+              <a:t>Tech.</a:t>
+            </a:r>
+          </a:p>
+          <a:p>
+            <a:pPr algn="ctr"/>
+            <a:r>
+              <a:rPr lang="en-GB" sz="1400" b="1">
+                <a:solidFill>
+                  <a:srgbClr val="7030A0"/>
+                </a:solidFill>
+              </a:rPr>
+              <a:t>Concern</a:t>
+            </a:r>
+          </a:p>
+        </p:txBody>
+      </p:sp>
+    </p:spTree>
+    <p:extLst>
+      <p:ext uri="{BB962C8B-B14F-4D97-AF65-F5344CB8AC3E}">
+        <p14:creationId xmlns:p14="http://schemas.microsoft.com/office/powerpoint/2010/main" val="1675121248"/>
+      </p:ext>
+    </p:extLst>
+  </p:cSld>
+  <p:clrMapOvr>
+    <a:masterClrMapping/>
+  </p:clrMapOvr>
+</p:sld>
+</file>
+
+<file path=ppt/slides/slide8.xml><?xml version="1.0" encoding="utf-8"?>
+<p:sld xmlns:a="http://schemas.openxmlformats.org/drawingml/2006/main" xmlns:r="http://schemas.openxmlformats.org/officeDocument/2006/relationships" xmlns:p="http://schemas.openxmlformats.org/presentationml/2006/main">
+  <p:cSld>
+    <p:spTree>
+      <p:nvGrpSpPr>
         <p:cNvPr id="1" name=""/>
         <p:cNvGrpSpPr/>
         <p:nvPr/>
@@ -9678,8 +15435,8 @@
         </p:nvSpPr>
         <p:spPr>
           <a:xfrm>
-            <a:off x="5697495" y="2060148"/>
-            <a:ext cx="797013" cy="584775"/>
+            <a:off x="5734365" y="2060148"/>
+            <a:ext cx="723275" cy="584775"/>
           </a:xfrm>
           <a:prstGeom prst="rect">
             <a:avLst/>
@@ -9705,13 +15462,18 @@
           <a:p>
             <a:pPr algn="ctr"/>
             <a:r>
-              <a:rPr lang="en-GB" sz="1400" b="1">
+              <a:rPr lang="ko-KR" altLang="en-US" sz="1400" b="1">
                 <a:solidFill>
                   <a:srgbClr val="0070C0"/>
                 </a:solidFill>
               </a:rPr>
-              <a:t>Concern</a:t>
-            </a:r>
+              <a:t>관심사</a:t>
+            </a:r>
+            <a:endParaRPr lang="en-GB" sz="1400" b="1">
+              <a:solidFill>
+                <a:srgbClr val="0070C0"/>
+              </a:solidFill>
+            </a:endParaRPr>
           </a:p>
         </p:txBody>
       </p:sp>
@@ -10048,8 +15810,8 @@
         </p:nvSpPr>
         <p:spPr>
           <a:xfrm>
-            <a:off x="2085416" y="2060148"/>
-            <a:ext cx="797013" cy="584775"/>
+            <a:off x="2122285" y="2060148"/>
+            <a:ext cx="723276" cy="584775"/>
           </a:xfrm>
           <a:prstGeom prst="rect">
             <a:avLst/>
@@ -10075,13 +15837,18 @@
           <a:p>
             <a:pPr algn="ctr"/>
             <a:r>
-              <a:rPr lang="en-GB" sz="1400" b="1">
+              <a:rPr lang="ko-KR" altLang="en-US" sz="1400" b="1">
                 <a:solidFill>
                   <a:srgbClr val="C00000"/>
                 </a:solidFill>
               </a:rPr>
-              <a:t>Concern</a:t>
-            </a:r>
+              <a:t>관심사</a:t>
+            </a:r>
+            <a:endParaRPr lang="en-GB" sz="1400" b="1">
+              <a:solidFill>
+                <a:srgbClr val="C00000"/>
+              </a:solidFill>
+            </a:endParaRPr>
           </a:p>
         </p:txBody>
       </p:sp>
@@ -10099,8 +15866,8 @@
         </p:nvSpPr>
         <p:spPr>
           <a:xfrm>
-            <a:off x="9309570" y="2060148"/>
-            <a:ext cx="797013" cy="584775"/>
+            <a:off x="9346439" y="2060148"/>
+            <a:ext cx="723276" cy="584775"/>
           </a:xfrm>
           <a:prstGeom prst="rect">
             <a:avLst/>
@@ -10126,13 +15893,18 @@
           <a:p>
             <a:pPr algn="ctr"/>
             <a:r>
-              <a:rPr lang="en-GB" sz="1400" b="1">
+              <a:rPr lang="ko-KR" altLang="en-US" sz="1400" b="1">
                 <a:solidFill>
                   <a:srgbClr val="C00000"/>
                 </a:solidFill>
               </a:rPr>
-              <a:t>Concern</a:t>
-            </a:r>
+              <a:t>관심사</a:t>
+            </a:r>
+            <a:endParaRPr lang="en-GB" sz="1400" b="1">
+              <a:solidFill>
+                <a:srgbClr val="C00000"/>
+              </a:solidFill>
+            </a:endParaRPr>
           </a:p>
         </p:txBody>
       </p:sp>
@@ -10536,7 +16308,7 @@
 </p:sld>
 </file>
 
-<file path=ppt/slides/slide6.xml><?xml version="1.0" encoding="utf-8"?>
+<file path=ppt/slides/slide9.xml><?xml version="1.0" encoding="utf-8"?>
 <p:sld xmlns:a="http://schemas.openxmlformats.org/drawingml/2006/main" xmlns:r="http://schemas.openxmlformats.org/officeDocument/2006/relationships" xmlns:p="http://schemas.openxmlformats.org/presentationml/2006/main">
   <p:cSld>
     <p:spTree>

--- a/README.pptx
+++ b/README.pptx
@@ -5,18 +5,20 @@
     <p:sldMasterId id="2147483648" r:id="rId1"/>
   </p:sldMasterIdLst>
   <p:notesMasterIdLst>
-    <p:notesMasterId r:id="rId11"/>
+    <p:notesMasterId r:id="rId13"/>
   </p:notesMasterIdLst>
   <p:sldIdLst>
     <p:sldId id="256" r:id="rId2"/>
     <p:sldId id="470" r:id="rId3"/>
     <p:sldId id="475" r:id="rId4"/>
     <p:sldId id="473" r:id="rId5"/>
-    <p:sldId id="477" r:id="rId6"/>
-    <p:sldId id="478" r:id="rId7"/>
-    <p:sldId id="476" r:id="rId8"/>
-    <p:sldId id="474" r:id="rId9"/>
-    <p:sldId id="471" r:id="rId10"/>
+    <p:sldId id="480" r:id="rId6"/>
+    <p:sldId id="479" r:id="rId7"/>
+    <p:sldId id="478" r:id="rId8"/>
+    <p:sldId id="476" r:id="rId9"/>
+    <p:sldId id="474" r:id="rId10"/>
+    <p:sldId id="477" r:id="rId11"/>
+    <p:sldId id="471" r:id="rId12"/>
   </p:sldIdLst>
   <p:sldSz cx="12192000" cy="6858000"/>
   <p:notesSz cx="6858000" cy="9144000"/>
@@ -124,10 +126,16 @@
             <p14:sldId id="470"/>
             <p14:sldId id="475"/>
             <p14:sldId id="473"/>
-            <p14:sldId id="477"/>
+            <p14:sldId id="480"/>
+            <p14:sldId id="479"/>
+          </p14:sldIdLst>
+        </p14:section>
+        <p14:section name="백업" id="{DF57283A-6A0D-4BDC-9D6D-D4922FAF628A}">
+          <p14:sldIdLst>
             <p14:sldId id="478"/>
             <p14:sldId id="476"/>
             <p14:sldId id="474"/>
+            <p14:sldId id="477"/>
             <p14:sldId id="471"/>
           </p14:sldIdLst>
         </p14:section>
@@ -222,7 +230,7 @@
           <a:p>
             <a:fld id="{FCD79106-3FF3-4A4E-8823-1F6666CB5710}" type="datetimeFigureOut">
               <a:rPr lang="en-GB" smtClean="0"/>
-              <a:t>27/10/2024</a:t>
+              <a:t>28/10/2024</a:t>
             </a:fld>
             <a:endParaRPr lang="en-GB"/>
           </a:p>
@@ -639,7 +647,7 @@
           <a:p>
             <a:fld id="{1DF5A12A-26A2-4E24-9FC7-9E664B7E9A6F}" type="datetime1">
               <a:rPr lang="en-GB" smtClean="0"/>
-              <a:t>27/10/2024</a:t>
+              <a:t>28/10/2024</a:t>
             </a:fld>
             <a:endParaRPr lang="en-GB"/>
           </a:p>
@@ -839,7 +847,7 @@
           <a:p>
             <a:fld id="{CD959BCF-454B-4A7F-9166-1E5F3F64FBE6}" type="datetime1">
               <a:rPr lang="en-GB" smtClean="0"/>
-              <a:t>27/10/2024</a:t>
+              <a:t>28/10/2024</a:t>
             </a:fld>
             <a:endParaRPr lang="en-GB"/>
           </a:p>
@@ -1049,7 +1057,7 @@
           <a:p>
             <a:fld id="{E367124E-598A-4501-AF73-2206C8C14947}" type="datetime1">
               <a:rPr lang="en-GB" smtClean="0"/>
-              <a:t>27/10/2024</a:t>
+              <a:t>28/10/2024</a:t>
             </a:fld>
             <a:endParaRPr lang="en-GB"/>
           </a:p>
@@ -1249,7 +1257,7 @@
           <a:p>
             <a:fld id="{399D505F-7CD7-4DDA-8F81-3FF9C586E9C2}" type="datetime1">
               <a:rPr lang="en-GB" smtClean="0"/>
-              <a:t>27/10/2024</a:t>
+              <a:t>28/10/2024</a:t>
             </a:fld>
             <a:endParaRPr lang="en-GB"/>
           </a:p>
@@ -1525,7 +1533,7 @@
           <a:p>
             <a:fld id="{A2E4D1AA-7BEB-4479-BFF2-1D5C6FD00EDD}" type="datetime1">
               <a:rPr lang="en-GB" smtClean="0"/>
-              <a:t>27/10/2024</a:t>
+              <a:t>28/10/2024</a:t>
             </a:fld>
             <a:endParaRPr lang="en-GB"/>
           </a:p>
@@ -1793,7 +1801,7 @@
           <a:p>
             <a:fld id="{50F67719-83FC-48B9-A419-9636BC5FA1CE}" type="datetime1">
               <a:rPr lang="en-GB" smtClean="0"/>
-              <a:t>27/10/2024</a:t>
+              <a:t>28/10/2024</a:t>
             </a:fld>
             <a:endParaRPr lang="en-GB"/>
           </a:p>
@@ -2208,7 +2216,7 @@
           <a:p>
             <a:fld id="{05938E20-00E3-4256-8C0E-C2C15CE50C0A}" type="datetime1">
               <a:rPr lang="en-GB" smtClean="0"/>
-              <a:t>27/10/2024</a:t>
+              <a:t>28/10/2024</a:t>
             </a:fld>
             <a:endParaRPr lang="en-GB"/>
           </a:p>
@@ -2350,7 +2358,7 @@
           <a:p>
             <a:fld id="{C2B4F9F3-6D4D-4D5C-A257-2830B80EA9E5}" type="datetime1">
               <a:rPr lang="en-GB" smtClean="0"/>
-              <a:t>27/10/2024</a:t>
+              <a:t>28/10/2024</a:t>
             </a:fld>
             <a:endParaRPr lang="en-GB"/>
           </a:p>
@@ -2463,7 +2471,7 @@
           <a:p>
             <a:fld id="{1E9CD8E7-6E1F-4F0B-9D00-E8AA0B8A042C}" type="datetime1">
               <a:rPr lang="en-GB" smtClean="0"/>
-              <a:t>27/10/2024</a:t>
+              <a:t>28/10/2024</a:t>
             </a:fld>
             <a:endParaRPr lang="en-GB"/>
           </a:p>
@@ -2776,7 +2784,7 @@
           <a:p>
             <a:fld id="{2F1E6ACD-3707-4D80-9C32-0FE017AC8A1D}" type="datetime1">
               <a:rPr lang="en-GB" smtClean="0"/>
-              <a:t>27/10/2024</a:t>
+              <a:t>28/10/2024</a:t>
             </a:fld>
             <a:endParaRPr lang="en-GB"/>
           </a:p>
@@ -3065,7 +3073,7 @@
           <a:p>
             <a:fld id="{F18C52D3-A496-409F-8F5F-A0368619ACAD}" type="datetime1">
               <a:rPr lang="en-GB" smtClean="0"/>
-              <a:t>27/10/2024</a:t>
+              <a:t>28/10/2024</a:t>
             </a:fld>
             <a:endParaRPr lang="en-GB"/>
           </a:p>
@@ -3308,7 +3316,7 @@
           <a:p>
             <a:fld id="{1F12BE6B-3A78-44AF-A6B9-9109795A1A68}" type="datetime1">
               <a:rPr lang="en-GB" smtClean="0"/>
-              <a:t>27/10/2024</a:t>
+              <a:t>28/10/2024</a:t>
             </a:fld>
             <a:endParaRPr lang="en-GB"/>
           </a:p>
@@ -3868,6 +3876,1488 @@
 </p:sld>
 </file>
 
+<file path=ppt/slides/slide10.xml><?xml version="1.0" encoding="utf-8"?>
+<p:sld xmlns:a="http://schemas.openxmlformats.org/drawingml/2006/main" xmlns:r="http://schemas.openxmlformats.org/officeDocument/2006/relationships" xmlns:p="http://schemas.openxmlformats.org/presentationml/2006/main">
+  <p:cSld>
+    <p:spTree>
+      <p:nvGrpSpPr>
+        <p:cNvPr id="1" name="">
+          <a:extLst>
+            <a:ext uri="{FF2B5EF4-FFF2-40B4-BE49-F238E27FC236}">
+              <a16:creationId xmlns:a16="http://schemas.microsoft.com/office/drawing/2014/main" id="{A9845BB9-97B6-30DA-1817-C0DA3F3FBB0C}"/>
+            </a:ext>
+          </a:extLst>
+        </p:cNvPr>
+        <p:cNvGrpSpPr/>
+        <p:nvPr/>
+      </p:nvGrpSpPr>
+      <p:grpSpPr>
+        <a:xfrm>
+          <a:off x="0" y="0"/>
+          <a:ext cx="0" cy="0"/>
+          <a:chOff x="0" y="0"/>
+          <a:chExt cx="0" cy="0"/>
+        </a:xfrm>
+      </p:grpSpPr>
+      <p:sp>
+        <p:nvSpPr>
+          <p:cNvPr id="34" name="직사각형 33">
+            <a:extLst>
+              <a:ext uri="{FF2B5EF4-FFF2-40B4-BE49-F238E27FC236}">
+                <a16:creationId xmlns:a16="http://schemas.microsoft.com/office/drawing/2014/main" id="{D7A3D358-E205-375E-3E8E-81CD713146B9}"/>
+              </a:ext>
+            </a:extLst>
+          </p:cNvPr>
+          <p:cNvSpPr/>
+          <p:nvPr/>
+        </p:nvSpPr>
+        <p:spPr>
+          <a:xfrm>
+            <a:off x="4834847" y="5152787"/>
+            <a:ext cx="2522305" cy="888715"/>
+          </a:xfrm>
+          <a:prstGeom prst="rect">
+            <a:avLst/>
+          </a:prstGeom>
+          <a:noFill/>
+          <a:ln>
+            <a:solidFill>
+              <a:srgbClr val="0070C0"/>
+            </a:solidFill>
+          </a:ln>
+        </p:spPr>
+        <p:style>
+          <a:lnRef idx="2">
+            <a:schemeClr val="accent1">
+              <a:shade val="15000"/>
+            </a:schemeClr>
+          </a:lnRef>
+          <a:fillRef idx="1">
+            <a:schemeClr val="accent1"/>
+          </a:fillRef>
+          <a:effectRef idx="0">
+            <a:schemeClr val="accent1"/>
+          </a:effectRef>
+          <a:fontRef idx="minor">
+            <a:schemeClr val="lt1"/>
+          </a:fontRef>
+        </p:style>
+        <p:txBody>
+          <a:bodyPr rtlCol="0" anchor="ctr"/>
+          <a:lstStyle/>
+          <a:p>
+            <a:pPr algn="ctr"/>
+            <a:endParaRPr lang="en-GB"/>
+          </a:p>
+        </p:txBody>
+      </p:sp>
+      <p:sp>
+        <p:nvSpPr>
+          <p:cNvPr id="36" name="TextBox 35">
+            <a:extLst>
+              <a:ext uri="{FF2B5EF4-FFF2-40B4-BE49-F238E27FC236}">
+                <a16:creationId xmlns:a16="http://schemas.microsoft.com/office/drawing/2014/main" id="{7AF0099F-F21B-3E45-A6B5-A04D3536E96C}"/>
+              </a:ext>
+            </a:extLst>
+          </p:cNvPr>
+          <p:cNvSpPr txBox="1"/>
+          <p:nvPr/>
+        </p:nvSpPr>
+        <p:spPr>
+          <a:xfrm>
+            <a:off x="5346595" y="5269007"/>
+            <a:ext cx="1498808" cy="369332"/>
+          </a:xfrm>
+          <a:prstGeom prst="rect">
+            <a:avLst/>
+          </a:prstGeom>
+          <a:noFill/>
+        </p:spPr>
+        <p:txBody>
+          <a:bodyPr wrap="none" rtlCol="0">
+            <a:spAutoFit/>
+          </a:bodyPr>
+          <a:lstStyle/>
+          <a:p>
+            <a:r>
+              <a:rPr lang="en-GB" b="1">
+                <a:solidFill>
+                  <a:srgbClr val="0070C0"/>
+                </a:solidFill>
+              </a:rPr>
+              <a:t>Domain Layer</a:t>
+            </a:r>
+          </a:p>
+        </p:txBody>
+      </p:sp>
+      <p:sp>
+        <p:nvSpPr>
+          <p:cNvPr id="37" name="TextBox 36">
+            <a:extLst>
+              <a:ext uri="{FF2B5EF4-FFF2-40B4-BE49-F238E27FC236}">
+                <a16:creationId xmlns:a16="http://schemas.microsoft.com/office/drawing/2014/main" id="{376AA0DD-9ADA-2FE2-3647-8D7E416EA76F}"/>
+              </a:ext>
+            </a:extLst>
+          </p:cNvPr>
+          <p:cNvSpPr txBox="1"/>
+          <p:nvPr/>
+        </p:nvSpPr>
+        <p:spPr>
+          <a:xfrm>
+            <a:off x="5671043" y="5617505"/>
+            <a:ext cx="849913" cy="307777"/>
+          </a:xfrm>
+          <a:prstGeom prst="rect">
+            <a:avLst/>
+          </a:prstGeom>
+          <a:noFill/>
+        </p:spPr>
+        <p:txBody>
+          <a:bodyPr wrap="none" rtlCol="0">
+            <a:spAutoFit/>
+          </a:bodyPr>
+          <a:lstStyle/>
+          <a:p>
+            <a:r>
+              <a:rPr lang="en-GB" sz="1400" b="1">
+                <a:solidFill>
+                  <a:srgbClr val="0070C0"/>
+                </a:solidFill>
+              </a:rPr>
+              <a:t>Biz. </a:t>
+            </a:r>
+            <a:r>
+              <a:rPr lang="ko-KR" altLang="en-US" sz="1400" b="1">
+                <a:solidFill>
+                  <a:srgbClr val="0070C0"/>
+                </a:solidFill>
+              </a:rPr>
+              <a:t>단위</a:t>
+            </a:r>
+            <a:endParaRPr lang="en-GB" sz="1400" b="1">
+              <a:solidFill>
+                <a:srgbClr val="0070C0"/>
+              </a:solidFill>
+            </a:endParaRPr>
+          </a:p>
+        </p:txBody>
+      </p:sp>
+      <p:sp>
+        <p:nvSpPr>
+          <p:cNvPr id="6" name="TextBox 5">
+            <a:extLst>
+              <a:ext uri="{FF2B5EF4-FFF2-40B4-BE49-F238E27FC236}">
+                <a16:creationId xmlns:a16="http://schemas.microsoft.com/office/drawing/2014/main" id="{EB563C83-6E1F-FA9D-72E0-84A25A3BAF01}"/>
+              </a:ext>
+            </a:extLst>
+          </p:cNvPr>
+          <p:cNvSpPr txBox="1"/>
+          <p:nvPr/>
+        </p:nvSpPr>
+        <p:spPr>
+          <a:xfrm>
+            <a:off x="5734364" y="1324267"/>
+            <a:ext cx="723275" cy="584775"/>
+          </a:xfrm>
+          <a:prstGeom prst="rect">
+            <a:avLst/>
+          </a:prstGeom>
+          <a:noFill/>
+        </p:spPr>
+        <p:txBody>
+          <a:bodyPr wrap="none" rtlCol="0">
+            <a:spAutoFit/>
+          </a:bodyPr>
+          <a:lstStyle/>
+          <a:p>
+            <a:pPr algn="ctr"/>
+            <a:r>
+              <a:rPr lang="en-GB" b="1">
+                <a:solidFill>
+                  <a:srgbClr val="0070C0"/>
+                </a:solidFill>
+              </a:rPr>
+              <a:t>Biz.</a:t>
+            </a:r>
+          </a:p>
+          <a:p>
+            <a:pPr algn="ctr"/>
+            <a:r>
+              <a:rPr lang="ko-KR" altLang="en-US" sz="1400" b="1">
+                <a:solidFill>
+                  <a:srgbClr val="0070C0"/>
+                </a:solidFill>
+              </a:rPr>
+              <a:t>관심사</a:t>
+            </a:r>
+            <a:endParaRPr lang="en-GB" sz="1400" b="1">
+              <a:solidFill>
+                <a:srgbClr val="0070C0"/>
+              </a:solidFill>
+            </a:endParaRPr>
+          </a:p>
+        </p:txBody>
+      </p:sp>
+      <p:cxnSp>
+        <p:nvCxnSpPr>
+          <p:cNvPr id="12" name="직선 화살표 연결선 11">
+            <a:extLst>
+              <a:ext uri="{FF2B5EF4-FFF2-40B4-BE49-F238E27FC236}">
+                <a16:creationId xmlns:a16="http://schemas.microsoft.com/office/drawing/2014/main" id="{828EB9F9-0558-5E87-DD87-E272FEFAD126}"/>
+              </a:ext>
+            </a:extLst>
+          </p:cNvPr>
+          <p:cNvCxnSpPr>
+            <a:cxnSpLocks/>
+          </p:cNvCxnSpPr>
+          <p:nvPr/>
+        </p:nvCxnSpPr>
+        <p:spPr>
+          <a:xfrm>
+            <a:off x="6095999" y="3354681"/>
+            <a:ext cx="0" cy="1798106"/>
+          </a:xfrm>
+          <a:prstGeom prst="straightConnector1">
+            <a:avLst/>
+          </a:prstGeom>
+          <a:ln w="28575">
+            <a:solidFill>
+              <a:schemeClr val="tx1"/>
+            </a:solidFill>
+            <a:tailEnd type="arrow"/>
+          </a:ln>
+        </p:spPr>
+        <p:style>
+          <a:lnRef idx="1">
+            <a:schemeClr val="accent1"/>
+          </a:lnRef>
+          <a:fillRef idx="0">
+            <a:schemeClr val="accent1"/>
+          </a:fillRef>
+          <a:effectRef idx="0">
+            <a:schemeClr val="accent1"/>
+          </a:effectRef>
+          <a:fontRef idx="minor">
+            <a:schemeClr val="tx1"/>
+          </a:fontRef>
+        </p:style>
+      </p:cxnSp>
+      <p:sp>
+        <p:nvSpPr>
+          <p:cNvPr id="25" name="TextBox 24">
+            <a:extLst>
+              <a:ext uri="{FF2B5EF4-FFF2-40B4-BE49-F238E27FC236}">
+                <a16:creationId xmlns:a16="http://schemas.microsoft.com/office/drawing/2014/main" id="{63942AAC-CAA2-13DD-F28C-9FEFFDDA1FED}"/>
+              </a:ext>
+            </a:extLst>
+          </p:cNvPr>
+          <p:cNvSpPr txBox="1"/>
+          <p:nvPr/>
+        </p:nvSpPr>
+        <p:spPr>
+          <a:xfrm>
+            <a:off x="2122284" y="1324267"/>
+            <a:ext cx="723276" cy="584775"/>
+          </a:xfrm>
+          <a:prstGeom prst="rect">
+            <a:avLst/>
+          </a:prstGeom>
+          <a:noFill/>
+        </p:spPr>
+        <p:txBody>
+          <a:bodyPr wrap="none" rtlCol="0">
+            <a:spAutoFit/>
+          </a:bodyPr>
+          <a:lstStyle/>
+          <a:p>
+            <a:pPr algn="ctr"/>
+            <a:r>
+              <a:rPr lang="en-GB" b="1">
+                <a:solidFill>
+                  <a:srgbClr val="C00000"/>
+                </a:solidFill>
+              </a:rPr>
+              <a:t>Tech.</a:t>
+            </a:r>
+          </a:p>
+          <a:p>
+            <a:pPr algn="ctr"/>
+            <a:r>
+              <a:rPr lang="ko-KR" altLang="en-US" sz="1400" b="1">
+                <a:solidFill>
+                  <a:srgbClr val="C00000"/>
+                </a:solidFill>
+              </a:rPr>
+              <a:t>관심사</a:t>
+            </a:r>
+            <a:endParaRPr lang="en-GB" sz="1400" b="1">
+              <a:solidFill>
+                <a:srgbClr val="C00000"/>
+              </a:solidFill>
+            </a:endParaRPr>
+          </a:p>
+        </p:txBody>
+      </p:sp>
+      <p:sp>
+        <p:nvSpPr>
+          <p:cNvPr id="26" name="TextBox 25">
+            <a:extLst>
+              <a:ext uri="{FF2B5EF4-FFF2-40B4-BE49-F238E27FC236}">
+                <a16:creationId xmlns:a16="http://schemas.microsoft.com/office/drawing/2014/main" id="{E5ECB957-99DA-4B40-2517-87D4B6AA32F1}"/>
+              </a:ext>
+            </a:extLst>
+          </p:cNvPr>
+          <p:cNvSpPr txBox="1"/>
+          <p:nvPr/>
+        </p:nvSpPr>
+        <p:spPr>
+          <a:xfrm>
+            <a:off x="9346438" y="1324267"/>
+            <a:ext cx="723276" cy="584775"/>
+          </a:xfrm>
+          <a:prstGeom prst="rect">
+            <a:avLst/>
+          </a:prstGeom>
+          <a:noFill/>
+        </p:spPr>
+        <p:txBody>
+          <a:bodyPr wrap="none" rtlCol="0">
+            <a:spAutoFit/>
+          </a:bodyPr>
+          <a:lstStyle/>
+          <a:p>
+            <a:pPr algn="ctr"/>
+            <a:r>
+              <a:rPr lang="en-GB" b="1">
+                <a:solidFill>
+                  <a:srgbClr val="C00000"/>
+                </a:solidFill>
+              </a:rPr>
+              <a:t>Tech.</a:t>
+            </a:r>
+          </a:p>
+          <a:p>
+            <a:pPr algn="ctr"/>
+            <a:r>
+              <a:rPr lang="ko-KR" altLang="en-US" sz="1400" b="1">
+                <a:solidFill>
+                  <a:srgbClr val="C00000"/>
+                </a:solidFill>
+              </a:rPr>
+              <a:t>관심사</a:t>
+            </a:r>
+            <a:endParaRPr lang="en-GB" sz="1400" b="1">
+              <a:solidFill>
+                <a:srgbClr val="C00000"/>
+              </a:solidFill>
+            </a:endParaRPr>
+          </a:p>
+        </p:txBody>
+      </p:sp>
+      <p:sp>
+        <p:nvSpPr>
+          <p:cNvPr id="27" name="TextBox 26">
+            <a:extLst>
+              <a:ext uri="{FF2B5EF4-FFF2-40B4-BE49-F238E27FC236}">
+                <a16:creationId xmlns:a16="http://schemas.microsoft.com/office/drawing/2014/main" id="{FC014511-5821-4DC2-A4CE-B37CFCF61F22}"/>
+              </a:ext>
+            </a:extLst>
+          </p:cNvPr>
+          <p:cNvSpPr txBox="1"/>
+          <p:nvPr/>
+        </p:nvSpPr>
+        <p:spPr>
+          <a:xfrm>
+            <a:off x="2082209" y="772826"/>
+            <a:ext cx="800219" cy="461665"/>
+          </a:xfrm>
+          <a:prstGeom prst="rect">
+            <a:avLst/>
+          </a:prstGeom>
+          <a:noFill/>
+        </p:spPr>
+        <p:txBody>
+          <a:bodyPr wrap="none" rtlCol="0">
+            <a:spAutoFit/>
+          </a:bodyPr>
+          <a:lstStyle/>
+          <a:p>
+            <a:r>
+              <a:rPr lang="ko-KR" altLang="en-US" sz="2400" b="1">
+                <a:solidFill>
+                  <a:srgbClr val="C00000"/>
+                </a:solidFill>
+              </a:rPr>
+              <a:t>입력</a:t>
+            </a:r>
+            <a:endParaRPr lang="en-GB" sz="2400" b="1">
+              <a:solidFill>
+                <a:srgbClr val="C00000"/>
+              </a:solidFill>
+            </a:endParaRPr>
+          </a:p>
+        </p:txBody>
+      </p:sp>
+      <p:sp>
+        <p:nvSpPr>
+          <p:cNvPr id="28" name="TextBox 27">
+            <a:extLst>
+              <a:ext uri="{FF2B5EF4-FFF2-40B4-BE49-F238E27FC236}">
+                <a16:creationId xmlns:a16="http://schemas.microsoft.com/office/drawing/2014/main" id="{0C86008C-5B2A-0F5A-3C3D-143294B651BD}"/>
+              </a:ext>
+            </a:extLst>
+          </p:cNvPr>
+          <p:cNvSpPr txBox="1"/>
+          <p:nvPr/>
+        </p:nvSpPr>
+        <p:spPr>
+          <a:xfrm>
+            <a:off x="9309569" y="772826"/>
+            <a:ext cx="800219" cy="461665"/>
+          </a:xfrm>
+          <a:prstGeom prst="rect">
+            <a:avLst/>
+          </a:prstGeom>
+          <a:noFill/>
+        </p:spPr>
+        <p:txBody>
+          <a:bodyPr wrap="none" rtlCol="0">
+            <a:spAutoFit/>
+          </a:bodyPr>
+          <a:lstStyle/>
+          <a:p>
+            <a:r>
+              <a:rPr lang="ko-KR" altLang="en-US" sz="2400" b="1">
+                <a:solidFill>
+                  <a:srgbClr val="C00000"/>
+                </a:solidFill>
+              </a:rPr>
+              <a:t>출력</a:t>
+            </a:r>
+            <a:endParaRPr lang="en-GB" sz="2400" b="1">
+              <a:solidFill>
+                <a:srgbClr val="C00000"/>
+              </a:solidFill>
+            </a:endParaRPr>
+          </a:p>
+        </p:txBody>
+      </p:sp>
+      <p:sp>
+        <p:nvSpPr>
+          <p:cNvPr id="29" name="TextBox 28">
+            <a:extLst>
+              <a:ext uri="{FF2B5EF4-FFF2-40B4-BE49-F238E27FC236}">
+                <a16:creationId xmlns:a16="http://schemas.microsoft.com/office/drawing/2014/main" id="{2F2DB579-9FCA-FE10-0B3B-411DDBA2431E}"/>
+              </a:ext>
+            </a:extLst>
+          </p:cNvPr>
+          <p:cNvSpPr txBox="1"/>
+          <p:nvPr/>
+        </p:nvSpPr>
+        <p:spPr>
+          <a:xfrm>
+            <a:off x="5694288" y="772826"/>
+            <a:ext cx="800219" cy="461665"/>
+          </a:xfrm>
+          <a:prstGeom prst="rect">
+            <a:avLst/>
+          </a:prstGeom>
+          <a:noFill/>
+        </p:spPr>
+        <p:txBody>
+          <a:bodyPr wrap="none" rtlCol="0">
+            <a:spAutoFit/>
+          </a:bodyPr>
+          <a:lstStyle/>
+          <a:p>
+            <a:r>
+              <a:rPr lang="ko-KR" altLang="en-US" sz="2400" b="1">
+                <a:solidFill>
+                  <a:srgbClr val="0070C0"/>
+                </a:solidFill>
+              </a:rPr>
+              <a:t>연산</a:t>
+            </a:r>
+            <a:endParaRPr lang="en-GB" sz="2400" b="1">
+              <a:solidFill>
+                <a:srgbClr val="0070C0"/>
+              </a:solidFill>
+            </a:endParaRPr>
+          </a:p>
+        </p:txBody>
+      </p:sp>
+      <p:sp>
+        <p:nvSpPr>
+          <p:cNvPr id="41" name="직사각형 40">
+            <a:extLst>
+              <a:ext uri="{FF2B5EF4-FFF2-40B4-BE49-F238E27FC236}">
+                <a16:creationId xmlns:a16="http://schemas.microsoft.com/office/drawing/2014/main" id="{4AB81869-048C-9968-4BB2-8EE5D7240670}"/>
+              </a:ext>
+            </a:extLst>
+          </p:cNvPr>
+          <p:cNvSpPr/>
+          <p:nvPr/>
+        </p:nvSpPr>
+        <p:spPr>
+          <a:xfrm>
+            <a:off x="679807" y="509856"/>
+            <a:ext cx="10832386" cy="5838289"/>
+          </a:xfrm>
+          <a:prstGeom prst="rect">
+            <a:avLst/>
+          </a:prstGeom>
+          <a:noFill/>
+          <a:ln w="19050">
+            <a:solidFill>
+              <a:schemeClr val="tx1"/>
+            </a:solidFill>
+          </a:ln>
+        </p:spPr>
+        <p:style>
+          <a:lnRef idx="2">
+            <a:schemeClr val="accent1">
+              <a:shade val="15000"/>
+            </a:schemeClr>
+          </a:lnRef>
+          <a:fillRef idx="1">
+            <a:schemeClr val="accent1"/>
+          </a:fillRef>
+          <a:effectRef idx="0">
+            <a:schemeClr val="accent1"/>
+          </a:effectRef>
+          <a:fontRef idx="minor">
+            <a:schemeClr val="lt1"/>
+          </a:fontRef>
+        </p:style>
+        <p:txBody>
+          <a:bodyPr rtlCol="0" anchor="ctr"/>
+          <a:lstStyle/>
+          <a:p>
+            <a:pPr algn="ctr"/>
+            <a:endParaRPr lang="en-GB"/>
+          </a:p>
+        </p:txBody>
+      </p:sp>
+      <p:sp>
+        <p:nvSpPr>
+          <p:cNvPr id="14" name="직사각형 13">
+            <a:extLst>
+              <a:ext uri="{FF2B5EF4-FFF2-40B4-BE49-F238E27FC236}">
+                <a16:creationId xmlns:a16="http://schemas.microsoft.com/office/drawing/2014/main" id="{D5E7AEBF-C50F-7291-BA71-1872B6E2A3E0}"/>
+              </a:ext>
+            </a:extLst>
+          </p:cNvPr>
+          <p:cNvSpPr/>
+          <p:nvPr/>
+        </p:nvSpPr>
+        <p:spPr>
+          <a:xfrm>
+            <a:off x="1222770" y="2465966"/>
+            <a:ext cx="2522305" cy="888715"/>
+          </a:xfrm>
+          <a:prstGeom prst="rect">
+            <a:avLst/>
+          </a:prstGeom>
+          <a:noFill/>
+          <a:ln>
+            <a:solidFill>
+              <a:srgbClr val="C00000"/>
+            </a:solidFill>
+          </a:ln>
+        </p:spPr>
+        <p:style>
+          <a:lnRef idx="2">
+            <a:schemeClr val="accent1">
+              <a:shade val="15000"/>
+            </a:schemeClr>
+          </a:lnRef>
+          <a:fillRef idx="1">
+            <a:schemeClr val="accent1"/>
+          </a:fillRef>
+          <a:effectRef idx="0">
+            <a:schemeClr val="accent1"/>
+          </a:effectRef>
+          <a:fontRef idx="minor">
+            <a:schemeClr val="lt1"/>
+          </a:fontRef>
+        </p:style>
+        <p:txBody>
+          <a:bodyPr rtlCol="0" anchor="ctr"/>
+          <a:lstStyle/>
+          <a:p>
+            <a:pPr algn="ctr"/>
+            <a:endParaRPr lang="en-GB"/>
+          </a:p>
+        </p:txBody>
+      </p:sp>
+      <p:sp>
+        <p:nvSpPr>
+          <p:cNvPr id="15" name="TextBox 14">
+            <a:extLst>
+              <a:ext uri="{FF2B5EF4-FFF2-40B4-BE49-F238E27FC236}">
+                <a16:creationId xmlns:a16="http://schemas.microsoft.com/office/drawing/2014/main" id="{12016ED4-15BB-E8B0-78AA-4CB9C7EE3ECB}"/>
+              </a:ext>
+            </a:extLst>
+          </p:cNvPr>
+          <p:cNvSpPr txBox="1"/>
+          <p:nvPr/>
+        </p:nvSpPr>
+        <p:spPr>
+          <a:xfrm>
+            <a:off x="1722752" y="2582186"/>
+            <a:ext cx="1522340" cy="369332"/>
+          </a:xfrm>
+          <a:prstGeom prst="rect">
+            <a:avLst/>
+          </a:prstGeom>
+          <a:noFill/>
+        </p:spPr>
+        <p:txBody>
+          <a:bodyPr wrap="none" rtlCol="0">
+            <a:spAutoFit/>
+          </a:bodyPr>
+          <a:lstStyle/>
+          <a:p>
+            <a:r>
+              <a:rPr lang="en-GB" b="1">
+                <a:solidFill>
+                  <a:srgbClr val="C00000"/>
+                </a:solidFill>
+              </a:rPr>
+              <a:t>Adapter Layer</a:t>
+            </a:r>
+          </a:p>
+        </p:txBody>
+      </p:sp>
+      <p:cxnSp>
+        <p:nvCxnSpPr>
+          <p:cNvPr id="19" name="직선 화살표 연결선 18">
+            <a:extLst>
+              <a:ext uri="{FF2B5EF4-FFF2-40B4-BE49-F238E27FC236}">
+                <a16:creationId xmlns:a16="http://schemas.microsoft.com/office/drawing/2014/main" id="{A3021606-0BB1-2C27-95AE-54AEDF74ACB2}"/>
+              </a:ext>
+            </a:extLst>
+          </p:cNvPr>
+          <p:cNvCxnSpPr>
+            <a:cxnSpLocks/>
+            <a:stCxn id="14" idx="3"/>
+            <a:endCxn id="7" idx="1"/>
+          </p:cNvCxnSpPr>
+          <p:nvPr/>
+        </p:nvCxnSpPr>
+        <p:spPr>
+          <a:xfrm>
+            <a:off x="3745075" y="2910324"/>
+            <a:ext cx="1089772" cy="0"/>
+          </a:xfrm>
+          <a:prstGeom prst="straightConnector1">
+            <a:avLst/>
+          </a:prstGeom>
+          <a:ln w="28575">
+            <a:solidFill>
+              <a:schemeClr val="tx1"/>
+            </a:solidFill>
+            <a:tailEnd type="arrow"/>
+          </a:ln>
+        </p:spPr>
+        <p:style>
+          <a:lnRef idx="1">
+            <a:schemeClr val="accent1"/>
+          </a:lnRef>
+          <a:fillRef idx="0">
+            <a:schemeClr val="accent1"/>
+          </a:fillRef>
+          <a:effectRef idx="0">
+            <a:schemeClr val="accent1"/>
+          </a:effectRef>
+          <a:fontRef idx="minor">
+            <a:schemeClr val="tx1"/>
+          </a:fontRef>
+        </p:style>
+      </p:cxnSp>
+      <p:sp>
+        <p:nvSpPr>
+          <p:cNvPr id="7" name="직사각형 6">
+            <a:extLst>
+              <a:ext uri="{FF2B5EF4-FFF2-40B4-BE49-F238E27FC236}">
+                <a16:creationId xmlns:a16="http://schemas.microsoft.com/office/drawing/2014/main" id="{7BFF42AB-41F9-CD84-9454-34049A96DF0A}"/>
+              </a:ext>
+            </a:extLst>
+          </p:cNvPr>
+          <p:cNvSpPr/>
+          <p:nvPr/>
+        </p:nvSpPr>
+        <p:spPr>
+          <a:xfrm>
+            <a:off x="4834847" y="2465966"/>
+            <a:ext cx="2522305" cy="888715"/>
+          </a:xfrm>
+          <a:prstGeom prst="rect">
+            <a:avLst/>
+          </a:prstGeom>
+          <a:noFill/>
+          <a:ln>
+            <a:solidFill>
+              <a:srgbClr val="0070C0"/>
+            </a:solidFill>
+          </a:ln>
+        </p:spPr>
+        <p:style>
+          <a:lnRef idx="2">
+            <a:schemeClr val="accent1">
+              <a:shade val="15000"/>
+            </a:schemeClr>
+          </a:lnRef>
+          <a:fillRef idx="1">
+            <a:schemeClr val="accent1"/>
+          </a:fillRef>
+          <a:effectRef idx="0">
+            <a:schemeClr val="accent1"/>
+          </a:effectRef>
+          <a:fontRef idx="minor">
+            <a:schemeClr val="lt1"/>
+          </a:fontRef>
+        </p:style>
+        <p:txBody>
+          <a:bodyPr rtlCol="0" anchor="ctr"/>
+          <a:lstStyle/>
+          <a:p>
+            <a:pPr algn="ctr"/>
+            <a:endParaRPr lang="en-GB"/>
+          </a:p>
+        </p:txBody>
+      </p:sp>
+      <p:sp>
+        <p:nvSpPr>
+          <p:cNvPr id="4" name="TextBox 3">
+            <a:extLst>
+              <a:ext uri="{FF2B5EF4-FFF2-40B4-BE49-F238E27FC236}">
+                <a16:creationId xmlns:a16="http://schemas.microsoft.com/office/drawing/2014/main" id="{59F3940A-8532-133A-A7FA-C13AF2BAA117}"/>
+              </a:ext>
+            </a:extLst>
+          </p:cNvPr>
+          <p:cNvSpPr txBox="1"/>
+          <p:nvPr/>
+        </p:nvSpPr>
+        <p:spPr>
+          <a:xfrm>
+            <a:off x="5177607" y="2582186"/>
+            <a:ext cx="1836785" cy="369332"/>
+          </a:xfrm>
+          <a:prstGeom prst="rect">
+            <a:avLst/>
+          </a:prstGeom>
+          <a:noFill/>
+        </p:spPr>
+        <p:txBody>
+          <a:bodyPr wrap="none" rtlCol="0">
+            <a:spAutoFit/>
+          </a:bodyPr>
+          <a:lstStyle/>
+          <a:p>
+            <a:r>
+              <a:rPr lang="en-GB" b="1">
+                <a:solidFill>
+                  <a:srgbClr val="0070C0"/>
+                </a:solidFill>
+              </a:rPr>
+              <a:t>Application Layer</a:t>
+            </a:r>
+          </a:p>
+        </p:txBody>
+      </p:sp>
+      <p:sp>
+        <p:nvSpPr>
+          <p:cNvPr id="30" name="TextBox 29">
+            <a:extLst>
+              <a:ext uri="{FF2B5EF4-FFF2-40B4-BE49-F238E27FC236}">
+                <a16:creationId xmlns:a16="http://schemas.microsoft.com/office/drawing/2014/main" id="{1564C5AA-FAB3-7B83-8E50-7A4318E7D6BF}"/>
+              </a:ext>
+            </a:extLst>
+          </p:cNvPr>
+          <p:cNvSpPr txBox="1"/>
+          <p:nvPr/>
+        </p:nvSpPr>
+        <p:spPr>
+          <a:xfrm>
+            <a:off x="5671043" y="2930684"/>
+            <a:ext cx="849913" cy="307777"/>
+          </a:xfrm>
+          <a:prstGeom prst="rect">
+            <a:avLst/>
+          </a:prstGeom>
+          <a:noFill/>
+        </p:spPr>
+        <p:txBody>
+          <a:bodyPr wrap="none" rtlCol="0">
+            <a:spAutoFit/>
+          </a:bodyPr>
+          <a:lstStyle/>
+          <a:p>
+            <a:r>
+              <a:rPr lang="en-GB" sz="1400" b="1">
+                <a:solidFill>
+                  <a:srgbClr val="0070C0"/>
+                </a:solidFill>
+              </a:rPr>
+              <a:t>Biz. </a:t>
+            </a:r>
+            <a:r>
+              <a:rPr lang="ko-KR" altLang="en-US" sz="1400" b="1">
+                <a:solidFill>
+                  <a:srgbClr val="0070C0"/>
+                </a:solidFill>
+              </a:rPr>
+              <a:t>흐름</a:t>
+            </a:r>
+            <a:endParaRPr lang="en-GB" sz="1400" b="1">
+              <a:solidFill>
+                <a:srgbClr val="0070C0"/>
+              </a:solidFill>
+            </a:endParaRPr>
+          </a:p>
+        </p:txBody>
+      </p:sp>
+      <p:sp>
+        <p:nvSpPr>
+          <p:cNvPr id="2" name="TextBox 1">
+            <a:extLst>
+              <a:ext uri="{FF2B5EF4-FFF2-40B4-BE49-F238E27FC236}">
+                <a16:creationId xmlns:a16="http://schemas.microsoft.com/office/drawing/2014/main" id="{4143864E-8C34-FCDD-7A4B-CCF458EB95A4}"/>
+              </a:ext>
+            </a:extLst>
+          </p:cNvPr>
+          <p:cNvSpPr txBox="1"/>
+          <p:nvPr/>
+        </p:nvSpPr>
+        <p:spPr>
+          <a:xfrm>
+            <a:off x="2200575" y="2930684"/>
+            <a:ext cx="566694" cy="307777"/>
+          </a:xfrm>
+          <a:prstGeom prst="rect">
+            <a:avLst/>
+          </a:prstGeom>
+          <a:noFill/>
+        </p:spPr>
+        <p:txBody>
+          <a:bodyPr wrap="none" rtlCol="0">
+            <a:spAutoFit/>
+          </a:bodyPr>
+          <a:lstStyle/>
+          <a:p>
+            <a:r>
+              <a:rPr lang="en-GB" sz="1400" b="1">
+                <a:solidFill>
+                  <a:srgbClr val="C00000"/>
+                </a:solidFill>
+              </a:rPr>
+              <a:t>Tech.</a:t>
+            </a:r>
+          </a:p>
+        </p:txBody>
+      </p:sp>
+      <p:sp>
+        <p:nvSpPr>
+          <p:cNvPr id="17" name="직사각형 16">
+            <a:extLst>
+              <a:ext uri="{FF2B5EF4-FFF2-40B4-BE49-F238E27FC236}">
+                <a16:creationId xmlns:a16="http://schemas.microsoft.com/office/drawing/2014/main" id="{B0B49EA9-2CB3-D2E0-64B1-EBC75692152D}"/>
+              </a:ext>
+            </a:extLst>
+          </p:cNvPr>
+          <p:cNvSpPr/>
+          <p:nvPr/>
+        </p:nvSpPr>
+        <p:spPr>
+          <a:xfrm>
+            <a:off x="8446924" y="2465966"/>
+            <a:ext cx="2522305" cy="888715"/>
+          </a:xfrm>
+          <a:prstGeom prst="rect">
+            <a:avLst/>
+          </a:prstGeom>
+          <a:noFill/>
+          <a:ln>
+            <a:solidFill>
+              <a:srgbClr val="C00000"/>
+            </a:solidFill>
+          </a:ln>
+        </p:spPr>
+        <p:style>
+          <a:lnRef idx="2">
+            <a:schemeClr val="accent1">
+              <a:shade val="15000"/>
+            </a:schemeClr>
+          </a:lnRef>
+          <a:fillRef idx="1">
+            <a:schemeClr val="accent1"/>
+          </a:fillRef>
+          <a:effectRef idx="0">
+            <a:schemeClr val="accent1"/>
+          </a:effectRef>
+          <a:fontRef idx="minor">
+            <a:schemeClr val="lt1"/>
+          </a:fontRef>
+        </p:style>
+        <p:txBody>
+          <a:bodyPr rtlCol="0" anchor="ctr"/>
+          <a:lstStyle/>
+          <a:p>
+            <a:pPr algn="ctr"/>
+            <a:endParaRPr lang="en-GB"/>
+          </a:p>
+        </p:txBody>
+      </p:sp>
+      <p:sp>
+        <p:nvSpPr>
+          <p:cNvPr id="18" name="TextBox 17">
+            <a:extLst>
+              <a:ext uri="{FF2B5EF4-FFF2-40B4-BE49-F238E27FC236}">
+                <a16:creationId xmlns:a16="http://schemas.microsoft.com/office/drawing/2014/main" id="{B66D78B4-2038-771B-9793-925A6F0B462C}"/>
+              </a:ext>
+            </a:extLst>
+          </p:cNvPr>
+          <p:cNvSpPr txBox="1"/>
+          <p:nvPr/>
+        </p:nvSpPr>
+        <p:spPr>
+          <a:xfrm>
+            <a:off x="8946906" y="2582187"/>
+            <a:ext cx="1522340" cy="369332"/>
+          </a:xfrm>
+          <a:prstGeom prst="rect">
+            <a:avLst/>
+          </a:prstGeom>
+          <a:noFill/>
+        </p:spPr>
+        <p:txBody>
+          <a:bodyPr wrap="none" rtlCol="0">
+            <a:spAutoFit/>
+          </a:bodyPr>
+          <a:lstStyle/>
+          <a:p>
+            <a:r>
+              <a:rPr lang="en-GB" b="1">
+                <a:solidFill>
+                  <a:srgbClr val="C00000"/>
+                </a:solidFill>
+              </a:rPr>
+              <a:t>Adapter Layer</a:t>
+            </a:r>
+          </a:p>
+        </p:txBody>
+      </p:sp>
+      <p:sp>
+        <p:nvSpPr>
+          <p:cNvPr id="3" name="TextBox 2">
+            <a:extLst>
+              <a:ext uri="{FF2B5EF4-FFF2-40B4-BE49-F238E27FC236}">
+                <a16:creationId xmlns:a16="http://schemas.microsoft.com/office/drawing/2014/main" id="{321C0B5A-5B33-B72A-C66A-C1314843B031}"/>
+              </a:ext>
+            </a:extLst>
+          </p:cNvPr>
+          <p:cNvSpPr txBox="1"/>
+          <p:nvPr/>
+        </p:nvSpPr>
+        <p:spPr>
+          <a:xfrm>
+            <a:off x="9424729" y="2930685"/>
+            <a:ext cx="566694" cy="307777"/>
+          </a:xfrm>
+          <a:prstGeom prst="rect">
+            <a:avLst/>
+          </a:prstGeom>
+          <a:noFill/>
+        </p:spPr>
+        <p:txBody>
+          <a:bodyPr wrap="none" rtlCol="0">
+            <a:spAutoFit/>
+          </a:bodyPr>
+          <a:lstStyle/>
+          <a:p>
+            <a:r>
+              <a:rPr lang="en-GB" sz="1400" b="1">
+                <a:solidFill>
+                  <a:srgbClr val="C00000"/>
+                </a:solidFill>
+              </a:rPr>
+              <a:t>Tech.</a:t>
+            </a:r>
+          </a:p>
+        </p:txBody>
+      </p:sp>
+      <p:sp>
+        <p:nvSpPr>
+          <p:cNvPr id="10" name="직사각형 9">
+            <a:extLst>
+              <a:ext uri="{FF2B5EF4-FFF2-40B4-BE49-F238E27FC236}">
+                <a16:creationId xmlns:a16="http://schemas.microsoft.com/office/drawing/2014/main" id="{2CDA102E-21C5-3418-45CF-C9EA7F52F8A7}"/>
+              </a:ext>
+            </a:extLst>
+          </p:cNvPr>
+          <p:cNvSpPr/>
+          <p:nvPr/>
+        </p:nvSpPr>
+        <p:spPr>
+          <a:xfrm>
+            <a:off x="8446923" y="3930583"/>
+            <a:ext cx="2522305" cy="888715"/>
+          </a:xfrm>
+          <a:prstGeom prst="rect">
+            <a:avLst/>
+          </a:prstGeom>
+          <a:noFill/>
+          <a:ln>
+            <a:solidFill>
+              <a:srgbClr val="C00000"/>
+            </a:solidFill>
+            <a:prstDash val="dash"/>
+          </a:ln>
+        </p:spPr>
+        <p:style>
+          <a:lnRef idx="2">
+            <a:schemeClr val="accent1">
+              <a:shade val="15000"/>
+            </a:schemeClr>
+          </a:lnRef>
+          <a:fillRef idx="1">
+            <a:schemeClr val="accent1"/>
+          </a:fillRef>
+          <a:effectRef idx="0">
+            <a:schemeClr val="accent1"/>
+          </a:effectRef>
+          <a:fontRef idx="minor">
+            <a:schemeClr val="lt1"/>
+          </a:fontRef>
+        </p:style>
+        <p:txBody>
+          <a:bodyPr rtlCol="0" anchor="ctr"/>
+          <a:lstStyle/>
+          <a:p>
+            <a:pPr algn="ctr"/>
+            <a:endParaRPr lang="en-GB"/>
+          </a:p>
+        </p:txBody>
+      </p:sp>
+      <p:sp>
+        <p:nvSpPr>
+          <p:cNvPr id="11" name="TextBox 10">
+            <a:extLst>
+              <a:ext uri="{FF2B5EF4-FFF2-40B4-BE49-F238E27FC236}">
+                <a16:creationId xmlns:a16="http://schemas.microsoft.com/office/drawing/2014/main" id="{F40BA451-C167-FBC2-9218-2C2DEBCA28FC}"/>
+              </a:ext>
+            </a:extLst>
+          </p:cNvPr>
+          <p:cNvSpPr txBox="1"/>
+          <p:nvPr/>
+        </p:nvSpPr>
+        <p:spPr>
+          <a:xfrm>
+            <a:off x="8946905" y="4046804"/>
+            <a:ext cx="1522340" cy="369332"/>
+          </a:xfrm>
+          <a:prstGeom prst="rect">
+            <a:avLst/>
+          </a:prstGeom>
+          <a:noFill/>
+        </p:spPr>
+        <p:txBody>
+          <a:bodyPr wrap="none" rtlCol="0">
+            <a:spAutoFit/>
+          </a:bodyPr>
+          <a:lstStyle/>
+          <a:p>
+            <a:r>
+              <a:rPr lang="en-GB" b="1">
+                <a:solidFill>
+                  <a:srgbClr val="C00000"/>
+                </a:solidFill>
+              </a:rPr>
+              <a:t>Adapter Layer</a:t>
+            </a:r>
+          </a:p>
+        </p:txBody>
+      </p:sp>
+      <p:sp>
+        <p:nvSpPr>
+          <p:cNvPr id="13" name="TextBox 12">
+            <a:extLst>
+              <a:ext uri="{FF2B5EF4-FFF2-40B4-BE49-F238E27FC236}">
+                <a16:creationId xmlns:a16="http://schemas.microsoft.com/office/drawing/2014/main" id="{308D3541-4D14-E045-9FAE-C354F133E967}"/>
+              </a:ext>
+            </a:extLst>
+          </p:cNvPr>
+          <p:cNvSpPr txBox="1"/>
+          <p:nvPr/>
+        </p:nvSpPr>
+        <p:spPr>
+          <a:xfrm>
+            <a:off x="9424728" y="4395302"/>
+            <a:ext cx="566694" cy="307777"/>
+          </a:xfrm>
+          <a:prstGeom prst="rect">
+            <a:avLst/>
+          </a:prstGeom>
+          <a:noFill/>
+        </p:spPr>
+        <p:txBody>
+          <a:bodyPr wrap="none" rtlCol="0">
+            <a:spAutoFit/>
+          </a:bodyPr>
+          <a:lstStyle/>
+          <a:p>
+            <a:r>
+              <a:rPr lang="en-GB" sz="1400" b="1">
+                <a:solidFill>
+                  <a:srgbClr val="C00000"/>
+                </a:solidFill>
+              </a:rPr>
+              <a:t>Tech.</a:t>
+            </a:r>
+          </a:p>
+        </p:txBody>
+      </p:sp>
+      <p:cxnSp>
+        <p:nvCxnSpPr>
+          <p:cNvPr id="20" name="연결선: 꺾임 19">
+            <a:extLst>
+              <a:ext uri="{FF2B5EF4-FFF2-40B4-BE49-F238E27FC236}">
+                <a16:creationId xmlns:a16="http://schemas.microsoft.com/office/drawing/2014/main" id="{61E99608-7605-6F0F-C21A-CF7E6C8F1D29}"/>
+              </a:ext>
+            </a:extLst>
+          </p:cNvPr>
+          <p:cNvCxnSpPr>
+            <a:cxnSpLocks/>
+            <a:stCxn id="45" idx="3"/>
+            <a:endCxn id="10" idx="1"/>
+          </p:cNvCxnSpPr>
+          <p:nvPr/>
+        </p:nvCxnSpPr>
+        <p:spPr>
+          <a:xfrm>
+            <a:off x="7354829" y="3092328"/>
+            <a:ext cx="1092094" cy="1282613"/>
+          </a:xfrm>
+          <a:prstGeom prst="bentConnector3">
+            <a:avLst>
+              <a:gd name="adj1" fmla="val 50000"/>
+            </a:avLst>
+          </a:prstGeom>
+          <a:ln w="28575">
+            <a:solidFill>
+              <a:schemeClr val="tx1"/>
+            </a:solidFill>
+            <a:prstDash val="solid"/>
+            <a:tailEnd type="arrow"/>
+          </a:ln>
+        </p:spPr>
+        <p:style>
+          <a:lnRef idx="1">
+            <a:schemeClr val="accent1"/>
+          </a:lnRef>
+          <a:fillRef idx="0">
+            <a:schemeClr val="accent1"/>
+          </a:fillRef>
+          <a:effectRef idx="0">
+            <a:schemeClr val="accent1"/>
+          </a:effectRef>
+          <a:fontRef idx="minor">
+            <a:schemeClr val="tx1"/>
+          </a:fontRef>
+        </p:style>
+      </p:cxnSp>
+      <p:sp>
+        <p:nvSpPr>
+          <p:cNvPr id="35" name="TextBox 34">
+            <a:extLst>
+              <a:ext uri="{FF2B5EF4-FFF2-40B4-BE49-F238E27FC236}">
+                <a16:creationId xmlns:a16="http://schemas.microsoft.com/office/drawing/2014/main" id="{A26C683E-A73D-510B-884A-5C0E93A982A9}"/>
+              </a:ext>
+            </a:extLst>
+          </p:cNvPr>
+          <p:cNvSpPr txBox="1"/>
+          <p:nvPr/>
+        </p:nvSpPr>
+        <p:spPr>
+          <a:xfrm>
+            <a:off x="2139275" y="2108930"/>
+            <a:ext cx="686085" cy="307777"/>
+          </a:xfrm>
+          <a:prstGeom prst="rect">
+            <a:avLst/>
+          </a:prstGeom>
+          <a:noFill/>
+        </p:spPr>
+        <p:txBody>
+          <a:bodyPr wrap="none" rtlCol="0">
+            <a:spAutoFit/>
+          </a:bodyPr>
+          <a:lstStyle/>
+          <a:p>
+            <a:r>
+              <a:rPr lang="en-GB" sz="1400"/>
+              <a:t>Known</a:t>
+            </a:r>
+          </a:p>
+        </p:txBody>
+      </p:sp>
+      <p:sp>
+        <p:nvSpPr>
+          <p:cNvPr id="38" name="TextBox 37">
+            <a:extLst>
+              <a:ext uri="{FF2B5EF4-FFF2-40B4-BE49-F238E27FC236}">
+                <a16:creationId xmlns:a16="http://schemas.microsoft.com/office/drawing/2014/main" id="{398F4B3D-E4D5-DDE4-CADF-BA589F99876D}"/>
+              </a:ext>
+            </a:extLst>
+          </p:cNvPr>
+          <p:cNvSpPr txBox="1"/>
+          <p:nvPr/>
+        </p:nvSpPr>
+        <p:spPr>
+          <a:xfrm>
+            <a:off x="9365034" y="2108930"/>
+            <a:ext cx="686085" cy="307777"/>
+          </a:xfrm>
+          <a:prstGeom prst="rect">
+            <a:avLst/>
+          </a:prstGeom>
+          <a:noFill/>
+        </p:spPr>
+        <p:txBody>
+          <a:bodyPr wrap="none" rtlCol="0">
+            <a:spAutoFit/>
+          </a:bodyPr>
+          <a:lstStyle/>
+          <a:p>
+            <a:r>
+              <a:rPr lang="en-GB" sz="1400"/>
+              <a:t>Known</a:t>
+            </a:r>
+          </a:p>
+        </p:txBody>
+      </p:sp>
+      <p:cxnSp>
+        <p:nvCxnSpPr>
+          <p:cNvPr id="42" name="직선 화살표 연결선 41">
+            <a:extLst>
+              <a:ext uri="{FF2B5EF4-FFF2-40B4-BE49-F238E27FC236}">
+                <a16:creationId xmlns:a16="http://schemas.microsoft.com/office/drawing/2014/main" id="{E69103D2-3A69-4016-26B9-E3748C65EF6C}"/>
+              </a:ext>
+            </a:extLst>
+          </p:cNvPr>
+          <p:cNvCxnSpPr>
+            <a:cxnSpLocks/>
+            <a:stCxn id="7" idx="3"/>
+            <a:endCxn id="17" idx="1"/>
+          </p:cNvCxnSpPr>
+          <p:nvPr/>
+        </p:nvCxnSpPr>
+        <p:spPr>
+          <a:xfrm>
+            <a:off x="7357152" y="2910324"/>
+            <a:ext cx="1089772" cy="0"/>
+          </a:xfrm>
+          <a:prstGeom prst="straightConnector1">
+            <a:avLst/>
+          </a:prstGeom>
+          <a:ln w="28575">
+            <a:solidFill>
+              <a:schemeClr val="tx1"/>
+            </a:solidFill>
+            <a:tailEnd type="arrow"/>
+          </a:ln>
+        </p:spPr>
+        <p:style>
+          <a:lnRef idx="1">
+            <a:schemeClr val="accent1"/>
+          </a:lnRef>
+          <a:fillRef idx="0">
+            <a:schemeClr val="accent1"/>
+          </a:fillRef>
+          <a:effectRef idx="0">
+            <a:schemeClr val="accent1"/>
+          </a:effectRef>
+          <a:fontRef idx="minor">
+            <a:schemeClr val="tx1"/>
+          </a:fontRef>
+        </p:style>
+      </p:cxnSp>
+      <p:sp>
+        <p:nvSpPr>
+          <p:cNvPr id="45" name="직사각형 44">
+            <a:extLst>
+              <a:ext uri="{FF2B5EF4-FFF2-40B4-BE49-F238E27FC236}">
+                <a16:creationId xmlns:a16="http://schemas.microsoft.com/office/drawing/2014/main" id="{890FC1D2-A4A3-D9AD-6614-015331E324D1}"/>
+              </a:ext>
+            </a:extLst>
+          </p:cNvPr>
+          <p:cNvSpPr/>
+          <p:nvPr/>
+        </p:nvSpPr>
+        <p:spPr>
+          <a:xfrm>
+            <a:off x="6922497" y="2930511"/>
+            <a:ext cx="432332" cy="323633"/>
+          </a:xfrm>
+          <a:prstGeom prst="rect">
+            <a:avLst/>
+          </a:prstGeom>
+          <a:noFill/>
+          <a:ln>
+            <a:noFill/>
+          </a:ln>
+        </p:spPr>
+        <p:style>
+          <a:lnRef idx="2">
+            <a:schemeClr val="accent1">
+              <a:shade val="15000"/>
+            </a:schemeClr>
+          </a:lnRef>
+          <a:fillRef idx="1">
+            <a:schemeClr val="accent1"/>
+          </a:fillRef>
+          <a:effectRef idx="0">
+            <a:schemeClr val="accent1"/>
+          </a:effectRef>
+          <a:fontRef idx="minor">
+            <a:schemeClr val="lt1"/>
+          </a:fontRef>
+        </p:style>
+        <p:txBody>
+          <a:bodyPr rtlCol="0" anchor="ctr"/>
+          <a:lstStyle/>
+          <a:p>
+            <a:pPr algn="ctr"/>
+            <a:endParaRPr lang="en-GB"/>
+          </a:p>
+        </p:txBody>
+      </p:sp>
+      <p:sp>
+        <p:nvSpPr>
+          <p:cNvPr id="49" name="TextBox 48">
+            <a:extLst>
+              <a:ext uri="{FF2B5EF4-FFF2-40B4-BE49-F238E27FC236}">
+                <a16:creationId xmlns:a16="http://schemas.microsoft.com/office/drawing/2014/main" id="{207E8FBE-1144-1EE7-1F2F-447D5481C228}"/>
+              </a:ext>
+            </a:extLst>
+          </p:cNvPr>
+          <p:cNvSpPr txBox="1"/>
+          <p:nvPr/>
+        </p:nvSpPr>
+        <p:spPr>
+          <a:xfrm>
+            <a:off x="9264236" y="3547641"/>
+            <a:ext cx="887679" cy="307777"/>
+          </a:xfrm>
+          <a:prstGeom prst="rect">
+            <a:avLst/>
+          </a:prstGeom>
+          <a:noFill/>
+        </p:spPr>
+        <p:txBody>
+          <a:bodyPr wrap="none" rtlCol="0">
+            <a:spAutoFit/>
+          </a:bodyPr>
+          <a:lstStyle/>
+          <a:p>
+            <a:r>
+              <a:rPr lang="en-GB" sz="1400"/>
+              <a:t>Unknown</a:t>
+            </a:r>
+          </a:p>
+        </p:txBody>
+      </p:sp>
+    </p:spTree>
+    <p:extLst>
+      <p:ext uri="{BB962C8B-B14F-4D97-AF65-F5344CB8AC3E}">
+        <p14:creationId xmlns:p14="http://schemas.microsoft.com/office/powerpoint/2010/main" val="516561380"/>
+      </p:ext>
+    </p:extLst>
+  </p:cSld>
+  <p:clrMapOvr>
+    <a:masterClrMapping/>
+  </p:clrMapOvr>
+</p:sld>
+</file>
+
+<file path=ppt/slides/slide11.xml><?xml version="1.0" encoding="utf-8"?>
+<p:sld xmlns:a="http://schemas.openxmlformats.org/drawingml/2006/main" xmlns:r="http://schemas.openxmlformats.org/officeDocument/2006/relationships" xmlns:p="http://schemas.openxmlformats.org/presentationml/2006/main">
+  <p:cSld>
+    <p:spTree>
+      <p:nvGrpSpPr>
+        <p:cNvPr id="1" name=""/>
+        <p:cNvGrpSpPr/>
+        <p:nvPr/>
+      </p:nvGrpSpPr>
+      <p:grpSpPr>
+        <a:xfrm>
+          <a:off x="0" y="0"/>
+          <a:ext cx="0" cy="0"/>
+          <a:chOff x="0" y="0"/>
+          <a:chExt cx="0" cy="0"/>
+        </a:xfrm>
+      </p:grpSpPr>
+      <p:pic>
+        <p:nvPicPr>
+          <p:cNvPr id="1026" name="Picture 2">
+            <a:extLst>
+              <a:ext uri="{FF2B5EF4-FFF2-40B4-BE49-F238E27FC236}">
+                <a16:creationId xmlns:a16="http://schemas.microsoft.com/office/drawing/2014/main" id="{BC3ACB72-3A86-B1EF-E633-8641526CF5FA}"/>
+              </a:ext>
+            </a:extLst>
+          </p:cNvPr>
+          <p:cNvPicPr>
+            <a:picLocks noChangeAspect="1" noChangeArrowheads="1"/>
+          </p:cNvPicPr>
+          <p:nvPr/>
+        </p:nvPicPr>
+        <p:blipFill>
+          <a:blip r:embed="rId2">
+            <a:extLst>
+              <a:ext uri="{28A0092B-C50C-407E-A947-70E740481C1C}">
+                <a14:useLocalDpi xmlns:a14="http://schemas.microsoft.com/office/drawing/2010/main" val="0"/>
+              </a:ext>
+            </a:extLst>
+          </a:blip>
+          <a:srcRect/>
+          <a:stretch>
+            <a:fillRect/>
+          </a:stretch>
+        </p:blipFill>
+        <p:spPr bwMode="auto">
+          <a:xfrm>
+            <a:off x="2390775" y="1533525"/>
+            <a:ext cx="7410450" cy="3790950"/>
+          </a:xfrm>
+          <a:prstGeom prst="rect">
+            <a:avLst/>
+          </a:prstGeom>
+          <a:noFill/>
+          <a:extLst>
+            <a:ext uri="{909E8E84-426E-40DD-AFC4-6F175D3DCCD1}">
+              <a14:hiddenFill xmlns:a14="http://schemas.microsoft.com/office/drawing/2010/main">
+                <a:solidFill>
+                  <a:srgbClr val="FFFFFF"/>
+                </a:solidFill>
+              </a14:hiddenFill>
+            </a:ext>
+          </a:extLst>
+        </p:spPr>
+      </p:pic>
+    </p:spTree>
+    <p:extLst>
+      <p:ext uri="{BB962C8B-B14F-4D97-AF65-F5344CB8AC3E}">
+        <p14:creationId xmlns:p14="http://schemas.microsoft.com/office/powerpoint/2010/main" val="1254991443"/>
+      </p:ext>
+    </p:extLst>
+  </p:cSld>
+  <p:clrMapOvr>
+    <a:masterClrMapping/>
+  </p:clrMapOvr>
+</p:sld>
+</file>
+
 <file path=ppt/slides/slide2.xml><?xml version="1.0" encoding="utf-8"?>
 <p:sld xmlns:a="http://schemas.openxmlformats.org/drawingml/2006/main" xmlns:r="http://schemas.openxmlformats.org/officeDocument/2006/relationships" xmlns:p="http://schemas.openxmlformats.org/presentationml/2006/main">
   <p:cSld>
@@ -9977,7 +11467,7 @@
         <p:cNvPr id="1" name="">
           <a:extLst>
             <a:ext uri="{FF2B5EF4-FFF2-40B4-BE49-F238E27FC236}">
-              <a16:creationId xmlns:a16="http://schemas.microsoft.com/office/drawing/2014/main" id="{A9845BB9-97B6-30DA-1817-C0DA3F3FBB0C}"/>
+              <a16:creationId xmlns:a16="http://schemas.microsoft.com/office/drawing/2014/main" id="{B52804FE-251A-DCBF-990C-D7A1E430C6E8}"/>
             </a:ext>
           </a:extLst>
         </p:cNvPr>
@@ -9997,7 +11487,7 @@
           <p:cNvPr id="34" name="직사각형 33">
             <a:extLst>
               <a:ext uri="{FF2B5EF4-FFF2-40B4-BE49-F238E27FC236}">
-                <a16:creationId xmlns:a16="http://schemas.microsoft.com/office/drawing/2014/main" id="{D7A3D358-E205-375E-3E8E-81CD713146B9}"/>
+                <a16:creationId xmlns:a16="http://schemas.microsoft.com/office/drawing/2014/main" id="{B02066EA-E307-1ED3-1AB7-4CF95F534099}"/>
               </a:ext>
             </a:extLst>
           </p:cNvPr>
@@ -10006,8 +11496,8 @@
         </p:nvSpPr>
         <p:spPr>
           <a:xfrm>
-            <a:off x="4834847" y="5152787"/>
-            <a:ext cx="2522305" cy="888715"/>
+            <a:off x="5021349" y="5152787"/>
+            <a:ext cx="2149302" cy="888715"/>
           </a:xfrm>
           <a:prstGeom prst="rect">
             <a:avLst/>
@@ -10049,7 +11539,7 @@
           <p:cNvPr id="36" name="TextBox 35">
             <a:extLst>
               <a:ext uri="{FF2B5EF4-FFF2-40B4-BE49-F238E27FC236}">
-                <a16:creationId xmlns:a16="http://schemas.microsoft.com/office/drawing/2014/main" id="{7AF0099F-F21B-3E45-A6B5-A04D3536E96C}"/>
+                <a16:creationId xmlns:a16="http://schemas.microsoft.com/office/drawing/2014/main" id="{5F7CADFF-9BF1-71D4-CB2E-73686C834E2C}"/>
               </a:ext>
             </a:extLst>
           </p:cNvPr>
@@ -10088,7 +11578,7 @@
           <p:cNvPr id="37" name="TextBox 36">
             <a:extLst>
               <a:ext uri="{FF2B5EF4-FFF2-40B4-BE49-F238E27FC236}">
-                <a16:creationId xmlns:a16="http://schemas.microsoft.com/office/drawing/2014/main" id="{376AA0DD-9ADA-2FE2-3647-8D7E416EA76F}"/>
+                <a16:creationId xmlns:a16="http://schemas.microsoft.com/office/drawing/2014/main" id="{994CF98B-0756-34B9-E377-CB18D6FD726B}"/>
               </a:ext>
             </a:extLst>
           </p:cNvPr>
@@ -10140,7 +11630,7 @@
           <p:cNvPr id="6" name="TextBox 5">
             <a:extLst>
               <a:ext uri="{FF2B5EF4-FFF2-40B4-BE49-F238E27FC236}">
-                <a16:creationId xmlns:a16="http://schemas.microsoft.com/office/drawing/2014/main" id="{EB563C83-6E1F-FA9D-72E0-84A25A3BAF01}"/>
+                <a16:creationId xmlns:a16="http://schemas.microsoft.com/office/drawing/2014/main" id="{390112C5-68A9-2863-6F41-25B24CB794FF}"/>
               </a:ext>
             </a:extLst>
           </p:cNvPr>
@@ -10196,7 +11686,7 @@
           <p:cNvPr id="12" name="직선 화살표 연결선 11">
             <a:extLst>
               <a:ext uri="{FF2B5EF4-FFF2-40B4-BE49-F238E27FC236}">
-                <a16:creationId xmlns:a16="http://schemas.microsoft.com/office/drawing/2014/main" id="{828EB9F9-0558-5E87-DD87-E272FEFAD126}"/>
+                <a16:creationId xmlns:a16="http://schemas.microsoft.com/office/drawing/2014/main" id="{7CF65850-017D-A4FD-0381-4A503FFFD581}"/>
               </a:ext>
             </a:extLst>
           </p:cNvPr>
@@ -10217,7 +11707,7 @@
             <a:solidFill>
               <a:schemeClr val="tx1"/>
             </a:solidFill>
-            <a:tailEnd type="triangle"/>
+            <a:tailEnd type="arrow"/>
           </a:ln>
         </p:spPr>
         <p:style>
@@ -10240,7 +11730,7 @@
           <p:cNvPr id="25" name="TextBox 24">
             <a:extLst>
               <a:ext uri="{FF2B5EF4-FFF2-40B4-BE49-F238E27FC236}">
-                <a16:creationId xmlns:a16="http://schemas.microsoft.com/office/drawing/2014/main" id="{63942AAC-CAA2-13DD-F28C-9FEFFDDA1FED}"/>
+                <a16:creationId xmlns:a16="http://schemas.microsoft.com/office/drawing/2014/main" id="{6A9DC339-314D-6C64-5C41-4245D028BE0F}"/>
               </a:ext>
             </a:extLst>
           </p:cNvPr>
@@ -10296,7 +11786,7 @@
           <p:cNvPr id="26" name="TextBox 25">
             <a:extLst>
               <a:ext uri="{FF2B5EF4-FFF2-40B4-BE49-F238E27FC236}">
-                <a16:creationId xmlns:a16="http://schemas.microsoft.com/office/drawing/2014/main" id="{E5ECB957-99DA-4B40-2517-87D4B6AA32F1}"/>
+                <a16:creationId xmlns:a16="http://schemas.microsoft.com/office/drawing/2014/main" id="{AEBA397B-A500-6960-168A-65CFC8C58B39}"/>
               </a:ext>
             </a:extLst>
           </p:cNvPr>
@@ -10352,7 +11842,7 @@
           <p:cNvPr id="27" name="TextBox 26">
             <a:extLst>
               <a:ext uri="{FF2B5EF4-FFF2-40B4-BE49-F238E27FC236}">
-                <a16:creationId xmlns:a16="http://schemas.microsoft.com/office/drawing/2014/main" id="{FC014511-5821-4DC2-A4CE-B37CFCF61F22}"/>
+                <a16:creationId xmlns:a16="http://schemas.microsoft.com/office/drawing/2014/main" id="{D969D07C-3DE5-EA09-DA6F-C138048ECA99}"/>
               </a:ext>
             </a:extLst>
           </p:cNvPr>
@@ -10396,7 +11886,7 @@
           <p:cNvPr id="28" name="TextBox 27">
             <a:extLst>
               <a:ext uri="{FF2B5EF4-FFF2-40B4-BE49-F238E27FC236}">
-                <a16:creationId xmlns:a16="http://schemas.microsoft.com/office/drawing/2014/main" id="{0C86008C-5B2A-0F5A-3C3D-143294B651BD}"/>
+                <a16:creationId xmlns:a16="http://schemas.microsoft.com/office/drawing/2014/main" id="{DA479FAB-525E-6749-F6AF-F27D3EE95A5A}"/>
               </a:ext>
             </a:extLst>
           </p:cNvPr>
@@ -10440,7 +11930,7 @@
           <p:cNvPr id="29" name="TextBox 28">
             <a:extLst>
               <a:ext uri="{FF2B5EF4-FFF2-40B4-BE49-F238E27FC236}">
-                <a16:creationId xmlns:a16="http://schemas.microsoft.com/office/drawing/2014/main" id="{2F2DB579-9FCA-FE10-0B3B-411DDBA2431E}"/>
+                <a16:creationId xmlns:a16="http://schemas.microsoft.com/office/drawing/2014/main" id="{BB8B3AE5-6231-EB3F-747C-49D226570E6C}"/>
               </a:ext>
             </a:extLst>
           </p:cNvPr>
@@ -10484,7 +11974,7 @@
           <p:cNvPr id="41" name="직사각형 40">
             <a:extLst>
               <a:ext uri="{FF2B5EF4-FFF2-40B4-BE49-F238E27FC236}">
-                <a16:creationId xmlns:a16="http://schemas.microsoft.com/office/drawing/2014/main" id="{4AB81869-048C-9968-4BB2-8EE5D7240670}"/>
+                <a16:creationId xmlns:a16="http://schemas.microsoft.com/office/drawing/2014/main" id="{B6C68552-CE31-058E-7B0C-0E498E966E25}"/>
               </a:ext>
             </a:extLst>
           </p:cNvPr>
@@ -10536,7 +12026,7 @@
           <p:cNvPr id="14" name="직사각형 13">
             <a:extLst>
               <a:ext uri="{FF2B5EF4-FFF2-40B4-BE49-F238E27FC236}">
-                <a16:creationId xmlns:a16="http://schemas.microsoft.com/office/drawing/2014/main" id="{D5E7AEBF-C50F-7291-BA71-1872B6E2A3E0}"/>
+                <a16:creationId xmlns:a16="http://schemas.microsoft.com/office/drawing/2014/main" id="{B856F35A-FF08-D9A7-9E11-7F5B4FAA5090}"/>
               </a:ext>
             </a:extLst>
           </p:cNvPr>
@@ -10545,8 +12035,8 @@
         </p:nvSpPr>
         <p:spPr>
           <a:xfrm>
-            <a:off x="1222770" y="2465966"/>
-            <a:ext cx="2522305" cy="888715"/>
+            <a:off x="1409272" y="2465966"/>
+            <a:ext cx="2149302" cy="888715"/>
           </a:xfrm>
           <a:prstGeom prst="rect">
             <a:avLst/>
@@ -10588,7 +12078,7 @@
           <p:cNvPr id="15" name="TextBox 14">
             <a:extLst>
               <a:ext uri="{FF2B5EF4-FFF2-40B4-BE49-F238E27FC236}">
-                <a16:creationId xmlns:a16="http://schemas.microsoft.com/office/drawing/2014/main" id="{12016ED4-15BB-E8B0-78AA-4CB9C7EE3ECB}"/>
+                <a16:creationId xmlns:a16="http://schemas.microsoft.com/office/drawing/2014/main" id="{9F08D280-7FA0-1F53-37E2-DCCFF26D378F}"/>
               </a:ext>
             </a:extLst>
           </p:cNvPr>
@@ -10627,7 +12117,7 @@
           <p:cNvPr id="19" name="직선 화살표 연결선 18">
             <a:extLst>
               <a:ext uri="{FF2B5EF4-FFF2-40B4-BE49-F238E27FC236}">
-                <a16:creationId xmlns:a16="http://schemas.microsoft.com/office/drawing/2014/main" id="{A3021606-0BB1-2C27-95AE-54AEDF74ACB2}"/>
+                <a16:creationId xmlns:a16="http://schemas.microsoft.com/office/drawing/2014/main" id="{3ACF13D0-C7C6-8AEE-EB3A-7100543D80E1}"/>
               </a:ext>
             </a:extLst>
           </p:cNvPr>
@@ -10640,8 +12130,8 @@
         </p:nvCxnSpPr>
         <p:spPr>
           <a:xfrm>
-            <a:off x="3745075" y="2910324"/>
-            <a:ext cx="1089772" cy="0"/>
+            <a:off x="3558574" y="2910324"/>
+            <a:ext cx="1462775" cy="0"/>
           </a:xfrm>
           <a:prstGeom prst="straightConnector1">
             <a:avLst/>
@@ -10650,7 +12140,7 @@
             <a:solidFill>
               <a:schemeClr val="tx1"/>
             </a:solidFill>
-            <a:tailEnd type="triangle"/>
+            <a:tailEnd type="arrow"/>
           </a:ln>
         </p:spPr>
         <p:style>
@@ -10673,7 +12163,7 @@
           <p:cNvPr id="7" name="직사각형 6">
             <a:extLst>
               <a:ext uri="{FF2B5EF4-FFF2-40B4-BE49-F238E27FC236}">
-                <a16:creationId xmlns:a16="http://schemas.microsoft.com/office/drawing/2014/main" id="{7BFF42AB-41F9-CD84-9454-34049A96DF0A}"/>
+                <a16:creationId xmlns:a16="http://schemas.microsoft.com/office/drawing/2014/main" id="{5807D226-7FC1-6750-AB45-D7EDFBE05432}"/>
               </a:ext>
             </a:extLst>
           </p:cNvPr>
@@ -10682,8 +12172,8 @@
         </p:nvSpPr>
         <p:spPr>
           <a:xfrm>
-            <a:off x="4834847" y="2465966"/>
-            <a:ext cx="2522305" cy="888715"/>
+            <a:off x="5021349" y="2465966"/>
+            <a:ext cx="2149302" cy="888715"/>
           </a:xfrm>
           <a:prstGeom prst="rect">
             <a:avLst/>
@@ -10725,7 +12215,7 @@
           <p:cNvPr id="4" name="TextBox 3">
             <a:extLst>
               <a:ext uri="{FF2B5EF4-FFF2-40B4-BE49-F238E27FC236}">
-                <a16:creationId xmlns:a16="http://schemas.microsoft.com/office/drawing/2014/main" id="{59F3940A-8532-133A-A7FA-C13AF2BAA117}"/>
+                <a16:creationId xmlns:a16="http://schemas.microsoft.com/office/drawing/2014/main" id="{7D5D357C-21CC-007B-8024-C47DC5EA253E}"/>
               </a:ext>
             </a:extLst>
           </p:cNvPr>
@@ -10764,7 +12254,7 @@
           <p:cNvPr id="30" name="TextBox 29">
             <a:extLst>
               <a:ext uri="{FF2B5EF4-FFF2-40B4-BE49-F238E27FC236}">
-                <a16:creationId xmlns:a16="http://schemas.microsoft.com/office/drawing/2014/main" id="{1564C5AA-FAB3-7B83-8E50-7A4318E7D6BF}"/>
+                <a16:creationId xmlns:a16="http://schemas.microsoft.com/office/drawing/2014/main" id="{8ED954F7-1214-3972-B395-7C7BE7C5574A}"/>
               </a:ext>
             </a:extLst>
           </p:cNvPr>
@@ -10816,7 +12306,7 @@
           <p:cNvPr id="2" name="TextBox 1">
             <a:extLst>
               <a:ext uri="{FF2B5EF4-FFF2-40B4-BE49-F238E27FC236}">
-                <a16:creationId xmlns:a16="http://schemas.microsoft.com/office/drawing/2014/main" id="{4143864E-8C34-FCDD-7A4B-CCF458EB95A4}"/>
+                <a16:creationId xmlns:a16="http://schemas.microsoft.com/office/drawing/2014/main" id="{0413BC1F-1349-C056-DCF0-A793A6965C4B}"/>
               </a:ext>
             </a:extLst>
           </p:cNvPr>
@@ -10855,7 +12345,7 @@
           <p:cNvPr id="17" name="직사각형 16">
             <a:extLst>
               <a:ext uri="{FF2B5EF4-FFF2-40B4-BE49-F238E27FC236}">
-                <a16:creationId xmlns:a16="http://schemas.microsoft.com/office/drawing/2014/main" id="{B0B49EA9-2CB3-D2E0-64B1-EBC75692152D}"/>
+                <a16:creationId xmlns:a16="http://schemas.microsoft.com/office/drawing/2014/main" id="{C39EF287-030C-ECD8-717A-E6AD36274608}"/>
               </a:ext>
             </a:extLst>
           </p:cNvPr>
@@ -10864,8 +12354,8 @@
         </p:nvSpPr>
         <p:spPr>
           <a:xfrm>
-            <a:off x="8446924" y="2465966"/>
-            <a:ext cx="2522305" cy="888715"/>
+            <a:off x="8633426" y="2465966"/>
+            <a:ext cx="2149302" cy="888715"/>
           </a:xfrm>
           <a:prstGeom prst="rect">
             <a:avLst/>
@@ -10907,7 +12397,7 @@
           <p:cNvPr id="18" name="TextBox 17">
             <a:extLst>
               <a:ext uri="{FF2B5EF4-FFF2-40B4-BE49-F238E27FC236}">
-                <a16:creationId xmlns:a16="http://schemas.microsoft.com/office/drawing/2014/main" id="{B66D78B4-2038-771B-9793-925A6F0B462C}"/>
+                <a16:creationId xmlns:a16="http://schemas.microsoft.com/office/drawing/2014/main" id="{127C79AD-FE5D-3748-0156-4FCA6F81FC4D}"/>
               </a:ext>
             </a:extLst>
           </p:cNvPr>
@@ -10946,7 +12436,7 @@
           <p:cNvPr id="3" name="TextBox 2">
             <a:extLst>
               <a:ext uri="{FF2B5EF4-FFF2-40B4-BE49-F238E27FC236}">
-                <a16:creationId xmlns:a16="http://schemas.microsoft.com/office/drawing/2014/main" id="{321C0B5A-5B33-B72A-C66A-C1314843B031}"/>
+                <a16:creationId xmlns:a16="http://schemas.microsoft.com/office/drawing/2014/main" id="{8A7C7473-EB5F-56CE-E280-53F5D0C25B88}"/>
               </a:ext>
             </a:extLst>
           </p:cNvPr>
@@ -10985,7 +12475,7 @@
           <p:cNvPr id="10" name="직사각형 9">
             <a:extLst>
               <a:ext uri="{FF2B5EF4-FFF2-40B4-BE49-F238E27FC236}">
-                <a16:creationId xmlns:a16="http://schemas.microsoft.com/office/drawing/2014/main" id="{2CDA102E-21C5-3418-45CF-C9EA7F52F8A7}"/>
+                <a16:creationId xmlns:a16="http://schemas.microsoft.com/office/drawing/2014/main" id="{F728DCE2-908A-8430-A5D2-304A3952DDBB}"/>
               </a:ext>
             </a:extLst>
           </p:cNvPr>
@@ -10994,8 +12484,8 @@
         </p:nvSpPr>
         <p:spPr>
           <a:xfrm>
-            <a:off x="8446923" y="3930583"/>
-            <a:ext cx="2522305" cy="888715"/>
+            <a:off x="8633425" y="3930583"/>
+            <a:ext cx="2149302" cy="888715"/>
           </a:xfrm>
           <a:prstGeom prst="rect">
             <a:avLst/>
@@ -11038,7 +12528,7 @@
           <p:cNvPr id="11" name="TextBox 10">
             <a:extLst>
               <a:ext uri="{FF2B5EF4-FFF2-40B4-BE49-F238E27FC236}">
-                <a16:creationId xmlns:a16="http://schemas.microsoft.com/office/drawing/2014/main" id="{F40BA451-C167-FBC2-9218-2C2DEBCA28FC}"/>
+                <a16:creationId xmlns:a16="http://schemas.microsoft.com/office/drawing/2014/main" id="{A4E57BB9-E5FF-7283-1883-1B2B44562CE4}"/>
               </a:ext>
             </a:extLst>
           </p:cNvPr>
@@ -11077,7 +12567,7 @@
           <p:cNvPr id="13" name="TextBox 12">
             <a:extLst>
               <a:ext uri="{FF2B5EF4-FFF2-40B4-BE49-F238E27FC236}">
-                <a16:creationId xmlns:a16="http://schemas.microsoft.com/office/drawing/2014/main" id="{308D3541-4D14-E045-9FAE-C354F133E967}"/>
+                <a16:creationId xmlns:a16="http://schemas.microsoft.com/office/drawing/2014/main" id="{16D366BB-4809-C3F0-013F-8285845B1575}"/>
               </a:ext>
             </a:extLst>
           </p:cNvPr>
@@ -11116,7 +12606,7 @@
           <p:cNvPr id="20" name="연결선: 꺾임 19">
             <a:extLst>
               <a:ext uri="{FF2B5EF4-FFF2-40B4-BE49-F238E27FC236}">
-                <a16:creationId xmlns:a16="http://schemas.microsoft.com/office/drawing/2014/main" id="{61E99608-7605-6F0F-C21A-CF7E6C8F1D29}"/>
+                <a16:creationId xmlns:a16="http://schemas.microsoft.com/office/drawing/2014/main" id="{7E673CA2-5D7E-EE42-4229-CA8A78CE5D9D}"/>
               </a:ext>
             </a:extLst>
           </p:cNvPr>
@@ -11129,8 +12619,8 @@
         </p:nvCxnSpPr>
         <p:spPr>
           <a:xfrm>
-            <a:off x="7354829" y="3092328"/>
-            <a:ext cx="1092094" cy="1282613"/>
+            <a:off x="7170651" y="3192865"/>
+            <a:ext cx="1462774" cy="1182076"/>
           </a:xfrm>
           <a:prstGeom prst="bentConnector3">
             <a:avLst>
@@ -11141,8 +12631,8 @@
             <a:solidFill>
               <a:schemeClr val="tx1"/>
             </a:solidFill>
-            <a:prstDash val="sysDash"/>
-            <a:tailEnd type="triangle"/>
+            <a:prstDash val="solid"/>
+            <a:tailEnd type="arrow"/>
           </a:ln>
         </p:spPr>
         <p:style>
@@ -11165,7 +12655,7 @@
           <p:cNvPr id="35" name="TextBox 34">
             <a:extLst>
               <a:ext uri="{FF2B5EF4-FFF2-40B4-BE49-F238E27FC236}">
-                <a16:creationId xmlns:a16="http://schemas.microsoft.com/office/drawing/2014/main" id="{A26C683E-A73D-510B-884A-5C0E93A982A9}"/>
+                <a16:creationId xmlns:a16="http://schemas.microsoft.com/office/drawing/2014/main" id="{BD92E4A6-BAE3-4E59-F7B8-9DBD509BA69E}"/>
               </a:ext>
             </a:extLst>
           </p:cNvPr>
@@ -11200,7 +12690,7 @@
           <p:cNvPr id="38" name="TextBox 37">
             <a:extLst>
               <a:ext uri="{FF2B5EF4-FFF2-40B4-BE49-F238E27FC236}">
-                <a16:creationId xmlns:a16="http://schemas.microsoft.com/office/drawing/2014/main" id="{398F4B3D-E4D5-DDE4-CADF-BA589F99876D}"/>
+                <a16:creationId xmlns:a16="http://schemas.microsoft.com/office/drawing/2014/main" id="{A93D7A25-44A6-FBA1-F662-2588A33803F1}"/>
               </a:ext>
             </a:extLst>
           </p:cNvPr>
@@ -11235,7 +12725,7 @@
           <p:cNvPr id="42" name="직선 화살표 연결선 41">
             <a:extLst>
               <a:ext uri="{FF2B5EF4-FFF2-40B4-BE49-F238E27FC236}">
-                <a16:creationId xmlns:a16="http://schemas.microsoft.com/office/drawing/2014/main" id="{E69103D2-3A69-4016-26B9-E3748C65EF6C}"/>
+                <a16:creationId xmlns:a16="http://schemas.microsoft.com/office/drawing/2014/main" id="{79E91038-FCB7-319E-CD5B-EB9D3068A8DA}"/>
               </a:ext>
             </a:extLst>
           </p:cNvPr>
@@ -11248,8 +12738,8 @@
         </p:nvCxnSpPr>
         <p:spPr>
           <a:xfrm>
-            <a:off x="7357152" y="2910324"/>
-            <a:ext cx="1089772" cy="0"/>
+            <a:off x="7170651" y="2910324"/>
+            <a:ext cx="1462775" cy="0"/>
           </a:xfrm>
           <a:prstGeom prst="straightConnector1">
             <a:avLst/>
@@ -11258,7 +12748,7 @@
             <a:solidFill>
               <a:schemeClr val="tx1"/>
             </a:solidFill>
-            <a:tailEnd type="triangle"/>
+            <a:tailEnd type="arrow"/>
           </a:ln>
         </p:spPr>
         <p:style>
@@ -11281,7 +12771,7 @@
           <p:cNvPr id="45" name="직사각형 44">
             <a:extLst>
               <a:ext uri="{FF2B5EF4-FFF2-40B4-BE49-F238E27FC236}">
-                <a16:creationId xmlns:a16="http://schemas.microsoft.com/office/drawing/2014/main" id="{890FC1D2-A4A3-D9AD-6614-015331E324D1}"/>
+                <a16:creationId xmlns:a16="http://schemas.microsoft.com/office/drawing/2014/main" id="{7F2FD335-23C0-6266-E99C-FE516D56F60F}"/>
               </a:ext>
             </a:extLst>
           </p:cNvPr>
@@ -11290,7 +12780,7 @@
         </p:nvSpPr>
         <p:spPr>
           <a:xfrm>
-            <a:off x="6922497" y="2930511"/>
+            <a:off x="6738319" y="3031048"/>
             <a:ext cx="432332" cy="323633"/>
           </a:xfrm>
           <a:prstGeom prst="rect">
@@ -11331,7 +12821,7 @@
           <p:cNvPr id="49" name="TextBox 48">
             <a:extLst>
               <a:ext uri="{FF2B5EF4-FFF2-40B4-BE49-F238E27FC236}">
-                <a16:creationId xmlns:a16="http://schemas.microsoft.com/office/drawing/2014/main" id="{207E8FBE-1144-1EE7-1F2F-447D5481C228}"/>
+                <a16:creationId xmlns:a16="http://schemas.microsoft.com/office/drawing/2014/main" id="{FABF2326-95AC-1E81-51AC-1E435575F0B4}"/>
               </a:ext>
             </a:extLst>
           </p:cNvPr>
@@ -11364,7 +12854,7 @@
     </p:spTree>
     <p:extLst>
       <p:ext uri="{BB962C8B-B14F-4D97-AF65-F5344CB8AC3E}">
-        <p14:creationId xmlns:p14="http://schemas.microsoft.com/office/powerpoint/2010/main" val="516561380"/>
+        <p14:creationId xmlns:p14="http://schemas.microsoft.com/office/powerpoint/2010/main" val="1941145882"/>
       </p:ext>
     </p:extLst>
   </p:cSld>
@@ -11375,6 +12865,2198 @@
 </file>
 
 <file path=ppt/slides/slide6.xml><?xml version="1.0" encoding="utf-8"?>
+<p:sld xmlns:a="http://schemas.openxmlformats.org/drawingml/2006/main" xmlns:r="http://schemas.openxmlformats.org/officeDocument/2006/relationships" xmlns:p="http://schemas.openxmlformats.org/presentationml/2006/main">
+  <p:cSld>
+    <p:spTree>
+      <p:nvGrpSpPr>
+        <p:cNvPr id="1" name="">
+          <a:extLst>
+            <a:ext uri="{FF2B5EF4-FFF2-40B4-BE49-F238E27FC236}">
+              <a16:creationId xmlns:a16="http://schemas.microsoft.com/office/drawing/2014/main" id="{7F4BC28F-4EBD-C0F6-54C9-15B1EE8FA23B}"/>
+            </a:ext>
+          </a:extLst>
+        </p:cNvPr>
+        <p:cNvGrpSpPr/>
+        <p:nvPr/>
+      </p:nvGrpSpPr>
+      <p:grpSpPr>
+        <a:xfrm>
+          <a:off x="0" y="0"/>
+          <a:ext cx="0" cy="0"/>
+          <a:chOff x="0" y="0"/>
+          <a:chExt cx="0" cy="0"/>
+        </a:xfrm>
+      </p:grpSpPr>
+      <p:sp>
+        <p:nvSpPr>
+          <p:cNvPr id="67" name="화살표: 왼쪽/오른쪽 66">
+            <a:extLst>
+              <a:ext uri="{FF2B5EF4-FFF2-40B4-BE49-F238E27FC236}">
+                <a16:creationId xmlns:a16="http://schemas.microsoft.com/office/drawing/2014/main" id="{DC34EC28-F6D1-7CF5-C6ED-3C3EA7F4C2DC}"/>
+              </a:ext>
+            </a:extLst>
+          </p:cNvPr>
+          <p:cNvSpPr/>
+          <p:nvPr/>
+        </p:nvSpPr>
+        <p:spPr>
+          <a:xfrm>
+            <a:off x="4197872" y="1273990"/>
+            <a:ext cx="3747181" cy="698643"/>
+          </a:xfrm>
+          <a:prstGeom prst="leftRightArrow">
+            <a:avLst>
+              <a:gd name="adj1" fmla="val 82353"/>
+              <a:gd name="adj2" fmla="val 46324"/>
+            </a:avLst>
+          </a:prstGeom>
+          <a:solidFill>
+            <a:schemeClr val="accent1">
+              <a:lumMod val="20000"/>
+              <a:lumOff val="80000"/>
+            </a:schemeClr>
+          </a:solidFill>
+          <a:ln>
+            <a:solidFill>
+              <a:schemeClr val="accent1">
+                <a:lumMod val="20000"/>
+                <a:lumOff val="80000"/>
+              </a:schemeClr>
+            </a:solidFill>
+          </a:ln>
+        </p:spPr>
+        <p:style>
+          <a:lnRef idx="2">
+            <a:schemeClr val="accent1">
+              <a:shade val="15000"/>
+            </a:schemeClr>
+          </a:lnRef>
+          <a:fillRef idx="1">
+            <a:schemeClr val="accent1"/>
+          </a:fillRef>
+          <a:effectRef idx="0">
+            <a:schemeClr val="accent1"/>
+          </a:effectRef>
+          <a:fontRef idx="minor">
+            <a:schemeClr val="lt1"/>
+          </a:fontRef>
+        </p:style>
+        <p:txBody>
+          <a:bodyPr rtlCol="0" anchor="ctr"/>
+          <a:lstStyle/>
+          <a:p>
+            <a:pPr algn="ctr"/>
+            <a:endParaRPr lang="en-GB"/>
+          </a:p>
+        </p:txBody>
+      </p:sp>
+      <p:sp>
+        <p:nvSpPr>
+          <p:cNvPr id="34" name="직사각형 33">
+            <a:extLst>
+              <a:ext uri="{FF2B5EF4-FFF2-40B4-BE49-F238E27FC236}">
+                <a16:creationId xmlns:a16="http://schemas.microsoft.com/office/drawing/2014/main" id="{106C1546-9D7D-8347-EEC9-C8E6CE8AF4CE}"/>
+              </a:ext>
+            </a:extLst>
+          </p:cNvPr>
+          <p:cNvSpPr/>
+          <p:nvPr/>
+        </p:nvSpPr>
+        <p:spPr>
+          <a:xfrm>
+            <a:off x="5021348" y="5152787"/>
+            <a:ext cx="2149304" cy="888715"/>
+          </a:xfrm>
+          <a:prstGeom prst="rect">
+            <a:avLst/>
+          </a:prstGeom>
+          <a:noFill/>
+          <a:ln>
+            <a:solidFill>
+              <a:srgbClr val="0070C0"/>
+            </a:solidFill>
+          </a:ln>
+        </p:spPr>
+        <p:style>
+          <a:lnRef idx="2">
+            <a:schemeClr val="accent1">
+              <a:shade val="15000"/>
+            </a:schemeClr>
+          </a:lnRef>
+          <a:fillRef idx="1">
+            <a:schemeClr val="accent1"/>
+          </a:fillRef>
+          <a:effectRef idx="0">
+            <a:schemeClr val="accent1"/>
+          </a:effectRef>
+          <a:fontRef idx="minor">
+            <a:schemeClr val="lt1"/>
+          </a:fontRef>
+        </p:style>
+        <p:txBody>
+          <a:bodyPr rtlCol="0" anchor="ctr"/>
+          <a:lstStyle/>
+          <a:p>
+            <a:pPr algn="ctr"/>
+            <a:endParaRPr lang="en-GB"/>
+          </a:p>
+        </p:txBody>
+      </p:sp>
+      <p:sp>
+        <p:nvSpPr>
+          <p:cNvPr id="36" name="TextBox 35">
+            <a:extLst>
+              <a:ext uri="{FF2B5EF4-FFF2-40B4-BE49-F238E27FC236}">
+                <a16:creationId xmlns:a16="http://schemas.microsoft.com/office/drawing/2014/main" id="{67BAA972-6A5F-5F5C-D8DE-47B85FB29A4B}"/>
+              </a:ext>
+            </a:extLst>
+          </p:cNvPr>
+          <p:cNvSpPr txBox="1"/>
+          <p:nvPr/>
+        </p:nvSpPr>
+        <p:spPr>
+          <a:xfrm>
+            <a:off x="5346595" y="5269007"/>
+            <a:ext cx="1498808" cy="369332"/>
+          </a:xfrm>
+          <a:prstGeom prst="rect">
+            <a:avLst/>
+          </a:prstGeom>
+          <a:noFill/>
+        </p:spPr>
+        <p:txBody>
+          <a:bodyPr wrap="none" rtlCol="0">
+            <a:spAutoFit/>
+          </a:bodyPr>
+          <a:lstStyle/>
+          <a:p>
+            <a:r>
+              <a:rPr lang="en-GB" b="1">
+                <a:solidFill>
+                  <a:srgbClr val="0070C0"/>
+                </a:solidFill>
+              </a:rPr>
+              <a:t>Domain Layer</a:t>
+            </a:r>
+          </a:p>
+        </p:txBody>
+      </p:sp>
+      <p:sp>
+        <p:nvSpPr>
+          <p:cNvPr id="37" name="TextBox 36">
+            <a:extLst>
+              <a:ext uri="{FF2B5EF4-FFF2-40B4-BE49-F238E27FC236}">
+                <a16:creationId xmlns:a16="http://schemas.microsoft.com/office/drawing/2014/main" id="{475B4BDB-070F-A0A7-188A-8E56880E059B}"/>
+              </a:ext>
+            </a:extLst>
+          </p:cNvPr>
+          <p:cNvSpPr txBox="1"/>
+          <p:nvPr/>
+        </p:nvSpPr>
+        <p:spPr>
+          <a:xfrm>
+            <a:off x="5671043" y="5617505"/>
+            <a:ext cx="849913" cy="307777"/>
+          </a:xfrm>
+          <a:prstGeom prst="rect">
+            <a:avLst/>
+          </a:prstGeom>
+          <a:noFill/>
+        </p:spPr>
+        <p:txBody>
+          <a:bodyPr wrap="none" rtlCol="0">
+            <a:spAutoFit/>
+          </a:bodyPr>
+          <a:lstStyle/>
+          <a:p>
+            <a:r>
+              <a:rPr lang="en-GB" sz="1400" b="1">
+                <a:solidFill>
+                  <a:srgbClr val="0070C0"/>
+                </a:solidFill>
+              </a:rPr>
+              <a:t>Biz. </a:t>
+            </a:r>
+            <a:r>
+              <a:rPr lang="ko-KR" altLang="en-US" sz="1400" b="1">
+                <a:solidFill>
+                  <a:srgbClr val="0070C0"/>
+                </a:solidFill>
+              </a:rPr>
+              <a:t>단위</a:t>
+            </a:r>
+            <a:endParaRPr lang="en-GB" sz="1400" b="1">
+              <a:solidFill>
+                <a:srgbClr val="0070C0"/>
+              </a:solidFill>
+            </a:endParaRPr>
+          </a:p>
+        </p:txBody>
+      </p:sp>
+      <p:sp>
+        <p:nvSpPr>
+          <p:cNvPr id="6" name="TextBox 5">
+            <a:extLst>
+              <a:ext uri="{FF2B5EF4-FFF2-40B4-BE49-F238E27FC236}">
+                <a16:creationId xmlns:a16="http://schemas.microsoft.com/office/drawing/2014/main" id="{F5014FCE-E6A4-7190-BFF3-8E187F3D506B}"/>
+              </a:ext>
+            </a:extLst>
+          </p:cNvPr>
+          <p:cNvSpPr txBox="1"/>
+          <p:nvPr/>
+        </p:nvSpPr>
+        <p:spPr>
+          <a:xfrm>
+            <a:off x="5734364" y="1324267"/>
+            <a:ext cx="723275" cy="584775"/>
+          </a:xfrm>
+          <a:prstGeom prst="rect">
+            <a:avLst/>
+          </a:prstGeom>
+          <a:noFill/>
+        </p:spPr>
+        <p:txBody>
+          <a:bodyPr wrap="none" rtlCol="0">
+            <a:spAutoFit/>
+          </a:bodyPr>
+          <a:lstStyle/>
+          <a:p>
+            <a:pPr algn="ctr"/>
+            <a:r>
+              <a:rPr lang="en-GB" b="1">
+                <a:solidFill>
+                  <a:srgbClr val="0070C0"/>
+                </a:solidFill>
+              </a:rPr>
+              <a:t>Biz.</a:t>
+            </a:r>
+          </a:p>
+          <a:p>
+            <a:pPr algn="ctr"/>
+            <a:r>
+              <a:rPr lang="ko-KR" altLang="en-US" sz="1400" b="1">
+                <a:solidFill>
+                  <a:srgbClr val="0070C0"/>
+                </a:solidFill>
+              </a:rPr>
+              <a:t>관심사</a:t>
+            </a:r>
+            <a:endParaRPr lang="en-GB" sz="1400" b="1">
+              <a:solidFill>
+                <a:srgbClr val="0070C0"/>
+              </a:solidFill>
+            </a:endParaRPr>
+          </a:p>
+        </p:txBody>
+      </p:sp>
+      <p:cxnSp>
+        <p:nvCxnSpPr>
+          <p:cNvPr id="12" name="직선 화살표 연결선 11">
+            <a:extLst>
+              <a:ext uri="{FF2B5EF4-FFF2-40B4-BE49-F238E27FC236}">
+                <a16:creationId xmlns:a16="http://schemas.microsoft.com/office/drawing/2014/main" id="{2D40C961-B17B-CDA0-7514-B23B082789C0}"/>
+              </a:ext>
+            </a:extLst>
+          </p:cNvPr>
+          <p:cNvCxnSpPr>
+            <a:cxnSpLocks/>
+          </p:cNvCxnSpPr>
+          <p:nvPr/>
+        </p:nvCxnSpPr>
+        <p:spPr>
+          <a:xfrm>
+            <a:off x="6095999" y="3354681"/>
+            <a:ext cx="0" cy="1798106"/>
+          </a:xfrm>
+          <a:prstGeom prst="straightConnector1">
+            <a:avLst/>
+          </a:prstGeom>
+          <a:ln w="28575">
+            <a:solidFill>
+              <a:schemeClr val="tx1"/>
+            </a:solidFill>
+            <a:tailEnd type="arrow"/>
+          </a:ln>
+        </p:spPr>
+        <p:style>
+          <a:lnRef idx="1">
+            <a:schemeClr val="accent1"/>
+          </a:lnRef>
+          <a:fillRef idx="0">
+            <a:schemeClr val="accent1"/>
+          </a:fillRef>
+          <a:effectRef idx="0">
+            <a:schemeClr val="accent1"/>
+          </a:effectRef>
+          <a:fontRef idx="minor">
+            <a:schemeClr val="tx1"/>
+          </a:fontRef>
+        </p:style>
+      </p:cxnSp>
+      <p:sp>
+        <p:nvSpPr>
+          <p:cNvPr id="25" name="TextBox 24">
+            <a:extLst>
+              <a:ext uri="{FF2B5EF4-FFF2-40B4-BE49-F238E27FC236}">
+                <a16:creationId xmlns:a16="http://schemas.microsoft.com/office/drawing/2014/main" id="{EF813E16-8F3C-DBC7-4C5F-AF3FD2A4C6FB}"/>
+              </a:ext>
+            </a:extLst>
+          </p:cNvPr>
+          <p:cNvSpPr txBox="1"/>
+          <p:nvPr/>
+        </p:nvSpPr>
+        <p:spPr>
+          <a:xfrm>
+            <a:off x="2122284" y="1324267"/>
+            <a:ext cx="723276" cy="584775"/>
+          </a:xfrm>
+          <a:prstGeom prst="rect">
+            <a:avLst/>
+          </a:prstGeom>
+          <a:noFill/>
+        </p:spPr>
+        <p:txBody>
+          <a:bodyPr wrap="none" rtlCol="0">
+            <a:spAutoFit/>
+          </a:bodyPr>
+          <a:lstStyle/>
+          <a:p>
+            <a:pPr algn="ctr"/>
+            <a:r>
+              <a:rPr lang="en-GB" b="1">
+                <a:solidFill>
+                  <a:srgbClr val="C00000"/>
+                </a:solidFill>
+              </a:rPr>
+              <a:t>Tech.</a:t>
+            </a:r>
+          </a:p>
+          <a:p>
+            <a:pPr algn="ctr"/>
+            <a:r>
+              <a:rPr lang="ko-KR" altLang="en-US" sz="1400" b="1">
+                <a:solidFill>
+                  <a:srgbClr val="C00000"/>
+                </a:solidFill>
+              </a:rPr>
+              <a:t>관심사</a:t>
+            </a:r>
+            <a:endParaRPr lang="en-GB" sz="1400" b="1">
+              <a:solidFill>
+                <a:srgbClr val="C00000"/>
+              </a:solidFill>
+            </a:endParaRPr>
+          </a:p>
+        </p:txBody>
+      </p:sp>
+      <p:sp>
+        <p:nvSpPr>
+          <p:cNvPr id="26" name="TextBox 25">
+            <a:extLst>
+              <a:ext uri="{FF2B5EF4-FFF2-40B4-BE49-F238E27FC236}">
+                <a16:creationId xmlns:a16="http://schemas.microsoft.com/office/drawing/2014/main" id="{9B39D156-3094-343B-6C5B-D065B0644217}"/>
+              </a:ext>
+            </a:extLst>
+          </p:cNvPr>
+          <p:cNvSpPr txBox="1"/>
+          <p:nvPr/>
+        </p:nvSpPr>
+        <p:spPr>
+          <a:xfrm>
+            <a:off x="9346438" y="1324267"/>
+            <a:ext cx="723276" cy="584775"/>
+          </a:xfrm>
+          <a:prstGeom prst="rect">
+            <a:avLst/>
+          </a:prstGeom>
+          <a:noFill/>
+        </p:spPr>
+        <p:txBody>
+          <a:bodyPr wrap="none" rtlCol="0">
+            <a:spAutoFit/>
+          </a:bodyPr>
+          <a:lstStyle/>
+          <a:p>
+            <a:pPr algn="ctr"/>
+            <a:r>
+              <a:rPr lang="en-GB" b="1">
+                <a:solidFill>
+                  <a:srgbClr val="C00000"/>
+                </a:solidFill>
+              </a:rPr>
+              <a:t>Tech.</a:t>
+            </a:r>
+          </a:p>
+          <a:p>
+            <a:pPr algn="ctr"/>
+            <a:r>
+              <a:rPr lang="ko-KR" altLang="en-US" sz="1400" b="1">
+                <a:solidFill>
+                  <a:srgbClr val="C00000"/>
+                </a:solidFill>
+              </a:rPr>
+              <a:t>관심사</a:t>
+            </a:r>
+            <a:endParaRPr lang="en-GB" sz="1400" b="1">
+              <a:solidFill>
+                <a:srgbClr val="C00000"/>
+              </a:solidFill>
+            </a:endParaRPr>
+          </a:p>
+        </p:txBody>
+      </p:sp>
+      <p:sp>
+        <p:nvSpPr>
+          <p:cNvPr id="27" name="TextBox 26">
+            <a:extLst>
+              <a:ext uri="{FF2B5EF4-FFF2-40B4-BE49-F238E27FC236}">
+                <a16:creationId xmlns:a16="http://schemas.microsoft.com/office/drawing/2014/main" id="{A60AC123-CC2E-9D5E-B26E-BDD747C8A036}"/>
+              </a:ext>
+            </a:extLst>
+          </p:cNvPr>
+          <p:cNvSpPr txBox="1"/>
+          <p:nvPr/>
+        </p:nvSpPr>
+        <p:spPr>
+          <a:xfrm>
+            <a:off x="2082209" y="772826"/>
+            <a:ext cx="800219" cy="461665"/>
+          </a:xfrm>
+          <a:prstGeom prst="rect">
+            <a:avLst/>
+          </a:prstGeom>
+          <a:noFill/>
+        </p:spPr>
+        <p:txBody>
+          <a:bodyPr wrap="none" rtlCol="0">
+            <a:spAutoFit/>
+          </a:bodyPr>
+          <a:lstStyle/>
+          <a:p>
+            <a:r>
+              <a:rPr lang="ko-KR" altLang="en-US" sz="2400" b="1">
+                <a:solidFill>
+                  <a:srgbClr val="C00000"/>
+                </a:solidFill>
+              </a:rPr>
+              <a:t>입력</a:t>
+            </a:r>
+            <a:endParaRPr lang="en-GB" sz="2400" b="1">
+              <a:solidFill>
+                <a:srgbClr val="C00000"/>
+              </a:solidFill>
+            </a:endParaRPr>
+          </a:p>
+        </p:txBody>
+      </p:sp>
+      <p:sp>
+        <p:nvSpPr>
+          <p:cNvPr id="28" name="TextBox 27">
+            <a:extLst>
+              <a:ext uri="{FF2B5EF4-FFF2-40B4-BE49-F238E27FC236}">
+                <a16:creationId xmlns:a16="http://schemas.microsoft.com/office/drawing/2014/main" id="{F0308127-2CDC-91A2-E16C-77B5CF2F7C50}"/>
+              </a:ext>
+            </a:extLst>
+          </p:cNvPr>
+          <p:cNvSpPr txBox="1"/>
+          <p:nvPr/>
+        </p:nvSpPr>
+        <p:spPr>
+          <a:xfrm>
+            <a:off x="9309569" y="772826"/>
+            <a:ext cx="800219" cy="461665"/>
+          </a:xfrm>
+          <a:prstGeom prst="rect">
+            <a:avLst/>
+          </a:prstGeom>
+          <a:noFill/>
+        </p:spPr>
+        <p:txBody>
+          <a:bodyPr wrap="none" rtlCol="0">
+            <a:spAutoFit/>
+          </a:bodyPr>
+          <a:lstStyle/>
+          <a:p>
+            <a:r>
+              <a:rPr lang="ko-KR" altLang="en-US" sz="2400" b="1">
+                <a:solidFill>
+                  <a:srgbClr val="C00000"/>
+                </a:solidFill>
+              </a:rPr>
+              <a:t>출력</a:t>
+            </a:r>
+            <a:endParaRPr lang="en-GB" sz="2400" b="1">
+              <a:solidFill>
+                <a:srgbClr val="C00000"/>
+              </a:solidFill>
+            </a:endParaRPr>
+          </a:p>
+        </p:txBody>
+      </p:sp>
+      <p:sp>
+        <p:nvSpPr>
+          <p:cNvPr id="29" name="TextBox 28">
+            <a:extLst>
+              <a:ext uri="{FF2B5EF4-FFF2-40B4-BE49-F238E27FC236}">
+                <a16:creationId xmlns:a16="http://schemas.microsoft.com/office/drawing/2014/main" id="{D5C9A04A-019A-506F-BD20-885B8D90FE68}"/>
+              </a:ext>
+            </a:extLst>
+          </p:cNvPr>
+          <p:cNvSpPr txBox="1"/>
+          <p:nvPr/>
+        </p:nvSpPr>
+        <p:spPr>
+          <a:xfrm>
+            <a:off x="5694288" y="772826"/>
+            <a:ext cx="800219" cy="461665"/>
+          </a:xfrm>
+          <a:prstGeom prst="rect">
+            <a:avLst/>
+          </a:prstGeom>
+          <a:noFill/>
+        </p:spPr>
+        <p:txBody>
+          <a:bodyPr wrap="none" rtlCol="0">
+            <a:spAutoFit/>
+          </a:bodyPr>
+          <a:lstStyle/>
+          <a:p>
+            <a:r>
+              <a:rPr lang="ko-KR" altLang="en-US" sz="2400" b="1">
+                <a:solidFill>
+                  <a:srgbClr val="0070C0"/>
+                </a:solidFill>
+              </a:rPr>
+              <a:t>연산</a:t>
+            </a:r>
+            <a:endParaRPr lang="en-GB" sz="2400" b="1">
+              <a:solidFill>
+                <a:srgbClr val="0070C0"/>
+              </a:solidFill>
+            </a:endParaRPr>
+          </a:p>
+        </p:txBody>
+      </p:sp>
+      <p:sp>
+        <p:nvSpPr>
+          <p:cNvPr id="41" name="직사각형 40">
+            <a:extLst>
+              <a:ext uri="{FF2B5EF4-FFF2-40B4-BE49-F238E27FC236}">
+                <a16:creationId xmlns:a16="http://schemas.microsoft.com/office/drawing/2014/main" id="{FBD7EF3F-438D-B70E-3CEE-90AC92673145}"/>
+              </a:ext>
+            </a:extLst>
+          </p:cNvPr>
+          <p:cNvSpPr/>
+          <p:nvPr/>
+        </p:nvSpPr>
+        <p:spPr>
+          <a:xfrm>
+            <a:off x="679807" y="509856"/>
+            <a:ext cx="10832386" cy="5838289"/>
+          </a:xfrm>
+          <a:prstGeom prst="rect">
+            <a:avLst/>
+          </a:prstGeom>
+          <a:noFill/>
+          <a:ln w="19050">
+            <a:solidFill>
+              <a:schemeClr val="tx1"/>
+            </a:solidFill>
+          </a:ln>
+        </p:spPr>
+        <p:style>
+          <a:lnRef idx="2">
+            <a:schemeClr val="accent1">
+              <a:shade val="15000"/>
+            </a:schemeClr>
+          </a:lnRef>
+          <a:fillRef idx="1">
+            <a:schemeClr val="accent1"/>
+          </a:fillRef>
+          <a:effectRef idx="0">
+            <a:schemeClr val="accent1"/>
+          </a:effectRef>
+          <a:fontRef idx="minor">
+            <a:schemeClr val="lt1"/>
+          </a:fontRef>
+        </p:style>
+        <p:txBody>
+          <a:bodyPr rtlCol="0" anchor="ctr"/>
+          <a:lstStyle/>
+          <a:p>
+            <a:pPr algn="ctr"/>
+            <a:endParaRPr lang="en-GB"/>
+          </a:p>
+        </p:txBody>
+      </p:sp>
+      <p:sp>
+        <p:nvSpPr>
+          <p:cNvPr id="14" name="직사각형 13">
+            <a:extLst>
+              <a:ext uri="{FF2B5EF4-FFF2-40B4-BE49-F238E27FC236}">
+                <a16:creationId xmlns:a16="http://schemas.microsoft.com/office/drawing/2014/main" id="{6E65AA8B-ACF2-E642-553E-3BCD2B2F31DC}"/>
+              </a:ext>
+            </a:extLst>
+          </p:cNvPr>
+          <p:cNvSpPr/>
+          <p:nvPr/>
+        </p:nvSpPr>
+        <p:spPr>
+          <a:xfrm>
+            <a:off x="1409271" y="2465966"/>
+            <a:ext cx="2149304" cy="888715"/>
+          </a:xfrm>
+          <a:prstGeom prst="rect">
+            <a:avLst/>
+          </a:prstGeom>
+          <a:noFill/>
+          <a:ln>
+            <a:solidFill>
+              <a:srgbClr val="C00000"/>
+            </a:solidFill>
+          </a:ln>
+        </p:spPr>
+        <p:style>
+          <a:lnRef idx="2">
+            <a:schemeClr val="accent1">
+              <a:shade val="15000"/>
+            </a:schemeClr>
+          </a:lnRef>
+          <a:fillRef idx="1">
+            <a:schemeClr val="accent1"/>
+          </a:fillRef>
+          <a:effectRef idx="0">
+            <a:schemeClr val="accent1"/>
+          </a:effectRef>
+          <a:fontRef idx="minor">
+            <a:schemeClr val="lt1"/>
+          </a:fontRef>
+        </p:style>
+        <p:txBody>
+          <a:bodyPr rtlCol="0" anchor="ctr"/>
+          <a:lstStyle/>
+          <a:p>
+            <a:pPr algn="ctr"/>
+            <a:endParaRPr lang="en-GB"/>
+          </a:p>
+        </p:txBody>
+      </p:sp>
+      <p:sp>
+        <p:nvSpPr>
+          <p:cNvPr id="15" name="TextBox 14">
+            <a:extLst>
+              <a:ext uri="{FF2B5EF4-FFF2-40B4-BE49-F238E27FC236}">
+                <a16:creationId xmlns:a16="http://schemas.microsoft.com/office/drawing/2014/main" id="{F59736F8-95E2-FB74-1BAF-4EC97338F5E6}"/>
+              </a:ext>
+            </a:extLst>
+          </p:cNvPr>
+          <p:cNvSpPr txBox="1"/>
+          <p:nvPr/>
+        </p:nvSpPr>
+        <p:spPr>
+          <a:xfrm>
+            <a:off x="1722752" y="2582186"/>
+            <a:ext cx="1522340" cy="369332"/>
+          </a:xfrm>
+          <a:prstGeom prst="rect">
+            <a:avLst/>
+          </a:prstGeom>
+          <a:noFill/>
+        </p:spPr>
+        <p:txBody>
+          <a:bodyPr wrap="none" rtlCol="0">
+            <a:spAutoFit/>
+          </a:bodyPr>
+          <a:lstStyle/>
+          <a:p>
+            <a:r>
+              <a:rPr lang="en-GB" b="1">
+                <a:solidFill>
+                  <a:srgbClr val="C00000"/>
+                </a:solidFill>
+              </a:rPr>
+              <a:t>Adapter Layer</a:t>
+            </a:r>
+          </a:p>
+        </p:txBody>
+      </p:sp>
+      <p:cxnSp>
+        <p:nvCxnSpPr>
+          <p:cNvPr id="19" name="직선 화살표 연결선 18">
+            <a:extLst>
+              <a:ext uri="{FF2B5EF4-FFF2-40B4-BE49-F238E27FC236}">
+                <a16:creationId xmlns:a16="http://schemas.microsoft.com/office/drawing/2014/main" id="{63B821E0-EBF0-3955-A273-4DCB9544E394}"/>
+              </a:ext>
+            </a:extLst>
+          </p:cNvPr>
+          <p:cNvCxnSpPr>
+            <a:cxnSpLocks/>
+            <a:stCxn id="14" idx="3"/>
+            <a:endCxn id="5" idx="2"/>
+          </p:cNvCxnSpPr>
+          <p:nvPr/>
+        </p:nvCxnSpPr>
+        <p:spPr>
+          <a:xfrm flipV="1">
+            <a:off x="3558575" y="2910323"/>
+            <a:ext cx="641387" cy="1"/>
+          </a:xfrm>
+          <a:prstGeom prst="straightConnector1">
+            <a:avLst/>
+          </a:prstGeom>
+          <a:ln w="28575">
+            <a:solidFill>
+              <a:schemeClr val="tx1"/>
+            </a:solidFill>
+            <a:tailEnd type="arrow"/>
+          </a:ln>
+        </p:spPr>
+        <p:style>
+          <a:lnRef idx="1">
+            <a:schemeClr val="accent1"/>
+          </a:lnRef>
+          <a:fillRef idx="0">
+            <a:schemeClr val="accent1"/>
+          </a:fillRef>
+          <a:effectRef idx="0">
+            <a:schemeClr val="accent1"/>
+          </a:effectRef>
+          <a:fontRef idx="minor">
+            <a:schemeClr val="tx1"/>
+          </a:fontRef>
+        </p:style>
+      </p:cxnSp>
+      <p:sp>
+        <p:nvSpPr>
+          <p:cNvPr id="7" name="직사각형 6">
+            <a:extLst>
+              <a:ext uri="{FF2B5EF4-FFF2-40B4-BE49-F238E27FC236}">
+                <a16:creationId xmlns:a16="http://schemas.microsoft.com/office/drawing/2014/main" id="{C9BBEED6-367E-7244-0121-C3D18A3075F2}"/>
+              </a:ext>
+            </a:extLst>
+          </p:cNvPr>
+          <p:cNvSpPr/>
+          <p:nvPr/>
+        </p:nvSpPr>
+        <p:spPr>
+          <a:xfrm>
+            <a:off x="5021348" y="2465966"/>
+            <a:ext cx="2149304" cy="888715"/>
+          </a:xfrm>
+          <a:prstGeom prst="rect">
+            <a:avLst/>
+          </a:prstGeom>
+          <a:noFill/>
+          <a:ln>
+            <a:solidFill>
+              <a:srgbClr val="0070C0"/>
+            </a:solidFill>
+          </a:ln>
+        </p:spPr>
+        <p:style>
+          <a:lnRef idx="2">
+            <a:schemeClr val="accent1">
+              <a:shade val="15000"/>
+            </a:schemeClr>
+          </a:lnRef>
+          <a:fillRef idx="1">
+            <a:schemeClr val="accent1"/>
+          </a:fillRef>
+          <a:effectRef idx="0">
+            <a:schemeClr val="accent1"/>
+          </a:effectRef>
+          <a:fontRef idx="minor">
+            <a:schemeClr val="lt1"/>
+          </a:fontRef>
+        </p:style>
+        <p:txBody>
+          <a:bodyPr rtlCol="0" anchor="ctr"/>
+          <a:lstStyle/>
+          <a:p>
+            <a:pPr algn="ctr"/>
+            <a:endParaRPr lang="en-GB"/>
+          </a:p>
+        </p:txBody>
+      </p:sp>
+      <p:sp>
+        <p:nvSpPr>
+          <p:cNvPr id="4" name="TextBox 3">
+            <a:extLst>
+              <a:ext uri="{FF2B5EF4-FFF2-40B4-BE49-F238E27FC236}">
+                <a16:creationId xmlns:a16="http://schemas.microsoft.com/office/drawing/2014/main" id="{7B58ED46-674B-130B-2B99-4789C5744286}"/>
+              </a:ext>
+            </a:extLst>
+          </p:cNvPr>
+          <p:cNvSpPr txBox="1"/>
+          <p:nvPr/>
+        </p:nvSpPr>
+        <p:spPr>
+          <a:xfrm>
+            <a:off x="5177607" y="2582186"/>
+            <a:ext cx="1836785" cy="369332"/>
+          </a:xfrm>
+          <a:prstGeom prst="rect">
+            <a:avLst/>
+          </a:prstGeom>
+          <a:noFill/>
+        </p:spPr>
+        <p:txBody>
+          <a:bodyPr wrap="none" rtlCol="0">
+            <a:spAutoFit/>
+          </a:bodyPr>
+          <a:lstStyle/>
+          <a:p>
+            <a:r>
+              <a:rPr lang="en-GB" b="1">
+                <a:solidFill>
+                  <a:srgbClr val="0070C0"/>
+                </a:solidFill>
+              </a:rPr>
+              <a:t>Application Layer</a:t>
+            </a:r>
+          </a:p>
+        </p:txBody>
+      </p:sp>
+      <p:sp>
+        <p:nvSpPr>
+          <p:cNvPr id="30" name="TextBox 29">
+            <a:extLst>
+              <a:ext uri="{FF2B5EF4-FFF2-40B4-BE49-F238E27FC236}">
+                <a16:creationId xmlns:a16="http://schemas.microsoft.com/office/drawing/2014/main" id="{1C44CBE4-252A-C6CC-0AB6-DE4AB8285645}"/>
+              </a:ext>
+            </a:extLst>
+          </p:cNvPr>
+          <p:cNvSpPr txBox="1"/>
+          <p:nvPr/>
+        </p:nvSpPr>
+        <p:spPr>
+          <a:xfrm>
+            <a:off x="5671043" y="2930684"/>
+            <a:ext cx="849913" cy="307777"/>
+          </a:xfrm>
+          <a:prstGeom prst="rect">
+            <a:avLst/>
+          </a:prstGeom>
+          <a:noFill/>
+        </p:spPr>
+        <p:txBody>
+          <a:bodyPr wrap="none" rtlCol="0">
+            <a:spAutoFit/>
+          </a:bodyPr>
+          <a:lstStyle/>
+          <a:p>
+            <a:r>
+              <a:rPr lang="en-GB" sz="1400" b="1">
+                <a:solidFill>
+                  <a:srgbClr val="0070C0"/>
+                </a:solidFill>
+              </a:rPr>
+              <a:t>Biz. </a:t>
+            </a:r>
+            <a:r>
+              <a:rPr lang="ko-KR" altLang="en-US" sz="1400" b="1">
+                <a:solidFill>
+                  <a:srgbClr val="0070C0"/>
+                </a:solidFill>
+              </a:rPr>
+              <a:t>흐름</a:t>
+            </a:r>
+            <a:endParaRPr lang="en-GB" sz="1400" b="1">
+              <a:solidFill>
+                <a:srgbClr val="0070C0"/>
+              </a:solidFill>
+            </a:endParaRPr>
+          </a:p>
+        </p:txBody>
+      </p:sp>
+      <p:sp>
+        <p:nvSpPr>
+          <p:cNvPr id="2" name="TextBox 1">
+            <a:extLst>
+              <a:ext uri="{FF2B5EF4-FFF2-40B4-BE49-F238E27FC236}">
+                <a16:creationId xmlns:a16="http://schemas.microsoft.com/office/drawing/2014/main" id="{862DA34C-5DBA-26AF-2C58-9BE331F38E62}"/>
+              </a:ext>
+            </a:extLst>
+          </p:cNvPr>
+          <p:cNvSpPr txBox="1"/>
+          <p:nvPr/>
+        </p:nvSpPr>
+        <p:spPr>
+          <a:xfrm>
+            <a:off x="2200575" y="2930684"/>
+            <a:ext cx="566694" cy="307777"/>
+          </a:xfrm>
+          <a:prstGeom prst="rect">
+            <a:avLst/>
+          </a:prstGeom>
+          <a:noFill/>
+        </p:spPr>
+        <p:txBody>
+          <a:bodyPr wrap="none" rtlCol="0">
+            <a:spAutoFit/>
+          </a:bodyPr>
+          <a:lstStyle/>
+          <a:p>
+            <a:r>
+              <a:rPr lang="en-GB" sz="1400" b="1">
+                <a:solidFill>
+                  <a:srgbClr val="C00000"/>
+                </a:solidFill>
+              </a:rPr>
+              <a:t>Tech.</a:t>
+            </a:r>
+          </a:p>
+        </p:txBody>
+      </p:sp>
+      <p:sp>
+        <p:nvSpPr>
+          <p:cNvPr id="17" name="직사각형 16">
+            <a:extLst>
+              <a:ext uri="{FF2B5EF4-FFF2-40B4-BE49-F238E27FC236}">
+                <a16:creationId xmlns:a16="http://schemas.microsoft.com/office/drawing/2014/main" id="{4979B02D-683D-FCB2-08A6-188961694AF2}"/>
+              </a:ext>
+            </a:extLst>
+          </p:cNvPr>
+          <p:cNvSpPr/>
+          <p:nvPr/>
+        </p:nvSpPr>
+        <p:spPr>
+          <a:xfrm>
+            <a:off x="8633425" y="2465966"/>
+            <a:ext cx="2149304" cy="888715"/>
+          </a:xfrm>
+          <a:prstGeom prst="rect">
+            <a:avLst/>
+          </a:prstGeom>
+          <a:noFill/>
+          <a:ln>
+            <a:solidFill>
+              <a:srgbClr val="C00000"/>
+            </a:solidFill>
+          </a:ln>
+        </p:spPr>
+        <p:style>
+          <a:lnRef idx="2">
+            <a:schemeClr val="accent1">
+              <a:shade val="15000"/>
+            </a:schemeClr>
+          </a:lnRef>
+          <a:fillRef idx="1">
+            <a:schemeClr val="accent1"/>
+          </a:fillRef>
+          <a:effectRef idx="0">
+            <a:schemeClr val="accent1"/>
+          </a:effectRef>
+          <a:fontRef idx="minor">
+            <a:schemeClr val="lt1"/>
+          </a:fontRef>
+        </p:style>
+        <p:txBody>
+          <a:bodyPr rtlCol="0" anchor="ctr"/>
+          <a:lstStyle/>
+          <a:p>
+            <a:pPr algn="ctr"/>
+            <a:endParaRPr lang="en-GB"/>
+          </a:p>
+        </p:txBody>
+      </p:sp>
+      <p:sp>
+        <p:nvSpPr>
+          <p:cNvPr id="18" name="TextBox 17">
+            <a:extLst>
+              <a:ext uri="{FF2B5EF4-FFF2-40B4-BE49-F238E27FC236}">
+                <a16:creationId xmlns:a16="http://schemas.microsoft.com/office/drawing/2014/main" id="{6B8EBF10-CB3F-9292-DEF3-BFF6D5C664DB}"/>
+              </a:ext>
+            </a:extLst>
+          </p:cNvPr>
+          <p:cNvSpPr txBox="1"/>
+          <p:nvPr/>
+        </p:nvSpPr>
+        <p:spPr>
+          <a:xfrm>
+            <a:off x="8946906" y="2582187"/>
+            <a:ext cx="1522340" cy="369332"/>
+          </a:xfrm>
+          <a:prstGeom prst="rect">
+            <a:avLst/>
+          </a:prstGeom>
+          <a:noFill/>
+        </p:spPr>
+        <p:txBody>
+          <a:bodyPr wrap="none" rtlCol="0">
+            <a:spAutoFit/>
+          </a:bodyPr>
+          <a:lstStyle/>
+          <a:p>
+            <a:r>
+              <a:rPr lang="en-GB" b="1">
+                <a:solidFill>
+                  <a:srgbClr val="C00000"/>
+                </a:solidFill>
+              </a:rPr>
+              <a:t>Adapter Layer</a:t>
+            </a:r>
+          </a:p>
+        </p:txBody>
+      </p:sp>
+      <p:sp>
+        <p:nvSpPr>
+          <p:cNvPr id="3" name="TextBox 2">
+            <a:extLst>
+              <a:ext uri="{FF2B5EF4-FFF2-40B4-BE49-F238E27FC236}">
+                <a16:creationId xmlns:a16="http://schemas.microsoft.com/office/drawing/2014/main" id="{E794BC19-3F22-E7D6-D147-7F639CAA64E8}"/>
+              </a:ext>
+            </a:extLst>
+          </p:cNvPr>
+          <p:cNvSpPr txBox="1"/>
+          <p:nvPr/>
+        </p:nvSpPr>
+        <p:spPr>
+          <a:xfrm>
+            <a:off x="9424729" y="2930685"/>
+            <a:ext cx="566694" cy="307777"/>
+          </a:xfrm>
+          <a:prstGeom prst="rect">
+            <a:avLst/>
+          </a:prstGeom>
+          <a:noFill/>
+        </p:spPr>
+        <p:txBody>
+          <a:bodyPr wrap="none" rtlCol="0">
+            <a:spAutoFit/>
+          </a:bodyPr>
+          <a:lstStyle/>
+          <a:p>
+            <a:r>
+              <a:rPr lang="en-GB" sz="1400" b="1">
+                <a:solidFill>
+                  <a:srgbClr val="C00000"/>
+                </a:solidFill>
+              </a:rPr>
+              <a:t>Tech.</a:t>
+            </a:r>
+          </a:p>
+        </p:txBody>
+      </p:sp>
+      <p:sp>
+        <p:nvSpPr>
+          <p:cNvPr id="10" name="직사각형 9">
+            <a:extLst>
+              <a:ext uri="{FF2B5EF4-FFF2-40B4-BE49-F238E27FC236}">
+                <a16:creationId xmlns:a16="http://schemas.microsoft.com/office/drawing/2014/main" id="{68EBC254-8196-061D-9C55-57704EC87BF3}"/>
+              </a:ext>
+            </a:extLst>
+          </p:cNvPr>
+          <p:cNvSpPr/>
+          <p:nvPr/>
+        </p:nvSpPr>
+        <p:spPr>
+          <a:xfrm>
+            <a:off x="8633424" y="3930583"/>
+            <a:ext cx="2149304" cy="888715"/>
+          </a:xfrm>
+          <a:prstGeom prst="rect">
+            <a:avLst/>
+          </a:prstGeom>
+          <a:noFill/>
+          <a:ln>
+            <a:solidFill>
+              <a:srgbClr val="C00000"/>
+            </a:solidFill>
+            <a:prstDash val="dash"/>
+          </a:ln>
+        </p:spPr>
+        <p:style>
+          <a:lnRef idx="2">
+            <a:schemeClr val="accent1">
+              <a:shade val="15000"/>
+            </a:schemeClr>
+          </a:lnRef>
+          <a:fillRef idx="1">
+            <a:schemeClr val="accent1"/>
+          </a:fillRef>
+          <a:effectRef idx="0">
+            <a:schemeClr val="accent1"/>
+          </a:effectRef>
+          <a:fontRef idx="minor">
+            <a:schemeClr val="lt1"/>
+          </a:fontRef>
+        </p:style>
+        <p:txBody>
+          <a:bodyPr rtlCol="0" anchor="ctr"/>
+          <a:lstStyle/>
+          <a:p>
+            <a:pPr algn="ctr"/>
+            <a:endParaRPr lang="en-GB"/>
+          </a:p>
+        </p:txBody>
+      </p:sp>
+      <p:sp>
+        <p:nvSpPr>
+          <p:cNvPr id="11" name="TextBox 10">
+            <a:extLst>
+              <a:ext uri="{FF2B5EF4-FFF2-40B4-BE49-F238E27FC236}">
+                <a16:creationId xmlns:a16="http://schemas.microsoft.com/office/drawing/2014/main" id="{D7E99A46-68E3-8EAC-9C6F-505BE2F69332}"/>
+              </a:ext>
+            </a:extLst>
+          </p:cNvPr>
+          <p:cNvSpPr txBox="1"/>
+          <p:nvPr/>
+        </p:nvSpPr>
+        <p:spPr>
+          <a:xfrm>
+            <a:off x="8946905" y="4046804"/>
+            <a:ext cx="1522340" cy="369332"/>
+          </a:xfrm>
+          <a:prstGeom prst="rect">
+            <a:avLst/>
+          </a:prstGeom>
+          <a:noFill/>
+        </p:spPr>
+        <p:txBody>
+          <a:bodyPr wrap="none" rtlCol="0">
+            <a:spAutoFit/>
+          </a:bodyPr>
+          <a:lstStyle/>
+          <a:p>
+            <a:r>
+              <a:rPr lang="en-GB" b="1">
+                <a:solidFill>
+                  <a:srgbClr val="C00000"/>
+                </a:solidFill>
+              </a:rPr>
+              <a:t>Adapter Layer</a:t>
+            </a:r>
+          </a:p>
+        </p:txBody>
+      </p:sp>
+      <p:sp>
+        <p:nvSpPr>
+          <p:cNvPr id="13" name="TextBox 12">
+            <a:extLst>
+              <a:ext uri="{FF2B5EF4-FFF2-40B4-BE49-F238E27FC236}">
+                <a16:creationId xmlns:a16="http://schemas.microsoft.com/office/drawing/2014/main" id="{FD42E7AB-94E3-98D0-E7BF-0836563C1A14}"/>
+              </a:ext>
+            </a:extLst>
+          </p:cNvPr>
+          <p:cNvSpPr txBox="1"/>
+          <p:nvPr/>
+        </p:nvSpPr>
+        <p:spPr>
+          <a:xfrm>
+            <a:off x="9424728" y="4395302"/>
+            <a:ext cx="566694" cy="307777"/>
+          </a:xfrm>
+          <a:prstGeom prst="rect">
+            <a:avLst/>
+          </a:prstGeom>
+          <a:noFill/>
+        </p:spPr>
+        <p:txBody>
+          <a:bodyPr wrap="none" rtlCol="0">
+            <a:spAutoFit/>
+          </a:bodyPr>
+          <a:lstStyle/>
+          <a:p>
+            <a:r>
+              <a:rPr lang="en-GB" sz="1400" b="1">
+                <a:solidFill>
+                  <a:srgbClr val="C00000"/>
+                </a:solidFill>
+              </a:rPr>
+              <a:t>Tech.</a:t>
+            </a:r>
+          </a:p>
+        </p:txBody>
+      </p:sp>
+      <p:cxnSp>
+        <p:nvCxnSpPr>
+          <p:cNvPr id="20" name="연결선: 꺾임 19">
+            <a:extLst>
+              <a:ext uri="{FF2B5EF4-FFF2-40B4-BE49-F238E27FC236}">
+                <a16:creationId xmlns:a16="http://schemas.microsoft.com/office/drawing/2014/main" id="{2E310916-4662-CFBE-C72B-79442BBEA21B}"/>
+              </a:ext>
+            </a:extLst>
+          </p:cNvPr>
+          <p:cNvCxnSpPr>
+            <a:cxnSpLocks/>
+            <a:stCxn id="55" idx="3"/>
+            <a:endCxn id="10" idx="1"/>
+          </p:cNvCxnSpPr>
+          <p:nvPr/>
+        </p:nvCxnSpPr>
+        <p:spPr>
+          <a:xfrm>
+            <a:off x="8120684" y="3192865"/>
+            <a:ext cx="512740" cy="1182076"/>
+          </a:xfrm>
+          <a:prstGeom prst="bentConnector3">
+            <a:avLst>
+              <a:gd name="adj1" fmla="val 50000"/>
+            </a:avLst>
+          </a:prstGeom>
+          <a:ln w="28575">
+            <a:solidFill>
+              <a:schemeClr val="tx1"/>
+            </a:solidFill>
+            <a:prstDash val="solid"/>
+            <a:headEnd type="none" w="med" len="med"/>
+            <a:tailEnd type="none" w="med" len="med"/>
+          </a:ln>
+        </p:spPr>
+        <p:style>
+          <a:lnRef idx="1">
+            <a:schemeClr val="accent1"/>
+          </a:lnRef>
+          <a:fillRef idx="0">
+            <a:schemeClr val="accent1"/>
+          </a:fillRef>
+          <a:effectRef idx="0">
+            <a:schemeClr val="accent1"/>
+          </a:effectRef>
+          <a:fontRef idx="minor">
+            <a:schemeClr val="tx1"/>
+          </a:fontRef>
+        </p:style>
+      </p:cxnSp>
+      <p:sp>
+        <p:nvSpPr>
+          <p:cNvPr id="35" name="TextBox 34">
+            <a:extLst>
+              <a:ext uri="{FF2B5EF4-FFF2-40B4-BE49-F238E27FC236}">
+                <a16:creationId xmlns:a16="http://schemas.microsoft.com/office/drawing/2014/main" id="{112DC353-BB80-0AFE-564A-65356F41D56F}"/>
+              </a:ext>
+            </a:extLst>
+          </p:cNvPr>
+          <p:cNvSpPr txBox="1"/>
+          <p:nvPr/>
+        </p:nvSpPr>
+        <p:spPr>
+          <a:xfrm>
+            <a:off x="2139275" y="2108930"/>
+            <a:ext cx="686085" cy="307777"/>
+          </a:xfrm>
+          <a:prstGeom prst="rect">
+            <a:avLst/>
+          </a:prstGeom>
+          <a:noFill/>
+        </p:spPr>
+        <p:txBody>
+          <a:bodyPr wrap="none" rtlCol="0">
+            <a:spAutoFit/>
+          </a:bodyPr>
+          <a:lstStyle/>
+          <a:p>
+            <a:r>
+              <a:rPr lang="en-GB" sz="1400"/>
+              <a:t>Known</a:t>
+            </a:r>
+          </a:p>
+        </p:txBody>
+      </p:sp>
+      <p:sp>
+        <p:nvSpPr>
+          <p:cNvPr id="38" name="TextBox 37">
+            <a:extLst>
+              <a:ext uri="{FF2B5EF4-FFF2-40B4-BE49-F238E27FC236}">
+                <a16:creationId xmlns:a16="http://schemas.microsoft.com/office/drawing/2014/main" id="{B76FEDDB-E9C5-EC46-9AE4-0EECD12CF95B}"/>
+              </a:ext>
+            </a:extLst>
+          </p:cNvPr>
+          <p:cNvSpPr txBox="1"/>
+          <p:nvPr/>
+        </p:nvSpPr>
+        <p:spPr>
+          <a:xfrm>
+            <a:off x="9365034" y="2108930"/>
+            <a:ext cx="686085" cy="307777"/>
+          </a:xfrm>
+          <a:prstGeom prst="rect">
+            <a:avLst/>
+          </a:prstGeom>
+          <a:noFill/>
+        </p:spPr>
+        <p:txBody>
+          <a:bodyPr wrap="none" rtlCol="0">
+            <a:spAutoFit/>
+          </a:bodyPr>
+          <a:lstStyle/>
+          <a:p>
+            <a:r>
+              <a:rPr lang="en-GB" sz="1400"/>
+              <a:t>Known</a:t>
+            </a:r>
+          </a:p>
+        </p:txBody>
+      </p:sp>
+      <p:cxnSp>
+        <p:nvCxnSpPr>
+          <p:cNvPr id="42" name="직선 화살표 연결선 41">
+            <a:extLst>
+              <a:ext uri="{FF2B5EF4-FFF2-40B4-BE49-F238E27FC236}">
+                <a16:creationId xmlns:a16="http://schemas.microsoft.com/office/drawing/2014/main" id="{53DF9013-48AD-0400-6613-EB510A3FC631}"/>
+              </a:ext>
+            </a:extLst>
+          </p:cNvPr>
+          <p:cNvCxnSpPr>
+            <a:cxnSpLocks/>
+            <a:stCxn id="7" idx="3"/>
+            <a:endCxn id="23" idx="2"/>
+          </p:cNvCxnSpPr>
+          <p:nvPr/>
+        </p:nvCxnSpPr>
+        <p:spPr>
+          <a:xfrm flipV="1">
+            <a:off x="7170652" y="2910323"/>
+            <a:ext cx="596386" cy="1"/>
+          </a:xfrm>
+          <a:prstGeom prst="straightConnector1">
+            <a:avLst/>
+          </a:prstGeom>
+          <a:ln w="28575">
+            <a:solidFill>
+              <a:schemeClr val="tx1"/>
+            </a:solidFill>
+            <a:tailEnd type="arrow"/>
+          </a:ln>
+        </p:spPr>
+        <p:style>
+          <a:lnRef idx="1">
+            <a:schemeClr val="accent1"/>
+          </a:lnRef>
+          <a:fillRef idx="0">
+            <a:schemeClr val="accent1"/>
+          </a:fillRef>
+          <a:effectRef idx="0">
+            <a:schemeClr val="accent1"/>
+          </a:effectRef>
+          <a:fontRef idx="minor">
+            <a:schemeClr val="tx1"/>
+          </a:fontRef>
+        </p:style>
+      </p:cxnSp>
+      <p:sp>
+        <p:nvSpPr>
+          <p:cNvPr id="45" name="직사각형 44">
+            <a:extLst>
+              <a:ext uri="{FF2B5EF4-FFF2-40B4-BE49-F238E27FC236}">
+                <a16:creationId xmlns:a16="http://schemas.microsoft.com/office/drawing/2014/main" id="{5800FE8B-7B94-7E27-DDF1-E5FBACC0F35C}"/>
+              </a:ext>
+            </a:extLst>
+          </p:cNvPr>
+          <p:cNvSpPr/>
+          <p:nvPr/>
+        </p:nvSpPr>
+        <p:spPr>
+          <a:xfrm>
+            <a:off x="6738320" y="3031048"/>
+            <a:ext cx="432332" cy="323633"/>
+          </a:xfrm>
+          <a:prstGeom prst="rect">
+            <a:avLst/>
+          </a:prstGeom>
+          <a:noFill/>
+          <a:ln>
+            <a:noFill/>
+          </a:ln>
+        </p:spPr>
+        <p:style>
+          <a:lnRef idx="2">
+            <a:schemeClr val="accent1">
+              <a:shade val="15000"/>
+            </a:schemeClr>
+          </a:lnRef>
+          <a:fillRef idx="1">
+            <a:schemeClr val="accent1"/>
+          </a:fillRef>
+          <a:effectRef idx="0">
+            <a:schemeClr val="accent1"/>
+          </a:effectRef>
+          <a:fontRef idx="minor">
+            <a:schemeClr val="lt1"/>
+          </a:fontRef>
+        </p:style>
+        <p:txBody>
+          <a:bodyPr rtlCol="0" anchor="ctr"/>
+          <a:lstStyle/>
+          <a:p>
+            <a:pPr algn="ctr"/>
+            <a:endParaRPr lang="en-GB"/>
+          </a:p>
+        </p:txBody>
+      </p:sp>
+      <p:sp>
+        <p:nvSpPr>
+          <p:cNvPr id="49" name="TextBox 48">
+            <a:extLst>
+              <a:ext uri="{FF2B5EF4-FFF2-40B4-BE49-F238E27FC236}">
+                <a16:creationId xmlns:a16="http://schemas.microsoft.com/office/drawing/2014/main" id="{D93ED073-1A56-831E-4C41-92D44A889FD0}"/>
+              </a:ext>
+            </a:extLst>
+          </p:cNvPr>
+          <p:cNvSpPr txBox="1"/>
+          <p:nvPr/>
+        </p:nvSpPr>
+        <p:spPr>
+          <a:xfrm>
+            <a:off x="9264236" y="3547641"/>
+            <a:ext cx="887679" cy="307777"/>
+          </a:xfrm>
+          <a:prstGeom prst="rect">
+            <a:avLst/>
+          </a:prstGeom>
+          <a:noFill/>
+        </p:spPr>
+        <p:txBody>
+          <a:bodyPr wrap="none" rtlCol="0">
+            <a:spAutoFit/>
+          </a:bodyPr>
+          <a:lstStyle/>
+          <a:p>
+            <a:r>
+              <a:rPr lang="en-GB" sz="1400"/>
+              <a:t>Unknown</a:t>
+            </a:r>
+          </a:p>
+        </p:txBody>
+      </p:sp>
+      <p:sp>
+        <p:nvSpPr>
+          <p:cNvPr id="5" name="타원 4">
+            <a:extLst>
+              <a:ext uri="{FF2B5EF4-FFF2-40B4-BE49-F238E27FC236}">
+                <a16:creationId xmlns:a16="http://schemas.microsoft.com/office/drawing/2014/main" id="{B8ED6DEC-05E0-BCCA-891D-AF5B7D01452E}"/>
+              </a:ext>
+            </a:extLst>
+          </p:cNvPr>
+          <p:cNvSpPr/>
+          <p:nvPr/>
+        </p:nvSpPr>
+        <p:spPr>
+          <a:xfrm>
+            <a:off x="4199962" y="2820323"/>
+            <a:ext cx="180000" cy="180000"/>
+          </a:xfrm>
+          <a:prstGeom prst="ellipse">
+            <a:avLst/>
+          </a:prstGeom>
+          <a:solidFill>
+            <a:schemeClr val="tx1"/>
+          </a:solidFill>
+          <a:ln w="28575"/>
+        </p:spPr>
+        <p:style>
+          <a:lnRef idx="2">
+            <a:schemeClr val="accent1">
+              <a:shade val="15000"/>
+            </a:schemeClr>
+          </a:lnRef>
+          <a:fillRef idx="1">
+            <a:schemeClr val="accent1"/>
+          </a:fillRef>
+          <a:effectRef idx="0">
+            <a:schemeClr val="accent1"/>
+          </a:effectRef>
+          <a:fontRef idx="minor">
+            <a:schemeClr val="lt1"/>
+          </a:fontRef>
+        </p:style>
+        <p:txBody>
+          <a:bodyPr rtlCol="0" anchor="ctr"/>
+          <a:lstStyle/>
+          <a:p>
+            <a:pPr algn="ctr"/>
+            <a:endParaRPr lang="en-GB"/>
+          </a:p>
+        </p:txBody>
+      </p:sp>
+      <p:sp>
+        <p:nvSpPr>
+          <p:cNvPr id="9" name="이등변 삼각형 8">
+            <a:extLst>
+              <a:ext uri="{FF2B5EF4-FFF2-40B4-BE49-F238E27FC236}">
+                <a16:creationId xmlns:a16="http://schemas.microsoft.com/office/drawing/2014/main" id="{7162C825-A0EA-421C-242B-369E1C44BB36}"/>
+              </a:ext>
+            </a:extLst>
+          </p:cNvPr>
+          <p:cNvSpPr/>
+          <p:nvPr/>
+        </p:nvSpPr>
+        <p:spPr>
+          <a:xfrm rot="16200000">
+            <a:off x="4373131" y="2840123"/>
+            <a:ext cx="162000" cy="140400"/>
+          </a:xfrm>
+          <a:prstGeom prst="triangle">
+            <a:avLst/>
+          </a:prstGeom>
+          <a:solidFill>
+            <a:schemeClr val="bg1"/>
+          </a:solidFill>
+          <a:ln w="28575">
+            <a:solidFill>
+              <a:schemeClr val="tx1"/>
+            </a:solidFill>
+          </a:ln>
+        </p:spPr>
+        <p:style>
+          <a:lnRef idx="2">
+            <a:schemeClr val="accent1">
+              <a:shade val="15000"/>
+            </a:schemeClr>
+          </a:lnRef>
+          <a:fillRef idx="1">
+            <a:schemeClr val="accent1"/>
+          </a:fillRef>
+          <a:effectRef idx="0">
+            <a:schemeClr val="accent1"/>
+          </a:effectRef>
+          <a:fontRef idx="minor">
+            <a:schemeClr val="lt1"/>
+          </a:fontRef>
+        </p:style>
+        <p:txBody>
+          <a:bodyPr rtlCol="0" anchor="ctr"/>
+          <a:lstStyle/>
+          <a:p>
+            <a:pPr algn="ctr"/>
+            <a:endParaRPr lang="en-GB"/>
+          </a:p>
+        </p:txBody>
+      </p:sp>
+      <p:cxnSp>
+        <p:nvCxnSpPr>
+          <p:cNvPr id="16" name="직선 화살표 연결선 15">
+            <a:extLst>
+              <a:ext uri="{FF2B5EF4-FFF2-40B4-BE49-F238E27FC236}">
+                <a16:creationId xmlns:a16="http://schemas.microsoft.com/office/drawing/2014/main" id="{633DF7CE-9D71-75F4-42BE-3B3E599D75ED}"/>
+              </a:ext>
+            </a:extLst>
+          </p:cNvPr>
+          <p:cNvCxnSpPr>
+            <a:cxnSpLocks/>
+            <a:stCxn id="7" idx="1"/>
+            <a:endCxn id="9" idx="3"/>
+          </p:cNvCxnSpPr>
+          <p:nvPr/>
+        </p:nvCxnSpPr>
+        <p:spPr>
+          <a:xfrm flipH="1" flipV="1">
+            <a:off x="4524331" y="2910323"/>
+            <a:ext cx="497017" cy="1"/>
+          </a:xfrm>
+          <a:prstGeom prst="straightConnector1">
+            <a:avLst/>
+          </a:prstGeom>
+          <a:ln w="28575">
+            <a:solidFill>
+              <a:schemeClr val="tx1"/>
+            </a:solidFill>
+            <a:headEnd type="none" w="med" len="med"/>
+            <a:tailEnd type="none" w="med" len="med"/>
+          </a:ln>
+        </p:spPr>
+        <p:style>
+          <a:lnRef idx="1">
+            <a:schemeClr val="accent1"/>
+          </a:lnRef>
+          <a:fillRef idx="0">
+            <a:schemeClr val="accent1"/>
+          </a:fillRef>
+          <a:effectRef idx="0">
+            <a:schemeClr val="accent1"/>
+          </a:effectRef>
+          <a:fontRef idx="minor">
+            <a:schemeClr val="tx1"/>
+          </a:fontRef>
+        </p:style>
+      </p:cxnSp>
+      <p:sp>
+        <p:nvSpPr>
+          <p:cNvPr id="23" name="타원 22">
+            <a:extLst>
+              <a:ext uri="{FF2B5EF4-FFF2-40B4-BE49-F238E27FC236}">
+                <a16:creationId xmlns:a16="http://schemas.microsoft.com/office/drawing/2014/main" id="{7A8864D4-2099-C336-904D-466789A51392}"/>
+              </a:ext>
+            </a:extLst>
+          </p:cNvPr>
+          <p:cNvSpPr/>
+          <p:nvPr/>
+        </p:nvSpPr>
+        <p:spPr>
+          <a:xfrm>
+            <a:off x="7767038" y="2820323"/>
+            <a:ext cx="180000" cy="180000"/>
+          </a:xfrm>
+          <a:prstGeom prst="ellipse">
+            <a:avLst/>
+          </a:prstGeom>
+          <a:solidFill>
+            <a:schemeClr val="tx1"/>
+          </a:solidFill>
+          <a:ln w="28575"/>
+        </p:spPr>
+        <p:style>
+          <a:lnRef idx="2">
+            <a:schemeClr val="accent1">
+              <a:shade val="15000"/>
+            </a:schemeClr>
+          </a:lnRef>
+          <a:fillRef idx="1">
+            <a:schemeClr val="accent1"/>
+          </a:fillRef>
+          <a:effectRef idx="0">
+            <a:schemeClr val="accent1"/>
+          </a:effectRef>
+          <a:fontRef idx="minor">
+            <a:schemeClr val="lt1"/>
+          </a:fontRef>
+        </p:style>
+        <p:txBody>
+          <a:bodyPr rtlCol="0" anchor="ctr"/>
+          <a:lstStyle/>
+          <a:p>
+            <a:pPr algn="ctr"/>
+            <a:endParaRPr lang="en-GB"/>
+          </a:p>
+        </p:txBody>
+      </p:sp>
+      <p:sp>
+        <p:nvSpPr>
+          <p:cNvPr id="31" name="이등변 삼각형 30">
+            <a:extLst>
+              <a:ext uri="{FF2B5EF4-FFF2-40B4-BE49-F238E27FC236}">
+                <a16:creationId xmlns:a16="http://schemas.microsoft.com/office/drawing/2014/main" id="{5F7794F0-D495-D08F-F2FE-190B3D78419A}"/>
+              </a:ext>
+            </a:extLst>
+          </p:cNvPr>
+          <p:cNvSpPr/>
+          <p:nvPr/>
+        </p:nvSpPr>
+        <p:spPr>
+          <a:xfrm rot="16200000">
+            <a:off x="7969484" y="2840124"/>
+            <a:ext cx="162000" cy="140400"/>
+          </a:xfrm>
+          <a:prstGeom prst="triangle">
+            <a:avLst/>
+          </a:prstGeom>
+          <a:solidFill>
+            <a:schemeClr val="bg1"/>
+          </a:solidFill>
+          <a:ln w="28575">
+            <a:solidFill>
+              <a:schemeClr val="tx1"/>
+            </a:solidFill>
+          </a:ln>
+        </p:spPr>
+        <p:style>
+          <a:lnRef idx="2">
+            <a:schemeClr val="accent1">
+              <a:shade val="15000"/>
+            </a:schemeClr>
+          </a:lnRef>
+          <a:fillRef idx="1">
+            <a:schemeClr val="accent1"/>
+          </a:fillRef>
+          <a:effectRef idx="0">
+            <a:schemeClr val="accent1"/>
+          </a:effectRef>
+          <a:fontRef idx="minor">
+            <a:schemeClr val="lt1"/>
+          </a:fontRef>
+        </p:style>
+        <p:txBody>
+          <a:bodyPr rtlCol="0" anchor="ctr"/>
+          <a:lstStyle/>
+          <a:p>
+            <a:pPr algn="ctr"/>
+            <a:endParaRPr lang="en-GB"/>
+          </a:p>
+        </p:txBody>
+      </p:sp>
+      <p:cxnSp>
+        <p:nvCxnSpPr>
+          <p:cNvPr id="32" name="직선 화살표 연결선 31">
+            <a:extLst>
+              <a:ext uri="{FF2B5EF4-FFF2-40B4-BE49-F238E27FC236}">
+                <a16:creationId xmlns:a16="http://schemas.microsoft.com/office/drawing/2014/main" id="{7AFFACE1-3C1F-8DE6-C3D2-9C857D9613C2}"/>
+              </a:ext>
+            </a:extLst>
+          </p:cNvPr>
+          <p:cNvCxnSpPr>
+            <a:cxnSpLocks/>
+            <a:stCxn id="17" idx="1"/>
+            <a:endCxn id="31" idx="3"/>
+          </p:cNvCxnSpPr>
+          <p:nvPr/>
+        </p:nvCxnSpPr>
+        <p:spPr>
+          <a:xfrm flipH="1">
+            <a:off x="8120684" y="2910324"/>
+            <a:ext cx="512741" cy="0"/>
+          </a:xfrm>
+          <a:prstGeom prst="straightConnector1">
+            <a:avLst/>
+          </a:prstGeom>
+          <a:ln w="28575">
+            <a:solidFill>
+              <a:schemeClr val="tx1"/>
+            </a:solidFill>
+            <a:headEnd type="none" w="med" len="med"/>
+            <a:tailEnd type="none" w="med" len="med"/>
+          </a:ln>
+        </p:spPr>
+        <p:style>
+          <a:lnRef idx="1">
+            <a:schemeClr val="accent1"/>
+          </a:lnRef>
+          <a:fillRef idx="0">
+            <a:schemeClr val="accent1"/>
+          </a:fillRef>
+          <a:effectRef idx="0">
+            <a:schemeClr val="accent1"/>
+          </a:effectRef>
+          <a:fontRef idx="minor">
+            <a:schemeClr val="tx1"/>
+          </a:fontRef>
+        </p:style>
+      </p:cxnSp>
+      <p:sp>
+        <p:nvSpPr>
+          <p:cNvPr id="50" name="타원 49">
+            <a:extLst>
+              <a:ext uri="{FF2B5EF4-FFF2-40B4-BE49-F238E27FC236}">
+                <a16:creationId xmlns:a16="http://schemas.microsoft.com/office/drawing/2014/main" id="{BF3D4E67-8309-2EAD-F355-3C5271185C02}"/>
+              </a:ext>
+            </a:extLst>
+          </p:cNvPr>
+          <p:cNvSpPr/>
+          <p:nvPr/>
+        </p:nvSpPr>
+        <p:spPr>
+          <a:xfrm>
+            <a:off x="7756236" y="3102864"/>
+            <a:ext cx="180000" cy="180000"/>
+          </a:xfrm>
+          <a:prstGeom prst="ellipse">
+            <a:avLst/>
+          </a:prstGeom>
+          <a:solidFill>
+            <a:schemeClr val="tx1"/>
+          </a:solidFill>
+          <a:ln w="28575"/>
+        </p:spPr>
+        <p:style>
+          <a:lnRef idx="2">
+            <a:schemeClr val="accent1">
+              <a:shade val="15000"/>
+            </a:schemeClr>
+          </a:lnRef>
+          <a:fillRef idx="1">
+            <a:schemeClr val="accent1"/>
+          </a:fillRef>
+          <a:effectRef idx="0">
+            <a:schemeClr val="accent1"/>
+          </a:effectRef>
+          <a:fontRef idx="minor">
+            <a:schemeClr val="lt1"/>
+          </a:fontRef>
+        </p:style>
+        <p:txBody>
+          <a:bodyPr rtlCol="0" anchor="ctr"/>
+          <a:lstStyle/>
+          <a:p>
+            <a:pPr algn="ctr"/>
+            <a:endParaRPr lang="en-GB"/>
+          </a:p>
+        </p:txBody>
+      </p:sp>
+      <p:cxnSp>
+        <p:nvCxnSpPr>
+          <p:cNvPr id="51" name="직선 화살표 연결선 50">
+            <a:extLst>
+              <a:ext uri="{FF2B5EF4-FFF2-40B4-BE49-F238E27FC236}">
+                <a16:creationId xmlns:a16="http://schemas.microsoft.com/office/drawing/2014/main" id="{ABF4F777-985E-BE9D-FB7F-2673558B1BAE}"/>
+              </a:ext>
+            </a:extLst>
+          </p:cNvPr>
+          <p:cNvCxnSpPr>
+            <a:cxnSpLocks/>
+            <a:stCxn id="45" idx="3"/>
+            <a:endCxn id="50" idx="2"/>
+          </p:cNvCxnSpPr>
+          <p:nvPr/>
+        </p:nvCxnSpPr>
+        <p:spPr>
+          <a:xfrm flipV="1">
+            <a:off x="7170652" y="3192864"/>
+            <a:ext cx="585584" cy="1"/>
+          </a:xfrm>
+          <a:prstGeom prst="straightConnector1">
+            <a:avLst/>
+          </a:prstGeom>
+          <a:ln w="28575">
+            <a:solidFill>
+              <a:schemeClr val="tx1"/>
+            </a:solidFill>
+            <a:prstDash val="solid"/>
+            <a:tailEnd type="arrow"/>
+          </a:ln>
+        </p:spPr>
+        <p:style>
+          <a:lnRef idx="1">
+            <a:schemeClr val="accent1"/>
+          </a:lnRef>
+          <a:fillRef idx="0">
+            <a:schemeClr val="accent1"/>
+          </a:fillRef>
+          <a:effectRef idx="0">
+            <a:schemeClr val="accent1"/>
+          </a:effectRef>
+          <a:fontRef idx="minor">
+            <a:schemeClr val="tx1"/>
+          </a:fontRef>
+        </p:style>
+      </p:cxnSp>
+      <p:sp>
+        <p:nvSpPr>
+          <p:cNvPr id="55" name="이등변 삼각형 54">
+            <a:extLst>
+              <a:ext uri="{FF2B5EF4-FFF2-40B4-BE49-F238E27FC236}">
+                <a16:creationId xmlns:a16="http://schemas.microsoft.com/office/drawing/2014/main" id="{7806734D-BDD7-871C-1A60-FF9EFFD1C9CF}"/>
+              </a:ext>
+            </a:extLst>
+          </p:cNvPr>
+          <p:cNvSpPr/>
+          <p:nvPr/>
+        </p:nvSpPr>
+        <p:spPr>
+          <a:xfrm rot="16200000">
+            <a:off x="7969484" y="3122665"/>
+            <a:ext cx="162000" cy="140400"/>
+          </a:xfrm>
+          <a:prstGeom prst="triangle">
+            <a:avLst/>
+          </a:prstGeom>
+          <a:solidFill>
+            <a:schemeClr val="bg1"/>
+          </a:solidFill>
+          <a:ln w="28575">
+            <a:solidFill>
+              <a:schemeClr val="tx1"/>
+            </a:solidFill>
+          </a:ln>
+        </p:spPr>
+        <p:style>
+          <a:lnRef idx="2">
+            <a:schemeClr val="accent1">
+              <a:shade val="15000"/>
+            </a:schemeClr>
+          </a:lnRef>
+          <a:fillRef idx="1">
+            <a:schemeClr val="accent1"/>
+          </a:fillRef>
+          <a:effectRef idx="0">
+            <a:schemeClr val="accent1"/>
+          </a:effectRef>
+          <a:fontRef idx="minor">
+            <a:schemeClr val="lt1"/>
+          </a:fontRef>
+        </p:style>
+        <p:txBody>
+          <a:bodyPr rtlCol="0" anchor="ctr"/>
+          <a:lstStyle/>
+          <a:p>
+            <a:pPr algn="ctr"/>
+            <a:endParaRPr lang="en-GB"/>
+          </a:p>
+        </p:txBody>
+      </p:sp>
+      <p:sp>
+        <p:nvSpPr>
+          <p:cNvPr id="57" name="TextBox 56">
+            <a:extLst>
+              <a:ext uri="{FF2B5EF4-FFF2-40B4-BE49-F238E27FC236}">
+                <a16:creationId xmlns:a16="http://schemas.microsoft.com/office/drawing/2014/main" id="{53025D35-D119-2183-4F49-F9265295DF73}"/>
+              </a:ext>
+            </a:extLst>
+          </p:cNvPr>
+          <p:cNvSpPr txBox="1"/>
+          <p:nvPr/>
+        </p:nvSpPr>
+        <p:spPr>
+          <a:xfrm>
+            <a:off x="4199856" y="2206091"/>
+            <a:ext cx="825867" cy="528927"/>
+          </a:xfrm>
+          <a:prstGeom prst="rect">
+            <a:avLst/>
+          </a:prstGeom>
+          <a:noFill/>
+        </p:spPr>
+        <p:txBody>
+          <a:bodyPr wrap="none" rtlCol="0">
+            <a:spAutoFit/>
+          </a:bodyPr>
+          <a:lstStyle/>
+          <a:p>
+            <a:pPr algn="ctr">
+              <a:lnSpc>
+                <a:spcPct val="150000"/>
+              </a:lnSpc>
+            </a:pPr>
+            <a:r>
+              <a:rPr lang="ko-KR" altLang="en-US" sz="1000"/>
+              <a:t>인터페이스</a:t>
+            </a:r>
+            <a:endParaRPr lang="en-GB" altLang="ko-KR" sz="1000"/>
+          </a:p>
+          <a:p>
+            <a:pPr algn="ctr">
+              <a:lnSpc>
+                <a:spcPct val="150000"/>
+              </a:lnSpc>
+            </a:pPr>
+            <a:r>
+              <a:rPr lang="ko-KR" altLang="en-US" sz="1000" b="1">
+                <a:solidFill>
+                  <a:srgbClr val="0070C0"/>
+                </a:solidFill>
+              </a:rPr>
+              <a:t>구현</a:t>
+            </a:r>
+            <a:endParaRPr lang="en-GB" sz="1000" b="1">
+              <a:solidFill>
+                <a:srgbClr val="0070C0"/>
+              </a:solidFill>
+            </a:endParaRPr>
+          </a:p>
+        </p:txBody>
+      </p:sp>
+      <p:sp>
+        <p:nvSpPr>
+          <p:cNvPr id="58" name="TextBox 57">
+            <a:extLst>
+              <a:ext uri="{FF2B5EF4-FFF2-40B4-BE49-F238E27FC236}">
+                <a16:creationId xmlns:a16="http://schemas.microsoft.com/office/drawing/2014/main" id="{FB69B749-8216-005B-F87C-2390CD579099}"/>
+              </a:ext>
+            </a:extLst>
+          </p:cNvPr>
+          <p:cNvSpPr txBox="1"/>
+          <p:nvPr/>
+        </p:nvSpPr>
+        <p:spPr>
+          <a:xfrm>
+            <a:off x="7111467" y="2206091"/>
+            <a:ext cx="825867" cy="528927"/>
+          </a:xfrm>
+          <a:prstGeom prst="rect">
+            <a:avLst/>
+          </a:prstGeom>
+          <a:noFill/>
+        </p:spPr>
+        <p:txBody>
+          <a:bodyPr wrap="none" rtlCol="0">
+            <a:spAutoFit/>
+          </a:bodyPr>
+          <a:lstStyle/>
+          <a:p>
+            <a:pPr algn="ctr">
+              <a:lnSpc>
+                <a:spcPct val="150000"/>
+              </a:lnSpc>
+            </a:pPr>
+            <a:r>
+              <a:rPr lang="ko-KR" altLang="en-US" sz="1000"/>
+              <a:t>인터페이스</a:t>
+            </a:r>
+            <a:endParaRPr lang="en-GB" altLang="ko-KR" sz="1000"/>
+          </a:p>
+          <a:p>
+            <a:pPr algn="ctr">
+              <a:lnSpc>
+                <a:spcPct val="150000"/>
+              </a:lnSpc>
+            </a:pPr>
+            <a:r>
+              <a:rPr lang="ko-KR" altLang="en-US" sz="1000" b="1">
+                <a:solidFill>
+                  <a:srgbClr val="0070C0"/>
+                </a:solidFill>
+              </a:rPr>
+              <a:t>사용</a:t>
+            </a:r>
+            <a:endParaRPr lang="en-GB" sz="1000" b="1">
+              <a:solidFill>
+                <a:srgbClr val="0070C0"/>
+              </a:solidFill>
+            </a:endParaRPr>
+          </a:p>
+        </p:txBody>
+      </p:sp>
+      <p:grpSp>
+        <p:nvGrpSpPr>
+          <p:cNvPr id="64" name="그룹 63">
+            <a:extLst>
+              <a:ext uri="{FF2B5EF4-FFF2-40B4-BE49-F238E27FC236}">
+                <a16:creationId xmlns:a16="http://schemas.microsoft.com/office/drawing/2014/main" id="{037114B1-BB58-DB8F-A550-C36012D6A9FB}"/>
+              </a:ext>
+            </a:extLst>
+          </p:cNvPr>
+          <p:cNvGrpSpPr/>
+          <p:nvPr/>
+        </p:nvGrpSpPr>
+        <p:grpSpPr>
+          <a:xfrm>
+            <a:off x="4201288" y="652408"/>
+            <a:ext cx="3740349" cy="5630239"/>
+            <a:chOff x="4540685" y="308229"/>
+            <a:chExt cx="3178140" cy="6072582"/>
+          </a:xfrm>
+        </p:grpSpPr>
+        <p:cxnSp>
+          <p:nvCxnSpPr>
+            <p:cNvPr id="65" name="직선 연결선 64">
+              <a:extLst>
+                <a:ext uri="{FF2B5EF4-FFF2-40B4-BE49-F238E27FC236}">
+                  <a16:creationId xmlns:a16="http://schemas.microsoft.com/office/drawing/2014/main" id="{0F703C43-DD6B-C75D-AA41-B1DC6F5AF26E}"/>
+                </a:ext>
+              </a:extLst>
+            </p:cNvPr>
+            <p:cNvCxnSpPr>
+              <a:cxnSpLocks/>
+            </p:cNvCxnSpPr>
+            <p:nvPr/>
+          </p:nvCxnSpPr>
+          <p:spPr>
+            <a:xfrm>
+              <a:off x="4540685" y="308229"/>
+              <a:ext cx="0" cy="6072582"/>
+            </a:xfrm>
+            <a:prstGeom prst="line">
+              <a:avLst/>
+            </a:prstGeom>
+            <a:ln w="9525">
+              <a:solidFill>
+                <a:schemeClr val="bg1">
+                  <a:lumMod val="65000"/>
+                </a:schemeClr>
+              </a:solidFill>
+              <a:prstDash val="dash"/>
+            </a:ln>
+          </p:spPr>
+          <p:style>
+            <a:lnRef idx="1">
+              <a:schemeClr val="accent1"/>
+            </a:lnRef>
+            <a:fillRef idx="0">
+              <a:schemeClr val="accent1"/>
+            </a:fillRef>
+            <a:effectRef idx="0">
+              <a:schemeClr val="accent1"/>
+            </a:effectRef>
+            <a:fontRef idx="minor">
+              <a:schemeClr val="tx1"/>
+            </a:fontRef>
+          </p:style>
+        </p:cxnSp>
+        <p:cxnSp>
+          <p:nvCxnSpPr>
+            <p:cNvPr id="66" name="직선 연결선 65">
+              <a:extLst>
+                <a:ext uri="{FF2B5EF4-FFF2-40B4-BE49-F238E27FC236}">
+                  <a16:creationId xmlns:a16="http://schemas.microsoft.com/office/drawing/2014/main" id="{6596D319-A124-1976-6D07-049BCD18A7A0}"/>
+                </a:ext>
+              </a:extLst>
+            </p:cNvPr>
+            <p:cNvCxnSpPr>
+              <a:cxnSpLocks/>
+            </p:cNvCxnSpPr>
+            <p:nvPr/>
+          </p:nvCxnSpPr>
+          <p:spPr>
+            <a:xfrm>
+              <a:off x="7718825" y="308229"/>
+              <a:ext cx="0" cy="6072582"/>
+            </a:xfrm>
+            <a:prstGeom prst="line">
+              <a:avLst/>
+            </a:prstGeom>
+            <a:ln w="9525">
+              <a:solidFill>
+                <a:schemeClr val="bg1">
+                  <a:lumMod val="65000"/>
+                </a:schemeClr>
+              </a:solidFill>
+              <a:prstDash val="dash"/>
+            </a:ln>
+          </p:spPr>
+          <p:style>
+            <a:lnRef idx="1">
+              <a:schemeClr val="accent1"/>
+            </a:lnRef>
+            <a:fillRef idx="0">
+              <a:schemeClr val="accent1"/>
+            </a:fillRef>
+            <a:effectRef idx="0">
+              <a:schemeClr val="accent1"/>
+            </a:effectRef>
+            <a:fontRef idx="minor">
+              <a:schemeClr val="tx1"/>
+            </a:fontRef>
+          </p:style>
+        </p:cxnSp>
+      </p:grpSp>
+      <p:sp>
+        <p:nvSpPr>
+          <p:cNvPr id="68" name="TextBox 67">
+            <a:extLst>
+              <a:ext uri="{FF2B5EF4-FFF2-40B4-BE49-F238E27FC236}">
+                <a16:creationId xmlns:a16="http://schemas.microsoft.com/office/drawing/2014/main" id="{42393D52-9929-84B6-3AC5-579CEC708486}"/>
+              </a:ext>
+            </a:extLst>
+          </p:cNvPr>
+          <p:cNvSpPr txBox="1"/>
+          <p:nvPr/>
+        </p:nvSpPr>
+        <p:spPr>
+          <a:xfrm>
+            <a:off x="4561596" y="1469423"/>
+            <a:ext cx="832216" cy="307777"/>
+          </a:xfrm>
+          <a:prstGeom prst="rect">
+            <a:avLst/>
+          </a:prstGeom>
+          <a:noFill/>
+        </p:spPr>
+        <p:txBody>
+          <a:bodyPr wrap="none" rtlCol="0">
+            <a:spAutoFit/>
+          </a:bodyPr>
+          <a:lstStyle/>
+          <a:p>
+            <a:r>
+              <a:rPr lang="en-GB" sz="1400" b="1"/>
+              <a:t>Isolation</a:t>
+            </a:r>
+          </a:p>
+        </p:txBody>
+      </p:sp>
+    </p:spTree>
+    <p:extLst>
+      <p:ext uri="{BB962C8B-B14F-4D97-AF65-F5344CB8AC3E}">
+        <p14:creationId xmlns:p14="http://schemas.microsoft.com/office/powerpoint/2010/main" val="2068137059"/>
+      </p:ext>
+    </p:extLst>
+  </p:cSld>
+  <p:clrMapOvr>
+    <a:masterClrMapping/>
+  </p:clrMapOvr>
+</p:sld>
+</file>
+
+<file path=ppt/slides/slide7.xml><?xml version="1.0" encoding="utf-8"?>
 <p:sld xmlns:a="http://schemas.openxmlformats.org/drawingml/2006/main" xmlns:r="http://schemas.openxmlformats.org/officeDocument/2006/relationships" xmlns:p="http://schemas.openxmlformats.org/presentationml/2006/main">
   <p:cSld>
     <p:spTree>
@@ -13355,7 +17037,7 @@
 </p:sld>
 </file>
 
-<file path=ppt/slides/slide7.xml><?xml version="1.0" encoding="utf-8"?>
+<file path=ppt/slides/slide8.xml><?xml version="1.0" encoding="utf-8"?>
 <p:sld xmlns:a="http://schemas.openxmlformats.org/drawingml/2006/main" xmlns:r="http://schemas.openxmlformats.org/officeDocument/2006/relationships" xmlns:p="http://schemas.openxmlformats.org/presentationml/2006/main">
   <p:cSld>
     <p:spTree>
@@ -15274,1040 +18956,6 @@
 </p:sld>
 </file>
 
-<file path=ppt/slides/slide8.xml><?xml version="1.0" encoding="utf-8"?>
-<p:sld xmlns:a="http://schemas.openxmlformats.org/drawingml/2006/main" xmlns:r="http://schemas.openxmlformats.org/officeDocument/2006/relationships" xmlns:p="http://schemas.openxmlformats.org/presentationml/2006/main">
-  <p:cSld>
-    <p:spTree>
-      <p:nvGrpSpPr>
-        <p:cNvPr id="1" name=""/>
-        <p:cNvGrpSpPr/>
-        <p:nvPr/>
-      </p:nvGrpSpPr>
-      <p:grpSpPr>
-        <a:xfrm>
-          <a:off x="0" y="0"/>
-          <a:ext cx="0" cy="0"/>
-          <a:chOff x="0" y="0"/>
-          <a:chExt cx="0" cy="0"/>
-        </a:xfrm>
-      </p:grpSpPr>
-      <p:sp>
-        <p:nvSpPr>
-          <p:cNvPr id="34" name="직사각형 33">
-            <a:extLst>
-              <a:ext uri="{FF2B5EF4-FFF2-40B4-BE49-F238E27FC236}">
-                <a16:creationId xmlns:a16="http://schemas.microsoft.com/office/drawing/2014/main" id="{9A1A558F-3A8D-33B0-0EDC-5AF8B1238133}"/>
-              </a:ext>
-            </a:extLst>
-          </p:cNvPr>
-          <p:cNvSpPr/>
-          <p:nvPr/>
-        </p:nvSpPr>
-        <p:spPr>
-          <a:xfrm>
-            <a:off x="4834848" y="4707155"/>
-            <a:ext cx="2522305" cy="888715"/>
-          </a:xfrm>
-          <a:prstGeom prst="rect">
-            <a:avLst/>
-          </a:prstGeom>
-          <a:noFill/>
-          <a:ln>
-            <a:solidFill>
-              <a:srgbClr val="0070C0"/>
-            </a:solidFill>
-          </a:ln>
-        </p:spPr>
-        <p:style>
-          <a:lnRef idx="2">
-            <a:schemeClr val="accent1">
-              <a:shade val="15000"/>
-            </a:schemeClr>
-          </a:lnRef>
-          <a:fillRef idx="1">
-            <a:schemeClr val="accent1"/>
-          </a:fillRef>
-          <a:effectRef idx="0">
-            <a:schemeClr val="accent1"/>
-          </a:effectRef>
-          <a:fontRef idx="minor">
-            <a:schemeClr val="lt1"/>
-          </a:fontRef>
-        </p:style>
-        <p:txBody>
-          <a:bodyPr rtlCol="0" anchor="ctr"/>
-          <a:lstStyle/>
-          <a:p>
-            <a:pPr algn="ctr"/>
-            <a:endParaRPr lang="en-GB"/>
-          </a:p>
-        </p:txBody>
-      </p:sp>
-      <p:sp>
-        <p:nvSpPr>
-          <p:cNvPr id="36" name="TextBox 35">
-            <a:extLst>
-              <a:ext uri="{FF2B5EF4-FFF2-40B4-BE49-F238E27FC236}">
-                <a16:creationId xmlns:a16="http://schemas.microsoft.com/office/drawing/2014/main" id="{5F8A3523-C5BA-08A7-425B-A431F73AC7BB}"/>
-              </a:ext>
-            </a:extLst>
-          </p:cNvPr>
-          <p:cNvSpPr txBox="1"/>
-          <p:nvPr/>
-        </p:nvSpPr>
-        <p:spPr>
-          <a:xfrm>
-            <a:off x="5346596" y="4823375"/>
-            <a:ext cx="1498808" cy="369332"/>
-          </a:xfrm>
-          <a:prstGeom prst="rect">
-            <a:avLst/>
-          </a:prstGeom>
-          <a:noFill/>
-        </p:spPr>
-        <p:txBody>
-          <a:bodyPr wrap="none" rtlCol="0">
-            <a:spAutoFit/>
-          </a:bodyPr>
-          <a:lstStyle/>
-          <a:p>
-            <a:r>
-              <a:rPr lang="en-GB" b="1">
-                <a:solidFill>
-                  <a:srgbClr val="0070C0"/>
-                </a:solidFill>
-              </a:rPr>
-              <a:t>Domain Layer</a:t>
-            </a:r>
-          </a:p>
-        </p:txBody>
-      </p:sp>
-      <p:sp>
-        <p:nvSpPr>
-          <p:cNvPr id="37" name="TextBox 36">
-            <a:extLst>
-              <a:ext uri="{FF2B5EF4-FFF2-40B4-BE49-F238E27FC236}">
-                <a16:creationId xmlns:a16="http://schemas.microsoft.com/office/drawing/2014/main" id="{3CB9441C-30F7-7852-F73D-AF4F8BDC2619}"/>
-              </a:ext>
-            </a:extLst>
-          </p:cNvPr>
-          <p:cNvSpPr txBox="1"/>
-          <p:nvPr/>
-        </p:nvSpPr>
-        <p:spPr>
-          <a:xfrm>
-            <a:off x="5690280" y="5171873"/>
-            <a:ext cx="811441" cy="307777"/>
-          </a:xfrm>
-          <a:prstGeom prst="rect">
-            <a:avLst/>
-          </a:prstGeom>
-          <a:noFill/>
-        </p:spPr>
-        <p:txBody>
-          <a:bodyPr wrap="none" rtlCol="0">
-            <a:spAutoFit/>
-          </a:bodyPr>
-          <a:lstStyle/>
-          <a:p>
-            <a:r>
-              <a:rPr lang="en-GB" sz="1400" b="1">
-                <a:solidFill>
-                  <a:srgbClr val="0070C0"/>
-                </a:solidFill>
-              </a:rPr>
-              <a:t>Biz. Unit</a:t>
-            </a:r>
-          </a:p>
-        </p:txBody>
-      </p:sp>
-      <p:sp>
-        <p:nvSpPr>
-          <p:cNvPr id="6" name="TextBox 5">
-            <a:extLst>
-              <a:ext uri="{FF2B5EF4-FFF2-40B4-BE49-F238E27FC236}">
-                <a16:creationId xmlns:a16="http://schemas.microsoft.com/office/drawing/2014/main" id="{54C1D9AC-E59C-B684-F7E0-723BF977A6CE}"/>
-              </a:ext>
-            </a:extLst>
-          </p:cNvPr>
-          <p:cNvSpPr txBox="1"/>
-          <p:nvPr/>
-        </p:nvSpPr>
-        <p:spPr>
-          <a:xfrm>
-            <a:off x="5734365" y="2060148"/>
-            <a:ext cx="723275" cy="584775"/>
-          </a:xfrm>
-          <a:prstGeom prst="rect">
-            <a:avLst/>
-          </a:prstGeom>
-          <a:noFill/>
-        </p:spPr>
-        <p:txBody>
-          <a:bodyPr wrap="none" rtlCol="0">
-            <a:spAutoFit/>
-          </a:bodyPr>
-          <a:lstStyle/>
-          <a:p>
-            <a:pPr algn="ctr"/>
-            <a:r>
-              <a:rPr lang="en-GB" b="1">
-                <a:solidFill>
-                  <a:srgbClr val="0070C0"/>
-                </a:solidFill>
-              </a:rPr>
-              <a:t>Biz.</a:t>
-            </a:r>
-          </a:p>
-          <a:p>
-            <a:pPr algn="ctr"/>
-            <a:r>
-              <a:rPr lang="ko-KR" altLang="en-US" sz="1400" b="1">
-                <a:solidFill>
-                  <a:srgbClr val="0070C0"/>
-                </a:solidFill>
-              </a:rPr>
-              <a:t>관심사</a:t>
-            </a:r>
-            <a:endParaRPr lang="en-GB" sz="1400" b="1">
-              <a:solidFill>
-                <a:srgbClr val="0070C0"/>
-              </a:solidFill>
-            </a:endParaRPr>
-          </a:p>
-        </p:txBody>
-      </p:sp>
-      <p:cxnSp>
-        <p:nvCxnSpPr>
-          <p:cNvPr id="12" name="직선 화살표 연결선 11">
-            <a:extLst>
-              <a:ext uri="{FF2B5EF4-FFF2-40B4-BE49-F238E27FC236}">
-                <a16:creationId xmlns:a16="http://schemas.microsoft.com/office/drawing/2014/main" id="{B8ACC41C-8E37-7822-A2E1-522CD57D1BF6}"/>
-              </a:ext>
-            </a:extLst>
-          </p:cNvPr>
-          <p:cNvCxnSpPr>
-            <a:cxnSpLocks/>
-            <a:stCxn id="7" idx="2"/>
-          </p:cNvCxnSpPr>
-          <p:nvPr/>
-        </p:nvCxnSpPr>
-        <p:spPr>
-          <a:xfrm>
-            <a:off x="6096001" y="3982120"/>
-            <a:ext cx="0" cy="725035"/>
-          </a:xfrm>
-          <a:prstGeom prst="straightConnector1">
-            <a:avLst/>
-          </a:prstGeom>
-          <a:ln w="28575">
-            <a:solidFill>
-              <a:schemeClr val="tx1"/>
-            </a:solidFill>
-            <a:tailEnd type="triangle"/>
-          </a:ln>
-        </p:spPr>
-        <p:style>
-          <a:lnRef idx="1">
-            <a:schemeClr val="accent1"/>
-          </a:lnRef>
-          <a:fillRef idx="0">
-            <a:schemeClr val="accent1"/>
-          </a:fillRef>
-          <a:effectRef idx="0">
-            <a:schemeClr val="accent1"/>
-          </a:effectRef>
-          <a:fontRef idx="minor">
-            <a:schemeClr val="tx1"/>
-          </a:fontRef>
-        </p:style>
-      </p:cxnSp>
-      <p:sp>
-        <p:nvSpPr>
-          <p:cNvPr id="14" name="직사각형 13">
-            <a:extLst>
-              <a:ext uri="{FF2B5EF4-FFF2-40B4-BE49-F238E27FC236}">
-                <a16:creationId xmlns:a16="http://schemas.microsoft.com/office/drawing/2014/main" id="{A565EE6A-B37B-9635-5CC1-AD057AC8AA74}"/>
-              </a:ext>
-            </a:extLst>
-          </p:cNvPr>
-          <p:cNvSpPr/>
-          <p:nvPr/>
-        </p:nvSpPr>
-        <p:spPr>
-          <a:xfrm>
-            <a:off x="1222771" y="3093405"/>
-            <a:ext cx="2522305" cy="888715"/>
-          </a:xfrm>
-          <a:prstGeom prst="rect">
-            <a:avLst/>
-          </a:prstGeom>
-          <a:noFill/>
-          <a:ln>
-            <a:solidFill>
-              <a:srgbClr val="C00000"/>
-            </a:solidFill>
-          </a:ln>
-        </p:spPr>
-        <p:style>
-          <a:lnRef idx="2">
-            <a:schemeClr val="accent1">
-              <a:shade val="15000"/>
-            </a:schemeClr>
-          </a:lnRef>
-          <a:fillRef idx="1">
-            <a:schemeClr val="accent1"/>
-          </a:fillRef>
-          <a:effectRef idx="0">
-            <a:schemeClr val="accent1"/>
-          </a:effectRef>
-          <a:fontRef idx="minor">
-            <a:schemeClr val="lt1"/>
-          </a:fontRef>
-        </p:style>
-        <p:txBody>
-          <a:bodyPr rtlCol="0" anchor="ctr"/>
-          <a:lstStyle/>
-          <a:p>
-            <a:pPr algn="ctr"/>
-            <a:endParaRPr lang="en-GB"/>
-          </a:p>
-        </p:txBody>
-      </p:sp>
-      <p:sp>
-        <p:nvSpPr>
-          <p:cNvPr id="15" name="TextBox 14">
-            <a:extLst>
-              <a:ext uri="{FF2B5EF4-FFF2-40B4-BE49-F238E27FC236}">
-                <a16:creationId xmlns:a16="http://schemas.microsoft.com/office/drawing/2014/main" id="{0DD81B2E-FF32-A87C-1FB7-D2DF5CD35024}"/>
-              </a:ext>
-            </a:extLst>
-          </p:cNvPr>
-          <p:cNvSpPr txBox="1"/>
-          <p:nvPr/>
-        </p:nvSpPr>
-        <p:spPr>
-          <a:xfrm>
-            <a:off x="1722753" y="3209625"/>
-            <a:ext cx="1522340" cy="369332"/>
-          </a:xfrm>
-          <a:prstGeom prst="rect">
-            <a:avLst/>
-          </a:prstGeom>
-          <a:noFill/>
-        </p:spPr>
-        <p:txBody>
-          <a:bodyPr wrap="none" rtlCol="0">
-            <a:spAutoFit/>
-          </a:bodyPr>
-          <a:lstStyle/>
-          <a:p>
-            <a:r>
-              <a:rPr lang="en-GB" b="1">
-                <a:solidFill>
-                  <a:srgbClr val="C00000"/>
-                </a:solidFill>
-              </a:rPr>
-              <a:t>Adapter Layer</a:t>
-            </a:r>
-          </a:p>
-        </p:txBody>
-      </p:sp>
-      <p:sp>
-        <p:nvSpPr>
-          <p:cNvPr id="17" name="직사각형 16">
-            <a:extLst>
-              <a:ext uri="{FF2B5EF4-FFF2-40B4-BE49-F238E27FC236}">
-                <a16:creationId xmlns:a16="http://schemas.microsoft.com/office/drawing/2014/main" id="{362CCEB7-4200-C67A-0DE7-ACF353F0A272}"/>
-              </a:ext>
-            </a:extLst>
-          </p:cNvPr>
-          <p:cNvSpPr/>
-          <p:nvPr/>
-        </p:nvSpPr>
-        <p:spPr>
-          <a:xfrm>
-            <a:off x="8446925" y="3093404"/>
-            <a:ext cx="2522305" cy="888715"/>
-          </a:xfrm>
-          <a:prstGeom prst="rect">
-            <a:avLst/>
-          </a:prstGeom>
-          <a:noFill/>
-          <a:ln>
-            <a:solidFill>
-              <a:srgbClr val="C00000"/>
-            </a:solidFill>
-          </a:ln>
-        </p:spPr>
-        <p:style>
-          <a:lnRef idx="2">
-            <a:schemeClr val="accent1">
-              <a:shade val="15000"/>
-            </a:schemeClr>
-          </a:lnRef>
-          <a:fillRef idx="1">
-            <a:schemeClr val="accent1"/>
-          </a:fillRef>
-          <a:effectRef idx="0">
-            <a:schemeClr val="accent1"/>
-          </a:effectRef>
-          <a:fontRef idx="minor">
-            <a:schemeClr val="lt1"/>
-          </a:fontRef>
-        </p:style>
-        <p:txBody>
-          <a:bodyPr rtlCol="0" anchor="ctr"/>
-          <a:lstStyle/>
-          <a:p>
-            <a:pPr algn="ctr"/>
-            <a:endParaRPr lang="en-GB"/>
-          </a:p>
-        </p:txBody>
-      </p:sp>
-      <p:sp>
-        <p:nvSpPr>
-          <p:cNvPr id="18" name="TextBox 17">
-            <a:extLst>
-              <a:ext uri="{FF2B5EF4-FFF2-40B4-BE49-F238E27FC236}">
-                <a16:creationId xmlns:a16="http://schemas.microsoft.com/office/drawing/2014/main" id="{C3C6045D-DDE2-E666-51C6-80A86EF00FB2}"/>
-              </a:ext>
-            </a:extLst>
-          </p:cNvPr>
-          <p:cNvSpPr txBox="1"/>
-          <p:nvPr/>
-        </p:nvSpPr>
-        <p:spPr>
-          <a:xfrm>
-            <a:off x="8946907" y="3209625"/>
-            <a:ext cx="1522340" cy="369332"/>
-          </a:xfrm>
-          <a:prstGeom prst="rect">
-            <a:avLst/>
-          </a:prstGeom>
-          <a:noFill/>
-        </p:spPr>
-        <p:txBody>
-          <a:bodyPr wrap="none" rtlCol="0">
-            <a:spAutoFit/>
-          </a:bodyPr>
-          <a:lstStyle/>
-          <a:p>
-            <a:r>
-              <a:rPr lang="en-GB" b="1">
-                <a:solidFill>
-                  <a:srgbClr val="C00000"/>
-                </a:solidFill>
-              </a:rPr>
-              <a:t>Adapter Layer</a:t>
-            </a:r>
-          </a:p>
-        </p:txBody>
-      </p:sp>
-      <p:cxnSp>
-        <p:nvCxnSpPr>
-          <p:cNvPr id="19" name="직선 화살표 연결선 18">
-            <a:extLst>
-              <a:ext uri="{FF2B5EF4-FFF2-40B4-BE49-F238E27FC236}">
-                <a16:creationId xmlns:a16="http://schemas.microsoft.com/office/drawing/2014/main" id="{B1E611AD-F83A-7F36-6D44-FFECE2988715}"/>
-              </a:ext>
-            </a:extLst>
-          </p:cNvPr>
-          <p:cNvCxnSpPr>
-            <a:cxnSpLocks/>
-            <a:stCxn id="14" idx="3"/>
-            <a:endCxn id="7" idx="1"/>
-          </p:cNvCxnSpPr>
-          <p:nvPr/>
-        </p:nvCxnSpPr>
-        <p:spPr>
-          <a:xfrm>
-            <a:off x="3745076" y="3537763"/>
-            <a:ext cx="1089772" cy="0"/>
-          </a:xfrm>
-          <a:prstGeom prst="straightConnector1">
-            <a:avLst/>
-          </a:prstGeom>
-          <a:ln w="28575">
-            <a:solidFill>
-              <a:schemeClr val="tx1"/>
-            </a:solidFill>
-            <a:tailEnd type="triangle"/>
-          </a:ln>
-        </p:spPr>
-        <p:style>
-          <a:lnRef idx="1">
-            <a:schemeClr val="accent1"/>
-          </a:lnRef>
-          <a:fillRef idx="0">
-            <a:schemeClr val="accent1"/>
-          </a:fillRef>
-          <a:effectRef idx="0">
-            <a:schemeClr val="accent1"/>
-          </a:effectRef>
-          <a:fontRef idx="minor">
-            <a:schemeClr val="tx1"/>
-          </a:fontRef>
-        </p:style>
-      </p:cxnSp>
-      <p:cxnSp>
-        <p:nvCxnSpPr>
-          <p:cNvPr id="22" name="직선 화살표 연결선 21">
-            <a:extLst>
-              <a:ext uri="{FF2B5EF4-FFF2-40B4-BE49-F238E27FC236}">
-                <a16:creationId xmlns:a16="http://schemas.microsoft.com/office/drawing/2014/main" id="{0A5D6C57-E835-D13C-98E3-64657E86034E}"/>
-              </a:ext>
-            </a:extLst>
-          </p:cNvPr>
-          <p:cNvCxnSpPr>
-            <a:cxnSpLocks/>
-            <a:stCxn id="7" idx="3"/>
-            <a:endCxn id="17" idx="1"/>
-          </p:cNvCxnSpPr>
-          <p:nvPr/>
-        </p:nvCxnSpPr>
-        <p:spPr>
-          <a:xfrm flipV="1">
-            <a:off x="7357153" y="3537762"/>
-            <a:ext cx="1089772" cy="1"/>
-          </a:xfrm>
-          <a:prstGeom prst="straightConnector1">
-            <a:avLst/>
-          </a:prstGeom>
-          <a:ln w="28575">
-            <a:solidFill>
-              <a:schemeClr val="tx1"/>
-            </a:solidFill>
-            <a:tailEnd type="triangle"/>
-          </a:ln>
-        </p:spPr>
-        <p:style>
-          <a:lnRef idx="1">
-            <a:schemeClr val="accent1"/>
-          </a:lnRef>
-          <a:fillRef idx="0">
-            <a:schemeClr val="accent1"/>
-          </a:fillRef>
-          <a:effectRef idx="0">
-            <a:schemeClr val="accent1"/>
-          </a:effectRef>
-          <a:fontRef idx="minor">
-            <a:schemeClr val="tx1"/>
-          </a:fontRef>
-        </p:style>
-      </p:cxnSp>
-      <p:sp>
-        <p:nvSpPr>
-          <p:cNvPr id="25" name="TextBox 24">
-            <a:extLst>
-              <a:ext uri="{FF2B5EF4-FFF2-40B4-BE49-F238E27FC236}">
-                <a16:creationId xmlns:a16="http://schemas.microsoft.com/office/drawing/2014/main" id="{5876EF6A-0CCF-FF76-538D-420FA0D697D6}"/>
-              </a:ext>
-            </a:extLst>
-          </p:cNvPr>
-          <p:cNvSpPr txBox="1"/>
-          <p:nvPr/>
-        </p:nvSpPr>
-        <p:spPr>
-          <a:xfrm>
-            <a:off x="2122285" y="2060148"/>
-            <a:ext cx="723276" cy="584775"/>
-          </a:xfrm>
-          <a:prstGeom prst="rect">
-            <a:avLst/>
-          </a:prstGeom>
-          <a:noFill/>
-        </p:spPr>
-        <p:txBody>
-          <a:bodyPr wrap="none" rtlCol="0">
-            <a:spAutoFit/>
-          </a:bodyPr>
-          <a:lstStyle/>
-          <a:p>
-            <a:pPr algn="ctr"/>
-            <a:r>
-              <a:rPr lang="en-GB" b="1">
-                <a:solidFill>
-                  <a:srgbClr val="C00000"/>
-                </a:solidFill>
-              </a:rPr>
-              <a:t>Tech.</a:t>
-            </a:r>
-          </a:p>
-          <a:p>
-            <a:pPr algn="ctr"/>
-            <a:r>
-              <a:rPr lang="ko-KR" altLang="en-US" sz="1400" b="1">
-                <a:solidFill>
-                  <a:srgbClr val="C00000"/>
-                </a:solidFill>
-              </a:rPr>
-              <a:t>관심사</a:t>
-            </a:r>
-            <a:endParaRPr lang="en-GB" sz="1400" b="1">
-              <a:solidFill>
-                <a:srgbClr val="C00000"/>
-              </a:solidFill>
-            </a:endParaRPr>
-          </a:p>
-        </p:txBody>
-      </p:sp>
-      <p:sp>
-        <p:nvSpPr>
-          <p:cNvPr id="26" name="TextBox 25">
-            <a:extLst>
-              <a:ext uri="{FF2B5EF4-FFF2-40B4-BE49-F238E27FC236}">
-                <a16:creationId xmlns:a16="http://schemas.microsoft.com/office/drawing/2014/main" id="{114342B3-307D-A98C-882A-A88AAF8F9298}"/>
-              </a:ext>
-            </a:extLst>
-          </p:cNvPr>
-          <p:cNvSpPr txBox="1"/>
-          <p:nvPr/>
-        </p:nvSpPr>
-        <p:spPr>
-          <a:xfrm>
-            <a:off x="9346439" y="2060148"/>
-            <a:ext cx="723276" cy="584775"/>
-          </a:xfrm>
-          <a:prstGeom prst="rect">
-            <a:avLst/>
-          </a:prstGeom>
-          <a:noFill/>
-        </p:spPr>
-        <p:txBody>
-          <a:bodyPr wrap="none" rtlCol="0">
-            <a:spAutoFit/>
-          </a:bodyPr>
-          <a:lstStyle/>
-          <a:p>
-            <a:pPr algn="ctr"/>
-            <a:r>
-              <a:rPr lang="en-GB" b="1">
-                <a:solidFill>
-                  <a:srgbClr val="C00000"/>
-                </a:solidFill>
-              </a:rPr>
-              <a:t>Tech.</a:t>
-            </a:r>
-          </a:p>
-          <a:p>
-            <a:pPr algn="ctr"/>
-            <a:r>
-              <a:rPr lang="ko-KR" altLang="en-US" sz="1400" b="1">
-                <a:solidFill>
-                  <a:srgbClr val="C00000"/>
-                </a:solidFill>
-              </a:rPr>
-              <a:t>관심사</a:t>
-            </a:r>
-            <a:endParaRPr lang="en-GB" sz="1400" b="1">
-              <a:solidFill>
-                <a:srgbClr val="C00000"/>
-              </a:solidFill>
-            </a:endParaRPr>
-          </a:p>
-        </p:txBody>
-      </p:sp>
-      <p:sp>
-        <p:nvSpPr>
-          <p:cNvPr id="27" name="TextBox 26">
-            <a:extLst>
-              <a:ext uri="{FF2B5EF4-FFF2-40B4-BE49-F238E27FC236}">
-                <a16:creationId xmlns:a16="http://schemas.microsoft.com/office/drawing/2014/main" id="{A9DC3310-F5D5-7F1A-40BC-F25D6179B9FB}"/>
-              </a:ext>
-            </a:extLst>
-          </p:cNvPr>
-          <p:cNvSpPr txBox="1"/>
-          <p:nvPr/>
-        </p:nvSpPr>
-        <p:spPr>
-          <a:xfrm>
-            <a:off x="2082210" y="1262131"/>
-            <a:ext cx="800219" cy="461665"/>
-          </a:xfrm>
-          <a:prstGeom prst="rect">
-            <a:avLst/>
-          </a:prstGeom>
-          <a:noFill/>
-        </p:spPr>
-        <p:txBody>
-          <a:bodyPr wrap="none" rtlCol="0">
-            <a:spAutoFit/>
-          </a:bodyPr>
-          <a:lstStyle/>
-          <a:p>
-            <a:r>
-              <a:rPr lang="ko-KR" altLang="en-US" sz="2400" b="1">
-                <a:solidFill>
-                  <a:srgbClr val="C00000"/>
-                </a:solidFill>
-              </a:rPr>
-              <a:t>입력</a:t>
-            </a:r>
-            <a:endParaRPr lang="en-GB" sz="2400" b="1">
-              <a:solidFill>
-                <a:srgbClr val="C00000"/>
-              </a:solidFill>
-            </a:endParaRPr>
-          </a:p>
-        </p:txBody>
-      </p:sp>
-      <p:sp>
-        <p:nvSpPr>
-          <p:cNvPr id="28" name="TextBox 27">
-            <a:extLst>
-              <a:ext uri="{FF2B5EF4-FFF2-40B4-BE49-F238E27FC236}">
-                <a16:creationId xmlns:a16="http://schemas.microsoft.com/office/drawing/2014/main" id="{14AB4749-0465-1CE7-93F7-DDD768C7C167}"/>
-              </a:ext>
-            </a:extLst>
-          </p:cNvPr>
-          <p:cNvSpPr txBox="1"/>
-          <p:nvPr/>
-        </p:nvSpPr>
-        <p:spPr>
-          <a:xfrm>
-            <a:off x="9309570" y="1262131"/>
-            <a:ext cx="800219" cy="461665"/>
-          </a:xfrm>
-          <a:prstGeom prst="rect">
-            <a:avLst/>
-          </a:prstGeom>
-          <a:noFill/>
-        </p:spPr>
-        <p:txBody>
-          <a:bodyPr wrap="none" rtlCol="0">
-            <a:spAutoFit/>
-          </a:bodyPr>
-          <a:lstStyle/>
-          <a:p>
-            <a:r>
-              <a:rPr lang="ko-KR" altLang="en-US" sz="2400" b="1">
-                <a:solidFill>
-                  <a:srgbClr val="C00000"/>
-                </a:solidFill>
-              </a:rPr>
-              <a:t>출력</a:t>
-            </a:r>
-            <a:endParaRPr lang="en-GB" sz="2400" b="1">
-              <a:solidFill>
-                <a:srgbClr val="C00000"/>
-              </a:solidFill>
-            </a:endParaRPr>
-          </a:p>
-        </p:txBody>
-      </p:sp>
-      <p:sp>
-        <p:nvSpPr>
-          <p:cNvPr id="29" name="TextBox 28">
-            <a:extLst>
-              <a:ext uri="{FF2B5EF4-FFF2-40B4-BE49-F238E27FC236}">
-                <a16:creationId xmlns:a16="http://schemas.microsoft.com/office/drawing/2014/main" id="{11FE0E38-9DE1-4EA3-46F4-397DF060B9C4}"/>
-              </a:ext>
-            </a:extLst>
-          </p:cNvPr>
-          <p:cNvSpPr txBox="1"/>
-          <p:nvPr/>
-        </p:nvSpPr>
-        <p:spPr>
-          <a:xfrm>
-            <a:off x="5694289" y="1262131"/>
-            <a:ext cx="800219" cy="461665"/>
-          </a:xfrm>
-          <a:prstGeom prst="rect">
-            <a:avLst/>
-          </a:prstGeom>
-          <a:noFill/>
-        </p:spPr>
-        <p:txBody>
-          <a:bodyPr wrap="none" rtlCol="0">
-            <a:spAutoFit/>
-          </a:bodyPr>
-          <a:lstStyle/>
-          <a:p>
-            <a:r>
-              <a:rPr lang="ko-KR" altLang="en-US" sz="2400" b="1">
-                <a:solidFill>
-                  <a:srgbClr val="0070C0"/>
-                </a:solidFill>
-              </a:rPr>
-              <a:t>연산</a:t>
-            </a:r>
-            <a:endParaRPr lang="en-GB" sz="2400" b="1">
-              <a:solidFill>
-                <a:srgbClr val="0070C0"/>
-              </a:solidFill>
-            </a:endParaRPr>
-          </a:p>
-        </p:txBody>
-      </p:sp>
-      <p:sp>
-        <p:nvSpPr>
-          <p:cNvPr id="7" name="직사각형 6">
-            <a:extLst>
-              <a:ext uri="{FF2B5EF4-FFF2-40B4-BE49-F238E27FC236}">
-                <a16:creationId xmlns:a16="http://schemas.microsoft.com/office/drawing/2014/main" id="{7194F96B-9CC7-F9E2-6D03-0628FBE22A55}"/>
-              </a:ext>
-            </a:extLst>
-          </p:cNvPr>
-          <p:cNvSpPr/>
-          <p:nvPr/>
-        </p:nvSpPr>
-        <p:spPr>
-          <a:xfrm>
-            <a:off x="4834848" y="3093405"/>
-            <a:ext cx="2522305" cy="888715"/>
-          </a:xfrm>
-          <a:prstGeom prst="rect">
-            <a:avLst/>
-          </a:prstGeom>
-          <a:noFill/>
-          <a:ln>
-            <a:solidFill>
-              <a:srgbClr val="0070C0"/>
-            </a:solidFill>
-          </a:ln>
-        </p:spPr>
-        <p:style>
-          <a:lnRef idx="2">
-            <a:schemeClr val="accent1">
-              <a:shade val="15000"/>
-            </a:schemeClr>
-          </a:lnRef>
-          <a:fillRef idx="1">
-            <a:schemeClr val="accent1"/>
-          </a:fillRef>
-          <a:effectRef idx="0">
-            <a:schemeClr val="accent1"/>
-          </a:effectRef>
-          <a:fontRef idx="minor">
-            <a:schemeClr val="lt1"/>
-          </a:fontRef>
-        </p:style>
-        <p:txBody>
-          <a:bodyPr rtlCol="0" anchor="ctr"/>
-          <a:lstStyle/>
-          <a:p>
-            <a:pPr algn="ctr"/>
-            <a:endParaRPr lang="en-GB"/>
-          </a:p>
-        </p:txBody>
-      </p:sp>
-      <p:sp>
-        <p:nvSpPr>
-          <p:cNvPr id="4" name="TextBox 3">
-            <a:extLst>
-              <a:ext uri="{FF2B5EF4-FFF2-40B4-BE49-F238E27FC236}">
-                <a16:creationId xmlns:a16="http://schemas.microsoft.com/office/drawing/2014/main" id="{D139179B-B8E8-0CC4-BD66-4B459A2012F2}"/>
-              </a:ext>
-            </a:extLst>
-          </p:cNvPr>
-          <p:cNvSpPr txBox="1"/>
-          <p:nvPr/>
-        </p:nvSpPr>
-        <p:spPr>
-          <a:xfrm>
-            <a:off x="5177608" y="3209625"/>
-            <a:ext cx="1836785" cy="369332"/>
-          </a:xfrm>
-          <a:prstGeom prst="rect">
-            <a:avLst/>
-          </a:prstGeom>
-          <a:noFill/>
-        </p:spPr>
-        <p:txBody>
-          <a:bodyPr wrap="none" rtlCol="0">
-            <a:spAutoFit/>
-          </a:bodyPr>
-          <a:lstStyle/>
-          <a:p>
-            <a:r>
-              <a:rPr lang="en-GB" b="1">
-                <a:solidFill>
-                  <a:srgbClr val="0070C0"/>
-                </a:solidFill>
-              </a:rPr>
-              <a:t>Application Layer</a:t>
-            </a:r>
-          </a:p>
-        </p:txBody>
-      </p:sp>
-      <p:sp>
-        <p:nvSpPr>
-          <p:cNvPr id="30" name="TextBox 29">
-            <a:extLst>
-              <a:ext uri="{FF2B5EF4-FFF2-40B4-BE49-F238E27FC236}">
-                <a16:creationId xmlns:a16="http://schemas.microsoft.com/office/drawing/2014/main" id="{CA1AFD1B-B1C3-0B07-946C-97C3C8C75501}"/>
-              </a:ext>
-            </a:extLst>
-          </p:cNvPr>
-          <p:cNvSpPr txBox="1"/>
-          <p:nvPr/>
-        </p:nvSpPr>
-        <p:spPr>
-          <a:xfrm>
-            <a:off x="5672807" y="3558123"/>
-            <a:ext cx="846386" cy="307777"/>
-          </a:xfrm>
-          <a:prstGeom prst="rect">
-            <a:avLst/>
-          </a:prstGeom>
-          <a:noFill/>
-        </p:spPr>
-        <p:txBody>
-          <a:bodyPr wrap="none" rtlCol="0">
-            <a:spAutoFit/>
-          </a:bodyPr>
-          <a:lstStyle/>
-          <a:p>
-            <a:r>
-              <a:rPr lang="en-GB" sz="1400" b="1">
-                <a:solidFill>
-                  <a:srgbClr val="0070C0"/>
-                </a:solidFill>
-              </a:rPr>
-              <a:t>Biz. Flow</a:t>
-            </a:r>
-          </a:p>
-        </p:txBody>
-      </p:sp>
-      <p:sp>
-        <p:nvSpPr>
-          <p:cNvPr id="41" name="직사각형 40">
-            <a:extLst>
-              <a:ext uri="{FF2B5EF4-FFF2-40B4-BE49-F238E27FC236}">
-                <a16:creationId xmlns:a16="http://schemas.microsoft.com/office/drawing/2014/main" id="{FF8E5B79-D254-B3E5-1577-AAE1BF010CD9}"/>
-              </a:ext>
-            </a:extLst>
-          </p:cNvPr>
-          <p:cNvSpPr/>
-          <p:nvPr/>
-        </p:nvSpPr>
-        <p:spPr>
-          <a:xfrm>
-            <a:off x="679808" y="711486"/>
-            <a:ext cx="10832386" cy="5435029"/>
-          </a:xfrm>
-          <a:prstGeom prst="rect">
-            <a:avLst/>
-          </a:prstGeom>
-          <a:noFill/>
-        </p:spPr>
-        <p:style>
-          <a:lnRef idx="2">
-            <a:schemeClr val="accent1">
-              <a:shade val="15000"/>
-            </a:schemeClr>
-          </a:lnRef>
-          <a:fillRef idx="1">
-            <a:schemeClr val="accent1"/>
-          </a:fillRef>
-          <a:effectRef idx="0">
-            <a:schemeClr val="accent1"/>
-          </a:effectRef>
-          <a:fontRef idx="minor">
-            <a:schemeClr val="lt1"/>
-          </a:fontRef>
-        </p:style>
-        <p:txBody>
-          <a:bodyPr rtlCol="0" anchor="ctr"/>
-          <a:lstStyle/>
-          <a:p>
-            <a:pPr algn="ctr"/>
-            <a:endParaRPr lang="en-GB"/>
-          </a:p>
-        </p:txBody>
-      </p:sp>
-      <p:sp>
-        <p:nvSpPr>
-          <p:cNvPr id="2" name="TextBox 1">
-            <a:extLst>
-              <a:ext uri="{FF2B5EF4-FFF2-40B4-BE49-F238E27FC236}">
-                <a16:creationId xmlns:a16="http://schemas.microsoft.com/office/drawing/2014/main" id="{2F1C3515-F01F-C2CC-B45D-C128B4F7AA8C}"/>
-              </a:ext>
-            </a:extLst>
-          </p:cNvPr>
-          <p:cNvSpPr txBox="1"/>
-          <p:nvPr/>
-        </p:nvSpPr>
-        <p:spPr>
-          <a:xfrm>
-            <a:off x="2200576" y="3558123"/>
-            <a:ext cx="566694" cy="307777"/>
-          </a:xfrm>
-          <a:prstGeom prst="rect">
-            <a:avLst/>
-          </a:prstGeom>
-          <a:noFill/>
-        </p:spPr>
-        <p:txBody>
-          <a:bodyPr wrap="none" rtlCol="0">
-            <a:spAutoFit/>
-          </a:bodyPr>
-          <a:lstStyle/>
-          <a:p>
-            <a:r>
-              <a:rPr lang="en-GB" sz="1400" b="1">
-                <a:solidFill>
-                  <a:srgbClr val="C00000"/>
-                </a:solidFill>
-              </a:rPr>
-              <a:t>Tech.</a:t>
-            </a:r>
-          </a:p>
-        </p:txBody>
-      </p:sp>
-      <p:sp>
-        <p:nvSpPr>
-          <p:cNvPr id="3" name="TextBox 2">
-            <a:extLst>
-              <a:ext uri="{FF2B5EF4-FFF2-40B4-BE49-F238E27FC236}">
-                <a16:creationId xmlns:a16="http://schemas.microsoft.com/office/drawing/2014/main" id="{24A22A57-FF19-B0B3-8410-5E48EAA1B6CB}"/>
-              </a:ext>
-            </a:extLst>
-          </p:cNvPr>
-          <p:cNvSpPr txBox="1"/>
-          <p:nvPr/>
-        </p:nvSpPr>
-        <p:spPr>
-          <a:xfrm>
-            <a:off x="9424730" y="3558123"/>
-            <a:ext cx="566694" cy="307777"/>
-          </a:xfrm>
-          <a:prstGeom prst="rect">
-            <a:avLst/>
-          </a:prstGeom>
-          <a:noFill/>
-        </p:spPr>
-        <p:txBody>
-          <a:bodyPr wrap="none" rtlCol="0">
-            <a:spAutoFit/>
-          </a:bodyPr>
-          <a:lstStyle/>
-          <a:p>
-            <a:r>
-              <a:rPr lang="en-GB" sz="1400" b="1">
-                <a:solidFill>
-                  <a:srgbClr val="C00000"/>
-                </a:solidFill>
-              </a:rPr>
-              <a:t>Tech.</a:t>
-            </a:r>
-          </a:p>
-        </p:txBody>
-      </p:sp>
-    </p:spTree>
-    <p:extLst>
-      <p:ext uri="{BB962C8B-B14F-4D97-AF65-F5344CB8AC3E}">
-        <p14:creationId xmlns:p14="http://schemas.microsoft.com/office/powerpoint/2010/main" val="2224589672"/>
-      </p:ext>
-    </p:extLst>
-  </p:cSld>
-  <p:clrMapOvr>
-    <a:masterClrMapping/>
-  </p:clrMapOvr>
-</p:sld>
-</file>
-
 <file path=ppt/slides/slide9.xml><?xml version="1.0" encoding="utf-8"?>
 <p:sld xmlns:a="http://schemas.openxmlformats.org/drawingml/2006/main" xmlns:r="http://schemas.openxmlformats.org/officeDocument/2006/relationships" xmlns:p="http://schemas.openxmlformats.org/presentationml/2006/main">
   <p:cSld>
@@ -16325,57 +18973,1014 @@
           <a:chExt cx="0" cy="0"/>
         </a:xfrm>
       </p:grpSpPr>
-      <p:pic>
-        <p:nvPicPr>
-          <p:cNvPr id="1026" name="Picture 2">
-            <a:extLst>
-              <a:ext uri="{FF2B5EF4-FFF2-40B4-BE49-F238E27FC236}">
-                <a16:creationId xmlns:a16="http://schemas.microsoft.com/office/drawing/2014/main" id="{BC3ACB72-3A86-B1EF-E633-8641526CF5FA}"/>
-              </a:ext>
-            </a:extLst>
-          </p:cNvPr>
-          <p:cNvPicPr>
-            <a:picLocks noChangeAspect="1" noChangeArrowheads="1"/>
-          </p:cNvPicPr>
-          <p:nvPr/>
-        </p:nvPicPr>
-        <p:blipFill>
-          <a:blip r:embed="rId2">
-            <a:extLst>
-              <a:ext uri="{28A0092B-C50C-407E-A947-70E740481C1C}">
-                <a14:useLocalDpi xmlns:a14="http://schemas.microsoft.com/office/drawing/2010/main" val="0"/>
-              </a:ext>
-            </a:extLst>
-          </a:blip>
-          <a:srcRect/>
-          <a:stretch>
-            <a:fillRect/>
-          </a:stretch>
-        </p:blipFill>
-        <p:spPr bwMode="auto">
-          <a:xfrm>
-            <a:off x="2390775" y="1533525"/>
-            <a:ext cx="7410450" cy="3790950"/>
-          </a:xfrm>
-          <a:prstGeom prst="rect">
-            <a:avLst/>
-          </a:prstGeom>
-          <a:noFill/>
-          <a:extLst>
-            <a:ext uri="{909E8E84-426E-40DD-AFC4-6F175D3DCCD1}">
-              <a14:hiddenFill xmlns:a14="http://schemas.microsoft.com/office/drawing/2010/main">
-                <a:solidFill>
-                  <a:srgbClr val="FFFFFF"/>
-                </a:solidFill>
-              </a14:hiddenFill>
-            </a:ext>
-          </a:extLst>
-        </p:spPr>
-      </p:pic>
+      <p:sp>
+        <p:nvSpPr>
+          <p:cNvPr id="34" name="직사각형 33">
+            <a:extLst>
+              <a:ext uri="{FF2B5EF4-FFF2-40B4-BE49-F238E27FC236}">
+                <a16:creationId xmlns:a16="http://schemas.microsoft.com/office/drawing/2014/main" id="{9A1A558F-3A8D-33B0-0EDC-5AF8B1238133}"/>
+              </a:ext>
+            </a:extLst>
+          </p:cNvPr>
+          <p:cNvSpPr/>
+          <p:nvPr/>
+        </p:nvSpPr>
+        <p:spPr>
+          <a:xfrm>
+            <a:off x="4834848" y="4707155"/>
+            <a:ext cx="2522305" cy="888715"/>
+          </a:xfrm>
+          <a:prstGeom prst="rect">
+            <a:avLst/>
+          </a:prstGeom>
+          <a:noFill/>
+          <a:ln>
+            <a:solidFill>
+              <a:srgbClr val="0070C0"/>
+            </a:solidFill>
+          </a:ln>
+        </p:spPr>
+        <p:style>
+          <a:lnRef idx="2">
+            <a:schemeClr val="accent1">
+              <a:shade val="15000"/>
+            </a:schemeClr>
+          </a:lnRef>
+          <a:fillRef idx="1">
+            <a:schemeClr val="accent1"/>
+          </a:fillRef>
+          <a:effectRef idx="0">
+            <a:schemeClr val="accent1"/>
+          </a:effectRef>
+          <a:fontRef idx="minor">
+            <a:schemeClr val="lt1"/>
+          </a:fontRef>
+        </p:style>
+        <p:txBody>
+          <a:bodyPr rtlCol="0" anchor="ctr"/>
+          <a:lstStyle/>
+          <a:p>
+            <a:pPr algn="ctr"/>
+            <a:endParaRPr lang="en-GB"/>
+          </a:p>
+        </p:txBody>
+      </p:sp>
+      <p:sp>
+        <p:nvSpPr>
+          <p:cNvPr id="36" name="TextBox 35">
+            <a:extLst>
+              <a:ext uri="{FF2B5EF4-FFF2-40B4-BE49-F238E27FC236}">
+                <a16:creationId xmlns:a16="http://schemas.microsoft.com/office/drawing/2014/main" id="{5F8A3523-C5BA-08A7-425B-A431F73AC7BB}"/>
+              </a:ext>
+            </a:extLst>
+          </p:cNvPr>
+          <p:cNvSpPr txBox="1"/>
+          <p:nvPr/>
+        </p:nvSpPr>
+        <p:spPr>
+          <a:xfrm>
+            <a:off x="5346596" y="4823375"/>
+            <a:ext cx="1498808" cy="369332"/>
+          </a:xfrm>
+          <a:prstGeom prst="rect">
+            <a:avLst/>
+          </a:prstGeom>
+          <a:noFill/>
+        </p:spPr>
+        <p:txBody>
+          <a:bodyPr wrap="none" rtlCol="0">
+            <a:spAutoFit/>
+          </a:bodyPr>
+          <a:lstStyle/>
+          <a:p>
+            <a:r>
+              <a:rPr lang="en-GB" b="1">
+                <a:solidFill>
+                  <a:srgbClr val="0070C0"/>
+                </a:solidFill>
+              </a:rPr>
+              <a:t>Domain Layer</a:t>
+            </a:r>
+          </a:p>
+        </p:txBody>
+      </p:sp>
+      <p:sp>
+        <p:nvSpPr>
+          <p:cNvPr id="37" name="TextBox 36">
+            <a:extLst>
+              <a:ext uri="{FF2B5EF4-FFF2-40B4-BE49-F238E27FC236}">
+                <a16:creationId xmlns:a16="http://schemas.microsoft.com/office/drawing/2014/main" id="{3CB9441C-30F7-7852-F73D-AF4F8BDC2619}"/>
+              </a:ext>
+            </a:extLst>
+          </p:cNvPr>
+          <p:cNvSpPr txBox="1"/>
+          <p:nvPr/>
+        </p:nvSpPr>
+        <p:spPr>
+          <a:xfrm>
+            <a:off x="5690280" y="5171873"/>
+            <a:ext cx="811441" cy="307777"/>
+          </a:xfrm>
+          <a:prstGeom prst="rect">
+            <a:avLst/>
+          </a:prstGeom>
+          <a:noFill/>
+        </p:spPr>
+        <p:txBody>
+          <a:bodyPr wrap="none" rtlCol="0">
+            <a:spAutoFit/>
+          </a:bodyPr>
+          <a:lstStyle/>
+          <a:p>
+            <a:r>
+              <a:rPr lang="en-GB" sz="1400" b="1">
+                <a:solidFill>
+                  <a:srgbClr val="0070C0"/>
+                </a:solidFill>
+              </a:rPr>
+              <a:t>Biz. Unit</a:t>
+            </a:r>
+          </a:p>
+        </p:txBody>
+      </p:sp>
+      <p:sp>
+        <p:nvSpPr>
+          <p:cNvPr id="6" name="TextBox 5">
+            <a:extLst>
+              <a:ext uri="{FF2B5EF4-FFF2-40B4-BE49-F238E27FC236}">
+                <a16:creationId xmlns:a16="http://schemas.microsoft.com/office/drawing/2014/main" id="{54C1D9AC-E59C-B684-F7E0-723BF977A6CE}"/>
+              </a:ext>
+            </a:extLst>
+          </p:cNvPr>
+          <p:cNvSpPr txBox="1"/>
+          <p:nvPr/>
+        </p:nvSpPr>
+        <p:spPr>
+          <a:xfrm>
+            <a:off x="5734365" y="2060148"/>
+            <a:ext cx="723275" cy="584775"/>
+          </a:xfrm>
+          <a:prstGeom prst="rect">
+            <a:avLst/>
+          </a:prstGeom>
+          <a:noFill/>
+        </p:spPr>
+        <p:txBody>
+          <a:bodyPr wrap="none" rtlCol="0">
+            <a:spAutoFit/>
+          </a:bodyPr>
+          <a:lstStyle/>
+          <a:p>
+            <a:pPr algn="ctr"/>
+            <a:r>
+              <a:rPr lang="en-GB" b="1">
+                <a:solidFill>
+                  <a:srgbClr val="0070C0"/>
+                </a:solidFill>
+              </a:rPr>
+              <a:t>Biz.</a:t>
+            </a:r>
+          </a:p>
+          <a:p>
+            <a:pPr algn="ctr"/>
+            <a:r>
+              <a:rPr lang="ko-KR" altLang="en-US" sz="1400" b="1">
+                <a:solidFill>
+                  <a:srgbClr val="0070C0"/>
+                </a:solidFill>
+              </a:rPr>
+              <a:t>관심사</a:t>
+            </a:r>
+            <a:endParaRPr lang="en-GB" sz="1400" b="1">
+              <a:solidFill>
+                <a:srgbClr val="0070C0"/>
+              </a:solidFill>
+            </a:endParaRPr>
+          </a:p>
+        </p:txBody>
+      </p:sp>
+      <p:cxnSp>
+        <p:nvCxnSpPr>
+          <p:cNvPr id="12" name="직선 화살표 연결선 11">
+            <a:extLst>
+              <a:ext uri="{FF2B5EF4-FFF2-40B4-BE49-F238E27FC236}">
+                <a16:creationId xmlns:a16="http://schemas.microsoft.com/office/drawing/2014/main" id="{B8ACC41C-8E37-7822-A2E1-522CD57D1BF6}"/>
+              </a:ext>
+            </a:extLst>
+          </p:cNvPr>
+          <p:cNvCxnSpPr>
+            <a:cxnSpLocks/>
+            <a:stCxn id="7" idx="2"/>
+          </p:cNvCxnSpPr>
+          <p:nvPr/>
+        </p:nvCxnSpPr>
+        <p:spPr>
+          <a:xfrm>
+            <a:off x="6096001" y="3982120"/>
+            <a:ext cx="0" cy="725035"/>
+          </a:xfrm>
+          <a:prstGeom prst="straightConnector1">
+            <a:avLst/>
+          </a:prstGeom>
+          <a:ln w="28575">
+            <a:solidFill>
+              <a:schemeClr val="tx1"/>
+            </a:solidFill>
+            <a:tailEnd type="triangle"/>
+          </a:ln>
+        </p:spPr>
+        <p:style>
+          <a:lnRef idx="1">
+            <a:schemeClr val="accent1"/>
+          </a:lnRef>
+          <a:fillRef idx="0">
+            <a:schemeClr val="accent1"/>
+          </a:fillRef>
+          <a:effectRef idx="0">
+            <a:schemeClr val="accent1"/>
+          </a:effectRef>
+          <a:fontRef idx="minor">
+            <a:schemeClr val="tx1"/>
+          </a:fontRef>
+        </p:style>
+      </p:cxnSp>
+      <p:sp>
+        <p:nvSpPr>
+          <p:cNvPr id="14" name="직사각형 13">
+            <a:extLst>
+              <a:ext uri="{FF2B5EF4-FFF2-40B4-BE49-F238E27FC236}">
+                <a16:creationId xmlns:a16="http://schemas.microsoft.com/office/drawing/2014/main" id="{A565EE6A-B37B-9635-5CC1-AD057AC8AA74}"/>
+              </a:ext>
+            </a:extLst>
+          </p:cNvPr>
+          <p:cNvSpPr/>
+          <p:nvPr/>
+        </p:nvSpPr>
+        <p:spPr>
+          <a:xfrm>
+            <a:off x="1222771" y="3093405"/>
+            <a:ext cx="2522305" cy="888715"/>
+          </a:xfrm>
+          <a:prstGeom prst="rect">
+            <a:avLst/>
+          </a:prstGeom>
+          <a:noFill/>
+          <a:ln>
+            <a:solidFill>
+              <a:srgbClr val="C00000"/>
+            </a:solidFill>
+          </a:ln>
+        </p:spPr>
+        <p:style>
+          <a:lnRef idx="2">
+            <a:schemeClr val="accent1">
+              <a:shade val="15000"/>
+            </a:schemeClr>
+          </a:lnRef>
+          <a:fillRef idx="1">
+            <a:schemeClr val="accent1"/>
+          </a:fillRef>
+          <a:effectRef idx="0">
+            <a:schemeClr val="accent1"/>
+          </a:effectRef>
+          <a:fontRef idx="minor">
+            <a:schemeClr val="lt1"/>
+          </a:fontRef>
+        </p:style>
+        <p:txBody>
+          <a:bodyPr rtlCol="0" anchor="ctr"/>
+          <a:lstStyle/>
+          <a:p>
+            <a:pPr algn="ctr"/>
+            <a:endParaRPr lang="en-GB"/>
+          </a:p>
+        </p:txBody>
+      </p:sp>
+      <p:sp>
+        <p:nvSpPr>
+          <p:cNvPr id="15" name="TextBox 14">
+            <a:extLst>
+              <a:ext uri="{FF2B5EF4-FFF2-40B4-BE49-F238E27FC236}">
+                <a16:creationId xmlns:a16="http://schemas.microsoft.com/office/drawing/2014/main" id="{0DD81B2E-FF32-A87C-1FB7-D2DF5CD35024}"/>
+              </a:ext>
+            </a:extLst>
+          </p:cNvPr>
+          <p:cNvSpPr txBox="1"/>
+          <p:nvPr/>
+        </p:nvSpPr>
+        <p:spPr>
+          <a:xfrm>
+            <a:off x="1722753" y="3209625"/>
+            <a:ext cx="1522340" cy="369332"/>
+          </a:xfrm>
+          <a:prstGeom prst="rect">
+            <a:avLst/>
+          </a:prstGeom>
+          <a:noFill/>
+        </p:spPr>
+        <p:txBody>
+          <a:bodyPr wrap="none" rtlCol="0">
+            <a:spAutoFit/>
+          </a:bodyPr>
+          <a:lstStyle/>
+          <a:p>
+            <a:r>
+              <a:rPr lang="en-GB" b="1">
+                <a:solidFill>
+                  <a:srgbClr val="C00000"/>
+                </a:solidFill>
+              </a:rPr>
+              <a:t>Adapter Layer</a:t>
+            </a:r>
+          </a:p>
+        </p:txBody>
+      </p:sp>
+      <p:sp>
+        <p:nvSpPr>
+          <p:cNvPr id="17" name="직사각형 16">
+            <a:extLst>
+              <a:ext uri="{FF2B5EF4-FFF2-40B4-BE49-F238E27FC236}">
+                <a16:creationId xmlns:a16="http://schemas.microsoft.com/office/drawing/2014/main" id="{362CCEB7-4200-C67A-0DE7-ACF353F0A272}"/>
+              </a:ext>
+            </a:extLst>
+          </p:cNvPr>
+          <p:cNvSpPr/>
+          <p:nvPr/>
+        </p:nvSpPr>
+        <p:spPr>
+          <a:xfrm>
+            <a:off x="8446925" y="3093404"/>
+            <a:ext cx="2522305" cy="888715"/>
+          </a:xfrm>
+          <a:prstGeom prst="rect">
+            <a:avLst/>
+          </a:prstGeom>
+          <a:noFill/>
+          <a:ln>
+            <a:solidFill>
+              <a:srgbClr val="C00000"/>
+            </a:solidFill>
+          </a:ln>
+        </p:spPr>
+        <p:style>
+          <a:lnRef idx="2">
+            <a:schemeClr val="accent1">
+              <a:shade val="15000"/>
+            </a:schemeClr>
+          </a:lnRef>
+          <a:fillRef idx="1">
+            <a:schemeClr val="accent1"/>
+          </a:fillRef>
+          <a:effectRef idx="0">
+            <a:schemeClr val="accent1"/>
+          </a:effectRef>
+          <a:fontRef idx="minor">
+            <a:schemeClr val="lt1"/>
+          </a:fontRef>
+        </p:style>
+        <p:txBody>
+          <a:bodyPr rtlCol="0" anchor="ctr"/>
+          <a:lstStyle/>
+          <a:p>
+            <a:pPr algn="ctr"/>
+            <a:endParaRPr lang="en-GB"/>
+          </a:p>
+        </p:txBody>
+      </p:sp>
+      <p:sp>
+        <p:nvSpPr>
+          <p:cNvPr id="18" name="TextBox 17">
+            <a:extLst>
+              <a:ext uri="{FF2B5EF4-FFF2-40B4-BE49-F238E27FC236}">
+                <a16:creationId xmlns:a16="http://schemas.microsoft.com/office/drawing/2014/main" id="{C3C6045D-DDE2-E666-51C6-80A86EF00FB2}"/>
+              </a:ext>
+            </a:extLst>
+          </p:cNvPr>
+          <p:cNvSpPr txBox="1"/>
+          <p:nvPr/>
+        </p:nvSpPr>
+        <p:spPr>
+          <a:xfrm>
+            <a:off x="8946907" y="3209625"/>
+            <a:ext cx="1522340" cy="369332"/>
+          </a:xfrm>
+          <a:prstGeom prst="rect">
+            <a:avLst/>
+          </a:prstGeom>
+          <a:noFill/>
+        </p:spPr>
+        <p:txBody>
+          <a:bodyPr wrap="none" rtlCol="0">
+            <a:spAutoFit/>
+          </a:bodyPr>
+          <a:lstStyle/>
+          <a:p>
+            <a:r>
+              <a:rPr lang="en-GB" b="1">
+                <a:solidFill>
+                  <a:srgbClr val="C00000"/>
+                </a:solidFill>
+              </a:rPr>
+              <a:t>Adapter Layer</a:t>
+            </a:r>
+          </a:p>
+        </p:txBody>
+      </p:sp>
+      <p:cxnSp>
+        <p:nvCxnSpPr>
+          <p:cNvPr id="19" name="직선 화살표 연결선 18">
+            <a:extLst>
+              <a:ext uri="{FF2B5EF4-FFF2-40B4-BE49-F238E27FC236}">
+                <a16:creationId xmlns:a16="http://schemas.microsoft.com/office/drawing/2014/main" id="{B1E611AD-F83A-7F36-6D44-FFECE2988715}"/>
+              </a:ext>
+            </a:extLst>
+          </p:cNvPr>
+          <p:cNvCxnSpPr>
+            <a:cxnSpLocks/>
+            <a:stCxn id="14" idx="3"/>
+            <a:endCxn id="7" idx="1"/>
+          </p:cNvCxnSpPr>
+          <p:nvPr/>
+        </p:nvCxnSpPr>
+        <p:spPr>
+          <a:xfrm>
+            <a:off x="3745076" y="3537763"/>
+            <a:ext cx="1089772" cy="0"/>
+          </a:xfrm>
+          <a:prstGeom prst="straightConnector1">
+            <a:avLst/>
+          </a:prstGeom>
+          <a:ln w="28575">
+            <a:solidFill>
+              <a:schemeClr val="tx1"/>
+            </a:solidFill>
+            <a:tailEnd type="triangle"/>
+          </a:ln>
+        </p:spPr>
+        <p:style>
+          <a:lnRef idx="1">
+            <a:schemeClr val="accent1"/>
+          </a:lnRef>
+          <a:fillRef idx="0">
+            <a:schemeClr val="accent1"/>
+          </a:fillRef>
+          <a:effectRef idx="0">
+            <a:schemeClr val="accent1"/>
+          </a:effectRef>
+          <a:fontRef idx="minor">
+            <a:schemeClr val="tx1"/>
+          </a:fontRef>
+        </p:style>
+      </p:cxnSp>
+      <p:cxnSp>
+        <p:nvCxnSpPr>
+          <p:cNvPr id="22" name="직선 화살표 연결선 21">
+            <a:extLst>
+              <a:ext uri="{FF2B5EF4-FFF2-40B4-BE49-F238E27FC236}">
+                <a16:creationId xmlns:a16="http://schemas.microsoft.com/office/drawing/2014/main" id="{0A5D6C57-E835-D13C-98E3-64657E86034E}"/>
+              </a:ext>
+            </a:extLst>
+          </p:cNvPr>
+          <p:cNvCxnSpPr>
+            <a:cxnSpLocks/>
+            <a:stCxn id="7" idx="3"/>
+            <a:endCxn id="17" idx="1"/>
+          </p:cNvCxnSpPr>
+          <p:nvPr/>
+        </p:nvCxnSpPr>
+        <p:spPr>
+          <a:xfrm flipV="1">
+            <a:off x="7357153" y="3537762"/>
+            <a:ext cx="1089772" cy="1"/>
+          </a:xfrm>
+          <a:prstGeom prst="straightConnector1">
+            <a:avLst/>
+          </a:prstGeom>
+          <a:ln w="28575">
+            <a:solidFill>
+              <a:schemeClr val="tx1"/>
+            </a:solidFill>
+            <a:tailEnd type="triangle"/>
+          </a:ln>
+        </p:spPr>
+        <p:style>
+          <a:lnRef idx="1">
+            <a:schemeClr val="accent1"/>
+          </a:lnRef>
+          <a:fillRef idx="0">
+            <a:schemeClr val="accent1"/>
+          </a:fillRef>
+          <a:effectRef idx="0">
+            <a:schemeClr val="accent1"/>
+          </a:effectRef>
+          <a:fontRef idx="minor">
+            <a:schemeClr val="tx1"/>
+          </a:fontRef>
+        </p:style>
+      </p:cxnSp>
+      <p:sp>
+        <p:nvSpPr>
+          <p:cNvPr id="25" name="TextBox 24">
+            <a:extLst>
+              <a:ext uri="{FF2B5EF4-FFF2-40B4-BE49-F238E27FC236}">
+                <a16:creationId xmlns:a16="http://schemas.microsoft.com/office/drawing/2014/main" id="{5876EF6A-0CCF-FF76-538D-420FA0D697D6}"/>
+              </a:ext>
+            </a:extLst>
+          </p:cNvPr>
+          <p:cNvSpPr txBox="1"/>
+          <p:nvPr/>
+        </p:nvSpPr>
+        <p:spPr>
+          <a:xfrm>
+            <a:off x="2122285" y="2060148"/>
+            <a:ext cx="723276" cy="584775"/>
+          </a:xfrm>
+          <a:prstGeom prst="rect">
+            <a:avLst/>
+          </a:prstGeom>
+          <a:noFill/>
+        </p:spPr>
+        <p:txBody>
+          <a:bodyPr wrap="none" rtlCol="0">
+            <a:spAutoFit/>
+          </a:bodyPr>
+          <a:lstStyle/>
+          <a:p>
+            <a:pPr algn="ctr"/>
+            <a:r>
+              <a:rPr lang="en-GB" b="1">
+                <a:solidFill>
+                  <a:srgbClr val="C00000"/>
+                </a:solidFill>
+              </a:rPr>
+              <a:t>Tech.</a:t>
+            </a:r>
+          </a:p>
+          <a:p>
+            <a:pPr algn="ctr"/>
+            <a:r>
+              <a:rPr lang="ko-KR" altLang="en-US" sz="1400" b="1">
+                <a:solidFill>
+                  <a:srgbClr val="C00000"/>
+                </a:solidFill>
+              </a:rPr>
+              <a:t>관심사</a:t>
+            </a:r>
+            <a:endParaRPr lang="en-GB" sz="1400" b="1">
+              <a:solidFill>
+                <a:srgbClr val="C00000"/>
+              </a:solidFill>
+            </a:endParaRPr>
+          </a:p>
+        </p:txBody>
+      </p:sp>
+      <p:sp>
+        <p:nvSpPr>
+          <p:cNvPr id="26" name="TextBox 25">
+            <a:extLst>
+              <a:ext uri="{FF2B5EF4-FFF2-40B4-BE49-F238E27FC236}">
+                <a16:creationId xmlns:a16="http://schemas.microsoft.com/office/drawing/2014/main" id="{114342B3-307D-A98C-882A-A88AAF8F9298}"/>
+              </a:ext>
+            </a:extLst>
+          </p:cNvPr>
+          <p:cNvSpPr txBox="1"/>
+          <p:nvPr/>
+        </p:nvSpPr>
+        <p:spPr>
+          <a:xfrm>
+            <a:off x="9346439" y="2060148"/>
+            <a:ext cx="723276" cy="584775"/>
+          </a:xfrm>
+          <a:prstGeom prst="rect">
+            <a:avLst/>
+          </a:prstGeom>
+          <a:noFill/>
+        </p:spPr>
+        <p:txBody>
+          <a:bodyPr wrap="none" rtlCol="0">
+            <a:spAutoFit/>
+          </a:bodyPr>
+          <a:lstStyle/>
+          <a:p>
+            <a:pPr algn="ctr"/>
+            <a:r>
+              <a:rPr lang="en-GB" b="1">
+                <a:solidFill>
+                  <a:srgbClr val="C00000"/>
+                </a:solidFill>
+              </a:rPr>
+              <a:t>Tech.</a:t>
+            </a:r>
+          </a:p>
+          <a:p>
+            <a:pPr algn="ctr"/>
+            <a:r>
+              <a:rPr lang="ko-KR" altLang="en-US" sz="1400" b="1">
+                <a:solidFill>
+                  <a:srgbClr val="C00000"/>
+                </a:solidFill>
+              </a:rPr>
+              <a:t>관심사</a:t>
+            </a:r>
+            <a:endParaRPr lang="en-GB" sz="1400" b="1">
+              <a:solidFill>
+                <a:srgbClr val="C00000"/>
+              </a:solidFill>
+            </a:endParaRPr>
+          </a:p>
+        </p:txBody>
+      </p:sp>
+      <p:sp>
+        <p:nvSpPr>
+          <p:cNvPr id="27" name="TextBox 26">
+            <a:extLst>
+              <a:ext uri="{FF2B5EF4-FFF2-40B4-BE49-F238E27FC236}">
+                <a16:creationId xmlns:a16="http://schemas.microsoft.com/office/drawing/2014/main" id="{A9DC3310-F5D5-7F1A-40BC-F25D6179B9FB}"/>
+              </a:ext>
+            </a:extLst>
+          </p:cNvPr>
+          <p:cNvSpPr txBox="1"/>
+          <p:nvPr/>
+        </p:nvSpPr>
+        <p:spPr>
+          <a:xfrm>
+            <a:off x="2082210" y="1262131"/>
+            <a:ext cx="800219" cy="461665"/>
+          </a:xfrm>
+          <a:prstGeom prst="rect">
+            <a:avLst/>
+          </a:prstGeom>
+          <a:noFill/>
+        </p:spPr>
+        <p:txBody>
+          <a:bodyPr wrap="none" rtlCol="0">
+            <a:spAutoFit/>
+          </a:bodyPr>
+          <a:lstStyle/>
+          <a:p>
+            <a:r>
+              <a:rPr lang="ko-KR" altLang="en-US" sz="2400" b="1">
+                <a:solidFill>
+                  <a:srgbClr val="C00000"/>
+                </a:solidFill>
+              </a:rPr>
+              <a:t>입력</a:t>
+            </a:r>
+            <a:endParaRPr lang="en-GB" sz="2400" b="1">
+              <a:solidFill>
+                <a:srgbClr val="C00000"/>
+              </a:solidFill>
+            </a:endParaRPr>
+          </a:p>
+        </p:txBody>
+      </p:sp>
+      <p:sp>
+        <p:nvSpPr>
+          <p:cNvPr id="28" name="TextBox 27">
+            <a:extLst>
+              <a:ext uri="{FF2B5EF4-FFF2-40B4-BE49-F238E27FC236}">
+                <a16:creationId xmlns:a16="http://schemas.microsoft.com/office/drawing/2014/main" id="{14AB4749-0465-1CE7-93F7-DDD768C7C167}"/>
+              </a:ext>
+            </a:extLst>
+          </p:cNvPr>
+          <p:cNvSpPr txBox="1"/>
+          <p:nvPr/>
+        </p:nvSpPr>
+        <p:spPr>
+          <a:xfrm>
+            <a:off x="9309570" y="1262131"/>
+            <a:ext cx="800219" cy="461665"/>
+          </a:xfrm>
+          <a:prstGeom prst="rect">
+            <a:avLst/>
+          </a:prstGeom>
+          <a:noFill/>
+        </p:spPr>
+        <p:txBody>
+          <a:bodyPr wrap="none" rtlCol="0">
+            <a:spAutoFit/>
+          </a:bodyPr>
+          <a:lstStyle/>
+          <a:p>
+            <a:r>
+              <a:rPr lang="ko-KR" altLang="en-US" sz="2400" b="1">
+                <a:solidFill>
+                  <a:srgbClr val="C00000"/>
+                </a:solidFill>
+              </a:rPr>
+              <a:t>출력</a:t>
+            </a:r>
+            <a:endParaRPr lang="en-GB" sz="2400" b="1">
+              <a:solidFill>
+                <a:srgbClr val="C00000"/>
+              </a:solidFill>
+            </a:endParaRPr>
+          </a:p>
+        </p:txBody>
+      </p:sp>
+      <p:sp>
+        <p:nvSpPr>
+          <p:cNvPr id="29" name="TextBox 28">
+            <a:extLst>
+              <a:ext uri="{FF2B5EF4-FFF2-40B4-BE49-F238E27FC236}">
+                <a16:creationId xmlns:a16="http://schemas.microsoft.com/office/drawing/2014/main" id="{11FE0E38-9DE1-4EA3-46F4-397DF060B9C4}"/>
+              </a:ext>
+            </a:extLst>
+          </p:cNvPr>
+          <p:cNvSpPr txBox="1"/>
+          <p:nvPr/>
+        </p:nvSpPr>
+        <p:spPr>
+          <a:xfrm>
+            <a:off x="5694289" y="1262131"/>
+            <a:ext cx="800219" cy="461665"/>
+          </a:xfrm>
+          <a:prstGeom prst="rect">
+            <a:avLst/>
+          </a:prstGeom>
+          <a:noFill/>
+        </p:spPr>
+        <p:txBody>
+          <a:bodyPr wrap="none" rtlCol="0">
+            <a:spAutoFit/>
+          </a:bodyPr>
+          <a:lstStyle/>
+          <a:p>
+            <a:r>
+              <a:rPr lang="ko-KR" altLang="en-US" sz="2400" b="1">
+                <a:solidFill>
+                  <a:srgbClr val="0070C0"/>
+                </a:solidFill>
+              </a:rPr>
+              <a:t>연산</a:t>
+            </a:r>
+            <a:endParaRPr lang="en-GB" sz="2400" b="1">
+              <a:solidFill>
+                <a:srgbClr val="0070C0"/>
+              </a:solidFill>
+            </a:endParaRPr>
+          </a:p>
+        </p:txBody>
+      </p:sp>
+      <p:sp>
+        <p:nvSpPr>
+          <p:cNvPr id="7" name="직사각형 6">
+            <a:extLst>
+              <a:ext uri="{FF2B5EF4-FFF2-40B4-BE49-F238E27FC236}">
+                <a16:creationId xmlns:a16="http://schemas.microsoft.com/office/drawing/2014/main" id="{7194F96B-9CC7-F9E2-6D03-0628FBE22A55}"/>
+              </a:ext>
+            </a:extLst>
+          </p:cNvPr>
+          <p:cNvSpPr/>
+          <p:nvPr/>
+        </p:nvSpPr>
+        <p:spPr>
+          <a:xfrm>
+            <a:off x="4834848" y="3093405"/>
+            <a:ext cx="2522305" cy="888715"/>
+          </a:xfrm>
+          <a:prstGeom prst="rect">
+            <a:avLst/>
+          </a:prstGeom>
+          <a:noFill/>
+          <a:ln>
+            <a:solidFill>
+              <a:srgbClr val="0070C0"/>
+            </a:solidFill>
+          </a:ln>
+        </p:spPr>
+        <p:style>
+          <a:lnRef idx="2">
+            <a:schemeClr val="accent1">
+              <a:shade val="15000"/>
+            </a:schemeClr>
+          </a:lnRef>
+          <a:fillRef idx="1">
+            <a:schemeClr val="accent1"/>
+          </a:fillRef>
+          <a:effectRef idx="0">
+            <a:schemeClr val="accent1"/>
+          </a:effectRef>
+          <a:fontRef idx="minor">
+            <a:schemeClr val="lt1"/>
+          </a:fontRef>
+        </p:style>
+        <p:txBody>
+          <a:bodyPr rtlCol="0" anchor="ctr"/>
+          <a:lstStyle/>
+          <a:p>
+            <a:pPr algn="ctr"/>
+            <a:endParaRPr lang="en-GB"/>
+          </a:p>
+        </p:txBody>
+      </p:sp>
+      <p:sp>
+        <p:nvSpPr>
+          <p:cNvPr id="4" name="TextBox 3">
+            <a:extLst>
+              <a:ext uri="{FF2B5EF4-FFF2-40B4-BE49-F238E27FC236}">
+                <a16:creationId xmlns:a16="http://schemas.microsoft.com/office/drawing/2014/main" id="{D139179B-B8E8-0CC4-BD66-4B459A2012F2}"/>
+              </a:ext>
+            </a:extLst>
+          </p:cNvPr>
+          <p:cNvSpPr txBox="1"/>
+          <p:nvPr/>
+        </p:nvSpPr>
+        <p:spPr>
+          <a:xfrm>
+            <a:off x="5177608" y="3209625"/>
+            <a:ext cx="1836785" cy="369332"/>
+          </a:xfrm>
+          <a:prstGeom prst="rect">
+            <a:avLst/>
+          </a:prstGeom>
+          <a:noFill/>
+        </p:spPr>
+        <p:txBody>
+          <a:bodyPr wrap="none" rtlCol="0">
+            <a:spAutoFit/>
+          </a:bodyPr>
+          <a:lstStyle/>
+          <a:p>
+            <a:r>
+              <a:rPr lang="en-GB" b="1">
+                <a:solidFill>
+                  <a:srgbClr val="0070C0"/>
+                </a:solidFill>
+              </a:rPr>
+              <a:t>Application Layer</a:t>
+            </a:r>
+          </a:p>
+        </p:txBody>
+      </p:sp>
+      <p:sp>
+        <p:nvSpPr>
+          <p:cNvPr id="30" name="TextBox 29">
+            <a:extLst>
+              <a:ext uri="{FF2B5EF4-FFF2-40B4-BE49-F238E27FC236}">
+                <a16:creationId xmlns:a16="http://schemas.microsoft.com/office/drawing/2014/main" id="{CA1AFD1B-B1C3-0B07-946C-97C3C8C75501}"/>
+              </a:ext>
+            </a:extLst>
+          </p:cNvPr>
+          <p:cNvSpPr txBox="1"/>
+          <p:nvPr/>
+        </p:nvSpPr>
+        <p:spPr>
+          <a:xfrm>
+            <a:off x="5672807" y="3558123"/>
+            <a:ext cx="846386" cy="307777"/>
+          </a:xfrm>
+          <a:prstGeom prst="rect">
+            <a:avLst/>
+          </a:prstGeom>
+          <a:noFill/>
+        </p:spPr>
+        <p:txBody>
+          <a:bodyPr wrap="none" rtlCol="0">
+            <a:spAutoFit/>
+          </a:bodyPr>
+          <a:lstStyle/>
+          <a:p>
+            <a:r>
+              <a:rPr lang="en-GB" sz="1400" b="1">
+                <a:solidFill>
+                  <a:srgbClr val="0070C0"/>
+                </a:solidFill>
+              </a:rPr>
+              <a:t>Biz. Flow</a:t>
+            </a:r>
+          </a:p>
+        </p:txBody>
+      </p:sp>
+      <p:sp>
+        <p:nvSpPr>
+          <p:cNvPr id="41" name="직사각형 40">
+            <a:extLst>
+              <a:ext uri="{FF2B5EF4-FFF2-40B4-BE49-F238E27FC236}">
+                <a16:creationId xmlns:a16="http://schemas.microsoft.com/office/drawing/2014/main" id="{FF8E5B79-D254-B3E5-1577-AAE1BF010CD9}"/>
+              </a:ext>
+            </a:extLst>
+          </p:cNvPr>
+          <p:cNvSpPr/>
+          <p:nvPr/>
+        </p:nvSpPr>
+        <p:spPr>
+          <a:xfrm>
+            <a:off x="679808" y="711486"/>
+            <a:ext cx="10832386" cy="5435029"/>
+          </a:xfrm>
+          <a:prstGeom prst="rect">
+            <a:avLst/>
+          </a:prstGeom>
+          <a:noFill/>
+        </p:spPr>
+        <p:style>
+          <a:lnRef idx="2">
+            <a:schemeClr val="accent1">
+              <a:shade val="15000"/>
+            </a:schemeClr>
+          </a:lnRef>
+          <a:fillRef idx="1">
+            <a:schemeClr val="accent1"/>
+          </a:fillRef>
+          <a:effectRef idx="0">
+            <a:schemeClr val="accent1"/>
+          </a:effectRef>
+          <a:fontRef idx="minor">
+            <a:schemeClr val="lt1"/>
+          </a:fontRef>
+        </p:style>
+        <p:txBody>
+          <a:bodyPr rtlCol="0" anchor="ctr"/>
+          <a:lstStyle/>
+          <a:p>
+            <a:pPr algn="ctr"/>
+            <a:endParaRPr lang="en-GB"/>
+          </a:p>
+        </p:txBody>
+      </p:sp>
+      <p:sp>
+        <p:nvSpPr>
+          <p:cNvPr id="2" name="TextBox 1">
+            <a:extLst>
+              <a:ext uri="{FF2B5EF4-FFF2-40B4-BE49-F238E27FC236}">
+                <a16:creationId xmlns:a16="http://schemas.microsoft.com/office/drawing/2014/main" id="{2F1C3515-F01F-C2CC-B45D-C128B4F7AA8C}"/>
+              </a:ext>
+            </a:extLst>
+          </p:cNvPr>
+          <p:cNvSpPr txBox="1"/>
+          <p:nvPr/>
+        </p:nvSpPr>
+        <p:spPr>
+          <a:xfrm>
+            <a:off x="2200576" y="3558123"/>
+            <a:ext cx="566694" cy="307777"/>
+          </a:xfrm>
+          <a:prstGeom prst="rect">
+            <a:avLst/>
+          </a:prstGeom>
+          <a:noFill/>
+        </p:spPr>
+        <p:txBody>
+          <a:bodyPr wrap="none" rtlCol="0">
+            <a:spAutoFit/>
+          </a:bodyPr>
+          <a:lstStyle/>
+          <a:p>
+            <a:r>
+              <a:rPr lang="en-GB" sz="1400" b="1">
+                <a:solidFill>
+                  <a:srgbClr val="C00000"/>
+                </a:solidFill>
+              </a:rPr>
+              <a:t>Tech.</a:t>
+            </a:r>
+          </a:p>
+        </p:txBody>
+      </p:sp>
+      <p:sp>
+        <p:nvSpPr>
+          <p:cNvPr id="3" name="TextBox 2">
+            <a:extLst>
+              <a:ext uri="{FF2B5EF4-FFF2-40B4-BE49-F238E27FC236}">
+                <a16:creationId xmlns:a16="http://schemas.microsoft.com/office/drawing/2014/main" id="{24A22A57-FF19-B0B3-8410-5E48EAA1B6CB}"/>
+              </a:ext>
+            </a:extLst>
+          </p:cNvPr>
+          <p:cNvSpPr txBox="1"/>
+          <p:nvPr/>
+        </p:nvSpPr>
+        <p:spPr>
+          <a:xfrm>
+            <a:off x="9424730" y="3558123"/>
+            <a:ext cx="566694" cy="307777"/>
+          </a:xfrm>
+          <a:prstGeom prst="rect">
+            <a:avLst/>
+          </a:prstGeom>
+          <a:noFill/>
+        </p:spPr>
+        <p:txBody>
+          <a:bodyPr wrap="none" rtlCol="0">
+            <a:spAutoFit/>
+          </a:bodyPr>
+          <a:lstStyle/>
+          <a:p>
+            <a:r>
+              <a:rPr lang="en-GB" sz="1400" b="1">
+                <a:solidFill>
+                  <a:srgbClr val="C00000"/>
+                </a:solidFill>
+              </a:rPr>
+              <a:t>Tech.</a:t>
+            </a:r>
+          </a:p>
+        </p:txBody>
+      </p:sp>
     </p:spTree>
     <p:extLst>
       <p:ext uri="{BB962C8B-B14F-4D97-AF65-F5344CB8AC3E}">
-        <p14:creationId xmlns:p14="http://schemas.microsoft.com/office/powerpoint/2010/main" val="1254991443"/>
+        <p14:creationId xmlns:p14="http://schemas.microsoft.com/office/powerpoint/2010/main" val="2224589672"/>
       </p:ext>
     </p:extLst>
   </p:cSld>

--- a/README.pptx
+++ b/README.pptx
@@ -240,7 +240,7 @@
           <a:p>
             <a:fld id="{FCD79106-3FF3-4A4E-8823-1F6666CB5710}" type="datetimeFigureOut">
               <a:rPr lang="en-GB" smtClean="0"/>
-              <a:t>28/10/2024</a:t>
+              <a:t>29/10/2024</a:t>
             </a:fld>
             <a:endParaRPr lang="en-GB"/>
           </a:p>
@@ -657,7 +657,7 @@
           <a:p>
             <a:fld id="{1DF5A12A-26A2-4E24-9FC7-9E664B7E9A6F}" type="datetime1">
               <a:rPr lang="en-GB" smtClean="0"/>
-              <a:t>28/10/2024</a:t>
+              <a:t>29/10/2024</a:t>
             </a:fld>
             <a:endParaRPr lang="en-GB"/>
           </a:p>
@@ -857,7 +857,7 @@
           <a:p>
             <a:fld id="{CD959BCF-454B-4A7F-9166-1E5F3F64FBE6}" type="datetime1">
               <a:rPr lang="en-GB" smtClean="0"/>
-              <a:t>28/10/2024</a:t>
+              <a:t>29/10/2024</a:t>
             </a:fld>
             <a:endParaRPr lang="en-GB"/>
           </a:p>
@@ -1067,7 +1067,7 @@
           <a:p>
             <a:fld id="{E367124E-598A-4501-AF73-2206C8C14947}" type="datetime1">
               <a:rPr lang="en-GB" smtClean="0"/>
-              <a:t>28/10/2024</a:t>
+              <a:t>29/10/2024</a:t>
             </a:fld>
             <a:endParaRPr lang="en-GB"/>
           </a:p>
@@ -1267,7 +1267,7 @@
           <a:p>
             <a:fld id="{399D505F-7CD7-4DDA-8F81-3FF9C586E9C2}" type="datetime1">
               <a:rPr lang="en-GB" smtClean="0"/>
-              <a:t>28/10/2024</a:t>
+              <a:t>29/10/2024</a:t>
             </a:fld>
             <a:endParaRPr lang="en-GB"/>
           </a:p>
@@ -1543,7 +1543,7 @@
           <a:p>
             <a:fld id="{A2E4D1AA-7BEB-4479-BFF2-1D5C6FD00EDD}" type="datetime1">
               <a:rPr lang="en-GB" smtClean="0"/>
-              <a:t>28/10/2024</a:t>
+              <a:t>29/10/2024</a:t>
             </a:fld>
             <a:endParaRPr lang="en-GB"/>
           </a:p>
@@ -1811,7 +1811,7 @@
           <a:p>
             <a:fld id="{50F67719-83FC-48B9-A419-9636BC5FA1CE}" type="datetime1">
               <a:rPr lang="en-GB" smtClean="0"/>
-              <a:t>28/10/2024</a:t>
+              <a:t>29/10/2024</a:t>
             </a:fld>
             <a:endParaRPr lang="en-GB"/>
           </a:p>
@@ -2226,7 +2226,7 @@
           <a:p>
             <a:fld id="{05938E20-00E3-4256-8C0E-C2C15CE50C0A}" type="datetime1">
               <a:rPr lang="en-GB" smtClean="0"/>
-              <a:t>28/10/2024</a:t>
+              <a:t>29/10/2024</a:t>
             </a:fld>
             <a:endParaRPr lang="en-GB"/>
           </a:p>
@@ -2368,7 +2368,7 @@
           <a:p>
             <a:fld id="{C2B4F9F3-6D4D-4D5C-A257-2830B80EA9E5}" type="datetime1">
               <a:rPr lang="en-GB" smtClean="0"/>
-              <a:t>28/10/2024</a:t>
+              <a:t>29/10/2024</a:t>
             </a:fld>
             <a:endParaRPr lang="en-GB"/>
           </a:p>
@@ -2481,7 +2481,7 @@
           <a:p>
             <a:fld id="{1E9CD8E7-6E1F-4F0B-9D00-E8AA0B8A042C}" type="datetime1">
               <a:rPr lang="en-GB" smtClean="0"/>
-              <a:t>28/10/2024</a:t>
+              <a:t>29/10/2024</a:t>
             </a:fld>
             <a:endParaRPr lang="en-GB"/>
           </a:p>
@@ -2794,7 +2794,7 @@
           <a:p>
             <a:fld id="{2F1E6ACD-3707-4D80-9C32-0FE017AC8A1D}" type="datetime1">
               <a:rPr lang="en-GB" smtClean="0"/>
-              <a:t>28/10/2024</a:t>
+              <a:t>29/10/2024</a:t>
             </a:fld>
             <a:endParaRPr lang="en-GB"/>
           </a:p>
@@ -3083,7 +3083,7 @@
           <a:p>
             <a:fld id="{F18C52D3-A496-409F-8F5F-A0368619ACAD}" type="datetime1">
               <a:rPr lang="en-GB" smtClean="0"/>
-              <a:t>28/10/2024</a:t>
+              <a:t>29/10/2024</a:t>
             </a:fld>
             <a:endParaRPr lang="en-GB"/>
           </a:p>
@@ -3326,7 +3326,7 @@
           <a:p>
             <a:fld id="{1F12BE6B-3A78-44AF-A6B9-9109795A1A68}" type="datetime1">
               <a:rPr lang="en-GB" smtClean="0"/>
-              <a:t>28/10/2024</a:t>
+              <a:t>29/10/2024</a:t>
             </a:fld>
             <a:endParaRPr lang="en-GB"/>
           </a:p>
@@ -7461,8 +7461,8 @@
         </p:nvSpPr>
         <p:spPr>
           <a:xfrm>
-            <a:off x="4199856" y="2206091"/>
-            <a:ext cx="825867" cy="528927"/>
+            <a:off x="4199856" y="2033371"/>
+            <a:ext cx="825867" cy="759760"/>
           </a:xfrm>
           <a:prstGeom prst="rect">
             <a:avLst/>
@@ -7482,7 +7482,7 @@
             </a:pPr>
             <a:r>
               <a:rPr lang="ko-KR" altLang="en-US" sz="1000"/>
-              <a:t>인터페이스</a:t>
+              <a:t>입력</a:t>
             </a:r>
             <a:endParaRPr lang="en-GB" altLang="ko-KR" sz="1000"/>
           </a:p>
@@ -7493,6 +7493,18 @@
               </a:lnSpc>
             </a:pPr>
             <a:r>
+              <a:rPr lang="ko-KR" altLang="en-US" sz="1000"/>
+              <a:t>인터페이스</a:t>
+            </a:r>
+            <a:endParaRPr lang="en-GB" altLang="ko-KR" sz="1000"/>
+          </a:p>
+          <a:p>
+            <a:pPr algn="ctr">
+              <a:lnSpc>
+                <a:spcPct val="150000"/>
+              </a:lnSpc>
+            </a:pPr>
+            <a:r>
               <a:rPr lang="ko-KR" altLang="en-US" sz="1000" b="1">
                 <a:solidFill>
                   <a:srgbClr val="0070C0"/>
@@ -7522,8 +7534,8 @@
         </p:nvSpPr>
         <p:spPr>
           <a:xfrm>
-            <a:off x="7111467" y="2206091"/>
-            <a:ext cx="825867" cy="528927"/>
+            <a:off x="7111467" y="2033371"/>
+            <a:ext cx="825867" cy="759760"/>
           </a:xfrm>
           <a:prstGeom prst="rect">
             <a:avLst/>
@@ -7535,6 +7547,18 @@
             <a:spAutoFit/>
           </a:bodyPr>
           <a:lstStyle/>
+          <a:p>
+            <a:pPr algn="ctr">
+              <a:lnSpc>
+                <a:spcPct val="150000"/>
+              </a:lnSpc>
+            </a:pPr>
+            <a:r>
+              <a:rPr lang="ko-KR" altLang="en-US" sz="1000"/>
+              <a:t>출력</a:t>
+            </a:r>
+            <a:endParaRPr lang="en-GB" altLang="ko-KR" sz="1000"/>
+          </a:p>
           <a:p>
             <a:pPr algn="ctr">
               <a:lnSpc>

--- a/README.pptx
+++ b/README.pptx
@@ -5,7 +5,7 @@
     <p:sldMasterId id="2147483648" r:id="rId1"/>
   </p:sldMasterIdLst>
   <p:notesMasterIdLst>
-    <p:notesMasterId r:id="rId18"/>
+    <p:notesMasterId r:id="rId20"/>
   </p:notesMasterIdLst>
   <p:sldIdLst>
     <p:sldId id="256" r:id="rId2"/>
@@ -19,11 +19,13 @@
     <p:sldId id="480" r:id="rId10"/>
     <p:sldId id="481" r:id="rId11"/>
     <p:sldId id="479" r:id="rId12"/>
-    <p:sldId id="478" r:id="rId13"/>
-    <p:sldId id="476" r:id="rId14"/>
-    <p:sldId id="474" r:id="rId15"/>
-    <p:sldId id="477" r:id="rId16"/>
-    <p:sldId id="471" r:id="rId17"/>
+    <p:sldId id="487" r:id="rId13"/>
+    <p:sldId id="488" r:id="rId14"/>
+    <p:sldId id="478" r:id="rId15"/>
+    <p:sldId id="476" r:id="rId16"/>
+    <p:sldId id="474" r:id="rId17"/>
+    <p:sldId id="477" r:id="rId18"/>
+    <p:sldId id="471" r:id="rId19"/>
   </p:sldIdLst>
   <p:sldSz cx="12192000" cy="6858000"/>
   <p:notesSz cx="6858000" cy="9144000"/>
@@ -138,6 +140,8 @@
             <p14:sldId id="480"/>
             <p14:sldId id="481"/>
             <p14:sldId id="479"/>
+            <p14:sldId id="487"/>
+            <p14:sldId id="488"/>
           </p14:sldIdLst>
         </p14:section>
         <p14:section name="백업" id="{DF57283A-6A0D-4BDC-9D6D-D4922FAF628A}">
@@ -5829,12 +5833,14 @@
           </p:cNvPr>
           <p:cNvCxnSpPr>
             <a:cxnSpLocks/>
+            <a:stCxn id="7" idx="2"/>
+            <a:endCxn id="34" idx="0"/>
           </p:cNvCxnSpPr>
           <p:nvPr/>
         </p:nvCxnSpPr>
         <p:spPr>
           <a:xfrm>
-            <a:off x="6095999" y="3354681"/>
+            <a:off x="6096000" y="3354681"/>
             <a:ext cx="0" cy="1798106"/>
           </a:xfrm>
           <a:prstGeom prst="straightConnector1">
@@ -7868,6 +7874,5545 @@
         <p:cNvPr id="1" name="">
           <a:extLst>
             <a:ext uri="{FF2B5EF4-FFF2-40B4-BE49-F238E27FC236}">
+              <a16:creationId xmlns:a16="http://schemas.microsoft.com/office/drawing/2014/main" id="{790F5EEB-55D9-D287-3E0F-2F1C9E3E3819}"/>
+            </a:ext>
+          </a:extLst>
+        </p:cNvPr>
+        <p:cNvGrpSpPr/>
+        <p:nvPr/>
+      </p:nvGrpSpPr>
+      <p:grpSpPr>
+        <a:xfrm>
+          <a:off x="0" y="0"/>
+          <a:ext cx="0" cy="0"/>
+          <a:chOff x="0" y="0"/>
+          <a:chExt cx="0" cy="0"/>
+        </a:xfrm>
+      </p:grpSpPr>
+      <p:sp>
+        <p:nvSpPr>
+          <p:cNvPr id="33" name="화살표: 오른쪽 32">
+            <a:extLst>
+              <a:ext uri="{FF2B5EF4-FFF2-40B4-BE49-F238E27FC236}">
+                <a16:creationId xmlns:a16="http://schemas.microsoft.com/office/drawing/2014/main" id="{DA7334AC-49A2-3932-F650-1C33FBA4DB55}"/>
+              </a:ext>
+            </a:extLst>
+          </p:cNvPr>
+          <p:cNvSpPr/>
+          <p:nvPr/>
+        </p:nvSpPr>
+        <p:spPr>
+          <a:xfrm rot="10800000">
+            <a:off x="7936236" y="1273993"/>
+            <a:ext cx="3062313" cy="698639"/>
+          </a:xfrm>
+          <a:prstGeom prst="rightArrow">
+            <a:avLst>
+              <a:gd name="adj1" fmla="val 82713"/>
+              <a:gd name="adj2" fmla="val 50000"/>
+            </a:avLst>
+          </a:prstGeom>
+          <a:solidFill>
+            <a:schemeClr val="accent2">
+              <a:lumMod val="20000"/>
+              <a:lumOff val="80000"/>
+            </a:schemeClr>
+          </a:solidFill>
+          <a:ln>
+            <a:solidFill>
+              <a:schemeClr val="accent2">
+                <a:lumMod val="20000"/>
+                <a:lumOff val="80000"/>
+              </a:schemeClr>
+            </a:solidFill>
+          </a:ln>
+        </p:spPr>
+        <p:style>
+          <a:lnRef idx="2">
+            <a:schemeClr val="accent1">
+              <a:shade val="15000"/>
+            </a:schemeClr>
+          </a:lnRef>
+          <a:fillRef idx="1">
+            <a:schemeClr val="accent1"/>
+          </a:fillRef>
+          <a:effectRef idx="0">
+            <a:schemeClr val="accent1"/>
+          </a:effectRef>
+          <a:fontRef idx="minor">
+            <a:schemeClr val="lt1"/>
+          </a:fontRef>
+        </p:style>
+        <p:txBody>
+          <a:bodyPr rtlCol="0" anchor="ctr"/>
+          <a:lstStyle/>
+          <a:p>
+            <a:pPr algn="ctr"/>
+            <a:endParaRPr lang="en-GB"/>
+          </a:p>
+        </p:txBody>
+      </p:sp>
+      <p:sp>
+        <p:nvSpPr>
+          <p:cNvPr id="8" name="화살표: 오른쪽 7">
+            <a:extLst>
+              <a:ext uri="{FF2B5EF4-FFF2-40B4-BE49-F238E27FC236}">
+                <a16:creationId xmlns:a16="http://schemas.microsoft.com/office/drawing/2014/main" id="{04B5BE18-AFC3-BC53-CD84-F9F575D8F2CD}"/>
+              </a:ext>
+            </a:extLst>
+          </p:cNvPr>
+          <p:cNvSpPr/>
+          <p:nvPr/>
+        </p:nvSpPr>
+        <p:spPr>
+          <a:xfrm>
+            <a:off x="1130156" y="1273994"/>
+            <a:ext cx="3062313" cy="698639"/>
+          </a:xfrm>
+          <a:prstGeom prst="rightArrow">
+            <a:avLst>
+              <a:gd name="adj1" fmla="val 82713"/>
+              <a:gd name="adj2" fmla="val 50000"/>
+            </a:avLst>
+          </a:prstGeom>
+          <a:solidFill>
+            <a:schemeClr val="accent2">
+              <a:lumMod val="20000"/>
+              <a:lumOff val="80000"/>
+            </a:schemeClr>
+          </a:solidFill>
+          <a:ln>
+            <a:solidFill>
+              <a:schemeClr val="accent2">
+                <a:lumMod val="20000"/>
+                <a:lumOff val="80000"/>
+              </a:schemeClr>
+            </a:solidFill>
+          </a:ln>
+        </p:spPr>
+        <p:style>
+          <a:lnRef idx="2">
+            <a:schemeClr val="accent1">
+              <a:shade val="15000"/>
+            </a:schemeClr>
+          </a:lnRef>
+          <a:fillRef idx="1">
+            <a:schemeClr val="accent1"/>
+          </a:fillRef>
+          <a:effectRef idx="0">
+            <a:schemeClr val="accent1"/>
+          </a:effectRef>
+          <a:fontRef idx="minor">
+            <a:schemeClr val="lt1"/>
+          </a:fontRef>
+        </p:style>
+        <p:txBody>
+          <a:bodyPr rtlCol="0" anchor="ctr"/>
+          <a:lstStyle/>
+          <a:p>
+            <a:pPr algn="ctr"/>
+            <a:endParaRPr lang="en-GB"/>
+          </a:p>
+        </p:txBody>
+      </p:sp>
+      <p:sp>
+        <p:nvSpPr>
+          <p:cNvPr id="67" name="화살표: 왼쪽/오른쪽 66">
+            <a:extLst>
+              <a:ext uri="{FF2B5EF4-FFF2-40B4-BE49-F238E27FC236}">
+                <a16:creationId xmlns:a16="http://schemas.microsoft.com/office/drawing/2014/main" id="{CC4AF52A-D50C-63E4-5929-544ECE2E5E84}"/>
+              </a:ext>
+            </a:extLst>
+          </p:cNvPr>
+          <p:cNvSpPr/>
+          <p:nvPr/>
+        </p:nvSpPr>
+        <p:spPr>
+          <a:xfrm>
+            <a:off x="4197872" y="1273990"/>
+            <a:ext cx="3747181" cy="698643"/>
+          </a:xfrm>
+          <a:prstGeom prst="leftRightArrow">
+            <a:avLst>
+              <a:gd name="adj1" fmla="val 82353"/>
+              <a:gd name="adj2" fmla="val 46324"/>
+            </a:avLst>
+          </a:prstGeom>
+          <a:solidFill>
+            <a:schemeClr val="accent1">
+              <a:lumMod val="20000"/>
+              <a:lumOff val="80000"/>
+            </a:schemeClr>
+          </a:solidFill>
+          <a:ln>
+            <a:solidFill>
+              <a:schemeClr val="accent1">
+                <a:lumMod val="20000"/>
+                <a:lumOff val="80000"/>
+              </a:schemeClr>
+            </a:solidFill>
+          </a:ln>
+        </p:spPr>
+        <p:style>
+          <a:lnRef idx="2">
+            <a:schemeClr val="accent1">
+              <a:shade val="15000"/>
+            </a:schemeClr>
+          </a:lnRef>
+          <a:fillRef idx="1">
+            <a:schemeClr val="accent1"/>
+          </a:fillRef>
+          <a:effectRef idx="0">
+            <a:schemeClr val="accent1"/>
+          </a:effectRef>
+          <a:fontRef idx="minor">
+            <a:schemeClr val="lt1"/>
+          </a:fontRef>
+        </p:style>
+        <p:txBody>
+          <a:bodyPr rtlCol="0" anchor="ctr"/>
+          <a:lstStyle/>
+          <a:p>
+            <a:pPr algn="ctr"/>
+            <a:endParaRPr lang="en-GB"/>
+          </a:p>
+        </p:txBody>
+      </p:sp>
+      <p:sp>
+        <p:nvSpPr>
+          <p:cNvPr id="6" name="TextBox 5">
+            <a:extLst>
+              <a:ext uri="{FF2B5EF4-FFF2-40B4-BE49-F238E27FC236}">
+                <a16:creationId xmlns:a16="http://schemas.microsoft.com/office/drawing/2014/main" id="{D63BCFF1-3533-162B-119C-C8345B4F0364}"/>
+              </a:ext>
+            </a:extLst>
+          </p:cNvPr>
+          <p:cNvSpPr txBox="1"/>
+          <p:nvPr/>
+        </p:nvSpPr>
+        <p:spPr>
+          <a:xfrm>
+            <a:off x="5709825" y="1324267"/>
+            <a:ext cx="723275" cy="584775"/>
+          </a:xfrm>
+          <a:prstGeom prst="rect">
+            <a:avLst/>
+          </a:prstGeom>
+          <a:noFill/>
+        </p:spPr>
+        <p:txBody>
+          <a:bodyPr wrap="none" rtlCol="0">
+            <a:spAutoFit/>
+          </a:bodyPr>
+          <a:lstStyle/>
+          <a:p>
+            <a:pPr algn="ctr"/>
+            <a:r>
+              <a:rPr lang="en-GB" b="1">
+                <a:solidFill>
+                  <a:srgbClr val="0070C0"/>
+                </a:solidFill>
+              </a:rPr>
+              <a:t>Biz.</a:t>
+            </a:r>
+          </a:p>
+          <a:p>
+            <a:pPr algn="ctr"/>
+            <a:r>
+              <a:rPr lang="ko-KR" altLang="en-US" sz="1400" b="1">
+                <a:solidFill>
+                  <a:srgbClr val="0070C0"/>
+                </a:solidFill>
+              </a:rPr>
+              <a:t>관심사</a:t>
+            </a:r>
+            <a:endParaRPr lang="en-GB" sz="1400" b="1">
+              <a:solidFill>
+                <a:srgbClr val="0070C0"/>
+              </a:solidFill>
+            </a:endParaRPr>
+          </a:p>
+        </p:txBody>
+      </p:sp>
+      <p:sp>
+        <p:nvSpPr>
+          <p:cNvPr id="25" name="TextBox 24">
+            <a:extLst>
+              <a:ext uri="{FF2B5EF4-FFF2-40B4-BE49-F238E27FC236}">
+                <a16:creationId xmlns:a16="http://schemas.microsoft.com/office/drawing/2014/main" id="{F028E8A6-E867-D039-AEF5-CCFDE1277364}"/>
+              </a:ext>
+            </a:extLst>
+          </p:cNvPr>
+          <p:cNvSpPr txBox="1"/>
+          <p:nvPr/>
+        </p:nvSpPr>
+        <p:spPr>
+          <a:xfrm>
+            <a:off x="2031899" y="1324267"/>
+            <a:ext cx="723276" cy="584775"/>
+          </a:xfrm>
+          <a:prstGeom prst="rect">
+            <a:avLst/>
+          </a:prstGeom>
+          <a:noFill/>
+        </p:spPr>
+        <p:txBody>
+          <a:bodyPr wrap="none" rtlCol="0">
+            <a:spAutoFit/>
+          </a:bodyPr>
+          <a:lstStyle/>
+          <a:p>
+            <a:pPr algn="ctr"/>
+            <a:r>
+              <a:rPr lang="en-GB" b="1">
+                <a:solidFill>
+                  <a:srgbClr val="C00000"/>
+                </a:solidFill>
+              </a:rPr>
+              <a:t>Tech.</a:t>
+            </a:r>
+          </a:p>
+          <a:p>
+            <a:pPr algn="ctr"/>
+            <a:r>
+              <a:rPr lang="ko-KR" altLang="en-US" sz="1400" b="1">
+                <a:solidFill>
+                  <a:srgbClr val="C00000"/>
+                </a:solidFill>
+              </a:rPr>
+              <a:t>관심사</a:t>
+            </a:r>
+            <a:endParaRPr lang="en-GB" sz="1400" b="1">
+              <a:solidFill>
+                <a:srgbClr val="C00000"/>
+              </a:solidFill>
+            </a:endParaRPr>
+          </a:p>
+        </p:txBody>
+      </p:sp>
+      <p:sp>
+        <p:nvSpPr>
+          <p:cNvPr id="26" name="TextBox 25">
+            <a:extLst>
+              <a:ext uri="{FF2B5EF4-FFF2-40B4-BE49-F238E27FC236}">
+                <a16:creationId xmlns:a16="http://schemas.microsoft.com/office/drawing/2014/main" id="{CDE15FA0-129C-A857-AB80-F6A1191CF8ED}"/>
+              </a:ext>
+            </a:extLst>
+          </p:cNvPr>
+          <p:cNvSpPr txBox="1"/>
+          <p:nvPr/>
+        </p:nvSpPr>
+        <p:spPr>
+          <a:xfrm>
+            <a:off x="9256053" y="1324267"/>
+            <a:ext cx="723276" cy="584775"/>
+          </a:xfrm>
+          <a:prstGeom prst="rect">
+            <a:avLst/>
+          </a:prstGeom>
+          <a:noFill/>
+        </p:spPr>
+        <p:txBody>
+          <a:bodyPr wrap="none" rtlCol="0">
+            <a:spAutoFit/>
+          </a:bodyPr>
+          <a:lstStyle/>
+          <a:p>
+            <a:pPr algn="ctr"/>
+            <a:r>
+              <a:rPr lang="en-GB" b="1">
+                <a:solidFill>
+                  <a:srgbClr val="C00000"/>
+                </a:solidFill>
+              </a:rPr>
+              <a:t>Tech.</a:t>
+            </a:r>
+          </a:p>
+          <a:p>
+            <a:pPr algn="ctr"/>
+            <a:r>
+              <a:rPr lang="ko-KR" altLang="en-US" sz="1400" b="1">
+                <a:solidFill>
+                  <a:srgbClr val="C00000"/>
+                </a:solidFill>
+              </a:rPr>
+              <a:t>관심사</a:t>
+            </a:r>
+            <a:endParaRPr lang="en-GB" sz="1400" b="1">
+              <a:solidFill>
+                <a:srgbClr val="C00000"/>
+              </a:solidFill>
+            </a:endParaRPr>
+          </a:p>
+        </p:txBody>
+      </p:sp>
+      <p:sp>
+        <p:nvSpPr>
+          <p:cNvPr id="27" name="TextBox 26">
+            <a:extLst>
+              <a:ext uri="{FF2B5EF4-FFF2-40B4-BE49-F238E27FC236}">
+                <a16:creationId xmlns:a16="http://schemas.microsoft.com/office/drawing/2014/main" id="{A3F7F3BE-DFDD-1505-7FE3-AFC9BF1CA94B}"/>
+              </a:ext>
+            </a:extLst>
+          </p:cNvPr>
+          <p:cNvSpPr txBox="1"/>
+          <p:nvPr/>
+        </p:nvSpPr>
+        <p:spPr>
+          <a:xfrm>
+            <a:off x="1993428" y="772826"/>
+            <a:ext cx="800219" cy="461665"/>
+          </a:xfrm>
+          <a:prstGeom prst="rect">
+            <a:avLst/>
+          </a:prstGeom>
+          <a:noFill/>
+        </p:spPr>
+        <p:txBody>
+          <a:bodyPr wrap="none" rtlCol="0">
+            <a:spAutoFit/>
+          </a:bodyPr>
+          <a:lstStyle/>
+          <a:p>
+            <a:r>
+              <a:rPr lang="ko-KR" altLang="en-US" sz="2400" b="1">
+                <a:solidFill>
+                  <a:srgbClr val="C00000"/>
+                </a:solidFill>
+              </a:rPr>
+              <a:t>입력</a:t>
+            </a:r>
+            <a:endParaRPr lang="en-GB" sz="2400" b="1">
+              <a:solidFill>
+                <a:srgbClr val="C00000"/>
+              </a:solidFill>
+            </a:endParaRPr>
+          </a:p>
+        </p:txBody>
+      </p:sp>
+      <p:sp>
+        <p:nvSpPr>
+          <p:cNvPr id="28" name="TextBox 27">
+            <a:extLst>
+              <a:ext uri="{FF2B5EF4-FFF2-40B4-BE49-F238E27FC236}">
+                <a16:creationId xmlns:a16="http://schemas.microsoft.com/office/drawing/2014/main" id="{0CA508D9-592F-CD31-CE88-BA29F98E492A}"/>
+              </a:ext>
+            </a:extLst>
+          </p:cNvPr>
+          <p:cNvSpPr txBox="1"/>
+          <p:nvPr/>
+        </p:nvSpPr>
+        <p:spPr>
+          <a:xfrm>
+            <a:off x="9217582" y="772826"/>
+            <a:ext cx="800219" cy="461665"/>
+          </a:xfrm>
+          <a:prstGeom prst="rect">
+            <a:avLst/>
+          </a:prstGeom>
+          <a:noFill/>
+        </p:spPr>
+        <p:txBody>
+          <a:bodyPr wrap="none" rtlCol="0">
+            <a:spAutoFit/>
+          </a:bodyPr>
+          <a:lstStyle/>
+          <a:p>
+            <a:r>
+              <a:rPr lang="ko-KR" altLang="en-US" sz="2400" b="1">
+                <a:solidFill>
+                  <a:srgbClr val="C00000"/>
+                </a:solidFill>
+              </a:rPr>
+              <a:t>출력</a:t>
+            </a:r>
+            <a:endParaRPr lang="en-GB" sz="2400" b="1">
+              <a:solidFill>
+                <a:srgbClr val="C00000"/>
+              </a:solidFill>
+            </a:endParaRPr>
+          </a:p>
+        </p:txBody>
+      </p:sp>
+      <p:sp>
+        <p:nvSpPr>
+          <p:cNvPr id="29" name="TextBox 28">
+            <a:extLst>
+              <a:ext uri="{FF2B5EF4-FFF2-40B4-BE49-F238E27FC236}">
+                <a16:creationId xmlns:a16="http://schemas.microsoft.com/office/drawing/2014/main" id="{D5CC2AD8-9E9C-F147-DB0A-3ED2B2A8D9C7}"/>
+              </a:ext>
+            </a:extLst>
+          </p:cNvPr>
+          <p:cNvSpPr txBox="1"/>
+          <p:nvPr/>
+        </p:nvSpPr>
+        <p:spPr>
+          <a:xfrm>
+            <a:off x="5671353" y="772826"/>
+            <a:ext cx="800219" cy="461665"/>
+          </a:xfrm>
+          <a:prstGeom prst="rect">
+            <a:avLst/>
+          </a:prstGeom>
+          <a:noFill/>
+        </p:spPr>
+        <p:txBody>
+          <a:bodyPr wrap="none" rtlCol="0">
+            <a:spAutoFit/>
+          </a:bodyPr>
+          <a:lstStyle/>
+          <a:p>
+            <a:r>
+              <a:rPr lang="ko-KR" altLang="en-US" sz="2400" b="1">
+                <a:solidFill>
+                  <a:srgbClr val="0070C0"/>
+                </a:solidFill>
+              </a:rPr>
+              <a:t>연산</a:t>
+            </a:r>
+            <a:endParaRPr lang="en-GB" sz="2400" b="1">
+              <a:solidFill>
+                <a:srgbClr val="0070C0"/>
+              </a:solidFill>
+            </a:endParaRPr>
+          </a:p>
+        </p:txBody>
+      </p:sp>
+      <p:sp>
+        <p:nvSpPr>
+          <p:cNvPr id="41" name="직사각형 40">
+            <a:extLst>
+              <a:ext uri="{FF2B5EF4-FFF2-40B4-BE49-F238E27FC236}">
+                <a16:creationId xmlns:a16="http://schemas.microsoft.com/office/drawing/2014/main" id="{DB325743-52BB-D49B-8DDD-B16EBDC623E0}"/>
+              </a:ext>
+            </a:extLst>
+          </p:cNvPr>
+          <p:cNvSpPr/>
+          <p:nvPr/>
+        </p:nvSpPr>
+        <p:spPr>
+          <a:xfrm>
+            <a:off x="679807" y="509856"/>
+            <a:ext cx="10832386" cy="5838289"/>
+          </a:xfrm>
+          <a:prstGeom prst="rect">
+            <a:avLst/>
+          </a:prstGeom>
+          <a:noFill/>
+          <a:ln w="19050">
+            <a:solidFill>
+              <a:schemeClr val="tx1"/>
+            </a:solidFill>
+          </a:ln>
+        </p:spPr>
+        <p:style>
+          <a:lnRef idx="2">
+            <a:schemeClr val="accent1">
+              <a:shade val="15000"/>
+            </a:schemeClr>
+          </a:lnRef>
+          <a:fillRef idx="1">
+            <a:schemeClr val="accent1"/>
+          </a:fillRef>
+          <a:effectRef idx="0">
+            <a:schemeClr val="accent1"/>
+          </a:effectRef>
+          <a:fontRef idx="minor">
+            <a:schemeClr val="lt1"/>
+          </a:fontRef>
+        </p:style>
+        <p:txBody>
+          <a:bodyPr rtlCol="0" anchor="ctr"/>
+          <a:lstStyle/>
+          <a:p>
+            <a:pPr algn="ctr"/>
+            <a:endParaRPr lang="en-GB"/>
+          </a:p>
+        </p:txBody>
+      </p:sp>
+      <p:sp>
+        <p:nvSpPr>
+          <p:cNvPr id="14" name="직사각형 13">
+            <a:extLst>
+              <a:ext uri="{FF2B5EF4-FFF2-40B4-BE49-F238E27FC236}">
+                <a16:creationId xmlns:a16="http://schemas.microsoft.com/office/drawing/2014/main" id="{53CB99FC-3141-AC07-2334-FEDF176C8141}"/>
+              </a:ext>
+            </a:extLst>
+          </p:cNvPr>
+          <p:cNvSpPr/>
+          <p:nvPr/>
+        </p:nvSpPr>
+        <p:spPr>
+          <a:xfrm>
+            <a:off x="1409271" y="2465966"/>
+            <a:ext cx="1968533" cy="819217"/>
+          </a:xfrm>
+          <a:prstGeom prst="rect">
+            <a:avLst/>
+          </a:prstGeom>
+          <a:noFill/>
+          <a:ln>
+            <a:solidFill>
+              <a:srgbClr val="C00000"/>
+            </a:solidFill>
+          </a:ln>
+        </p:spPr>
+        <p:style>
+          <a:lnRef idx="2">
+            <a:schemeClr val="accent1">
+              <a:shade val="15000"/>
+            </a:schemeClr>
+          </a:lnRef>
+          <a:fillRef idx="1">
+            <a:schemeClr val="accent1"/>
+          </a:fillRef>
+          <a:effectRef idx="0">
+            <a:schemeClr val="accent1"/>
+          </a:effectRef>
+          <a:fontRef idx="minor">
+            <a:schemeClr val="lt1"/>
+          </a:fontRef>
+        </p:style>
+        <p:txBody>
+          <a:bodyPr rtlCol="0" anchor="ctr"/>
+          <a:lstStyle/>
+          <a:p>
+            <a:pPr algn="ctr"/>
+            <a:endParaRPr lang="en-GB"/>
+          </a:p>
+        </p:txBody>
+      </p:sp>
+      <p:sp>
+        <p:nvSpPr>
+          <p:cNvPr id="15" name="TextBox 14">
+            <a:extLst>
+              <a:ext uri="{FF2B5EF4-FFF2-40B4-BE49-F238E27FC236}">
+                <a16:creationId xmlns:a16="http://schemas.microsoft.com/office/drawing/2014/main" id="{E64A339E-F95E-2038-8A14-D1DC1DBD677E}"/>
+              </a:ext>
+            </a:extLst>
+          </p:cNvPr>
+          <p:cNvSpPr txBox="1"/>
+          <p:nvPr/>
+        </p:nvSpPr>
+        <p:spPr>
+          <a:xfrm>
+            <a:off x="1704759" y="2582186"/>
+            <a:ext cx="1377557" cy="338554"/>
+          </a:xfrm>
+          <a:prstGeom prst="rect">
+            <a:avLst/>
+          </a:prstGeom>
+          <a:noFill/>
+        </p:spPr>
+        <p:txBody>
+          <a:bodyPr wrap="none" rtlCol="0">
+            <a:spAutoFit/>
+          </a:bodyPr>
+          <a:lstStyle/>
+          <a:p>
+            <a:r>
+              <a:rPr lang="en-GB" sz="1600" b="1">
+                <a:solidFill>
+                  <a:srgbClr val="C00000"/>
+                </a:solidFill>
+              </a:rPr>
+              <a:t>Adapter Layer</a:t>
+            </a:r>
+          </a:p>
+        </p:txBody>
+      </p:sp>
+      <p:cxnSp>
+        <p:nvCxnSpPr>
+          <p:cNvPr id="19" name="직선 화살표 연결선 18">
+            <a:extLst>
+              <a:ext uri="{FF2B5EF4-FFF2-40B4-BE49-F238E27FC236}">
+                <a16:creationId xmlns:a16="http://schemas.microsoft.com/office/drawing/2014/main" id="{FEA8F57E-4338-1416-9AFE-EFA668E48861}"/>
+              </a:ext>
+            </a:extLst>
+          </p:cNvPr>
+          <p:cNvCxnSpPr>
+            <a:cxnSpLocks/>
+            <a:stCxn id="14" idx="3"/>
+            <a:endCxn id="5" idx="2"/>
+          </p:cNvCxnSpPr>
+          <p:nvPr/>
+        </p:nvCxnSpPr>
+        <p:spPr>
+          <a:xfrm flipV="1">
+            <a:off x="3377804" y="2875574"/>
+            <a:ext cx="822158" cy="1"/>
+          </a:xfrm>
+          <a:prstGeom prst="straightConnector1">
+            <a:avLst/>
+          </a:prstGeom>
+          <a:ln w="28575">
+            <a:solidFill>
+              <a:schemeClr val="tx1"/>
+            </a:solidFill>
+            <a:prstDash val="solid"/>
+            <a:tailEnd type="arrow"/>
+          </a:ln>
+        </p:spPr>
+        <p:style>
+          <a:lnRef idx="1">
+            <a:schemeClr val="accent1"/>
+          </a:lnRef>
+          <a:fillRef idx="0">
+            <a:schemeClr val="accent1"/>
+          </a:fillRef>
+          <a:effectRef idx="0">
+            <a:schemeClr val="accent1"/>
+          </a:effectRef>
+          <a:fontRef idx="minor">
+            <a:schemeClr val="tx1"/>
+          </a:fontRef>
+        </p:style>
+      </p:cxnSp>
+      <p:sp>
+        <p:nvSpPr>
+          <p:cNvPr id="2" name="TextBox 1">
+            <a:extLst>
+              <a:ext uri="{FF2B5EF4-FFF2-40B4-BE49-F238E27FC236}">
+                <a16:creationId xmlns:a16="http://schemas.microsoft.com/office/drawing/2014/main" id="{AEBD1DEF-276A-CE9D-6717-2F6F456FEFFC}"/>
+              </a:ext>
+            </a:extLst>
+          </p:cNvPr>
+          <p:cNvSpPr txBox="1"/>
+          <p:nvPr/>
+        </p:nvSpPr>
+        <p:spPr>
+          <a:xfrm>
+            <a:off x="2136319" y="2930684"/>
+            <a:ext cx="514436" cy="276999"/>
+          </a:xfrm>
+          <a:prstGeom prst="rect">
+            <a:avLst/>
+          </a:prstGeom>
+          <a:noFill/>
+        </p:spPr>
+        <p:txBody>
+          <a:bodyPr wrap="none" rtlCol="0">
+            <a:spAutoFit/>
+          </a:bodyPr>
+          <a:lstStyle/>
+          <a:p>
+            <a:r>
+              <a:rPr lang="en-GB" sz="1200" b="1">
+                <a:solidFill>
+                  <a:srgbClr val="C00000"/>
+                </a:solidFill>
+              </a:rPr>
+              <a:t>Tech.</a:t>
+            </a:r>
+          </a:p>
+        </p:txBody>
+      </p:sp>
+      <p:sp>
+        <p:nvSpPr>
+          <p:cNvPr id="17" name="직사각형 16">
+            <a:extLst>
+              <a:ext uri="{FF2B5EF4-FFF2-40B4-BE49-F238E27FC236}">
+                <a16:creationId xmlns:a16="http://schemas.microsoft.com/office/drawing/2014/main" id="{9F8C32D1-40E2-E82F-3839-4C6FDB74A6FC}"/>
+              </a:ext>
+            </a:extLst>
+          </p:cNvPr>
+          <p:cNvSpPr/>
+          <p:nvPr/>
+        </p:nvSpPr>
+        <p:spPr>
+          <a:xfrm>
+            <a:off x="8633425" y="2465966"/>
+            <a:ext cx="1968533" cy="819217"/>
+          </a:xfrm>
+          <a:prstGeom prst="rect">
+            <a:avLst/>
+          </a:prstGeom>
+          <a:noFill/>
+          <a:ln>
+            <a:solidFill>
+              <a:srgbClr val="C00000"/>
+            </a:solidFill>
+          </a:ln>
+        </p:spPr>
+        <p:style>
+          <a:lnRef idx="2">
+            <a:schemeClr val="accent1">
+              <a:shade val="15000"/>
+            </a:schemeClr>
+          </a:lnRef>
+          <a:fillRef idx="1">
+            <a:schemeClr val="accent1"/>
+          </a:fillRef>
+          <a:effectRef idx="0">
+            <a:schemeClr val="accent1"/>
+          </a:effectRef>
+          <a:fontRef idx="minor">
+            <a:schemeClr val="lt1"/>
+          </a:fontRef>
+        </p:style>
+        <p:txBody>
+          <a:bodyPr rtlCol="0" anchor="ctr"/>
+          <a:lstStyle/>
+          <a:p>
+            <a:pPr algn="ctr"/>
+            <a:endParaRPr lang="en-GB"/>
+          </a:p>
+        </p:txBody>
+      </p:sp>
+      <p:sp>
+        <p:nvSpPr>
+          <p:cNvPr id="18" name="TextBox 17">
+            <a:extLst>
+              <a:ext uri="{FF2B5EF4-FFF2-40B4-BE49-F238E27FC236}">
+                <a16:creationId xmlns:a16="http://schemas.microsoft.com/office/drawing/2014/main" id="{A0D3FB26-11BA-038D-8634-96E3CEB710B3}"/>
+              </a:ext>
+            </a:extLst>
+          </p:cNvPr>
+          <p:cNvSpPr txBox="1"/>
+          <p:nvPr/>
+        </p:nvSpPr>
+        <p:spPr>
+          <a:xfrm>
+            <a:off x="8928913" y="2582187"/>
+            <a:ext cx="1377557" cy="338554"/>
+          </a:xfrm>
+          <a:prstGeom prst="rect">
+            <a:avLst/>
+          </a:prstGeom>
+          <a:noFill/>
+        </p:spPr>
+        <p:txBody>
+          <a:bodyPr wrap="none" rtlCol="0">
+            <a:spAutoFit/>
+          </a:bodyPr>
+          <a:lstStyle/>
+          <a:p>
+            <a:r>
+              <a:rPr lang="en-GB" sz="1600" b="1">
+                <a:solidFill>
+                  <a:srgbClr val="C00000"/>
+                </a:solidFill>
+              </a:rPr>
+              <a:t>Adapter Layer</a:t>
+            </a:r>
+          </a:p>
+        </p:txBody>
+      </p:sp>
+      <p:sp>
+        <p:nvSpPr>
+          <p:cNvPr id="3" name="TextBox 2">
+            <a:extLst>
+              <a:ext uri="{FF2B5EF4-FFF2-40B4-BE49-F238E27FC236}">
+                <a16:creationId xmlns:a16="http://schemas.microsoft.com/office/drawing/2014/main" id="{8C0A477A-BAE1-14B6-D53C-AA0E963B68DF}"/>
+              </a:ext>
+            </a:extLst>
+          </p:cNvPr>
+          <p:cNvSpPr txBox="1"/>
+          <p:nvPr/>
+        </p:nvSpPr>
+        <p:spPr>
+          <a:xfrm>
+            <a:off x="9360473" y="2930685"/>
+            <a:ext cx="514436" cy="276999"/>
+          </a:xfrm>
+          <a:prstGeom prst="rect">
+            <a:avLst/>
+          </a:prstGeom>
+          <a:noFill/>
+        </p:spPr>
+        <p:txBody>
+          <a:bodyPr wrap="none" rtlCol="0">
+            <a:spAutoFit/>
+          </a:bodyPr>
+          <a:lstStyle/>
+          <a:p>
+            <a:r>
+              <a:rPr lang="en-GB" sz="1200" b="1">
+                <a:solidFill>
+                  <a:srgbClr val="C00000"/>
+                </a:solidFill>
+              </a:rPr>
+              <a:t>Tech.</a:t>
+            </a:r>
+          </a:p>
+        </p:txBody>
+      </p:sp>
+      <p:sp>
+        <p:nvSpPr>
+          <p:cNvPr id="10" name="직사각형 9">
+            <a:extLst>
+              <a:ext uri="{FF2B5EF4-FFF2-40B4-BE49-F238E27FC236}">
+                <a16:creationId xmlns:a16="http://schemas.microsoft.com/office/drawing/2014/main" id="{E8EA6489-A96E-A68E-D07C-2B447779BE56}"/>
+              </a:ext>
+            </a:extLst>
+          </p:cNvPr>
+          <p:cNvSpPr/>
+          <p:nvPr/>
+        </p:nvSpPr>
+        <p:spPr>
+          <a:xfrm>
+            <a:off x="8633425" y="3808663"/>
+            <a:ext cx="1968533" cy="819217"/>
+          </a:xfrm>
+          <a:prstGeom prst="rect">
+            <a:avLst/>
+          </a:prstGeom>
+          <a:noFill/>
+          <a:ln>
+            <a:solidFill>
+              <a:srgbClr val="C00000"/>
+            </a:solidFill>
+            <a:prstDash val="dash"/>
+          </a:ln>
+        </p:spPr>
+        <p:style>
+          <a:lnRef idx="2">
+            <a:schemeClr val="accent1">
+              <a:shade val="15000"/>
+            </a:schemeClr>
+          </a:lnRef>
+          <a:fillRef idx="1">
+            <a:schemeClr val="accent1"/>
+          </a:fillRef>
+          <a:effectRef idx="0">
+            <a:schemeClr val="accent1"/>
+          </a:effectRef>
+          <a:fontRef idx="minor">
+            <a:schemeClr val="lt1"/>
+          </a:fontRef>
+        </p:style>
+        <p:txBody>
+          <a:bodyPr rtlCol="0" anchor="ctr"/>
+          <a:lstStyle/>
+          <a:p>
+            <a:pPr algn="ctr"/>
+            <a:endParaRPr lang="en-GB"/>
+          </a:p>
+        </p:txBody>
+      </p:sp>
+      <p:sp>
+        <p:nvSpPr>
+          <p:cNvPr id="11" name="TextBox 10">
+            <a:extLst>
+              <a:ext uri="{FF2B5EF4-FFF2-40B4-BE49-F238E27FC236}">
+                <a16:creationId xmlns:a16="http://schemas.microsoft.com/office/drawing/2014/main" id="{09C68BBD-EC8E-E195-9E0E-28B34A25C4A1}"/>
+              </a:ext>
+            </a:extLst>
+          </p:cNvPr>
+          <p:cNvSpPr txBox="1"/>
+          <p:nvPr/>
+        </p:nvSpPr>
+        <p:spPr>
+          <a:xfrm>
+            <a:off x="8928913" y="3924884"/>
+            <a:ext cx="1377557" cy="338554"/>
+          </a:xfrm>
+          <a:prstGeom prst="rect">
+            <a:avLst/>
+          </a:prstGeom>
+          <a:noFill/>
+        </p:spPr>
+        <p:txBody>
+          <a:bodyPr wrap="none" rtlCol="0">
+            <a:spAutoFit/>
+          </a:bodyPr>
+          <a:lstStyle/>
+          <a:p>
+            <a:r>
+              <a:rPr lang="en-GB" sz="1600" b="1">
+                <a:solidFill>
+                  <a:srgbClr val="C00000"/>
+                </a:solidFill>
+              </a:rPr>
+              <a:t>Adapter Layer</a:t>
+            </a:r>
+          </a:p>
+        </p:txBody>
+      </p:sp>
+      <p:sp>
+        <p:nvSpPr>
+          <p:cNvPr id="13" name="TextBox 12">
+            <a:extLst>
+              <a:ext uri="{FF2B5EF4-FFF2-40B4-BE49-F238E27FC236}">
+                <a16:creationId xmlns:a16="http://schemas.microsoft.com/office/drawing/2014/main" id="{E3E453AA-46E9-F5CD-AC87-171AAD468961}"/>
+              </a:ext>
+            </a:extLst>
+          </p:cNvPr>
+          <p:cNvSpPr txBox="1"/>
+          <p:nvPr/>
+        </p:nvSpPr>
+        <p:spPr>
+          <a:xfrm>
+            <a:off x="9360473" y="4273382"/>
+            <a:ext cx="514436" cy="276999"/>
+          </a:xfrm>
+          <a:prstGeom prst="rect">
+            <a:avLst/>
+          </a:prstGeom>
+          <a:noFill/>
+        </p:spPr>
+        <p:txBody>
+          <a:bodyPr wrap="none" rtlCol="0">
+            <a:spAutoFit/>
+          </a:bodyPr>
+          <a:lstStyle/>
+          <a:p>
+            <a:r>
+              <a:rPr lang="en-GB" sz="1200" b="1">
+                <a:solidFill>
+                  <a:srgbClr val="C00000"/>
+                </a:solidFill>
+              </a:rPr>
+              <a:t>Tech.</a:t>
+            </a:r>
+          </a:p>
+        </p:txBody>
+      </p:sp>
+      <p:cxnSp>
+        <p:nvCxnSpPr>
+          <p:cNvPr id="20" name="연결선: 꺾임 19">
+            <a:extLst>
+              <a:ext uri="{FF2B5EF4-FFF2-40B4-BE49-F238E27FC236}">
+                <a16:creationId xmlns:a16="http://schemas.microsoft.com/office/drawing/2014/main" id="{D0509C8D-9666-B92F-FE5C-FDDB574712F6}"/>
+              </a:ext>
+            </a:extLst>
+          </p:cNvPr>
+          <p:cNvCxnSpPr>
+            <a:cxnSpLocks/>
+            <a:stCxn id="55" idx="3"/>
+            <a:endCxn id="10" idx="1"/>
+          </p:cNvCxnSpPr>
+          <p:nvPr/>
+        </p:nvCxnSpPr>
+        <p:spPr>
+          <a:xfrm>
+            <a:off x="8120684" y="3136021"/>
+            <a:ext cx="512741" cy="1082251"/>
+          </a:xfrm>
+          <a:prstGeom prst="bentConnector3">
+            <a:avLst>
+              <a:gd name="adj1" fmla="val 50000"/>
+            </a:avLst>
+          </a:prstGeom>
+          <a:ln w="28575">
+            <a:solidFill>
+              <a:schemeClr val="tx1"/>
+            </a:solidFill>
+            <a:prstDash val="solid"/>
+            <a:headEnd type="none" w="med" len="med"/>
+            <a:tailEnd type="none" w="med" len="med"/>
+          </a:ln>
+        </p:spPr>
+        <p:style>
+          <a:lnRef idx="1">
+            <a:schemeClr val="accent1"/>
+          </a:lnRef>
+          <a:fillRef idx="0">
+            <a:schemeClr val="accent1"/>
+          </a:fillRef>
+          <a:effectRef idx="0">
+            <a:schemeClr val="accent1"/>
+          </a:effectRef>
+          <a:fontRef idx="minor">
+            <a:schemeClr val="tx1"/>
+          </a:fontRef>
+        </p:style>
+      </p:cxnSp>
+      <p:sp>
+        <p:nvSpPr>
+          <p:cNvPr id="35" name="TextBox 34">
+            <a:extLst>
+              <a:ext uri="{FF2B5EF4-FFF2-40B4-BE49-F238E27FC236}">
+                <a16:creationId xmlns:a16="http://schemas.microsoft.com/office/drawing/2014/main" id="{79F53640-7C4B-2893-9D1E-A77C47729D00}"/>
+              </a:ext>
+            </a:extLst>
+          </p:cNvPr>
+          <p:cNvSpPr txBox="1"/>
+          <p:nvPr/>
+        </p:nvSpPr>
+        <p:spPr>
+          <a:xfrm>
+            <a:off x="2050495" y="2108930"/>
+            <a:ext cx="686085" cy="307777"/>
+          </a:xfrm>
+          <a:prstGeom prst="rect">
+            <a:avLst/>
+          </a:prstGeom>
+          <a:noFill/>
+        </p:spPr>
+        <p:txBody>
+          <a:bodyPr wrap="none" rtlCol="0">
+            <a:spAutoFit/>
+          </a:bodyPr>
+          <a:lstStyle/>
+          <a:p>
+            <a:r>
+              <a:rPr lang="en-GB" sz="1400"/>
+              <a:t>Known</a:t>
+            </a:r>
+          </a:p>
+        </p:txBody>
+      </p:sp>
+      <p:sp>
+        <p:nvSpPr>
+          <p:cNvPr id="38" name="TextBox 37">
+            <a:extLst>
+              <a:ext uri="{FF2B5EF4-FFF2-40B4-BE49-F238E27FC236}">
+                <a16:creationId xmlns:a16="http://schemas.microsoft.com/office/drawing/2014/main" id="{941109A2-C73A-1783-A59E-DB36E355B38B}"/>
+              </a:ext>
+            </a:extLst>
+          </p:cNvPr>
+          <p:cNvSpPr txBox="1"/>
+          <p:nvPr/>
+        </p:nvSpPr>
+        <p:spPr>
+          <a:xfrm>
+            <a:off x="9274649" y="2108930"/>
+            <a:ext cx="686085" cy="307777"/>
+          </a:xfrm>
+          <a:prstGeom prst="rect">
+            <a:avLst/>
+          </a:prstGeom>
+          <a:noFill/>
+        </p:spPr>
+        <p:txBody>
+          <a:bodyPr wrap="none" rtlCol="0">
+            <a:spAutoFit/>
+          </a:bodyPr>
+          <a:lstStyle/>
+          <a:p>
+            <a:r>
+              <a:rPr lang="en-GB" sz="1400"/>
+              <a:t>Known</a:t>
+            </a:r>
+          </a:p>
+        </p:txBody>
+      </p:sp>
+      <p:cxnSp>
+        <p:nvCxnSpPr>
+          <p:cNvPr id="42" name="직선 화살표 연결선 41">
+            <a:extLst>
+              <a:ext uri="{FF2B5EF4-FFF2-40B4-BE49-F238E27FC236}">
+                <a16:creationId xmlns:a16="http://schemas.microsoft.com/office/drawing/2014/main" id="{02F74BA1-4FAA-FB35-40B5-5648655AEB59}"/>
+              </a:ext>
+            </a:extLst>
+          </p:cNvPr>
+          <p:cNvCxnSpPr>
+            <a:cxnSpLocks/>
+            <a:stCxn id="7" idx="3"/>
+            <a:endCxn id="23" idx="2"/>
+          </p:cNvCxnSpPr>
+          <p:nvPr/>
+        </p:nvCxnSpPr>
+        <p:spPr>
+          <a:xfrm flipV="1">
+            <a:off x="7055729" y="2875574"/>
+            <a:ext cx="711309" cy="1"/>
+          </a:xfrm>
+          <a:prstGeom prst="straightConnector1">
+            <a:avLst/>
+          </a:prstGeom>
+          <a:ln w="28575">
+            <a:solidFill>
+              <a:schemeClr val="tx1"/>
+            </a:solidFill>
+            <a:prstDash val="solid"/>
+            <a:tailEnd type="arrow"/>
+          </a:ln>
+        </p:spPr>
+        <p:style>
+          <a:lnRef idx="1">
+            <a:schemeClr val="accent1"/>
+          </a:lnRef>
+          <a:fillRef idx="0">
+            <a:schemeClr val="accent1"/>
+          </a:fillRef>
+          <a:effectRef idx="0">
+            <a:schemeClr val="accent1"/>
+          </a:effectRef>
+          <a:fontRef idx="minor">
+            <a:schemeClr val="tx1"/>
+          </a:fontRef>
+        </p:style>
+      </p:cxnSp>
+      <p:sp>
+        <p:nvSpPr>
+          <p:cNvPr id="34" name="직사각형 33">
+            <a:extLst>
+              <a:ext uri="{FF2B5EF4-FFF2-40B4-BE49-F238E27FC236}">
+                <a16:creationId xmlns:a16="http://schemas.microsoft.com/office/drawing/2014/main" id="{96B62538-6D3E-1C8D-279C-00716BC12B0E}"/>
+              </a:ext>
+            </a:extLst>
+          </p:cNvPr>
+          <p:cNvSpPr/>
+          <p:nvPr/>
+        </p:nvSpPr>
+        <p:spPr>
+          <a:xfrm>
+            <a:off x="5087196" y="5152787"/>
+            <a:ext cx="1968533" cy="819217"/>
+          </a:xfrm>
+          <a:prstGeom prst="rect">
+            <a:avLst/>
+          </a:prstGeom>
+          <a:noFill/>
+          <a:ln>
+            <a:solidFill>
+              <a:srgbClr val="0070C0"/>
+            </a:solidFill>
+          </a:ln>
+        </p:spPr>
+        <p:style>
+          <a:lnRef idx="2">
+            <a:schemeClr val="accent1">
+              <a:shade val="15000"/>
+            </a:schemeClr>
+          </a:lnRef>
+          <a:fillRef idx="1">
+            <a:schemeClr val="accent1"/>
+          </a:fillRef>
+          <a:effectRef idx="0">
+            <a:schemeClr val="accent1"/>
+          </a:effectRef>
+          <a:fontRef idx="minor">
+            <a:schemeClr val="lt1"/>
+          </a:fontRef>
+        </p:style>
+        <p:txBody>
+          <a:bodyPr rtlCol="0" anchor="ctr"/>
+          <a:lstStyle/>
+          <a:p>
+            <a:pPr algn="ctr"/>
+            <a:endParaRPr lang="en-GB"/>
+          </a:p>
+        </p:txBody>
+      </p:sp>
+      <p:sp>
+        <p:nvSpPr>
+          <p:cNvPr id="36" name="TextBox 35">
+            <a:extLst>
+              <a:ext uri="{FF2B5EF4-FFF2-40B4-BE49-F238E27FC236}">
+                <a16:creationId xmlns:a16="http://schemas.microsoft.com/office/drawing/2014/main" id="{C42DA99E-A426-3780-1F91-30B8C5DDA93F}"/>
+              </a:ext>
+            </a:extLst>
+          </p:cNvPr>
+          <p:cNvSpPr txBox="1"/>
+          <p:nvPr/>
+        </p:nvSpPr>
+        <p:spPr>
+          <a:xfrm>
+            <a:off x="5393841" y="5269007"/>
+            <a:ext cx="1355243" cy="338554"/>
+          </a:xfrm>
+          <a:prstGeom prst="rect">
+            <a:avLst/>
+          </a:prstGeom>
+          <a:noFill/>
+        </p:spPr>
+        <p:txBody>
+          <a:bodyPr wrap="none" rtlCol="0">
+            <a:spAutoFit/>
+          </a:bodyPr>
+          <a:lstStyle/>
+          <a:p>
+            <a:r>
+              <a:rPr lang="en-GB" sz="1600" b="1">
+                <a:solidFill>
+                  <a:srgbClr val="0070C0"/>
+                </a:solidFill>
+              </a:rPr>
+              <a:t>Domain Layer</a:t>
+            </a:r>
+          </a:p>
+        </p:txBody>
+      </p:sp>
+      <p:sp>
+        <p:nvSpPr>
+          <p:cNvPr id="37" name="TextBox 36">
+            <a:extLst>
+              <a:ext uri="{FF2B5EF4-FFF2-40B4-BE49-F238E27FC236}">
+                <a16:creationId xmlns:a16="http://schemas.microsoft.com/office/drawing/2014/main" id="{78C3DC10-5C1C-F687-D4DE-127FF3EA0967}"/>
+              </a:ext>
+            </a:extLst>
+          </p:cNvPr>
+          <p:cNvSpPr txBox="1"/>
+          <p:nvPr/>
+        </p:nvSpPr>
+        <p:spPr>
+          <a:xfrm>
+            <a:off x="5693795" y="5617505"/>
+            <a:ext cx="755335" cy="276999"/>
+          </a:xfrm>
+          <a:prstGeom prst="rect">
+            <a:avLst/>
+          </a:prstGeom>
+          <a:noFill/>
+        </p:spPr>
+        <p:txBody>
+          <a:bodyPr wrap="none" rtlCol="0">
+            <a:spAutoFit/>
+          </a:bodyPr>
+          <a:lstStyle/>
+          <a:p>
+            <a:r>
+              <a:rPr lang="en-GB" sz="1200" b="1">
+                <a:solidFill>
+                  <a:srgbClr val="0070C0"/>
+                </a:solidFill>
+              </a:rPr>
+              <a:t>Biz. </a:t>
+            </a:r>
+            <a:r>
+              <a:rPr lang="ko-KR" altLang="en-US" sz="1200" b="1">
+                <a:solidFill>
+                  <a:srgbClr val="0070C0"/>
+                </a:solidFill>
+              </a:rPr>
+              <a:t>단위</a:t>
+            </a:r>
+            <a:endParaRPr lang="en-GB" sz="1200" b="1">
+              <a:solidFill>
+                <a:srgbClr val="0070C0"/>
+              </a:solidFill>
+            </a:endParaRPr>
+          </a:p>
+        </p:txBody>
+      </p:sp>
+      <p:cxnSp>
+        <p:nvCxnSpPr>
+          <p:cNvPr id="12" name="직선 화살표 연결선 11">
+            <a:extLst>
+              <a:ext uri="{FF2B5EF4-FFF2-40B4-BE49-F238E27FC236}">
+                <a16:creationId xmlns:a16="http://schemas.microsoft.com/office/drawing/2014/main" id="{41B5F23E-908E-96F8-AD87-DE33B4A541DC}"/>
+              </a:ext>
+            </a:extLst>
+          </p:cNvPr>
+          <p:cNvCxnSpPr>
+            <a:cxnSpLocks/>
+            <a:stCxn id="7" idx="2"/>
+            <a:endCxn id="34" idx="0"/>
+          </p:cNvCxnSpPr>
+          <p:nvPr/>
+        </p:nvCxnSpPr>
+        <p:spPr>
+          <a:xfrm>
+            <a:off x="6071463" y="3285183"/>
+            <a:ext cx="0" cy="1867604"/>
+          </a:xfrm>
+          <a:prstGeom prst="straightConnector1">
+            <a:avLst/>
+          </a:prstGeom>
+          <a:ln w="28575">
+            <a:solidFill>
+              <a:schemeClr val="tx1"/>
+            </a:solidFill>
+            <a:prstDash val="solid"/>
+            <a:tailEnd type="arrow"/>
+          </a:ln>
+        </p:spPr>
+        <p:style>
+          <a:lnRef idx="1">
+            <a:schemeClr val="accent1"/>
+          </a:lnRef>
+          <a:fillRef idx="0">
+            <a:schemeClr val="accent1"/>
+          </a:fillRef>
+          <a:effectRef idx="0">
+            <a:schemeClr val="accent1"/>
+          </a:effectRef>
+          <a:fontRef idx="minor">
+            <a:schemeClr val="tx1"/>
+          </a:fontRef>
+        </p:style>
+      </p:cxnSp>
+      <p:sp>
+        <p:nvSpPr>
+          <p:cNvPr id="4" name="TextBox 3">
+            <a:extLst>
+              <a:ext uri="{FF2B5EF4-FFF2-40B4-BE49-F238E27FC236}">
+                <a16:creationId xmlns:a16="http://schemas.microsoft.com/office/drawing/2014/main" id="{C7030C8D-341F-794B-1C80-CC901B76F5E4}"/>
+              </a:ext>
+            </a:extLst>
+          </p:cNvPr>
+          <p:cNvSpPr txBox="1"/>
+          <p:nvPr/>
+        </p:nvSpPr>
+        <p:spPr>
+          <a:xfrm>
+            <a:off x="5242325" y="2582186"/>
+            <a:ext cx="1658274" cy="338554"/>
+          </a:xfrm>
+          <a:prstGeom prst="rect">
+            <a:avLst/>
+          </a:prstGeom>
+          <a:noFill/>
+        </p:spPr>
+        <p:txBody>
+          <a:bodyPr wrap="none" rtlCol="0">
+            <a:spAutoFit/>
+          </a:bodyPr>
+          <a:lstStyle/>
+          <a:p>
+            <a:r>
+              <a:rPr lang="en-GB" sz="1600" b="1">
+                <a:solidFill>
+                  <a:srgbClr val="0070C0"/>
+                </a:solidFill>
+              </a:rPr>
+              <a:t>Application Layer</a:t>
+            </a:r>
+          </a:p>
+        </p:txBody>
+      </p:sp>
+      <p:sp>
+        <p:nvSpPr>
+          <p:cNvPr id="30" name="TextBox 29">
+            <a:extLst>
+              <a:ext uri="{FF2B5EF4-FFF2-40B4-BE49-F238E27FC236}">
+                <a16:creationId xmlns:a16="http://schemas.microsoft.com/office/drawing/2014/main" id="{E1FA6676-64E4-96B1-0DE3-C0FDF35DA701}"/>
+              </a:ext>
+            </a:extLst>
+          </p:cNvPr>
+          <p:cNvSpPr txBox="1"/>
+          <p:nvPr/>
+        </p:nvSpPr>
+        <p:spPr>
+          <a:xfrm>
+            <a:off x="5693795" y="2930684"/>
+            <a:ext cx="755335" cy="276999"/>
+          </a:xfrm>
+          <a:prstGeom prst="rect">
+            <a:avLst/>
+          </a:prstGeom>
+          <a:noFill/>
+        </p:spPr>
+        <p:txBody>
+          <a:bodyPr wrap="none" rtlCol="0">
+            <a:spAutoFit/>
+          </a:bodyPr>
+          <a:lstStyle/>
+          <a:p>
+            <a:r>
+              <a:rPr lang="en-GB" sz="1200" b="1">
+                <a:solidFill>
+                  <a:srgbClr val="0070C0"/>
+                </a:solidFill>
+              </a:rPr>
+              <a:t>Biz. </a:t>
+            </a:r>
+            <a:r>
+              <a:rPr lang="ko-KR" altLang="en-US" sz="1200" b="1">
+                <a:solidFill>
+                  <a:srgbClr val="0070C0"/>
+                </a:solidFill>
+              </a:rPr>
+              <a:t>흐름</a:t>
+            </a:r>
+            <a:endParaRPr lang="en-GB" sz="1200" b="1">
+              <a:solidFill>
+                <a:srgbClr val="0070C0"/>
+              </a:solidFill>
+            </a:endParaRPr>
+          </a:p>
+        </p:txBody>
+      </p:sp>
+      <p:sp>
+        <p:nvSpPr>
+          <p:cNvPr id="7" name="직사각형 6">
+            <a:extLst>
+              <a:ext uri="{FF2B5EF4-FFF2-40B4-BE49-F238E27FC236}">
+                <a16:creationId xmlns:a16="http://schemas.microsoft.com/office/drawing/2014/main" id="{4253CA0E-EE08-FC36-0F20-FC4B6665E382}"/>
+              </a:ext>
+            </a:extLst>
+          </p:cNvPr>
+          <p:cNvSpPr/>
+          <p:nvPr/>
+        </p:nvSpPr>
+        <p:spPr>
+          <a:xfrm>
+            <a:off x="5087196" y="2465966"/>
+            <a:ext cx="1968533" cy="819217"/>
+          </a:xfrm>
+          <a:prstGeom prst="rect">
+            <a:avLst/>
+          </a:prstGeom>
+          <a:noFill/>
+          <a:ln>
+            <a:solidFill>
+              <a:srgbClr val="0070C0"/>
+            </a:solidFill>
+          </a:ln>
+        </p:spPr>
+        <p:style>
+          <a:lnRef idx="2">
+            <a:schemeClr val="accent1">
+              <a:shade val="15000"/>
+            </a:schemeClr>
+          </a:lnRef>
+          <a:fillRef idx="1">
+            <a:schemeClr val="accent1"/>
+          </a:fillRef>
+          <a:effectRef idx="0">
+            <a:schemeClr val="accent1"/>
+          </a:effectRef>
+          <a:fontRef idx="minor">
+            <a:schemeClr val="lt1"/>
+          </a:fontRef>
+        </p:style>
+        <p:txBody>
+          <a:bodyPr rtlCol="0" anchor="ctr"/>
+          <a:lstStyle/>
+          <a:p>
+            <a:pPr algn="ctr"/>
+            <a:endParaRPr lang="en-GB"/>
+          </a:p>
+        </p:txBody>
+      </p:sp>
+      <p:sp>
+        <p:nvSpPr>
+          <p:cNvPr id="45" name="직사각형 44">
+            <a:extLst>
+              <a:ext uri="{FF2B5EF4-FFF2-40B4-BE49-F238E27FC236}">
+                <a16:creationId xmlns:a16="http://schemas.microsoft.com/office/drawing/2014/main" id="{3313BBD8-53CC-1DDD-7D4B-CEA222BFD263}"/>
+              </a:ext>
+            </a:extLst>
+          </p:cNvPr>
+          <p:cNvSpPr/>
+          <p:nvPr/>
+        </p:nvSpPr>
+        <p:spPr>
+          <a:xfrm>
+            <a:off x="6659759" y="2986858"/>
+            <a:ext cx="395970" cy="298325"/>
+          </a:xfrm>
+          <a:prstGeom prst="rect">
+            <a:avLst/>
+          </a:prstGeom>
+          <a:noFill/>
+          <a:ln>
+            <a:noFill/>
+          </a:ln>
+        </p:spPr>
+        <p:style>
+          <a:lnRef idx="2">
+            <a:schemeClr val="accent1">
+              <a:shade val="15000"/>
+            </a:schemeClr>
+          </a:lnRef>
+          <a:fillRef idx="1">
+            <a:schemeClr val="accent1"/>
+          </a:fillRef>
+          <a:effectRef idx="0">
+            <a:schemeClr val="accent1"/>
+          </a:effectRef>
+          <a:fontRef idx="minor">
+            <a:schemeClr val="lt1"/>
+          </a:fontRef>
+        </p:style>
+        <p:txBody>
+          <a:bodyPr rtlCol="0" anchor="ctr"/>
+          <a:lstStyle/>
+          <a:p>
+            <a:pPr algn="ctr"/>
+            <a:endParaRPr lang="en-GB"/>
+          </a:p>
+        </p:txBody>
+      </p:sp>
+      <p:sp>
+        <p:nvSpPr>
+          <p:cNvPr id="49" name="TextBox 48">
+            <a:extLst>
+              <a:ext uri="{FF2B5EF4-FFF2-40B4-BE49-F238E27FC236}">
+                <a16:creationId xmlns:a16="http://schemas.microsoft.com/office/drawing/2014/main" id="{91AE0271-6724-1741-2FE5-2F37DD76FD86}"/>
+              </a:ext>
+            </a:extLst>
+          </p:cNvPr>
+          <p:cNvSpPr txBox="1"/>
+          <p:nvPr/>
+        </p:nvSpPr>
+        <p:spPr>
+          <a:xfrm>
+            <a:off x="9173852" y="3445725"/>
+            <a:ext cx="887679" cy="307777"/>
+          </a:xfrm>
+          <a:prstGeom prst="rect">
+            <a:avLst/>
+          </a:prstGeom>
+          <a:noFill/>
+        </p:spPr>
+        <p:txBody>
+          <a:bodyPr wrap="none" rtlCol="0">
+            <a:spAutoFit/>
+          </a:bodyPr>
+          <a:lstStyle/>
+          <a:p>
+            <a:r>
+              <a:rPr lang="en-GB" sz="1400"/>
+              <a:t>Unknown</a:t>
+            </a:r>
+          </a:p>
+        </p:txBody>
+      </p:sp>
+      <p:sp>
+        <p:nvSpPr>
+          <p:cNvPr id="5" name="타원 4">
+            <a:extLst>
+              <a:ext uri="{FF2B5EF4-FFF2-40B4-BE49-F238E27FC236}">
+                <a16:creationId xmlns:a16="http://schemas.microsoft.com/office/drawing/2014/main" id="{AC2C8D67-2195-7CD0-EBCD-DBFCB6798F56}"/>
+              </a:ext>
+            </a:extLst>
+          </p:cNvPr>
+          <p:cNvSpPr/>
+          <p:nvPr/>
+        </p:nvSpPr>
+        <p:spPr>
+          <a:xfrm>
+            <a:off x="4199962" y="2785574"/>
+            <a:ext cx="180000" cy="180000"/>
+          </a:xfrm>
+          <a:prstGeom prst="ellipse">
+            <a:avLst/>
+          </a:prstGeom>
+          <a:solidFill>
+            <a:schemeClr val="tx1"/>
+          </a:solidFill>
+          <a:ln w="28575"/>
+        </p:spPr>
+        <p:style>
+          <a:lnRef idx="2">
+            <a:schemeClr val="accent1">
+              <a:shade val="15000"/>
+            </a:schemeClr>
+          </a:lnRef>
+          <a:fillRef idx="1">
+            <a:schemeClr val="accent1"/>
+          </a:fillRef>
+          <a:effectRef idx="0">
+            <a:schemeClr val="accent1"/>
+          </a:effectRef>
+          <a:fontRef idx="minor">
+            <a:schemeClr val="lt1"/>
+          </a:fontRef>
+        </p:style>
+        <p:txBody>
+          <a:bodyPr rtlCol="0" anchor="ctr"/>
+          <a:lstStyle/>
+          <a:p>
+            <a:pPr algn="ctr"/>
+            <a:endParaRPr lang="en-GB"/>
+          </a:p>
+        </p:txBody>
+      </p:sp>
+      <p:sp>
+        <p:nvSpPr>
+          <p:cNvPr id="9" name="이등변 삼각형 8">
+            <a:extLst>
+              <a:ext uri="{FF2B5EF4-FFF2-40B4-BE49-F238E27FC236}">
+                <a16:creationId xmlns:a16="http://schemas.microsoft.com/office/drawing/2014/main" id="{E7B04A6F-8D4F-8DCC-66B9-1937E7491521}"/>
+              </a:ext>
+            </a:extLst>
+          </p:cNvPr>
+          <p:cNvSpPr/>
+          <p:nvPr/>
+        </p:nvSpPr>
+        <p:spPr>
+          <a:xfrm rot="16200000">
+            <a:off x="4373131" y="2805374"/>
+            <a:ext cx="162000" cy="140400"/>
+          </a:xfrm>
+          <a:prstGeom prst="triangle">
+            <a:avLst/>
+          </a:prstGeom>
+          <a:solidFill>
+            <a:schemeClr val="bg1"/>
+          </a:solidFill>
+          <a:ln w="28575">
+            <a:solidFill>
+              <a:schemeClr val="tx1"/>
+            </a:solidFill>
+          </a:ln>
+        </p:spPr>
+        <p:style>
+          <a:lnRef idx="2">
+            <a:schemeClr val="accent1">
+              <a:shade val="15000"/>
+            </a:schemeClr>
+          </a:lnRef>
+          <a:fillRef idx="1">
+            <a:schemeClr val="accent1"/>
+          </a:fillRef>
+          <a:effectRef idx="0">
+            <a:schemeClr val="accent1"/>
+          </a:effectRef>
+          <a:fontRef idx="minor">
+            <a:schemeClr val="lt1"/>
+          </a:fontRef>
+        </p:style>
+        <p:txBody>
+          <a:bodyPr rtlCol="0" anchor="ctr"/>
+          <a:lstStyle/>
+          <a:p>
+            <a:pPr algn="ctr"/>
+            <a:endParaRPr lang="en-GB"/>
+          </a:p>
+        </p:txBody>
+      </p:sp>
+      <p:cxnSp>
+        <p:nvCxnSpPr>
+          <p:cNvPr id="16" name="직선 화살표 연결선 15">
+            <a:extLst>
+              <a:ext uri="{FF2B5EF4-FFF2-40B4-BE49-F238E27FC236}">
+                <a16:creationId xmlns:a16="http://schemas.microsoft.com/office/drawing/2014/main" id="{9C109A10-C649-C2E2-3648-1473F7489FDA}"/>
+              </a:ext>
+            </a:extLst>
+          </p:cNvPr>
+          <p:cNvCxnSpPr>
+            <a:cxnSpLocks/>
+            <a:stCxn id="7" idx="1"/>
+            <a:endCxn id="9" idx="3"/>
+          </p:cNvCxnSpPr>
+          <p:nvPr/>
+        </p:nvCxnSpPr>
+        <p:spPr>
+          <a:xfrm flipH="1" flipV="1">
+            <a:off x="4524331" y="2875574"/>
+            <a:ext cx="562865" cy="1"/>
+          </a:xfrm>
+          <a:prstGeom prst="straightConnector1">
+            <a:avLst/>
+          </a:prstGeom>
+          <a:ln w="28575">
+            <a:solidFill>
+              <a:schemeClr val="tx1"/>
+            </a:solidFill>
+            <a:prstDash val="solid"/>
+            <a:headEnd type="none" w="med" len="med"/>
+            <a:tailEnd type="none" w="med" len="med"/>
+          </a:ln>
+        </p:spPr>
+        <p:style>
+          <a:lnRef idx="1">
+            <a:schemeClr val="accent1"/>
+          </a:lnRef>
+          <a:fillRef idx="0">
+            <a:schemeClr val="accent1"/>
+          </a:fillRef>
+          <a:effectRef idx="0">
+            <a:schemeClr val="accent1"/>
+          </a:effectRef>
+          <a:fontRef idx="minor">
+            <a:schemeClr val="tx1"/>
+          </a:fontRef>
+        </p:style>
+      </p:cxnSp>
+      <p:sp>
+        <p:nvSpPr>
+          <p:cNvPr id="23" name="타원 22">
+            <a:extLst>
+              <a:ext uri="{FF2B5EF4-FFF2-40B4-BE49-F238E27FC236}">
+                <a16:creationId xmlns:a16="http://schemas.microsoft.com/office/drawing/2014/main" id="{5D5A29AF-C69D-4731-9278-2A8BCAC3B11E}"/>
+              </a:ext>
+            </a:extLst>
+          </p:cNvPr>
+          <p:cNvSpPr/>
+          <p:nvPr/>
+        </p:nvSpPr>
+        <p:spPr>
+          <a:xfrm>
+            <a:off x="7767038" y="2785574"/>
+            <a:ext cx="180000" cy="180000"/>
+          </a:xfrm>
+          <a:prstGeom prst="ellipse">
+            <a:avLst/>
+          </a:prstGeom>
+          <a:solidFill>
+            <a:schemeClr val="tx1"/>
+          </a:solidFill>
+          <a:ln w="28575"/>
+        </p:spPr>
+        <p:style>
+          <a:lnRef idx="2">
+            <a:schemeClr val="accent1">
+              <a:shade val="15000"/>
+            </a:schemeClr>
+          </a:lnRef>
+          <a:fillRef idx="1">
+            <a:schemeClr val="accent1"/>
+          </a:fillRef>
+          <a:effectRef idx="0">
+            <a:schemeClr val="accent1"/>
+          </a:effectRef>
+          <a:fontRef idx="minor">
+            <a:schemeClr val="lt1"/>
+          </a:fontRef>
+        </p:style>
+        <p:txBody>
+          <a:bodyPr rtlCol="0" anchor="ctr"/>
+          <a:lstStyle/>
+          <a:p>
+            <a:pPr algn="ctr"/>
+            <a:endParaRPr lang="en-GB"/>
+          </a:p>
+        </p:txBody>
+      </p:sp>
+      <p:sp>
+        <p:nvSpPr>
+          <p:cNvPr id="31" name="이등변 삼각형 30">
+            <a:extLst>
+              <a:ext uri="{FF2B5EF4-FFF2-40B4-BE49-F238E27FC236}">
+                <a16:creationId xmlns:a16="http://schemas.microsoft.com/office/drawing/2014/main" id="{05EF09BA-A77F-B086-5002-215665F6DD1E}"/>
+              </a:ext>
+            </a:extLst>
+          </p:cNvPr>
+          <p:cNvSpPr/>
+          <p:nvPr/>
+        </p:nvSpPr>
+        <p:spPr>
+          <a:xfrm rot="16200000">
+            <a:off x="7969484" y="2805375"/>
+            <a:ext cx="162000" cy="140400"/>
+          </a:xfrm>
+          <a:prstGeom prst="triangle">
+            <a:avLst/>
+          </a:prstGeom>
+          <a:solidFill>
+            <a:schemeClr val="bg1"/>
+          </a:solidFill>
+          <a:ln w="28575">
+            <a:solidFill>
+              <a:schemeClr val="tx1"/>
+            </a:solidFill>
+          </a:ln>
+        </p:spPr>
+        <p:style>
+          <a:lnRef idx="2">
+            <a:schemeClr val="accent1">
+              <a:shade val="15000"/>
+            </a:schemeClr>
+          </a:lnRef>
+          <a:fillRef idx="1">
+            <a:schemeClr val="accent1"/>
+          </a:fillRef>
+          <a:effectRef idx="0">
+            <a:schemeClr val="accent1"/>
+          </a:effectRef>
+          <a:fontRef idx="minor">
+            <a:schemeClr val="lt1"/>
+          </a:fontRef>
+        </p:style>
+        <p:txBody>
+          <a:bodyPr rtlCol="0" anchor="ctr"/>
+          <a:lstStyle/>
+          <a:p>
+            <a:pPr algn="ctr"/>
+            <a:endParaRPr lang="en-GB"/>
+          </a:p>
+        </p:txBody>
+      </p:sp>
+      <p:cxnSp>
+        <p:nvCxnSpPr>
+          <p:cNvPr id="32" name="직선 화살표 연결선 31">
+            <a:extLst>
+              <a:ext uri="{FF2B5EF4-FFF2-40B4-BE49-F238E27FC236}">
+                <a16:creationId xmlns:a16="http://schemas.microsoft.com/office/drawing/2014/main" id="{5DDE0616-A15F-933B-61CA-96EBA48B79DC}"/>
+              </a:ext>
+            </a:extLst>
+          </p:cNvPr>
+          <p:cNvCxnSpPr>
+            <a:cxnSpLocks/>
+            <a:stCxn id="17" idx="1"/>
+            <a:endCxn id="31" idx="3"/>
+          </p:cNvCxnSpPr>
+          <p:nvPr/>
+        </p:nvCxnSpPr>
+        <p:spPr>
+          <a:xfrm flipH="1">
+            <a:off x="8120684" y="2875575"/>
+            <a:ext cx="512741" cy="0"/>
+          </a:xfrm>
+          <a:prstGeom prst="straightConnector1">
+            <a:avLst/>
+          </a:prstGeom>
+          <a:ln w="28575">
+            <a:solidFill>
+              <a:schemeClr val="tx1"/>
+            </a:solidFill>
+            <a:prstDash val="solid"/>
+            <a:headEnd type="none" w="med" len="med"/>
+            <a:tailEnd type="none" w="med" len="med"/>
+          </a:ln>
+        </p:spPr>
+        <p:style>
+          <a:lnRef idx="1">
+            <a:schemeClr val="accent1"/>
+          </a:lnRef>
+          <a:fillRef idx="0">
+            <a:schemeClr val="accent1"/>
+          </a:fillRef>
+          <a:effectRef idx="0">
+            <a:schemeClr val="accent1"/>
+          </a:effectRef>
+          <a:fontRef idx="minor">
+            <a:schemeClr val="tx1"/>
+          </a:fontRef>
+        </p:style>
+      </p:cxnSp>
+      <p:sp>
+        <p:nvSpPr>
+          <p:cNvPr id="50" name="타원 49">
+            <a:extLst>
+              <a:ext uri="{FF2B5EF4-FFF2-40B4-BE49-F238E27FC236}">
+                <a16:creationId xmlns:a16="http://schemas.microsoft.com/office/drawing/2014/main" id="{085F6BD1-9A47-8CFE-A030-E99A54BE896B}"/>
+              </a:ext>
+            </a:extLst>
+          </p:cNvPr>
+          <p:cNvSpPr/>
+          <p:nvPr/>
+        </p:nvSpPr>
+        <p:spPr>
+          <a:xfrm>
+            <a:off x="7756236" y="3046020"/>
+            <a:ext cx="180000" cy="180000"/>
+          </a:xfrm>
+          <a:prstGeom prst="ellipse">
+            <a:avLst/>
+          </a:prstGeom>
+          <a:solidFill>
+            <a:schemeClr val="tx1"/>
+          </a:solidFill>
+          <a:ln w="28575"/>
+        </p:spPr>
+        <p:style>
+          <a:lnRef idx="2">
+            <a:schemeClr val="accent1">
+              <a:shade val="15000"/>
+            </a:schemeClr>
+          </a:lnRef>
+          <a:fillRef idx="1">
+            <a:schemeClr val="accent1"/>
+          </a:fillRef>
+          <a:effectRef idx="0">
+            <a:schemeClr val="accent1"/>
+          </a:effectRef>
+          <a:fontRef idx="minor">
+            <a:schemeClr val="lt1"/>
+          </a:fontRef>
+        </p:style>
+        <p:txBody>
+          <a:bodyPr rtlCol="0" anchor="ctr"/>
+          <a:lstStyle/>
+          <a:p>
+            <a:pPr algn="ctr"/>
+            <a:endParaRPr lang="en-GB"/>
+          </a:p>
+        </p:txBody>
+      </p:sp>
+      <p:cxnSp>
+        <p:nvCxnSpPr>
+          <p:cNvPr id="51" name="직선 화살표 연결선 50">
+            <a:extLst>
+              <a:ext uri="{FF2B5EF4-FFF2-40B4-BE49-F238E27FC236}">
+                <a16:creationId xmlns:a16="http://schemas.microsoft.com/office/drawing/2014/main" id="{1864995B-67CD-6591-7EC6-5581B9E9C8F3}"/>
+              </a:ext>
+            </a:extLst>
+          </p:cNvPr>
+          <p:cNvCxnSpPr>
+            <a:cxnSpLocks/>
+            <a:stCxn id="45" idx="3"/>
+            <a:endCxn id="50" idx="2"/>
+          </p:cNvCxnSpPr>
+          <p:nvPr/>
+        </p:nvCxnSpPr>
+        <p:spPr>
+          <a:xfrm flipV="1">
+            <a:off x="7055729" y="3136020"/>
+            <a:ext cx="700507" cy="1"/>
+          </a:xfrm>
+          <a:prstGeom prst="straightConnector1">
+            <a:avLst/>
+          </a:prstGeom>
+          <a:ln w="28575">
+            <a:solidFill>
+              <a:schemeClr val="tx1"/>
+            </a:solidFill>
+            <a:prstDash val="solid"/>
+            <a:tailEnd type="arrow"/>
+          </a:ln>
+        </p:spPr>
+        <p:style>
+          <a:lnRef idx="1">
+            <a:schemeClr val="accent1"/>
+          </a:lnRef>
+          <a:fillRef idx="0">
+            <a:schemeClr val="accent1"/>
+          </a:fillRef>
+          <a:effectRef idx="0">
+            <a:schemeClr val="accent1"/>
+          </a:effectRef>
+          <a:fontRef idx="minor">
+            <a:schemeClr val="tx1"/>
+          </a:fontRef>
+        </p:style>
+      </p:cxnSp>
+      <p:sp>
+        <p:nvSpPr>
+          <p:cNvPr id="55" name="이등변 삼각형 54">
+            <a:extLst>
+              <a:ext uri="{FF2B5EF4-FFF2-40B4-BE49-F238E27FC236}">
+                <a16:creationId xmlns:a16="http://schemas.microsoft.com/office/drawing/2014/main" id="{B45A6769-ED4F-B8AF-C2B1-F214A38C95F5}"/>
+              </a:ext>
+            </a:extLst>
+          </p:cNvPr>
+          <p:cNvSpPr/>
+          <p:nvPr/>
+        </p:nvSpPr>
+        <p:spPr>
+          <a:xfrm rot="16200000">
+            <a:off x="7969484" y="3065821"/>
+            <a:ext cx="162000" cy="140400"/>
+          </a:xfrm>
+          <a:prstGeom prst="triangle">
+            <a:avLst/>
+          </a:prstGeom>
+          <a:solidFill>
+            <a:schemeClr val="bg1"/>
+          </a:solidFill>
+          <a:ln w="28575">
+            <a:solidFill>
+              <a:schemeClr val="tx1"/>
+            </a:solidFill>
+          </a:ln>
+        </p:spPr>
+        <p:style>
+          <a:lnRef idx="2">
+            <a:schemeClr val="accent1">
+              <a:shade val="15000"/>
+            </a:schemeClr>
+          </a:lnRef>
+          <a:fillRef idx="1">
+            <a:schemeClr val="accent1"/>
+          </a:fillRef>
+          <a:effectRef idx="0">
+            <a:schemeClr val="accent1"/>
+          </a:effectRef>
+          <a:fontRef idx="minor">
+            <a:schemeClr val="lt1"/>
+          </a:fontRef>
+        </p:style>
+        <p:txBody>
+          <a:bodyPr rtlCol="0" anchor="ctr"/>
+          <a:lstStyle/>
+          <a:p>
+            <a:pPr algn="ctr"/>
+            <a:endParaRPr lang="en-GB"/>
+          </a:p>
+        </p:txBody>
+      </p:sp>
+      <p:sp>
+        <p:nvSpPr>
+          <p:cNvPr id="57" name="TextBox 56">
+            <a:extLst>
+              <a:ext uri="{FF2B5EF4-FFF2-40B4-BE49-F238E27FC236}">
+                <a16:creationId xmlns:a16="http://schemas.microsoft.com/office/drawing/2014/main" id="{3839B8BF-F229-397A-07F2-115E98BE457B}"/>
+              </a:ext>
+            </a:extLst>
+          </p:cNvPr>
+          <p:cNvSpPr txBox="1"/>
+          <p:nvPr/>
+        </p:nvSpPr>
+        <p:spPr>
+          <a:xfrm>
+            <a:off x="4320646" y="2033371"/>
+            <a:ext cx="825867" cy="759760"/>
+          </a:xfrm>
+          <a:prstGeom prst="rect">
+            <a:avLst/>
+          </a:prstGeom>
+          <a:noFill/>
+        </p:spPr>
+        <p:txBody>
+          <a:bodyPr wrap="none" rtlCol="0">
+            <a:spAutoFit/>
+          </a:bodyPr>
+          <a:lstStyle/>
+          <a:p>
+            <a:pPr algn="ctr">
+              <a:lnSpc>
+                <a:spcPct val="150000"/>
+              </a:lnSpc>
+            </a:pPr>
+            <a:r>
+              <a:rPr lang="ko-KR" altLang="en-US" sz="1000"/>
+              <a:t>입력</a:t>
+            </a:r>
+            <a:endParaRPr lang="en-GB" altLang="ko-KR" sz="1000"/>
+          </a:p>
+          <a:p>
+            <a:pPr algn="ctr">
+              <a:lnSpc>
+                <a:spcPct val="150000"/>
+              </a:lnSpc>
+            </a:pPr>
+            <a:r>
+              <a:rPr lang="ko-KR" altLang="en-US" sz="1000"/>
+              <a:t>인터페이스</a:t>
+            </a:r>
+            <a:endParaRPr lang="en-GB" altLang="ko-KR" sz="1000"/>
+          </a:p>
+          <a:p>
+            <a:pPr algn="ctr">
+              <a:lnSpc>
+                <a:spcPct val="150000"/>
+              </a:lnSpc>
+            </a:pPr>
+            <a:r>
+              <a:rPr lang="ko-KR" altLang="en-US" sz="1000" b="1">
+                <a:solidFill>
+                  <a:srgbClr val="0070C0"/>
+                </a:solidFill>
+              </a:rPr>
+              <a:t>구현</a:t>
+            </a:r>
+            <a:endParaRPr lang="en-GB" sz="1000" b="1">
+              <a:solidFill>
+                <a:srgbClr val="0070C0"/>
+              </a:solidFill>
+            </a:endParaRPr>
+          </a:p>
+        </p:txBody>
+      </p:sp>
+      <p:sp>
+        <p:nvSpPr>
+          <p:cNvPr id="58" name="TextBox 57">
+            <a:extLst>
+              <a:ext uri="{FF2B5EF4-FFF2-40B4-BE49-F238E27FC236}">
+                <a16:creationId xmlns:a16="http://schemas.microsoft.com/office/drawing/2014/main" id="{658634CA-FB99-2E52-2464-183ADFA5D4E4}"/>
+              </a:ext>
+            </a:extLst>
+          </p:cNvPr>
+          <p:cNvSpPr txBox="1"/>
+          <p:nvPr/>
+        </p:nvSpPr>
+        <p:spPr>
+          <a:xfrm>
+            <a:off x="6993049" y="2033371"/>
+            <a:ext cx="825867" cy="759760"/>
+          </a:xfrm>
+          <a:prstGeom prst="rect">
+            <a:avLst/>
+          </a:prstGeom>
+          <a:noFill/>
+        </p:spPr>
+        <p:txBody>
+          <a:bodyPr wrap="none" rtlCol="0">
+            <a:spAutoFit/>
+          </a:bodyPr>
+          <a:lstStyle/>
+          <a:p>
+            <a:pPr algn="ctr">
+              <a:lnSpc>
+                <a:spcPct val="150000"/>
+              </a:lnSpc>
+            </a:pPr>
+            <a:r>
+              <a:rPr lang="ko-KR" altLang="en-US" sz="1000"/>
+              <a:t>출력</a:t>
+            </a:r>
+            <a:endParaRPr lang="en-GB" altLang="ko-KR" sz="1000"/>
+          </a:p>
+          <a:p>
+            <a:pPr algn="ctr">
+              <a:lnSpc>
+                <a:spcPct val="150000"/>
+              </a:lnSpc>
+            </a:pPr>
+            <a:r>
+              <a:rPr lang="ko-KR" altLang="en-US" sz="1000"/>
+              <a:t>인터페이스</a:t>
+            </a:r>
+            <a:endParaRPr lang="en-GB" altLang="ko-KR" sz="1000"/>
+          </a:p>
+          <a:p>
+            <a:pPr algn="ctr">
+              <a:lnSpc>
+                <a:spcPct val="150000"/>
+              </a:lnSpc>
+            </a:pPr>
+            <a:r>
+              <a:rPr lang="ko-KR" altLang="en-US" sz="1000" b="1">
+                <a:solidFill>
+                  <a:srgbClr val="0070C0"/>
+                </a:solidFill>
+              </a:rPr>
+              <a:t>사용</a:t>
+            </a:r>
+            <a:endParaRPr lang="en-GB" sz="1000" b="1">
+              <a:solidFill>
+                <a:srgbClr val="0070C0"/>
+              </a:solidFill>
+            </a:endParaRPr>
+          </a:p>
+        </p:txBody>
+      </p:sp>
+      <p:grpSp>
+        <p:nvGrpSpPr>
+          <p:cNvPr id="64" name="그룹 63">
+            <a:extLst>
+              <a:ext uri="{FF2B5EF4-FFF2-40B4-BE49-F238E27FC236}">
+                <a16:creationId xmlns:a16="http://schemas.microsoft.com/office/drawing/2014/main" id="{14D5A7BB-A280-C548-4EE2-393A2CA22458}"/>
+              </a:ext>
+            </a:extLst>
+          </p:cNvPr>
+          <p:cNvGrpSpPr/>
+          <p:nvPr/>
+        </p:nvGrpSpPr>
+        <p:grpSpPr>
+          <a:xfrm>
+            <a:off x="4201288" y="652408"/>
+            <a:ext cx="3740349" cy="5630239"/>
+            <a:chOff x="4540685" y="308229"/>
+            <a:chExt cx="3178140" cy="6072582"/>
+          </a:xfrm>
+        </p:grpSpPr>
+        <p:cxnSp>
+          <p:nvCxnSpPr>
+            <p:cNvPr id="65" name="직선 연결선 64">
+              <a:extLst>
+                <a:ext uri="{FF2B5EF4-FFF2-40B4-BE49-F238E27FC236}">
+                  <a16:creationId xmlns:a16="http://schemas.microsoft.com/office/drawing/2014/main" id="{1B61B1EE-69EC-95FB-53BF-4E98684C8D1B}"/>
+                </a:ext>
+              </a:extLst>
+            </p:cNvPr>
+            <p:cNvCxnSpPr>
+              <a:cxnSpLocks/>
+            </p:cNvCxnSpPr>
+            <p:nvPr/>
+          </p:nvCxnSpPr>
+          <p:spPr>
+            <a:xfrm>
+              <a:off x="4540685" y="308229"/>
+              <a:ext cx="0" cy="6072582"/>
+            </a:xfrm>
+            <a:prstGeom prst="line">
+              <a:avLst/>
+            </a:prstGeom>
+            <a:ln w="9525">
+              <a:solidFill>
+                <a:schemeClr val="bg1">
+                  <a:lumMod val="65000"/>
+                </a:schemeClr>
+              </a:solidFill>
+              <a:prstDash val="dash"/>
+            </a:ln>
+          </p:spPr>
+          <p:style>
+            <a:lnRef idx="1">
+              <a:schemeClr val="accent1"/>
+            </a:lnRef>
+            <a:fillRef idx="0">
+              <a:schemeClr val="accent1"/>
+            </a:fillRef>
+            <a:effectRef idx="0">
+              <a:schemeClr val="accent1"/>
+            </a:effectRef>
+            <a:fontRef idx="minor">
+              <a:schemeClr val="tx1"/>
+            </a:fontRef>
+          </p:style>
+        </p:cxnSp>
+        <p:cxnSp>
+          <p:nvCxnSpPr>
+            <p:cNvPr id="66" name="직선 연결선 65">
+              <a:extLst>
+                <a:ext uri="{FF2B5EF4-FFF2-40B4-BE49-F238E27FC236}">
+                  <a16:creationId xmlns:a16="http://schemas.microsoft.com/office/drawing/2014/main" id="{9AB7221B-B289-2CBD-28C8-71434487A707}"/>
+                </a:ext>
+              </a:extLst>
+            </p:cNvPr>
+            <p:cNvCxnSpPr>
+              <a:cxnSpLocks/>
+            </p:cNvCxnSpPr>
+            <p:nvPr/>
+          </p:nvCxnSpPr>
+          <p:spPr>
+            <a:xfrm>
+              <a:off x="7718825" y="308229"/>
+              <a:ext cx="0" cy="6072582"/>
+            </a:xfrm>
+            <a:prstGeom prst="line">
+              <a:avLst/>
+            </a:prstGeom>
+            <a:ln w="9525">
+              <a:solidFill>
+                <a:schemeClr val="bg1">
+                  <a:lumMod val="65000"/>
+                </a:schemeClr>
+              </a:solidFill>
+              <a:prstDash val="dash"/>
+            </a:ln>
+          </p:spPr>
+          <p:style>
+            <a:lnRef idx="1">
+              <a:schemeClr val="accent1"/>
+            </a:lnRef>
+            <a:fillRef idx="0">
+              <a:schemeClr val="accent1"/>
+            </a:fillRef>
+            <a:effectRef idx="0">
+              <a:schemeClr val="accent1"/>
+            </a:effectRef>
+            <a:fontRef idx="minor">
+              <a:schemeClr val="tx1"/>
+            </a:fontRef>
+          </p:style>
+        </p:cxnSp>
+      </p:grpSp>
+      <p:sp>
+        <p:nvSpPr>
+          <p:cNvPr id="68" name="TextBox 67">
+            <a:extLst>
+              <a:ext uri="{FF2B5EF4-FFF2-40B4-BE49-F238E27FC236}">
+                <a16:creationId xmlns:a16="http://schemas.microsoft.com/office/drawing/2014/main" id="{CC010AF8-D12C-B61E-30AA-CEF723928DF1}"/>
+              </a:ext>
+            </a:extLst>
+          </p:cNvPr>
+          <p:cNvSpPr txBox="1"/>
+          <p:nvPr/>
+        </p:nvSpPr>
+        <p:spPr>
+          <a:xfrm>
+            <a:off x="4561596" y="1469423"/>
+            <a:ext cx="832216" cy="307777"/>
+          </a:xfrm>
+          <a:prstGeom prst="rect">
+            <a:avLst/>
+          </a:prstGeom>
+          <a:noFill/>
+        </p:spPr>
+        <p:txBody>
+          <a:bodyPr wrap="none" rtlCol="0">
+            <a:spAutoFit/>
+          </a:bodyPr>
+          <a:lstStyle/>
+          <a:p>
+            <a:r>
+              <a:rPr lang="en-GB" sz="1400" b="1"/>
+              <a:t>Isolation</a:t>
+            </a:r>
+          </a:p>
+        </p:txBody>
+      </p:sp>
+      <p:sp>
+        <p:nvSpPr>
+          <p:cNvPr id="39" name="TextBox 38">
+            <a:extLst>
+              <a:ext uri="{FF2B5EF4-FFF2-40B4-BE49-F238E27FC236}">
+                <a16:creationId xmlns:a16="http://schemas.microsoft.com/office/drawing/2014/main" id="{92D826D8-9727-6B8F-5B38-C12488FC05D3}"/>
+              </a:ext>
+            </a:extLst>
+          </p:cNvPr>
+          <p:cNvSpPr txBox="1"/>
+          <p:nvPr/>
+        </p:nvSpPr>
+        <p:spPr>
+          <a:xfrm>
+            <a:off x="10739081" y="1273990"/>
+            <a:ext cx="543739" cy="703526"/>
+          </a:xfrm>
+          <a:prstGeom prst="rect">
+            <a:avLst/>
+          </a:prstGeom>
+          <a:noFill/>
+        </p:spPr>
+        <p:txBody>
+          <a:bodyPr wrap="none" rtlCol="0">
+            <a:spAutoFit/>
+          </a:bodyPr>
+          <a:lstStyle/>
+          <a:p>
+            <a:pPr>
+              <a:lnSpc>
+                <a:spcPct val="150000"/>
+              </a:lnSpc>
+            </a:pPr>
+            <a:r>
+              <a:rPr lang="ko-KR" altLang="en-US" sz="1400" b="1"/>
+              <a:t>변화</a:t>
+            </a:r>
+            <a:endParaRPr lang="en-GB" altLang="ko-KR" sz="1400" b="1"/>
+          </a:p>
+          <a:p>
+            <a:pPr>
+              <a:lnSpc>
+                <a:spcPct val="150000"/>
+              </a:lnSpc>
+            </a:pPr>
+            <a:r>
+              <a:rPr lang="ko-KR" altLang="en-US" sz="1400" b="1"/>
+              <a:t>영향</a:t>
+            </a:r>
+            <a:endParaRPr lang="en-GB" sz="1400" b="1"/>
+          </a:p>
+        </p:txBody>
+      </p:sp>
+      <p:sp>
+        <p:nvSpPr>
+          <p:cNvPr id="40" name="TextBox 39">
+            <a:extLst>
+              <a:ext uri="{FF2B5EF4-FFF2-40B4-BE49-F238E27FC236}">
+                <a16:creationId xmlns:a16="http://schemas.microsoft.com/office/drawing/2014/main" id="{BB28E929-4219-84BA-1871-571C2DBD58A6}"/>
+              </a:ext>
+            </a:extLst>
+          </p:cNvPr>
+          <p:cNvSpPr txBox="1"/>
+          <p:nvPr/>
+        </p:nvSpPr>
+        <p:spPr>
+          <a:xfrm>
+            <a:off x="845885" y="1269107"/>
+            <a:ext cx="543739" cy="703526"/>
+          </a:xfrm>
+          <a:prstGeom prst="rect">
+            <a:avLst/>
+          </a:prstGeom>
+          <a:noFill/>
+        </p:spPr>
+        <p:txBody>
+          <a:bodyPr wrap="none" rtlCol="0">
+            <a:spAutoFit/>
+          </a:bodyPr>
+          <a:lstStyle/>
+          <a:p>
+            <a:pPr>
+              <a:lnSpc>
+                <a:spcPct val="150000"/>
+              </a:lnSpc>
+            </a:pPr>
+            <a:r>
+              <a:rPr lang="ko-KR" altLang="en-US" sz="1400" b="1"/>
+              <a:t>변화</a:t>
+            </a:r>
+            <a:endParaRPr lang="en-GB" altLang="ko-KR" sz="1400" b="1"/>
+          </a:p>
+          <a:p>
+            <a:pPr>
+              <a:lnSpc>
+                <a:spcPct val="150000"/>
+              </a:lnSpc>
+            </a:pPr>
+            <a:r>
+              <a:rPr lang="ko-KR" altLang="en-US" sz="1400" b="1"/>
+              <a:t>영향</a:t>
+            </a:r>
+            <a:endParaRPr lang="en-GB" sz="1400" b="1"/>
+          </a:p>
+        </p:txBody>
+      </p:sp>
+    </p:spTree>
+    <p:extLst>
+      <p:ext uri="{BB962C8B-B14F-4D97-AF65-F5344CB8AC3E}">
+        <p14:creationId xmlns:p14="http://schemas.microsoft.com/office/powerpoint/2010/main" val="2276688834"/>
+      </p:ext>
+    </p:extLst>
+  </p:cSld>
+  <p:clrMapOvr>
+    <a:masterClrMapping/>
+  </p:clrMapOvr>
+</p:sld>
+</file>
+
+<file path=ppt/slides/slide13.xml><?xml version="1.0" encoding="utf-8"?>
+<p:sld xmlns:a="http://schemas.openxmlformats.org/drawingml/2006/main" xmlns:r="http://schemas.openxmlformats.org/officeDocument/2006/relationships" xmlns:p="http://schemas.openxmlformats.org/presentationml/2006/main">
+  <p:cSld>
+    <p:spTree>
+      <p:nvGrpSpPr>
+        <p:cNvPr id="1" name="">
+          <a:extLst>
+            <a:ext uri="{FF2B5EF4-FFF2-40B4-BE49-F238E27FC236}">
+              <a16:creationId xmlns:a16="http://schemas.microsoft.com/office/drawing/2014/main" id="{4DF5DCA4-A735-541B-1596-0B3DFE8FA2F6}"/>
+            </a:ext>
+          </a:extLst>
+        </p:cNvPr>
+        <p:cNvGrpSpPr/>
+        <p:nvPr/>
+      </p:nvGrpSpPr>
+      <p:grpSpPr>
+        <a:xfrm>
+          <a:off x="0" y="0"/>
+          <a:ext cx="0" cy="0"/>
+          <a:chOff x="0" y="0"/>
+          <a:chExt cx="0" cy="0"/>
+        </a:xfrm>
+      </p:grpSpPr>
+      <p:sp>
+        <p:nvSpPr>
+          <p:cNvPr id="41" name="직사각형 40">
+            <a:extLst>
+              <a:ext uri="{FF2B5EF4-FFF2-40B4-BE49-F238E27FC236}">
+                <a16:creationId xmlns:a16="http://schemas.microsoft.com/office/drawing/2014/main" id="{25514CD6-58BA-8264-2A35-DC4CA41804B8}"/>
+              </a:ext>
+            </a:extLst>
+          </p:cNvPr>
+          <p:cNvSpPr/>
+          <p:nvPr/>
+        </p:nvSpPr>
+        <p:spPr>
+          <a:xfrm>
+            <a:off x="679807" y="147320"/>
+            <a:ext cx="10832386" cy="6517640"/>
+          </a:xfrm>
+          <a:prstGeom prst="rect">
+            <a:avLst/>
+          </a:prstGeom>
+          <a:noFill/>
+          <a:ln w="19050">
+            <a:solidFill>
+              <a:schemeClr val="tx1"/>
+            </a:solidFill>
+          </a:ln>
+        </p:spPr>
+        <p:style>
+          <a:lnRef idx="2">
+            <a:schemeClr val="accent1">
+              <a:shade val="15000"/>
+            </a:schemeClr>
+          </a:lnRef>
+          <a:fillRef idx="1">
+            <a:schemeClr val="accent1"/>
+          </a:fillRef>
+          <a:effectRef idx="0">
+            <a:schemeClr val="accent1"/>
+          </a:effectRef>
+          <a:fontRef idx="minor">
+            <a:schemeClr val="lt1"/>
+          </a:fontRef>
+        </p:style>
+        <p:txBody>
+          <a:bodyPr rtlCol="0" anchor="ctr"/>
+          <a:lstStyle/>
+          <a:p>
+            <a:pPr algn="ctr"/>
+            <a:endParaRPr lang="en-GB"/>
+          </a:p>
+        </p:txBody>
+      </p:sp>
+      <p:sp>
+        <p:nvSpPr>
+          <p:cNvPr id="33" name="화살표: 오른쪽 32">
+            <a:extLst>
+              <a:ext uri="{FF2B5EF4-FFF2-40B4-BE49-F238E27FC236}">
+                <a16:creationId xmlns:a16="http://schemas.microsoft.com/office/drawing/2014/main" id="{7F9842F4-DCC3-23CF-11A3-74EF44695799}"/>
+              </a:ext>
+            </a:extLst>
+          </p:cNvPr>
+          <p:cNvSpPr/>
+          <p:nvPr/>
+        </p:nvSpPr>
+        <p:spPr>
+          <a:xfrm rot="10800000">
+            <a:off x="7967884" y="2777548"/>
+            <a:ext cx="3062313" cy="698639"/>
+          </a:xfrm>
+          <a:prstGeom prst="rightArrow">
+            <a:avLst>
+              <a:gd name="adj1" fmla="val 82713"/>
+              <a:gd name="adj2" fmla="val 50000"/>
+            </a:avLst>
+          </a:prstGeom>
+          <a:solidFill>
+            <a:schemeClr val="accent2">
+              <a:lumMod val="20000"/>
+              <a:lumOff val="80000"/>
+            </a:schemeClr>
+          </a:solidFill>
+          <a:ln>
+            <a:solidFill>
+              <a:schemeClr val="accent2">
+                <a:lumMod val="20000"/>
+                <a:lumOff val="80000"/>
+              </a:schemeClr>
+            </a:solidFill>
+          </a:ln>
+        </p:spPr>
+        <p:style>
+          <a:lnRef idx="2">
+            <a:schemeClr val="accent1">
+              <a:shade val="15000"/>
+            </a:schemeClr>
+          </a:lnRef>
+          <a:fillRef idx="1">
+            <a:schemeClr val="accent1"/>
+          </a:fillRef>
+          <a:effectRef idx="0">
+            <a:schemeClr val="accent1"/>
+          </a:effectRef>
+          <a:fontRef idx="minor">
+            <a:schemeClr val="lt1"/>
+          </a:fontRef>
+        </p:style>
+        <p:txBody>
+          <a:bodyPr rtlCol="0" anchor="ctr"/>
+          <a:lstStyle/>
+          <a:p>
+            <a:pPr algn="ctr"/>
+            <a:endParaRPr lang="en-GB"/>
+          </a:p>
+        </p:txBody>
+      </p:sp>
+      <p:sp>
+        <p:nvSpPr>
+          <p:cNvPr id="8" name="화살표: 오른쪽 7">
+            <a:extLst>
+              <a:ext uri="{FF2B5EF4-FFF2-40B4-BE49-F238E27FC236}">
+                <a16:creationId xmlns:a16="http://schemas.microsoft.com/office/drawing/2014/main" id="{B9CEF337-A884-0FA4-A4F7-993217AADDEA}"/>
+              </a:ext>
+            </a:extLst>
+          </p:cNvPr>
+          <p:cNvSpPr/>
+          <p:nvPr/>
+        </p:nvSpPr>
+        <p:spPr>
+          <a:xfrm>
+            <a:off x="1161804" y="2777549"/>
+            <a:ext cx="3062313" cy="698639"/>
+          </a:xfrm>
+          <a:prstGeom prst="rightArrow">
+            <a:avLst>
+              <a:gd name="adj1" fmla="val 82713"/>
+              <a:gd name="adj2" fmla="val 50000"/>
+            </a:avLst>
+          </a:prstGeom>
+          <a:solidFill>
+            <a:schemeClr val="accent2">
+              <a:lumMod val="20000"/>
+              <a:lumOff val="80000"/>
+            </a:schemeClr>
+          </a:solidFill>
+          <a:ln>
+            <a:solidFill>
+              <a:schemeClr val="accent2">
+                <a:lumMod val="20000"/>
+                <a:lumOff val="80000"/>
+              </a:schemeClr>
+            </a:solidFill>
+          </a:ln>
+        </p:spPr>
+        <p:style>
+          <a:lnRef idx="2">
+            <a:schemeClr val="accent1">
+              <a:shade val="15000"/>
+            </a:schemeClr>
+          </a:lnRef>
+          <a:fillRef idx="1">
+            <a:schemeClr val="accent1"/>
+          </a:fillRef>
+          <a:effectRef idx="0">
+            <a:schemeClr val="accent1"/>
+          </a:effectRef>
+          <a:fontRef idx="minor">
+            <a:schemeClr val="lt1"/>
+          </a:fontRef>
+        </p:style>
+        <p:txBody>
+          <a:bodyPr rtlCol="0" anchor="ctr"/>
+          <a:lstStyle/>
+          <a:p>
+            <a:pPr algn="ctr"/>
+            <a:endParaRPr lang="en-GB"/>
+          </a:p>
+        </p:txBody>
+      </p:sp>
+      <p:sp>
+        <p:nvSpPr>
+          <p:cNvPr id="67" name="화살표: 왼쪽/오른쪽 66">
+            <a:extLst>
+              <a:ext uri="{FF2B5EF4-FFF2-40B4-BE49-F238E27FC236}">
+                <a16:creationId xmlns:a16="http://schemas.microsoft.com/office/drawing/2014/main" id="{73F803A2-9C68-ECDF-F7C5-4C836F889807}"/>
+              </a:ext>
+            </a:extLst>
+          </p:cNvPr>
+          <p:cNvSpPr/>
+          <p:nvPr/>
+        </p:nvSpPr>
+        <p:spPr>
+          <a:xfrm>
+            <a:off x="4229520" y="2777545"/>
+            <a:ext cx="3747181" cy="698643"/>
+          </a:xfrm>
+          <a:prstGeom prst="leftRightArrow">
+            <a:avLst>
+              <a:gd name="adj1" fmla="val 82353"/>
+              <a:gd name="adj2" fmla="val 46324"/>
+            </a:avLst>
+          </a:prstGeom>
+          <a:solidFill>
+            <a:schemeClr val="accent1">
+              <a:lumMod val="20000"/>
+              <a:lumOff val="80000"/>
+            </a:schemeClr>
+          </a:solidFill>
+          <a:ln>
+            <a:solidFill>
+              <a:schemeClr val="accent1">
+                <a:lumMod val="20000"/>
+                <a:lumOff val="80000"/>
+              </a:schemeClr>
+            </a:solidFill>
+          </a:ln>
+        </p:spPr>
+        <p:style>
+          <a:lnRef idx="2">
+            <a:schemeClr val="accent1">
+              <a:shade val="15000"/>
+            </a:schemeClr>
+          </a:lnRef>
+          <a:fillRef idx="1">
+            <a:schemeClr val="accent1"/>
+          </a:fillRef>
+          <a:effectRef idx="0">
+            <a:schemeClr val="accent1"/>
+          </a:effectRef>
+          <a:fontRef idx="minor">
+            <a:schemeClr val="lt1"/>
+          </a:fontRef>
+        </p:style>
+        <p:txBody>
+          <a:bodyPr rtlCol="0" anchor="ctr"/>
+          <a:lstStyle/>
+          <a:p>
+            <a:pPr algn="ctr"/>
+            <a:endParaRPr lang="en-GB"/>
+          </a:p>
+        </p:txBody>
+      </p:sp>
+      <p:sp>
+        <p:nvSpPr>
+          <p:cNvPr id="6" name="TextBox 5">
+            <a:extLst>
+              <a:ext uri="{FF2B5EF4-FFF2-40B4-BE49-F238E27FC236}">
+                <a16:creationId xmlns:a16="http://schemas.microsoft.com/office/drawing/2014/main" id="{73272112-8D34-8FF4-36E9-1CC31A974BBB}"/>
+              </a:ext>
+            </a:extLst>
+          </p:cNvPr>
+          <p:cNvSpPr txBox="1"/>
+          <p:nvPr/>
+        </p:nvSpPr>
+        <p:spPr>
+          <a:xfrm>
+            <a:off x="5741473" y="2827822"/>
+            <a:ext cx="723275" cy="584775"/>
+          </a:xfrm>
+          <a:prstGeom prst="rect">
+            <a:avLst/>
+          </a:prstGeom>
+          <a:noFill/>
+        </p:spPr>
+        <p:txBody>
+          <a:bodyPr wrap="none" rtlCol="0">
+            <a:spAutoFit/>
+          </a:bodyPr>
+          <a:lstStyle/>
+          <a:p>
+            <a:pPr algn="ctr"/>
+            <a:r>
+              <a:rPr lang="en-GB" b="1">
+                <a:solidFill>
+                  <a:srgbClr val="0070C0"/>
+                </a:solidFill>
+              </a:rPr>
+              <a:t>Biz.</a:t>
+            </a:r>
+          </a:p>
+          <a:p>
+            <a:pPr algn="ctr"/>
+            <a:r>
+              <a:rPr lang="ko-KR" altLang="en-US" sz="1400" b="1">
+                <a:solidFill>
+                  <a:srgbClr val="0070C0"/>
+                </a:solidFill>
+              </a:rPr>
+              <a:t>관심사</a:t>
+            </a:r>
+            <a:endParaRPr lang="en-GB" sz="1400" b="1">
+              <a:solidFill>
+                <a:srgbClr val="0070C0"/>
+              </a:solidFill>
+            </a:endParaRPr>
+          </a:p>
+        </p:txBody>
+      </p:sp>
+      <p:sp>
+        <p:nvSpPr>
+          <p:cNvPr id="25" name="TextBox 24">
+            <a:extLst>
+              <a:ext uri="{FF2B5EF4-FFF2-40B4-BE49-F238E27FC236}">
+                <a16:creationId xmlns:a16="http://schemas.microsoft.com/office/drawing/2014/main" id="{C2B80B5F-CFB3-E11A-205B-A20B5D619AD7}"/>
+              </a:ext>
+            </a:extLst>
+          </p:cNvPr>
+          <p:cNvSpPr txBox="1"/>
+          <p:nvPr/>
+        </p:nvSpPr>
+        <p:spPr>
+          <a:xfrm>
+            <a:off x="2063547" y="2827822"/>
+            <a:ext cx="723276" cy="584775"/>
+          </a:xfrm>
+          <a:prstGeom prst="rect">
+            <a:avLst/>
+          </a:prstGeom>
+          <a:noFill/>
+        </p:spPr>
+        <p:txBody>
+          <a:bodyPr wrap="none" rtlCol="0">
+            <a:spAutoFit/>
+          </a:bodyPr>
+          <a:lstStyle/>
+          <a:p>
+            <a:pPr algn="ctr"/>
+            <a:r>
+              <a:rPr lang="en-GB" b="1">
+                <a:solidFill>
+                  <a:srgbClr val="C00000"/>
+                </a:solidFill>
+              </a:rPr>
+              <a:t>Tech.</a:t>
+            </a:r>
+          </a:p>
+          <a:p>
+            <a:pPr algn="ctr"/>
+            <a:r>
+              <a:rPr lang="ko-KR" altLang="en-US" sz="1400" b="1">
+                <a:solidFill>
+                  <a:srgbClr val="C00000"/>
+                </a:solidFill>
+              </a:rPr>
+              <a:t>관심사</a:t>
+            </a:r>
+            <a:endParaRPr lang="en-GB" sz="1400" b="1">
+              <a:solidFill>
+                <a:srgbClr val="C00000"/>
+              </a:solidFill>
+            </a:endParaRPr>
+          </a:p>
+        </p:txBody>
+      </p:sp>
+      <p:sp>
+        <p:nvSpPr>
+          <p:cNvPr id="26" name="TextBox 25">
+            <a:extLst>
+              <a:ext uri="{FF2B5EF4-FFF2-40B4-BE49-F238E27FC236}">
+                <a16:creationId xmlns:a16="http://schemas.microsoft.com/office/drawing/2014/main" id="{47D01C25-0DEF-9CA7-A4E7-85DFCF79DB3F}"/>
+              </a:ext>
+            </a:extLst>
+          </p:cNvPr>
+          <p:cNvSpPr txBox="1"/>
+          <p:nvPr/>
+        </p:nvSpPr>
+        <p:spPr>
+          <a:xfrm>
+            <a:off x="9287701" y="2827822"/>
+            <a:ext cx="723276" cy="584775"/>
+          </a:xfrm>
+          <a:prstGeom prst="rect">
+            <a:avLst/>
+          </a:prstGeom>
+          <a:noFill/>
+        </p:spPr>
+        <p:txBody>
+          <a:bodyPr wrap="none" rtlCol="0">
+            <a:spAutoFit/>
+          </a:bodyPr>
+          <a:lstStyle/>
+          <a:p>
+            <a:pPr algn="ctr"/>
+            <a:r>
+              <a:rPr lang="en-GB" b="1">
+                <a:solidFill>
+                  <a:srgbClr val="C00000"/>
+                </a:solidFill>
+              </a:rPr>
+              <a:t>Tech.</a:t>
+            </a:r>
+          </a:p>
+          <a:p>
+            <a:pPr algn="ctr"/>
+            <a:r>
+              <a:rPr lang="ko-KR" altLang="en-US" sz="1400" b="1">
+                <a:solidFill>
+                  <a:srgbClr val="C00000"/>
+                </a:solidFill>
+              </a:rPr>
+              <a:t>관심사</a:t>
+            </a:r>
+            <a:endParaRPr lang="en-GB" sz="1400" b="1">
+              <a:solidFill>
+                <a:srgbClr val="C00000"/>
+              </a:solidFill>
+            </a:endParaRPr>
+          </a:p>
+        </p:txBody>
+      </p:sp>
+      <p:sp>
+        <p:nvSpPr>
+          <p:cNvPr id="14" name="직사각형 13">
+            <a:extLst>
+              <a:ext uri="{FF2B5EF4-FFF2-40B4-BE49-F238E27FC236}">
+                <a16:creationId xmlns:a16="http://schemas.microsoft.com/office/drawing/2014/main" id="{4D50568C-F8E3-CEBE-AF3E-0B8320076792}"/>
+              </a:ext>
+            </a:extLst>
+          </p:cNvPr>
+          <p:cNvSpPr/>
+          <p:nvPr/>
+        </p:nvSpPr>
+        <p:spPr>
+          <a:xfrm>
+            <a:off x="1440919" y="3969521"/>
+            <a:ext cx="1968533" cy="759761"/>
+          </a:xfrm>
+          <a:prstGeom prst="rect">
+            <a:avLst/>
+          </a:prstGeom>
+          <a:noFill/>
+          <a:ln>
+            <a:solidFill>
+              <a:srgbClr val="C00000"/>
+            </a:solidFill>
+          </a:ln>
+        </p:spPr>
+        <p:style>
+          <a:lnRef idx="2">
+            <a:schemeClr val="accent1">
+              <a:shade val="15000"/>
+            </a:schemeClr>
+          </a:lnRef>
+          <a:fillRef idx="1">
+            <a:schemeClr val="accent1"/>
+          </a:fillRef>
+          <a:effectRef idx="0">
+            <a:schemeClr val="accent1"/>
+          </a:effectRef>
+          <a:fontRef idx="minor">
+            <a:schemeClr val="lt1"/>
+          </a:fontRef>
+        </p:style>
+        <p:txBody>
+          <a:bodyPr rtlCol="0" anchor="ctr"/>
+          <a:lstStyle/>
+          <a:p>
+            <a:pPr algn="ctr"/>
+            <a:endParaRPr lang="en-GB"/>
+          </a:p>
+        </p:txBody>
+      </p:sp>
+      <p:cxnSp>
+        <p:nvCxnSpPr>
+          <p:cNvPr id="19" name="직선 화살표 연결선 18">
+            <a:extLst>
+              <a:ext uri="{FF2B5EF4-FFF2-40B4-BE49-F238E27FC236}">
+                <a16:creationId xmlns:a16="http://schemas.microsoft.com/office/drawing/2014/main" id="{FF65BB90-B9E3-A56D-D9E6-BDBB50E93D99}"/>
+              </a:ext>
+            </a:extLst>
+          </p:cNvPr>
+          <p:cNvCxnSpPr>
+            <a:cxnSpLocks/>
+            <a:stCxn id="14" idx="3"/>
+            <a:endCxn id="5" idx="2"/>
+          </p:cNvCxnSpPr>
+          <p:nvPr/>
+        </p:nvCxnSpPr>
+        <p:spPr>
+          <a:xfrm flipV="1">
+            <a:off x="3409452" y="4349401"/>
+            <a:ext cx="822158" cy="1"/>
+          </a:xfrm>
+          <a:prstGeom prst="straightConnector1">
+            <a:avLst/>
+          </a:prstGeom>
+          <a:ln w="28575">
+            <a:solidFill>
+              <a:schemeClr val="tx1"/>
+            </a:solidFill>
+            <a:prstDash val="solid"/>
+            <a:tailEnd type="arrow"/>
+          </a:ln>
+        </p:spPr>
+        <p:style>
+          <a:lnRef idx="1">
+            <a:schemeClr val="accent1"/>
+          </a:lnRef>
+          <a:fillRef idx="0">
+            <a:schemeClr val="accent1"/>
+          </a:fillRef>
+          <a:effectRef idx="0">
+            <a:schemeClr val="accent1"/>
+          </a:effectRef>
+          <a:fontRef idx="minor">
+            <a:schemeClr val="tx1"/>
+          </a:fontRef>
+        </p:style>
+      </p:cxnSp>
+      <p:grpSp>
+        <p:nvGrpSpPr>
+          <p:cNvPr id="80" name="그룹 79">
+            <a:extLst>
+              <a:ext uri="{FF2B5EF4-FFF2-40B4-BE49-F238E27FC236}">
+                <a16:creationId xmlns:a16="http://schemas.microsoft.com/office/drawing/2014/main" id="{3D2FED54-394B-18C0-9AB0-505E73905EF6}"/>
+              </a:ext>
+            </a:extLst>
+          </p:cNvPr>
+          <p:cNvGrpSpPr/>
+          <p:nvPr/>
+        </p:nvGrpSpPr>
+        <p:grpSpPr>
+          <a:xfrm>
+            <a:off x="1736407" y="4046813"/>
+            <a:ext cx="1377557" cy="605177"/>
+            <a:chOff x="1704759" y="3938546"/>
+            <a:chExt cx="1377557" cy="605177"/>
+          </a:xfrm>
+        </p:grpSpPr>
+        <p:sp>
+          <p:nvSpPr>
+            <p:cNvPr id="15" name="TextBox 14">
+              <a:extLst>
+                <a:ext uri="{FF2B5EF4-FFF2-40B4-BE49-F238E27FC236}">
+                  <a16:creationId xmlns:a16="http://schemas.microsoft.com/office/drawing/2014/main" id="{28DD8421-CBB2-ADAC-82FF-FE2E238A2EFC}"/>
+                </a:ext>
+              </a:extLst>
+            </p:cNvPr>
+            <p:cNvSpPr txBox="1"/>
+            <p:nvPr/>
+          </p:nvSpPr>
+          <p:spPr>
+            <a:xfrm>
+              <a:off x="1704759" y="3938546"/>
+              <a:ext cx="1377557" cy="338554"/>
+            </a:xfrm>
+            <a:prstGeom prst="rect">
+              <a:avLst/>
+            </a:prstGeom>
+            <a:noFill/>
+          </p:spPr>
+          <p:txBody>
+            <a:bodyPr wrap="none" rtlCol="0">
+              <a:spAutoFit/>
+            </a:bodyPr>
+            <a:lstStyle/>
+            <a:p>
+              <a:r>
+                <a:rPr lang="en-GB" sz="1600" b="1">
+                  <a:solidFill>
+                    <a:srgbClr val="C00000"/>
+                  </a:solidFill>
+                </a:rPr>
+                <a:t>Adapter Layer</a:t>
+              </a:r>
+            </a:p>
+          </p:txBody>
+        </p:sp>
+        <p:sp>
+          <p:nvSpPr>
+            <p:cNvPr id="2" name="TextBox 1">
+              <a:extLst>
+                <a:ext uri="{FF2B5EF4-FFF2-40B4-BE49-F238E27FC236}">
+                  <a16:creationId xmlns:a16="http://schemas.microsoft.com/office/drawing/2014/main" id="{91B4D1E0-9D10-EEA4-7326-07A91FB911EA}"/>
+                </a:ext>
+              </a:extLst>
+            </p:cNvPr>
+            <p:cNvSpPr txBox="1"/>
+            <p:nvPr/>
+          </p:nvSpPr>
+          <p:spPr>
+            <a:xfrm>
+              <a:off x="2136319" y="4266724"/>
+              <a:ext cx="514436" cy="276999"/>
+            </a:xfrm>
+            <a:prstGeom prst="rect">
+              <a:avLst/>
+            </a:prstGeom>
+            <a:noFill/>
+          </p:spPr>
+          <p:txBody>
+            <a:bodyPr wrap="none" rtlCol="0">
+              <a:spAutoFit/>
+            </a:bodyPr>
+            <a:lstStyle/>
+            <a:p>
+              <a:r>
+                <a:rPr lang="en-GB" sz="1200" b="1">
+                  <a:solidFill>
+                    <a:srgbClr val="C00000"/>
+                  </a:solidFill>
+                </a:rPr>
+                <a:t>Tech.</a:t>
+              </a:r>
+            </a:p>
+          </p:txBody>
+        </p:sp>
+      </p:grpSp>
+      <p:grpSp>
+        <p:nvGrpSpPr>
+          <p:cNvPr id="90" name="그룹 89">
+            <a:extLst>
+              <a:ext uri="{FF2B5EF4-FFF2-40B4-BE49-F238E27FC236}">
+                <a16:creationId xmlns:a16="http://schemas.microsoft.com/office/drawing/2014/main" id="{DB18C55E-7183-0D5E-E835-2B189502B781}"/>
+              </a:ext>
+            </a:extLst>
+          </p:cNvPr>
+          <p:cNvGrpSpPr/>
+          <p:nvPr/>
+        </p:nvGrpSpPr>
+        <p:grpSpPr>
+          <a:xfrm>
+            <a:off x="8665073" y="3969521"/>
+            <a:ext cx="1968533" cy="759761"/>
+            <a:chOff x="8633425" y="3822326"/>
+            <a:chExt cx="1968533" cy="759761"/>
+          </a:xfrm>
+        </p:grpSpPr>
+        <p:sp>
+          <p:nvSpPr>
+            <p:cNvPr id="17" name="직사각형 16">
+              <a:extLst>
+                <a:ext uri="{FF2B5EF4-FFF2-40B4-BE49-F238E27FC236}">
+                  <a16:creationId xmlns:a16="http://schemas.microsoft.com/office/drawing/2014/main" id="{B113151B-AABC-31BB-F5DB-460B99954EF9}"/>
+                </a:ext>
+              </a:extLst>
+            </p:cNvPr>
+            <p:cNvSpPr/>
+            <p:nvPr/>
+          </p:nvSpPr>
+          <p:spPr>
+            <a:xfrm>
+              <a:off x="8633425" y="3822326"/>
+              <a:ext cx="1968533" cy="759761"/>
+            </a:xfrm>
+            <a:prstGeom prst="rect">
+              <a:avLst/>
+            </a:prstGeom>
+            <a:noFill/>
+            <a:ln>
+              <a:solidFill>
+                <a:srgbClr val="C00000"/>
+              </a:solidFill>
+            </a:ln>
+          </p:spPr>
+          <p:style>
+            <a:lnRef idx="2">
+              <a:schemeClr val="accent1">
+                <a:shade val="15000"/>
+              </a:schemeClr>
+            </a:lnRef>
+            <a:fillRef idx="1">
+              <a:schemeClr val="accent1"/>
+            </a:fillRef>
+            <a:effectRef idx="0">
+              <a:schemeClr val="accent1"/>
+            </a:effectRef>
+            <a:fontRef idx="minor">
+              <a:schemeClr val="lt1"/>
+            </a:fontRef>
+          </p:style>
+          <p:txBody>
+            <a:bodyPr rtlCol="0" anchor="ctr"/>
+            <a:lstStyle/>
+            <a:p>
+              <a:pPr algn="ctr"/>
+              <a:endParaRPr lang="en-GB"/>
+            </a:p>
+          </p:txBody>
+        </p:sp>
+        <p:grpSp>
+          <p:nvGrpSpPr>
+            <p:cNvPr id="82" name="그룹 81">
+              <a:extLst>
+                <a:ext uri="{FF2B5EF4-FFF2-40B4-BE49-F238E27FC236}">
+                  <a16:creationId xmlns:a16="http://schemas.microsoft.com/office/drawing/2014/main" id="{9A8543F3-CC0F-A22D-2CE3-B48CCDFFFCBC}"/>
+                </a:ext>
+              </a:extLst>
+            </p:cNvPr>
+            <p:cNvGrpSpPr/>
+            <p:nvPr/>
+          </p:nvGrpSpPr>
+          <p:grpSpPr>
+            <a:xfrm>
+              <a:off x="8928913" y="3899618"/>
+              <a:ext cx="1377557" cy="605177"/>
+              <a:chOff x="8928913" y="3938546"/>
+              <a:chExt cx="1377557" cy="605177"/>
+            </a:xfrm>
+          </p:grpSpPr>
+          <p:sp>
+            <p:nvSpPr>
+              <p:cNvPr id="18" name="TextBox 17">
+                <a:extLst>
+                  <a:ext uri="{FF2B5EF4-FFF2-40B4-BE49-F238E27FC236}">
+                    <a16:creationId xmlns:a16="http://schemas.microsoft.com/office/drawing/2014/main" id="{C63D3251-BCE4-A643-CE22-0FEF741BA8F8}"/>
+                  </a:ext>
+                </a:extLst>
+              </p:cNvPr>
+              <p:cNvSpPr txBox="1"/>
+              <p:nvPr/>
+            </p:nvSpPr>
+            <p:spPr>
+              <a:xfrm>
+                <a:off x="8928913" y="3938546"/>
+                <a:ext cx="1377557" cy="338554"/>
+              </a:xfrm>
+              <a:prstGeom prst="rect">
+                <a:avLst/>
+              </a:prstGeom>
+              <a:noFill/>
+            </p:spPr>
+            <p:txBody>
+              <a:bodyPr wrap="none" rtlCol="0">
+                <a:spAutoFit/>
+              </a:bodyPr>
+              <a:lstStyle/>
+              <a:p>
+                <a:r>
+                  <a:rPr lang="en-GB" sz="1600" b="1">
+                    <a:solidFill>
+                      <a:srgbClr val="C00000"/>
+                    </a:solidFill>
+                  </a:rPr>
+                  <a:t>Adapter Layer</a:t>
+                </a:r>
+              </a:p>
+            </p:txBody>
+          </p:sp>
+          <p:sp>
+            <p:nvSpPr>
+              <p:cNvPr id="3" name="TextBox 2">
+                <a:extLst>
+                  <a:ext uri="{FF2B5EF4-FFF2-40B4-BE49-F238E27FC236}">
+                    <a16:creationId xmlns:a16="http://schemas.microsoft.com/office/drawing/2014/main" id="{15F88C24-3105-7383-828D-123084605EC9}"/>
+                  </a:ext>
+                </a:extLst>
+              </p:cNvPr>
+              <p:cNvSpPr txBox="1"/>
+              <p:nvPr/>
+            </p:nvSpPr>
+            <p:spPr>
+              <a:xfrm>
+                <a:off x="9360473" y="4266724"/>
+                <a:ext cx="514436" cy="276999"/>
+              </a:xfrm>
+              <a:prstGeom prst="rect">
+                <a:avLst/>
+              </a:prstGeom>
+              <a:noFill/>
+            </p:spPr>
+            <p:txBody>
+              <a:bodyPr wrap="none" rtlCol="0">
+                <a:spAutoFit/>
+              </a:bodyPr>
+              <a:lstStyle/>
+              <a:p>
+                <a:r>
+                  <a:rPr lang="en-GB" sz="1200" b="1">
+                    <a:solidFill>
+                      <a:srgbClr val="C00000"/>
+                    </a:solidFill>
+                  </a:rPr>
+                  <a:t>Tech.</a:t>
+                </a:r>
+              </a:p>
+            </p:txBody>
+          </p:sp>
+        </p:grpSp>
+      </p:grpSp>
+      <p:cxnSp>
+        <p:nvCxnSpPr>
+          <p:cNvPr id="20" name="연결선: 꺾임 19">
+            <a:extLst>
+              <a:ext uri="{FF2B5EF4-FFF2-40B4-BE49-F238E27FC236}">
+                <a16:creationId xmlns:a16="http://schemas.microsoft.com/office/drawing/2014/main" id="{310A21AB-7E34-1D5D-35D7-312AC45655EF}"/>
+              </a:ext>
+            </a:extLst>
+          </p:cNvPr>
+          <p:cNvCxnSpPr>
+            <a:cxnSpLocks/>
+            <a:stCxn id="55" idx="3"/>
+            <a:endCxn id="92" idx="1"/>
+          </p:cNvCxnSpPr>
+          <p:nvPr/>
+        </p:nvCxnSpPr>
+        <p:spPr>
+          <a:xfrm>
+            <a:off x="8152332" y="4639576"/>
+            <a:ext cx="512741" cy="997730"/>
+          </a:xfrm>
+          <a:prstGeom prst="bentConnector3">
+            <a:avLst>
+              <a:gd name="adj1" fmla="val 50000"/>
+            </a:avLst>
+          </a:prstGeom>
+          <a:ln w="28575">
+            <a:solidFill>
+              <a:schemeClr val="tx1"/>
+            </a:solidFill>
+            <a:prstDash val="solid"/>
+            <a:headEnd type="none" w="med" len="med"/>
+            <a:tailEnd type="none" w="med" len="med"/>
+          </a:ln>
+        </p:spPr>
+        <p:style>
+          <a:lnRef idx="1">
+            <a:schemeClr val="accent1"/>
+          </a:lnRef>
+          <a:fillRef idx="0">
+            <a:schemeClr val="accent1"/>
+          </a:fillRef>
+          <a:effectRef idx="0">
+            <a:schemeClr val="accent1"/>
+          </a:effectRef>
+          <a:fontRef idx="minor">
+            <a:schemeClr val="tx1"/>
+          </a:fontRef>
+        </p:style>
+      </p:cxnSp>
+      <p:sp>
+        <p:nvSpPr>
+          <p:cNvPr id="35" name="TextBox 34">
+            <a:extLst>
+              <a:ext uri="{FF2B5EF4-FFF2-40B4-BE49-F238E27FC236}">
+                <a16:creationId xmlns:a16="http://schemas.microsoft.com/office/drawing/2014/main" id="{619B93D9-7EEA-E0E9-03A9-0C480A6F79FF}"/>
+              </a:ext>
+            </a:extLst>
+          </p:cNvPr>
+          <p:cNvSpPr txBox="1"/>
+          <p:nvPr/>
+        </p:nvSpPr>
+        <p:spPr>
+          <a:xfrm>
+            <a:off x="2082143" y="3612485"/>
+            <a:ext cx="686085" cy="307777"/>
+          </a:xfrm>
+          <a:prstGeom prst="rect">
+            <a:avLst/>
+          </a:prstGeom>
+          <a:noFill/>
+        </p:spPr>
+        <p:txBody>
+          <a:bodyPr wrap="none" rtlCol="0">
+            <a:spAutoFit/>
+          </a:bodyPr>
+          <a:lstStyle/>
+          <a:p>
+            <a:r>
+              <a:rPr lang="en-GB" sz="1400"/>
+              <a:t>Known</a:t>
+            </a:r>
+          </a:p>
+        </p:txBody>
+      </p:sp>
+      <p:sp>
+        <p:nvSpPr>
+          <p:cNvPr id="38" name="TextBox 37">
+            <a:extLst>
+              <a:ext uri="{FF2B5EF4-FFF2-40B4-BE49-F238E27FC236}">
+                <a16:creationId xmlns:a16="http://schemas.microsoft.com/office/drawing/2014/main" id="{C55CDA6F-2C02-26CC-C321-F850CCC0E05A}"/>
+              </a:ext>
+            </a:extLst>
+          </p:cNvPr>
+          <p:cNvSpPr txBox="1"/>
+          <p:nvPr/>
+        </p:nvSpPr>
+        <p:spPr>
+          <a:xfrm>
+            <a:off x="9306297" y="3612485"/>
+            <a:ext cx="686085" cy="307777"/>
+          </a:xfrm>
+          <a:prstGeom prst="rect">
+            <a:avLst/>
+          </a:prstGeom>
+          <a:noFill/>
+        </p:spPr>
+        <p:txBody>
+          <a:bodyPr wrap="none" rtlCol="0">
+            <a:spAutoFit/>
+          </a:bodyPr>
+          <a:lstStyle/>
+          <a:p>
+            <a:r>
+              <a:rPr lang="en-GB" sz="1400"/>
+              <a:t>Known</a:t>
+            </a:r>
+          </a:p>
+        </p:txBody>
+      </p:sp>
+      <p:cxnSp>
+        <p:nvCxnSpPr>
+          <p:cNvPr id="42" name="직선 화살표 연결선 41">
+            <a:extLst>
+              <a:ext uri="{FF2B5EF4-FFF2-40B4-BE49-F238E27FC236}">
+                <a16:creationId xmlns:a16="http://schemas.microsoft.com/office/drawing/2014/main" id="{C132E042-470F-AA80-1215-D753EEB0F6AB}"/>
+              </a:ext>
+            </a:extLst>
+          </p:cNvPr>
+          <p:cNvCxnSpPr>
+            <a:cxnSpLocks/>
+            <a:stCxn id="7" idx="3"/>
+            <a:endCxn id="23" idx="2"/>
+          </p:cNvCxnSpPr>
+          <p:nvPr/>
+        </p:nvCxnSpPr>
+        <p:spPr>
+          <a:xfrm flipV="1">
+            <a:off x="7087377" y="4349401"/>
+            <a:ext cx="711309" cy="1"/>
+          </a:xfrm>
+          <a:prstGeom prst="straightConnector1">
+            <a:avLst/>
+          </a:prstGeom>
+          <a:ln w="28575">
+            <a:solidFill>
+              <a:schemeClr val="tx1"/>
+            </a:solidFill>
+            <a:prstDash val="solid"/>
+            <a:tailEnd type="arrow"/>
+          </a:ln>
+        </p:spPr>
+        <p:style>
+          <a:lnRef idx="1">
+            <a:schemeClr val="accent1"/>
+          </a:lnRef>
+          <a:fillRef idx="0">
+            <a:schemeClr val="accent1"/>
+          </a:fillRef>
+          <a:effectRef idx="0">
+            <a:schemeClr val="accent1"/>
+          </a:effectRef>
+          <a:fontRef idx="minor">
+            <a:schemeClr val="tx1"/>
+          </a:fontRef>
+        </p:style>
+      </p:cxnSp>
+      <p:cxnSp>
+        <p:nvCxnSpPr>
+          <p:cNvPr id="12" name="직선 화살표 연결선 11">
+            <a:extLst>
+              <a:ext uri="{FF2B5EF4-FFF2-40B4-BE49-F238E27FC236}">
+                <a16:creationId xmlns:a16="http://schemas.microsoft.com/office/drawing/2014/main" id="{51CD3EF3-187C-9A45-27C2-C07043CDFF6E}"/>
+              </a:ext>
+            </a:extLst>
+          </p:cNvPr>
+          <p:cNvCxnSpPr>
+            <a:cxnSpLocks/>
+            <a:stCxn id="7" idx="2"/>
+            <a:endCxn id="86" idx="0"/>
+          </p:cNvCxnSpPr>
+          <p:nvPr/>
+        </p:nvCxnSpPr>
+        <p:spPr>
+          <a:xfrm>
+            <a:off x="6103111" y="4729282"/>
+            <a:ext cx="0" cy="993978"/>
+          </a:xfrm>
+          <a:prstGeom prst="straightConnector1">
+            <a:avLst/>
+          </a:prstGeom>
+          <a:ln w="28575">
+            <a:solidFill>
+              <a:schemeClr val="tx1"/>
+            </a:solidFill>
+            <a:prstDash val="solid"/>
+            <a:tailEnd type="arrow"/>
+          </a:ln>
+        </p:spPr>
+        <p:style>
+          <a:lnRef idx="1">
+            <a:schemeClr val="accent1"/>
+          </a:lnRef>
+          <a:fillRef idx="0">
+            <a:schemeClr val="accent1"/>
+          </a:fillRef>
+          <a:effectRef idx="0">
+            <a:schemeClr val="accent1"/>
+          </a:effectRef>
+          <a:fontRef idx="minor">
+            <a:schemeClr val="tx1"/>
+          </a:fontRef>
+        </p:style>
+      </p:cxnSp>
+      <p:grpSp>
+        <p:nvGrpSpPr>
+          <p:cNvPr id="83" name="그룹 82">
+            <a:extLst>
+              <a:ext uri="{FF2B5EF4-FFF2-40B4-BE49-F238E27FC236}">
+                <a16:creationId xmlns:a16="http://schemas.microsoft.com/office/drawing/2014/main" id="{B043E3BC-9B60-9F75-6D62-454F25EA953A}"/>
+              </a:ext>
+            </a:extLst>
+          </p:cNvPr>
+          <p:cNvGrpSpPr/>
+          <p:nvPr/>
+        </p:nvGrpSpPr>
+        <p:grpSpPr>
+          <a:xfrm>
+            <a:off x="5118844" y="3969521"/>
+            <a:ext cx="1968533" cy="759761"/>
+            <a:chOff x="5087196" y="3822326"/>
+            <a:chExt cx="1968533" cy="759761"/>
+          </a:xfrm>
+        </p:grpSpPr>
+        <p:grpSp>
+          <p:nvGrpSpPr>
+            <p:cNvPr id="81" name="그룹 80">
+              <a:extLst>
+                <a:ext uri="{FF2B5EF4-FFF2-40B4-BE49-F238E27FC236}">
+                  <a16:creationId xmlns:a16="http://schemas.microsoft.com/office/drawing/2014/main" id="{6DBDAB6B-0A3A-7648-E18D-EC72FDBC5559}"/>
+                </a:ext>
+              </a:extLst>
+            </p:cNvPr>
+            <p:cNvGrpSpPr/>
+            <p:nvPr/>
+          </p:nvGrpSpPr>
+          <p:grpSpPr>
+            <a:xfrm>
+              <a:off x="5242325" y="3899618"/>
+              <a:ext cx="1658274" cy="605177"/>
+              <a:chOff x="5242325" y="3938546"/>
+              <a:chExt cx="1658274" cy="605177"/>
+            </a:xfrm>
+          </p:grpSpPr>
+          <p:sp>
+            <p:nvSpPr>
+              <p:cNvPr id="4" name="TextBox 3">
+                <a:extLst>
+                  <a:ext uri="{FF2B5EF4-FFF2-40B4-BE49-F238E27FC236}">
+                    <a16:creationId xmlns:a16="http://schemas.microsoft.com/office/drawing/2014/main" id="{7FDC855C-6240-8F19-BBBB-C370DDC205E5}"/>
+                  </a:ext>
+                </a:extLst>
+              </p:cNvPr>
+              <p:cNvSpPr txBox="1"/>
+              <p:nvPr/>
+            </p:nvSpPr>
+            <p:spPr>
+              <a:xfrm>
+                <a:off x="5242325" y="3938546"/>
+                <a:ext cx="1658274" cy="338554"/>
+              </a:xfrm>
+              <a:prstGeom prst="rect">
+                <a:avLst/>
+              </a:prstGeom>
+              <a:noFill/>
+            </p:spPr>
+            <p:txBody>
+              <a:bodyPr wrap="none" rtlCol="0">
+                <a:spAutoFit/>
+              </a:bodyPr>
+              <a:lstStyle/>
+              <a:p>
+                <a:r>
+                  <a:rPr lang="en-GB" sz="1600" b="1">
+                    <a:solidFill>
+                      <a:srgbClr val="0070C0"/>
+                    </a:solidFill>
+                  </a:rPr>
+                  <a:t>Application Layer</a:t>
+                </a:r>
+              </a:p>
+            </p:txBody>
+          </p:sp>
+          <p:sp>
+            <p:nvSpPr>
+              <p:cNvPr id="30" name="TextBox 29">
+                <a:extLst>
+                  <a:ext uri="{FF2B5EF4-FFF2-40B4-BE49-F238E27FC236}">
+                    <a16:creationId xmlns:a16="http://schemas.microsoft.com/office/drawing/2014/main" id="{4370D1C9-24C5-7C86-867A-E4FC75EE0397}"/>
+                  </a:ext>
+                </a:extLst>
+              </p:cNvPr>
+              <p:cNvSpPr txBox="1"/>
+              <p:nvPr/>
+            </p:nvSpPr>
+            <p:spPr>
+              <a:xfrm>
+                <a:off x="5693795" y="4266724"/>
+                <a:ext cx="755335" cy="276999"/>
+              </a:xfrm>
+              <a:prstGeom prst="rect">
+                <a:avLst/>
+              </a:prstGeom>
+              <a:noFill/>
+            </p:spPr>
+            <p:txBody>
+              <a:bodyPr wrap="none" rtlCol="0">
+                <a:spAutoFit/>
+              </a:bodyPr>
+              <a:lstStyle/>
+              <a:p>
+                <a:r>
+                  <a:rPr lang="en-GB" sz="1200" b="1">
+                    <a:solidFill>
+                      <a:srgbClr val="0070C0"/>
+                    </a:solidFill>
+                  </a:rPr>
+                  <a:t>Biz. </a:t>
+                </a:r>
+                <a:r>
+                  <a:rPr lang="ko-KR" altLang="en-US" sz="1200" b="1">
+                    <a:solidFill>
+                      <a:srgbClr val="0070C0"/>
+                    </a:solidFill>
+                  </a:rPr>
+                  <a:t>흐름</a:t>
+                </a:r>
+                <a:endParaRPr lang="en-GB" sz="1200" b="1">
+                  <a:solidFill>
+                    <a:srgbClr val="0070C0"/>
+                  </a:solidFill>
+                </a:endParaRPr>
+              </a:p>
+            </p:txBody>
+          </p:sp>
+        </p:grpSp>
+        <p:sp>
+          <p:nvSpPr>
+            <p:cNvPr id="7" name="직사각형 6">
+              <a:extLst>
+                <a:ext uri="{FF2B5EF4-FFF2-40B4-BE49-F238E27FC236}">
+                  <a16:creationId xmlns:a16="http://schemas.microsoft.com/office/drawing/2014/main" id="{8341065E-5A1B-305D-52BD-4232CC367D96}"/>
+                </a:ext>
+              </a:extLst>
+            </p:cNvPr>
+            <p:cNvSpPr/>
+            <p:nvPr/>
+          </p:nvSpPr>
+          <p:spPr>
+            <a:xfrm>
+              <a:off x="5087196" y="3822326"/>
+              <a:ext cx="1968533" cy="759761"/>
+            </a:xfrm>
+            <a:prstGeom prst="rect">
+              <a:avLst/>
+            </a:prstGeom>
+            <a:noFill/>
+            <a:ln>
+              <a:solidFill>
+                <a:srgbClr val="0070C0"/>
+              </a:solidFill>
+            </a:ln>
+          </p:spPr>
+          <p:style>
+            <a:lnRef idx="2">
+              <a:schemeClr val="accent1">
+                <a:shade val="15000"/>
+              </a:schemeClr>
+            </a:lnRef>
+            <a:fillRef idx="1">
+              <a:schemeClr val="accent1"/>
+            </a:fillRef>
+            <a:effectRef idx="0">
+              <a:schemeClr val="accent1"/>
+            </a:effectRef>
+            <a:fontRef idx="minor">
+              <a:schemeClr val="lt1"/>
+            </a:fontRef>
+          </p:style>
+          <p:txBody>
+            <a:bodyPr rtlCol="0" anchor="ctr"/>
+            <a:lstStyle/>
+            <a:p>
+              <a:pPr algn="ctr"/>
+              <a:endParaRPr lang="en-GB"/>
+            </a:p>
+          </p:txBody>
+        </p:sp>
+      </p:grpSp>
+      <p:sp>
+        <p:nvSpPr>
+          <p:cNvPr id="45" name="직사각형 44">
+            <a:extLst>
+              <a:ext uri="{FF2B5EF4-FFF2-40B4-BE49-F238E27FC236}">
+                <a16:creationId xmlns:a16="http://schemas.microsoft.com/office/drawing/2014/main" id="{652A968A-84E2-41A5-69FE-8CE12F8D55DB}"/>
+              </a:ext>
+            </a:extLst>
+          </p:cNvPr>
+          <p:cNvSpPr/>
+          <p:nvPr/>
+        </p:nvSpPr>
+        <p:spPr>
+          <a:xfrm>
+            <a:off x="6691407" y="4490413"/>
+            <a:ext cx="395970" cy="298325"/>
+          </a:xfrm>
+          <a:prstGeom prst="rect">
+            <a:avLst/>
+          </a:prstGeom>
+          <a:noFill/>
+          <a:ln>
+            <a:noFill/>
+          </a:ln>
+        </p:spPr>
+        <p:style>
+          <a:lnRef idx="2">
+            <a:schemeClr val="accent1">
+              <a:shade val="15000"/>
+            </a:schemeClr>
+          </a:lnRef>
+          <a:fillRef idx="1">
+            <a:schemeClr val="accent1"/>
+          </a:fillRef>
+          <a:effectRef idx="0">
+            <a:schemeClr val="accent1"/>
+          </a:effectRef>
+          <a:fontRef idx="minor">
+            <a:schemeClr val="lt1"/>
+          </a:fontRef>
+        </p:style>
+        <p:txBody>
+          <a:bodyPr rtlCol="0" anchor="ctr"/>
+          <a:lstStyle/>
+          <a:p>
+            <a:pPr algn="ctr"/>
+            <a:endParaRPr lang="en-GB"/>
+          </a:p>
+        </p:txBody>
+      </p:sp>
+      <p:sp>
+        <p:nvSpPr>
+          <p:cNvPr id="49" name="TextBox 48">
+            <a:extLst>
+              <a:ext uri="{FF2B5EF4-FFF2-40B4-BE49-F238E27FC236}">
+                <a16:creationId xmlns:a16="http://schemas.microsoft.com/office/drawing/2014/main" id="{DB59F4C6-5A00-8BCA-D78D-7884AE49478C}"/>
+              </a:ext>
+            </a:extLst>
+          </p:cNvPr>
+          <p:cNvSpPr txBox="1"/>
+          <p:nvPr/>
+        </p:nvSpPr>
+        <p:spPr>
+          <a:xfrm>
+            <a:off x="9205500" y="4908640"/>
+            <a:ext cx="887679" cy="307777"/>
+          </a:xfrm>
+          <a:prstGeom prst="rect">
+            <a:avLst/>
+          </a:prstGeom>
+          <a:noFill/>
+        </p:spPr>
+        <p:txBody>
+          <a:bodyPr wrap="none" rtlCol="0">
+            <a:spAutoFit/>
+          </a:bodyPr>
+          <a:lstStyle/>
+          <a:p>
+            <a:r>
+              <a:rPr lang="en-GB" sz="1400"/>
+              <a:t>Unknown</a:t>
+            </a:r>
+          </a:p>
+        </p:txBody>
+      </p:sp>
+      <p:sp>
+        <p:nvSpPr>
+          <p:cNvPr id="5" name="타원 4">
+            <a:extLst>
+              <a:ext uri="{FF2B5EF4-FFF2-40B4-BE49-F238E27FC236}">
+                <a16:creationId xmlns:a16="http://schemas.microsoft.com/office/drawing/2014/main" id="{FB270D48-A8A9-B29D-EB43-046D20940D47}"/>
+              </a:ext>
+            </a:extLst>
+          </p:cNvPr>
+          <p:cNvSpPr/>
+          <p:nvPr/>
+        </p:nvSpPr>
+        <p:spPr>
+          <a:xfrm>
+            <a:off x="4231610" y="4259401"/>
+            <a:ext cx="180000" cy="180000"/>
+          </a:xfrm>
+          <a:prstGeom prst="ellipse">
+            <a:avLst/>
+          </a:prstGeom>
+          <a:solidFill>
+            <a:schemeClr val="tx1"/>
+          </a:solidFill>
+          <a:ln w="28575"/>
+        </p:spPr>
+        <p:style>
+          <a:lnRef idx="2">
+            <a:schemeClr val="accent1">
+              <a:shade val="15000"/>
+            </a:schemeClr>
+          </a:lnRef>
+          <a:fillRef idx="1">
+            <a:schemeClr val="accent1"/>
+          </a:fillRef>
+          <a:effectRef idx="0">
+            <a:schemeClr val="accent1"/>
+          </a:effectRef>
+          <a:fontRef idx="minor">
+            <a:schemeClr val="lt1"/>
+          </a:fontRef>
+        </p:style>
+        <p:txBody>
+          <a:bodyPr rtlCol="0" anchor="ctr"/>
+          <a:lstStyle/>
+          <a:p>
+            <a:pPr algn="ctr"/>
+            <a:endParaRPr lang="en-GB"/>
+          </a:p>
+        </p:txBody>
+      </p:sp>
+      <p:sp>
+        <p:nvSpPr>
+          <p:cNvPr id="9" name="이등변 삼각형 8">
+            <a:extLst>
+              <a:ext uri="{FF2B5EF4-FFF2-40B4-BE49-F238E27FC236}">
+                <a16:creationId xmlns:a16="http://schemas.microsoft.com/office/drawing/2014/main" id="{0B4B925D-0BF3-0877-9F17-1C4A536935AE}"/>
+              </a:ext>
+            </a:extLst>
+          </p:cNvPr>
+          <p:cNvSpPr/>
+          <p:nvPr/>
+        </p:nvSpPr>
+        <p:spPr>
+          <a:xfrm rot="16200000">
+            <a:off x="4404779" y="4279202"/>
+            <a:ext cx="162000" cy="140400"/>
+          </a:xfrm>
+          <a:prstGeom prst="triangle">
+            <a:avLst/>
+          </a:prstGeom>
+          <a:solidFill>
+            <a:schemeClr val="bg1"/>
+          </a:solidFill>
+          <a:ln w="28575">
+            <a:solidFill>
+              <a:schemeClr val="tx1"/>
+            </a:solidFill>
+          </a:ln>
+        </p:spPr>
+        <p:style>
+          <a:lnRef idx="2">
+            <a:schemeClr val="accent1">
+              <a:shade val="15000"/>
+            </a:schemeClr>
+          </a:lnRef>
+          <a:fillRef idx="1">
+            <a:schemeClr val="accent1"/>
+          </a:fillRef>
+          <a:effectRef idx="0">
+            <a:schemeClr val="accent1"/>
+          </a:effectRef>
+          <a:fontRef idx="minor">
+            <a:schemeClr val="lt1"/>
+          </a:fontRef>
+        </p:style>
+        <p:txBody>
+          <a:bodyPr rtlCol="0" anchor="ctr"/>
+          <a:lstStyle/>
+          <a:p>
+            <a:pPr algn="ctr"/>
+            <a:endParaRPr lang="en-GB"/>
+          </a:p>
+        </p:txBody>
+      </p:sp>
+      <p:cxnSp>
+        <p:nvCxnSpPr>
+          <p:cNvPr id="16" name="직선 화살표 연결선 15">
+            <a:extLst>
+              <a:ext uri="{FF2B5EF4-FFF2-40B4-BE49-F238E27FC236}">
+                <a16:creationId xmlns:a16="http://schemas.microsoft.com/office/drawing/2014/main" id="{BCC4E731-BF1E-FBB3-4FB2-36E5190C94E6}"/>
+              </a:ext>
+            </a:extLst>
+          </p:cNvPr>
+          <p:cNvCxnSpPr>
+            <a:cxnSpLocks/>
+            <a:stCxn id="7" idx="1"/>
+            <a:endCxn id="9" idx="3"/>
+          </p:cNvCxnSpPr>
+          <p:nvPr/>
+        </p:nvCxnSpPr>
+        <p:spPr>
+          <a:xfrm flipH="1">
+            <a:off x="4555979" y="4349402"/>
+            <a:ext cx="562865" cy="0"/>
+          </a:xfrm>
+          <a:prstGeom prst="straightConnector1">
+            <a:avLst/>
+          </a:prstGeom>
+          <a:ln w="28575">
+            <a:solidFill>
+              <a:schemeClr val="tx1"/>
+            </a:solidFill>
+            <a:prstDash val="solid"/>
+            <a:headEnd type="none" w="med" len="med"/>
+            <a:tailEnd type="none" w="med" len="med"/>
+          </a:ln>
+        </p:spPr>
+        <p:style>
+          <a:lnRef idx="1">
+            <a:schemeClr val="accent1"/>
+          </a:lnRef>
+          <a:fillRef idx="0">
+            <a:schemeClr val="accent1"/>
+          </a:fillRef>
+          <a:effectRef idx="0">
+            <a:schemeClr val="accent1"/>
+          </a:effectRef>
+          <a:fontRef idx="minor">
+            <a:schemeClr val="tx1"/>
+          </a:fontRef>
+        </p:style>
+      </p:cxnSp>
+      <p:sp>
+        <p:nvSpPr>
+          <p:cNvPr id="23" name="타원 22">
+            <a:extLst>
+              <a:ext uri="{FF2B5EF4-FFF2-40B4-BE49-F238E27FC236}">
+                <a16:creationId xmlns:a16="http://schemas.microsoft.com/office/drawing/2014/main" id="{35989B8E-0BDD-3D56-9F9A-357352A8A56B}"/>
+              </a:ext>
+            </a:extLst>
+          </p:cNvPr>
+          <p:cNvSpPr/>
+          <p:nvPr/>
+        </p:nvSpPr>
+        <p:spPr>
+          <a:xfrm>
+            <a:off x="7798686" y="4259401"/>
+            <a:ext cx="180000" cy="180000"/>
+          </a:xfrm>
+          <a:prstGeom prst="ellipse">
+            <a:avLst/>
+          </a:prstGeom>
+          <a:solidFill>
+            <a:schemeClr val="tx1"/>
+          </a:solidFill>
+          <a:ln w="28575"/>
+        </p:spPr>
+        <p:style>
+          <a:lnRef idx="2">
+            <a:schemeClr val="accent1">
+              <a:shade val="15000"/>
+            </a:schemeClr>
+          </a:lnRef>
+          <a:fillRef idx="1">
+            <a:schemeClr val="accent1"/>
+          </a:fillRef>
+          <a:effectRef idx="0">
+            <a:schemeClr val="accent1"/>
+          </a:effectRef>
+          <a:fontRef idx="minor">
+            <a:schemeClr val="lt1"/>
+          </a:fontRef>
+        </p:style>
+        <p:txBody>
+          <a:bodyPr rtlCol="0" anchor="ctr"/>
+          <a:lstStyle/>
+          <a:p>
+            <a:pPr algn="ctr"/>
+            <a:endParaRPr lang="en-GB"/>
+          </a:p>
+        </p:txBody>
+      </p:sp>
+      <p:sp>
+        <p:nvSpPr>
+          <p:cNvPr id="31" name="이등변 삼각형 30">
+            <a:extLst>
+              <a:ext uri="{FF2B5EF4-FFF2-40B4-BE49-F238E27FC236}">
+                <a16:creationId xmlns:a16="http://schemas.microsoft.com/office/drawing/2014/main" id="{04647917-0855-1BCD-0953-6A2D12D6AE61}"/>
+              </a:ext>
+            </a:extLst>
+          </p:cNvPr>
+          <p:cNvSpPr/>
+          <p:nvPr/>
+        </p:nvSpPr>
+        <p:spPr>
+          <a:xfrm rot="16200000">
+            <a:off x="8001132" y="4279202"/>
+            <a:ext cx="162000" cy="140400"/>
+          </a:xfrm>
+          <a:prstGeom prst="triangle">
+            <a:avLst/>
+          </a:prstGeom>
+          <a:solidFill>
+            <a:schemeClr val="bg1"/>
+          </a:solidFill>
+          <a:ln w="28575">
+            <a:solidFill>
+              <a:schemeClr val="tx1"/>
+            </a:solidFill>
+          </a:ln>
+        </p:spPr>
+        <p:style>
+          <a:lnRef idx="2">
+            <a:schemeClr val="accent1">
+              <a:shade val="15000"/>
+            </a:schemeClr>
+          </a:lnRef>
+          <a:fillRef idx="1">
+            <a:schemeClr val="accent1"/>
+          </a:fillRef>
+          <a:effectRef idx="0">
+            <a:schemeClr val="accent1"/>
+          </a:effectRef>
+          <a:fontRef idx="minor">
+            <a:schemeClr val="lt1"/>
+          </a:fontRef>
+        </p:style>
+        <p:txBody>
+          <a:bodyPr rtlCol="0" anchor="ctr"/>
+          <a:lstStyle/>
+          <a:p>
+            <a:pPr algn="ctr"/>
+            <a:endParaRPr lang="en-GB"/>
+          </a:p>
+        </p:txBody>
+      </p:sp>
+      <p:cxnSp>
+        <p:nvCxnSpPr>
+          <p:cNvPr id="32" name="직선 화살표 연결선 31">
+            <a:extLst>
+              <a:ext uri="{FF2B5EF4-FFF2-40B4-BE49-F238E27FC236}">
+                <a16:creationId xmlns:a16="http://schemas.microsoft.com/office/drawing/2014/main" id="{BB96140C-38D7-1B02-C85D-26425D2A6EF8}"/>
+              </a:ext>
+            </a:extLst>
+          </p:cNvPr>
+          <p:cNvCxnSpPr>
+            <a:cxnSpLocks/>
+            <a:stCxn id="17" idx="1"/>
+            <a:endCxn id="31" idx="3"/>
+          </p:cNvCxnSpPr>
+          <p:nvPr/>
+        </p:nvCxnSpPr>
+        <p:spPr>
+          <a:xfrm flipH="1">
+            <a:off x="8152332" y="4349402"/>
+            <a:ext cx="512741" cy="0"/>
+          </a:xfrm>
+          <a:prstGeom prst="straightConnector1">
+            <a:avLst/>
+          </a:prstGeom>
+          <a:ln w="28575">
+            <a:solidFill>
+              <a:schemeClr val="tx1"/>
+            </a:solidFill>
+            <a:prstDash val="solid"/>
+            <a:headEnd type="none" w="med" len="med"/>
+            <a:tailEnd type="none" w="med" len="med"/>
+          </a:ln>
+        </p:spPr>
+        <p:style>
+          <a:lnRef idx="1">
+            <a:schemeClr val="accent1"/>
+          </a:lnRef>
+          <a:fillRef idx="0">
+            <a:schemeClr val="accent1"/>
+          </a:fillRef>
+          <a:effectRef idx="0">
+            <a:schemeClr val="accent1"/>
+          </a:effectRef>
+          <a:fontRef idx="minor">
+            <a:schemeClr val="tx1"/>
+          </a:fontRef>
+        </p:style>
+      </p:cxnSp>
+      <p:sp>
+        <p:nvSpPr>
+          <p:cNvPr id="50" name="타원 49">
+            <a:extLst>
+              <a:ext uri="{FF2B5EF4-FFF2-40B4-BE49-F238E27FC236}">
+                <a16:creationId xmlns:a16="http://schemas.microsoft.com/office/drawing/2014/main" id="{850082BE-72D2-C84E-1DC7-6F2A8C6B33B2}"/>
+              </a:ext>
+            </a:extLst>
+          </p:cNvPr>
+          <p:cNvSpPr/>
+          <p:nvPr/>
+        </p:nvSpPr>
+        <p:spPr>
+          <a:xfrm>
+            <a:off x="7787884" y="4549575"/>
+            <a:ext cx="180000" cy="180000"/>
+          </a:xfrm>
+          <a:prstGeom prst="ellipse">
+            <a:avLst/>
+          </a:prstGeom>
+          <a:solidFill>
+            <a:schemeClr val="tx1"/>
+          </a:solidFill>
+          <a:ln w="28575"/>
+        </p:spPr>
+        <p:style>
+          <a:lnRef idx="2">
+            <a:schemeClr val="accent1">
+              <a:shade val="15000"/>
+            </a:schemeClr>
+          </a:lnRef>
+          <a:fillRef idx="1">
+            <a:schemeClr val="accent1"/>
+          </a:fillRef>
+          <a:effectRef idx="0">
+            <a:schemeClr val="accent1"/>
+          </a:effectRef>
+          <a:fontRef idx="minor">
+            <a:schemeClr val="lt1"/>
+          </a:fontRef>
+        </p:style>
+        <p:txBody>
+          <a:bodyPr rtlCol="0" anchor="ctr"/>
+          <a:lstStyle/>
+          <a:p>
+            <a:pPr algn="ctr"/>
+            <a:endParaRPr lang="en-GB"/>
+          </a:p>
+        </p:txBody>
+      </p:sp>
+      <p:cxnSp>
+        <p:nvCxnSpPr>
+          <p:cNvPr id="51" name="직선 화살표 연결선 50">
+            <a:extLst>
+              <a:ext uri="{FF2B5EF4-FFF2-40B4-BE49-F238E27FC236}">
+                <a16:creationId xmlns:a16="http://schemas.microsoft.com/office/drawing/2014/main" id="{0644900C-6791-6364-4621-CF02CC90951F}"/>
+              </a:ext>
+            </a:extLst>
+          </p:cNvPr>
+          <p:cNvCxnSpPr>
+            <a:cxnSpLocks/>
+            <a:stCxn id="45" idx="3"/>
+            <a:endCxn id="50" idx="2"/>
+          </p:cNvCxnSpPr>
+          <p:nvPr/>
+        </p:nvCxnSpPr>
+        <p:spPr>
+          <a:xfrm flipV="1">
+            <a:off x="7087377" y="4639575"/>
+            <a:ext cx="700507" cy="1"/>
+          </a:xfrm>
+          <a:prstGeom prst="straightConnector1">
+            <a:avLst/>
+          </a:prstGeom>
+          <a:ln w="28575">
+            <a:solidFill>
+              <a:schemeClr val="tx1"/>
+            </a:solidFill>
+            <a:prstDash val="solid"/>
+            <a:tailEnd type="arrow"/>
+          </a:ln>
+        </p:spPr>
+        <p:style>
+          <a:lnRef idx="1">
+            <a:schemeClr val="accent1"/>
+          </a:lnRef>
+          <a:fillRef idx="0">
+            <a:schemeClr val="accent1"/>
+          </a:fillRef>
+          <a:effectRef idx="0">
+            <a:schemeClr val="accent1"/>
+          </a:effectRef>
+          <a:fontRef idx="minor">
+            <a:schemeClr val="tx1"/>
+          </a:fontRef>
+        </p:style>
+      </p:cxnSp>
+      <p:sp>
+        <p:nvSpPr>
+          <p:cNvPr id="55" name="이등변 삼각형 54">
+            <a:extLst>
+              <a:ext uri="{FF2B5EF4-FFF2-40B4-BE49-F238E27FC236}">
+                <a16:creationId xmlns:a16="http://schemas.microsoft.com/office/drawing/2014/main" id="{40BA0E51-E981-57A8-DDCE-FC44F42AF8F3}"/>
+              </a:ext>
+            </a:extLst>
+          </p:cNvPr>
+          <p:cNvSpPr/>
+          <p:nvPr/>
+        </p:nvSpPr>
+        <p:spPr>
+          <a:xfrm rot="16200000">
+            <a:off x="8001132" y="4569376"/>
+            <a:ext cx="162000" cy="140400"/>
+          </a:xfrm>
+          <a:prstGeom prst="triangle">
+            <a:avLst/>
+          </a:prstGeom>
+          <a:solidFill>
+            <a:schemeClr val="bg1"/>
+          </a:solidFill>
+          <a:ln w="28575">
+            <a:solidFill>
+              <a:schemeClr val="tx1"/>
+            </a:solidFill>
+          </a:ln>
+        </p:spPr>
+        <p:style>
+          <a:lnRef idx="2">
+            <a:schemeClr val="accent1">
+              <a:shade val="15000"/>
+            </a:schemeClr>
+          </a:lnRef>
+          <a:fillRef idx="1">
+            <a:schemeClr val="accent1"/>
+          </a:fillRef>
+          <a:effectRef idx="0">
+            <a:schemeClr val="accent1"/>
+          </a:effectRef>
+          <a:fontRef idx="minor">
+            <a:schemeClr val="lt1"/>
+          </a:fontRef>
+        </p:style>
+        <p:txBody>
+          <a:bodyPr rtlCol="0" anchor="ctr"/>
+          <a:lstStyle/>
+          <a:p>
+            <a:pPr algn="ctr"/>
+            <a:endParaRPr lang="en-GB"/>
+          </a:p>
+        </p:txBody>
+      </p:sp>
+      <p:sp>
+        <p:nvSpPr>
+          <p:cNvPr id="57" name="TextBox 56">
+            <a:extLst>
+              <a:ext uri="{FF2B5EF4-FFF2-40B4-BE49-F238E27FC236}">
+                <a16:creationId xmlns:a16="http://schemas.microsoft.com/office/drawing/2014/main" id="{45533BC6-3273-D57B-7D4B-11FB5FB29E52}"/>
+              </a:ext>
+            </a:extLst>
+          </p:cNvPr>
+          <p:cNvSpPr txBox="1"/>
+          <p:nvPr/>
+        </p:nvSpPr>
+        <p:spPr>
+          <a:xfrm>
+            <a:off x="4352294" y="3481046"/>
+            <a:ext cx="825867" cy="759760"/>
+          </a:xfrm>
+          <a:prstGeom prst="rect">
+            <a:avLst/>
+          </a:prstGeom>
+          <a:noFill/>
+        </p:spPr>
+        <p:txBody>
+          <a:bodyPr wrap="none" rtlCol="0">
+            <a:spAutoFit/>
+          </a:bodyPr>
+          <a:lstStyle/>
+          <a:p>
+            <a:pPr algn="ctr">
+              <a:lnSpc>
+                <a:spcPct val="150000"/>
+              </a:lnSpc>
+            </a:pPr>
+            <a:r>
+              <a:rPr lang="ko-KR" altLang="en-US" sz="1000"/>
+              <a:t>입력</a:t>
+            </a:r>
+            <a:endParaRPr lang="en-GB" altLang="ko-KR" sz="1000"/>
+          </a:p>
+          <a:p>
+            <a:pPr algn="ctr">
+              <a:lnSpc>
+                <a:spcPct val="150000"/>
+              </a:lnSpc>
+            </a:pPr>
+            <a:r>
+              <a:rPr lang="ko-KR" altLang="en-US" sz="1000"/>
+              <a:t>인터페이스</a:t>
+            </a:r>
+            <a:endParaRPr lang="en-GB" altLang="ko-KR" sz="1000"/>
+          </a:p>
+          <a:p>
+            <a:pPr algn="ctr">
+              <a:lnSpc>
+                <a:spcPct val="150000"/>
+              </a:lnSpc>
+            </a:pPr>
+            <a:r>
+              <a:rPr lang="ko-KR" altLang="en-US" sz="1000" b="1">
+                <a:solidFill>
+                  <a:srgbClr val="0070C0"/>
+                </a:solidFill>
+              </a:rPr>
+              <a:t>구현</a:t>
+            </a:r>
+            <a:endParaRPr lang="en-GB" sz="1000" b="1">
+              <a:solidFill>
+                <a:srgbClr val="0070C0"/>
+              </a:solidFill>
+            </a:endParaRPr>
+          </a:p>
+        </p:txBody>
+      </p:sp>
+      <p:sp>
+        <p:nvSpPr>
+          <p:cNvPr id="58" name="TextBox 57">
+            <a:extLst>
+              <a:ext uri="{FF2B5EF4-FFF2-40B4-BE49-F238E27FC236}">
+                <a16:creationId xmlns:a16="http://schemas.microsoft.com/office/drawing/2014/main" id="{8261A52C-8607-153F-8D7A-C865783E9DF8}"/>
+              </a:ext>
+            </a:extLst>
+          </p:cNvPr>
+          <p:cNvSpPr txBox="1"/>
+          <p:nvPr/>
+        </p:nvSpPr>
+        <p:spPr>
+          <a:xfrm>
+            <a:off x="7024697" y="3481046"/>
+            <a:ext cx="825867" cy="759760"/>
+          </a:xfrm>
+          <a:prstGeom prst="rect">
+            <a:avLst/>
+          </a:prstGeom>
+          <a:noFill/>
+        </p:spPr>
+        <p:txBody>
+          <a:bodyPr wrap="none" rtlCol="0">
+            <a:spAutoFit/>
+          </a:bodyPr>
+          <a:lstStyle/>
+          <a:p>
+            <a:pPr algn="ctr">
+              <a:lnSpc>
+                <a:spcPct val="150000"/>
+              </a:lnSpc>
+            </a:pPr>
+            <a:r>
+              <a:rPr lang="ko-KR" altLang="en-US" sz="1000"/>
+              <a:t>출력</a:t>
+            </a:r>
+            <a:endParaRPr lang="en-GB" altLang="ko-KR" sz="1000"/>
+          </a:p>
+          <a:p>
+            <a:pPr algn="ctr">
+              <a:lnSpc>
+                <a:spcPct val="150000"/>
+              </a:lnSpc>
+            </a:pPr>
+            <a:r>
+              <a:rPr lang="ko-KR" altLang="en-US" sz="1000"/>
+              <a:t>인터페이스</a:t>
+            </a:r>
+            <a:endParaRPr lang="en-GB" altLang="ko-KR" sz="1000"/>
+          </a:p>
+          <a:p>
+            <a:pPr algn="ctr">
+              <a:lnSpc>
+                <a:spcPct val="150000"/>
+              </a:lnSpc>
+            </a:pPr>
+            <a:r>
+              <a:rPr lang="ko-KR" altLang="en-US" sz="1000" b="1">
+                <a:solidFill>
+                  <a:srgbClr val="0070C0"/>
+                </a:solidFill>
+              </a:rPr>
+              <a:t>사용</a:t>
+            </a:r>
+            <a:endParaRPr lang="en-GB" sz="1000" b="1">
+              <a:solidFill>
+                <a:srgbClr val="0070C0"/>
+              </a:solidFill>
+            </a:endParaRPr>
+          </a:p>
+        </p:txBody>
+      </p:sp>
+      <p:grpSp>
+        <p:nvGrpSpPr>
+          <p:cNvPr id="64" name="그룹 63">
+            <a:extLst>
+              <a:ext uri="{FF2B5EF4-FFF2-40B4-BE49-F238E27FC236}">
+                <a16:creationId xmlns:a16="http://schemas.microsoft.com/office/drawing/2014/main" id="{C12E7557-0C19-D717-5F02-62683E72C9E6}"/>
+              </a:ext>
+            </a:extLst>
+          </p:cNvPr>
+          <p:cNvGrpSpPr/>
+          <p:nvPr/>
+        </p:nvGrpSpPr>
+        <p:grpSpPr>
+          <a:xfrm>
+            <a:off x="4232936" y="1487969"/>
+            <a:ext cx="3740349" cy="5034626"/>
+            <a:chOff x="4540685" y="308229"/>
+            <a:chExt cx="3178140" cy="6072582"/>
+          </a:xfrm>
+        </p:grpSpPr>
+        <p:cxnSp>
+          <p:nvCxnSpPr>
+            <p:cNvPr id="65" name="직선 연결선 64">
+              <a:extLst>
+                <a:ext uri="{FF2B5EF4-FFF2-40B4-BE49-F238E27FC236}">
+                  <a16:creationId xmlns:a16="http://schemas.microsoft.com/office/drawing/2014/main" id="{E3A553FD-23F5-CFA8-A687-51836F03A114}"/>
+                </a:ext>
+              </a:extLst>
+            </p:cNvPr>
+            <p:cNvCxnSpPr>
+              <a:cxnSpLocks/>
+            </p:cNvCxnSpPr>
+            <p:nvPr/>
+          </p:nvCxnSpPr>
+          <p:spPr>
+            <a:xfrm>
+              <a:off x="4540685" y="308229"/>
+              <a:ext cx="0" cy="6072582"/>
+            </a:xfrm>
+            <a:prstGeom prst="line">
+              <a:avLst/>
+            </a:prstGeom>
+            <a:ln w="9525">
+              <a:solidFill>
+                <a:schemeClr val="bg1">
+                  <a:lumMod val="65000"/>
+                </a:schemeClr>
+              </a:solidFill>
+              <a:prstDash val="dash"/>
+            </a:ln>
+          </p:spPr>
+          <p:style>
+            <a:lnRef idx="1">
+              <a:schemeClr val="accent1"/>
+            </a:lnRef>
+            <a:fillRef idx="0">
+              <a:schemeClr val="accent1"/>
+            </a:fillRef>
+            <a:effectRef idx="0">
+              <a:schemeClr val="accent1"/>
+            </a:effectRef>
+            <a:fontRef idx="minor">
+              <a:schemeClr val="tx1"/>
+            </a:fontRef>
+          </p:style>
+        </p:cxnSp>
+        <p:cxnSp>
+          <p:nvCxnSpPr>
+            <p:cNvPr id="66" name="직선 연결선 65">
+              <a:extLst>
+                <a:ext uri="{FF2B5EF4-FFF2-40B4-BE49-F238E27FC236}">
+                  <a16:creationId xmlns:a16="http://schemas.microsoft.com/office/drawing/2014/main" id="{836770E4-A45F-756B-F6AD-7B898CCDC129}"/>
+                </a:ext>
+              </a:extLst>
+            </p:cNvPr>
+            <p:cNvCxnSpPr>
+              <a:cxnSpLocks/>
+            </p:cNvCxnSpPr>
+            <p:nvPr/>
+          </p:nvCxnSpPr>
+          <p:spPr>
+            <a:xfrm>
+              <a:off x="7718825" y="308229"/>
+              <a:ext cx="0" cy="6072582"/>
+            </a:xfrm>
+            <a:prstGeom prst="line">
+              <a:avLst/>
+            </a:prstGeom>
+            <a:ln w="9525">
+              <a:solidFill>
+                <a:schemeClr val="bg1">
+                  <a:lumMod val="65000"/>
+                </a:schemeClr>
+              </a:solidFill>
+              <a:prstDash val="dash"/>
+            </a:ln>
+          </p:spPr>
+          <p:style>
+            <a:lnRef idx="1">
+              <a:schemeClr val="accent1"/>
+            </a:lnRef>
+            <a:fillRef idx="0">
+              <a:schemeClr val="accent1"/>
+            </a:fillRef>
+            <a:effectRef idx="0">
+              <a:schemeClr val="accent1"/>
+            </a:effectRef>
+            <a:fontRef idx="minor">
+              <a:schemeClr val="tx1"/>
+            </a:fontRef>
+          </p:style>
+        </p:cxnSp>
+      </p:grpSp>
+      <p:sp>
+        <p:nvSpPr>
+          <p:cNvPr id="68" name="TextBox 67">
+            <a:extLst>
+              <a:ext uri="{FF2B5EF4-FFF2-40B4-BE49-F238E27FC236}">
+                <a16:creationId xmlns:a16="http://schemas.microsoft.com/office/drawing/2014/main" id="{418DA9F0-0BAE-A5F7-42D4-27DC6C76F8BE}"/>
+              </a:ext>
+            </a:extLst>
+          </p:cNvPr>
+          <p:cNvSpPr txBox="1"/>
+          <p:nvPr/>
+        </p:nvSpPr>
+        <p:spPr>
+          <a:xfrm>
+            <a:off x="4593244" y="2972978"/>
+            <a:ext cx="832216" cy="307777"/>
+          </a:xfrm>
+          <a:prstGeom prst="rect">
+            <a:avLst/>
+          </a:prstGeom>
+          <a:noFill/>
+        </p:spPr>
+        <p:txBody>
+          <a:bodyPr wrap="none" rtlCol="0">
+            <a:spAutoFit/>
+          </a:bodyPr>
+          <a:lstStyle/>
+          <a:p>
+            <a:r>
+              <a:rPr lang="en-GB" sz="1400" b="1"/>
+              <a:t>Isolation</a:t>
+            </a:r>
+          </a:p>
+        </p:txBody>
+      </p:sp>
+      <p:sp>
+        <p:nvSpPr>
+          <p:cNvPr id="39" name="TextBox 38">
+            <a:extLst>
+              <a:ext uri="{FF2B5EF4-FFF2-40B4-BE49-F238E27FC236}">
+                <a16:creationId xmlns:a16="http://schemas.microsoft.com/office/drawing/2014/main" id="{9D0767B1-2FC6-D572-6F0B-DFC65821A6FF}"/>
+              </a:ext>
+            </a:extLst>
+          </p:cNvPr>
+          <p:cNvSpPr txBox="1"/>
+          <p:nvPr/>
+        </p:nvSpPr>
+        <p:spPr>
+          <a:xfrm>
+            <a:off x="10770729" y="2777545"/>
+            <a:ext cx="543739" cy="703526"/>
+          </a:xfrm>
+          <a:prstGeom prst="rect">
+            <a:avLst/>
+          </a:prstGeom>
+          <a:noFill/>
+        </p:spPr>
+        <p:txBody>
+          <a:bodyPr wrap="none" rtlCol="0">
+            <a:spAutoFit/>
+          </a:bodyPr>
+          <a:lstStyle/>
+          <a:p>
+            <a:pPr>
+              <a:lnSpc>
+                <a:spcPct val="150000"/>
+              </a:lnSpc>
+            </a:pPr>
+            <a:r>
+              <a:rPr lang="ko-KR" altLang="en-US" sz="1400" b="1"/>
+              <a:t>변화</a:t>
+            </a:r>
+            <a:endParaRPr lang="en-GB" altLang="ko-KR" sz="1400" b="1"/>
+          </a:p>
+          <a:p>
+            <a:pPr>
+              <a:lnSpc>
+                <a:spcPct val="150000"/>
+              </a:lnSpc>
+            </a:pPr>
+            <a:r>
+              <a:rPr lang="ko-KR" altLang="en-US" sz="1400" b="1"/>
+              <a:t>영향</a:t>
+            </a:r>
+            <a:endParaRPr lang="en-GB" sz="1400" b="1"/>
+          </a:p>
+        </p:txBody>
+      </p:sp>
+      <p:sp>
+        <p:nvSpPr>
+          <p:cNvPr id="40" name="TextBox 39">
+            <a:extLst>
+              <a:ext uri="{FF2B5EF4-FFF2-40B4-BE49-F238E27FC236}">
+                <a16:creationId xmlns:a16="http://schemas.microsoft.com/office/drawing/2014/main" id="{5A5E8864-C352-A571-D0A1-4935568A4AF8}"/>
+              </a:ext>
+            </a:extLst>
+          </p:cNvPr>
+          <p:cNvSpPr txBox="1"/>
+          <p:nvPr/>
+        </p:nvSpPr>
+        <p:spPr>
+          <a:xfrm>
+            <a:off x="877533" y="2772662"/>
+            <a:ext cx="543739" cy="703526"/>
+          </a:xfrm>
+          <a:prstGeom prst="rect">
+            <a:avLst/>
+          </a:prstGeom>
+          <a:noFill/>
+        </p:spPr>
+        <p:txBody>
+          <a:bodyPr wrap="none" rtlCol="0">
+            <a:spAutoFit/>
+          </a:bodyPr>
+          <a:lstStyle/>
+          <a:p>
+            <a:pPr>
+              <a:lnSpc>
+                <a:spcPct val="150000"/>
+              </a:lnSpc>
+            </a:pPr>
+            <a:r>
+              <a:rPr lang="ko-KR" altLang="en-US" sz="1400" b="1"/>
+              <a:t>변화</a:t>
+            </a:r>
+            <a:endParaRPr lang="en-GB" altLang="ko-KR" sz="1400" b="1"/>
+          </a:p>
+          <a:p>
+            <a:pPr>
+              <a:lnSpc>
+                <a:spcPct val="150000"/>
+              </a:lnSpc>
+            </a:pPr>
+            <a:r>
+              <a:rPr lang="ko-KR" altLang="en-US" sz="1400" b="1"/>
+              <a:t>영향</a:t>
+            </a:r>
+            <a:endParaRPr lang="en-GB" sz="1400" b="1"/>
+          </a:p>
+        </p:txBody>
+      </p:sp>
+      <p:sp>
+        <p:nvSpPr>
+          <p:cNvPr id="24" name="TextBox 23">
+            <a:extLst>
+              <a:ext uri="{FF2B5EF4-FFF2-40B4-BE49-F238E27FC236}">
+                <a16:creationId xmlns:a16="http://schemas.microsoft.com/office/drawing/2014/main" id="{EBA36885-F997-244C-69DD-9D99AF850960}"/>
+              </a:ext>
+            </a:extLst>
+          </p:cNvPr>
+          <p:cNvSpPr txBox="1"/>
+          <p:nvPr/>
+        </p:nvSpPr>
+        <p:spPr>
+          <a:xfrm>
+            <a:off x="5541899" y="1872129"/>
+            <a:ext cx="1122423" cy="523220"/>
+          </a:xfrm>
+          <a:prstGeom prst="rect">
+            <a:avLst/>
+          </a:prstGeom>
+          <a:noFill/>
+        </p:spPr>
+        <p:txBody>
+          <a:bodyPr wrap="none" rtlCol="0">
+            <a:spAutoFit/>
+          </a:bodyPr>
+          <a:lstStyle/>
+          <a:p>
+            <a:pPr algn="ctr"/>
+            <a:r>
+              <a:rPr lang="ko-KR" altLang="en-US" sz="1400" b="1">
+                <a:solidFill>
+                  <a:srgbClr val="0070C0"/>
+                </a:solidFill>
+              </a:rPr>
+              <a:t>유닛 테스트</a:t>
+            </a:r>
+            <a:endParaRPr lang="en-GB" altLang="ko-KR" sz="1400" b="1">
+              <a:solidFill>
+                <a:srgbClr val="0070C0"/>
+              </a:solidFill>
+            </a:endParaRPr>
+          </a:p>
+          <a:p>
+            <a:pPr algn="ctr"/>
+            <a:r>
+              <a:rPr lang="en-GB" sz="1400" b="1">
+                <a:solidFill>
+                  <a:srgbClr val="0070C0"/>
+                </a:solidFill>
+              </a:rPr>
+              <a:t>Unit Tests</a:t>
+            </a:r>
+          </a:p>
+        </p:txBody>
+      </p:sp>
+      <p:grpSp>
+        <p:nvGrpSpPr>
+          <p:cNvPr id="44" name="그룹 43">
+            <a:extLst>
+              <a:ext uri="{FF2B5EF4-FFF2-40B4-BE49-F238E27FC236}">
+                <a16:creationId xmlns:a16="http://schemas.microsoft.com/office/drawing/2014/main" id="{84F4FC7D-EFED-5117-C483-217745E8C602}"/>
+              </a:ext>
+            </a:extLst>
+          </p:cNvPr>
+          <p:cNvGrpSpPr/>
+          <p:nvPr/>
+        </p:nvGrpSpPr>
+        <p:grpSpPr>
+          <a:xfrm>
+            <a:off x="4238338" y="2094810"/>
+            <a:ext cx="3729546" cy="523220"/>
+            <a:chOff x="4360819" y="2267001"/>
+            <a:chExt cx="3470362" cy="2952271"/>
+          </a:xfrm>
+        </p:grpSpPr>
+        <p:cxnSp>
+          <p:nvCxnSpPr>
+            <p:cNvPr id="47" name="직선 연결선 46">
+              <a:extLst>
+                <a:ext uri="{FF2B5EF4-FFF2-40B4-BE49-F238E27FC236}">
+                  <a16:creationId xmlns:a16="http://schemas.microsoft.com/office/drawing/2014/main" id="{B4B9BFC8-EFC0-F0F0-CE49-DB2894FBAD23}"/>
+                </a:ext>
+              </a:extLst>
+            </p:cNvPr>
+            <p:cNvCxnSpPr>
+              <a:cxnSpLocks/>
+            </p:cNvCxnSpPr>
+            <p:nvPr/>
+          </p:nvCxnSpPr>
+          <p:spPr>
+            <a:xfrm>
+              <a:off x="4360819" y="2267001"/>
+              <a:ext cx="0" cy="2952271"/>
+            </a:xfrm>
+            <a:prstGeom prst="line">
+              <a:avLst/>
+            </a:prstGeom>
+            <a:ln w="57150">
+              <a:solidFill>
+                <a:srgbClr val="0070C0"/>
+              </a:solidFill>
+            </a:ln>
+          </p:spPr>
+          <p:style>
+            <a:lnRef idx="1">
+              <a:schemeClr val="accent1"/>
+            </a:lnRef>
+            <a:fillRef idx="0">
+              <a:schemeClr val="accent1"/>
+            </a:fillRef>
+            <a:effectRef idx="0">
+              <a:schemeClr val="accent1"/>
+            </a:effectRef>
+            <a:fontRef idx="minor">
+              <a:schemeClr val="tx1"/>
+            </a:fontRef>
+          </p:style>
+        </p:cxnSp>
+        <p:cxnSp>
+          <p:nvCxnSpPr>
+            <p:cNvPr id="48" name="직선 연결선 47">
+              <a:extLst>
+                <a:ext uri="{FF2B5EF4-FFF2-40B4-BE49-F238E27FC236}">
+                  <a16:creationId xmlns:a16="http://schemas.microsoft.com/office/drawing/2014/main" id="{3E612E54-BBF4-FB7A-A8AE-8192EA0579C1}"/>
+                </a:ext>
+              </a:extLst>
+            </p:cNvPr>
+            <p:cNvCxnSpPr>
+              <a:cxnSpLocks/>
+            </p:cNvCxnSpPr>
+            <p:nvPr/>
+          </p:nvCxnSpPr>
+          <p:spPr>
+            <a:xfrm>
+              <a:off x="7831181" y="2267001"/>
+              <a:ext cx="0" cy="2952271"/>
+            </a:xfrm>
+            <a:prstGeom prst="line">
+              <a:avLst/>
+            </a:prstGeom>
+            <a:ln w="57150">
+              <a:solidFill>
+                <a:srgbClr val="0070C0"/>
+              </a:solidFill>
+            </a:ln>
+          </p:spPr>
+          <p:style>
+            <a:lnRef idx="1">
+              <a:schemeClr val="accent1"/>
+            </a:lnRef>
+            <a:fillRef idx="0">
+              <a:schemeClr val="accent1"/>
+            </a:fillRef>
+            <a:effectRef idx="0">
+              <a:schemeClr val="accent1"/>
+            </a:effectRef>
+            <a:fontRef idx="minor">
+              <a:schemeClr val="tx1"/>
+            </a:fontRef>
+          </p:style>
+        </p:cxnSp>
+      </p:grpSp>
+      <p:cxnSp>
+        <p:nvCxnSpPr>
+          <p:cNvPr id="46" name="직선 화살표 연결선 45">
+            <a:extLst>
+              <a:ext uri="{FF2B5EF4-FFF2-40B4-BE49-F238E27FC236}">
+                <a16:creationId xmlns:a16="http://schemas.microsoft.com/office/drawing/2014/main" id="{AF42BDBF-F578-210F-B7D3-17B90B284FDC}"/>
+              </a:ext>
+            </a:extLst>
+          </p:cNvPr>
+          <p:cNvCxnSpPr>
+            <a:cxnSpLocks/>
+          </p:cNvCxnSpPr>
+          <p:nvPr/>
+        </p:nvCxnSpPr>
+        <p:spPr>
+          <a:xfrm>
+            <a:off x="4238338" y="2497140"/>
+            <a:ext cx="3729546" cy="0"/>
+          </a:xfrm>
+          <a:prstGeom prst="straightConnector1">
+            <a:avLst/>
+          </a:prstGeom>
+          <a:ln w="38100">
+            <a:solidFill>
+              <a:srgbClr val="0070C0"/>
+            </a:solidFill>
+            <a:headEnd type="triangle"/>
+            <a:tailEnd type="triangle"/>
+          </a:ln>
+        </p:spPr>
+        <p:style>
+          <a:lnRef idx="1">
+            <a:schemeClr val="accent1"/>
+          </a:lnRef>
+          <a:fillRef idx="0">
+            <a:schemeClr val="accent1"/>
+          </a:fillRef>
+          <a:effectRef idx="0">
+            <a:schemeClr val="accent1"/>
+          </a:effectRef>
+          <a:fontRef idx="minor">
+            <a:schemeClr val="tx1"/>
+          </a:fontRef>
+        </p:style>
+      </p:cxnSp>
+      <p:sp>
+        <p:nvSpPr>
+          <p:cNvPr id="54" name="TextBox 53">
+            <a:extLst>
+              <a:ext uri="{FF2B5EF4-FFF2-40B4-BE49-F238E27FC236}">
+                <a16:creationId xmlns:a16="http://schemas.microsoft.com/office/drawing/2014/main" id="{766E8A74-0248-A8D8-43D4-7DD8F90BB993}"/>
+              </a:ext>
+            </a:extLst>
+          </p:cNvPr>
+          <p:cNvSpPr txBox="1"/>
+          <p:nvPr/>
+        </p:nvSpPr>
+        <p:spPr>
+          <a:xfrm>
+            <a:off x="5322651" y="1487969"/>
+            <a:ext cx="1609993" cy="400110"/>
+          </a:xfrm>
+          <a:prstGeom prst="rect">
+            <a:avLst/>
+          </a:prstGeom>
+          <a:noFill/>
+        </p:spPr>
+        <p:txBody>
+          <a:bodyPr wrap="none" rtlCol="0">
+            <a:spAutoFit/>
+          </a:bodyPr>
+          <a:lstStyle/>
+          <a:p>
+            <a:r>
+              <a:rPr lang="en-GB" sz="2000" b="1">
+                <a:solidFill>
+                  <a:srgbClr val="0070C0"/>
+                </a:solidFill>
+              </a:rPr>
+              <a:t>Deterministic</a:t>
+            </a:r>
+          </a:p>
+        </p:txBody>
+      </p:sp>
+      <p:sp>
+        <p:nvSpPr>
+          <p:cNvPr id="56" name="TextBox 55">
+            <a:extLst>
+              <a:ext uri="{FF2B5EF4-FFF2-40B4-BE49-F238E27FC236}">
+                <a16:creationId xmlns:a16="http://schemas.microsoft.com/office/drawing/2014/main" id="{069C6558-CD0E-EB59-12CE-DD0B13E16779}"/>
+              </a:ext>
+            </a:extLst>
+          </p:cNvPr>
+          <p:cNvSpPr txBox="1"/>
+          <p:nvPr/>
+        </p:nvSpPr>
+        <p:spPr>
+          <a:xfrm>
+            <a:off x="1376959" y="2297085"/>
+            <a:ext cx="2108526" cy="400110"/>
+          </a:xfrm>
+          <a:prstGeom prst="rect">
+            <a:avLst/>
+          </a:prstGeom>
+          <a:noFill/>
+        </p:spPr>
+        <p:txBody>
+          <a:bodyPr wrap="none" rtlCol="0">
+            <a:spAutoFit/>
+          </a:bodyPr>
+          <a:lstStyle/>
+          <a:p>
+            <a:r>
+              <a:rPr lang="en-GB" sz="2000" b="1">
+                <a:solidFill>
+                  <a:srgbClr val="C00000"/>
+                </a:solidFill>
+              </a:rPr>
+              <a:t>Non-deterministic</a:t>
+            </a:r>
+          </a:p>
+        </p:txBody>
+      </p:sp>
+      <p:sp>
+        <p:nvSpPr>
+          <p:cNvPr id="59" name="TextBox 58">
+            <a:extLst>
+              <a:ext uri="{FF2B5EF4-FFF2-40B4-BE49-F238E27FC236}">
+                <a16:creationId xmlns:a16="http://schemas.microsoft.com/office/drawing/2014/main" id="{98F98ACC-D581-C732-675E-6926A15D2AFA}"/>
+              </a:ext>
+            </a:extLst>
+          </p:cNvPr>
+          <p:cNvSpPr txBox="1"/>
+          <p:nvPr/>
+        </p:nvSpPr>
+        <p:spPr>
+          <a:xfrm>
+            <a:off x="8595076" y="2297085"/>
+            <a:ext cx="2108526" cy="400110"/>
+          </a:xfrm>
+          <a:prstGeom prst="rect">
+            <a:avLst/>
+          </a:prstGeom>
+          <a:noFill/>
+        </p:spPr>
+        <p:txBody>
+          <a:bodyPr wrap="none" rtlCol="0">
+            <a:spAutoFit/>
+          </a:bodyPr>
+          <a:lstStyle/>
+          <a:p>
+            <a:r>
+              <a:rPr lang="en-GB" sz="2000" b="1">
+                <a:solidFill>
+                  <a:srgbClr val="C00000"/>
+                </a:solidFill>
+              </a:rPr>
+              <a:t>Non-deterministic</a:t>
+            </a:r>
+          </a:p>
+        </p:txBody>
+      </p:sp>
+      <p:grpSp>
+        <p:nvGrpSpPr>
+          <p:cNvPr id="72" name="그룹 71">
+            <a:extLst>
+              <a:ext uri="{FF2B5EF4-FFF2-40B4-BE49-F238E27FC236}">
+                <a16:creationId xmlns:a16="http://schemas.microsoft.com/office/drawing/2014/main" id="{7F31F549-C7D2-1AA7-F572-0C3E51935E50}"/>
+              </a:ext>
+            </a:extLst>
+          </p:cNvPr>
+          <p:cNvGrpSpPr/>
+          <p:nvPr/>
+        </p:nvGrpSpPr>
+        <p:grpSpPr>
+          <a:xfrm>
+            <a:off x="1161804" y="1001645"/>
+            <a:ext cx="9868391" cy="523220"/>
+            <a:chOff x="1356295" y="305810"/>
+            <a:chExt cx="9154290" cy="523220"/>
+          </a:xfrm>
+        </p:grpSpPr>
+        <p:cxnSp>
+          <p:nvCxnSpPr>
+            <p:cNvPr id="63" name="직선 연결선 62">
+              <a:extLst>
+                <a:ext uri="{FF2B5EF4-FFF2-40B4-BE49-F238E27FC236}">
+                  <a16:creationId xmlns:a16="http://schemas.microsoft.com/office/drawing/2014/main" id="{4CD4544D-FD38-38E8-5323-73544998C0A9}"/>
+                </a:ext>
+              </a:extLst>
+            </p:cNvPr>
+            <p:cNvCxnSpPr>
+              <a:cxnSpLocks/>
+            </p:cNvCxnSpPr>
+            <p:nvPr/>
+          </p:nvCxnSpPr>
+          <p:spPr>
+            <a:xfrm>
+              <a:off x="1356295" y="305810"/>
+              <a:ext cx="0" cy="523220"/>
+            </a:xfrm>
+            <a:prstGeom prst="line">
+              <a:avLst/>
+            </a:prstGeom>
+            <a:ln w="57150">
+              <a:solidFill>
+                <a:schemeClr val="accent1"/>
+              </a:solidFill>
+            </a:ln>
+          </p:spPr>
+          <p:style>
+            <a:lnRef idx="1">
+              <a:schemeClr val="accent1"/>
+            </a:lnRef>
+            <a:fillRef idx="0">
+              <a:schemeClr val="accent1"/>
+            </a:fillRef>
+            <a:effectRef idx="0">
+              <a:schemeClr val="accent1"/>
+            </a:effectRef>
+            <a:fontRef idx="minor">
+              <a:schemeClr val="tx1"/>
+            </a:fontRef>
+          </p:style>
+        </p:cxnSp>
+        <p:cxnSp>
+          <p:nvCxnSpPr>
+            <p:cNvPr id="69" name="직선 연결선 68">
+              <a:extLst>
+                <a:ext uri="{FF2B5EF4-FFF2-40B4-BE49-F238E27FC236}">
+                  <a16:creationId xmlns:a16="http://schemas.microsoft.com/office/drawing/2014/main" id="{A4EC144D-D95A-3BC4-EFFA-E25A7BE3B000}"/>
+                </a:ext>
+              </a:extLst>
+            </p:cNvPr>
+            <p:cNvCxnSpPr>
+              <a:cxnSpLocks/>
+            </p:cNvCxnSpPr>
+            <p:nvPr/>
+          </p:nvCxnSpPr>
+          <p:spPr>
+            <a:xfrm>
+              <a:off x="10510585" y="305810"/>
+              <a:ext cx="0" cy="523220"/>
+            </a:xfrm>
+            <a:prstGeom prst="line">
+              <a:avLst/>
+            </a:prstGeom>
+            <a:ln w="57150">
+              <a:solidFill>
+                <a:schemeClr val="accent1"/>
+              </a:solidFill>
+            </a:ln>
+          </p:spPr>
+          <p:style>
+            <a:lnRef idx="1">
+              <a:schemeClr val="accent1"/>
+            </a:lnRef>
+            <a:fillRef idx="0">
+              <a:schemeClr val="accent1"/>
+            </a:fillRef>
+            <a:effectRef idx="0">
+              <a:schemeClr val="accent1"/>
+            </a:effectRef>
+            <a:fontRef idx="minor">
+              <a:schemeClr val="tx1"/>
+            </a:fontRef>
+          </p:style>
+        </p:cxnSp>
+        <p:cxnSp>
+          <p:nvCxnSpPr>
+            <p:cNvPr id="70" name="직선 화살표 연결선 69">
+              <a:extLst>
+                <a:ext uri="{FF2B5EF4-FFF2-40B4-BE49-F238E27FC236}">
+                  <a16:creationId xmlns:a16="http://schemas.microsoft.com/office/drawing/2014/main" id="{B14BB165-E380-B776-2002-BA226E34135D}"/>
+                </a:ext>
+              </a:extLst>
+            </p:cNvPr>
+            <p:cNvCxnSpPr>
+              <a:cxnSpLocks/>
+            </p:cNvCxnSpPr>
+            <p:nvPr/>
+          </p:nvCxnSpPr>
+          <p:spPr>
+            <a:xfrm>
+              <a:off x="1356295" y="644094"/>
+              <a:ext cx="9154290" cy="0"/>
+            </a:xfrm>
+            <a:prstGeom prst="straightConnector1">
+              <a:avLst/>
+            </a:prstGeom>
+            <a:ln w="38100">
+              <a:solidFill>
+                <a:schemeClr val="accent1"/>
+              </a:solidFill>
+              <a:headEnd type="triangle"/>
+              <a:tailEnd type="triangle"/>
+            </a:ln>
+          </p:spPr>
+          <p:style>
+            <a:lnRef idx="1">
+              <a:schemeClr val="accent1"/>
+            </a:lnRef>
+            <a:fillRef idx="0">
+              <a:schemeClr val="accent1"/>
+            </a:fillRef>
+            <a:effectRef idx="0">
+              <a:schemeClr val="accent1"/>
+            </a:effectRef>
+            <a:fontRef idx="minor">
+              <a:schemeClr val="tx1"/>
+            </a:fontRef>
+          </p:style>
+        </p:cxnSp>
+      </p:grpSp>
+      <p:sp>
+        <p:nvSpPr>
+          <p:cNvPr id="62" name="TextBox 61">
+            <a:extLst>
+              <a:ext uri="{FF2B5EF4-FFF2-40B4-BE49-F238E27FC236}">
+                <a16:creationId xmlns:a16="http://schemas.microsoft.com/office/drawing/2014/main" id="{1A19D4B4-12DC-86A5-EF02-AEF3D2FBC53C}"/>
+              </a:ext>
+            </a:extLst>
+          </p:cNvPr>
+          <p:cNvSpPr txBox="1"/>
+          <p:nvPr/>
+        </p:nvSpPr>
+        <p:spPr>
+          <a:xfrm>
+            <a:off x="5323600" y="677364"/>
+            <a:ext cx="1416029" cy="523220"/>
+          </a:xfrm>
+          <a:prstGeom prst="rect">
+            <a:avLst/>
+          </a:prstGeom>
+          <a:noFill/>
+        </p:spPr>
+        <p:txBody>
+          <a:bodyPr wrap="none" rtlCol="0">
+            <a:spAutoFit/>
+          </a:bodyPr>
+          <a:lstStyle/>
+          <a:p>
+            <a:pPr algn="ctr"/>
+            <a:r>
+              <a:rPr lang="ko-KR" altLang="en-US" sz="1400" b="1">
+                <a:solidFill>
+                  <a:srgbClr val="0070C0"/>
+                </a:solidFill>
+              </a:rPr>
+              <a:t>통합 테스트</a:t>
+            </a:r>
+            <a:endParaRPr lang="en-GB" altLang="ko-KR" sz="1400" b="1">
+              <a:solidFill>
+                <a:srgbClr val="0070C0"/>
+              </a:solidFill>
+            </a:endParaRPr>
+          </a:p>
+          <a:p>
+            <a:pPr algn="ctr"/>
+            <a:r>
+              <a:rPr lang="en-GB" sz="1400" b="1">
+                <a:solidFill>
+                  <a:srgbClr val="0070C0"/>
+                </a:solidFill>
+              </a:rPr>
+              <a:t>Integration Tests</a:t>
+            </a:r>
+          </a:p>
+        </p:txBody>
+      </p:sp>
+      <p:sp>
+        <p:nvSpPr>
+          <p:cNvPr id="71" name="TextBox 70">
+            <a:extLst>
+              <a:ext uri="{FF2B5EF4-FFF2-40B4-BE49-F238E27FC236}">
+                <a16:creationId xmlns:a16="http://schemas.microsoft.com/office/drawing/2014/main" id="{EAE6568A-BB1E-0E74-D132-FEB03338E695}"/>
+              </a:ext>
+            </a:extLst>
+          </p:cNvPr>
+          <p:cNvSpPr txBox="1"/>
+          <p:nvPr/>
+        </p:nvSpPr>
+        <p:spPr>
+          <a:xfrm>
+            <a:off x="5160092" y="289685"/>
+            <a:ext cx="1609993" cy="400110"/>
+          </a:xfrm>
+          <a:prstGeom prst="rect">
+            <a:avLst/>
+          </a:prstGeom>
+          <a:noFill/>
+        </p:spPr>
+        <p:txBody>
+          <a:bodyPr wrap="none" rtlCol="0">
+            <a:spAutoFit/>
+          </a:bodyPr>
+          <a:lstStyle/>
+          <a:p>
+            <a:r>
+              <a:rPr lang="en-GB" sz="2000" b="1">
+                <a:solidFill>
+                  <a:srgbClr val="0070C0"/>
+                </a:solidFill>
+              </a:rPr>
+              <a:t>Deterministic</a:t>
+            </a:r>
+          </a:p>
+        </p:txBody>
+      </p:sp>
+      <p:grpSp>
+        <p:nvGrpSpPr>
+          <p:cNvPr id="84" name="그룹 83">
+            <a:extLst>
+              <a:ext uri="{FF2B5EF4-FFF2-40B4-BE49-F238E27FC236}">
+                <a16:creationId xmlns:a16="http://schemas.microsoft.com/office/drawing/2014/main" id="{930C1127-4AFC-BAA2-A45E-B15FAE01F918}"/>
+              </a:ext>
+            </a:extLst>
+          </p:cNvPr>
+          <p:cNvGrpSpPr/>
+          <p:nvPr/>
+        </p:nvGrpSpPr>
+        <p:grpSpPr>
+          <a:xfrm>
+            <a:off x="5118844" y="5723260"/>
+            <a:ext cx="1968533" cy="759761"/>
+            <a:chOff x="5087196" y="3822326"/>
+            <a:chExt cx="1968533" cy="759761"/>
+          </a:xfrm>
+        </p:grpSpPr>
+        <p:grpSp>
+          <p:nvGrpSpPr>
+            <p:cNvPr id="85" name="그룹 84">
+              <a:extLst>
+                <a:ext uri="{FF2B5EF4-FFF2-40B4-BE49-F238E27FC236}">
+                  <a16:creationId xmlns:a16="http://schemas.microsoft.com/office/drawing/2014/main" id="{D80F6AF9-2302-7EE7-ADC2-D3E27FAFDB8D}"/>
+                </a:ext>
+              </a:extLst>
+            </p:cNvPr>
+            <p:cNvGrpSpPr/>
+            <p:nvPr/>
+          </p:nvGrpSpPr>
+          <p:grpSpPr>
+            <a:xfrm>
+              <a:off x="5393841" y="3899618"/>
+              <a:ext cx="1355243" cy="605177"/>
+              <a:chOff x="5393841" y="3938546"/>
+              <a:chExt cx="1355243" cy="605177"/>
+            </a:xfrm>
+          </p:grpSpPr>
+          <p:sp>
+            <p:nvSpPr>
+              <p:cNvPr id="87" name="TextBox 86">
+                <a:extLst>
+                  <a:ext uri="{FF2B5EF4-FFF2-40B4-BE49-F238E27FC236}">
+                    <a16:creationId xmlns:a16="http://schemas.microsoft.com/office/drawing/2014/main" id="{F6F752E4-0540-FF9A-2074-2CC33B0F892D}"/>
+                  </a:ext>
+                </a:extLst>
+              </p:cNvPr>
+              <p:cNvSpPr txBox="1"/>
+              <p:nvPr/>
+            </p:nvSpPr>
+            <p:spPr>
+              <a:xfrm>
+                <a:off x="5393841" y="3938546"/>
+                <a:ext cx="1355243" cy="338554"/>
+              </a:xfrm>
+              <a:prstGeom prst="rect">
+                <a:avLst/>
+              </a:prstGeom>
+              <a:noFill/>
+            </p:spPr>
+            <p:txBody>
+              <a:bodyPr wrap="none" rtlCol="0">
+                <a:spAutoFit/>
+              </a:bodyPr>
+              <a:lstStyle/>
+              <a:p>
+                <a:r>
+                  <a:rPr lang="en-GB" sz="1600" b="1">
+                    <a:solidFill>
+                      <a:srgbClr val="0070C0"/>
+                    </a:solidFill>
+                  </a:rPr>
+                  <a:t>Domain Layer</a:t>
+                </a:r>
+              </a:p>
+            </p:txBody>
+          </p:sp>
+          <p:sp>
+            <p:nvSpPr>
+              <p:cNvPr id="88" name="TextBox 87">
+                <a:extLst>
+                  <a:ext uri="{FF2B5EF4-FFF2-40B4-BE49-F238E27FC236}">
+                    <a16:creationId xmlns:a16="http://schemas.microsoft.com/office/drawing/2014/main" id="{CC013D23-371D-E13D-E7E0-F034F6F58091}"/>
+                  </a:ext>
+                </a:extLst>
+              </p:cNvPr>
+              <p:cNvSpPr txBox="1"/>
+              <p:nvPr/>
+            </p:nvSpPr>
+            <p:spPr>
+              <a:xfrm>
+                <a:off x="5693795" y="4266724"/>
+                <a:ext cx="755335" cy="276999"/>
+              </a:xfrm>
+              <a:prstGeom prst="rect">
+                <a:avLst/>
+              </a:prstGeom>
+              <a:noFill/>
+            </p:spPr>
+            <p:txBody>
+              <a:bodyPr wrap="none" rtlCol="0">
+                <a:spAutoFit/>
+              </a:bodyPr>
+              <a:lstStyle/>
+              <a:p>
+                <a:r>
+                  <a:rPr lang="en-GB" sz="1200" b="1">
+                    <a:solidFill>
+                      <a:srgbClr val="0070C0"/>
+                    </a:solidFill>
+                  </a:rPr>
+                  <a:t>Biz. </a:t>
+                </a:r>
+                <a:r>
+                  <a:rPr lang="ko-KR" altLang="en-US" sz="1200" b="1">
+                    <a:solidFill>
+                      <a:srgbClr val="0070C0"/>
+                    </a:solidFill>
+                  </a:rPr>
+                  <a:t>단위</a:t>
+                </a:r>
+                <a:endParaRPr lang="en-GB" sz="1200" b="1">
+                  <a:solidFill>
+                    <a:srgbClr val="0070C0"/>
+                  </a:solidFill>
+                </a:endParaRPr>
+              </a:p>
+            </p:txBody>
+          </p:sp>
+        </p:grpSp>
+        <p:sp>
+          <p:nvSpPr>
+            <p:cNvPr id="86" name="직사각형 85">
+              <a:extLst>
+                <a:ext uri="{FF2B5EF4-FFF2-40B4-BE49-F238E27FC236}">
+                  <a16:creationId xmlns:a16="http://schemas.microsoft.com/office/drawing/2014/main" id="{B4FD1739-6C29-E3F7-48EC-3C27ABE3D8DB}"/>
+                </a:ext>
+              </a:extLst>
+            </p:cNvPr>
+            <p:cNvSpPr/>
+            <p:nvPr/>
+          </p:nvSpPr>
+          <p:spPr>
+            <a:xfrm>
+              <a:off x="5087196" y="3822326"/>
+              <a:ext cx="1968533" cy="759761"/>
+            </a:xfrm>
+            <a:prstGeom prst="rect">
+              <a:avLst/>
+            </a:prstGeom>
+            <a:noFill/>
+            <a:ln>
+              <a:solidFill>
+                <a:srgbClr val="0070C0"/>
+              </a:solidFill>
+            </a:ln>
+          </p:spPr>
+          <p:style>
+            <a:lnRef idx="2">
+              <a:schemeClr val="accent1">
+                <a:shade val="15000"/>
+              </a:schemeClr>
+            </a:lnRef>
+            <a:fillRef idx="1">
+              <a:schemeClr val="accent1"/>
+            </a:fillRef>
+            <a:effectRef idx="0">
+              <a:schemeClr val="accent1"/>
+            </a:effectRef>
+            <a:fontRef idx="minor">
+              <a:schemeClr val="lt1"/>
+            </a:fontRef>
+          </p:style>
+          <p:txBody>
+            <a:bodyPr rtlCol="0" anchor="ctr"/>
+            <a:lstStyle/>
+            <a:p>
+              <a:pPr algn="ctr"/>
+              <a:endParaRPr lang="en-GB"/>
+            </a:p>
+          </p:txBody>
+        </p:sp>
+      </p:grpSp>
+      <p:grpSp>
+        <p:nvGrpSpPr>
+          <p:cNvPr id="91" name="그룹 90">
+            <a:extLst>
+              <a:ext uri="{FF2B5EF4-FFF2-40B4-BE49-F238E27FC236}">
+                <a16:creationId xmlns:a16="http://schemas.microsoft.com/office/drawing/2014/main" id="{D6453CBA-1C52-4965-E2FF-0A58055A3BA2}"/>
+              </a:ext>
+            </a:extLst>
+          </p:cNvPr>
+          <p:cNvGrpSpPr/>
+          <p:nvPr/>
+        </p:nvGrpSpPr>
+        <p:grpSpPr>
+          <a:xfrm>
+            <a:off x="8665073" y="5257425"/>
+            <a:ext cx="1968533" cy="759761"/>
+            <a:chOff x="8633425" y="3822326"/>
+            <a:chExt cx="1968533" cy="759761"/>
+          </a:xfrm>
+        </p:grpSpPr>
+        <p:sp>
+          <p:nvSpPr>
+            <p:cNvPr id="92" name="직사각형 91">
+              <a:extLst>
+                <a:ext uri="{FF2B5EF4-FFF2-40B4-BE49-F238E27FC236}">
+                  <a16:creationId xmlns:a16="http://schemas.microsoft.com/office/drawing/2014/main" id="{B0023A4E-B766-AEE6-DB86-FBA507E723B2}"/>
+                </a:ext>
+              </a:extLst>
+            </p:cNvPr>
+            <p:cNvSpPr/>
+            <p:nvPr/>
+          </p:nvSpPr>
+          <p:spPr>
+            <a:xfrm>
+              <a:off x="8633425" y="3822326"/>
+              <a:ext cx="1968533" cy="759761"/>
+            </a:xfrm>
+            <a:prstGeom prst="rect">
+              <a:avLst/>
+            </a:prstGeom>
+            <a:noFill/>
+            <a:ln>
+              <a:solidFill>
+                <a:srgbClr val="C00000"/>
+              </a:solidFill>
+              <a:prstDash val="dash"/>
+            </a:ln>
+          </p:spPr>
+          <p:style>
+            <a:lnRef idx="2">
+              <a:schemeClr val="accent1">
+                <a:shade val="15000"/>
+              </a:schemeClr>
+            </a:lnRef>
+            <a:fillRef idx="1">
+              <a:schemeClr val="accent1"/>
+            </a:fillRef>
+            <a:effectRef idx="0">
+              <a:schemeClr val="accent1"/>
+            </a:effectRef>
+            <a:fontRef idx="minor">
+              <a:schemeClr val="lt1"/>
+            </a:fontRef>
+          </p:style>
+          <p:txBody>
+            <a:bodyPr rtlCol="0" anchor="ctr"/>
+            <a:lstStyle/>
+            <a:p>
+              <a:pPr algn="ctr"/>
+              <a:endParaRPr lang="en-GB"/>
+            </a:p>
+          </p:txBody>
+        </p:sp>
+        <p:grpSp>
+          <p:nvGrpSpPr>
+            <p:cNvPr id="93" name="그룹 92">
+              <a:extLst>
+                <a:ext uri="{FF2B5EF4-FFF2-40B4-BE49-F238E27FC236}">
+                  <a16:creationId xmlns:a16="http://schemas.microsoft.com/office/drawing/2014/main" id="{9575183E-02B1-05A4-A490-8B468E39A9D3}"/>
+                </a:ext>
+              </a:extLst>
+            </p:cNvPr>
+            <p:cNvGrpSpPr/>
+            <p:nvPr/>
+          </p:nvGrpSpPr>
+          <p:grpSpPr>
+            <a:xfrm>
+              <a:off x="8928913" y="3899618"/>
+              <a:ext cx="1377557" cy="605177"/>
+              <a:chOff x="8928913" y="3938546"/>
+              <a:chExt cx="1377557" cy="605177"/>
+            </a:xfrm>
+          </p:grpSpPr>
+          <p:sp>
+            <p:nvSpPr>
+              <p:cNvPr id="94" name="TextBox 93">
+                <a:extLst>
+                  <a:ext uri="{FF2B5EF4-FFF2-40B4-BE49-F238E27FC236}">
+                    <a16:creationId xmlns:a16="http://schemas.microsoft.com/office/drawing/2014/main" id="{EDB01EFC-1A3C-7354-C8A0-B0B8C5866B29}"/>
+                  </a:ext>
+                </a:extLst>
+              </p:cNvPr>
+              <p:cNvSpPr txBox="1"/>
+              <p:nvPr/>
+            </p:nvSpPr>
+            <p:spPr>
+              <a:xfrm>
+                <a:off x="8928913" y="3938546"/>
+                <a:ext cx="1377557" cy="338554"/>
+              </a:xfrm>
+              <a:prstGeom prst="rect">
+                <a:avLst/>
+              </a:prstGeom>
+              <a:noFill/>
+            </p:spPr>
+            <p:txBody>
+              <a:bodyPr wrap="none" rtlCol="0">
+                <a:spAutoFit/>
+              </a:bodyPr>
+              <a:lstStyle/>
+              <a:p>
+                <a:r>
+                  <a:rPr lang="en-GB" sz="1600" b="1">
+                    <a:solidFill>
+                      <a:srgbClr val="C00000"/>
+                    </a:solidFill>
+                  </a:rPr>
+                  <a:t>Adapter Layer</a:t>
+                </a:r>
+              </a:p>
+            </p:txBody>
+          </p:sp>
+          <p:sp>
+            <p:nvSpPr>
+              <p:cNvPr id="95" name="TextBox 94">
+                <a:extLst>
+                  <a:ext uri="{FF2B5EF4-FFF2-40B4-BE49-F238E27FC236}">
+                    <a16:creationId xmlns:a16="http://schemas.microsoft.com/office/drawing/2014/main" id="{6429AB91-AC44-9C82-569D-560B8E5FCF3E}"/>
+                  </a:ext>
+                </a:extLst>
+              </p:cNvPr>
+              <p:cNvSpPr txBox="1"/>
+              <p:nvPr/>
+            </p:nvSpPr>
+            <p:spPr>
+              <a:xfrm>
+                <a:off x="9360473" y="4266724"/>
+                <a:ext cx="514436" cy="276999"/>
+              </a:xfrm>
+              <a:prstGeom prst="rect">
+                <a:avLst/>
+              </a:prstGeom>
+              <a:noFill/>
+            </p:spPr>
+            <p:txBody>
+              <a:bodyPr wrap="none" rtlCol="0">
+                <a:spAutoFit/>
+              </a:bodyPr>
+              <a:lstStyle/>
+              <a:p>
+                <a:r>
+                  <a:rPr lang="en-GB" sz="1200" b="1">
+                    <a:solidFill>
+                      <a:srgbClr val="C00000"/>
+                    </a:solidFill>
+                  </a:rPr>
+                  <a:t>Tech.</a:t>
+                </a:r>
+              </a:p>
+            </p:txBody>
+          </p:sp>
+        </p:grpSp>
+      </p:grpSp>
+    </p:spTree>
+    <p:extLst>
+      <p:ext uri="{BB962C8B-B14F-4D97-AF65-F5344CB8AC3E}">
+        <p14:creationId xmlns:p14="http://schemas.microsoft.com/office/powerpoint/2010/main" val="3679078584"/>
+      </p:ext>
+    </p:extLst>
+  </p:cSld>
+  <p:clrMapOvr>
+    <a:masterClrMapping/>
+  </p:clrMapOvr>
+</p:sld>
+</file>
+
+<file path=ppt/slides/slide14.xml><?xml version="1.0" encoding="utf-8"?>
+<p:sld xmlns:a="http://schemas.openxmlformats.org/drawingml/2006/main" xmlns:r="http://schemas.openxmlformats.org/officeDocument/2006/relationships" xmlns:p="http://schemas.openxmlformats.org/presentationml/2006/main">
+  <p:cSld>
+    <p:spTree>
+      <p:nvGrpSpPr>
+        <p:cNvPr id="1" name="">
+          <a:extLst>
+            <a:ext uri="{FF2B5EF4-FFF2-40B4-BE49-F238E27FC236}">
               <a16:creationId xmlns:a16="http://schemas.microsoft.com/office/drawing/2014/main" id="{9618BA75-08E1-14FB-4925-D762EF759E25}"/>
             </a:ext>
           </a:extLst>
@@ -9841,7 +15386,7 @@
 </p:sld>
 </file>
 
-<file path=ppt/slides/slide13.xml><?xml version="1.0" encoding="utf-8"?>
+<file path=ppt/slides/slide15.xml><?xml version="1.0" encoding="utf-8"?>
 <p:sld xmlns:a="http://schemas.openxmlformats.org/drawingml/2006/main" xmlns:r="http://schemas.openxmlformats.org/officeDocument/2006/relationships" xmlns:p="http://schemas.openxmlformats.org/presentationml/2006/main">
   <p:cSld>
     <p:spTree>
@@ -11760,7 +17305,7 @@
 </p:sld>
 </file>
 
-<file path=ppt/slides/slide14.xml><?xml version="1.0" encoding="utf-8"?>
+<file path=ppt/slides/slide16.xml><?xml version="1.0" encoding="utf-8"?>
 <p:sld xmlns:a="http://schemas.openxmlformats.org/drawingml/2006/main" xmlns:r="http://schemas.openxmlformats.org/officeDocument/2006/relationships" xmlns:p="http://schemas.openxmlformats.org/presentationml/2006/main">
   <p:cSld>
     <p:spTree>
@@ -12794,7 +18339,7 @@
 </p:sld>
 </file>
 
-<file path=ppt/slides/slide15.xml><?xml version="1.0" encoding="utf-8"?>
+<file path=ppt/slides/slide17.xml><?xml version="1.0" encoding="utf-8"?>
 <p:sld xmlns:a="http://schemas.openxmlformats.org/drawingml/2006/main" xmlns:r="http://schemas.openxmlformats.org/officeDocument/2006/relationships" xmlns:p="http://schemas.openxmlformats.org/presentationml/2006/main">
   <p:cSld>
     <p:spTree>
@@ -14199,7 +19744,7 @@
 </p:sld>
 </file>
 
-<file path=ppt/slides/slide16.xml><?xml version="1.0" encoding="utf-8"?>
+<file path=ppt/slides/slide18.xml><?xml version="1.0" encoding="utf-8"?>
 <p:sld xmlns:a="http://schemas.openxmlformats.org/drawingml/2006/main" xmlns:r="http://schemas.openxmlformats.org/officeDocument/2006/relationships" xmlns:p="http://schemas.openxmlformats.org/presentationml/2006/main">
   <p:cSld>
     <p:spTree>

--- a/README.pptx
+++ b/README.pptx
@@ -12684,7 +12684,7 @@
         </p:nvSpPr>
         <p:spPr>
           <a:xfrm>
-            <a:off x="5322651" y="1487969"/>
+            <a:off x="5298114" y="1487969"/>
             <a:ext cx="1609993" cy="400110"/>
           </a:xfrm>
           <a:prstGeom prst="rect">
@@ -12953,7 +12953,7 @@
         </p:nvSpPr>
         <p:spPr>
           <a:xfrm>
-            <a:off x="5323600" y="677364"/>
+            <a:off x="5395096" y="677364"/>
             <a:ext cx="1416029" cy="523220"/>
           </a:xfrm>
           <a:prstGeom prst="rect">
@@ -13009,7 +13009,7 @@
         </p:nvSpPr>
         <p:spPr>
           <a:xfrm>
-            <a:off x="5160092" y="289685"/>
+            <a:off x="5298114" y="289685"/>
             <a:ext cx="1609993" cy="400110"/>
           </a:xfrm>
           <a:prstGeom prst="rect">

--- a/README.pptx
+++ b/README.pptx
@@ -5,7 +5,7 @@
     <p:sldMasterId id="2147483648" r:id="rId1"/>
   </p:sldMasterIdLst>
   <p:notesMasterIdLst>
-    <p:notesMasterId r:id="rId28"/>
+    <p:notesMasterId r:id="rId29"/>
   </p:notesMasterIdLst>
   <p:sldIdLst>
     <p:sldId id="256" r:id="rId2"/>
@@ -21,19 +21,20 @@
     <p:sldId id="488" r:id="rId12"/>
     <p:sldId id="496" r:id="rId13"/>
     <p:sldId id="497" r:id="rId14"/>
-    <p:sldId id="498" r:id="rId15"/>
-    <p:sldId id="478" r:id="rId16"/>
-    <p:sldId id="476" r:id="rId17"/>
-    <p:sldId id="474" r:id="rId18"/>
-    <p:sldId id="477" r:id="rId19"/>
-    <p:sldId id="493" r:id="rId20"/>
-    <p:sldId id="494" r:id="rId21"/>
-    <p:sldId id="495" r:id="rId22"/>
-    <p:sldId id="471" r:id="rId23"/>
-    <p:sldId id="491" r:id="rId24"/>
-    <p:sldId id="501" r:id="rId25"/>
-    <p:sldId id="499" r:id="rId26"/>
-    <p:sldId id="475" r:id="rId27"/>
+    <p:sldId id="502" r:id="rId15"/>
+    <p:sldId id="498" r:id="rId16"/>
+    <p:sldId id="478" r:id="rId17"/>
+    <p:sldId id="476" r:id="rId18"/>
+    <p:sldId id="474" r:id="rId19"/>
+    <p:sldId id="477" r:id="rId20"/>
+    <p:sldId id="493" r:id="rId21"/>
+    <p:sldId id="494" r:id="rId22"/>
+    <p:sldId id="495" r:id="rId23"/>
+    <p:sldId id="471" r:id="rId24"/>
+    <p:sldId id="491" r:id="rId25"/>
+    <p:sldId id="501" r:id="rId26"/>
+    <p:sldId id="499" r:id="rId27"/>
+    <p:sldId id="475" r:id="rId28"/>
   </p:sldIdLst>
   <p:sldSz cx="12192000" cy="6858000"/>
   <p:notesSz cx="6858000" cy="9144000"/>
@@ -150,6 +151,7 @@
             <p14:sldId id="488"/>
             <p14:sldId id="496"/>
             <p14:sldId id="497"/>
+            <p14:sldId id="502"/>
           </p14:sldIdLst>
         </p14:section>
         <p14:section name="백업" id="{DF57283A-6A0D-4BDC-9D6D-D4922FAF628A}">
@@ -264,7 +266,7 @@
           <a:p>
             <a:fld id="{FCD79106-3FF3-4A4E-8823-1F6666CB5710}" type="datetimeFigureOut">
               <a:rPr lang="en-GB" smtClean="0"/>
-              <a:t>29/10/2024</a:t>
+              <a:t>31/10/2024</a:t>
             </a:fld>
             <a:endParaRPr lang="en-GB"/>
           </a:p>
@@ -681,7 +683,7 @@
           <a:p>
             <a:fld id="{1DF5A12A-26A2-4E24-9FC7-9E664B7E9A6F}" type="datetime1">
               <a:rPr lang="en-GB" smtClean="0"/>
-              <a:t>29/10/2024</a:t>
+              <a:t>31/10/2024</a:t>
             </a:fld>
             <a:endParaRPr lang="en-GB"/>
           </a:p>
@@ -881,7 +883,7 @@
           <a:p>
             <a:fld id="{CD959BCF-454B-4A7F-9166-1E5F3F64FBE6}" type="datetime1">
               <a:rPr lang="en-GB" smtClean="0"/>
-              <a:t>29/10/2024</a:t>
+              <a:t>31/10/2024</a:t>
             </a:fld>
             <a:endParaRPr lang="en-GB"/>
           </a:p>
@@ -1091,7 +1093,7 @@
           <a:p>
             <a:fld id="{E367124E-598A-4501-AF73-2206C8C14947}" type="datetime1">
               <a:rPr lang="en-GB" smtClean="0"/>
-              <a:t>29/10/2024</a:t>
+              <a:t>31/10/2024</a:t>
             </a:fld>
             <a:endParaRPr lang="en-GB"/>
           </a:p>
@@ -1291,7 +1293,7 @@
           <a:p>
             <a:fld id="{399D505F-7CD7-4DDA-8F81-3FF9C586E9C2}" type="datetime1">
               <a:rPr lang="en-GB" smtClean="0"/>
-              <a:t>29/10/2024</a:t>
+              <a:t>31/10/2024</a:t>
             </a:fld>
             <a:endParaRPr lang="en-GB"/>
           </a:p>
@@ -1567,7 +1569,7 @@
           <a:p>
             <a:fld id="{A2E4D1AA-7BEB-4479-BFF2-1D5C6FD00EDD}" type="datetime1">
               <a:rPr lang="en-GB" smtClean="0"/>
-              <a:t>29/10/2024</a:t>
+              <a:t>31/10/2024</a:t>
             </a:fld>
             <a:endParaRPr lang="en-GB"/>
           </a:p>
@@ -1835,7 +1837,7 @@
           <a:p>
             <a:fld id="{50F67719-83FC-48B9-A419-9636BC5FA1CE}" type="datetime1">
               <a:rPr lang="en-GB" smtClean="0"/>
-              <a:t>29/10/2024</a:t>
+              <a:t>31/10/2024</a:t>
             </a:fld>
             <a:endParaRPr lang="en-GB"/>
           </a:p>
@@ -2250,7 +2252,7 @@
           <a:p>
             <a:fld id="{05938E20-00E3-4256-8C0E-C2C15CE50C0A}" type="datetime1">
               <a:rPr lang="en-GB" smtClean="0"/>
-              <a:t>29/10/2024</a:t>
+              <a:t>31/10/2024</a:t>
             </a:fld>
             <a:endParaRPr lang="en-GB"/>
           </a:p>
@@ -2392,7 +2394,7 @@
           <a:p>
             <a:fld id="{C2B4F9F3-6D4D-4D5C-A257-2830B80EA9E5}" type="datetime1">
               <a:rPr lang="en-GB" smtClean="0"/>
-              <a:t>29/10/2024</a:t>
+              <a:t>31/10/2024</a:t>
             </a:fld>
             <a:endParaRPr lang="en-GB"/>
           </a:p>
@@ -2505,7 +2507,7 @@
           <a:p>
             <a:fld id="{1E9CD8E7-6E1F-4F0B-9D00-E8AA0B8A042C}" type="datetime1">
               <a:rPr lang="en-GB" smtClean="0"/>
-              <a:t>29/10/2024</a:t>
+              <a:t>31/10/2024</a:t>
             </a:fld>
             <a:endParaRPr lang="en-GB"/>
           </a:p>
@@ -2818,7 +2820,7 @@
           <a:p>
             <a:fld id="{2F1E6ACD-3707-4D80-9C32-0FE017AC8A1D}" type="datetime1">
               <a:rPr lang="en-GB" smtClean="0"/>
-              <a:t>29/10/2024</a:t>
+              <a:t>31/10/2024</a:t>
             </a:fld>
             <a:endParaRPr lang="en-GB"/>
           </a:p>
@@ -3107,7 +3109,7 @@
           <a:p>
             <a:fld id="{F18C52D3-A496-409F-8F5F-A0368619ACAD}" type="datetime1">
               <a:rPr lang="en-GB" smtClean="0"/>
-              <a:t>29/10/2024</a:t>
+              <a:t>31/10/2024</a:t>
             </a:fld>
             <a:endParaRPr lang="en-GB"/>
           </a:p>
@@ -3350,7 +3352,7 @@
           <a:p>
             <a:fld id="{1F12BE6B-3A78-44AF-A6B9-9109795A1A68}" type="datetime1">
               <a:rPr lang="en-GB" smtClean="0"/>
-              <a:t>29/10/2024</a:t>
+              <a:t>31/10/2024</a:t>
             </a:fld>
             <a:endParaRPr lang="en-GB"/>
           </a:p>
@@ -15252,6 +15254,3593 @@
   <p:cSld>
     <p:spTree>
       <p:nvGrpSpPr>
+        <p:cNvPr id="1" name="">
+          <a:extLst>
+            <a:ext uri="{FF2B5EF4-FFF2-40B4-BE49-F238E27FC236}">
+              <a16:creationId xmlns:a16="http://schemas.microsoft.com/office/drawing/2014/main" id="{D994CDAA-85A7-D5BC-73D5-6AA9E95FC9D6}"/>
+            </a:ext>
+          </a:extLst>
+        </p:cNvPr>
+        <p:cNvGrpSpPr/>
+        <p:nvPr/>
+      </p:nvGrpSpPr>
+      <p:grpSpPr>
+        <a:xfrm>
+          <a:off x="0" y="0"/>
+          <a:ext cx="0" cy="0"/>
+          <a:chOff x="0" y="0"/>
+          <a:chExt cx="0" cy="0"/>
+        </a:xfrm>
+      </p:grpSpPr>
+      <p:grpSp>
+        <p:nvGrpSpPr>
+          <p:cNvPr id="46" name="그룹 45">
+            <a:extLst>
+              <a:ext uri="{FF2B5EF4-FFF2-40B4-BE49-F238E27FC236}">
+                <a16:creationId xmlns:a16="http://schemas.microsoft.com/office/drawing/2014/main" id="{79C99C5E-77E8-22D8-6052-D5100BAC1915}"/>
+              </a:ext>
+            </a:extLst>
+          </p:cNvPr>
+          <p:cNvGrpSpPr/>
+          <p:nvPr/>
+        </p:nvGrpSpPr>
+        <p:grpSpPr>
+          <a:xfrm>
+            <a:off x="679807" y="61547"/>
+            <a:ext cx="10832386" cy="6734907"/>
+            <a:chOff x="679807" y="61547"/>
+            <a:chExt cx="10832386" cy="6734907"/>
+          </a:xfrm>
+        </p:grpSpPr>
+        <p:sp>
+          <p:nvSpPr>
+            <p:cNvPr id="41" name="직사각형 40">
+              <a:extLst>
+                <a:ext uri="{FF2B5EF4-FFF2-40B4-BE49-F238E27FC236}">
+                  <a16:creationId xmlns:a16="http://schemas.microsoft.com/office/drawing/2014/main" id="{9F66F124-37AA-9B9D-1FB4-D85EE9633B0B}"/>
+                </a:ext>
+              </a:extLst>
+            </p:cNvPr>
+            <p:cNvSpPr/>
+            <p:nvPr/>
+          </p:nvSpPr>
+          <p:spPr>
+            <a:xfrm>
+              <a:off x="679807" y="61547"/>
+              <a:ext cx="10832386" cy="6734907"/>
+            </a:xfrm>
+            <a:prstGeom prst="rect">
+              <a:avLst/>
+            </a:prstGeom>
+            <a:noFill/>
+            <a:ln w="19050">
+              <a:solidFill>
+                <a:schemeClr val="tx1"/>
+              </a:solidFill>
+            </a:ln>
+          </p:spPr>
+          <p:style>
+            <a:lnRef idx="2">
+              <a:schemeClr val="accent1">
+                <a:shade val="15000"/>
+              </a:schemeClr>
+            </a:lnRef>
+            <a:fillRef idx="1">
+              <a:schemeClr val="accent1"/>
+            </a:fillRef>
+            <a:effectRef idx="0">
+              <a:schemeClr val="accent1"/>
+            </a:effectRef>
+            <a:fontRef idx="minor">
+              <a:schemeClr val="lt1"/>
+            </a:fontRef>
+          </p:style>
+          <p:txBody>
+            <a:bodyPr rtlCol="0" anchor="ctr"/>
+            <a:lstStyle/>
+            <a:p>
+              <a:pPr algn="ctr"/>
+              <a:endParaRPr lang="en-GB"/>
+            </a:p>
+          </p:txBody>
+        </p:sp>
+        <p:grpSp>
+          <p:nvGrpSpPr>
+            <p:cNvPr id="74" name="그룹 73">
+              <a:extLst>
+                <a:ext uri="{FF2B5EF4-FFF2-40B4-BE49-F238E27FC236}">
+                  <a16:creationId xmlns:a16="http://schemas.microsoft.com/office/drawing/2014/main" id="{05C4C89F-686A-57AF-52FF-F50A085400A9}"/>
+                </a:ext>
+              </a:extLst>
+            </p:cNvPr>
+            <p:cNvGrpSpPr/>
+            <p:nvPr/>
+          </p:nvGrpSpPr>
+          <p:grpSpPr>
+            <a:xfrm>
+              <a:off x="4201288" y="167055"/>
+              <a:ext cx="3740349" cy="6559062"/>
+              <a:chOff x="4232936" y="1354016"/>
+              <a:chExt cx="3740349" cy="5196254"/>
+            </a:xfrm>
+          </p:grpSpPr>
+          <p:cxnSp>
+            <p:nvCxnSpPr>
+              <p:cNvPr id="65" name="직선 연결선 64">
+                <a:extLst>
+                  <a:ext uri="{FF2B5EF4-FFF2-40B4-BE49-F238E27FC236}">
+                    <a16:creationId xmlns:a16="http://schemas.microsoft.com/office/drawing/2014/main" id="{3D07D924-05C4-62A2-2343-96F35105214E}"/>
+                  </a:ext>
+                </a:extLst>
+              </p:cNvPr>
+              <p:cNvCxnSpPr>
+                <a:cxnSpLocks/>
+              </p:cNvCxnSpPr>
+              <p:nvPr/>
+            </p:nvCxnSpPr>
+            <p:spPr>
+              <a:xfrm>
+                <a:off x="4232936" y="1354016"/>
+                <a:ext cx="0" cy="5196254"/>
+              </a:xfrm>
+              <a:prstGeom prst="line">
+                <a:avLst/>
+              </a:prstGeom>
+              <a:ln w="9525">
+                <a:solidFill>
+                  <a:schemeClr val="bg1">
+                    <a:lumMod val="65000"/>
+                  </a:schemeClr>
+                </a:solidFill>
+                <a:prstDash val="dash"/>
+              </a:ln>
+            </p:spPr>
+            <p:style>
+              <a:lnRef idx="1">
+                <a:schemeClr val="accent1"/>
+              </a:lnRef>
+              <a:fillRef idx="0">
+                <a:schemeClr val="accent1"/>
+              </a:fillRef>
+              <a:effectRef idx="0">
+                <a:schemeClr val="accent1"/>
+              </a:effectRef>
+              <a:fontRef idx="minor">
+                <a:schemeClr val="tx1"/>
+              </a:fontRef>
+            </p:style>
+          </p:cxnSp>
+          <p:cxnSp>
+            <p:nvCxnSpPr>
+              <p:cNvPr id="66" name="직선 연결선 65">
+                <a:extLst>
+                  <a:ext uri="{FF2B5EF4-FFF2-40B4-BE49-F238E27FC236}">
+                    <a16:creationId xmlns:a16="http://schemas.microsoft.com/office/drawing/2014/main" id="{C5EFCCB5-E761-0A34-9205-06ADDD8EE7EE}"/>
+                  </a:ext>
+                </a:extLst>
+              </p:cNvPr>
+              <p:cNvCxnSpPr>
+                <a:cxnSpLocks/>
+              </p:cNvCxnSpPr>
+              <p:nvPr/>
+            </p:nvCxnSpPr>
+            <p:spPr>
+              <a:xfrm>
+                <a:off x="7973285" y="1354016"/>
+                <a:ext cx="0" cy="5196254"/>
+              </a:xfrm>
+              <a:prstGeom prst="line">
+                <a:avLst/>
+              </a:prstGeom>
+              <a:ln w="9525">
+                <a:solidFill>
+                  <a:schemeClr val="bg1">
+                    <a:lumMod val="65000"/>
+                  </a:schemeClr>
+                </a:solidFill>
+                <a:prstDash val="dash"/>
+              </a:ln>
+            </p:spPr>
+            <p:style>
+              <a:lnRef idx="1">
+                <a:schemeClr val="accent1"/>
+              </a:lnRef>
+              <a:fillRef idx="0">
+                <a:schemeClr val="accent1"/>
+              </a:fillRef>
+              <a:effectRef idx="0">
+                <a:schemeClr val="accent1"/>
+              </a:effectRef>
+              <a:fontRef idx="minor">
+                <a:schemeClr val="tx1"/>
+              </a:fontRef>
+            </p:style>
+          </p:cxnSp>
+        </p:grpSp>
+        <p:cxnSp>
+          <p:nvCxnSpPr>
+            <p:cNvPr id="19" name="직선 화살표 연결선 18">
+              <a:extLst>
+                <a:ext uri="{FF2B5EF4-FFF2-40B4-BE49-F238E27FC236}">
+                  <a16:creationId xmlns:a16="http://schemas.microsoft.com/office/drawing/2014/main" id="{9C9E10D9-73A6-9359-F8EB-F9457CC5DE70}"/>
+                </a:ext>
+              </a:extLst>
+            </p:cNvPr>
+            <p:cNvCxnSpPr>
+              <a:cxnSpLocks/>
+              <a:stCxn id="11" idx="3"/>
+              <a:endCxn id="26" idx="1"/>
+            </p:cNvCxnSpPr>
+            <p:nvPr/>
+          </p:nvCxnSpPr>
+          <p:spPr>
+            <a:xfrm>
+              <a:off x="3377804" y="2064201"/>
+              <a:ext cx="1709392" cy="0"/>
+            </a:xfrm>
+            <a:prstGeom prst="straightConnector1">
+              <a:avLst/>
+            </a:prstGeom>
+            <a:ln w="28575">
+              <a:solidFill>
+                <a:schemeClr val="tx1"/>
+              </a:solidFill>
+              <a:prstDash val="solid"/>
+              <a:tailEnd type="arrow"/>
+            </a:ln>
+          </p:spPr>
+          <p:style>
+            <a:lnRef idx="1">
+              <a:schemeClr val="accent1"/>
+            </a:lnRef>
+            <a:fillRef idx="0">
+              <a:schemeClr val="accent1"/>
+            </a:fillRef>
+            <a:effectRef idx="0">
+              <a:schemeClr val="accent1"/>
+            </a:effectRef>
+            <a:fontRef idx="minor">
+              <a:schemeClr val="tx1"/>
+            </a:fontRef>
+          </p:style>
+        </p:cxnSp>
+        <p:sp>
+          <p:nvSpPr>
+            <p:cNvPr id="14" name="직사각형 13">
+              <a:extLst>
+                <a:ext uri="{FF2B5EF4-FFF2-40B4-BE49-F238E27FC236}">
+                  <a16:creationId xmlns:a16="http://schemas.microsoft.com/office/drawing/2014/main" id="{FF26325F-2D8D-9D88-3229-5A976C0FADC7}"/>
+                </a:ext>
+              </a:extLst>
+            </p:cNvPr>
+            <p:cNvSpPr/>
+            <p:nvPr/>
+          </p:nvSpPr>
+          <p:spPr>
+            <a:xfrm>
+              <a:off x="1409271" y="1892392"/>
+              <a:ext cx="1968533" cy="759761"/>
+            </a:xfrm>
+            <a:prstGeom prst="rect">
+              <a:avLst/>
+            </a:prstGeom>
+            <a:noFill/>
+            <a:ln>
+              <a:solidFill>
+                <a:srgbClr val="C00000"/>
+              </a:solidFill>
+            </a:ln>
+          </p:spPr>
+          <p:style>
+            <a:lnRef idx="2">
+              <a:schemeClr val="accent1">
+                <a:shade val="15000"/>
+              </a:schemeClr>
+            </a:lnRef>
+            <a:fillRef idx="1">
+              <a:schemeClr val="accent1"/>
+            </a:fillRef>
+            <a:effectRef idx="0">
+              <a:schemeClr val="accent1"/>
+            </a:effectRef>
+            <a:fontRef idx="minor">
+              <a:schemeClr val="lt1"/>
+            </a:fontRef>
+          </p:style>
+          <p:txBody>
+            <a:bodyPr rtlCol="0" anchor="ctr"/>
+            <a:lstStyle/>
+            <a:p>
+              <a:pPr algn="ctr"/>
+              <a:endParaRPr lang="en-GB"/>
+            </a:p>
+          </p:txBody>
+        </p:sp>
+        <p:sp>
+          <p:nvSpPr>
+            <p:cNvPr id="15" name="TextBox 14">
+              <a:extLst>
+                <a:ext uri="{FF2B5EF4-FFF2-40B4-BE49-F238E27FC236}">
+                  <a16:creationId xmlns:a16="http://schemas.microsoft.com/office/drawing/2014/main" id="{C5CE937D-0893-8CD8-2864-BC1BFBD535DF}"/>
+                </a:ext>
+              </a:extLst>
+            </p:cNvPr>
+            <p:cNvSpPr txBox="1"/>
+            <p:nvPr/>
+          </p:nvSpPr>
+          <p:spPr>
+            <a:xfrm>
+              <a:off x="1704759" y="1968539"/>
+              <a:ext cx="1377557" cy="338554"/>
+            </a:xfrm>
+            <a:prstGeom prst="rect">
+              <a:avLst/>
+            </a:prstGeom>
+            <a:noFill/>
+          </p:spPr>
+          <p:txBody>
+            <a:bodyPr wrap="none" rtlCol="0">
+              <a:spAutoFit/>
+            </a:bodyPr>
+            <a:lstStyle/>
+            <a:p>
+              <a:r>
+                <a:rPr lang="en-GB" sz="1600" b="1">
+                  <a:solidFill>
+                    <a:srgbClr val="C00000"/>
+                  </a:solidFill>
+                </a:rPr>
+                <a:t>Adapter Layer</a:t>
+              </a:r>
+            </a:p>
+          </p:txBody>
+        </p:sp>
+        <p:sp>
+          <p:nvSpPr>
+            <p:cNvPr id="2" name="TextBox 1">
+              <a:extLst>
+                <a:ext uri="{FF2B5EF4-FFF2-40B4-BE49-F238E27FC236}">
+                  <a16:creationId xmlns:a16="http://schemas.microsoft.com/office/drawing/2014/main" id="{6397AB06-6A0C-60AC-80F8-7F00E71E2F39}"/>
+                </a:ext>
+              </a:extLst>
+            </p:cNvPr>
+            <p:cNvSpPr txBox="1"/>
+            <p:nvPr/>
+          </p:nvSpPr>
+          <p:spPr>
+            <a:xfrm>
+              <a:off x="2136319" y="2296717"/>
+              <a:ext cx="514436" cy="276999"/>
+            </a:xfrm>
+            <a:prstGeom prst="rect">
+              <a:avLst/>
+            </a:prstGeom>
+            <a:noFill/>
+          </p:spPr>
+          <p:txBody>
+            <a:bodyPr wrap="none" rtlCol="0">
+              <a:spAutoFit/>
+            </a:bodyPr>
+            <a:lstStyle/>
+            <a:p>
+              <a:r>
+                <a:rPr lang="en-GB" sz="1200" b="1">
+                  <a:solidFill>
+                    <a:srgbClr val="C00000"/>
+                  </a:solidFill>
+                </a:rPr>
+                <a:t>Tech.</a:t>
+              </a:r>
+            </a:p>
+          </p:txBody>
+        </p:sp>
+        <p:sp>
+          <p:nvSpPr>
+            <p:cNvPr id="17" name="직사각형 16">
+              <a:extLst>
+                <a:ext uri="{FF2B5EF4-FFF2-40B4-BE49-F238E27FC236}">
+                  <a16:creationId xmlns:a16="http://schemas.microsoft.com/office/drawing/2014/main" id="{FC2BBA95-4F1E-C4A5-F73B-68BEA5F26230}"/>
+                </a:ext>
+              </a:extLst>
+            </p:cNvPr>
+            <p:cNvSpPr/>
+            <p:nvPr/>
+          </p:nvSpPr>
+          <p:spPr>
+            <a:xfrm>
+              <a:off x="8633425" y="1891247"/>
+              <a:ext cx="1968533" cy="759761"/>
+            </a:xfrm>
+            <a:prstGeom prst="rect">
+              <a:avLst/>
+            </a:prstGeom>
+            <a:noFill/>
+            <a:ln>
+              <a:solidFill>
+                <a:srgbClr val="C00000"/>
+              </a:solidFill>
+            </a:ln>
+          </p:spPr>
+          <p:style>
+            <a:lnRef idx="2">
+              <a:schemeClr val="accent1">
+                <a:shade val="15000"/>
+              </a:schemeClr>
+            </a:lnRef>
+            <a:fillRef idx="1">
+              <a:schemeClr val="accent1"/>
+            </a:fillRef>
+            <a:effectRef idx="0">
+              <a:schemeClr val="accent1"/>
+            </a:effectRef>
+            <a:fontRef idx="minor">
+              <a:schemeClr val="lt1"/>
+            </a:fontRef>
+          </p:style>
+          <p:txBody>
+            <a:bodyPr rtlCol="0" anchor="ctr"/>
+            <a:lstStyle/>
+            <a:p>
+              <a:pPr algn="ctr"/>
+              <a:endParaRPr lang="en-GB"/>
+            </a:p>
+          </p:txBody>
+        </p:sp>
+        <p:sp>
+          <p:nvSpPr>
+            <p:cNvPr id="18" name="TextBox 17">
+              <a:extLst>
+                <a:ext uri="{FF2B5EF4-FFF2-40B4-BE49-F238E27FC236}">
+                  <a16:creationId xmlns:a16="http://schemas.microsoft.com/office/drawing/2014/main" id="{BECB7FCE-21E8-A4EA-E0EA-DF78344553B9}"/>
+                </a:ext>
+              </a:extLst>
+            </p:cNvPr>
+            <p:cNvSpPr txBox="1"/>
+            <p:nvPr/>
+          </p:nvSpPr>
+          <p:spPr>
+            <a:xfrm>
+              <a:off x="8928913" y="1968539"/>
+              <a:ext cx="1377557" cy="338554"/>
+            </a:xfrm>
+            <a:prstGeom prst="rect">
+              <a:avLst/>
+            </a:prstGeom>
+            <a:noFill/>
+          </p:spPr>
+          <p:txBody>
+            <a:bodyPr wrap="none" rtlCol="0">
+              <a:spAutoFit/>
+            </a:bodyPr>
+            <a:lstStyle/>
+            <a:p>
+              <a:r>
+                <a:rPr lang="en-GB" sz="1600" b="1">
+                  <a:solidFill>
+                    <a:srgbClr val="C00000"/>
+                  </a:solidFill>
+                </a:rPr>
+                <a:t>Adapter Layer</a:t>
+              </a:r>
+            </a:p>
+          </p:txBody>
+        </p:sp>
+        <p:sp>
+          <p:nvSpPr>
+            <p:cNvPr id="3" name="TextBox 2">
+              <a:extLst>
+                <a:ext uri="{FF2B5EF4-FFF2-40B4-BE49-F238E27FC236}">
+                  <a16:creationId xmlns:a16="http://schemas.microsoft.com/office/drawing/2014/main" id="{0DE40814-1AC8-43B8-D57C-474D7A689A97}"/>
+                </a:ext>
+              </a:extLst>
+            </p:cNvPr>
+            <p:cNvSpPr txBox="1"/>
+            <p:nvPr/>
+          </p:nvSpPr>
+          <p:spPr>
+            <a:xfrm>
+              <a:off x="9360473" y="2296717"/>
+              <a:ext cx="514436" cy="276999"/>
+            </a:xfrm>
+            <a:prstGeom prst="rect">
+              <a:avLst/>
+            </a:prstGeom>
+            <a:noFill/>
+          </p:spPr>
+          <p:txBody>
+            <a:bodyPr wrap="none" rtlCol="0">
+              <a:spAutoFit/>
+            </a:bodyPr>
+            <a:lstStyle/>
+            <a:p>
+              <a:r>
+                <a:rPr lang="en-GB" sz="1200" b="1">
+                  <a:solidFill>
+                    <a:srgbClr val="C00000"/>
+                  </a:solidFill>
+                </a:rPr>
+                <a:t>Tech.</a:t>
+              </a:r>
+            </a:p>
+          </p:txBody>
+        </p:sp>
+        <p:sp>
+          <p:nvSpPr>
+            <p:cNvPr id="35" name="TextBox 34">
+              <a:extLst>
+                <a:ext uri="{FF2B5EF4-FFF2-40B4-BE49-F238E27FC236}">
+                  <a16:creationId xmlns:a16="http://schemas.microsoft.com/office/drawing/2014/main" id="{F6E3C8A5-24B4-9DEF-65EC-17D2BBF846A9}"/>
+                </a:ext>
+              </a:extLst>
+            </p:cNvPr>
+            <p:cNvSpPr txBox="1"/>
+            <p:nvPr/>
+          </p:nvSpPr>
+          <p:spPr>
+            <a:xfrm>
+              <a:off x="2050495" y="1534211"/>
+              <a:ext cx="686085" cy="307777"/>
+            </a:xfrm>
+            <a:prstGeom prst="rect">
+              <a:avLst/>
+            </a:prstGeom>
+            <a:noFill/>
+          </p:spPr>
+          <p:txBody>
+            <a:bodyPr wrap="none" rtlCol="0">
+              <a:spAutoFit/>
+            </a:bodyPr>
+            <a:lstStyle/>
+            <a:p>
+              <a:r>
+                <a:rPr lang="en-GB" sz="1400"/>
+                <a:t>Known</a:t>
+              </a:r>
+            </a:p>
+          </p:txBody>
+        </p:sp>
+        <p:sp>
+          <p:nvSpPr>
+            <p:cNvPr id="38" name="TextBox 37">
+              <a:extLst>
+                <a:ext uri="{FF2B5EF4-FFF2-40B4-BE49-F238E27FC236}">
+                  <a16:creationId xmlns:a16="http://schemas.microsoft.com/office/drawing/2014/main" id="{98164CAA-EFF7-E3DE-7538-4562943A95AF}"/>
+                </a:ext>
+              </a:extLst>
+            </p:cNvPr>
+            <p:cNvSpPr txBox="1"/>
+            <p:nvPr/>
+          </p:nvSpPr>
+          <p:spPr>
+            <a:xfrm>
+              <a:off x="9274649" y="1534211"/>
+              <a:ext cx="686085" cy="307777"/>
+            </a:xfrm>
+            <a:prstGeom prst="rect">
+              <a:avLst/>
+            </a:prstGeom>
+            <a:noFill/>
+          </p:spPr>
+          <p:txBody>
+            <a:bodyPr wrap="none" rtlCol="0">
+              <a:spAutoFit/>
+            </a:bodyPr>
+            <a:lstStyle/>
+            <a:p>
+              <a:r>
+                <a:rPr lang="en-GB" sz="1400"/>
+                <a:t>Known</a:t>
+              </a:r>
+            </a:p>
+          </p:txBody>
+        </p:sp>
+        <p:cxnSp>
+          <p:nvCxnSpPr>
+            <p:cNvPr id="42" name="직선 화살표 연결선 41">
+              <a:extLst>
+                <a:ext uri="{FF2B5EF4-FFF2-40B4-BE49-F238E27FC236}">
+                  <a16:creationId xmlns:a16="http://schemas.microsoft.com/office/drawing/2014/main" id="{B9FE2B00-6793-C996-03F1-DAA06F723A45}"/>
+                </a:ext>
+              </a:extLst>
+            </p:cNvPr>
+            <p:cNvCxnSpPr>
+              <a:cxnSpLocks/>
+              <a:stCxn id="7" idx="3"/>
+              <a:endCxn id="23" idx="2"/>
+            </p:cNvCxnSpPr>
+            <p:nvPr/>
+          </p:nvCxnSpPr>
+          <p:spPr>
+            <a:xfrm flipV="1">
+              <a:off x="7055729" y="4680220"/>
+              <a:ext cx="711309" cy="1"/>
+            </a:xfrm>
+            <a:prstGeom prst="straightConnector1">
+              <a:avLst/>
+            </a:prstGeom>
+            <a:ln w="28575">
+              <a:solidFill>
+                <a:schemeClr val="tx1"/>
+              </a:solidFill>
+              <a:prstDash val="solid"/>
+              <a:tailEnd type="arrow"/>
+            </a:ln>
+          </p:spPr>
+          <p:style>
+            <a:lnRef idx="1">
+              <a:schemeClr val="accent1"/>
+            </a:lnRef>
+            <a:fillRef idx="0">
+              <a:schemeClr val="accent1"/>
+            </a:fillRef>
+            <a:effectRef idx="0">
+              <a:schemeClr val="accent1"/>
+            </a:effectRef>
+            <a:fontRef idx="minor">
+              <a:schemeClr val="tx1"/>
+            </a:fontRef>
+          </p:style>
+        </p:cxnSp>
+        <p:cxnSp>
+          <p:nvCxnSpPr>
+            <p:cNvPr id="12" name="직선 화살표 연결선 11">
+              <a:extLst>
+                <a:ext uri="{FF2B5EF4-FFF2-40B4-BE49-F238E27FC236}">
+                  <a16:creationId xmlns:a16="http://schemas.microsoft.com/office/drawing/2014/main" id="{2AC27A19-F257-E74E-F5D5-6FA1BC0B3E24}"/>
+                </a:ext>
+              </a:extLst>
+            </p:cNvPr>
+            <p:cNvCxnSpPr>
+              <a:cxnSpLocks/>
+              <a:stCxn id="7" idx="2"/>
+              <a:endCxn id="86" idx="0"/>
+            </p:cNvCxnSpPr>
+            <p:nvPr/>
+          </p:nvCxnSpPr>
+          <p:spPr>
+            <a:xfrm>
+              <a:off x="6071463" y="5060101"/>
+              <a:ext cx="0" cy="396102"/>
+            </a:xfrm>
+            <a:prstGeom prst="straightConnector1">
+              <a:avLst/>
+            </a:prstGeom>
+            <a:ln w="28575">
+              <a:solidFill>
+                <a:schemeClr val="tx1"/>
+              </a:solidFill>
+              <a:prstDash val="solid"/>
+              <a:tailEnd type="arrow"/>
+            </a:ln>
+          </p:spPr>
+          <p:style>
+            <a:lnRef idx="1">
+              <a:schemeClr val="accent1"/>
+            </a:lnRef>
+            <a:fillRef idx="0">
+              <a:schemeClr val="accent1"/>
+            </a:fillRef>
+            <a:effectRef idx="0">
+              <a:schemeClr val="accent1"/>
+            </a:effectRef>
+            <a:fontRef idx="minor">
+              <a:schemeClr val="tx1"/>
+            </a:fontRef>
+          </p:style>
+        </p:cxnSp>
+        <p:sp>
+          <p:nvSpPr>
+            <p:cNvPr id="4" name="TextBox 3">
+              <a:extLst>
+                <a:ext uri="{FF2B5EF4-FFF2-40B4-BE49-F238E27FC236}">
+                  <a16:creationId xmlns:a16="http://schemas.microsoft.com/office/drawing/2014/main" id="{E63E5DB4-F350-931B-96FD-7083E13835F9}"/>
+                </a:ext>
+              </a:extLst>
+            </p:cNvPr>
+            <p:cNvSpPr txBox="1"/>
+            <p:nvPr/>
+          </p:nvSpPr>
+          <p:spPr>
+            <a:xfrm>
+              <a:off x="5242325" y="4377632"/>
+              <a:ext cx="1658274" cy="338554"/>
+            </a:xfrm>
+            <a:prstGeom prst="rect">
+              <a:avLst/>
+            </a:prstGeom>
+            <a:noFill/>
+          </p:spPr>
+          <p:txBody>
+            <a:bodyPr wrap="none" rtlCol="0">
+              <a:spAutoFit/>
+            </a:bodyPr>
+            <a:lstStyle/>
+            <a:p>
+              <a:r>
+                <a:rPr lang="en-GB" sz="1600" b="1">
+                  <a:solidFill>
+                    <a:srgbClr val="0070C0"/>
+                  </a:solidFill>
+                </a:rPr>
+                <a:t>Application Layer</a:t>
+              </a:r>
+            </a:p>
+          </p:txBody>
+        </p:sp>
+        <p:sp>
+          <p:nvSpPr>
+            <p:cNvPr id="30" name="TextBox 29">
+              <a:extLst>
+                <a:ext uri="{FF2B5EF4-FFF2-40B4-BE49-F238E27FC236}">
+                  <a16:creationId xmlns:a16="http://schemas.microsoft.com/office/drawing/2014/main" id="{27E0A3B7-7B5B-36F9-2831-D035C1F5D2B5}"/>
+                </a:ext>
+              </a:extLst>
+            </p:cNvPr>
+            <p:cNvSpPr txBox="1"/>
+            <p:nvPr/>
+          </p:nvSpPr>
+          <p:spPr>
+            <a:xfrm>
+              <a:off x="5693795" y="4705810"/>
+              <a:ext cx="755335" cy="276999"/>
+            </a:xfrm>
+            <a:prstGeom prst="rect">
+              <a:avLst/>
+            </a:prstGeom>
+            <a:noFill/>
+          </p:spPr>
+          <p:txBody>
+            <a:bodyPr wrap="none" rtlCol="0">
+              <a:spAutoFit/>
+            </a:bodyPr>
+            <a:lstStyle/>
+            <a:p>
+              <a:r>
+                <a:rPr lang="en-GB" sz="1200" b="1">
+                  <a:solidFill>
+                    <a:srgbClr val="0070C0"/>
+                  </a:solidFill>
+                </a:rPr>
+                <a:t>Biz. </a:t>
+              </a:r>
+              <a:r>
+                <a:rPr lang="ko-KR" altLang="en-US" sz="1200" b="1">
+                  <a:solidFill>
+                    <a:srgbClr val="0070C0"/>
+                  </a:solidFill>
+                </a:rPr>
+                <a:t>흐름</a:t>
+              </a:r>
+              <a:endParaRPr lang="en-GB" sz="1200" b="1">
+                <a:solidFill>
+                  <a:srgbClr val="0070C0"/>
+                </a:solidFill>
+              </a:endParaRPr>
+            </a:p>
+          </p:txBody>
+        </p:sp>
+        <p:sp>
+          <p:nvSpPr>
+            <p:cNvPr id="7" name="직사각형 6">
+              <a:extLst>
+                <a:ext uri="{FF2B5EF4-FFF2-40B4-BE49-F238E27FC236}">
+                  <a16:creationId xmlns:a16="http://schemas.microsoft.com/office/drawing/2014/main" id="{21D4F353-639C-54C4-C313-8C95E6A4F63C}"/>
+                </a:ext>
+              </a:extLst>
+            </p:cNvPr>
+            <p:cNvSpPr/>
+            <p:nvPr/>
+          </p:nvSpPr>
+          <p:spPr>
+            <a:xfrm>
+              <a:off x="5087196" y="4300340"/>
+              <a:ext cx="1968533" cy="759761"/>
+            </a:xfrm>
+            <a:prstGeom prst="rect">
+              <a:avLst/>
+            </a:prstGeom>
+            <a:noFill/>
+            <a:ln>
+              <a:solidFill>
+                <a:srgbClr val="0070C0"/>
+              </a:solidFill>
+            </a:ln>
+          </p:spPr>
+          <p:style>
+            <a:lnRef idx="2">
+              <a:schemeClr val="accent1">
+                <a:shade val="15000"/>
+              </a:schemeClr>
+            </a:lnRef>
+            <a:fillRef idx="1">
+              <a:schemeClr val="accent1"/>
+            </a:fillRef>
+            <a:effectRef idx="0">
+              <a:schemeClr val="accent1"/>
+            </a:effectRef>
+            <a:fontRef idx="minor">
+              <a:schemeClr val="lt1"/>
+            </a:fontRef>
+          </p:style>
+          <p:txBody>
+            <a:bodyPr rtlCol="0" anchor="ctr"/>
+            <a:lstStyle/>
+            <a:p>
+              <a:pPr algn="ctr"/>
+              <a:endParaRPr lang="en-GB"/>
+            </a:p>
+          </p:txBody>
+        </p:sp>
+        <p:sp>
+          <p:nvSpPr>
+            <p:cNvPr id="45" name="직사각형 44">
+              <a:extLst>
+                <a:ext uri="{FF2B5EF4-FFF2-40B4-BE49-F238E27FC236}">
+                  <a16:creationId xmlns:a16="http://schemas.microsoft.com/office/drawing/2014/main" id="{15EF5C42-BF0E-19A9-10F1-EF3F886EDD61}"/>
+                </a:ext>
+              </a:extLst>
+            </p:cNvPr>
+            <p:cNvSpPr/>
+            <p:nvPr/>
+          </p:nvSpPr>
+          <p:spPr>
+            <a:xfrm>
+              <a:off x="6659759" y="4821232"/>
+              <a:ext cx="395970" cy="298325"/>
+            </a:xfrm>
+            <a:prstGeom prst="rect">
+              <a:avLst/>
+            </a:prstGeom>
+            <a:noFill/>
+            <a:ln>
+              <a:noFill/>
+            </a:ln>
+          </p:spPr>
+          <p:style>
+            <a:lnRef idx="2">
+              <a:schemeClr val="accent1">
+                <a:shade val="15000"/>
+              </a:schemeClr>
+            </a:lnRef>
+            <a:fillRef idx="1">
+              <a:schemeClr val="accent1"/>
+            </a:fillRef>
+            <a:effectRef idx="0">
+              <a:schemeClr val="accent1"/>
+            </a:effectRef>
+            <a:fontRef idx="minor">
+              <a:schemeClr val="lt1"/>
+            </a:fontRef>
+          </p:style>
+          <p:txBody>
+            <a:bodyPr rtlCol="0" anchor="ctr"/>
+            <a:lstStyle/>
+            <a:p>
+              <a:pPr algn="ctr"/>
+              <a:endParaRPr lang="en-GB"/>
+            </a:p>
+          </p:txBody>
+        </p:sp>
+        <p:sp>
+          <p:nvSpPr>
+            <p:cNvPr id="49" name="TextBox 48">
+              <a:extLst>
+                <a:ext uri="{FF2B5EF4-FFF2-40B4-BE49-F238E27FC236}">
+                  <a16:creationId xmlns:a16="http://schemas.microsoft.com/office/drawing/2014/main" id="{259AF00A-72FA-AA7C-D189-EF7A56EE836A}"/>
+                </a:ext>
+              </a:extLst>
+            </p:cNvPr>
+            <p:cNvSpPr txBox="1"/>
+            <p:nvPr/>
+          </p:nvSpPr>
+          <p:spPr>
+            <a:xfrm>
+              <a:off x="9173852" y="3938659"/>
+              <a:ext cx="887679" cy="307777"/>
+            </a:xfrm>
+            <a:prstGeom prst="rect">
+              <a:avLst/>
+            </a:prstGeom>
+            <a:noFill/>
+          </p:spPr>
+          <p:txBody>
+            <a:bodyPr wrap="none" rtlCol="0">
+              <a:spAutoFit/>
+            </a:bodyPr>
+            <a:lstStyle/>
+            <a:p>
+              <a:r>
+                <a:rPr lang="en-GB" sz="1400"/>
+                <a:t>Unknown</a:t>
+              </a:r>
+            </a:p>
+          </p:txBody>
+        </p:sp>
+        <p:sp>
+          <p:nvSpPr>
+            <p:cNvPr id="9" name="이등변 삼각형 8">
+              <a:extLst>
+                <a:ext uri="{FF2B5EF4-FFF2-40B4-BE49-F238E27FC236}">
+                  <a16:creationId xmlns:a16="http://schemas.microsoft.com/office/drawing/2014/main" id="{508A44D6-71A1-F4BF-FE4A-EBD9E55D3B7C}"/>
+                </a:ext>
+              </a:extLst>
+            </p:cNvPr>
+            <p:cNvSpPr/>
+            <p:nvPr/>
+          </p:nvSpPr>
+          <p:spPr>
+            <a:xfrm>
+              <a:off x="5990462" y="3964337"/>
+              <a:ext cx="162000" cy="140400"/>
+            </a:xfrm>
+            <a:prstGeom prst="triangle">
+              <a:avLst/>
+            </a:prstGeom>
+            <a:solidFill>
+              <a:schemeClr val="bg1"/>
+            </a:solidFill>
+            <a:ln w="28575">
+              <a:solidFill>
+                <a:schemeClr val="tx1"/>
+              </a:solidFill>
+            </a:ln>
+          </p:spPr>
+          <p:style>
+            <a:lnRef idx="2">
+              <a:schemeClr val="accent1">
+                <a:shade val="15000"/>
+              </a:schemeClr>
+            </a:lnRef>
+            <a:fillRef idx="1">
+              <a:schemeClr val="accent1"/>
+            </a:fillRef>
+            <a:effectRef idx="0">
+              <a:schemeClr val="accent1"/>
+            </a:effectRef>
+            <a:fontRef idx="minor">
+              <a:schemeClr val="lt1"/>
+            </a:fontRef>
+          </p:style>
+          <p:txBody>
+            <a:bodyPr rtlCol="0" anchor="ctr"/>
+            <a:lstStyle/>
+            <a:p>
+              <a:pPr algn="ctr"/>
+              <a:endParaRPr lang="en-GB"/>
+            </a:p>
+          </p:txBody>
+        </p:sp>
+        <p:cxnSp>
+          <p:nvCxnSpPr>
+            <p:cNvPr id="16" name="직선 화살표 연결선 15">
+              <a:extLst>
+                <a:ext uri="{FF2B5EF4-FFF2-40B4-BE49-F238E27FC236}">
+                  <a16:creationId xmlns:a16="http://schemas.microsoft.com/office/drawing/2014/main" id="{2C1BAAD0-FA78-B15E-55B6-331674E7F166}"/>
+                </a:ext>
+              </a:extLst>
+            </p:cNvPr>
+            <p:cNvCxnSpPr>
+              <a:cxnSpLocks/>
+              <a:stCxn id="7" idx="0"/>
+              <a:endCxn id="9" idx="3"/>
+            </p:cNvCxnSpPr>
+            <p:nvPr/>
+          </p:nvCxnSpPr>
+          <p:spPr>
+            <a:xfrm flipH="1" flipV="1">
+              <a:off x="6071462" y="4104737"/>
+              <a:ext cx="1" cy="195603"/>
+            </a:xfrm>
+            <a:prstGeom prst="straightConnector1">
+              <a:avLst/>
+            </a:prstGeom>
+            <a:ln w="28575">
+              <a:solidFill>
+                <a:schemeClr val="tx1"/>
+              </a:solidFill>
+              <a:prstDash val="solid"/>
+              <a:headEnd type="none" w="med" len="med"/>
+              <a:tailEnd type="none" w="med" len="med"/>
+            </a:ln>
+          </p:spPr>
+          <p:style>
+            <a:lnRef idx="1">
+              <a:schemeClr val="accent1"/>
+            </a:lnRef>
+            <a:fillRef idx="0">
+              <a:schemeClr val="accent1"/>
+            </a:fillRef>
+            <a:effectRef idx="0">
+              <a:schemeClr val="accent1"/>
+            </a:effectRef>
+            <a:fontRef idx="minor">
+              <a:schemeClr val="tx1"/>
+            </a:fontRef>
+          </p:style>
+        </p:cxnSp>
+        <p:sp>
+          <p:nvSpPr>
+            <p:cNvPr id="23" name="타원 22">
+              <a:extLst>
+                <a:ext uri="{FF2B5EF4-FFF2-40B4-BE49-F238E27FC236}">
+                  <a16:creationId xmlns:a16="http://schemas.microsoft.com/office/drawing/2014/main" id="{3F309AAD-18F7-F348-7E6E-764937C0B8B0}"/>
+                </a:ext>
+              </a:extLst>
+            </p:cNvPr>
+            <p:cNvSpPr/>
+            <p:nvPr/>
+          </p:nvSpPr>
+          <p:spPr>
+            <a:xfrm>
+              <a:off x="7767038" y="4590220"/>
+              <a:ext cx="180000" cy="180000"/>
+            </a:xfrm>
+            <a:prstGeom prst="ellipse">
+              <a:avLst/>
+            </a:prstGeom>
+            <a:solidFill>
+              <a:schemeClr val="tx1"/>
+            </a:solidFill>
+            <a:ln w="28575"/>
+          </p:spPr>
+          <p:style>
+            <a:lnRef idx="2">
+              <a:schemeClr val="accent1">
+                <a:shade val="15000"/>
+              </a:schemeClr>
+            </a:lnRef>
+            <a:fillRef idx="1">
+              <a:schemeClr val="accent1"/>
+            </a:fillRef>
+            <a:effectRef idx="0">
+              <a:schemeClr val="accent1"/>
+            </a:effectRef>
+            <a:fontRef idx="minor">
+              <a:schemeClr val="lt1"/>
+            </a:fontRef>
+          </p:style>
+          <p:txBody>
+            <a:bodyPr rtlCol="0" anchor="ctr"/>
+            <a:lstStyle/>
+            <a:p>
+              <a:pPr algn="ctr"/>
+              <a:endParaRPr lang="en-GB"/>
+            </a:p>
+          </p:txBody>
+        </p:sp>
+        <p:sp>
+          <p:nvSpPr>
+            <p:cNvPr id="31" name="이등변 삼각형 30">
+              <a:extLst>
+                <a:ext uri="{FF2B5EF4-FFF2-40B4-BE49-F238E27FC236}">
+                  <a16:creationId xmlns:a16="http://schemas.microsoft.com/office/drawing/2014/main" id="{74436024-7CBF-4D23-420D-43CA164F4206}"/>
+                </a:ext>
+              </a:extLst>
+            </p:cNvPr>
+            <p:cNvSpPr/>
+            <p:nvPr/>
+          </p:nvSpPr>
+          <p:spPr>
+            <a:xfrm rot="16200000">
+              <a:off x="7969484" y="4610021"/>
+              <a:ext cx="162000" cy="140400"/>
+            </a:xfrm>
+            <a:prstGeom prst="triangle">
+              <a:avLst/>
+            </a:prstGeom>
+            <a:solidFill>
+              <a:schemeClr val="bg1"/>
+            </a:solidFill>
+            <a:ln w="28575">
+              <a:solidFill>
+                <a:schemeClr val="tx1"/>
+              </a:solidFill>
+            </a:ln>
+          </p:spPr>
+          <p:style>
+            <a:lnRef idx="2">
+              <a:schemeClr val="accent1">
+                <a:shade val="15000"/>
+              </a:schemeClr>
+            </a:lnRef>
+            <a:fillRef idx="1">
+              <a:schemeClr val="accent1"/>
+            </a:fillRef>
+            <a:effectRef idx="0">
+              <a:schemeClr val="accent1"/>
+            </a:effectRef>
+            <a:fontRef idx="minor">
+              <a:schemeClr val="lt1"/>
+            </a:fontRef>
+          </p:style>
+          <p:txBody>
+            <a:bodyPr rtlCol="0" anchor="ctr"/>
+            <a:lstStyle/>
+            <a:p>
+              <a:pPr algn="ctr"/>
+              <a:endParaRPr lang="en-GB"/>
+            </a:p>
+          </p:txBody>
+        </p:sp>
+        <p:sp>
+          <p:nvSpPr>
+            <p:cNvPr id="57" name="TextBox 56">
+              <a:extLst>
+                <a:ext uri="{FF2B5EF4-FFF2-40B4-BE49-F238E27FC236}">
+                  <a16:creationId xmlns:a16="http://schemas.microsoft.com/office/drawing/2014/main" id="{6DB8B2A8-17A5-6411-717F-C2DBF7D587E9}"/>
+                </a:ext>
+              </a:extLst>
+            </p:cNvPr>
+            <p:cNvSpPr txBox="1"/>
+            <p:nvPr/>
+          </p:nvSpPr>
+          <p:spPr>
+            <a:xfrm>
+              <a:off x="4709547" y="3454034"/>
+              <a:ext cx="1239442" cy="784830"/>
+            </a:xfrm>
+            <a:prstGeom prst="rect">
+              <a:avLst/>
+            </a:prstGeom>
+            <a:noFill/>
+          </p:spPr>
+          <p:txBody>
+            <a:bodyPr wrap="none" rtlCol="0">
+              <a:spAutoFit/>
+            </a:bodyPr>
+            <a:lstStyle/>
+            <a:p>
+              <a:pPr algn="ctr">
+                <a:lnSpc>
+                  <a:spcPct val="150000"/>
+                </a:lnSpc>
+              </a:pPr>
+              <a:r>
+                <a:rPr lang="en-US" altLang="ko-KR" sz="1000"/>
+                <a:t>Known </a:t>
+              </a:r>
+            </a:p>
+            <a:p>
+              <a:pPr algn="ctr">
+                <a:lnSpc>
+                  <a:spcPct val="150000"/>
+                </a:lnSpc>
+              </a:pPr>
+              <a:r>
+                <a:rPr lang="ko-KR" altLang="en-US" sz="1000"/>
+                <a:t>입출력 인터페이스</a:t>
+              </a:r>
+              <a:endParaRPr lang="en-GB" altLang="ko-KR" sz="1000"/>
+            </a:p>
+            <a:p>
+              <a:pPr algn="ctr">
+                <a:lnSpc>
+                  <a:spcPct val="150000"/>
+                </a:lnSpc>
+              </a:pPr>
+              <a:r>
+                <a:rPr lang="ko-KR" altLang="en-US" sz="1000" b="1">
+                  <a:solidFill>
+                    <a:srgbClr val="0070C0"/>
+                  </a:solidFill>
+                </a:rPr>
+                <a:t>구현</a:t>
+              </a:r>
+              <a:endParaRPr lang="en-GB" sz="1000" b="1">
+                <a:solidFill>
+                  <a:srgbClr val="0070C0"/>
+                </a:solidFill>
+              </a:endParaRPr>
+            </a:p>
+          </p:txBody>
+        </p:sp>
+        <p:sp>
+          <p:nvSpPr>
+            <p:cNvPr id="58" name="TextBox 57">
+              <a:extLst>
+                <a:ext uri="{FF2B5EF4-FFF2-40B4-BE49-F238E27FC236}">
+                  <a16:creationId xmlns:a16="http://schemas.microsoft.com/office/drawing/2014/main" id="{26545F89-BB06-A56E-9644-F01F80B9BD38}"/>
+                </a:ext>
+              </a:extLst>
+            </p:cNvPr>
+            <p:cNvSpPr txBox="1"/>
+            <p:nvPr/>
+          </p:nvSpPr>
+          <p:spPr>
+            <a:xfrm>
+              <a:off x="6850382" y="3679982"/>
+              <a:ext cx="1111202" cy="784830"/>
+            </a:xfrm>
+            <a:prstGeom prst="rect">
+              <a:avLst/>
+            </a:prstGeom>
+            <a:noFill/>
+          </p:spPr>
+          <p:txBody>
+            <a:bodyPr wrap="none" rtlCol="0">
+              <a:spAutoFit/>
+            </a:bodyPr>
+            <a:lstStyle/>
+            <a:p>
+              <a:pPr algn="ctr">
+                <a:lnSpc>
+                  <a:spcPct val="150000"/>
+                </a:lnSpc>
+              </a:pPr>
+              <a:r>
+                <a:rPr lang="en-US" altLang="ko-KR" sz="1000"/>
+                <a:t>Unknown </a:t>
+              </a:r>
+            </a:p>
+            <a:p>
+              <a:pPr algn="ctr">
+                <a:lnSpc>
+                  <a:spcPct val="150000"/>
+                </a:lnSpc>
+              </a:pPr>
+              <a:r>
+                <a:rPr lang="ko-KR" altLang="en-US" sz="1000"/>
+                <a:t>출력 인터페이스</a:t>
+              </a:r>
+              <a:endParaRPr lang="en-GB" altLang="ko-KR" sz="1000"/>
+            </a:p>
+            <a:p>
+              <a:pPr algn="ctr">
+                <a:lnSpc>
+                  <a:spcPct val="150000"/>
+                </a:lnSpc>
+              </a:pPr>
+              <a:r>
+                <a:rPr lang="ko-KR" altLang="en-US" sz="1000" b="1">
+                  <a:solidFill>
+                    <a:srgbClr val="0070C0"/>
+                  </a:solidFill>
+                </a:rPr>
+                <a:t>사용</a:t>
+              </a:r>
+              <a:endParaRPr lang="en-GB" sz="1000" b="1">
+                <a:solidFill>
+                  <a:srgbClr val="0070C0"/>
+                </a:solidFill>
+              </a:endParaRPr>
+            </a:p>
+          </p:txBody>
+        </p:sp>
+        <p:grpSp>
+          <p:nvGrpSpPr>
+            <p:cNvPr id="6" name="그룹 5">
+              <a:extLst>
+                <a:ext uri="{FF2B5EF4-FFF2-40B4-BE49-F238E27FC236}">
+                  <a16:creationId xmlns:a16="http://schemas.microsoft.com/office/drawing/2014/main" id="{F350590B-9E9E-F4BD-4C55-696AF4C218E7}"/>
+                </a:ext>
+              </a:extLst>
+            </p:cNvPr>
+            <p:cNvGrpSpPr/>
+            <p:nvPr/>
+          </p:nvGrpSpPr>
+          <p:grpSpPr>
+            <a:xfrm>
+              <a:off x="5087196" y="5456203"/>
+              <a:ext cx="1968533" cy="759761"/>
+              <a:chOff x="5087196" y="5711177"/>
+              <a:chExt cx="1968533" cy="759761"/>
+            </a:xfrm>
+          </p:grpSpPr>
+          <p:sp>
+            <p:nvSpPr>
+              <p:cNvPr id="87" name="TextBox 86">
+                <a:extLst>
+                  <a:ext uri="{FF2B5EF4-FFF2-40B4-BE49-F238E27FC236}">
+                    <a16:creationId xmlns:a16="http://schemas.microsoft.com/office/drawing/2014/main" id="{D0A62C00-5665-30DE-3761-C84DACBBE96B}"/>
+                  </a:ext>
+                </a:extLst>
+              </p:cNvPr>
+              <p:cNvSpPr txBox="1"/>
+              <p:nvPr/>
+            </p:nvSpPr>
+            <p:spPr>
+              <a:xfrm>
+                <a:off x="5393841" y="5788469"/>
+                <a:ext cx="1355243" cy="338554"/>
+              </a:xfrm>
+              <a:prstGeom prst="rect">
+                <a:avLst/>
+              </a:prstGeom>
+              <a:noFill/>
+            </p:spPr>
+            <p:txBody>
+              <a:bodyPr wrap="none" rtlCol="0">
+                <a:spAutoFit/>
+              </a:bodyPr>
+              <a:lstStyle/>
+              <a:p>
+                <a:r>
+                  <a:rPr lang="en-GB" sz="1600" b="1">
+                    <a:solidFill>
+                      <a:srgbClr val="0070C0"/>
+                    </a:solidFill>
+                  </a:rPr>
+                  <a:t>Domain Layer</a:t>
+                </a:r>
+              </a:p>
+            </p:txBody>
+          </p:sp>
+          <p:sp>
+            <p:nvSpPr>
+              <p:cNvPr id="88" name="TextBox 87">
+                <a:extLst>
+                  <a:ext uri="{FF2B5EF4-FFF2-40B4-BE49-F238E27FC236}">
+                    <a16:creationId xmlns:a16="http://schemas.microsoft.com/office/drawing/2014/main" id="{DCE20AF4-BF38-6C93-CF5F-59E68CEBFD1D}"/>
+                  </a:ext>
+                </a:extLst>
+              </p:cNvPr>
+              <p:cNvSpPr txBox="1"/>
+              <p:nvPr/>
+            </p:nvSpPr>
+            <p:spPr>
+              <a:xfrm>
+                <a:off x="5693795" y="6116647"/>
+                <a:ext cx="755335" cy="276999"/>
+              </a:xfrm>
+              <a:prstGeom prst="rect">
+                <a:avLst/>
+              </a:prstGeom>
+              <a:noFill/>
+            </p:spPr>
+            <p:txBody>
+              <a:bodyPr wrap="none" rtlCol="0">
+                <a:spAutoFit/>
+              </a:bodyPr>
+              <a:lstStyle/>
+              <a:p>
+                <a:r>
+                  <a:rPr lang="en-GB" sz="1200" b="1">
+                    <a:solidFill>
+                      <a:srgbClr val="0070C0"/>
+                    </a:solidFill>
+                  </a:rPr>
+                  <a:t>Biz. </a:t>
+                </a:r>
+                <a:r>
+                  <a:rPr lang="ko-KR" altLang="en-US" sz="1200" b="1">
+                    <a:solidFill>
+                      <a:srgbClr val="0070C0"/>
+                    </a:solidFill>
+                  </a:rPr>
+                  <a:t>단위</a:t>
+                </a:r>
+                <a:endParaRPr lang="en-GB" sz="1200" b="1">
+                  <a:solidFill>
+                    <a:srgbClr val="0070C0"/>
+                  </a:solidFill>
+                </a:endParaRPr>
+              </a:p>
+            </p:txBody>
+          </p:sp>
+          <p:sp>
+            <p:nvSpPr>
+              <p:cNvPr id="86" name="직사각형 85">
+                <a:extLst>
+                  <a:ext uri="{FF2B5EF4-FFF2-40B4-BE49-F238E27FC236}">
+                    <a16:creationId xmlns:a16="http://schemas.microsoft.com/office/drawing/2014/main" id="{35AC5BDA-8369-2E98-A1A2-25947B1938EB}"/>
+                  </a:ext>
+                </a:extLst>
+              </p:cNvPr>
+              <p:cNvSpPr/>
+              <p:nvPr/>
+            </p:nvSpPr>
+            <p:spPr>
+              <a:xfrm>
+                <a:off x="5087196" y="5711177"/>
+                <a:ext cx="1968533" cy="759761"/>
+              </a:xfrm>
+              <a:prstGeom prst="rect">
+                <a:avLst/>
+              </a:prstGeom>
+              <a:noFill/>
+              <a:ln>
+                <a:solidFill>
+                  <a:srgbClr val="0070C0"/>
+                </a:solidFill>
+              </a:ln>
+            </p:spPr>
+            <p:style>
+              <a:lnRef idx="2">
+                <a:schemeClr val="accent1">
+                  <a:shade val="15000"/>
+                </a:schemeClr>
+              </a:lnRef>
+              <a:fillRef idx="1">
+                <a:schemeClr val="accent1"/>
+              </a:fillRef>
+              <a:effectRef idx="0">
+                <a:schemeClr val="accent1"/>
+              </a:effectRef>
+              <a:fontRef idx="minor">
+                <a:schemeClr val="lt1"/>
+              </a:fontRef>
+            </p:style>
+            <p:txBody>
+              <a:bodyPr rtlCol="0" anchor="ctr"/>
+              <a:lstStyle/>
+              <a:p>
+                <a:pPr algn="ctr"/>
+                <a:endParaRPr lang="en-GB"/>
+              </a:p>
+            </p:txBody>
+          </p:sp>
+        </p:grpSp>
+        <p:sp>
+          <p:nvSpPr>
+            <p:cNvPr id="92" name="직사각형 91">
+              <a:extLst>
+                <a:ext uri="{FF2B5EF4-FFF2-40B4-BE49-F238E27FC236}">
+                  <a16:creationId xmlns:a16="http://schemas.microsoft.com/office/drawing/2014/main" id="{3DC15363-8CAF-9A62-A52B-9F00C5823B4E}"/>
+                </a:ext>
+              </a:extLst>
+            </p:cNvPr>
+            <p:cNvSpPr/>
+            <p:nvPr/>
+          </p:nvSpPr>
+          <p:spPr>
+            <a:xfrm>
+              <a:off x="8633425" y="4300340"/>
+              <a:ext cx="1968533" cy="759761"/>
+            </a:xfrm>
+            <a:prstGeom prst="rect">
+              <a:avLst/>
+            </a:prstGeom>
+            <a:noFill/>
+            <a:ln>
+              <a:solidFill>
+                <a:srgbClr val="C00000"/>
+              </a:solidFill>
+              <a:prstDash val="dash"/>
+            </a:ln>
+          </p:spPr>
+          <p:style>
+            <a:lnRef idx="2">
+              <a:schemeClr val="accent1">
+                <a:shade val="15000"/>
+              </a:schemeClr>
+            </a:lnRef>
+            <a:fillRef idx="1">
+              <a:schemeClr val="accent1"/>
+            </a:fillRef>
+            <a:effectRef idx="0">
+              <a:schemeClr val="accent1"/>
+            </a:effectRef>
+            <a:fontRef idx="minor">
+              <a:schemeClr val="lt1"/>
+            </a:fontRef>
+          </p:style>
+          <p:txBody>
+            <a:bodyPr rtlCol="0" anchor="ctr"/>
+            <a:lstStyle/>
+            <a:p>
+              <a:pPr algn="ctr"/>
+              <a:endParaRPr lang="en-GB"/>
+            </a:p>
+          </p:txBody>
+        </p:sp>
+        <p:sp>
+          <p:nvSpPr>
+            <p:cNvPr id="94" name="TextBox 93">
+              <a:extLst>
+                <a:ext uri="{FF2B5EF4-FFF2-40B4-BE49-F238E27FC236}">
+                  <a16:creationId xmlns:a16="http://schemas.microsoft.com/office/drawing/2014/main" id="{BE83A09B-46F0-67AC-7EC3-F9DED2184C2D}"/>
+                </a:ext>
+              </a:extLst>
+            </p:cNvPr>
+            <p:cNvSpPr txBox="1"/>
+            <p:nvPr/>
+          </p:nvSpPr>
+          <p:spPr>
+            <a:xfrm>
+              <a:off x="8928913" y="4377632"/>
+              <a:ext cx="1377557" cy="338554"/>
+            </a:xfrm>
+            <a:prstGeom prst="rect">
+              <a:avLst/>
+            </a:prstGeom>
+            <a:noFill/>
+          </p:spPr>
+          <p:txBody>
+            <a:bodyPr wrap="none" rtlCol="0">
+              <a:spAutoFit/>
+            </a:bodyPr>
+            <a:lstStyle/>
+            <a:p>
+              <a:r>
+                <a:rPr lang="en-GB" sz="1600" b="1">
+                  <a:solidFill>
+                    <a:srgbClr val="C00000"/>
+                  </a:solidFill>
+                </a:rPr>
+                <a:t>Adapter Layer</a:t>
+              </a:r>
+            </a:p>
+          </p:txBody>
+        </p:sp>
+        <p:sp>
+          <p:nvSpPr>
+            <p:cNvPr id="95" name="TextBox 94">
+              <a:extLst>
+                <a:ext uri="{FF2B5EF4-FFF2-40B4-BE49-F238E27FC236}">
+                  <a16:creationId xmlns:a16="http://schemas.microsoft.com/office/drawing/2014/main" id="{7886496C-D03A-BDA0-C8FE-1397CCB84A50}"/>
+                </a:ext>
+              </a:extLst>
+            </p:cNvPr>
+            <p:cNvSpPr txBox="1"/>
+            <p:nvPr/>
+          </p:nvSpPr>
+          <p:spPr>
+            <a:xfrm>
+              <a:off x="9360473" y="4705810"/>
+              <a:ext cx="514436" cy="276999"/>
+            </a:xfrm>
+            <a:prstGeom prst="rect">
+              <a:avLst/>
+            </a:prstGeom>
+            <a:noFill/>
+          </p:spPr>
+          <p:txBody>
+            <a:bodyPr wrap="none" rtlCol="0">
+              <a:spAutoFit/>
+            </a:bodyPr>
+            <a:lstStyle/>
+            <a:p>
+              <a:r>
+                <a:rPr lang="en-GB" sz="1200" b="1">
+                  <a:solidFill>
+                    <a:srgbClr val="C00000"/>
+                  </a:solidFill>
+                </a:rPr>
+                <a:t>Tech.</a:t>
+              </a:r>
+            </a:p>
+          </p:txBody>
+        </p:sp>
+        <p:sp>
+          <p:nvSpPr>
+            <p:cNvPr id="73" name="타원 72">
+              <a:extLst>
+                <a:ext uri="{FF2B5EF4-FFF2-40B4-BE49-F238E27FC236}">
+                  <a16:creationId xmlns:a16="http://schemas.microsoft.com/office/drawing/2014/main" id="{7ED39681-2809-A7B7-1252-6A06E7746E9E}"/>
+                </a:ext>
+              </a:extLst>
+            </p:cNvPr>
+            <p:cNvSpPr/>
+            <p:nvPr/>
+          </p:nvSpPr>
+          <p:spPr>
+            <a:xfrm>
+              <a:off x="5981462" y="3756449"/>
+              <a:ext cx="180000" cy="180000"/>
+            </a:xfrm>
+            <a:prstGeom prst="ellipse">
+              <a:avLst/>
+            </a:prstGeom>
+            <a:solidFill>
+              <a:schemeClr val="tx1"/>
+            </a:solidFill>
+            <a:ln w="28575"/>
+          </p:spPr>
+          <p:style>
+            <a:lnRef idx="2">
+              <a:schemeClr val="accent1">
+                <a:shade val="15000"/>
+              </a:schemeClr>
+            </a:lnRef>
+            <a:fillRef idx="1">
+              <a:schemeClr val="accent1"/>
+            </a:fillRef>
+            <a:effectRef idx="0">
+              <a:schemeClr val="accent1"/>
+            </a:effectRef>
+            <a:fontRef idx="minor">
+              <a:schemeClr val="lt1"/>
+            </a:fontRef>
+          </p:style>
+          <p:txBody>
+            <a:bodyPr rtlCol="0" anchor="ctr"/>
+            <a:lstStyle/>
+            <a:p>
+              <a:pPr algn="ctr"/>
+              <a:endParaRPr lang="en-GB"/>
+            </a:p>
+          </p:txBody>
+        </p:sp>
+        <p:sp>
+          <p:nvSpPr>
+            <p:cNvPr id="78" name="직사각형 77">
+              <a:extLst>
+                <a:ext uri="{FF2B5EF4-FFF2-40B4-BE49-F238E27FC236}">
+                  <a16:creationId xmlns:a16="http://schemas.microsoft.com/office/drawing/2014/main" id="{13EDD95F-FE4A-0850-7C46-7398E32B2155}"/>
+                </a:ext>
+              </a:extLst>
+            </p:cNvPr>
+            <p:cNvSpPr/>
+            <p:nvPr/>
+          </p:nvSpPr>
+          <p:spPr>
+            <a:xfrm>
+              <a:off x="5087196" y="1891247"/>
+              <a:ext cx="1968533" cy="759761"/>
+            </a:xfrm>
+            <a:prstGeom prst="rect">
+              <a:avLst/>
+            </a:prstGeom>
+            <a:solidFill>
+              <a:schemeClr val="accent2">
+                <a:lumMod val="20000"/>
+                <a:lumOff val="80000"/>
+              </a:schemeClr>
+            </a:solidFill>
+            <a:ln>
+              <a:solidFill>
+                <a:srgbClr val="C00000"/>
+              </a:solidFill>
+            </a:ln>
+          </p:spPr>
+          <p:style>
+            <a:lnRef idx="2">
+              <a:schemeClr val="accent1">
+                <a:shade val="15000"/>
+              </a:schemeClr>
+            </a:lnRef>
+            <a:fillRef idx="1">
+              <a:schemeClr val="accent1"/>
+            </a:fillRef>
+            <a:effectRef idx="0">
+              <a:schemeClr val="accent1"/>
+            </a:effectRef>
+            <a:fontRef idx="minor">
+              <a:schemeClr val="lt1"/>
+            </a:fontRef>
+          </p:style>
+          <p:txBody>
+            <a:bodyPr rtlCol="0" anchor="ctr"/>
+            <a:lstStyle/>
+            <a:p>
+              <a:pPr algn="ctr"/>
+              <a:endParaRPr lang="en-GB"/>
+            </a:p>
+          </p:txBody>
+        </p:sp>
+        <p:sp>
+          <p:nvSpPr>
+            <p:cNvPr id="89" name="TextBox 88">
+              <a:extLst>
+                <a:ext uri="{FF2B5EF4-FFF2-40B4-BE49-F238E27FC236}">
+                  <a16:creationId xmlns:a16="http://schemas.microsoft.com/office/drawing/2014/main" id="{7877BBF6-5FCF-7862-1C14-F51921E72A6B}"/>
+                </a:ext>
+              </a:extLst>
+            </p:cNvPr>
+            <p:cNvSpPr txBox="1"/>
+            <p:nvPr/>
+          </p:nvSpPr>
+          <p:spPr>
+            <a:xfrm>
+              <a:off x="5581937" y="2101850"/>
+              <a:ext cx="979051" cy="338554"/>
+            </a:xfrm>
+            <a:prstGeom prst="rect">
+              <a:avLst/>
+            </a:prstGeom>
+            <a:noFill/>
+          </p:spPr>
+          <p:txBody>
+            <a:bodyPr wrap="none" rtlCol="0">
+              <a:spAutoFit/>
+            </a:bodyPr>
+            <a:lstStyle/>
+            <a:p>
+              <a:r>
+                <a:rPr lang="en-US" sz="1600" b="1">
+                  <a:solidFill>
+                    <a:srgbClr val="C00000"/>
+                  </a:solidFill>
+                </a:rPr>
+                <a:t>Mediator</a:t>
+              </a:r>
+              <a:endParaRPr lang="en-GB" sz="1600" b="1">
+                <a:solidFill>
+                  <a:srgbClr val="C00000"/>
+                </a:solidFill>
+              </a:endParaRPr>
+            </a:p>
+          </p:txBody>
+        </p:sp>
+        <p:cxnSp>
+          <p:nvCxnSpPr>
+            <p:cNvPr id="97" name="직선 화살표 연결선 96">
+              <a:extLst>
+                <a:ext uri="{FF2B5EF4-FFF2-40B4-BE49-F238E27FC236}">
+                  <a16:creationId xmlns:a16="http://schemas.microsoft.com/office/drawing/2014/main" id="{86DB80C7-1E91-9593-D8C5-F269C4488D80}"/>
+                </a:ext>
+              </a:extLst>
+            </p:cNvPr>
+            <p:cNvCxnSpPr>
+              <a:cxnSpLocks/>
+              <a:stCxn id="17" idx="1"/>
+              <a:endCxn id="78" idx="3"/>
+            </p:cNvCxnSpPr>
+            <p:nvPr/>
+          </p:nvCxnSpPr>
+          <p:spPr>
+            <a:xfrm flipH="1">
+              <a:off x="7055729" y="2271128"/>
+              <a:ext cx="1577696" cy="0"/>
+            </a:xfrm>
+            <a:prstGeom prst="straightConnector1">
+              <a:avLst/>
+            </a:prstGeom>
+            <a:ln w="28575">
+              <a:solidFill>
+                <a:schemeClr val="tx1"/>
+              </a:solidFill>
+              <a:prstDash val="solid"/>
+              <a:tailEnd type="arrow"/>
+            </a:ln>
+          </p:spPr>
+          <p:style>
+            <a:lnRef idx="1">
+              <a:schemeClr val="accent1"/>
+            </a:lnRef>
+            <a:fillRef idx="0">
+              <a:schemeClr val="accent1"/>
+            </a:fillRef>
+            <a:effectRef idx="0">
+              <a:schemeClr val="accent1"/>
+            </a:effectRef>
+            <a:fontRef idx="minor">
+              <a:schemeClr val="tx1"/>
+            </a:fontRef>
+          </p:style>
+        </p:cxnSp>
+        <p:cxnSp>
+          <p:nvCxnSpPr>
+            <p:cNvPr id="98" name="직선 화살표 연결선 97">
+              <a:extLst>
+                <a:ext uri="{FF2B5EF4-FFF2-40B4-BE49-F238E27FC236}">
+                  <a16:creationId xmlns:a16="http://schemas.microsoft.com/office/drawing/2014/main" id="{D17010A9-7368-64E5-8952-4C4C08124C65}"/>
+                </a:ext>
+              </a:extLst>
+            </p:cNvPr>
+            <p:cNvCxnSpPr>
+              <a:cxnSpLocks/>
+              <a:stCxn id="78" idx="2"/>
+              <a:endCxn id="73" idx="0"/>
+            </p:cNvCxnSpPr>
+            <p:nvPr/>
+          </p:nvCxnSpPr>
+          <p:spPr>
+            <a:xfrm flipH="1">
+              <a:off x="6071462" y="2651008"/>
+              <a:ext cx="1" cy="1105441"/>
+            </a:xfrm>
+            <a:prstGeom prst="straightConnector1">
+              <a:avLst/>
+            </a:prstGeom>
+            <a:ln w="28575">
+              <a:solidFill>
+                <a:schemeClr val="tx1"/>
+              </a:solidFill>
+              <a:prstDash val="solid"/>
+              <a:tailEnd type="arrow"/>
+            </a:ln>
+          </p:spPr>
+          <p:style>
+            <a:lnRef idx="1">
+              <a:schemeClr val="accent1"/>
+            </a:lnRef>
+            <a:fillRef idx="0">
+              <a:schemeClr val="accent1"/>
+            </a:fillRef>
+            <a:effectRef idx="0">
+              <a:schemeClr val="accent1"/>
+            </a:effectRef>
+            <a:fontRef idx="minor">
+              <a:schemeClr val="tx1"/>
+            </a:fontRef>
+          </p:style>
+        </p:cxnSp>
+        <p:cxnSp>
+          <p:nvCxnSpPr>
+            <p:cNvPr id="99" name="직선 화살표 연결선 98">
+              <a:extLst>
+                <a:ext uri="{FF2B5EF4-FFF2-40B4-BE49-F238E27FC236}">
+                  <a16:creationId xmlns:a16="http://schemas.microsoft.com/office/drawing/2014/main" id="{236EDC96-4B19-7BBF-6123-4887C840EF25}"/>
+                </a:ext>
+              </a:extLst>
+            </p:cNvPr>
+            <p:cNvCxnSpPr>
+              <a:cxnSpLocks/>
+              <a:stCxn id="92" idx="1"/>
+              <a:endCxn id="31" idx="3"/>
+            </p:cNvCxnSpPr>
+            <p:nvPr/>
+          </p:nvCxnSpPr>
+          <p:spPr>
+            <a:xfrm flipH="1">
+              <a:off x="8120684" y="4680221"/>
+              <a:ext cx="512741" cy="0"/>
+            </a:xfrm>
+            <a:prstGeom prst="straightConnector1">
+              <a:avLst/>
+            </a:prstGeom>
+            <a:ln w="28575">
+              <a:solidFill>
+                <a:schemeClr val="tx1"/>
+              </a:solidFill>
+              <a:prstDash val="solid"/>
+              <a:headEnd type="none" w="med" len="med"/>
+              <a:tailEnd type="none" w="med" len="med"/>
+            </a:ln>
+          </p:spPr>
+          <p:style>
+            <a:lnRef idx="1">
+              <a:schemeClr val="accent1"/>
+            </a:lnRef>
+            <a:fillRef idx="0">
+              <a:schemeClr val="accent1"/>
+            </a:fillRef>
+            <a:effectRef idx="0">
+              <a:schemeClr val="accent1"/>
+            </a:effectRef>
+            <a:fontRef idx="minor">
+              <a:schemeClr val="tx1"/>
+            </a:fontRef>
+          </p:style>
+        </p:cxnSp>
+        <p:sp>
+          <p:nvSpPr>
+            <p:cNvPr id="126" name="화살표: 오른쪽 32">
+              <a:extLst>
+                <a:ext uri="{FF2B5EF4-FFF2-40B4-BE49-F238E27FC236}">
+                  <a16:creationId xmlns:a16="http://schemas.microsoft.com/office/drawing/2014/main" id="{6639E4B6-4FC2-2597-3EA6-F8E9302EBE74}"/>
+                </a:ext>
+              </a:extLst>
+            </p:cNvPr>
+            <p:cNvSpPr/>
+            <p:nvPr/>
+          </p:nvSpPr>
+          <p:spPr>
+            <a:xfrm rot="10800000">
+              <a:off x="7936236" y="703594"/>
+              <a:ext cx="3062313" cy="698639"/>
+            </a:xfrm>
+            <a:prstGeom prst="rightArrow">
+              <a:avLst>
+                <a:gd name="adj1" fmla="val 82713"/>
+                <a:gd name="adj2" fmla="val 50000"/>
+              </a:avLst>
+            </a:prstGeom>
+            <a:solidFill>
+              <a:schemeClr val="accent2">
+                <a:lumMod val="20000"/>
+                <a:lumOff val="80000"/>
+              </a:schemeClr>
+            </a:solidFill>
+            <a:ln>
+              <a:solidFill>
+                <a:schemeClr val="accent2">
+                  <a:lumMod val="20000"/>
+                  <a:lumOff val="80000"/>
+                </a:schemeClr>
+              </a:solidFill>
+            </a:ln>
+          </p:spPr>
+          <p:style>
+            <a:lnRef idx="2">
+              <a:schemeClr val="accent1">
+                <a:shade val="15000"/>
+              </a:schemeClr>
+            </a:lnRef>
+            <a:fillRef idx="1">
+              <a:schemeClr val="accent1"/>
+            </a:fillRef>
+            <a:effectRef idx="0">
+              <a:schemeClr val="accent1"/>
+            </a:effectRef>
+            <a:fontRef idx="minor">
+              <a:schemeClr val="lt1"/>
+            </a:fontRef>
+          </p:style>
+          <p:txBody>
+            <a:bodyPr rtlCol="0" anchor="ctr"/>
+            <a:lstStyle/>
+            <a:p>
+              <a:pPr algn="ctr"/>
+              <a:endParaRPr lang="en-GB"/>
+            </a:p>
+          </p:txBody>
+        </p:sp>
+        <p:sp>
+          <p:nvSpPr>
+            <p:cNvPr id="127" name="화살표: 오른쪽 7">
+              <a:extLst>
+                <a:ext uri="{FF2B5EF4-FFF2-40B4-BE49-F238E27FC236}">
+                  <a16:creationId xmlns:a16="http://schemas.microsoft.com/office/drawing/2014/main" id="{B260B2D5-3463-9921-5BE5-1B3528C31D7E}"/>
+                </a:ext>
+              </a:extLst>
+            </p:cNvPr>
+            <p:cNvSpPr/>
+            <p:nvPr/>
+          </p:nvSpPr>
+          <p:spPr>
+            <a:xfrm>
+              <a:off x="1130156" y="703595"/>
+              <a:ext cx="3062313" cy="698639"/>
+            </a:xfrm>
+            <a:prstGeom prst="rightArrow">
+              <a:avLst>
+                <a:gd name="adj1" fmla="val 82713"/>
+                <a:gd name="adj2" fmla="val 50000"/>
+              </a:avLst>
+            </a:prstGeom>
+            <a:solidFill>
+              <a:schemeClr val="accent2">
+                <a:lumMod val="20000"/>
+                <a:lumOff val="80000"/>
+              </a:schemeClr>
+            </a:solidFill>
+            <a:ln>
+              <a:solidFill>
+                <a:schemeClr val="accent2">
+                  <a:lumMod val="20000"/>
+                  <a:lumOff val="80000"/>
+                </a:schemeClr>
+              </a:solidFill>
+            </a:ln>
+          </p:spPr>
+          <p:style>
+            <a:lnRef idx="2">
+              <a:schemeClr val="accent1">
+                <a:shade val="15000"/>
+              </a:schemeClr>
+            </a:lnRef>
+            <a:fillRef idx="1">
+              <a:schemeClr val="accent1"/>
+            </a:fillRef>
+            <a:effectRef idx="0">
+              <a:schemeClr val="accent1"/>
+            </a:effectRef>
+            <a:fontRef idx="minor">
+              <a:schemeClr val="lt1"/>
+            </a:fontRef>
+          </p:style>
+          <p:txBody>
+            <a:bodyPr rtlCol="0" anchor="ctr"/>
+            <a:lstStyle/>
+            <a:p>
+              <a:pPr algn="ctr"/>
+              <a:endParaRPr lang="en-GB"/>
+            </a:p>
+          </p:txBody>
+        </p:sp>
+        <p:sp>
+          <p:nvSpPr>
+            <p:cNvPr id="128" name="화살표: 왼쪽/오른쪽 66">
+              <a:extLst>
+                <a:ext uri="{FF2B5EF4-FFF2-40B4-BE49-F238E27FC236}">
+                  <a16:creationId xmlns:a16="http://schemas.microsoft.com/office/drawing/2014/main" id="{F551F891-639E-CF2F-E6C8-4C85417204EC}"/>
+                </a:ext>
+              </a:extLst>
+            </p:cNvPr>
+            <p:cNvSpPr/>
+            <p:nvPr/>
+          </p:nvSpPr>
+          <p:spPr>
+            <a:xfrm>
+              <a:off x="4197872" y="703591"/>
+              <a:ext cx="3747181" cy="698643"/>
+            </a:xfrm>
+            <a:prstGeom prst="leftRightArrow">
+              <a:avLst>
+                <a:gd name="adj1" fmla="val 82353"/>
+                <a:gd name="adj2" fmla="val 46324"/>
+              </a:avLst>
+            </a:prstGeom>
+            <a:solidFill>
+              <a:schemeClr val="accent1">
+                <a:lumMod val="20000"/>
+                <a:lumOff val="80000"/>
+              </a:schemeClr>
+            </a:solidFill>
+            <a:ln>
+              <a:solidFill>
+                <a:schemeClr val="accent1">
+                  <a:lumMod val="20000"/>
+                  <a:lumOff val="80000"/>
+                </a:schemeClr>
+              </a:solidFill>
+            </a:ln>
+          </p:spPr>
+          <p:style>
+            <a:lnRef idx="2">
+              <a:schemeClr val="accent1">
+                <a:shade val="15000"/>
+              </a:schemeClr>
+            </a:lnRef>
+            <a:fillRef idx="1">
+              <a:schemeClr val="accent1"/>
+            </a:fillRef>
+            <a:effectRef idx="0">
+              <a:schemeClr val="accent1"/>
+            </a:effectRef>
+            <a:fontRef idx="minor">
+              <a:schemeClr val="lt1"/>
+            </a:fontRef>
+          </p:style>
+          <p:txBody>
+            <a:bodyPr rtlCol="0" anchor="ctr"/>
+            <a:lstStyle/>
+            <a:p>
+              <a:pPr algn="ctr"/>
+              <a:endParaRPr lang="en-GB"/>
+            </a:p>
+          </p:txBody>
+        </p:sp>
+        <p:sp>
+          <p:nvSpPr>
+            <p:cNvPr id="129" name="TextBox 128">
+              <a:extLst>
+                <a:ext uri="{FF2B5EF4-FFF2-40B4-BE49-F238E27FC236}">
+                  <a16:creationId xmlns:a16="http://schemas.microsoft.com/office/drawing/2014/main" id="{C9D2EDE0-115C-F493-CC58-0999E951FD1A}"/>
+                </a:ext>
+              </a:extLst>
+            </p:cNvPr>
+            <p:cNvSpPr txBox="1"/>
+            <p:nvPr/>
+          </p:nvSpPr>
+          <p:spPr>
+            <a:xfrm>
+              <a:off x="5709825" y="753868"/>
+              <a:ext cx="723275" cy="584775"/>
+            </a:xfrm>
+            <a:prstGeom prst="rect">
+              <a:avLst/>
+            </a:prstGeom>
+            <a:noFill/>
+          </p:spPr>
+          <p:txBody>
+            <a:bodyPr wrap="none" rtlCol="0">
+              <a:spAutoFit/>
+            </a:bodyPr>
+            <a:lstStyle/>
+            <a:p>
+              <a:pPr algn="ctr"/>
+              <a:r>
+                <a:rPr lang="en-GB" b="1">
+                  <a:solidFill>
+                    <a:srgbClr val="0070C0"/>
+                  </a:solidFill>
+                </a:rPr>
+                <a:t>Biz.</a:t>
+              </a:r>
+            </a:p>
+            <a:p>
+              <a:pPr algn="ctr"/>
+              <a:r>
+                <a:rPr lang="ko-KR" altLang="en-US" sz="1400" b="1">
+                  <a:solidFill>
+                    <a:srgbClr val="0070C0"/>
+                  </a:solidFill>
+                </a:rPr>
+                <a:t>관심사</a:t>
+              </a:r>
+              <a:endParaRPr lang="en-GB" sz="1400" b="1">
+                <a:solidFill>
+                  <a:srgbClr val="0070C0"/>
+                </a:solidFill>
+              </a:endParaRPr>
+            </a:p>
+          </p:txBody>
+        </p:sp>
+        <p:sp>
+          <p:nvSpPr>
+            <p:cNvPr id="130" name="TextBox 129">
+              <a:extLst>
+                <a:ext uri="{FF2B5EF4-FFF2-40B4-BE49-F238E27FC236}">
+                  <a16:creationId xmlns:a16="http://schemas.microsoft.com/office/drawing/2014/main" id="{BD35BD65-185E-8346-7AE2-14C64BE4EA20}"/>
+                </a:ext>
+              </a:extLst>
+            </p:cNvPr>
+            <p:cNvSpPr txBox="1"/>
+            <p:nvPr/>
+          </p:nvSpPr>
+          <p:spPr>
+            <a:xfrm>
+              <a:off x="2031899" y="753868"/>
+              <a:ext cx="723276" cy="584775"/>
+            </a:xfrm>
+            <a:prstGeom prst="rect">
+              <a:avLst/>
+            </a:prstGeom>
+            <a:noFill/>
+          </p:spPr>
+          <p:txBody>
+            <a:bodyPr wrap="none" rtlCol="0">
+              <a:spAutoFit/>
+            </a:bodyPr>
+            <a:lstStyle/>
+            <a:p>
+              <a:pPr algn="ctr"/>
+              <a:r>
+                <a:rPr lang="en-GB" b="1">
+                  <a:solidFill>
+                    <a:srgbClr val="C00000"/>
+                  </a:solidFill>
+                </a:rPr>
+                <a:t>Tech.</a:t>
+              </a:r>
+            </a:p>
+            <a:p>
+              <a:pPr algn="ctr"/>
+              <a:r>
+                <a:rPr lang="ko-KR" altLang="en-US" sz="1400" b="1">
+                  <a:solidFill>
+                    <a:srgbClr val="C00000"/>
+                  </a:solidFill>
+                </a:rPr>
+                <a:t>관심사</a:t>
+              </a:r>
+              <a:endParaRPr lang="en-GB" sz="1400" b="1">
+                <a:solidFill>
+                  <a:srgbClr val="C00000"/>
+                </a:solidFill>
+              </a:endParaRPr>
+            </a:p>
+          </p:txBody>
+        </p:sp>
+        <p:sp>
+          <p:nvSpPr>
+            <p:cNvPr id="131" name="TextBox 130">
+              <a:extLst>
+                <a:ext uri="{FF2B5EF4-FFF2-40B4-BE49-F238E27FC236}">
+                  <a16:creationId xmlns:a16="http://schemas.microsoft.com/office/drawing/2014/main" id="{6FD993CB-36E7-D2C3-FF40-EB4D7DDC7FE2}"/>
+                </a:ext>
+              </a:extLst>
+            </p:cNvPr>
+            <p:cNvSpPr txBox="1"/>
+            <p:nvPr/>
+          </p:nvSpPr>
+          <p:spPr>
+            <a:xfrm>
+              <a:off x="9256053" y="753868"/>
+              <a:ext cx="723276" cy="584775"/>
+            </a:xfrm>
+            <a:prstGeom prst="rect">
+              <a:avLst/>
+            </a:prstGeom>
+            <a:noFill/>
+          </p:spPr>
+          <p:txBody>
+            <a:bodyPr wrap="none" rtlCol="0">
+              <a:spAutoFit/>
+            </a:bodyPr>
+            <a:lstStyle/>
+            <a:p>
+              <a:pPr algn="ctr"/>
+              <a:r>
+                <a:rPr lang="en-GB" b="1">
+                  <a:solidFill>
+                    <a:srgbClr val="C00000"/>
+                  </a:solidFill>
+                </a:rPr>
+                <a:t>Tech.</a:t>
+              </a:r>
+            </a:p>
+            <a:p>
+              <a:pPr algn="ctr"/>
+              <a:r>
+                <a:rPr lang="ko-KR" altLang="en-US" sz="1400" b="1">
+                  <a:solidFill>
+                    <a:srgbClr val="C00000"/>
+                  </a:solidFill>
+                </a:rPr>
+                <a:t>관심사</a:t>
+              </a:r>
+              <a:endParaRPr lang="en-GB" sz="1400" b="1">
+                <a:solidFill>
+                  <a:srgbClr val="C00000"/>
+                </a:solidFill>
+              </a:endParaRPr>
+            </a:p>
+          </p:txBody>
+        </p:sp>
+        <p:sp>
+          <p:nvSpPr>
+            <p:cNvPr id="132" name="TextBox 131">
+              <a:extLst>
+                <a:ext uri="{FF2B5EF4-FFF2-40B4-BE49-F238E27FC236}">
+                  <a16:creationId xmlns:a16="http://schemas.microsoft.com/office/drawing/2014/main" id="{C63087CC-0BE0-855A-9FC5-448B2ED025D9}"/>
+                </a:ext>
+              </a:extLst>
+            </p:cNvPr>
+            <p:cNvSpPr txBox="1"/>
+            <p:nvPr/>
+          </p:nvSpPr>
+          <p:spPr>
+            <a:xfrm>
+              <a:off x="1993428" y="202427"/>
+              <a:ext cx="800219" cy="461665"/>
+            </a:xfrm>
+            <a:prstGeom prst="rect">
+              <a:avLst/>
+            </a:prstGeom>
+            <a:noFill/>
+          </p:spPr>
+          <p:txBody>
+            <a:bodyPr wrap="none" rtlCol="0">
+              <a:spAutoFit/>
+            </a:bodyPr>
+            <a:lstStyle/>
+            <a:p>
+              <a:r>
+                <a:rPr lang="ko-KR" altLang="en-US" sz="2400" b="1">
+                  <a:solidFill>
+                    <a:srgbClr val="C00000"/>
+                  </a:solidFill>
+                </a:rPr>
+                <a:t>입력</a:t>
+              </a:r>
+              <a:endParaRPr lang="en-GB" sz="2400" b="1">
+                <a:solidFill>
+                  <a:srgbClr val="C00000"/>
+                </a:solidFill>
+              </a:endParaRPr>
+            </a:p>
+          </p:txBody>
+        </p:sp>
+        <p:sp>
+          <p:nvSpPr>
+            <p:cNvPr id="133" name="TextBox 132">
+              <a:extLst>
+                <a:ext uri="{FF2B5EF4-FFF2-40B4-BE49-F238E27FC236}">
+                  <a16:creationId xmlns:a16="http://schemas.microsoft.com/office/drawing/2014/main" id="{167E6767-7B96-0074-8110-5EC6320F29D3}"/>
+                </a:ext>
+              </a:extLst>
+            </p:cNvPr>
+            <p:cNvSpPr txBox="1"/>
+            <p:nvPr/>
+          </p:nvSpPr>
+          <p:spPr>
+            <a:xfrm>
+              <a:off x="9217582" y="202427"/>
+              <a:ext cx="800219" cy="461665"/>
+            </a:xfrm>
+            <a:prstGeom prst="rect">
+              <a:avLst/>
+            </a:prstGeom>
+            <a:noFill/>
+          </p:spPr>
+          <p:txBody>
+            <a:bodyPr wrap="none" rtlCol="0">
+              <a:spAutoFit/>
+            </a:bodyPr>
+            <a:lstStyle/>
+            <a:p>
+              <a:r>
+                <a:rPr lang="ko-KR" altLang="en-US" sz="2400" b="1">
+                  <a:solidFill>
+                    <a:srgbClr val="C00000"/>
+                  </a:solidFill>
+                </a:rPr>
+                <a:t>출력</a:t>
+              </a:r>
+              <a:endParaRPr lang="en-GB" sz="2400" b="1">
+                <a:solidFill>
+                  <a:srgbClr val="C00000"/>
+                </a:solidFill>
+              </a:endParaRPr>
+            </a:p>
+          </p:txBody>
+        </p:sp>
+        <p:sp>
+          <p:nvSpPr>
+            <p:cNvPr id="134" name="TextBox 133">
+              <a:extLst>
+                <a:ext uri="{FF2B5EF4-FFF2-40B4-BE49-F238E27FC236}">
+                  <a16:creationId xmlns:a16="http://schemas.microsoft.com/office/drawing/2014/main" id="{02C39EB0-A916-90E7-B63C-E874E380C8D4}"/>
+                </a:ext>
+              </a:extLst>
+            </p:cNvPr>
+            <p:cNvSpPr txBox="1"/>
+            <p:nvPr/>
+          </p:nvSpPr>
+          <p:spPr>
+            <a:xfrm>
+              <a:off x="5671353" y="202427"/>
+              <a:ext cx="800219" cy="461665"/>
+            </a:xfrm>
+            <a:prstGeom prst="rect">
+              <a:avLst/>
+            </a:prstGeom>
+            <a:noFill/>
+          </p:spPr>
+          <p:txBody>
+            <a:bodyPr wrap="none" rtlCol="0">
+              <a:spAutoFit/>
+            </a:bodyPr>
+            <a:lstStyle/>
+            <a:p>
+              <a:r>
+                <a:rPr lang="ko-KR" altLang="en-US" sz="2400" b="1">
+                  <a:solidFill>
+                    <a:srgbClr val="0070C0"/>
+                  </a:solidFill>
+                </a:rPr>
+                <a:t>연산</a:t>
+              </a:r>
+              <a:endParaRPr lang="en-GB" sz="2400" b="1">
+                <a:solidFill>
+                  <a:srgbClr val="0070C0"/>
+                </a:solidFill>
+              </a:endParaRPr>
+            </a:p>
+          </p:txBody>
+        </p:sp>
+        <p:sp>
+          <p:nvSpPr>
+            <p:cNvPr id="135" name="TextBox 134">
+              <a:extLst>
+                <a:ext uri="{FF2B5EF4-FFF2-40B4-BE49-F238E27FC236}">
+                  <a16:creationId xmlns:a16="http://schemas.microsoft.com/office/drawing/2014/main" id="{7C739EE1-342F-A755-214E-F428857AEE4A}"/>
+                </a:ext>
+              </a:extLst>
+            </p:cNvPr>
+            <p:cNvSpPr txBox="1"/>
+            <p:nvPr/>
+          </p:nvSpPr>
+          <p:spPr>
+            <a:xfrm>
+              <a:off x="4561596" y="899024"/>
+              <a:ext cx="832216" cy="307777"/>
+            </a:xfrm>
+            <a:prstGeom prst="rect">
+              <a:avLst/>
+            </a:prstGeom>
+            <a:noFill/>
+          </p:spPr>
+          <p:txBody>
+            <a:bodyPr wrap="none" rtlCol="0">
+              <a:spAutoFit/>
+            </a:bodyPr>
+            <a:lstStyle/>
+            <a:p>
+              <a:r>
+                <a:rPr lang="en-GB" sz="1400" b="1"/>
+                <a:t>Isolation</a:t>
+              </a:r>
+            </a:p>
+          </p:txBody>
+        </p:sp>
+        <p:sp>
+          <p:nvSpPr>
+            <p:cNvPr id="136" name="TextBox 135">
+              <a:extLst>
+                <a:ext uri="{FF2B5EF4-FFF2-40B4-BE49-F238E27FC236}">
+                  <a16:creationId xmlns:a16="http://schemas.microsoft.com/office/drawing/2014/main" id="{B9327866-B18B-FCAF-5B94-5C2C57AD8F1D}"/>
+                </a:ext>
+              </a:extLst>
+            </p:cNvPr>
+            <p:cNvSpPr txBox="1"/>
+            <p:nvPr/>
+          </p:nvSpPr>
+          <p:spPr>
+            <a:xfrm>
+              <a:off x="10739081" y="703591"/>
+              <a:ext cx="543739" cy="703526"/>
+            </a:xfrm>
+            <a:prstGeom prst="rect">
+              <a:avLst/>
+            </a:prstGeom>
+            <a:noFill/>
+          </p:spPr>
+          <p:txBody>
+            <a:bodyPr wrap="none" rtlCol="0">
+              <a:spAutoFit/>
+            </a:bodyPr>
+            <a:lstStyle/>
+            <a:p>
+              <a:pPr>
+                <a:lnSpc>
+                  <a:spcPct val="150000"/>
+                </a:lnSpc>
+              </a:pPr>
+              <a:r>
+                <a:rPr lang="ko-KR" altLang="en-US" sz="1400" b="1"/>
+                <a:t>변화</a:t>
+              </a:r>
+              <a:endParaRPr lang="en-GB" altLang="ko-KR" sz="1400" b="1"/>
+            </a:p>
+            <a:p>
+              <a:pPr>
+                <a:lnSpc>
+                  <a:spcPct val="150000"/>
+                </a:lnSpc>
+              </a:pPr>
+              <a:r>
+                <a:rPr lang="ko-KR" altLang="en-US" sz="1400" b="1"/>
+                <a:t>영향</a:t>
+              </a:r>
+              <a:endParaRPr lang="en-GB" sz="1400" b="1"/>
+            </a:p>
+          </p:txBody>
+        </p:sp>
+        <p:sp>
+          <p:nvSpPr>
+            <p:cNvPr id="137" name="TextBox 136">
+              <a:extLst>
+                <a:ext uri="{FF2B5EF4-FFF2-40B4-BE49-F238E27FC236}">
+                  <a16:creationId xmlns:a16="http://schemas.microsoft.com/office/drawing/2014/main" id="{F20EAE63-2912-BAF3-CE22-0BCD4E09BAF1}"/>
+                </a:ext>
+              </a:extLst>
+            </p:cNvPr>
+            <p:cNvSpPr txBox="1"/>
+            <p:nvPr/>
+          </p:nvSpPr>
+          <p:spPr>
+            <a:xfrm>
+              <a:off x="845885" y="698708"/>
+              <a:ext cx="543739" cy="703526"/>
+            </a:xfrm>
+            <a:prstGeom prst="rect">
+              <a:avLst/>
+            </a:prstGeom>
+            <a:noFill/>
+          </p:spPr>
+          <p:txBody>
+            <a:bodyPr wrap="none" rtlCol="0">
+              <a:spAutoFit/>
+            </a:bodyPr>
+            <a:lstStyle/>
+            <a:p>
+              <a:pPr>
+                <a:lnSpc>
+                  <a:spcPct val="150000"/>
+                </a:lnSpc>
+              </a:pPr>
+              <a:r>
+                <a:rPr lang="ko-KR" altLang="en-US" sz="1400" b="1"/>
+                <a:t>변화</a:t>
+              </a:r>
+              <a:endParaRPr lang="en-GB" altLang="ko-KR" sz="1400" b="1"/>
+            </a:p>
+            <a:p>
+              <a:pPr>
+                <a:lnSpc>
+                  <a:spcPct val="150000"/>
+                </a:lnSpc>
+              </a:pPr>
+              <a:r>
+                <a:rPr lang="ko-KR" altLang="en-US" sz="1400" b="1"/>
+                <a:t>영향</a:t>
+              </a:r>
+              <a:endParaRPr lang="en-GB" sz="1400" b="1"/>
+            </a:p>
+          </p:txBody>
+        </p:sp>
+        <p:grpSp>
+          <p:nvGrpSpPr>
+            <p:cNvPr id="29" name="그룹 28">
+              <a:extLst>
+                <a:ext uri="{FF2B5EF4-FFF2-40B4-BE49-F238E27FC236}">
+                  <a16:creationId xmlns:a16="http://schemas.microsoft.com/office/drawing/2014/main" id="{78DDBF9D-7FD6-0860-C6C9-2D03F9DCB713}"/>
+                </a:ext>
+              </a:extLst>
+            </p:cNvPr>
+            <p:cNvGrpSpPr/>
+            <p:nvPr/>
+          </p:nvGrpSpPr>
+          <p:grpSpPr>
+            <a:xfrm>
+              <a:off x="5606905" y="2828960"/>
+              <a:ext cx="929115" cy="585637"/>
+              <a:chOff x="5606905" y="2828960"/>
+              <a:chExt cx="929115" cy="585637"/>
+            </a:xfrm>
+            <a:solidFill>
+              <a:schemeClr val="tx1"/>
+            </a:solidFill>
+          </p:grpSpPr>
+          <p:sp>
+            <p:nvSpPr>
+              <p:cNvPr id="5" name="직사각형 4">
+                <a:extLst>
+                  <a:ext uri="{FF2B5EF4-FFF2-40B4-BE49-F238E27FC236}">
+                    <a16:creationId xmlns:a16="http://schemas.microsoft.com/office/drawing/2014/main" id="{7617FEE0-BBDC-809D-3DCA-EC6F4A095B59}"/>
+                  </a:ext>
+                </a:extLst>
+              </p:cNvPr>
+              <p:cNvSpPr/>
+              <p:nvPr/>
+            </p:nvSpPr>
+            <p:spPr>
+              <a:xfrm>
+                <a:off x="5606905" y="3270597"/>
+                <a:ext cx="929115" cy="144000"/>
+              </a:xfrm>
+              <a:prstGeom prst="rect">
+                <a:avLst/>
+              </a:prstGeom>
+              <a:grpFill/>
+              <a:ln>
+                <a:solidFill>
+                  <a:schemeClr val="tx1"/>
+                </a:solidFill>
+              </a:ln>
+            </p:spPr>
+            <p:style>
+              <a:lnRef idx="2">
+                <a:schemeClr val="accent1">
+                  <a:shade val="50000"/>
+                </a:schemeClr>
+              </a:lnRef>
+              <a:fillRef idx="1">
+                <a:schemeClr val="accent1"/>
+              </a:fillRef>
+              <a:effectRef idx="0">
+                <a:schemeClr val="accent1"/>
+              </a:effectRef>
+              <a:fontRef idx="minor">
+                <a:schemeClr val="lt1"/>
+              </a:fontRef>
+            </p:style>
+            <p:txBody>
+              <a:bodyPr rtlCol="0" anchor="ctr"/>
+              <a:lstStyle/>
+              <a:p>
+                <a:pPr algn="ctr"/>
+                <a:endParaRPr lang="ko-KR" altLang="en-US"/>
+              </a:p>
+            </p:txBody>
+          </p:sp>
+          <p:sp>
+            <p:nvSpPr>
+              <p:cNvPr id="53" name="직사각형 52">
+                <a:extLst>
+                  <a:ext uri="{FF2B5EF4-FFF2-40B4-BE49-F238E27FC236}">
+                    <a16:creationId xmlns:a16="http://schemas.microsoft.com/office/drawing/2014/main" id="{4FFB9C64-5D6B-A05D-FC77-7F5BDDF0C8CE}"/>
+                  </a:ext>
+                </a:extLst>
+              </p:cNvPr>
+              <p:cNvSpPr/>
+              <p:nvPr/>
+            </p:nvSpPr>
+            <p:spPr>
+              <a:xfrm>
+                <a:off x="5606905" y="3049779"/>
+                <a:ext cx="929115" cy="144000"/>
+              </a:xfrm>
+              <a:prstGeom prst="rect">
+                <a:avLst/>
+              </a:prstGeom>
+              <a:grpFill/>
+              <a:ln>
+                <a:solidFill>
+                  <a:schemeClr val="tx1"/>
+                </a:solidFill>
+              </a:ln>
+            </p:spPr>
+            <p:style>
+              <a:lnRef idx="2">
+                <a:schemeClr val="accent1">
+                  <a:shade val="50000"/>
+                </a:schemeClr>
+              </a:lnRef>
+              <a:fillRef idx="1">
+                <a:schemeClr val="accent1"/>
+              </a:fillRef>
+              <a:effectRef idx="0">
+                <a:schemeClr val="accent1"/>
+              </a:effectRef>
+              <a:fontRef idx="minor">
+                <a:schemeClr val="lt1"/>
+              </a:fontRef>
+            </p:style>
+            <p:txBody>
+              <a:bodyPr rtlCol="0" anchor="ctr"/>
+              <a:lstStyle/>
+              <a:p>
+                <a:pPr algn="ctr"/>
+                <a:endParaRPr lang="ko-KR" altLang="en-US"/>
+              </a:p>
+            </p:txBody>
+          </p:sp>
+          <p:sp>
+            <p:nvSpPr>
+              <p:cNvPr id="54" name="직사각형 53">
+                <a:extLst>
+                  <a:ext uri="{FF2B5EF4-FFF2-40B4-BE49-F238E27FC236}">
+                    <a16:creationId xmlns:a16="http://schemas.microsoft.com/office/drawing/2014/main" id="{6724A9C1-5B4F-9DBD-EE32-A0C3CA1ED313}"/>
+                  </a:ext>
+                </a:extLst>
+              </p:cNvPr>
+              <p:cNvSpPr/>
+              <p:nvPr/>
+            </p:nvSpPr>
+            <p:spPr>
+              <a:xfrm>
+                <a:off x="5606905" y="2828960"/>
+                <a:ext cx="929115" cy="144000"/>
+              </a:xfrm>
+              <a:prstGeom prst="rect">
+                <a:avLst/>
+              </a:prstGeom>
+              <a:grpFill/>
+              <a:ln>
+                <a:solidFill>
+                  <a:schemeClr val="tx1"/>
+                </a:solidFill>
+              </a:ln>
+            </p:spPr>
+            <p:style>
+              <a:lnRef idx="2">
+                <a:schemeClr val="accent1">
+                  <a:shade val="50000"/>
+                </a:schemeClr>
+              </a:lnRef>
+              <a:fillRef idx="1">
+                <a:schemeClr val="accent1"/>
+              </a:fillRef>
+              <a:effectRef idx="0">
+                <a:schemeClr val="accent1"/>
+              </a:effectRef>
+              <a:fontRef idx="minor">
+                <a:schemeClr val="lt1"/>
+              </a:fontRef>
+            </p:style>
+            <p:txBody>
+              <a:bodyPr rtlCol="0" anchor="ctr"/>
+              <a:lstStyle/>
+              <a:p>
+                <a:pPr algn="ctr"/>
+                <a:endParaRPr lang="ko-KR" altLang="en-US"/>
+              </a:p>
+            </p:txBody>
+          </p:sp>
+        </p:grpSp>
+        <p:sp>
+          <p:nvSpPr>
+            <p:cNvPr id="64" name="TextBox 63">
+              <a:extLst>
+                <a:ext uri="{FF2B5EF4-FFF2-40B4-BE49-F238E27FC236}">
+                  <a16:creationId xmlns:a16="http://schemas.microsoft.com/office/drawing/2014/main" id="{F5921C9C-88B4-9714-AE65-62DB674DCC4B}"/>
+                </a:ext>
+              </a:extLst>
+            </p:cNvPr>
+            <p:cNvSpPr txBox="1"/>
+            <p:nvPr/>
+          </p:nvSpPr>
+          <p:spPr>
+            <a:xfrm>
+              <a:off x="7660359" y="1652975"/>
+              <a:ext cx="569387" cy="553998"/>
+            </a:xfrm>
+            <a:prstGeom prst="rect">
+              <a:avLst/>
+            </a:prstGeom>
+            <a:noFill/>
+          </p:spPr>
+          <p:txBody>
+            <a:bodyPr wrap="none" rtlCol="0">
+              <a:spAutoFit/>
+            </a:bodyPr>
+            <a:lstStyle>
+              <a:defPPr>
+                <a:defRPr lang="en-US"/>
+              </a:defPPr>
+              <a:lvl1pPr algn="ctr">
+                <a:lnSpc>
+                  <a:spcPct val="150000"/>
+                </a:lnSpc>
+                <a:defRPr sz="1000"/>
+              </a:lvl1pPr>
+            </a:lstStyle>
+            <a:p>
+              <a:r>
+                <a:rPr lang="ko-KR" altLang="en-US"/>
+                <a:t>출력</a:t>
+              </a:r>
+              <a:endParaRPr lang="en-US" altLang="ko-KR"/>
+            </a:p>
+            <a:p>
+              <a:r>
+                <a:rPr lang="ko-KR" altLang="en-US"/>
+                <a:t>메시지</a:t>
+              </a:r>
+            </a:p>
+          </p:txBody>
+        </p:sp>
+        <p:sp>
+          <p:nvSpPr>
+            <p:cNvPr id="10" name="타원 9">
+              <a:extLst>
+                <a:ext uri="{FF2B5EF4-FFF2-40B4-BE49-F238E27FC236}">
+                  <a16:creationId xmlns:a16="http://schemas.microsoft.com/office/drawing/2014/main" id="{6A41B851-3BCC-13D4-00B3-04C3F68A473D}"/>
+                </a:ext>
+              </a:extLst>
+            </p:cNvPr>
+            <p:cNvSpPr/>
+            <p:nvPr/>
+          </p:nvSpPr>
+          <p:spPr>
+            <a:xfrm>
+              <a:off x="2702558" y="3822676"/>
+              <a:ext cx="1080000" cy="1080000"/>
+            </a:xfrm>
+            <a:prstGeom prst="ellipse">
+              <a:avLst/>
+            </a:prstGeom>
+            <a:noFill/>
+            <a:ln w="12700">
+              <a:solidFill>
+                <a:schemeClr val="tx1"/>
+              </a:solidFill>
+              <a:prstDash val="sysDash"/>
+            </a:ln>
+          </p:spPr>
+          <p:style>
+            <a:lnRef idx="2">
+              <a:schemeClr val="accent1">
+                <a:shade val="15000"/>
+              </a:schemeClr>
+            </a:lnRef>
+            <a:fillRef idx="1">
+              <a:schemeClr val="accent1"/>
+            </a:fillRef>
+            <a:effectRef idx="0">
+              <a:schemeClr val="accent1"/>
+            </a:effectRef>
+            <a:fontRef idx="minor">
+              <a:schemeClr val="lt1"/>
+            </a:fontRef>
+          </p:style>
+          <p:txBody>
+            <a:bodyPr rtlCol="0" anchor="ctr"/>
+            <a:lstStyle/>
+            <a:p>
+              <a:pPr algn="ctr"/>
+              <a:endParaRPr lang="en-GB">
+                <a:noFill/>
+              </a:endParaRPr>
+            </a:p>
+          </p:txBody>
+        </p:sp>
+        <p:sp>
+          <p:nvSpPr>
+            <p:cNvPr id="13" name="타원 12">
+              <a:extLst>
+                <a:ext uri="{FF2B5EF4-FFF2-40B4-BE49-F238E27FC236}">
+                  <a16:creationId xmlns:a16="http://schemas.microsoft.com/office/drawing/2014/main" id="{74AD4EE3-CBE0-6129-64A8-004E329B1DF2}"/>
+                </a:ext>
+              </a:extLst>
+            </p:cNvPr>
+            <p:cNvSpPr/>
+            <p:nvPr/>
+          </p:nvSpPr>
+          <p:spPr>
+            <a:xfrm>
+              <a:off x="2864558" y="3984676"/>
+              <a:ext cx="756000" cy="756000"/>
+            </a:xfrm>
+            <a:prstGeom prst="ellipse">
+              <a:avLst/>
+            </a:prstGeom>
+            <a:noFill/>
+            <a:ln w="12700">
+              <a:solidFill>
+                <a:schemeClr val="tx1"/>
+              </a:solidFill>
+              <a:prstDash val="sysDash"/>
+            </a:ln>
+          </p:spPr>
+          <p:style>
+            <a:lnRef idx="2">
+              <a:schemeClr val="accent1">
+                <a:shade val="15000"/>
+              </a:schemeClr>
+            </a:lnRef>
+            <a:fillRef idx="1">
+              <a:schemeClr val="accent1"/>
+            </a:fillRef>
+            <a:effectRef idx="0">
+              <a:schemeClr val="accent1"/>
+            </a:effectRef>
+            <a:fontRef idx="minor">
+              <a:schemeClr val="lt1"/>
+            </a:fontRef>
+          </p:style>
+          <p:txBody>
+            <a:bodyPr rtlCol="0" anchor="ctr"/>
+            <a:lstStyle/>
+            <a:p>
+              <a:pPr algn="ctr"/>
+              <a:endParaRPr lang="en-GB">
+                <a:noFill/>
+              </a:endParaRPr>
+            </a:p>
+          </p:txBody>
+        </p:sp>
+        <p:sp>
+          <p:nvSpPr>
+            <p:cNvPr id="20" name="타원 19">
+              <a:extLst>
+                <a:ext uri="{FF2B5EF4-FFF2-40B4-BE49-F238E27FC236}">
+                  <a16:creationId xmlns:a16="http://schemas.microsoft.com/office/drawing/2014/main" id="{59C702D0-F8B6-164A-F4C7-D61ADA27DB0E}"/>
+                </a:ext>
+              </a:extLst>
+            </p:cNvPr>
+            <p:cNvSpPr/>
+            <p:nvPr/>
+          </p:nvSpPr>
+          <p:spPr>
+            <a:xfrm>
+              <a:off x="3026558" y="4146676"/>
+              <a:ext cx="432000" cy="432000"/>
+            </a:xfrm>
+            <a:prstGeom prst="ellipse">
+              <a:avLst/>
+            </a:prstGeom>
+            <a:noFill/>
+            <a:ln w="12700">
+              <a:solidFill>
+                <a:schemeClr val="tx1"/>
+              </a:solidFill>
+              <a:prstDash val="sysDash"/>
+            </a:ln>
+          </p:spPr>
+          <p:style>
+            <a:lnRef idx="2">
+              <a:schemeClr val="accent1">
+                <a:shade val="15000"/>
+              </a:schemeClr>
+            </a:lnRef>
+            <a:fillRef idx="1">
+              <a:schemeClr val="accent1"/>
+            </a:fillRef>
+            <a:effectRef idx="0">
+              <a:schemeClr val="accent1"/>
+            </a:effectRef>
+            <a:fontRef idx="minor">
+              <a:schemeClr val="lt1"/>
+            </a:fontRef>
+          </p:style>
+          <p:txBody>
+            <a:bodyPr rtlCol="0" anchor="ctr"/>
+            <a:lstStyle/>
+            <a:p>
+              <a:pPr algn="ctr"/>
+              <a:endParaRPr lang="en-GB">
+                <a:noFill/>
+              </a:endParaRPr>
+            </a:p>
+          </p:txBody>
+        </p:sp>
+        <p:sp>
+          <p:nvSpPr>
+            <p:cNvPr id="21" name="타원 20">
+              <a:extLst>
+                <a:ext uri="{FF2B5EF4-FFF2-40B4-BE49-F238E27FC236}">
+                  <a16:creationId xmlns:a16="http://schemas.microsoft.com/office/drawing/2014/main" id="{AE846B3A-FEDC-528B-68D0-BD617281F29C}"/>
+                </a:ext>
+              </a:extLst>
+            </p:cNvPr>
+            <p:cNvSpPr/>
+            <p:nvPr/>
+          </p:nvSpPr>
+          <p:spPr>
+            <a:xfrm>
+              <a:off x="3134558" y="4254676"/>
+              <a:ext cx="216000" cy="216000"/>
+            </a:xfrm>
+            <a:prstGeom prst="ellipse">
+              <a:avLst/>
+            </a:prstGeom>
+            <a:solidFill>
+              <a:srgbClr val="0070C0"/>
+            </a:solidFill>
+            <a:ln>
+              <a:solidFill>
+                <a:srgbClr val="0070C0"/>
+              </a:solidFill>
+            </a:ln>
+          </p:spPr>
+          <p:style>
+            <a:lnRef idx="2">
+              <a:schemeClr val="accent1">
+                <a:shade val="15000"/>
+              </a:schemeClr>
+            </a:lnRef>
+            <a:fillRef idx="1">
+              <a:schemeClr val="accent1"/>
+            </a:fillRef>
+            <a:effectRef idx="0">
+              <a:schemeClr val="accent1"/>
+            </a:effectRef>
+            <a:fontRef idx="minor">
+              <a:schemeClr val="lt1"/>
+            </a:fontRef>
+          </p:style>
+          <p:txBody>
+            <a:bodyPr rtlCol="0" anchor="ctr"/>
+            <a:lstStyle/>
+            <a:p>
+              <a:pPr algn="ctr"/>
+              <a:endParaRPr lang="en-GB"/>
+            </a:p>
+          </p:txBody>
+        </p:sp>
+        <p:sp>
+          <p:nvSpPr>
+            <p:cNvPr id="28" name="화살표: 오른쪽 27">
+              <a:extLst>
+                <a:ext uri="{FF2B5EF4-FFF2-40B4-BE49-F238E27FC236}">
+                  <a16:creationId xmlns:a16="http://schemas.microsoft.com/office/drawing/2014/main" id="{C7815852-8ABF-662F-E32F-64282C7DD9AC}"/>
+                </a:ext>
+              </a:extLst>
+            </p:cNvPr>
+            <p:cNvSpPr/>
+            <p:nvPr/>
+          </p:nvSpPr>
+          <p:spPr>
+            <a:xfrm>
+              <a:off x="1710966" y="4109912"/>
+              <a:ext cx="1476041" cy="505528"/>
+            </a:xfrm>
+            <a:prstGeom prst="rightArrow">
+              <a:avLst>
+                <a:gd name="adj1" fmla="val 69807"/>
+                <a:gd name="adj2" fmla="val 50000"/>
+              </a:avLst>
+            </a:prstGeom>
+            <a:solidFill>
+              <a:srgbClr val="0070C0"/>
+            </a:solidFill>
+            <a:ln>
+              <a:solidFill>
+                <a:schemeClr val="bg1"/>
+              </a:solidFill>
+            </a:ln>
+          </p:spPr>
+          <p:style>
+            <a:lnRef idx="2">
+              <a:schemeClr val="accent1">
+                <a:shade val="15000"/>
+              </a:schemeClr>
+            </a:lnRef>
+            <a:fillRef idx="1">
+              <a:schemeClr val="accent1"/>
+            </a:fillRef>
+            <a:effectRef idx="0">
+              <a:schemeClr val="accent1"/>
+            </a:effectRef>
+            <a:fontRef idx="minor">
+              <a:schemeClr val="lt1"/>
+            </a:fontRef>
+          </p:style>
+          <p:txBody>
+            <a:bodyPr rtlCol="0" anchor="ctr"/>
+            <a:lstStyle/>
+            <a:p>
+              <a:pPr algn="ctr"/>
+              <a:endParaRPr lang="en-GB"/>
+            </a:p>
+          </p:txBody>
+        </p:sp>
+        <p:sp>
+          <p:nvSpPr>
+            <p:cNvPr id="27" name="TextBox 26">
+              <a:extLst>
+                <a:ext uri="{FF2B5EF4-FFF2-40B4-BE49-F238E27FC236}">
+                  <a16:creationId xmlns:a16="http://schemas.microsoft.com/office/drawing/2014/main" id="{D9807EF6-6B7E-3B9A-981A-0A72FD172DE7}"/>
+                </a:ext>
+              </a:extLst>
+            </p:cNvPr>
+            <p:cNvSpPr txBox="1"/>
+            <p:nvPr/>
+          </p:nvSpPr>
+          <p:spPr>
+            <a:xfrm>
+              <a:off x="1942258" y="4224177"/>
+              <a:ext cx="820417" cy="276999"/>
+            </a:xfrm>
+            <a:prstGeom prst="rect">
+              <a:avLst/>
+            </a:prstGeom>
+            <a:noFill/>
+          </p:spPr>
+          <p:txBody>
+            <a:bodyPr wrap="none" rtlCol="0">
+              <a:spAutoFit/>
+            </a:bodyPr>
+            <a:lstStyle/>
+            <a:p>
+              <a:r>
+                <a:rPr lang="en-GB" sz="1200">
+                  <a:solidFill>
+                    <a:schemeClr val="bg1"/>
+                  </a:solidFill>
+                </a:rPr>
+                <a:t>Decorator</a:t>
+              </a:r>
+            </a:p>
+          </p:txBody>
+        </p:sp>
+        <p:sp>
+          <p:nvSpPr>
+            <p:cNvPr id="8" name="직사각형 7">
+              <a:extLst>
+                <a:ext uri="{FF2B5EF4-FFF2-40B4-BE49-F238E27FC236}">
+                  <a16:creationId xmlns:a16="http://schemas.microsoft.com/office/drawing/2014/main" id="{9E243917-7358-C338-1CE2-A1A360CC0ADD}"/>
+                </a:ext>
+              </a:extLst>
+            </p:cNvPr>
+            <p:cNvSpPr/>
+            <p:nvPr/>
+          </p:nvSpPr>
+          <p:spPr>
+            <a:xfrm>
+              <a:off x="4658080" y="3318876"/>
+              <a:ext cx="6168618" cy="3028103"/>
+            </a:xfrm>
+            <a:prstGeom prst="rect">
+              <a:avLst/>
+            </a:prstGeom>
+            <a:noFill/>
+            <a:ln w="12700">
+              <a:solidFill>
+                <a:schemeClr val="tx1"/>
+              </a:solidFill>
+              <a:prstDash val="sysDash"/>
+            </a:ln>
+          </p:spPr>
+          <p:style>
+            <a:lnRef idx="2">
+              <a:schemeClr val="accent1">
+                <a:shade val="50000"/>
+              </a:schemeClr>
+            </a:lnRef>
+            <a:fillRef idx="1">
+              <a:schemeClr val="accent1"/>
+            </a:fillRef>
+            <a:effectRef idx="0">
+              <a:schemeClr val="accent1"/>
+            </a:effectRef>
+            <a:fontRef idx="minor">
+              <a:schemeClr val="lt1"/>
+            </a:fontRef>
+          </p:style>
+          <p:txBody>
+            <a:bodyPr rtlCol="0" anchor="ctr"/>
+            <a:lstStyle/>
+            <a:p>
+              <a:pPr algn="ctr"/>
+              <a:endParaRPr lang="ko-KR" altLang="en-US"/>
+            </a:p>
+          </p:txBody>
+        </p:sp>
+        <p:sp>
+          <p:nvSpPr>
+            <p:cNvPr id="59" name="직사각형 58">
+              <a:extLst>
+                <a:ext uri="{FF2B5EF4-FFF2-40B4-BE49-F238E27FC236}">
+                  <a16:creationId xmlns:a16="http://schemas.microsoft.com/office/drawing/2014/main" id="{9E94DE36-56EA-8A08-60F9-59D12E6535CB}"/>
+                </a:ext>
+              </a:extLst>
+            </p:cNvPr>
+            <p:cNvSpPr/>
+            <p:nvPr/>
+          </p:nvSpPr>
+          <p:spPr>
+            <a:xfrm>
+              <a:off x="4538040" y="3140719"/>
+              <a:ext cx="6408699" cy="3304046"/>
+            </a:xfrm>
+            <a:prstGeom prst="rect">
+              <a:avLst/>
+            </a:prstGeom>
+            <a:noFill/>
+            <a:ln w="12700">
+              <a:solidFill>
+                <a:schemeClr val="tx1"/>
+              </a:solidFill>
+              <a:prstDash val="sysDash"/>
+            </a:ln>
+          </p:spPr>
+          <p:style>
+            <a:lnRef idx="2">
+              <a:schemeClr val="accent1">
+                <a:shade val="50000"/>
+              </a:schemeClr>
+            </a:lnRef>
+            <a:fillRef idx="1">
+              <a:schemeClr val="accent1"/>
+            </a:fillRef>
+            <a:effectRef idx="0">
+              <a:schemeClr val="accent1"/>
+            </a:effectRef>
+            <a:fontRef idx="minor">
+              <a:schemeClr val="lt1"/>
+            </a:fontRef>
+          </p:style>
+          <p:txBody>
+            <a:bodyPr rtlCol="0" anchor="ctr"/>
+            <a:lstStyle/>
+            <a:p>
+              <a:pPr algn="ctr"/>
+              <a:endParaRPr lang="ko-KR" altLang="en-US"/>
+            </a:p>
+          </p:txBody>
+        </p:sp>
+        <p:sp>
+          <p:nvSpPr>
+            <p:cNvPr id="60" name="직사각형 59">
+              <a:extLst>
+                <a:ext uri="{FF2B5EF4-FFF2-40B4-BE49-F238E27FC236}">
+                  <a16:creationId xmlns:a16="http://schemas.microsoft.com/office/drawing/2014/main" id="{3F7C90F9-03A3-4B80-9BD2-6159AA54EF28}"/>
+                </a:ext>
+              </a:extLst>
+            </p:cNvPr>
+            <p:cNvSpPr/>
+            <p:nvPr/>
+          </p:nvSpPr>
+          <p:spPr>
+            <a:xfrm>
+              <a:off x="4415461" y="2915049"/>
+              <a:ext cx="6653857" cy="3657138"/>
+            </a:xfrm>
+            <a:prstGeom prst="rect">
+              <a:avLst/>
+            </a:prstGeom>
+            <a:noFill/>
+            <a:ln w="12700">
+              <a:solidFill>
+                <a:schemeClr val="tx1"/>
+              </a:solidFill>
+              <a:prstDash val="sysDash"/>
+            </a:ln>
+          </p:spPr>
+          <p:style>
+            <a:lnRef idx="2">
+              <a:schemeClr val="accent1">
+                <a:shade val="50000"/>
+              </a:schemeClr>
+            </a:lnRef>
+            <a:fillRef idx="1">
+              <a:schemeClr val="accent1"/>
+            </a:fillRef>
+            <a:effectRef idx="0">
+              <a:schemeClr val="accent1"/>
+            </a:effectRef>
+            <a:fontRef idx="minor">
+              <a:schemeClr val="lt1"/>
+            </a:fontRef>
+          </p:style>
+          <p:txBody>
+            <a:bodyPr rtlCol="0" anchor="ctr"/>
+            <a:lstStyle/>
+            <a:p>
+              <a:pPr algn="ctr"/>
+              <a:endParaRPr lang="ko-KR" altLang="en-US"/>
+            </a:p>
+          </p:txBody>
+        </p:sp>
+        <p:grpSp>
+          <p:nvGrpSpPr>
+            <p:cNvPr id="24" name="그룹 23">
+              <a:extLst>
+                <a:ext uri="{FF2B5EF4-FFF2-40B4-BE49-F238E27FC236}">
+                  <a16:creationId xmlns:a16="http://schemas.microsoft.com/office/drawing/2014/main" id="{AA18DA50-8AE8-CFED-0D80-D03565E4CF89}"/>
+                </a:ext>
+              </a:extLst>
+            </p:cNvPr>
+            <p:cNvGrpSpPr/>
+            <p:nvPr/>
+          </p:nvGrpSpPr>
+          <p:grpSpPr>
+            <a:xfrm>
+              <a:off x="3165123" y="1891247"/>
+              <a:ext cx="212681" cy="760906"/>
+              <a:chOff x="3165123" y="1891247"/>
+              <a:chExt cx="212681" cy="760906"/>
+            </a:xfrm>
+            <a:noFill/>
+          </p:grpSpPr>
+          <p:sp>
+            <p:nvSpPr>
+              <p:cNvPr id="11" name="직사각형 10">
+                <a:extLst>
+                  <a:ext uri="{FF2B5EF4-FFF2-40B4-BE49-F238E27FC236}">
+                    <a16:creationId xmlns:a16="http://schemas.microsoft.com/office/drawing/2014/main" id="{D7E15272-8E57-A729-8229-B5324A6B42B1}"/>
+                  </a:ext>
+                </a:extLst>
+              </p:cNvPr>
+              <p:cNvSpPr/>
+              <p:nvPr/>
+            </p:nvSpPr>
+            <p:spPr>
+              <a:xfrm>
+                <a:off x="3165123" y="1891247"/>
+                <a:ext cx="212681" cy="345907"/>
+              </a:xfrm>
+              <a:prstGeom prst="rect">
+                <a:avLst/>
+              </a:prstGeom>
+              <a:grpFill/>
+              <a:ln>
+                <a:noFill/>
+              </a:ln>
+            </p:spPr>
+            <p:style>
+              <a:lnRef idx="2">
+                <a:schemeClr val="accent1">
+                  <a:shade val="15000"/>
+                </a:schemeClr>
+              </a:lnRef>
+              <a:fillRef idx="1">
+                <a:schemeClr val="accent1"/>
+              </a:fillRef>
+              <a:effectRef idx="0">
+                <a:schemeClr val="accent1"/>
+              </a:effectRef>
+              <a:fontRef idx="minor">
+                <a:schemeClr val="lt1"/>
+              </a:fontRef>
+            </p:style>
+            <p:txBody>
+              <a:bodyPr rtlCol="0" anchor="ctr"/>
+              <a:lstStyle/>
+              <a:p>
+                <a:pPr algn="ctr"/>
+                <a:endParaRPr lang="en-GB"/>
+              </a:p>
+            </p:txBody>
+          </p:sp>
+          <p:sp>
+            <p:nvSpPr>
+              <p:cNvPr id="22" name="직사각형 21">
+                <a:extLst>
+                  <a:ext uri="{FF2B5EF4-FFF2-40B4-BE49-F238E27FC236}">
+                    <a16:creationId xmlns:a16="http://schemas.microsoft.com/office/drawing/2014/main" id="{7C7F3EE1-1AC4-9BB9-57F5-CF35686AEFC8}"/>
+                  </a:ext>
+                </a:extLst>
+              </p:cNvPr>
+              <p:cNvSpPr/>
+              <p:nvPr/>
+            </p:nvSpPr>
+            <p:spPr>
+              <a:xfrm>
+                <a:off x="3165123" y="2306246"/>
+                <a:ext cx="212681" cy="345907"/>
+              </a:xfrm>
+              <a:prstGeom prst="rect">
+                <a:avLst/>
+              </a:prstGeom>
+              <a:grpFill/>
+              <a:ln>
+                <a:noFill/>
+              </a:ln>
+            </p:spPr>
+            <p:style>
+              <a:lnRef idx="2">
+                <a:schemeClr val="accent1">
+                  <a:shade val="15000"/>
+                </a:schemeClr>
+              </a:lnRef>
+              <a:fillRef idx="1">
+                <a:schemeClr val="accent1"/>
+              </a:fillRef>
+              <a:effectRef idx="0">
+                <a:schemeClr val="accent1"/>
+              </a:effectRef>
+              <a:fontRef idx="minor">
+                <a:schemeClr val="lt1"/>
+              </a:fontRef>
+            </p:style>
+            <p:txBody>
+              <a:bodyPr rtlCol="0" anchor="ctr"/>
+              <a:lstStyle/>
+              <a:p>
+                <a:pPr algn="ctr"/>
+                <a:endParaRPr lang="en-GB"/>
+              </a:p>
+            </p:txBody>
+          </p:sp>
+        </p:grpSp>
+        <p:sp>
+          <p:nvSpPr>
+            <p:cNvPr id="26" name="직사각형 25">
+              <a:extLst>
+                <a:ext uri="{FF2B5EF4-FFF2-40B4-BE49-F238E27FC236}">
+                  <a16:creationId xmlns:a16="http://schemas.microsoft.com/office/drawing/2014/main" id="{5B398533-B59A-71F5-2E51-419CF3CA2AD9}"/>
+                </a:ext>
+              </a:extLst>
+            </p:cNvPr>
+            <p:cNvSpPr/>
+            <p:nvPr/>
+          </p:nvSpPr>
+          <p:spPr>
+            <a:xfrm>
+              <a:off x="5087196" y="1891247"/>
+              <a:ext cx="212681" cy="345907"/>
+            </a:xfrm>
+            <a:prstGeom prst="rect">
+              <a:avLst/>
+            </a:prstGeom>
+            <a:noFill/>
+            <a:ln>
+              <a:noFill/>
+            </a:ln>
+          </p:spPr>
+          <p:style>
+            <a:lnRef idx="2">
+              <a:schemeClr val="accent1">
+                <a:shade val="15000"/>
+              </a:schemeClr>
+            </a:lnRef>
+            <a:fillRef idx="1">
+              <a:schemeClr val="accent1"/>
+            </a:fillRef>
+            <a:effectRef idx="0">
+              <a:schemeClr val="accent1"/>
+            </a:effectRef>
+            <a:fontRef idx="minor">
+              <a:schemeClr val="lt1"/>
+            </a:fontRef>
+          </p:style>
+          <p:txBody>
+            <a:bodyPr rtlCol="0" anchor="ctr"/>
+            <a:lstStyle/>
+            <a:p>
+              <a:pPr algn="ctr"/>
+              <a:endParaRPr lang="en-GB"/>
+            </a:p>
+          </p:txBody>
+        </p:sp>
+        <p:sp>
+          <p:nvSpPr>
+            <p:cNvPr id="32" name="직사각형 31">
+              <a:extLst>
+                <a:ext uri="{FF2B5EF4-FFF2-40B4-BE49-F238E27FC236}">
+                  <a16:creationId xmlns:a16="http://schemas.microsoft.com/office/drawing/2014/main" id="{0F889E24-89A3-82C0-4993-C7E23D178CF7}"/>
+                </a:ext>
+              </a:extLst>
+            </p:cNvPr>
+            <p:cNvSpPr/>
+            <p:nvPr/>
+          </p:nvSpPr>
+          <p:spPr>
+            <a:xfrm>
+              <a:off x="5087196" y="2306246"/>
+              <a:ext cx="212681" cy="345907"/>
+            </a:xfrm>
+            <a:prstGeom prst="rect">
+              <a:avLst/>
+            </a:prstGeom>
+            <a:noFill/>
+            <a:ln>
+              <a:noFill/>
+            </a:ln>
+          </p:spPr>
+          <p:style>
+            <a:lnRef idx="2">
+              <a:schemeClr val="accent1">
+                <a:shade val="15000"/>
+              </a:schemeClr>
+            </a:lnRef>
+            <a:fillRef idx="1">
+              <a:schemeClr val="accent1"/>
+            </a:fillRef>
+            <a:effectRef idx="0">
+              <a:schemeClr val="accent1"/>
+            </a:effectRef>
+            <a:fontRef idx="minor">
+              <a:schemeClr val="lt1"/>
+            </a:fontRef>
+          </p:style>
+          <p:txBody>
+            <a:bodyPr rtlCol="0" anchor="ctr"/>
+            <a:lstStyle/>
+            <a:p>
+              <a:pPr algn="ctr"/>
+              <a:endParaRPr lang="en-GB"/>
+            </a:p>
+          </p:txBody>
+        </p:sp>
+        <p:cxnSp>
+          <p:nvCxnSpPr>
+            <p:cNvPr id="37" name="직선 화살표 연결선 36">
+              <a:extLst>
+                <a:ext uri="{FF2B5EF4-FFF2-40B4-BE49-F238E27FC236}">
+                  <a16:creationId xmlns:a16="http://schemas.microsoft.com/office/drawing/2014/main" id="{68516660-EF27-531A-E2CF-B644D186B51C}"/>
+                </a:ext>
+              </a:extLst>
+            </p:cNvPr>
+            <p:cNvCxnSpPr>
+              <a:cxnSpLocks/>
+              <a:stCxn id="22" idx="3"/>
+              <a:endCxn id="32" idx="1"/>
+            </p:cNvCxnSpPr>
+            <p:nvPr/>
+          </p:nvCxnSpPr>
+          <p:spPr>
+            <a:xfrm>
+              <a:off x="3377804" y="2479200"/>
+              <a:ext cx="1709392" cy="0"/>
+            </a:xfrm>
+            <a:prstGeom prst="straightConnector1">
+              <a:avLst/>
+            </a:prstGeom>
+            <a:ln w="28575">
+              <a:solidFill>
+                <a:schemeClr val="tx1"/>
+              </a:solidFill>
+              <a:prstDash val="solid"/>
+              <a:tailEnd type="arrow"/>
+            </a:ln>
+          </p:spPr>
+          <p:style>
+            <a:lnRef idx="1">
+              <a:schemeClr val="accent1"/>
+            </a:lnRef>
+            <a:fillRef idx="0">
+              <a:schemeClr val="accent1"/>
+            </a:fillRef>
+            <a:effectRef idx="0">
+              <a:schemeClr val="accent1"/>
+            </a:effectRef>
+            <a:fontRef idx="minor">
+              <a:schemeClr val="tx1"/>
+            </a:fontRef>
+          </p:style>
+        </p:cxnSp>
+        <p:grpSp>
+          <p:nvGrpSpPr>
+            <p:cNvPr id="44" name="그룹 43">
+              <a:extLst>
+                <a:ext uri="{FF2B5EF4-FFF2-40B4-BE49-F238E27FC236}">
+                  <a16:creationId xmlns:a16="http://schemas.microsoft.com/office/drawing/2014/main" id="{DAE32390-DC6B-D3FB-C2C1-AF7F8828B69F}"/>
+                </a:ext>
+              </a:extLst>
+            </p:cNvPr>
+            <p:cNvGrpSpPr/>
+            <p:nvPr/>
+          </p:nvGrpSpPr>
+          <p:grpSpPr>
+            <a:xfrm>
+              <a:off x="3522209" y="1718698"/>
+              <a:ext cx="1420582" cy="721706"/>
+              <a:chOff x="3503448" y="1718698"/>
+              <a:chExt cx="1420582" cy="721706"/>
+            </a:xfrm>
+          </p:grpSpPr>
+          <p:sp>
+            <p:nvSpPr>
+              <p:cNvPr id="63" name="TextBox 62">
+                <a:extLst>
+                  <a:ext uri="{FF2B5EF4-FFF2-40B4-BE49-F238E27FC236}">
+                    <a16:creationId xmlns:a16="http://schemas.microsoft.com/office/drawing/2014/main" id="{E3EC8240-F409-F3C0-B07C-4D72D6C8F307}"/>
+                  </a:ext>
+                </a:extLst>
+              </p:cNvPr>
+              <p:cNvSpPr txBox="1"/>
+              <p:nvPr/>
+            </p:nvSpPr>
+            <p:spPr>
+              <a:xfrm>
+                <a:off x="3503448" y="1718698"/>
+                <a:ext cx="1420582" cy="298095"/>
+              </a:xfrm>
+              <a:prstGeom prst="rect">
+                <a:avLst/>
+              </a:prstGeom>
+              <a:noFill/>
+            </p:spPr>
+            <p:txBody>
+              <a:bodyPr wrap="none" rtlCol="0">
+                <a:spAutoFit/>
+              </a:bodyPr>
+              <a:lstStyle>
+                <a:defPPr>
+                  <a:defRPr lang="en-US"/>
+                </a:defPPr>
+                <a:lvl1pPr algn="ctr">
+                  <a:lnSpc>
+                    <a:spcPct val="150000"/>
+                  </a:lnSpc>
+                  <a:defRPr sz="1000"/>
+                </a:lvl1pPr>
+              </a:lstStyle>
+              <a:p>
+                <a:r>
+                  <a:rPr lang="en-GB" altLang="ko-KR" b="1"/>
+                  <a:t>Command</a:t>
+                </a:r>
+                <a:r>
+                  <a:rPr lang="en-GB" altLang="ko-KR"/>
+                  <a:t> </a:t>
+                </a:r>
+                <a:r>
+                  <a:rPr lang="ko-KR" altLang="en-US"/>
+                  <a:t>입력 메시지</a:t>
+                </a:r>
+              </a:p>
+            </p:txBody>
+          </p:sp>
+          <p:sp>
+            <p:nvSpPr>
+              <p:cNvPr id="43" name="TextBox 42">
+                <a:extLst>
+                  <a:ext uri="{FF2B5EF4-FFF2-40B4-BE49-F238E27FC236}">
+                    <a16:creationId xmlns:a16="http://schemas.microsoft.com/office/drawing/2014/main" id="{67AB7362-488C-FF78-3997-C62C8C7B2D01}"/>
+                  </a:ext>
+                </a:extLst>
+              </p:cNvPr>
+              <p:cNvSpPr txBox="1"/>
+              <p:nvPr/>
+            </p:nvSpPr>
+            <p:spPr>
+              <a:xfrm>
+                <a:off x="3608445" y="2142309"/>
+                <a:ext cx="1210589" cy="298095"/>
+              </a:xfrm>
+              <a:prstGeom prst="rect">
+                <a:avLst/>
+              </a:prstGeom>
+              <a:noFill/>
+            </p:spPr>
+            <p:txBody>
+              <a:bodyPr wrap="none" rtlCol="0">
+                <a:spAutoFit/>
+              </a:bodyPr>
+              <a:lstStyle>
+                <a:defPPr>
+                  <a:defRPr lang="en-US"/>
+                </a:defPPr>
+                <a:lvl1pPr algn="ctr">
+                  <a:lnSpc>
+                    <a:spcPct val="150000"/>
+                  </a:lnSpc>
+                  <a:defRPr sz="1000"/>
+                </a:lvl1pPr>
+              </a:lstStyle>
+              <a:p>
+                <a:r>
+                  <a:rPr lang="en-GB" altLang="ko-KR" b="1"/>
+                  <a:t>Query </a:t>
+                </a:r>
+                <a:r>
+                  <a:rPr lang="ko-KR" altLang="en-US"/>
+                  <a:t>입력 메시지</a:t>
+                </a:r>
+              </a:p>
+            </p:txBody>
+          </p:sp>
+        </p:grpSp>
+      </p:grpSp>
+    </p:spTree>
+    <p:extLst>
+      <p:ext uri="{BB962C8B-B14F-4D97-AF65-F5344CB8AC3E}">
+        <p14:creationId xmlns:p14="http://schemas.microsoft.com/office/powerpoint/2010/main" val="863317320"/>
+      </p:ext>
+    </p:extLst>
+  </p:cSld>
+  <p:clrMapOvr>
+    <a:masterClrMapping/>
+  </p:clrMapOvr>
+</p:sld>
+</file>
+
+<file path=ppt/slides/slide15.xml><?xml version="1.0" encoding="utf-8"?>
+<p:sld xmlns:a="http://schemas.openxmlformats.org/drawingml/2006/main" xmlns:r="http://schemas.openxmlformats.org/officeDocument/2006/relationships" xmlns:p="http://schemas.openxmlformats.org/presentationml/2006/main">
+  <p:cSld>
+    <p:spTree>
+      <p:nvGrpSpPr>
         <p:cNvPr id="1" name=""/>
         <p:cNvGrpSpPr/>
         <p:nvPr/>
@@ -15306,7 +18895,7 @@
 </p:sld>
 </file>
 
-<file path=ppt/slides/slide15.xml><?xml version="1.0" encoding="utf-8"?>
+<file path=ppt/slides/slide16.xml><?xml version="1.0" encoding="utf-8"?>
 <p:sld xmlns:a="http://schemas.openxmlformats.org/drawingml/2006/main" xmlns:r="http://schemas.openxmlformats.org/officeDocument/2006/relationships" xmlns:p="http://schemas.openxmlformats.org/presentationml/2006/main">
   <p:cSld>
     <p:spTree>
@@ -17287,7 +20876,7 @@
 </p:sld>
 </file>
 
-<file path=ppt/slides/slide16.xml><?xml version="1.0" encoding="utf-8"?>
+<file path=ppt/slides/slide17.xml><?xml version="1.0" encoding="utf-8"?>
 <p:sld xmlns:a="http://schemas.openxmlformats.org/drawingml/2006/main" xmlns:r="http://schemas.openxmlformats.org/officeDocument/2006/relationships" xmlns:p="http://schemas.openxmlformats.org/presentationml/2006/main">
   <p:cSld>
     <p:spTree>
@@ -19206,7 +22795,7 @@
 </p:sld>
 </file>
 
-<file path=ppt/slides/slide17.xml><?xml version="1.0" encoding="utf-8"?>
+<file path=ppt/slides/slide18.xml><?xml version="1.0" encoding="utf-8"?>
 <p:sld xmlns:a="http://schemas.openxmlformats.org/drawingml/2006/main" xmlns:r="http://schemas.openxmlformats.org/officeDocument/2006/relationships" xmlns:p="http://schemas.openxmlformats.org/presentationml/2006/main">
   <p:cSld>
     <p:spTree>
@@ -20240,7 +23829,7 @@
 </p:sld>
 </file>
 
-<file path=ppt/slides/slide18.xml><?xml version="1.0" encoding="utf-8"?>
+<file path=ppt/slides/slide19.xml><?xml version="1.0" encoding="utf-8"?>
 <p:sld xmlns:a="http://schemas.openxmlformats.org/drawingml/2006/main" xmlns:r="http://schemas.openxmlformats.org/officeDocument/2006/relationships" xmlns:p="http://schemas.openxmlformats.org/presentationml/2006/main">
   <p:cSld>
     <p:spTree>
@@ -21645,1426 +25234,6 @@
 </p:sld>
 </file>
 
-<file path=ppt/slides/slide19.xml><?xml version="1.0" encoding="utf-8"?>
-<p:sld xmlns:a="http://schemas.openxmlformats.org/drawingml/2006/main" xmlns:r="http://schemas.openxmlformats.org/officeDocument/2006/relationships" xmlns:p="http://schemas.openxmlformats.org/presentationml/2006/main">
-  <p:cSld>
-    <p:spTree>
-      <p:nvGrpSpPr>
-        <p:cNvPr id="1" name="">
-          <a:extLst>
-            <a:ext uri="{FF2B5EF4-FFF2-40B4-BE49-F238E27FC236}">
-              <a16:creationId xmlns:a16="http://schemas.microsoft.com/office/drawing/2014/main" id="{B52804FE-251A-DCBF-990C-D7A1E430C6E8}"/>
-            </a:ext>
-          </a:extLst>
-        </p:cNvPr>
-        <p:cNvGrpSpPr/>
-        <p:nvPr/>
-      </p:nvGrpSpPr>
-      <p:grpSpPr>
-        <a:xfrm>
-          <a:off x="0" y="0"/>
-          <a:ext cx="0" cy="0"/>
-          <a:chOff x="0" y="0"/>
-          <a:chExt cx="0" cy="0"/>
-        </a:xfrm>
-      </p:grpSpPr>
-      <p:grpSp>
-        <p:nvGrpSpPr>
-          <p:cNvPr id="5" name="그룹 4"/>
-          <p:cNvGrpSpPr/>
-          <p:nvPr/>
-        </p:nvGrpSpPr>
-        <p:grpSpPr>
-          <a:xfrm>
-            <a:off x="679807" y="509856"/>
-            <a:ext cx="10832386" cy="5838289"/>
-            <a:chOff x="679807" y="509856"/>
-            <a:chExt cx="10832386" cy="5838289"/>
-          </a:xfrm>
-        </p:grpSpPr>
-        <p:sp>
-          <p:nvSpPr>
-            <p:cNvPr id="34" name="직사각형 33">
-              <a:extLst>
-                <a:ext uri="{FF2B5EF4-FFF2-40B4-BE49-F238E27FC236}">
-                  <a16:creationId xmlns:a16="http://schemas.microsoft.com/office/drawing/2014/main" id="{B02066EA-E307-1ED3-1AB7-4CF95F534099}"/>
-                </a:ext>
-              </a:extLst>
-            </p:cNvPr>
-            <p:cNvSpPr/>
-            <p:nvPr/>
-          </p:nvSpPr>
-          <p:spPr>
-            <a:xfrm>
-              <a:off x="5021349" y="5152787"/>
-              <a:ext cx="2149302" cy="888715"/>
-            </a:xfrm>
-            <a:prstGeom prst="rect">
-              <a:avLst/>
-            </a:prstGeom>
-            <a:noFill/>
-            <a:ln>
-              <a:solidFill>
-                <a:srgbClr val="0070C0"/>
-              </a:solidFill>
-            </a:ln>
-          </p:spPr>
-          <p:style>
-            <a:lnRef idx="2">
-              <a:schemeClr val="accent1">
-                <a:shade val="15000"/>
-              </a:schemeClr>
-            </a:lnRef>
-            <a:fillRef idx="1">
-              <a:schemeClr val="accent1"/>
-            </a:fillRef>
-            <a:effectRef idx="0">
-              <a:schemeClr val="accent1"/>
-            </a:effectRef>
-            <a:fontRef idx="minor">
-              <a:schemeClr val="lt1"/>
-            </a:fontRef>
-          </p:style>
-          <p:txBody>
-            <a:bodyPr rtlCol="0" anchor="ctr"/>
-            <a:lstStyle/>
-            <a:p>
-              <a:pPr algn="ctr"/>
-              <a:endParaRPr lang="en-GB"/>
-            </a:p>
-          </p:txBody>
-        </p:sp>
-        <p:sp>
-          <p:nvSpPr>
-            <p:cNvPr id="36" name="TextBox 35">
-              <a:extLst>
-                <a:ext uri="{FF2B5EF4-FFF2-40B4-BE49-F238E27FC236}">
-                  <a16:creationId xmlns:a16="http://schemas.microsoft.com/office/drawing/2014/main" id="{5F7CADFF-9BF1-71D4-CB2E-73686C834E2C}"/>
-                </a:ext>
-              </a:extLst>
-            </p:cNvPr>
-            <p:cNvSpPr txBox="1"/>
-            <p:nvPr/>
-          </p:nvSpPr>
-          <p:spPr>
-            <a:xfrm>
-              <a:off x="5346595" y="5269007"/>
-              <a:ext cx="1498808" cy="369332"/>
-            </a:xfrm>
-            <a:prstGeom prst="rect">
-              <a:avLst/>
-            </a:prstGeom>
-            <a:noFill/>
-          </p:spPr>
-          <p:txBody>
-            <a:bodyPr wrap="none" rtlCol="0">
-              <a:spAutoFit/>
-            </a:bodyPr>
-            <a:lstStyle/>
-            <a:p>
-              <a:r>
-                <a:rPr lang="en-GB" b="1">
-                  <a:solidFill>
-                    <a:srgbClr val="0070C0"/>
-                  </a:solidFill>
-                </a:rPr>
-                <a:t>Domain Layer</a:t>
-              </a:r>
-            </a:p>
-          </p:txBody>
-        </p:sp>
-        <p:sp>
-          <p:nvSpPr>
-            <p:cNvPr id="37" name="TextBox 36">
-              <a:extLst>
-                <a:ext uri="{FF2B5EF4-FFF2-40B4-BE49-F238E27FC236}">
-                  <a16:creationId xmlns:a16="http://schemas.microsoft.com/office/drawing/2014/main" id="{994CF98B-0756-34B9-E377-CB18D6FD726B}"/>
-                </a:ext>
-              </a:extLst>
-            </p:cNvPr>
-            <p:cNvSpPr txBox="1"/>
-            <p:nvPr/>
-          </p:nvSpPr>
-          <p:spPr>
-            <a:xfrm>
-              <a:off x="5671043" y="5617505"/>
-              <a:ext cx="849913" cy="307777"/>
-            </a:xfrm>
-            <a:prstGeom prst="rect">
-              <a:avLst/>
-            </a:prstGeom>
-            <a:noFill/>
-          </p:spPr>
-          <p:txBody>
-            <a:bodyPr wrap="none" rtlCol="0">
-              <a:spAutoFit/>
-            </a:bodyPr>
-            <a:lstStyle/>
-            <a:p>
-              <a:r>
-                <a:rPr lang="en-GB" sz="1400" b="1">
-                  <a:solidFill>
-                    <a:srgbClr val="0070C0"/>
-                  </a:solidFill>
-                </a:rPr>
-                <a:t>Biz. </a:t>
-              </a:r>
-              <a:r>
-                <a:rPr lang="ko-KR" altLang="en-US" sz="1400" b="1">
-                  <a:solidFill>
-                    <a:srgbClr val="0070C0"/>
-                  </a:solidFill>
-                </a:rPr>
-                <a:t>단위</a:t>
-              </a:r>
-              <a:endParaRPr lang="en-GB" sz="1400" b="1">
-                <a:solidFill>
-                  <a:srgbClr val="0070C0"/>
-                </a:solidFill>
-              </a:endParaRPr>
-            </a:p>
-          </p:txBody>
-        </p:sp>
-        <p:sp>
-          <p:nvSpPr>
-            <p:cNvPr id="6" name="TextBox 5">
-              <a:extLst>
-                <a:ext uri="{FF2B5EF4-FFF2-40B4-BE49-F238E27FC236}">
-                  <a16:creationId xmlns:a16="http://schemas.microsoft.com/office/drawing/2014/main" id="{390112C5-68A9-2863-6F41-25B24CB794FF}"/>
-                </a:ext>
-              </a:extLst>
-            </p:cNvPr>
-            <p:cNvSpPr txBox="1"/>
-            <p:nvPr/>
-          </p:nvSpPr>
-          <p:spPr>
-            <a:xfrm>
-              <a:off x="5734364" y="1324267"/>
-              <a:ext cx="723275" cy="584775"/>
-            </a:xfrm>
-            <a:prstGeom prst="rect">
-              <a:avLst/>
-            </a:prstGeom>
-            <a:noFill/>
-          </p:spPr>
-          <p:txBody>
-            <a:bodyPr wrap="none" rtlCol="0">
-              <a:spAutoFit/>
-            </a:bodyPr>
-            <a:lstStyle/>
-            <a:p>
-              <a:pPr algn="ctr"/>
-              <a:r>
-                <a:rPr lang="en-GB" b="1">
-                  <a:solidFill>
-                    <a:srgbClr val="0070C0"/>
-                  </a:solidFill>
-                </a:rPr>
-                <a:t>Biz.</a:t>
-              </a:r>
-            </a:p>
-            <a:p>
-              <a:pPr algn="ctr"/>
-              <a:r>
-                <a:rPr lang="ko-KR" altLang="en-US" sz="1400" b="1">
-                  <a:solidFill>
-                    <a:srgbClr val="0070C0"/>
-                  </a:solidFill>
-                </a:rPr>
-                <a:t>관심사</a:t>
-              </a:r>
-              <a:endParaRPr lang="en-GB" sz="1400" b="1">
-                <a:solidFill>
-                  <a:srgbClr val="0070C0"/>
-                </a:solidFill>
-              </a:endParaRPr>
-            </a:p>
-          </p:txBody>
-        </p:sp>
-        <p:cxnSp>
-          <p:nvCxnSpPr>
-            <p:cNvPr id="12" name="직선 화살표 연결선 11">
-              <a:extLst>
-                <a:ext uri="{FF2B5EF4-FFF2-40B4-BE49-F238E27FC236}">
-                  <a16:creationId xmlns:a16="http://schemas.microsoft.com/office/drawing/2014/main" id="{7CF65850-017D-A4FD-0381-4A503FFFD581}"/>
-                </a:ext>
-              </a:extLst>
-            </p:cNvPr>
-            <p:cNvCxnSpPr>
-              <a:cxnSpLocks/>
-            </p:cNvCxnSpPr>
-            <p:nvPr/>
-          </p:nvCxnSpPr>
-          <p:spPr>
-            <a:xfrm>
-              <a:off x="6095999" y="3354681"/>
-              <a:ext cx="0" cy="1798106"/>
-            </a:xfrm>
-            <a:prstGeom prst="straightConnector1">
-              <a:avLst/>
-            </a:prstGeom>
-            <a:ln w="28575">
-              <a:solidFill>
-                <a:schemeClr val="tx1"/>
-              </a:solidFill>
-              <a:tailEnd type="arrow"/>
-            </a:ln>
-          </p:spPr>
-          <p:style>
-            <a:lnRef idx="1">
-              <a:schemeClr val="accent1"/>
-            </a:lnRef>
-            <a:fillRef idx="0">
-              <a:schemeClr val="accent1"/>
-            </a:fillRef>
-            <a:effectRef idx="0">
-              <a:schemeClr val="accent1"/>
-            </a:effectRef>
-            <a:fontRef idx="minor">
-              <a:schemeClr val="tx1"/>
-            </a:fontRef>
-          </p:style>
-        </p:cxnSp>
-        <p:sp>
-          <p:nvSpPr>
-            <p:cNvPr id="25" name="TextBox 24">
-              <a:extLst>
-                <a:ext uri="{FF2B5EF4-FFF2-40B4-BE49-F238E27FC236}">
-                  <a16:creationId xmlns:a16="http://schemas.microsoft.com/office/drawing/2014/main" id="{6A9DC339-314D-6C64-5C41-4245D028BE0F}"/>
-                </a:ext>
-              </a:extLst>
-            </p:cNvPr>
-            <p:cNvSpPr txBox="1"/>
-            <p:nvPr/>
-          </p:nvSpPr>
-          <p:spPr>
-            <a:xfrm>
-              <a:off x="2122284" y="1324267"/>
-              <a:ext cx="723276" cy="584775"/>
-            </a:xfrm>
-            <a:prstGeom prst="rect">
-              <a:avLst/>
-            </a:prstGeom>
-            <a:noFill/>
-          </p:spPr>
-          <p:txBody>
-            <a:bodyPr wrap="none" rtlCol="0">
-              <a:spAutoFit/>
-            </a:bodyPr>
-            <a:lstStyle/>
-            <a:p>
-              <a:pPr algn="ctr"/>
-              <a:r>
-                <a:rPr lang="en-GB" b="1">
-                  <a:solidFill>
-                    <a:srgbClr val="C00000"/>
-                  </a:solidFill>
-                </a:rPr>
-                <a:t>Tech.</a:t>
-              </a:r>
-            </a:p>
-            <a:p>
-              <a:pPr algn="ctr"/>
-              <a:r>
-                <a:rPr lang="ko-KR" altLang="en-US" sz="1400" b="1">
-                  <a:solidFill>
-                    <a:srgbClr val="C00000"/>
-                  </a:solidFill>
-                </a:rPr>
-                <a:t>관심사</a:t>
-              </a:r>
-              <a:endParaRPr lang="en-GB" sz="1400" b="1">
-                <a:solidFill>
-                  <a:srgbClr val="C00000"/>
-                </a:solidFill>
-              </a:endParaRPr>
-            </a:p>
-          </p:txBody>
-        </p:sp>
-        <p:sp>
-          <p:nvSpPr>
-            <p:cNvPr id="26" name="TextBox 25">
-              <a:extLst>
-                <a:ext uri="{FF2B5EF4-FFF2-40B4-BE49-F238E27FC236}">
-                  <a16:creationId xmlns:a16="http://schemas.microsoft.com/office/drawing/2014/main" id="{AEBA397B-A500-6960-168A-65CFC8C58B39}"/>
-                </a:ext>
-              </a:extLst>
-            </p:cNvPr>
-            <p:cNvSpPr txBox="1"/>
-            <p:nvPr/>
-          </p:nvSpPr>
-          <p:spPr>
-            <a:xfrm>
-              <a:off x="9346438" y="1324267"/>
-              <a:ext cx="723276" cy="584775"/>
-            </a:xfrm>
-            <a:prstGeom prst="rect">
-              <a:avLst/>
-            </a:prstGeom>
-            <a:noFill/>
-          </p:spPr>
-          <p:txBody>
-            <a:bodyPr wrap="none" rtlCol="0">
-              <a:spAutoFit/>
-            </a:bodyPr>
-            <a:lstStyle/>
-            <a:p>
-              <a:pPr algn="ctr"/>
-              <a:r>
-                <a:rPr lang="en-GB" b="1">
-                  <a:solidFill>
-                    <a:srgbClr val="C00000"/>
-                  </a:solidFill>
-                </a:rPr>
-                <a:t>Tech.</a:t>
-              </a:r>
-            </a:p>
-            <a:p>
-              <a:pPr algn="ctr"/>
-              <a:r>
-                <a:rPr lang="ko-KR" altLang="en-US" sz="1400" b="1">
-                  <a:solidFill>
-                    <a:srgbClr val="C00000"/>
-                  </a:solidFill>
-                </a:rPr>
-                <a:t>관심사</a:t>
-              </a:r>
-              <a:endParaRPr lang="en-GB" sz="1400" b="1">
-                <a:solidFill>
-                  <a:srgbClr val="C00000"/>
-                </a:solidFill>
-              </a:endParaRPr>
-            </a:p>
-          </p:txBody>
-        </p:sp>
-        <p:sp>
-          <p:nvSpPr>
-            <p:cNvPr id="27" name="TextBox 26">
-              <a:extLst>
-                <a:ext uri="{FF2B5EF4-FFF2-40B4-BE49-F238E27FC236}">
-                  <a16:creationId xmlns:a16="http://schemas.microsoft.com/office/drawing/2014/main" id="{D969D07C-3DE5-EA09-DA6F-C138048ECA99}"/>
-                </a:ext>
-              </a:extLst>
-            </p:cNvPr>
-            <p:cNvSpPr txBox="1"/>
-            <p:nvPr/>
-          </p:nvSpPr>
-          <p:spPr>
-            <a:xfrm>
-              <a:off x="2082209" y="772826"/>
-              <a:ext cx="800219" cy="461665"/>
-            </a:xfrm>
-            <a:prstGeom prst="rect">
-              <a:avLst/>
-            </a:prstGeom>
-            <a:noFill/>
-          </p:spPr>
-          <p:txBody>
-            <a:bodyPr wrap="none" rtlCol="0">
-              <a:spAutoFit/>
-            </a:bodyPr>
-            <a:lstStyle/>
-            <a:p>
-              <a:r>
-                <a:rPr lang="ko-KR" altLang="en-US" sz="2400" b="1">
-                  <a:solidFill>
-                    <a:srgbClr val="C00000"/>
-                  </a:solidFill>
-                </a:rPr>
-                <a:t>입력</a:t>
-              </a:r>
-              <a:endParaRPr lang="en-GB" sz="2400" b="1">
-                <a:solidFill>
-                  <a:srgbClr val="C00000"/>
-                </a:solidFill>
-              </a:endParaRPr>
-            </a:p>
-          </p:txBody>
-        </p:sp>
-        <p:sp>
-          <p:nvSpPr>
-            <p:cNvPr id="28" name="TextBox 27">
-              <a:extLst>
-                <a:ext uri="{FF2B5EF4-FFF2-40B4-BE49-F238E27FC236}">
-                  <a16:creationId xmlns:a16="http://schemas.microsoft.com/office/drawing/2014/main" id="{DA479FAB-525E-6749-F6AF-F27D3EE95A5A}"/>
-                </a:ext>
-              </a:extLst>
-            </p:cNvPr>
-            <p:cNvSpPr txBox="1"/>
-            <p:nvPr/>
-          </p:nvSpPr>
-          <p:spPr>
-            <a:xfrm>
-              <a:off x="9309569" y="772826"/>
-              <a:ext cx="800219" cy="461665"/>
-            </a:xfrm>
-            <a:prstGeom prst="rect">
-              <a:avLst/>
-            </a:prstGeom>
-            <a:noFill/>
-          </p:spPr>
-          <p:txBody>
-            <a:bodyPr wrap="none" rtlCol="0">
-              <a:spAutoFit/>
-            </a:bodyPr>
-            <a:lstStyle/>
-            <a:p>
-              <a:r>
-                <a:rPr lang="ko-KR" altLang="en-US" sz="2400" b="1">
-                  <a:solidFill>
-                    <a:srgbClr val="C00000"/>
-                  </a:solidFill>
-                </a:rPr>
-                <a:t>출력</a:t>
-              </a:r>
-              <a:endParaRPr lang="en-GB" sz="2400" b="1">
-                <a:solidFill>
-                  <a:srgbClr val="C00000"/>
-                </a:solidFill>
-              </a:endParaRPr>
-            </a:p>
-          </p:txBody>
-        </p:sp>
-        <p:sp>
-          <p:nvSpPr>
-            <p:cNvPr id="29" name="TextBox 28">
-              <a:extLst>
-                <a:ext uri="{FF2B5EF4-FFF2-40B4-BE49-F238E27FC236}">
-                  <a16:creationId xmlns:a16="http://schemas.microsoft.com/office/drawing/2014/main" id="{BB8B3AE5-6231-EB3F-747C-49D226570E6C}"/>
-                </a:ext>
-              </a:extLst>
-            </p:cNvPr>
-            <p:cNvSpPr txBox="1"/>
-            <p:nvPr/>
-          </p:nvSpPr>
-          <p:spPr>
-            <a:xfrm>
-              <a:off x="5694288" y="772826"/>
-              <a:ext cx="800219" cy="461665"/>
-            </a:xfrm>
-            <a:prstGeom prst="rect">
-              <a:avLst/>
-            </a:prstGeom>
-            <a:noFill/>
-          </p:spPr>
-          <p:txBody>
-            <a:bodyPr wrap="none" rtlCol="0">
-              <a:spAutoFit/>
-            </a:bodyPr>
-            <a:lstStyle/>
-            <a:p>
-              <a:r>
-                <a:rPr lang="ko-KR" altLang="en-US" sz="2400" b="1">
-                  <a:solidFill>
-                    <a:srgbClr val="0070C0"/>
-                  </a:solidFill>
-                </a:rPr>
-                <a:t>연산</a:t>
-              </a:r>
-              <a:endParaRPr lang="en-GB" sz="2400" b="1">
-                <a:solidFill>
-                  <a:srgbClr val="0070C0"/>
-                </a:solidFill>
-              </a:endParaRPr>
-            </a:p>
-          </p:txBody>
-        </p:sp>
-        <p:sp>
-          <p:nvSpPr>
-            <p:cNvPr id="41" name="직사각형 40">
-              <a:extLst>
-                <a:ext uri="{FF2B5EF4-FFF2-40B4-BE49-F238E27FC236}">
-                  <a16:creationId xmlns:a16="http://schemas.microsoft.com/office/drawing/2014/main" id="{B6C68552-CE31-058E-7B0C-0E498E966E25}"/>
-                </a:ext>
-              </a:extLst>
-            </p:cNvPr>
-            <p:cNvSpPr/>
-            <p:nvPr/>
-          </p:nvSpPr>
-          <p:spPr>
-            <a:xfrm>
-              <a:off x="679807" y="509856"/>
-              <a:ext cx="10832386" cy="5838289"/>
-            </a:xfrm>
-            <a:prstGeom prst="rect">
-              <a:avLst/>
-            </a:prstGeom>
-            <a:noFill/>
-            <a:ln w="19050">
-              <a:solidFill>
-                <a:schemeClr val="tx1"/>
-              </a:solidFill>
-            </a:ln>
-          </p:spPr>
-          <p:style>
-            <a:lnRef idx="2">
-              <a:schemeClr val="accent1">
-                <a:shade val="15000"/>
-              </a:schemeClr>
-            </a:lnRef>
-            <a:fillRef idx="1">
-              <a:schemeClr val="accent1"/>
-            </a:fillRef>
-            <a:effectRef idx="0">
-              <a:schemeClr val="accent1"/>
-            </a:effectRef>
-            <a:fontRef idx="minor">
-              <a:schemeClr val="lt1"/>
-            </a:fontRef>
-          </p:style>
-          <p:txBody>
-            <a:bodyPr rtlCol="0" anchor="ctr"/>
-            <a:lstStyle/>
-            <a:p>
-              <a:pPr algn="ctr"/>
-              <a:endParaRPr lang="en-GB"/>
-            </a:p>
-          </p:txBody>
-        </p:sp>
-        <p:sp>
-          <p:nvSpPr>
-            <p:cNvPr id="14" name="직사각형 13">
-              <a:extLst>
-                <a:ext uri="{FF2B5EF4-FFF2-40B4-BE49-F238E27FC236}">
-                  <a16:creationId xmlns:a16="http://schemas.microsoft.com/office/drawing/2014/main" id="{B856F35A-FF08-D9A7-9E11-7F5B4FAA5090}"/>
-                </a:ext>
-              </a:extLst>
-            </p:cNvPr>
-            <p:cNvSpPr/>
-            <p:nvPr/>
-          </p:nvSpPr>
-          <p:spPr>
-            <a:xfrm>
-              <a:off x="1409272" y="2465966"/>
-              <a:ext cx="2149302" cy="888715"/>
-            </a:xfrm>
-            <a:prstGeom prst="rect">
-              <a:avLst/>
-            </a:prstGeom>
-            <a:noFill/>
-            <a:ln>
-              <a:solidFill>
-                <a:srgbClr val="C00000"/>
-              </a:solidFill>
-            </a:ln>
-          </p:spPr>
-          <p:style>
-            <a:lnRef idx="2">
-              <a:schemeClr val="accent1">
-                <a:shade val="15000"/>
-              </a:schemeClr>
-            </a:lnRef>
-            <a:fillRef idx="1">
-              <a:schemeClr val="accent1"/>
-            </a:fillRef>
-            <a:effectRef idx="0">
-              <a:schemeClr val="accent1"/>
-            </a:effectRef>
-            <a:fontRef idx="minor">
-              <a:schemeClr val="lt1"/>
-            </a:fontRef>
-          </p:style>
-          <p:txBody>
-            <a:bodyPr rtlCol="0" anchor="ctr"/>
-            <a:lstStyle/>
-            <a:p>
-              <a:pPr algn="ctr"/>
-              <a:endParaRPr lang="en-GB"/>
-            </a:p>
-          </p:txBody>
-        </p:sp>
-        <p:sp>
-          <p:nvSpPr>
-            <p:cNvPr id="15" name="TextBox 14">
-              <a:extLst>
-                <a:ext uri="{FF2B5EF4-FFF2-40B4-BE49-F238E27FC236}">
-                  <a16:creationId xmlns:a16="http://schemas.microsoft.com/office/drawing/2014/main" id="{9F08D280-7FA0-1F53-37E2-DCCFF26D378F}"/>
-                </a:ext>
-              </a:extLst>
-            </p:cNvPr>
-            <p:cNvSpPr txBox="1"/>
-            <p:nvPr/>
-          </p:nvSpPr>
-          <p:spPr>
-            <a:xfrm>
-              <a:off x="1722752" y="2582186"/>
-              <a:ext cx="1522340" cy="369332"/>
-            </a:xfrm>
-            <a:prstGeom prst="rect">
-              <a:avLst/>
-            </a:prstGeom>
-            <a:noFill/>
-          </p:spPr>
-          <p:txBody>
-            <a:bodyPr wrap="none" rtlCol="0">
-              <a:spAutoFit/>
-            </a:bodyPr>
-            <a:lstStyle/>
-            <a:p>
-              <a:r>
-                <a:rPr lang="en-GB" b="1">
-                  <a:solidFill>
-                    <a:srgbClr val="C00000"/>
-                  </a:solidFill>
-                </a:rPr>
-                <a:t>Adapter Layer</a:t>
-              </a:r>
-            </a:p>
-          </p:txBody>
-        </p:sp>
-        <p:cxnSp>
-          <p:nvCxnSpPr>
-            <p:cNvPr id="19" name="직선 화살표 연결선 18">
-              <a:extLst>
-                <a:ext uri="{FF2B5EF4-FFF2-40B4-BE49-F238E27FC236}">
-                  <a16:creationId xmlns:a16="http://schemas.microsoft.com/office/drawing/2014/main" id="{3ACF13D0-C7C6-8AEE-EB3A-7100543D80E1}"/>
-                </a:ext>
-              </a:extLst>
-            </p:cNvPr>
-            <p:cNvCxnSpPr>
-              <a:cxnSpLocks/>
-              <a:stCxn id="14" idx="3"/>
-              <a:endCxn id="7" idx="1"/>
-            </p:cNvCxnSpPr>
-            <p:nvPr/>
-          </p:nvCxnSpPr>
-          <p:spPr>
-            <a:xfrm>
-              <a:off x="3558574" y="2910324"/>
-              <a:ext cx="1462775" cy="0"/>
-            </a:xfrm>
-            <a:prstGeom prst="straightConnector1">
-              <a:avLst/>
-            </a:prstGeom>
-            <a:ln w="28575">
-              <a:solidFill>
-                <a:schemeClr val="tx1"/>
-              </a:solidFill>
-              <a:tailEnd type="arrow"/>
-            </a:ln>
-          </p:spPr>
-          <p:style>
-            <a:lnRef idx="1">
-              <a:schemeClr val="accent1"/>
-            </a:lnRef>
-            <a:fillRef idx="0">
-              <a:schemeClr val="accent1"/>
-            </a:fillRef>
-            <a:effectRef idx="0">
-              <a:schemeClr val="accent1"/>
-            </a:effectRef>
-            <a:fontRef idx="minor">
-              <a:schemeClr val="tx1"/>
-            </a:fontRef>
-          </p:style>
-        </p:cxnSp>
-        <p:sp>
-          <p:nvSpPr>
-            <p:cNvPr id="7" name="직사각형 6">
-              <a:extLst>
-                <a:ext uri="{FF2B5EF4-FFF2-40B4-BE49-F238E27FC236}">
-                  <a16:creationId xmlns:a16="http://schemas.microsoft.com/office/drawing/2014/main" id="{5807D226-7FC1-6750-AB45-D7EDFBE05432}"/>
-                </a:ext>
-              </a:extLst>
-            </p:cNvPr>
-            <p:cNvSpPr/>
-            <p:nvPr/>
-          </p:nvSpPr>
-          <p:spPr>
-            <a:xfrm>
-              <a:off x="5021349" y="2465966"/>
-              <a:ext cx="2149302" cy="888715"/>
-            </a:xfrm>
-            <a:prstGeom prst="rect">
-              <a:avLst/>
-            </a:prstGeom>
-            <a:noFill/>
-            <a:ln>
-              <a:solidFill>
-                <a:srgbClr val="0070C0"/>
-              </a:solidFill>
-            </a:ln>
-          </p:spPr>
-          <p:style>
-            <a:lnRef idx="2">
-              <a:schemeClr val="accent1">
-                <a:shade val="15000"/>
-              </a:schemeClr>
-            </a:lnRef>
-            <a:fillRef idx="1">
-              <a:schemeClr val="accent1"/>
-            </a:fillRef>
-            <a:effectRef idx="0">
-              <a:schemeClr val="accent1"/>
-            </a:effectRef>
-            <a:fontRef idx="minor">
-              <a:schemeClr val="lt1"/>
-            </a:fontRef>
-          </p:style>
-          <p:txBody>
-            <a:bodyPr rtlCol="0" anchor="ctr"/>
-            <a:lstStyle/>
-            <a:p>
-              <a:pPr algn="ctr"/>
-              <a:endParaRPr lang="en-GB"/>
-            </a:p>
-          </p:txBody>
-        </p:sp>
-        <p:sp>
-          <p:nvSpPr>
-            <p:cNvPr id="4" name="TextBox 3">
-              <a:extLst>
-                <a:ext uri="{FF2B5EF4-FFF2-40B4-BE49-F238E27FC236}">
-                  <a16:creationId xmlns:a16="http://schemas.microsoft.com/office/drawing/2014/main" id="{7D5D357C-21CC-007B-8024-C47DC5EA253E}"/>
-                </a:ext>
-              </a:extLst>
-            </p:cNvPr>
-            <p:cNvSpPr txBox="1"/>
-            <p:nvPr/>
-          </p:nvSpPr>
-          <p:spPr>
-            <a:xfrm>
-              <a:off x="5177607" y="2582186"/>
-              <a:ext cx="1836785" cy="369332"/>
-            </a:xfrm>
-            <a:prstGeom prst="rect">
-              <a:avLst/>
-            </a:prstGeom>
-            <a:noFill/>
-          </p:spPr>
-          <p:txBody>
-            <a:bodyPr wrap="none" rtlCol="0">
-              <a:spAutoFit/>
-            </a:bodyPr>
-            <a:lstStyle/>
-            <a:p>
-              <a:r>
-                <a:rPr lang="en-GB" b="1">
-                  <a:solidFill>
-                    <a:srgbClr val="0070C0"/>
-                  </a:solidFill>
-                </a:rPr>
-                <a:t>Application Layer</a:t>
-              </a:r>
-            </a:p>
-          </p:txBody>
-        </p:sp>
-        <p:sp>
-          <p:nvSpPr>
-            <p:cNvPr id="30" name="TextBox 29">
-              <a:extLst>
-                <a:ext uri="{FF2B5EF4-FFF2-40B4-BE49-F238E27FC236}">
-                  <a16:creationId xmlns:a16="http://schemas.microsoft.com/office/drawing/2014/main" id="{8ED954F7-1214-3972-B395-7C7BE7C5574A}"/>
-                </a:ext>
-              </a:extLst>
-            </p:cNvPr>
-            <p:cNvSpPr txBox="1"/>
-            <p:nvPr/>
-          </p:nvSpPr>
-          <p:spPr>
-            <a:xfrm>
-              <a:off x="5671043" y="2930684"/>
-              <a:ext cx="849913" cy="307777"/>
-            </a:xfrm>
-            <a:prstGeom prst="rect">
-              <a:avLst/>
-            </a:prstGeom>
-            <a:noFill/>
-          </p:spPr>
-          <p:txBody>
-            <a:bodyPr wrap="none" rtlCol="0">
-              <a:spAutoFit/>
-            </a:bodyPr>
-            <a:lstStyle/>
-            <a:p>
-              <a:r>
-                <a:rPr lang="en-GB" sz="1400" b="1">
-                  <a:solidFill>
-                    <a:srgbClr val="0070C0"/>
-                  </a:solidFill>
-                </a:rPr>
-                <a:t>Biz. </a:t>
-              </a:r>
-              <a:r>
-                <a:rPr lang="ko-KR" altLang="en-US" sz="1400" b="1">
-                  <a:solidFill>
-                    <a:srgbClr val="0070C0"/>
-                  </a:solidFill>
-                </a:rPr>
-                <a:t>흐름</a:t>
-              </a:r>
-              <a:endParaRPr lang="en-GB" sz="1400" b="1">
-                <a:solidFill>
-                  <a:srgbClr val="0070C0"/>
-                </a:solidFill>
-              </a:endParaRPr>
-            </a:p>
-          </p:txBody>
-        </p:sp>
-        <p:sp>
-          <p:nvSpPr>
-            <p:cNvPr id="2" name="TextBox 1">
-              <a:extLst>
-                <a:ext uri="{FF2B5EF4-FFF2-40B4-BE49-F238E27FC236}">
-                  <a16:creationId xmlns:a16="http://schemas.microsoft.com/office/drawing/2014/main" id="{0413BC1F-1349-C056-DCF0-A793A6965C4B}"/>
-                </a:ext>
-              </a:extLst>
-            </p:cNvPr>
-            <p:cNvSpPr txBox="1"/>
-            <p:nvPr/>
-          </p:nvSpPr>
-          <p:spPr>
-            <a:xfrm>
-              <a:off x="2200575" y="2930684"/>
-              <a:ext cx="566694" cy="307777"/>
-            </a:xfrm>
-            <a:prstGeom prst="rect">
-              <a:avLst/>
-            </a:prstGeom>
-            <a:noFill/>
-          </p:spPr>
-          <p:txBody>
-            <a:bodyPr wrap="none" rtlCol="0">
-              <a:spAutoFit/>
-            </a:bodyPr>
-            <a:lstStyle/>
-            <a:p>
-              <a:r>
-                <a:rPr lang="en-GB" sz="1400" b="1">
-                  <a:solidFill>
-                    <a:srgbClr val="C00000"/>
-                  </a:solidFill>
-                </a:rPr>
-                <a:t>Tech.</a:t>
-              </a:r>
-            </a:p>
-          </p:txBody>
-        </p:sp>
-        <p:sp>
-          <p:nvSpPr>
-            <p:cNvPr id="17" name="직사각형 16">
-              <a:extLst>
-                <a:ext uri="{FF2B5EF4-FFF2-40B4-BE49-F238E27FC236}">
-                  <a16:creationId xmlns:a16="http://schemas.microsoft.com/office/drawing/2014/main" id="{C39EF287-030C-ECD8-717A-E6AD36274608}"/>
-                </a:ext>
-              </a:extLst>
-            </p:cNvPr>
-            <p:cNvSpPr/>
-            <p:nvPr/>
-          </p:nvSpPr>
-          <p:spPr>
-            <a:xfrm>
-              <a:off x="8633426" y="2465966"/>
-              <a:ext cx="2149302" cy="888715"/>
-            </a:xfrm>
-            <a:prstGeom prst="rect">
-              <a:avLst/>
-            </a:prstGeom>
-            <a:noFill/>
-            <a:ln>
-              <a:solidFill>
-                <a:srgbClr val="C00000"/>
-              </a:solidFill>
-            </a:ln>
-          </p:spPr>
-          <p:style>
-            <a:lnRef idx="2">
-              <a:schemeClr val="accent1">
-                <a:shade val="15000"/>
-              </a:schemeClr>
-            </a:lnRef>
-            <a:fillRef idx="1">
-              <a:schemeClr val="accent1"/>
-            </a:fillRef>
-            <a:effectRef idx="0">
-              <a:schemeClr val="accent1"/>
-            </a:effectRef>
-            <a:fontRef idx="minor">
-              <a:schemeClr val="lt1"/>
-            </a:fontRef>
-          </p:style>
-          <p:txBody>
-            <a:bodyPr rtlCol="0" anchor="ctr"/>
-            <a:lstStyle/>
-            <a:p>
-              <a:pPr algn="ctr"/>
-              <a:endParaRPr lang="en-GB"/>
-            </a:p>
-          </p:txBody>
-        </p:sp>
-        <p:sp>
-          <p:nvSpPr>
-            <p:cNvPr id="18" name="TextBox 17">
-              <a:extLst>
-                <a:ext uri="{FF2B5EF4-FFF2-40B4-BE49-F238E27FC236}">
-                  <a16:creationId xmlns:a16="http://schemas.microsoft.com/office/drawing/2014/main" id="{127C79AD-FE5D-3748-0156-4FCA6F81FC4D}"/>
-                </a:ext>
-              </a:extLst>
-            </p:cNvPr>
-            <p:cNvSpPr txBox="1"/>
-            <p:nvPr/>
-          </p:nvSpPr>
-          <p:spPr>
-            <a:xfrm>
-              <a:off x="8946906" y="2582187"/>
-              <a:ext cx="1522340" cy="369332"/>
-            </a:xfrm>
-            <a:prstGeom prst="rect">
-              <a:avLst/>
-            </a:prstGeom>
-            <a:noFill/>
-          </p:spPr>
-          <p:txBody>
-            <a:bodyPr wrap="none" rtlCol="0">
-              <a:spAutoFit/>
-            </a:bodyPr>
-            <a:lstStyle/>
-            <a:p>
-              <a:r>
-                <a:rPr lang="en-GB" b="1">
-                  <a:solidFill>
-                    <a:srgbClr val="C00000"/>
-                  </a:solidFill>
-                </a:rPr>
-                <a:t>Adapter Layer</a:t>
-              </a:r>
-            </a:p>
-          </p:txBody>
-        </p:sp>
-        <p:sp>
-          <p:nvSpPr>
-            <p:cNvPr id="3" name="TextBox 2">
-              <a:extLst>
-                <a:ext uri="{FF2B5EF4-FFF2-40B4-BE49-F238E27FC236}">
-                  <a16:creationId xmlns:a16="http://schemas.microsoft.com/office/drawing/2014/main" id="{8A7C7473-EB5F-56CE-E280-53F5D0C25B88}"/>
-                </a:ext>
-              </a:extLst>
-            </p:cNvPr>
-            <p:cNvSpPr txBox="1"/>
-            <p:nvPr/>
-          </p:nvSpPr>
-          <p:spPr>
-            <a:xfrm>
-              <a:off x="9424729" y="2930685"/>
-              <a:ext cx="566694" cy="307777"/>
-            </a:xfrm>
-            <a:prstGeom prst="rect">
-              <a:avLst/>
-            </a:prstGeom>
-            <a:noFill/>
-          </p:spPr>
-          <p:txBody>
-            <a:bodyPr wrap="none" rtlCol="0">
-              <a:spAutoFit/>
-            </a:bodyPr>
-            <a:lstStyle/>
-            <a:p>
-              <a:r>
-                <a:rPr lang="en-GB" sz="1400" b="1">
-                  <a:solidFill>
-                    <a:srgbClr val="C00000"/>
-                  </a:solidFill>
-                </a:rPr>
-                <a:t>Tech.</a:t>
-              </a:r>
-            </a:p>
-          </p:txBody>
-        </p:sp>
-        <p:sp>
-          <p:nvSpPr>
-            <p:cNvPr id="10" name="직사각형 9">
-              <a:extLst>
-                <a:ext uri="{FF2B5EF4-FFF2-40B4-BE49-F238E27FC236}">
-                  <a16:creationId xmlns:a16="http://schemas.microsoft.com/office/drawing/2014/main" id="{F728DCE2-908A-8430-A5D2-304A3952DDBB}"/>
-                </a:ext>
-              </a:extLst>
-            </p:cNvPr>
-            <p:cNvSpPr/>
-            <p:nvPr/>
-          </p:nvSpPr>
-          <p:spPr>
-            <a:xfrm>
-              <a:off x="8633425" y="3930583"/>
-              <a:ext cx="2149302" cy="888715"/>
-            </a:xfrm>
-            <a:prstGeom prst="rect">
-              <a:avLst/>
-            </a:prstGeom>
-            <a:noFill/>
-            <a:ln>
-              <a:solidFill>
-                <a:srgbClr val="C00000"/>
-              </a:solidFill>
-              <a:prstDash val="dash"/>
-            </a:ln>
-          </p:spPr>
-          <p:style>
-            <a:lnRef idx="2">
-              <a:schemeClr val="accent1">
-                <a:shade val="15000"/>
-              </a:schemeClr>
-            </a:lnRef>
-            <a:fillRef idx="1">
-              <a:schemeClr val="accent1"/>
-            </a:fillRef>
-            <a:effectRef idx="0">
-              <a:schemeClr val="accent1"/>
-            </a:effectRef>
-            <a:fontRef idx="minor">
-              <a:schemeClr val="lt1"/>
-            </a:fontRef>
-          </p:style>
-          <p:txBody>
-            <a:bodyPr rtlCol="0" anchor="ctr"/>
-            <a:lstStyle/>
-            <a:p>
-              <a:pPr algn="ctr"/>
-              <a:endParaRPr lang="en-GB"/>
-            </a:p>
-          </p:txBody>
-        </p:sp>
-        <p:sp>
-          <p:nvSpPr>
-            <p:cNvPr id="11" name="TextBox 10">
-              <a:extLst>
-                <a:ext uri="{FF2B5EF4-FFF2-40B4-BE49-F238E27FC236}">
-                  <a16:creationId xmlns:a16="http://schemas.microsoft.com/office/drawing/2014/main" id="{A4E57BB9-E5FF-7283-1883-1B2B44562CE4}"/>
-                </a:ext>
-              </a:extLst>
-            </p:cNvPr>
-            <p:cNvSpPr txBox="1"/>
-            <p:nvPr/>
-          </p:nvSpPr>
-          <p:spPr>
-            <a:xfrm>
-              <a:off x="8946905" y="4046804"/>
-              <a:ext cx="1522340" cy="369332"/>
-            </a:xfrm>
-            <a:prstGeom prst="rect">
-              <a:avLst/>
-            </a:prstGeom>
-            <a:noFill/>
-          </p:spPr>
-          <p:txBody>
-            <a:bodyPr wrap="none" rtlCol="0">
-              <a:spAutoFit/>
-            </a:bodyPr>
-            <a:lstStyle/>
-            <a:p>
-              <a:r>
-                <a:rPr lang="en-GB" b="1">
-                  <a:solidFill>
-                    <a:srgbClr val="C00000"/>
-                  </a:solidFill>
-                </a:rPr>
-                <a:t>Adapter Layer</a:t>
-              </a:r>
-            </a:p>
-          </p:txBody>
-        </p:sp>
-        <p:sp>
-          <p:nvSpPr>
-            <p:cNvPr id="13" name="TextBox 12">
-              <a:extLst>
-                <a:ext uri="{FF2B5EF4-FFF2-40B4-BE49-F238E27FC236}">
-                  <a16:creationId xmlns:a16="http://schemas.microsoft.com/office/drawing/2014/main" id="{16D366BB-4809-C3F0-013F-8285845B1575}"/>
-                </a:ext>
-              </a:extLst>
-            </p:cNvPr>
-            <p:cNvSpPr txBox="1"/>
-            <p:nvPr/>
-          </p:nvSpPr>
-          <p:spPr>
-            <a:xfrm>
-              <a:off x="9424728" y="4395302"/>
-              <a:ext cx="566694" cy="307777"/>
-            </a:xfrm>
-            <a:prstGeom prst="rect">
-              <a:avLst/>
-            </a:prstGeom>
-            <a:noFill/>
-          </p:spPr>
-          <p:txBody>
-            <a:bodyPr wrap="none" rtlCol="0">
-              <a:spAutoFit/>
-            </a:bodyPr>
-            <a:lstStyle/>
-            <a:p>
-              <a:r>
-                <a:rPr lang="en-GB" sz="1400" b="1">
-                  <a:solidFill>
-                    <a:srgbClr val="C00000"/>
-                  </a:solidFill>
-                </a:rPr>
-                <a:t>Tech.</a:t>
-              </a:r>
-            </a:p>
-          </p:txBody>
-        </p:sp>
-        <p:cxnSp>
-          <p:nvCxnSpPr>
-            <p:cNvPr id="20" name="연결선: 꺾임 19">
-              <a:extLst>
-                <a:ext uri="{FF2B5EF4-FFF2-40B4-BE49-F238E27FC236}">
-                  <a16:creationId xmlns:a16="http://schemas.microsoft.com/office/drawing/2014/main" id="{7E673CA2-5D7E-EE42-4229-CA8A78CE5D9D}"/>
-                </a:ext>
-              </a:extLst>
-            </p:cNvPr>
-            <p:cNvCxnSpPr>
-              <a:cxnSpLocks/>
-              <a:stCxn id="45" idx="3"/>
-              <a:endCxn id="10" idx="1"/>
-            </p:cNvCxnSpPr>
-            <p:nvPr/>
-          </p:nvCxnSpPr>
-          <p:spPr>
-            <a:xfrm>
-              <a:off x="7170651" y="3192865"/>
-              <a:ext cx="1462774" cy="1182076"/>
-            </a:xfrm>
-            <a:prstGeom prst="bentConnector3">
-              <a:avLst>
-                <a:gd name="adj1" fmla="val 50000"/>
-              </a:avLst>
-            </a:prstGeom>
-            <a:ln w="28575">
-              <a:solidFill>
-                <a:schemeClr val="tx1"/>
-              </a:solidFill>
-              <a:prstDash val="solid"/>
-              <a:tailEnd type="arrow"/>
-            </a:ln>
-          </p:spPr>
-          <p:style>
-            <a:lnRef idx="1">
-              <a:schemeClr val="accent1"/>
-            </a:lnRef>
-            <a:fillRef idx="0">
-              <a:schemeClr val="accent1"/>
-            </a:fillRef>
-            <a:effectRef idx="0">
-              <a:schemeClr val="accent1"/>
-            </a:effectRef>
-            <a:fontRef idx="minor">
-              <a:schemeClr val="tx1"/>
-            </a:fontRef>
-          </p:style>
-        </p:cxnSp>
-        <p:sp>
-          <p:nvSpPr>
-            <p:cNvPr id="35" name="TextBox 34">
-              <a:extLst>
-                <a:ext uri="{FF2B5EF4-FFF2-40B4-BE49-F238E27FC236}">
-                  <a16:creationId xmlns:a16="http://schemas.microsoft.com/office/drawing/2014/main" id="{BD92E4A6-BAE3-4E59-F7B8-9DBD509BA69E}"/>
-                </a:ext>
-              </a:extLst>
-            </p:cNvPr>
-            <p:cNvSpPr txBox="1"/>
-            <p:nvPr/>
-          </p:nvSpPr>
-          <p:spPr>
-            <a:xfrm>
-              <a:off x="2139275" y="2108930"/>
-              <a:ext cx="686085" cy="307777"/>
-            </a:xfrm>
-            <a:prstGeom prst="rect">
-              <a:avLst/>
-            </a:prstGeom>
-            <a:noFill/>
-          </p:spPr>
-          <p:txBody>
-            <a:bodyPr wrap="none" rtlCol="0">
-              <a:spAutoFit/>
-            </a:bodyPr>
-            <a:lstStyle/>
-            <a:p>
-              <a:r>
-                <a:rPr lang="en-GB" sz="1400"/>
-                <a:t>Known</a:t>
-              </a:r>
-            </a:p>
-          </p:txBody>
-        </p:sp>
-        <p:sp>
-          <p:nvSpPr>
-            <p:cNvPr id="38" name="TextBox 37">
-              <a:extLst>
-                <a:ext uri="{FF2B5EF4-FFF2-40B4-BE49-F238E27FC236}">
-                  <a16:creationId xmlns:a16="http://schemas.microsoft.com/office/drawing/2014/main" id="{A93D7A25-44A6-FBA1-F662-2588A33803F1}"/>
-                </a:ext>
-              </a:extLst>
-            </p:cNvPr>
-            <p:cNvSpPr txBox="1"/>
-            <p:nvPr/>
-          </p:nvSpPr>
-          <p:spPr>
-            <a:xfrm>
-              <a:off x="9365034" y="2108930"/>
-              <a:ext cx="686085" cy="307777"/>
-            </a:xfrm>
-            <a:prstGeom prst="rect">
-              <a:avLst/>
-            </a:prstGeom>
-            <a:noFill/>
-          </p:spPr>
-          <p:txBody>
-            <a:bodyPr wrap="none" rtlCol="0">
-              <a:spAutoFit/>
-            </a:bodyPr>
-            <a:lstStyle/>
-            <a:p>
-              <a:r>
-                <a:rPr lang="en-GB" sz="1400"/>
-                <a:t>Known</a:t>
-              </a:r>
-            </a:p>
-          </p:txBody>
-        </p:sp>
-        <p:cxnSp>
-          <p:nvCxnSpPr>
-            <p:cNvPr id="42" name="직선 화살표 연결선 41">
-              <a:extLst>
-                <a:ext uri="{FF2B5EF4-FFF2-40B4-BE49-F238E27FC236}">
-                  <a16:creationId xmlns:a16="http://schemas.microsoft.com/office/drawing/2014/main" id="{79E91038-FCB7-319E-CD5B-EB9D3068A8DA}"/>
-                </a:ext>
-              </a:extLst>
-            </p:cNvPr>
-            <p:cNvCxnSpPr>
-              <a:cxnSpLocks/>
-              <a:stCxn id="7" idx="3"/>
-              <a:endCxn id="17" idx="1"/>
-            </p:cNvCxnSpPr>
-            <p:nvPr/>
-          </p:nvCxnSpPr>
-          <p:spPr>
-            <a:xfrm>
-              <a:off x="7170651" y="2910324"/>
-              <a:ext cx="1462775" cy="0"/>
-            </a:xfrm>
-            <a:prstGeom prst="straightConnector1">
-              <a:avLst/>
-            </a:prstGeom>
-            <a:ln w="28575">
-              <a:solidFill>
-                <a:schemeClr val="tx1"/>
-              </a:solidFill>
-              <a:tailEnd type="arrow"/>
-            </a:ln>
-          </p:spPr>
-          <p:style>
-            <a:lnRef idx="1">
-              <a:schemeClr val="accent1"/>
-            </a:lnRef>
-            <a:fillRef idx="0">
-              <a:schemeClr val="accent1"/>
-            </a:fillRef>
-            <a:effectRef idx="0">
-              <a:schemeClr val="accent1"/>
-            </a:effectRef>
-            <a:fontRef idx="minor">
-              <a:schemeClr val="tx1"/>
-            </a:fontRef>
-          </p:style>
-        </p:cxnSp>
-        <p:sp>
-          <p:nvSpPr>
-            <p:cNvPr id="45" name="직사각형 44">
-              <a:extLst>
-                <a:ext uri="{FF2B5EF4-FFF2-40B4-BE49-F238E27FC236}">
-                  <a16:creationId xmlns:a16="http://schemas.microsoft.com/office/drawing/2014/main" id="{7F2FD335-23C0-6266-E99C-FE516D56F60F}"/>
-                </a:ext>
-              </a:extLst>
-            </p:cNvPr>
-            <p:cNvSpPr/>
-            <p:nvPr/>
-          </p:nvSpPr>
-          <p:spPr>
-            <a:xfrm>
-              <a:off x="6738319" y="3031048"/>
-              <a:ext cx="432332" cy="323633"/>
-            </a:xfrm>
-            <a:prstGeom prst="rect">
-              <a:avLst/>
-            </a:prstGeom>
-            <a:noFill/>
-            <a:ln>
-              <a:noFill/>
-            </a:ln>
-          </p:spPr>
-          <p:style>
-            <a:lnRef idx="2">
-              <a:schemeClr val="accent1">
-                <a:shade val="15000"/>
-              </a:schemeClr>
-            </a:lnRef>
-            <a:fillRef idx="1">
-              <a:schemeClr val="accent1"/>
-            </a:fillRef>
-            <a:effectRef idx="0">
-              <a:schemeClr val="accent1"/>
-            </a:effectRef>
-            <a:fontRef idx="minor">
-              <a:schemeClr val="lt1"/>
-            </a:fontRef>
-          </p:style>
-          <p:txBody>
-            <a:bodyPr rtlCol="0" anchor="ctr"/>
-            <a:lstStyle/>
-            <a:p>
-              <a:pPr algn="ctr"/>
-              <a:endParaRPr lang="en-GB"/>
-            </a:p>
-          </p:txBody>
-        </p:sp>
-        <p:sp>
-          <p:nvSpPr>
-            <p:cNvPr id="49" name="TextBox 48">
-              <a:extLst>
-                <a:ext uri="{FF2B5EF4-FFF2-40B4-BE49-F238E27FC236}">
-                  <a16:creationId xmlns:a16="http://schemas.microsoft.com/office/drawing/2014/main" id="{FABF2326-95AC-1E81-51AC-1E435575F0B4}"/>
-                </a:ext>
-              </a:extLst>
-            </p:cNvPr>
-            <p:cNvSpPr txBox="1"/>
-            <p:nvPr/>
-          </p:nvSpPr>
-          <p:spPr>
-            <a:xfrm>
-              <a:off x="9264236" y="3547641"/>
-              <a:ext cx="887679" cy="307777"/>
-            </a:xfrm>
-            <a:prstGeom prst="rect">
-              <a:avLst/>
-            </a:prstGeom>
-            <a:noFill/>
-          </p:spPr>
-          <p:txBody>
-            <a:bodyPr wrap="none" rtlCol="0">
-              <a:spAutoFit/>
-            </a:bodyPr>
-            <a:lstStyle/>
-            <a:p>
-              <a:r>
-                <a:rPr lang="en-GB" sz="1400"/>
-                <a:t>Unknown</a:t>
-              </a:r>
-            </a:p>
-          </p:txBody>
-        </p:sp>
-      </p:grpSp>
-    </p:spTree>
-    <p:extLst>
-      <p:ext uri="{BB962C8B-B14F-4D97-AF65-F5344CB8AC3E}">
-        <p14:creationId xmlns:p14="http://schemas.microsoft.com/office/powerpoint/2010/main" val="2460706833"/>
-      </p:ext>
-    </p:extLst>
-  </p:cSld>
-  <p:clrMapOvr>
-    <a:masterClrMapping/>
-  </p:clrMapOvr>
-</p:sld>
-</file>
-
 <file path=ppt/slides/slide2.xml><?xml version="1.0" encoding="utf-8"?>
 <p:sld xmlns:a="http://schemas.openxmlformats.org/drawingml/2006/main" xmlns:r="http://schemas.openxmlformats.org/officeDocument/2006/relationships" xmlns:p="http://schemas.openxmlformats.org/presentationml/2006/main">
   <p:cSld>
@@ -23871,6 +26040,1426 @@
         <p:cNvPr id="1" name="">
           <a:extLst>
             <a:ext uri="{FF2B5EF4-FFF2-40B4-BE49-F238E27FC236}">
+              <a16:creationId xmlns:a16="http://schemas.microsoft.com/office/drawing/2014/main" id="{B52804FE-251A-DCBF-990C-D7A1E430C6E8}"/>
+            </a:ext>
+          </a:extLst>
+        </p:cNvPr>
+        <p:cNvGrpSpPr/>
+        <p:nvPr/>
+      </p:nvGrpSpPr>
+      <p:grpSpPr>
+        <a:xfrm>
+          <a:off x="0" y="0"/>
+          <a:ext cx="0" cy="0"/>
+          <a:chOff x="0" y="0"/>
+          <a:chExt cx="0" cy="0"/>
+        </a:xfrm>
+      </p:grpSpPr>
+      <p:grpSp>
+        <p:nvGrpSpPr>
+          <p:cNvPr id="5" name="그룹 4"/>
+          <p:cNvGrpSpPr/>
+          <p:nvPr/>
+        </p:nvGrpSpPr>
+        <p:grpSpPr>
+          <a:xfrm>
+            <a:off x="679807" y="509856"/>
+            <a:ext cx="10832386" cy="5838289"/>
+            <a:chOff x="679807" y="509856"/>
+            <a:chExt cx="10832386" cy="5838289"/>
+          </a:xfrm>
+        </p:grpSpPr>
+        <p:sp>
+          <p:nvSpPr>
+            <p:cNvPr id="34" name="직사각형 33">
+              <a:extLst>
+                <a:ext uri="{FF2B5EF4-FFF2-40B4-BE49-F238E27FC236}">
+                  <a16:creationId xmlns:a16="http://schemas.microsoft.com/office/drawing/2014/main" id="{B02066EA-E307-1ED3-1AB7-4CF95F534099}"/>
+                </a:ext>
+              </a:extLst>
+            </p:cNvPr>
+            <p:cNvSpPr/>
+            <p:nvPr/>
+          </p:nvSpPr>
+          <p:spPr>
+            <a:xfrm>
+              <a:off x="5021349" y="5152787"/>
+              <a:ext cx="2149302" cy="888715"/>
+            </a:xfrm>
+            <a:prstGeom prst="rect">
+              <a:avLst/>
+            </a:prstGeom>
+            <a:noFill/>
+            <a:ln>
+              <a:solidFill>
+                <a:srgbClr val="0070C0"/>
+              </a:solidFill>
+            </a:ln>
+          </p:spPr>
+          <p:style>
+            <a:lnRef idx="2">
+              <a:schemeClr val="accent1">
+                <a:shade val="15000"/>
+              </a:schemeClr>
+            </a:lnRef>
+            <a:fillRef idx="1">
+              <a:schemeClr val="accent1"/>
+            </a:fillRef>
+            <a:effectRef idx="0">
+              <a:schemeClr val="accent1"/>
+            </a:effectRef>
+            <a:fontRef idx="minor">
+              <a:schemeClr val="lt1"/>
+            </a:fontRef>
+          </p:style>
+          <p:txBody>
+            <a:bodyPr rtlCol="0" anchor="ctr"/>
+            <a:lstStyle/>
+            <a:p>
+              <a:pPr algn="ctr"/>
+              <a:endParaRPr lang="en-GB"/>
+            </a:p>
+          </p:txBody>
+        </p:sp>
+        <p:sp>
+          <p:nvSpPr>
+            <p:cNvPr id="36" name="TextBox 35">
+              <a:extLst>
+                <a:ext uri="{FF2B5EF4-FFF2-40B4-BE49-F238E27FC236}">
+                  <a16:creationId xmlns:a16="http://schemas.microsoft.com/office/drawing/2014/main" id="{5F7CADFF-9BF1-71D4-CB2E-73686C834E2C}"/>
+                </a:ext>
+              </a:extLst>
+            </p:cNvPr>
+            <p:cNvSpPr txBox="1"/>
+            <p:nvPr/>
+          </p:nvSpPr>
+          <p:spPr>
+            <a:xfrm>
+              <a:off x="5346595" y="5269007"/>
+              <a:ext cx="1498808" cy="369332"/>
+            </a:xfrm>
+            <a:prstGeom prst="rect">
+              <a:avLst/>
+            </a:prstGeom>
+            <a:noFill/>
+          </p:spPr>
+          <p:txBody>
+            <a:bodyPr wrap="none" rtlCol="0">
+              <a:spAutoFit/>
+            </a:bodyPr>
+            <a:lstStyle/>
+            <a:p>
+              <a:r>
+                <a:rPr lang="en-GB" b="1">
+                  <a:solidFill>
+                    <a:srgbClr val="0070C0"/>
+                  </a:solidFill>
+                </a:rPr>
+                <a:t>Domain Layer</a:t>
+              </a:r>
+            </a:p>
+          </p:txBody>
+        </p:sp>
+        <p:sp>
+          <p:nvSpPr>
+            <p:cNvPr id="37" name="TextBox 36">
+              <a:extLst>
+                <a:ext uri="{FF2B5EF4-FFF2-40B4-BE49-F238E27FC236}">
+                  <a16:creationId xmlns:a16="http://schemas.microsoft.com/office/drawing/2014/main" id="{994CF98B-0756-34B9-E377-CB18D6FD726B}"/>
+                </a:ext>
+              </a:extLst>
+            </p:cNvPr>
+            <p:cNvSpPr txBox="1"/>
+            <p:nvPr/>
+          </p:nvSpPr>
+          <p:spPr>
+            <a:xfrm>
+              <a:off x="5671043" y="5617505"/>
+              <a:ext cx="849913" cy="307777"/>
+            </a:xfrm>
+            <a:prstGeom prst="rect">
+              <a:avLst/>
+            </a:prstGeom>
+            <a:noFill/>
+          </p:spPr>
+          <p:txBody>
+            <a:bodyPr wrap="none" rtlCol="0">
+              <a:spAutoFit/>
+            </a:bodyPr>
+            <a:lstStyle/>
+            <a:p>
+              <a:r>
+                <a:rPr lang="en-GB" sz="1400" b="1">
+                  <a:solidFill>
+                    <a:srgbClr val="0070C0"/>
+                  </a:solidFill>
+                </a:rPr>
+                <a:t>Biz. </a:t>
+              </a:r>
+              <a:r>
+                <a:rPr lang="ko-KR" altLang="en-US" sz="1400" b="1">
+                  <a:solidFill>
+                    <a:srgbClr val="0070C0"/>
+                  </a:solidFill>
+                </a:rPr>
+                <a:t>단위</a:t>
+              </a:r>
+              <a:endParaRPr lang="en-GB" sz="1400" b="1">
+                <a:solidFill>
+                  <a:srgbClr val="0070C0"/>
+                </a:solidFill>
+              </a:endParaRPr>
+            </a:p>
+          </p:txBody>
+        </p:sp>
+        <p:sp>
+          <p:nvSpPr>
+            <p:cNvPr id="6" name="TextBox 5">
+              <a:extLst>
+                <a:ext uri="{FF2B5EF4-FFF2-40B4-BE49-F238E27FC236}">
+                  <a16:creationId xmlns:a16="http://schemas.microsoft.com/office/drawing/2014/main" id="{390112C5-68A9-2863-6F41-25B24CB794FF}"/>
+                </a:ext>
+              </a:extLst>
+            </p:cNvPr>
+            <p:cNvSpPr txBox="1"/>
+            <p:nvPr/>
+          </p:nvSpPr>
+          <p:spPr>
+            <a:xfrm>
+              <a:off x="5734364" y="1324267"/>
+              <a:ext cx="723275" cy="584775"/>
+            </a:xfrm>
+            <a:prstGeom prst="rect">
+              <a:avLst/>
+            </a:prstGeom>
+            <a:noFill/>
+          </p:spPr>
+          <p:txBody>
+            <a:bodyPr wrap="none" rtlCol="0">
+              <a:spAutoFit/>
+            </a:bodyPr>
+            <a:lstStyle/>
+            <a:p>
+              <a:pPr algn="ctr"/>
+              <a:r>
+                <a:rPr lang="en-GB" b="1">
+                  <a:solidFill>
+                    <a:srgbClr val="0070C0"/>
+                  </a:solidFill>
+                </a:rPr>
+                <a:t>Biz.</a:t>
+              </a:r>
+            </a:p>
+            <a:p>
+              <a:pPr algn="ctr"/>
+              <a:r>
+                <a:rPr lang="ko-KR" altLang="en-US" sz="1400" b="1">
+                  <a:solidFill>
+                    <a:srgbClr val="0070C0"/>
+                  </a:solidFill>
+                </a:rPr>
+                <a:t>관심사</a:t>
+              </a:r>
+              <a:endParaRPr lang="en-GB" sz="1400" b="1">
+                <a:solidFill>
+                  <a:srgbClr val="0070C0"/>
+                </a:solidFill>
+              </a:endParaRPr>
+            </a:p>
+          </p:txBody>
+        </p:sp>
+        <p:cxnSp>
+          <p:nvCxnSpPr>
+            <p:cNvPr id="12" name="직선 화살표 연결선 11">
+              <a:extLst>
+                <a:ext uri="{FF2B5EF4-FFF2-40B4-BE49-F238E27FC236}">
+                  <a16:creationId xmlns:a16="http://schemas.microsoft.com/office/drawing/2014/main" id="{7CF65850-017D-A4FD-0381-4A503FFFD581}"/>
+                </a:ext>
+              </a:extLst>
+            </p:cNvPr>
+            <p:cNvCxnSpPr>
+              <a:cxnSpLocks/>
+            </p:cNvCxnSpPr>
+            <p:nvPr/>
+          </p:nvCxnSpPr>
+          <p:spPr>
+            <a:xfrm>
+              <a:off x="6095999" y="3354681"/>
+              <a:ext cx="0" cy="1798106"/>
+            </a:xfrm>
+            <a:prstGeom prst="straightConnector1">
+              <a:avLst/>
+            </a:prstGeom>
+            <a:ln w="28575">
+              <a:solidFill>
+                <a:schemeClr val="tx1"/>
+              </a:solidFill>
+              <a:tailEnd type="arrow"/>
+            </a:ln>
+          </p:spPr>
+          <p:style>
+            <a:lnRef idx="1">
+              <a:schemeClr val="accent1"/>
+            </a:lnRef>
+            <a:fillRef idx="0">
+              <a:schemeClr val="accent1"/>
+            </a:fillRef>
+            <a:effectRef idx="0">
+              <a:schemeClr val="accent1"/>
+            </a:effectRef>
+            <a:fontRef idx="minor">
+              <a:schemeClr val="tx1"/>
+            </a:fontRef>
+          </p:style>
+        </p:cxnSp>
+        <p:sp>
+          <p:nvSpPr>
+            <p:cNvPr id="25" name="TextBox 24">
+              <a:extLst>
+                <a:ext uri="{FF2B5EF4-FFF2-40B4-BE49-F238E27FC236}">
+                  <a16:creationId xmlns:a16="http://schemas.microsoft.com/office/drawing/2014/main" id="{6A9DC339-314D-6C64-5C41-4245D028BE0F}"/>
+                </a:ext>
+              </a:extLst>
+            </p:cNvPr>
+            <p:cNvSpPr txBox="1"/>
+            <p:nvPr/>
+          </p:nvSpPr>
+          <p:spPr>
+            <a:xfrm>
+              <a:off x="2122284" y="1324267"/>
+              <a:ext cx="723276" cy="584775"/>
+            </a:xfrm>
+            <a:prstGeom prst="rect">
+              <a:avLst/>
+            </a:prstGeom>
+            <a:noFill/>
+          </p:spPr>
+          <p:txBody>
+            <a:bodyPr wrap="none" rtlCol="0">
+              <a:spAutoFit/>
+            </a:bodyPr>
+            <a:lstStyle/>
+            <a:p>
+              <a:pPr algn="ctr"/>
+              <a:r>
+                <a:rPr lang="en-GB" b="1">
+                  <a:solidFill>
+                    <a:srgbClr val="C00000"/>
+                  </a:solidFill>
+                </a:rPr>
+                <a:t>Tech.</a:t>
+              </a:r>
+            </a:p>
+            <a:p>
+              <a:pPr algn="ctr"/>
+              <a:r>
+                <a:rPr lang="ko-KR" altLang="en-US" sz="1400" b="1">
+                  <a:solidFill>
+                    <a:srgbClr val="C00000"/>
+                  </a:solidFill>
+                </a:rPr>
+                <a:t>관심사</a:t>
+              </a:r>
+              <a:endParaRPr lang="en-GB" sz="1400" b="1">
+                <a:solidFill>
+                  <a:srgbClr val="C00000"/>
+                </a:solidFill>
+              </a:endParaRPr>
+            </a:p>
+          </p:txBody>
+        </p:sp>
+        <p:sp>
+          <p:nvSpPr>
+            <p:cNvPr id="26" name="TextBox 25">
+              <a:extLst>
+                <a:ext uri="{FF2B5EF4-FFF2-40B4-BE49-F238E27FC236}">
+                  <a16:creationId xmlns:a16="http://schemas.microsoft.com/office/drawing/2014/main" id="{AEBA397B-A500-6960-168A-65CFC8C58B39}"/>
+                </a:ext>
+              </a:extLst>
+            </p:cNvPr>
+            <p:cNvSpPr txBox="1"/>
+            <p:nvPr/>
+          </p:nvSpPr>
+          <p:spPr>
+            <a:xfrm>
+              <a:off x="9346438" y="1324267"/>
+              <a:ext cx="723276" cy="584775"/>
+            </a:xfrm>
+            <a:prstGeom prst="rect">
+              <a:avLst/>
+            </a:prstGeom>
+            <a:noFill/>
+          </p:spPr>
+          <p:txBody>
+            <a:bodyPr wrap="none" rtlCol="0">
+              <a:spAutoFit/>
+            </a:bodyPr>
+            <a:lstStyle/>
+            <a:p>
+              <a:pPr algn="ctr"/>
+              <a:r>
+                <a:rPr lang="en-GB" b="1">
+                  <a:solidFill>
+                    <a:srgbClr val="C00000"/>
+                  </a:solidFill>
+                </a:rPr>
+                <a:t>Tech.</a:t>
+              </a:r>
+            </a:p>
+            <a:p>
+              <a:pPr algn="ctr"/>
+              <a:r>
+                <a:rPr lang="ko-KR" altLang="en-US" sz="1400" b="1">
+                  <a:solidFill>
+                    <a:srgbClr val="C00000"/>
+                  </a:solidFill>
+                </a:rPr>
+                <a:t>관심사</a:t>
+              </a:r>
+              <a:endParaRPr lang="en-GB" sz="1400" b="1">
+                <a:solidFill>
+                  <a:srgbClr val="C00000"/>
+                </a:solidFill>
+              </a:endParaRPr>
+            </a:p>
+          </p:txBody>
+        </p:sp>
+        <p:sp>
+          <p:nvSpPr>
+            <p:cNvPr id="27" name="TextBox 26">
+              <a:extLst>
+                <a:ext uri="{FF2B5EF4-FFF2-40B4-BE49-F238E27FC236}">
+                  <a16:creationId xmlns:a16="http://schemas.microsoft.com/office/drawing/2014/main" id="{D969D07C-3DE5-EA09-DA6F-C138048ECA99}"/>
+                </a:ext>
+              </a:extLst>
+            </p:cNvPr>
+            <p:cNvSpPr txBox="1"/>
+            <p:nvPr/>
+          </p:nvSpPr>
+          <p:spPr>
+            <a:xfrm>
+              <a:off x="2082209" y="772826"/>
+              <a:ext cx="800219" cy="461665"/>
+            </a:xfrm>
+            <a:prstGeom prst="rect">
+              <a:avLst/>
+            </a:prstGeom>
+            <a:noFill/>
+          </p:spPr>
+          <p:txBody>
+            <a:bodyPr wrap="none" rtlCol="0">
+              <a:spAutoFit/>
+            </a:bodyPr>
+            <a:lstStyle/>
+            <a:p>
+              <a:r>
+                <a:rPr lang="ko-KR" altLang="en-US" sz="2400" b="1">
+                  <a:solidFill>
+                    <a:srgbClr val="C00000"/>
+                  </a:solidFill>
+                </a:rPr>
+                <a:t>입력</a:t>
+              </a:r>
+              <a:endParaRPr lang="en-GB" sz="2400" b="1">
+                <a:solidFill>
+                  <a:srgbClr val="C00000"/>
+                </a:solidFill>
+              </a:endParaRPr>
+            </a:p>
+          </p:txBody>
+        </p:sp>
+        <p:sp>
+          <p:nvSpPr>
+            <p:cNvPr id="28" name="TextBox 27">
+              <a:extLst>
+                <a:ext uri="{FF2B5EF4-FFF2-40B4-BE49-F238E27FC236}">
+                  <a16:creationId xmlns:a16="http://schemas.microsoft.com/office/drawing/2014/main" id="{DA479FAB-525E-6749-F6AF-F27D3EE95A5A}"/>
+                </a:ext>
+              </a:extLst>
+            </p:cNvPr>
+            <p:cNvSpPr txBox="1"/>
+            <p:nvPr/>
+          </p:nvSpPr>
+          <p:spPr>
+            <a:xfrm>
+              <a:off x="9309569" y="772826"/>
+              <a:ext cx="800219" cy="461665"/>
+            </a:xfrm>
+            <a:prstGeom prst="rect">
+              <a:avLst/>
+            </a:prstGeom>
+            <a:noFill/>
+          </p:spPr>
+          <p:txBody>
+            <a:bodyPr wrap="none" rtlCol="0">
+              <a:spAutoFit/>
+            </a:bodyPr>
+            <a:lstStyle/>
+            <a:p>
+              <a:r>
+                <a:rPr lang="ko-KR" altLang="en-US" sz="2400" b="1">
+                  <a:solidFill>
+                    <a:srgbClr val="C00000"/>
+                  </a:solidFill>
+                </a:rPr>
+                <a:t>출력</a:t>
+              </a:r>
+              <a:endParaRPr lang="en-GB" sz="2400" b="1">
+                <a:solidFill>
+                  <a:srgbClr val="C00000"/>
+                </a:solidFill>
+              </a:endParaRPr>
+            </a:p>
+          </p:txBody>
+        </p:sp>
+        <p:sp>
+          <p:nvSpPr>
+            <p:cNvPr id="29" name="TextBox 28">
+              <a:extLst>
+                <a:ext uri="{FF2B5EF4-FFF2-40B4-BE49-F238E27FC236}">
+                  <a16:creationId xmlns:a16="http://schemas.microsoft.com/office/drawing/2014/main" id="{BB8B3AE5-6231-EB3F-747C-49D226570E6C}"/>
+                </a:ext>
+              </a:extLst>
+            </p:cNvPr>
+            <p:cNvSpPr txBox="1"/>
+            <p:nvPr/>
+          </p:nvSpPr>
+          <p:spPr>
+            <a:xfrm>
+              <a:off x="5694288" y="772826"/>
+              <a:ext cx="800219" cy="461665"/>
+            </a:xfrm>
+            <a:prstGeom prst="rect">
+              <a:avLst/>
+            </a:prstGeom>
+            <a:noFill/>
+          </p:spPr>
+          <p:txBody>
+            <a:bodyPr wrap="none" rtlCol="0">
+              <a:spAutoFit/>
+            </a:bodyPr>
+            <a:lstStyle/>
+            <a:p>
+              <a:r>
+                <a:rPr lang="ko-KR" altLang="en-US" sz="2400" b="1">
+                  <a:solidFill>
+                    <a:srgbClr val="0070C0"/>
+                  </a:solidFill>
+                </a:rPr>
+                <a:t>연산</a:t>
+              </a:r>
+              <a:endParaRPr lang="en-GB" sz="2400" b="1">
+                <a:solidFill>
+                  <a:srgbClr val="0070C0"/>
+                </a:solidFill>
+              </a:endParaRPr>
+            </a:p>
+          </p:txBody>
+        </p:sp>
+        <p:sp>
+          <p:nvSpPr>
+            <p:cNvPr id="41" name="직사각형 40">
+              <a:extLst>
+                <a:ext uri="{FF2B5EF4-FFF2-40B4-BE49-F238E27FC236}">
+                  <a16:creationId xmlns:a16="http://schemas.microsoft.com/office/drawing/2014/main" id="{B6C68552-CE31-058E-7B0C-0E498E966E25}"/>
+                </a:ext>
+              </a:extLst>
+            </p:cNvPr>
+            <p:cNvSpPr/>
+            <p:nvPr/>
+          </p:nvSpPr>
+          <p:spPr>
+            <a:xfrm>
+              <a:off x="679807" y="509856"/>
+              <a:ext cx="10832386" cy="5838289"/>
+            </a:xfrm>
+            <a:prstGeom prst="rect">
+              <a:avLst/>
+            </a:prstGeom>
+            <a:noFill/>
+            <a:ln w="19050">
+              <a:solidFill>
+                <a:schemeClr val="tx1"/>
+              </a:solidFill>
+            </a:ln>
+          </p:spPr>
+          <p:style>
+            <a:lnRef idx="2">
+              <a:schemeClr val="accent1">
+                <a:shade val="15000"/>
+              </a:schemeClr>
+            </a:lnRef>
+            <a:fillRef idx="1">
+              <a:schemeClr val="accent1"/>
+            </a:fillRef>
+            <a:effectRef idx="0">
+              <a:schemeClr val="accent1"/>
+            </a:effectRef>
+            <a:fontRef idx="minor">
+              <a:schemeClr val="lt1"/>
+            </a:fontRef>
+          </p:style>
+          <p:txBody>
+            <a:bodyPr rtlCol="0" anchor="ctr"/>
+            <a:lstStyle/>
+            <a:p>
+              <a:pPr algn="ctr"/>
+              <a:endParaRPr lang="en-GB"/>
+            </a:p>
+          </p:txBody>
+        </p:sp>
+        <p:sp>
+          <p:nvSpPr>
+            <p:cNvPr id="14" name="직사각형 13">
+              <a:extLst>
+                <a:ext uri="{FF2B5EF4-FFF2-40B4-BE49-F238E27FC236}">
+                  <a16:creationId xmlns:a16="http://schemas.microsoft.com/office/drawing/2014/main" id="{B856F35A-FF08-D9A7-9E11-7F5B4FAA5090}"/>
+                </a:ext>
+              </a:extLst>
+            </p:cNvPr>
+            <p:cNvSpPr/>
+            <p:nvPr/>
+          </p:nvSpPr>
+          <p:spPr>
+            <a:xfrm>
+              <a:off x="1409272" y="2465966"/>
+              <a:ext cx="2149302" cy="888715"/>
+            </a:xfrm>
+            <a:prstGeom prst="rect">
+              <a:avLst/>
+            </a:prstGeom>
+            <a:noFill/>
+            <a:ln>
+              <a:solidFill>
+                <a:srgbClr val="C00000"/>
+              </a:solidFill>
+            </a:ln>
+          </p:spPr>
+          <p:style>
+            <a:lnRef idx="2">
+              <a:schemeClr val="accent1">
+                <a:shade val="15000"/>
+              </a:schemeClr>
+            </a:lnRef>
+            <a:fillRef idx="1">
+              <a:schemeClr val="accent1"/>
+            </a:fillRef>
+            <a:effectRef idx="0">
+              <a:schemeClr val="accent1"/>
+            </a:effectRef>
+            <a:fontRef idx="minor">
+              <a:schemeClr val="lt1"/>
+            </a:fontRef>
+          </p:style>
+          <p:txBody>
+            <a:bodyPr rtlCol="0" anchor="ctr"/>
+            <a:lstStyle/>
+            <a:p>
+              <a:pPr algn="ctr"/>
+              <a:endParaRPr lang="en-GB"/>
+            </a:p>
+          </p:txBody>
+        </p:sp>
+        <p:sp>
+          <p:nvSpPr>
+            <p:cNvPr id="15" name="TextBox 14">
+              <a:extLst>
+                <a:ext uri="{FF2B5EF4-FFF2-40B4-BE49-F238E27FC236}">
+                  <a16:creationId xmlns:a16="http://schemas.microsoft.com/office/drawing/2014/main" id="{9F08D280-7FA0-1F53-37E2-DCCFF26D378F}"/>
+                </a:ext>
+              </a:extLst>
+            </p:cNvPr>
+            <p:cNvSpPr txBox="1"/>
+            <p:nvPr/>
+          </p:nvSpPr>
+          <p:spPr>
+            <a:xfrm>
+              <a:off x="1722752" y="2582186"/>
+              <a:ext cx="1522340" cy="369332"/>
+            </a:xfrm>
+            <a:prstGeom prst="rect">
+              <a:avLst/>
+            </a:prstGeom>
+            <a:noFill/>
+          </p:spPr>
+          <p:txBody>
+            <a:bodyPr wrap="none" rtlCol="0">
+              <a:spAutoFit/>
+            </a:bodyPr>
+            <a:lstStyle/>
+            <a:p>
+              <a:r>
+                <a:rPr lang="en-GB" b="1">
+                  <a:solidFill>
+                    <a:srgbClr val="C00000"/>
+                  </a:solidFill>
+                </a:rPr>
+                <a:t>Adapter Layer</a:t>
+              </a:r>
+            </a:p>
+          </p:txBody>
+        </p:sp>
+        <p:cxnSp>
+          <p:nvCxnSpPr>
+            <p:cNvPr id="19" name="직선 화살표 연결선 18">
+              <a:extLst>
+                <a:ext uri="{FF2B5EF4-FFF2-40B4-BE49-F238E27FC236}">
+                  <a16:creationId xmlns:a16="http://schemas.microsoft.com/office/drawing/2014/main" id="{3ACF13D0-C7C6-8AEE-EB3A-7100543D80E1}"/>
+                </a:ext>
+              </a:extLst>
+            </p:cNvPr>
+            <p:cNvCxnSpPr>
+              <a:cxnSpLocks/>
+              <a:stCxn id="14" idx="3"/>
+              <a:endCxn id="7" idx="1"/>
+            </p:cNvCxnSpPr>
+            <p:nvPr/>
+          </p:nvCxnSpPr>
+          <p:spPr>
+            <a:xfrm>
+              <a:off x="3558574" y="2910324"/>
+              <a:ext cx="1462775" cy="0"/>
+            </a:xfrm>
+            <a:prstGeom prst="straightConnector1">
+              <a:avLst/>
+            </a:prstGeom>
+            <a:ln w="28575">
+              <a:solidFill>
+                <a:schemeClr val="tx1"/>
+              </a:solidFill>
+              <a:tailEnd type="arrow"/>
+            </a:ln>
+          </p:spPr>
+          <p:style>
+            <a:lnRef idx="1">
+              <a:schemeClr val="accent1"/>
+            </a:lnRef>
+            <a:fillRef idx="0">
+              <a:schemeClr val="accent1"/>
+            </a:fillRef>
+            <a:effectRef idx="0">
+              <a:schemeClr val="accent1"/>
+            </a:effectRef>
+            <a:fontRef idx="minor">
+              <a:schemeClr val="tx1"/>
+            </a:fontRef>
+          </p:style>
+        </p:cxnSp>
+        <p:sp>
+          <p:nvSpPr>
+            <p:cNvPr id="7" name="직사각형 6">
+              <a:extLst>
+                <a:ext uri="{FF2B5EF4-FFF2-40B4-BE49-F238E27FC236}">
+                  <a16:creationId xmlns:a16="http://schemas.microsoft.com/office/drawing/2014/main" id="{5807D226-7FC1-6750-AB45-D7EDFBE05432}"/>
+                </a:ext>
+              </a:extLst>
+            </p:cNvPr>
+            <p:cNvSpPr/>
+            <p:nvPr/>
+          </p:nvSpPr>
+          <p:spPr>
+            <a:xfrm>
+              <a:off x="5021349" y="2465966"/>
+              <a:ext cx="2149302" cy="888715"/>
+            </a:xfrm>
+            <a:prstGeom prst="rect">
+              <a:avLst/>
+            </a:prstGeom>
+            <a:noFill/>
+            <a:ln>
+              <a:solidFill>
+                <a:srgbClr val="0070C0"/>
+              </a:solidFill>
+            </a:ln>
+          </p:spPr>
+          <p:style>
+            <a:lnRef idx="2">
+              <a:schemeClr val="accent1">
+                <a:shade val="15000"/>
+              </a:schemeClr>
+            </a:lnRef>
+            <a:fillRef idx="1">
+              <a:schemeClr val="accent1"/>
+            </a:fillRef>
+            <a:effectRef idx="0">
+              <a:schemeClr val="accent1"/>
+            </a:effectRef>
+            <a:fontRef idx="minor">
+              <a:schemeClr val="lt1"/>
+            </a:fontRef>
+          </p:style>
+          <p:txBody>
+            <a:bodyPr rtlCol="0" anchor="ctr"/>
+            <a:lstStyle/>
+            <a:p>
+              <a:pPr algn="ctr"/>
+              <a:endParaRPr lang="en-GB"/>
+            </a:p>
+          </p:txBody>
+        </p:sp>
+        <p:sp>
+          <p:nvSpPr>
+            <p:cNvPr id="4" name="TextBox 3">
+              <a:extLst>
+                <a:ext uri="{FF2B5EF4-FFF2-40B4-BE49-F238E27FC236}">
+                  <a16:creationId xmlns:a16="http://schemas.microsoft.com/office/drawing/2014/main" id="{7D5D357C-21CC-007B-8024-C47DC5EA253E}"/>
+                </a:ext>
+              </a:extLst>
+            </p:cNvPr>
+            <p:cNvSpPr txBox="1"/>
+            <p:nvPr/>
+          </p:nvSpPr>
+          <p:spPr>
+            <a:xfrm>
+              <a:off x="5177607" y="2582186"/>
+              <a:ext cx="1836785" cy="369332"/>
+            </a:xfrm>
+            <a:prstGeom prst="rect">
+              <a:avLst/>
+            </a:prstGeom>
+            <a:noFill/>
+          </p:spPr>
+          <p:txBody>
+            <a:bodyPr wrap="none" rtlCol="0">
+              <a:spAutoFit/>
+            </a:bodyPr>
+            <a:lstStyle/>
+            <a:p>
+              <a:r>
+                <a:rPr lang="en-GB" b="1">
+                  <a:solidFill>
+                    <a:srgbClr val="0070C0"/>
+                  </a:solidFill>
+                </a:rPr>
+                <a:t>Application Layer</a:t>
+              </a:r>
+            </a:p>
+          </p:txBody>
+        </p:sp>
+        <p:sp>
+          <p:nvSpPr>
+            <p:cNvPr id="30" name="TextBox 29">
+              <a:extLst>
+                <a:ext uri="{FF2B5EF4-FFF2-40B4-BE49-F238E27FC236}">
+                  <a16:creationId xmlns:a16="http://schemas.microsoft.com/office/drawing/2014/main" id="{8ED954F7-1214-3972-B395-7C7BE7C5574A}"/>
+                </a:ext>
+              </a:extLst>
+            </p:cNvPr>
+            <p:cNvSpPr txBox="1"/>
+            <p:nvPr/>
+          </p:nvSpPr>
+          <p:spPr>
+            <a:xfrm>
+              <a:off x="5671043" y="2930684"/>
+              <a:ext cx="849913" cy="307777"/>
+            </a:xfrm>
+            <a:prstGeom prst="rect">
+              <a:avLst/>
+            </a:prstGeom>
+            <a:noFill/>
+          </p:spPr>
+          <p:txBody>
+            <a:bodyPr wrap="none" rtlCol="0">
+              <a:spAutoFit/>
+            </a:bodyPr>
+            <a:lstStyle/>
+            <a:p>
+              <a:r>
+                <a:rPr lang="en-GB" sz="1400" b="1">
+                  <a:solidFill>
+                    <a:srgbClr val="0070C0"/>
+                  </a:solidFill>
+                </a:rPr>
+                <a:t>Biz. </a:t>
+              </a:r>
+              <a:r>
+                <a:rPr lang="ko-KR" altLang="en-US" sz="1400" b="1">
+                  <a:solidFill>
+                    <a:srgbClr val="0070C0"/>
+                  </a:solidFill>
+                </a:rPr>
+                <a:t>흐름</a:t>
+              </a:r>
+              <a:endParaRPr lang="en-GB" sz="1400" b="1">
+                <a:solidFill>
+                  <a:srgbClr val="0070C0"/>
+                </a:solidFill>
+              </a:endParaRPr>
+            </a:p>
+          </p:txBody>
+        </p:sp>
+        <p:sp>
+          <p:nvSpPr>
+            <p:cNvPr id="2" name="TextBox 1">
+              <a:extLst>
+                <a:ext uri="{FF2B5EF4-FFF2-40B4-BE49-F238E27FC236}">
+                  <a16:creationId xmlns:a16="http://schemas.microsoft.com/office/drawing/2014/main" id="{0413BC1F-1349-C056-DCF0-A793A6965C4B}"/>
+                </a:ext>
+              </a:extLst>
+            </p:cNvPr>
+            <p:cNvSpPr txBox="1"/>
+            <p:nvPr/>
+          </p:nvSpPr>
+          <p:spPr>
+            <a:xfrm>
+              <a:off x="2200575" y="2930684"/>
+              <a:ext cx="566694" cy="307777"/>
+            </a:xfrm>
+            <a:prstGeom prst="rect">
+              <a:avLst/>
+            </a:prstGeom>
+            <a:noFill/>
+          </p:spPr>
+          <p:txBody>
+            <a:bodyPr wrap="none" rtlCol="0">
+              <a:spAutoFit/>
+            </a:bodyPr>
+            <a:lstStyle/>
+            <a:p>
+              <a:r>
+                <a:rPr lang="en-GB" sz="1400" b="1">
+                  <a:solidFill>
+                    <a:srgbClr val="C00000"/>
+                  </a:solidFill>
+                </a:rPr>
+                <a:t>Tech.</a:t>
+              </a:r>
+            </a:p>
+          </p:txBody>
+        </p:sp>
+        <p:sp>
+          <p:nvSpPr>
+            <p:cNvPr id="17" name="직사각형 16">
+              <a:extLst>
+                <a:ext uri="{FF2B5EF4-FFF2-40B4-BE49-F238E27FC236}">
+                  <a16:creationId xmlns:a16="http://schemas.microsoft.com/office/drawing/2014/main" id="{C39EF287-030C-ECD8-717A-E6AD36274608}"/>
+                </a:ext>
+              </a:extLst>
+            </p:cNvPr>
+            <p:cNvSpPr/>
+            <p:nvPr/>
+          </p:nvSpPr>
+          <p:spPr>
+            <a:xfrm>
+              <a:off x="8633426" y="2465966"/>
+              <a:ext cx="2149302" cy="888715"/>
+            </a:xfrm>
+            <a:prstGeom prst="rect">
+              <a:avLst/>
+            </a:prstGeom>
+            <a:noFill/>
+            <a:ln>
+              <a:solidFill>
+                <a:srgbClr val="C00000"/>
+              </a:solidFill>
+            </a:ln>
+          </p:spPr>
+          <p:style>
+            <a:lnRef idx="2">
+              <a:schemeClr val="accent1">
+                <a:shade val="15000"/>
+              </a:schemeClr>
+            </a:lnRef>
+            <a:fillRef idx="1">
+              <a:schemeClr val="accent1"/>
+            </a:fillRef>
+            <a:effectRef idx="0">
+              <a:schemeClr val="accent1"/>
+            </a:effectRef>
+            <a:fontRef idx="minor">
+              <a:schemeClr val="lt1"/>
+            </a:fontRef>
+          </p:style>
+          <p:txBody>
+            <a:bodyPr rtlCol="0" anchor="ctr"/>
+            <a:lstStyle/>
+            <a:p>
+              <a:pPr algn="ctr"/>
+              <a:endParaRPr lang="en-GB"/>
+            </a:p>
+          </p:txBody>
+        </p:sp>
+        <p:sp>
+          <p:nvSpPr>
+            <p:cNvPr id="18" name="TextBox 17">
+              <a:extLst>
+                <a:ext uri="{FF2B5EF4-FFF2-40B4-BE49-F238E27FC236}">
+                  <a16:creationId xmlns:a16="http://schemas.microsoft.com/office/drawing/2014/main" id="{127C79AD-FE5D-3748-0156-4FCA6F81FC4D}"/>
+                </a:ext>
+              </a:extLst>
+            </p:cNvPr>
+            <p:cNvSpPr txBox="1"/>
+            <p:nvPr/>
+          </p:nvSpPr>
+          <p:spPr>
+            <a:xfrm>
+              <a:off x="8946906" y="2582187"/>
+              <a:ext cx="1522340" cy="369332"/>
+            </a:xfrm>
+            <a:prstGeom prst="rect">
+              <a:avLst/>
+            </a:prstGeom>
+            <a:noFill/>
+          </p:spPr>
+          <p:txBody>
+            <a:bodyPr wrap="none" rtlCol="0">
+              <a:spAutoFit/>
+            </a:bodyPr>
+            <a:lstStyle/>
+            <a:p>
+              <a:r>
+                <a:rPr lang="en-GB" b="1">
+                  <a:solidFill>
+                    <a:srgbClr val="C00000"/>
+                  </a:solidFill>
+                </a:rPr>
+                <a:t>Adapter Layer</a:t>
+              </a:r>
+            </a:p>
+          </p:txBody>
+        </p:sp>
+        <p:sp>
+          <p:nvSpPr>
+            <p:cNvPr id="3" name="TextBox 2">
+              <a:extLst>
+                <a:ext uri="{FF2B5EF4-FFF2-40B4-BE49-F238E27FC236}">
+                  <a16:creationId xmlns:a16="http://schemas.microsoft.com/office/drawing/2014/main" id="{8A7C7473-EB5F-56CE-E280-53F5D0C25B88}"/>
+                </a:ext>
+              </a:extLst>
+            </p:cNvPr>
+            <p:cNvSpPr txBox="1"/>
+            <p:nvPr/>
+          </p:nvSpPr>
+          <p:spPr>
+            <a:xfrm>
+              <a:off x="9424729" y="2930685"/>
+              <a:ext cx="566694" cy="307777"/>
+            </a:xfrm>
+            <a:prstGeom prst="rect">
+              <a:avLst/>
+            </a:prstGeom>
+            <a:noFill/>
+          </p:spPr>
+          <p:txBody>
+            <a:bodyPr wrap="none" rtlCol="0">
+              <a:spAutoFit/>
+            </a:bodyPr>
+            <a:lstStyle/>
+            <a:p>
+              <a:r>
+                <a:rPr lang="en-GB" sz="1400" b="1">
+                  <a:solidFill>
+                    <a:srgbClr val="C00000"/>
+                  </a:solidFill>
+                </a:rPr>
+                <a:t>Tech.</a:t>
+              </a:r>
+            </a:p>
+          </p:txBody>
+        </p:sp>
+        <p:sp>
+          <p:nvSpPr>
+            <p:cNvPr id="10" name="직사각형 9">
+              <a:extLst>
+                <a:ext uri="{FF2B5EF4-FFF2-40B4-BE49-F238E27FC236}">
+                  <a16:creationId xmlns:a16="http://schemas.microsoft.com/office/drawing/2014/main" id="{F728DCE2-908A-8430-A5D2-304A3952DDBB}"/>
+                </a:ext>
+              </a:extLst>
+            </p:cNvPr>
+            <p:cNvSpPr/>
+            <p:nvPr/>
+          </p:nvSpPr>
+          <p:spPr>
+            <a:xfrm>
+              <a:off x="8633425" y="3930583"/>
+              <a:ext cx="2149302" cy="888715"/>
+            </a:xfrm>
+            <a:prstGeom prst="rect">
+              <a:avLst/>
+            </a:prstGeom>
+            <a:noFill/>
+            <a:ln>
+              <a:solidFill>
+                <a:srgbClr val="C00000"/>
+              </a:solidFill>
+              <a:prstDash val="dash"/>
+            </a:ln>
+          </p:spPr>
+          <p:style>
+            <a:lnRef idx="2">
+              <a:schemeClr val="accent1">
+                <a:shade val="15000"/>
+              </a:schemeClr>
+            </a:lnRef>
+            <a:fillRef idx="1">
+              <a:schemeClr val="accent1"/>
+            </a:fillRef>
+            <a:effectRef idx="0">
+              <a:schemeClr val="accent1"/>
+            </a:effectRef>
+            <a:fontRef idx="minor">
+              <a:schemeClr val="lt1"/>
+            </a:fontRef>
+          </p:style>
+          <p:txBody>
+            <a:bodyPr rtlCol="0" anchor="ctr"/>
+            <a:lstStyle/>
+            <a:p>
+              <a:pPr algn="ctr"/>
+              <a:endParaRPr lang="en-GB"/>
+            </a:p>
+          </p:txBody>
+        </p:sp>
+        <p:sp>
+          <p:nvSpPr>
+            <p:cNvPr id="11" name="TextBox 10">
+              <a:extLst>
+                <a:ext uri="{FF2B5EF4-FFF2-40B4-BE49-F238E27FC236}">
+                  <a16:creationId xmlns:a16="http://schemas.microsoft.com/office/drawing/2014/main" id="{A4E57BB9-E5FF-7283-1883-1B2B44562CE4}"/>
+                </a:ext>
+              </a:extLst>
+            </p:cNvPr>
+            <p:cNvSpPr txBox="1"/>
+            <p:nvPr/>
+          </p:nvSpPr>
+          <p:spPr>
+            <a:xfrm>
+              <a:off x="8946905" y="4046804"/>
+              <a:ext cx="1522340" cy="369332"/>
+            </a:xfrm>
+            <a:prstGeom prst="rect">
+              <a:avLst/>
+            </a:prstGeom>
+            <a:noFill/>
+          </p:spPr>
+          <p:txBody>
+            <a:bodyPr wrap="none" rtlCol="0">
+              <a:spAutoFit/>
+            </a:bodyPr>
+            <a:lstStyle/>
+            <a:p>
+              <a:r>
+                <a:rPr lang="en-GB" b="1">
+                  <a:solidFill>
+                    <a:srgbClr val="C00000"/>
+                  </a:solidFill>
+                </a:rPr>
+                <a:t>Adapter Layer</a:t>
+              </a:r>
+            </a:p>
+          </p:txBody>
+        </p:sp>
+        <p:sp>
+          <p:nvSpPr>
+            <p:cNvPr id="13" name="TextBox 12">
+              <a:extLst>
+                <a:ext uri="{FF2B5EF4-FFF2-40B4-BE49-F238E27FC236}">
+                  <a16:creationId xmlns:a16="http://schemas.microsoft.com/office/drawing/2014/main" id="{16D366BB-4809-C3F0-013F-8285845B1575}"/>
+                </a:ext>
+              </a:extLst>
+            </p:cNvPr>
+            <p:cNvSpPr txBox="1"/>
+            <p:nvPr/>
+          </p:nvSpPr>
+          <p:spPr>
+            <a:xfrm>
+              <a:off x="9424728" y="4395302"/>
+              <a:ext cx="566694" cy="307777"/>
+            </a:xfrm>
+            <a:prstGeom prst="rect">
+              <a:avLst/>
+            </a:prstGeom>
+            <a:noFill/>
+          </p:spPr>
+          <p:txBody>
+            <a:bodyPr wrap="none" rtlCol="0">
+              <a:spAutoFit/>
+            </a:bodyPr>
+            <a:lstStyle/>
+            <a:p>
+              <a:r>
+                <a:rPr lang="en-GB" sz="1400" b="1">
+                  <a:solidFill>
+                    <a:srgbClr val="C00000"/>
+                  </a:solidFill>
+                </a:rPr>
+                <a:t>Tech.</a:t>
+              </a:r>
+            </a:p>
+          </p:txBody>
+        </p:sp>
+        <p:cxnSp>
+          <p:nvCxnSpPr>
+            <p:cNvPr id="20" name="연결선: 꺾임 19">
+              <a:extLst>
+                <a:ext uri="{FF2B5EF4-FFF2-40B4-BE49-F238E27FC236}">
+                  <a16:creationId xmlns:a16="http://schemas.microsoft.com/office/drawing/2014/main" id="{7E673CA2-5D7E-EE42-4229-CA8A78CE5D9D}"/>
+                </a:ext>
+              </a:extLst>
+            </p:cNvPr>
+            <p:cNvCxnSpPr>
+              <a:cxnSpLocks/>
+              <a:stCxn id="45" idx="3"/>
+              <a:endCxn id="10" idx="1"/>
+            </p:cNvCxnSpPr>
+            <p:nvPr/>
+          </p:nvCxnSpPr>
+          <p:spPr>
+            <a:xfrm>
+              <a:off x="7170651" y="3192865"/>
+              <a:ext cx="1462774" cy="1182076"/>
+            </a:xfrm>
+            <a:prstGeom prst="bentConnector3">
+              <a:avLst>
+                <a:gd name="adj1" fmla="val 50000"/>
+              </a:avLst>
+            </a:prstGeom>
+            <a:ln w="28575">
+              <a:solidFill>
+                <a:schemeClr val="tx1"/>
+              </a:solidFill>
+              <a:prstDash val="solid"/>
+              <a:tailEnd type="arrow"/>
+            </a:ln>
+          </p:spPr>
+          <p:style>
+            <a:lnRef idx="1">
+              <a:schemeClr val="accent1"/>
+            </a:lnRef>
+            <a:fillRef idx="0">
+              <a:schemeClr val="accent1"/>
+            </a:fillRef>
+            <a:effectRef idx="0">
+              <a:schemeClr val="accent1"/>
+            </a:effectRef>
+            <a:fontRef idx="minor">
+              <a:schemeClr val="tx1"/>
+            </a:fontRef>
+          </p:style>
+        </p:cxnSp>
+        <p:sp>
+          <p:nvSpPr>
+            <p:cNvPr id="35" name="TextBox 34">
+              <a:extLst>
+                <a:ext uri="{FF2B5EF4-FFF2-40B4-BE49-F238E27FC236}">
+                  <a16:creationId xmlns:a16="http://schemas.microsoft.com/office/drawing/2014/main" id="{BD92E4A6-BAE3-4E59-F7B8-9DBD509BA69E}"/>
+                </a:ext>
+              </a:extLst>
+            </p:cNvPr>
+            <p:cNvSpPr txBox="1"/>
+            <p:nvPr/>
+          </p:nvSpPr>
+          <p:spPr>
+            <a:xfrm>
+              <a:off x="2139275" y="2108930"/>
+              <a:ext cx="686085" cy="307777"/>
+            </a:xfrm>
+            <a:prstGeom prst="rect">
+              <a:avLst/>
+            </a:prstGeom>
+            <a:noFill/>
+          </p:spPr>
+          <p:txBody>
+            <a:bodyPr wrap="none" rtlCol="0">
+              <a:spAutoFit/>
+            </a:bodyPr>
+            <a:lstStyle/>
+            <a:p>
+              <a:r>
+                <a:rPr lang="en-GB" sz="1400"/>
+                <a:t>Known</a:t>
+              </a:r>
+            </a:p>
+          </p:txBody>
+        </p:sp>
+        <p:sp>
+          <p:nvSpPr>
+            <p:cNvPr id="38" name="TextBox 37">
+              <a:extLst>
+                <a:ext uri="{FF2B5EF4-FFF2-40B4-BE49-F238E27FC236}">
+                  <a16:creationId xmlns:a16="http://schemas.microsoft.com/office/drawing/2014/main" id="{A93D7A25-44A6-FBA1-F662-2588A33803F1}"/>
+                </a:ext>
+              </a:extLst>
+            </p:cNvPr>
+            <p:cNvSpPr txBox="1"/>
+            <p:nvPr/>
+          </p:nvSpPr>
+          <p:spPr>
+            <a:xfrm>
+              <a:off x="9365034" y="2108930"/>
+              <a:ext cx="686085" cy="307777"/>
+            </a:xfrm>
+            <a:prstGeom prst="rect">
+              <a:avLst/>
+            </a:prstGeom>
+            <a:noFill/>
+          </p:spPr>
+          <p:txBody>
+            <a:bodyPr wrap="none" rtlCol="0">
+              <a:spAutoFit/>
+            </a:bodyPr>
+            <a:lstStyle/>
+            <a:p>
+              <a:r>
+                <a:rPr lang="en-GB" sz="1400"/>
+                <a:t>Known</a:t>
+              </a:r>
+            </a:p>
+          </p:txBody>
+        </p:sp>
+        <p:cxnSp>
+          <p:nvCxnSpPr>
+            <p:cNvPr id="42" name="직선 화살표 연결선 41">
+              <a:extLst>
+                <a:ext uri="{FF2B5EF4-FFF2-40B4-BE49-F238E27FC236}">
+                  <a16:creationId xmlns:a16="http://schemas.microsoft.com/office/drawing/2014/main" id="{79E91038-FCB7-319E-CD5B-EB9D3068A8DA}"/>
+                </a:ext>
+              </a:extLst>
+            </p:cNvPr>
+            <p:cNvCxnSpPr>
+              <a:cxnSpLocks/>
+              <a:stCxn id="7" idx="3"/>
+              <a:endCxn id="17" idx="1"/>
+            </p:cNvCxnSpPr>
+            <p:nvPr/>
+          </p:nvCxnSpPr>
+          <p:spPr>
+            <a:xfrm>
+              <a:off x="7170651" y="2910324"/>
+              <a:ext cx="1462775" cy="0"/>
+            </a:xfrm>
+            <a:prstGeom prst="straightConnector1">
+              <a:avLst/>
+            </a:prstGeom>
+            <a:ln w="28575">
+              <a:solidFill>
+                <a:schemeClr val="tx1"/>
+              </a:solidFill>
+              <a:tailEnd type="arrow"/>
+            </a:ln>
+          </p:spPr>
+          <p:style>
+            <a:lnRef idx="1">
+              <a:schemeClr val="accent1"/>
+            </a:lnRef>
+            <a:fillRef idx="0">
+              <a:schemeClr val="accent1"/>
+            </a:fillRef>
+            <a:effectRef idx="0">
+              <a:schemeClr val="accent1"/>
+            </a:effectRef>
+            <a:fontRef idx="minor">
+              <a:schemeClr val="tx1"/>
+            </a:fontRef>
+          </p:style>
+        </p:cxnSp>
+        <p:sp>
+          <p:nvSpPr>
+            <p:cNvPr id="45" name="직사각형 44">
+              <a:extLst>
+                <a:ext uri="{FF2B5EF4-FFF2-40B4-BE49-F238E27FC236}">
+                  <a16:creationId xmlns:a16="http://schemas.microsoft.com/office/drawing/2014/main" id="{7F2FD335-23C0-6266-E99C-FE516D56F60F}"/>
+                </a:ext>
+              </a:extLst>
+            </p:cNvPr>
+            <p:cNvSpPr/>
+            <p:nvPr/>
+          </p:nvSpPr>
+          <p:spPr>
+            <a:xfrm>
+              <a:off x="6738319" y="3031048"/>
+              <a:ext cx="432332" cy="323633"/>
+            </a:xfrm>
+            <a:prstGeom prst="rect">
+              <a:avLst/>
+            </a:prstGeom>
+            <a:noFill/>
+            <a:ln>
+              <a:noFill/>
+            </a:ln>
+          </p:spPr>
+          <p:style>
+            <a:lnRef idx="2">
+              <a:schemeClr val="accent1">
+                <a:shade val="15000"/>
+              </a:schemeClr>
+            </a:lnRef>
+            <a:fillRef idx="1">
+              <a:schemeClr val="accent1"/>
+            </a:fillRef>
+            <a:effectRef idx="0">
+              <a:schemeClr val="accent1"/>
+            </a:effectRef>
+            <a:fontRef idx="minor">
+              <a:schemeClr val="lt1"/>
+            </a:fontRef>
+          </p:style>
+          <p:txBody>
+            <a:bodyPr rtlCol="0" anchor="ctr"/>
+            <a:lstStyle/>
+            <a:p>
+              <a:pPr algn="ctr"/>
+              <a:endParaRPr lang="en-GB"/>
+            </a:p>
+          </p:txBody>
+        </p:sp>
+        <p:sp>
+          <p:nvSpPr>
+            <p:cNvPr id="49" name="TextBox 48">
+              <a:extLst>
+                <a:ext uri="{FF2B5EF4-FFF2-40B4-BE49-F238E27FC236}">
+                  <a16:creationId xmlns:a16="http://schemas.microsoft.com/office/drawing/2014/main" id="{FABF2326-95AC-1E81-51AC-1E435575F0B4}"/>
+                </a:ext>
+              </a:extLst>
+            </p:cNvPr>
+            <p:cNvSpPr txBox="1"/>
+            <p:nvPr/>
+          </p:nvSpPr>
+          <p:spPr>
+            <a:xfrm>
+              <a:off x="9264236" y="3547641"/>
+              <a:ext cx="887679" cy="307777"/>
+            </a:xfrm>
+            <a:prstGeom prst="rect">
+              <a:avLst/>
+            </a:prstGeom>
+            <a:noFill/>
+          </p:spPr>
+          <p:txBody>
+            <a:bodyPr wrap="none" rtlCol="0">
+              <a:spAutoFit/>
+            </a:bodyPr>
+            <a:lstStyle/>
+            <a:p>
+              <a:r>
+                <a:rPr lang="en-GB" sz="1400"/>
+                <a:t>Unknown</a:t>
+              </a:r>
+            </a:p>
+          </p:txBody>
+        </p:sp>
+      </p:grpSp>
+    </p:spTree>
+    <p:extLst>
+      <p:ext uri="{BB962C8B-B14F-4D97-AF65-F5344CB8AC3E}">
+        <p14:creationId xmlns:p14="http://schemas.microsoft.com/office/powerpoint/2010/main" val="2460706833"/>
+      </p:ext>
+    </p:extLst>
+  </p:cSld>
+  <p:clrMapOvr>
+    <a:masterClrMapping/>
+  </p:clrMapOvr>
+</p:sld>
+</file>
+
+<file path=ppt/slides/slide21.xml><?xml version="1.0" encoding="utf-8"?>
+<p:sld xmlns:a="http://schemas.openxmlformats.org/drawingml/2006/main" xmlns:r="http://schemas.openxmlformats.org/officeDocument/2006/relationships" xmlns:p="http://schemas.openxmlformats.org/presentationml/2006/main">
+  <p:cSld>
+    <p:spTree>
+      <p:nvGrpSpPr>
+        <p:cNvPr id="1" name="">
+          <a:extLst>
+            <a:ext uri="{FF2B5EF4-FFF2-40B4-BE49-F238E27FC236}">
               <a16:creationId xmlns:a16="http://schemas.microsoft.com/office/drawing/2014/main" id="{CFDCD79B-E380-3869-FD17-299F5024C237}"/>
             </a:ext>
           </a:extLst>
@@ -25399,7 +28988,7 @@
 </p:sld>
 </file>
 
-<file path=ppt/slides/slide21.xml><?xml version="1.0" encoding="utf-8"?>
+<file path=ppt/slides/slide22.xml><?xml version="1.0" encoding="utf-8"?>
 <p:sld xmlns:a="http://schemas.openxmlformats.org/drawingml/2006/main" xmlns:r="http://schemas.openxmlformats.org/officeDocument/2006/relationships" xmlns:p="http://schemas.openxmlformats.org/presentationml/2006/main">
   <p:cSld>
     <p:spTree>
@@ -27869,7 +31458,7 @@
 </p:sld>
 </file>
 
-<file path=ppt/slides/slide22.xml><?xml version="1.0" encoding="utf-8"?>
+<file path=ppt/slides/slide23.xml><?xml version="1.0" encoding="utf-8"?>
 <p:sld xmlns:a="http://schemas.openxmlformats.org/drawingml/2006/main" xmlns:r="http://schemas.openxmlformats.org/officeDocument/2006/relationships" xmlns:p="http://schemas.openxmlformats.org/presentationml/2006/main">
   <p:cSld>
     <p:spTree>
@@ -27946,7 +31535,7 @@
 </p:sld>
 </file>
 
-<file path=ppt/slides/slide23.xml><?xml version="1.0" encoding="utf-8"?>
+<file path=ppt/slides/slide24.xml><?xml version="1.0" encoding="utf-8"?>
 <p:sld xmlns:a="http://schemas.openxmlformats.org/drawingml/2006/main" xmlns:r="http://schemas.openxmlformats.org/officeDocument/2006/relationships" xmlns:p="http://schemas.openxmlformats.org/presentationml/2006/main">
   <p:cSld>
     <p:spTree>
@@ -30479,7 +34068,7 @@
 </p:sld>
 </file>
 
-<file path=ppt/slides/slide24.xml><?xml version="1.0" encoding="utf-8"?>
+<file path=ppt/slides/slide25.xml><?xml version="1.0" encoding="utf-8"?>
 <p:sld xmlns:a="http://schemas.openxmlformats.org/drawingml/2006/main" xmlns:r="http://schemas.openxmlformats.org/officeDocument/2006/relationships" xmlns:p="http://schemas.openxmlformats.org/presentationml/2006/main">
   <p:cSld>
     <p:spTree>
@@ -33726,7 +37315,7 @@
 </p:sld>
 </file>
 
-<file path=ppt/slides/slide25.xml><?xml version="1.0" encoding="utf-8"?>
+<file path=ppt/slides/slide26.xml><?xml version="1.0" encoding="utf-8"?>
 <p:sld xmlns:a="http://schemas.openxmlformats.org/drawingml/2006/main" xmlns:r="http://schemas.openxmlformats.org/officeDocument/2006/relationships" xmlns:p="http://schemas.openxmlformats.org/presentationml/2006/main">
   <p:cSld>
     <p:spTree>
@@ -33785,7 +37374,7 @@
 </p:sld>
 </file>
 
-<file path=ppt/slides/slide26.xml><?xml version="1.0" encoding="utf-8"?>
+<file path=ppt/slides/slide27.xml><?xml version="1.0" encoding="utf-8"?>
 <p:sld xmlns:a="http://schemas.openxmlformats.org/drawingml/2006/main" xmlns:r="http://schemas.openxmlformats.org/officeDocument/2006/relationships" xmlns:p="http://schemas.openxmlformats.org/presentationml/2006/main">
   <p:cSld>
     <p:spTree>
